--- a/docs/images/UiComponent.pptx
+++ b/docs/images/UiComponent.pptx
@@ -7,10 +7,13 @@
   <p:notesMasterIdLst>
     <p:notesMasterId r:id="rId3"/>
   </p:notesMasterIdLst>
+  <p:handoutMasterIdLst>
+    <p:handoutMasterId r:id="rId4"/>
+  </p:handoutMasterIdLst>
   <p:sldIdLst>
     <p:sldId id="256" r:id="rId2"/>
   </p:sldIdLst>
-  <p:sldSz cx="10080625" cy="6840538"/>
+  <p:sldSz cx="10080625" cy="7559675"/>
   <p:notesSz cx="6858000" cy="9144000"/>
   <p:defaultTextStyle>
     <a:defPPr>
@@ -110,20 +113,188 @@
   <p:extLst>
     <p:ext uri="{EFAFB233-063F-42B5-8137-9DF3F51BA10A}">
       <p15:sldGuideLst xmlns:p15="http://schemas.microsoft.com/office/powerpoint/2012/main">
-        <p15:guide id="1" orient="horz" pos="2155">
+        <p15:guide id="1" orient="horz" pos="2382" userDrawn="1">
           <p15:clr>
             <a:srgbClr val="A4A3A4"/>
           </p15:clr>
         </p15:guide>
-        <p15:guide id="2" pos="3176">
+        <p15:guide id="2" pos="3176" userDrawn="1">
           <p15:clr>
             <a:srgbClr val="A4A3A4"/>
           </p15:clr>
         </p15:guide>
       </p15:sldGuideLst>
     </p:ext>
+    <p:ext uri="{2D200454-40CA-4A62-9FC3-DE9A4176ACB9}">
+      <p15:notesGuideLst xmlns:p15="http://schemas.microsoft.com/office/powerpoint/2012/main"/>
+    </p:ext>
   </p:extLst>
 </p:presentation>
+</file>
+
+<file path=ppt/handoutMasters/handoutMaster1.xml><?xml version="1.0" encoding="utf-8"?>
+<p:handoutMaster xmlns:a="http://schemas.openxmlformats.org/drawingml/2006/main" xmlns:r="http://schemas.openxmlformats.org/officeDocument/2006/relationships" xmlns:p="http://schemas.openxmlformats.org/presentationml/2006/main">
+  <p:cSld>
+    <p:bg>
+      <p:bgRef idx="1001">
+        <a:schemeClr val="bg1"/>
+      </p:bgRef>
+    </p:bg>
+    <p:spTree>
+      <p:nvGrpSpPr>
+        <p:cNvPr id="1" name=""/>
+        <p:cNvGrpSpPr/>
+        <p:nvPr/>
+      </p:nvGrpSpPr>
+      <p:grpSpPr>
+        <a:xfrm>
+          <a:off x="0" y="0"/>
+          <a:ext cx="0" cy="0"/>
+          <a:chOff x="0" y="0"/>
+          <a:chExt cx="0" cy="0"/>
+        </a:xfrm>
+      </p:grpSpPr>
+      <p:sp>
+        <p:nvSpPr>
+          <p:cNvPr id="2" name="Header Placeholder 1"/>
+          <p:cNvSpPr>
+            <a:spLocks noGrp="1"/>
+          </p:cNvSpPr>
+          <p:nvPr>
+            <p:ph type="hdr" sz="quarter"/>
+          </p:nvPr>
+        </p:nvSpPr>
+        <p:spPr>
+          <a:xfrm>
+            <a:off x="0" y="0"/>
+            <a:ext cx="2971800" cy="458788"/>
+          </a:xfrm>
+          <a:prstGeom prst="rect">
+            <a:avLst/>
+          </a:prstGeom>
+        </p:spPr>
+        <p:txBody>
+          <a:bodyPr vert="horz" lIns="91440" tIns="45720" rIns="91440" bIns="45720" rtlCol="0"/>
+          <a:lstStyle>
+            <a:lvl1pPr algn="l">
+              <a:defRPr sz="1200"/>
+            </a:lvl1pPr>
+          </a:lstStyle>
+          <a:p>
+            <a:endParaRPr lang="en-AU"/>
+          </a:p>
+        </p:txBody>
+      </p:sp>
+      <p:sp>
+        <p:nvSpPr>
+          <p:cNvPr id="3" name="Date Placeholder 2"/>
+          <p:cNvSpPr>
+            <a:spLocks noGrp="1"/>
+          </p:cNvSpPr>
+          <p:nvPr>
+            <p:ph type="dt" sz="quarter" idx="1"/>
+          </p:nvPr>
+        </p:nvSpPr>
+        <p:spPr>
+          <a:xfrm>
+            <a:off x="3884613" y="0"/>
+            <a:ext cx="2971800" cy="458788"/>
+          </a:xfrm>
+          <a:prstGeom prst="rect">
+            <a:avLst/>
+          </a:prstGeom>
+        </p:spPr>
+        <p:txBody>
+          <a:bodyPr vert="horz" lIns="91440" tIns="45720" rIns="91440" bIns="45720" rtlCol="0"/>
+          <a:lstStyle>
+            <a:lvl1pPr algn="r">
+              <a:defRPr sz="1200"/>
+            </a:lvl1pPr>
+          </a:lstStyle>
+          <a:p>
+            <a:fld id="{DAE90588-295F-46D9-AA84-06B159A30412}" type="datetimeFigureOut">
+              <a:rPr lang="en-AU" smtClean="0"/>
+              <a:t>28/01/2017</a:t>
+            </a:fld>
+            <a:endParaRPr lang="en-AU"/>
+          </a:p>
+        </p:txBody>
+      </p:sp>
+      <p:sp>
+        <p:nvSpPr>
+          <p:cNvPr id="4" name="Footer Placeholder 3"/>
+          <p:cNvSpPr>
+            <a:spLocks noGrp="1"/>
+          </p:cNvSpPr>
+          <p:nvPr>
+            <p:ph type="ftr" sz="quarter" idx="2"/>
+          </p:nvPr>
+        </p:nvSpPr>
+        <p:spPr>
+          <a:xfrm>
+            <a:off x="0" y="8685213"/>
+            <a:ext cx="2971800" cy="458787"/>
+          </a:xfrm>
+          <a:prstGeom prst="rect">
+            <a:avLst/>
+          </a:prstGeom>
+        </p:spPr>
+        <p:txBody>
+          <a:bodyPr vert="horz" lIns="91440" tIns="45720" rIns="91440" bIns="45720" rtlCol="0" anchor="b"/>
+          <a:lstStyle>
+            <a:lvl1pPr algn="l">
+              <a:defRPr sz="1200"/>
+            </a:lvl1pPr>
+          </a:lstStyle>
+          <a:p>
+            <a:endParaRPr lang="en-AU"/>
+          </a:p>
+        </p:txBody>
+      </p:sp>
+      <p:sp>
+        <p:nvSpPr>
+          <p:cNvPr id="5" name="Slide Number Placeholder 4"/>
+          <p:cNvSpPr>
+            <a:spLocks noGrp="1"/>
+          </p:cNvSpPr>
+          <p:nvPr>
+            <p:ph type="sldNum" sz="quarter" idx="3"/>
+          </p:nvPr>
+        </p:nvSpPr>
+        <p:spPr>
+          <a:xfrm>
+            <a:off x="3884613" y="8685213"/>
+            <a:ext cx="2971800" cy="458787"/>
+          </a:xfrm>
+          <a:prstGeom prst="rect">
+            <a:avLst/>
+          </a:prstGeom>
+        </p:spPr>
+        <p:txBody>
+          <a:bodyPr vert="horz" lIns="91440" tIns="45720" rIns="91440" bIns="45720" rtlCol="0" anchor="b"/>
+          <a:lstStyle>
+            <a:lvl1pPr algn="r">
+              <a:defRPr sz="1200"/>
+            </a:lvl1pPr>
+          </a:lstStyle>
+          <a:p>
+            <a:fld id="{B3D8B510-204F-42AC-AE71-BFB3CF41F098}" type="slidenum">
+              <a:rPr lang="en-AU" smtClean="0"/>
+              <a:t>‹#›</a:t>
+            </a:fld>
+            <a:endParaRPr lang="en-AU"/>
+          </a:p>
+        </p:txBody>
+      </p:sp>
+    </p:spTree>
+    <p:extLst>
+      <p:ext uri="{BB962C8B-B14F-4D97-AF65-F5344CB8AC3E}">
+        <p14:creationId xmlns:p14="http://schemas.microsoft.com/office/powerpoint/2010/main" val="369131701"/>
+      </p:ext>
+    </p:extLst>
+  </p:cSld>
+  <p:clrMap bg1="lt1" tx1="dk1" bg2="lt2" tx2="dk2" accent1="accent1" accent2="accent2" accent3="accent3" accent4="accent4" accent5="accent5" accent6="accent6" hlink="hlink" folHlink="folHlink"/>
+</p:handoutMaster>
 </file>
 
 <file path=ppt/notesMasters/notesMaster1.xml><?xml version="1.0" encoding="utf-8"?>
@@ -208,7 +379,7 @@
           <a:p>
             <a:fld id="{DC50A2AC-D691-437C-A69B-81ECFE08AD4B}" type="datetimeFigureOut">
               <a:rPr lang="en-SG" smtClean="0"/>
-              <a:t>9/4/2016</a:t>
+              <a:t>28/1/2017</a:t>
             </a:fld>
             <a:endParaRPr lang="en-SG"/>
           </a:p>
@@ -226,8 +397,8 @@
         </p:nvSpPr>
         <p:spPr>
           <a:xfrm>
-            <a:off x="903288" y="685800"/>
-            <a:ext cx="5051425" cy="3429000"/>
+            <a:off x="1143000" y="685800"/>
+            <a:ext cx="4572000" cy="3429000"/>
           </a:xfrm>
           <a:prstGeom prst="rect">
             <a:avLst/>
@@ -505,8 +676,8 @@
         </p:nvSpPr>
         <p:spPr>
           <a:xfrm>
-            <a:off x="903288" y="685800"/>
-            <a:ext cx="5051425" cy="3429000"/>
+            <a:off x="1143000" y="685800"/>
+            <a:ext cx="4572000" cy="3429000"/>
           </a:xfrm>
         </p:spPr>
       </p:sp>
@@ -594,8 +765,8 @@
         </p:nvSpPr>
         <p:spPr>
           <a:xfrm>
-            <a:off x="756047" y="2125003"/>
-            <a:ext cx="8568532" cy="1466283"/>
+            <a:off x="756047" y="2348405"/>
+            <a:ext cx="8568532" cy="1620431"/>
           </a:xfrm>
           <a:prstGeom prst="rect">
             <a:avLst/>
@@ -625,8 +796,8 @@
         </p:nvSpPr>
         <p:spPr>
           <a:xfrm>
-            <a:off x="1512100" y="3876307"/>
-            <a:ext cx="7056437" cy="1748138"/>
+            <a:off x="1512103" y="4283818"/>
+            <a:ext cx="7056437" cy="1931918"/>
           </a:xfrm>
           <a:prstGeom prst="rect">
             <a:avLst/>
@@ -645,7 +816,7 @@
                 </a:solidFill>
               </a:defRPr>
             </a:lvl1pPr>
-            <a:lvl2pPr marL="421721" indent="0" algn="ctr">
+            <a:lvl2pPr marL="421723" indent="0" algn="ctr">
               <a:buNone/>
               <a:defRPr>
                 <a:solidFill>
@@ -655,7 +826,7 @@
                 </a:solidFill>
               </a:defRPr>
             </a:lvl2pPr>
-            <a:lvl3pPr marL="843443" indent="0" algn="ctr">
+            <a:lvl3pPr marL="843447" indent="0" algn="ctr">
               <a:buNone/>
               <a:defRPr>
                 <a:solidFill>
@@ -665,7 +836,7 @@
                 </a:solidFill>
               </a:defRPr>
             </a:lvl3pPr>
-            <a:lvl4pPr marL="1265164" indent="0" algn="ctr">
+            <a:lvl4pPr marL="1265171" indent="0" algn="ctr">
               <a:buNone/>
               <a:defRPr>
                 <a:solidFill>
@@ -675,7 +846,7 @@
                 </a:solidFill>
               </a:defRPr>
             </a:lvl4pPr>
-            <a:lvl5pPr marL="1686885" indent="0" algn="ctr">
+            <a:lvl5pPr marL="1686894" indent="0" algn="ctr">
               <a:buNone/>
               <a:defRPr>
                 <a:solidFill>
@@ -685,7 +856,7 @@
                 </a:solidFill>
               </a:defRPr>
             </a:lvl5pPr>
-            <a:lvl6pPr marL="2108606" indent="0" algn="ctr">
+            <a:lvl6pPr marL="2108616" indent="0" algn="ctr">
               <a:buNone/>
               <a:defRPr>
                 <a:solidFill>
@@ -695,7 +866,7 @@
                 </a:solidFill>
               </a:defRPr>
             </a:lvl6pPr>
-            <a:lvl7pPr marL="2530328" indent="0" algn="ctr">
+            <a:lvl7pPr marL="2530340" indent="0" algn="ctr">
               <a:buNone/>
               <a:defRPr>
                 <a:solidFill>
@@ -705,7 +876,7 @@
                 </a:solidFill>
               </a:defRPr>
             </a:lvl7pPr>
-            <a:lvl8pPr marL="2952049" indent="0" algn="ctr">
+            <a:lvl8pPr marL="2952063" indent="0" algn="ctr">
               <a:buNone/>
               <a:defRPr>
                 <a:solidFill>
@@ -715,7 +886,7 @@
                 </a:solidFill>
               </a:defRPr>
             </a:lvl8pPr>
-            <a:lvl9pPr marL="3373770" indent="0" algn="ctr">
+            <a:lvl9pPr marL="3373787" indent="0" algn="ctr">
               <a:buNone/>
               <a:defRPr>
                 <a:solidFill>
@@ -747,8 +918,8 @@
         </p:nvSpPr>
         <p:spPr>
           <a:xfrm>
-            <a:off x="504032" y="6340168"/>
-            <a:ext cx="2352146" cy="364195"/>
+            <a:off x="504032" y="7006702"/>
+            <a:ext cx="2352146" cy="402482"/>
           </a:xfrm>
           <a:prstGeom prst="rect">
             <a:avLst/>
@@ -761,7 +932,7 @@
             <a:fld id="{1D8BD707-D9CF-40AE-B4C6-C98DA3205C09}" type="datetimeFigureOut">
               <a:rPr lang="en-US" smtClean="0"/>
               <a:pPr/>
-              <a:t>4/9/2016</a:t>
+              <a:t>1/28/2017</a:t>
             </a:fld>
             <a:endParaRPr lang="en-US"/>
           </a:p>
@@ -779,8 +950,8 @@
         </p:nvSpPr>
         <p:spPr>
           <a:xfrm>
-            <a:off x="3444215" y="6340168"/>
-            <a:ext cx="3192198" cy="364195"/>
+            <a:off x="3444215" y="7006702"/>
+            <a:ext cx="3192198" cy="402482"/>
           </a:xfrm>
           <a:prstGeom prst="rect">
             <a:avLst/>
@@ -806,8 +977,8 @@
         </p:nvSpPr>
         <p:spPr>
           <a:xfrm>
-            <a:off x="7224449" y="6340168"/>
-            <a:ext cx="2352146" cy="364195"/>
+            <a:off x="7224449" y="7006702"/>
+            <a:ext cx="2352146" cy="402482"/>
           </a:xfrm>
           <a:prstGeom prst="rect">
             <a:avLst/>
@@ -863,8 +1034,8 @@
         </p:nvSpPr>
         <p:spPr>
           <a:xfrm>
-            <a:off x="504036" y="273941"/>
-            <a:ext cx="9072563" cy="1140090"/>
+            <a:off x="504040" y="302741"/>
+            <a:ext cx="9072563" cy="1259946"/>
           </a:xfrm>
           <a:prstGeom prst="rect">
             <a:avLst/>
@@ -894,8 +1065,8 @@
         </p:nvSpPr>
         <p:spPr>
           <a:xfrm>
-            <a:off x="504036" y="1596128"/>
-            <a:ext cx="9072563" cy="4514439"/>
+            <a:off x="504040" y="1763930"/>
+            <a:ext cx="9072563" cy="4989036"/>
           </a:xfrm>
           <a:prstGeom prst="rect">
             <a:avLst/>
@@ -954,8 +1125,8 @@
         </p:nvSpPr>
         <p:spPr>
           <a:xfrm>
-            <a:off x="504032" y="6340168"/>
-            <a:ext cx="2352146" cy="364195"/>
+            <a:off x="504032" y="7006702"/>
+            <a:ext cx="2352146" cy="402482"/>
           </a:xfrm>
           <a:prstGeom prst="rect">
             <a:avLst/>
@@ -968,7 +1139,7 @@
             <a:fld id="{1D8BD707-D9CF-40AE-B4C6-C98DA3205C09}" type="datetimeFigureOut">
               <a:rPr lang="en-US" smtClean="0"/>
               <a:pPr/>
-              <a:t>4/9/2016</a:t>
+              <a:t>1/28/2017</a:t>
             </a:fld>
             <a:endParaRPr lang="en-US"/>
           </a:p>
@@ -986,8 +1157,8 @@
         </p:nvSpPr>
         <p:spPr>
           <a:xfrm>
-            <a:off x="3444215" y="6340168"/>
-            <a:ext cx="3192198" cy="364195"/>
+            <a:off x="3444215" y="7006702"/>
+            <a:ext cx="3192198" cy="402482"/>
           </a:xfrm>
           <a:prstGeom prst="rect">
             <a:avLst/>
@@ -1013,8 +1184,8 @@
         </p:nvSpPr>
         <p:spPr>
           <a:xfrm>
-            <a:off x="7224449" y="6340168"/>
-            <a:ext cx="2352146" cy="364195"/>
+            <a:off x="7224449" y="7006702"/>
+            <a:ext cx="2352146" cy="402482"/>
           </a:xfrm>
           <a:prstGeom prst="rect">
             <a:avLst/>
@@ -1070,8 +1241,8 @@
         </p:nvSpPr>
         <p:spPr>
           <a:xfrm>
-            <a:off x="7308453" y="273940"/>
-            <a:ext cx="2268141" cy="5836626"/>
+            <a:off x="7308458" y="302740"/>
+            <a:ext cx="2268141" cy="6450223"/>
           </a:xfrm>
           <a:prstGeom prst="rect">
             <a:avLst/>
@@ -1101,8 +1272,8 @@
         </p:nvSpPr>
         <p:spPr>
           <a:xfrm>
-            <a:off x="504033" y="273940"/>
-            <a:ext cx="6636411" cy="5836626"/>
+            <a:off x="504035" y="302740"/>
+            <a:ext cx="6636411" cy="6450223"/>
           </a:xfrm>
           <a:prstGeom prst="rect">
             <a:avLst/>
@@ -1161,8 +1332,8 @@
         </p:nvSpPr>
         <p:spPr>
           <a:xfrm>
-            <a:off x="504032" y="6340168"/>
-            <a:ext cx="2352146" cy="364195"/>
+            <a:off x="504032" y="7006702"/>
+            <a:ext cx="2352146" cy="402482"/>
           </a:xfrm>
           <a:prstGeom prst="rect">
             <a:avLst/>
@@ -1175,7 +1346,7 @@
             <a:fld id="{1D8BD707-D9CF-40AE-B4C6-C98DA3205C09}" type="datetimeFigureOut">
               <a:rPr lang="en-US" smtClean="0"/>
               <a:pPr/>
-              <a:t>4/9/2016</a:t>
+              <a:t>1/28/2017</a:t>
             </a:fld>
             <a:endParaRPr lang="en-US"/>
           </a:p>
@@ -1193,8 +1364,8 @@
         </p:nvSpPr>
         <p:spPr>
           <a:xfrm>
-            <a:off x="3444215" y="6340168"/>
-            <a:ext cx="3192198" cy="364195"/>
+            <a:off x="3444215" y="7006702"/>
+            <a:ext cx="3192198" cy="402482"/>
           </a:xfrm>
           <a:prstGeom prst="rect">
             <a:avLst/>
@@ -1220,8 +1391,8 @@
         </p:nvSpPr>
         <p:spPr>
           <a:xfrm>
-            <a:off x="7224449" y="6340168"/>
-            <a:ext cx="2352146" cy="364195"/>
+            <a:off x="7224449" y="7006702"/>
+            <a:ext cx="2352146" cy="402482"/>
           </a:xfrm>
           <a:prstGeom prst="rect">
             <a:avLst/>
@@ -1277,8 +1448,8 @@
         </p:nvSpPr>
         <p:spPr>
           <a:xfrm>
-            <a:off x="504036" y="273941"/>
-            <a:ext cx="9072563" cy="1140090"/>
+            <a:off x="504040" y="302741"/>
+            <a:ext cx="9072563" cy="1259946"/>
           </a:xfrm>
           <a:prstGeom prst="rect">
             <a:avLst/>
@@ -1308,8 +1479,8 @@
         </p:nvSpPr>
         <p:spPr>
           <a:xfrm>
-            <a:off x="504036" y="1596128"/>
-            <a:ext cx="9072563" cy="4514439"/>
+            <a:off x="504040" y="1763930"/>
+            <a:ext cx="9072563" cy="4989036"/>
           </a:xfrm>
           <a:prstGeom prst="rect">
             <a:avLst/>
@@ -1368,8 +1539,8 @@
         </p:nvSpPr>
         <p:spPr>
           <a:xfrm>
-            <a:off x="504032" y="6340168"/>
-            <a:ext cx="2352146" cy="364195"/>
+            <a:off x="504032" y="7006702"/>
+            <a:ext cx="2352146" cy="402482"/>
           </a:xfrm>
           <a:prstGeom prst="rect">
             <a:avLst/>
@@ -1382,7 +1553,7 @@
             <a:fld id="{1D8BD707-D9CF-40AE-B4C6-C98DA3205C09}" type="datetimeFigureOut">
               <a:rPr lang="en-US" smtClean="0"/>
               <a:pPr/>
-              <a:t>4/9/2016</a:t>
+              <a:t>1/28/2017</a:t>
             </a:fld>
             <a:endParaRPr lang="en-US"/>
           </a:p>
@@ -1400,8 +1571,8 @@
         </p:nvSpPr>
         <p:spPr>
           <a:xfrm>
-            <a:off x="3444215" y="6340168"/>
-            <a:ext cx="3192198" cy="364195"/>
+            <a:off x="3444215" y="7006702"/>
+            <a:ext cx="3192198" cy="402482"/>
           </a:xfrm>
           <a:prstGeom prst="rect">
             <a:avLst/>
@@ -1427,8 +1598,8 @@
         </p:nvSpPr>
         <p:spPr>
           <a:xfrm>
-            <a:off x="7224449" y="6340168"/>
-            <a:ext cx="2352146" cy="364195"/>
+            <a:off x="7224449" y="7006702"/>
+            <a:ext cx="2352146" cy="402482"/>
           </a:xfrm>
           <a:prstGeom prst="rect">
             <a:avLst/>
@@ -1484,8 +1655,8 @@
         </p:nvSpPr>
         <p:spPr>
           <a:xfrm>
-            <a:off x="796301" y="4395682"/>
-            <a:ext cx="8568532" cy="1358607"/>
+            <a:off x="796301" y="4857796"/>
+            <a:ext cx="8568532" cy="1501436"/>
           </a:xfrm>
           <a:prstGeom prst="rect">
             <a:avLst/>
@@ -1519,8 +1690,8 @@
         </p:nvSpPr>
         <p:spPr>
           <a:xfrm>
-            <a:off x="796301" y="2899315"/>
-            <a:ext cx="8568532" cy="1496368"/>
+            <a:off x="796301" y="3204117"/>
+            <a:ext cx="8568532" cy="1653679"/>
           </a:xfrm>
           <a:prstGeom prst="rect">
             <a:avLst/>
@@ -1539,7 +1710,7 @@
                 </a:solidFill>
               </a:defRPr>
             </a:lvl1pPr>
-            <a:lvl2pPr marL="421721" indent="0">
+            <a:lvl2pPr marL="421723" indent="0">
               <a:buNone/>
               <a:defRPr sz="1700">
                 <a:solidFill>
@@ -1549,7 +1720,7 @@
                 </a:solidFill>
               </a:defRPr>
             </a:lvl2pPr>
-            <a:lvl3pPr marL="843443" indent="0">
+            <a:lvl3pPr marL="843447" indent="0">
               <a:buNone/>
               <a:defRPr sz="1500">
                 <a:solidFill>
@@ -1559,7 +1730,7 @@
                 </a:solidFill>
               </a:defRPr>
             </a:lvl3pPr>
-            <a:lvl4pPr marL="1265164" indent="0">
+            <a:lvl4pPr marL="1265171" indent="0">
               <a:buNone/>
               <a:defRPr sz="1300">
                 <a:solidFill>
@@ -1569,7 +1740,7 @@
                 </a:solidFill>
               </a:defRPr>
             </a:lvl4pPr>
-            <a:lvl5pPr marL="1686885" indent="0">
+            <a:lvl5pPr marL="1686894" indent="0">
               <a:buNone/>
               <a:defRPr sz="1300">
                 <a:solidFill>
@@ -1579,7 +1750,7 @@
                 </a:solidFill>
               </a:defRPr>
             </a:lvl5pPr>
-            <a:lvl6pPr marL="2108606" indent="0">
+            <a:lvl6pPr marL="2108616" indent="0">
               <a:buNone/>
               <a:defRPr sz="1300">
                 <a:solidFill>
@@ -1589,7 +1760,7 @@
                 </a:solidFill>
               </a:defRPr>
             </a:lvl6pPr>
-            <a:lvl7pPr marL="2530328" indent="0">
+            <a:lvl7pPr marL="2530340" indent="0">
               <a:buNone/>
               <a:defRPr sz="1300">
                 <a:solidFill>
@@ -1599,7 +1770,7 @@
                 </a:solidFill>
               </a:defRPr>
             </a:lvl7pPr>
-            <a:lvl8pPr marL="2952049" indent="0">
+            <a:lvl8pPr marL="2952063" indent="0">
               <a:buNone/>
               <a:defRPr sz="1300">
                 <a:solidFill>
@@ -1609,7 +1780,7 @@
                 </a:solidFill>
               </a:defRPr>
             </a:lvl8pPr>
-            <a:lvl9pPr marL="3373770" indent="0">
+            <a:lvl9pPr marL="3373787" indent="0">
               <a:buNone/>
               <a:defRPr sz="1300">
                 <a:solidFill>
@@ -1641,8 +1812,8 @@
         </p:nvSpPr>
         <p:spPr>
           <a:xfrm>
-            <a:off x="504032" y="6340168"/>
-            <a:ext cx="2352146" cy="364195"/>
+            <a:off x="504032" y="7006702"/>
+            <a:ext cx="2352146" cy="402482"/>
           </a:xfrm>
           <a:prstGeom prst="rect">
             <a:avLst/>
@@ -1655,7 +1826,7 @@
             <a:fld id="{1D8BD707-D9CF-40AE-B4C6-C98DA3205C09}" type="datetimeFigureOut">
               <a:rPr lang="en-US" smtClean="0"/>
               <a:pPr/>
-              <a:t>4/9/2016</a:t>
+              <a:t>1/28/2017</a:t>
             </a:fld>
             <a:endParaRPr lang="en-US"/>
           </a:p>
@@ -1673,8 +1844,8 @@
         </p:nvSpPr>
         <p:spPr>
           <a:xfrm>
-            <a:off x="3444215" y="6340168"/>
-            <a:ext cx="3192198" cy="364195"/>
+            <a:off x="3444215" y="7006702"/>
+            <a:ext cx="3192198" cy="402482"/>
           </a:xfrm>
           <a:prstGeom prst="rect">
             <a:avLst/>
@@ -1700,8 +1871,8 @@
         </p:nvSpPr>
         <p:spPr>
           <a:xfrm>
-            <a:off x="7224449" y="6340168"/>
-            <a:ext cx="2352146" cy="364195"/>
+            <a:off x="7224449" y="7006702"/>
+            <a:ext cx="2352146" cy="402482"/>
           </a:xfrm>
           <a:prstGeom prst="rect">
             <a:avLst/>
@@ -1757,8 +1928,8 @@
         </p:nvSpPr>
         <p:spPr>
           <a:xfrm>
-            <a:off x="504036" y="273941"/>
-            <a:ext cx="9072563" cy="1140090"/>
+            <a:off x="504040" y="302741"/>
+            <a:ext cx="9072563" cy="1259946"/>
           </a:xfrm>
           <a:prstGeom prst="rect">
             <a:avLst/>
@@ -1788,8 +1959,8 @@
         </p:nvSpPr>
         <p:spPr>
           <a:xfrm>
-            <a:off x="504033" y="1596128"/>
-            <a:ext cx="4452276" cy="4514439"/>
+            <a:off x="504033" y="1763930"/>
+            <a:ext cx="4452276" cy="4989036"/>
           </a:xfrm>
           <a:prstGeom prst="rect">
             <a:avLst/>
@@ -1876,8 +2047,8 @@
         </p:nvSpPr>
         <p:spPr>
           <a:xfrm>
-            <a:off x="5124318" y="1596128"/>
-            <a:ext cx="4452276" cy="4514439"/>
+            <a:off x="5124318" y="1763930"/>
+            <a:ext cx="4452276" cy="4989036"/>
           </a:xfrm>
           <a:prstGeom prst="rect">
             <a:avLst/>
@@ -1964,8 +2135,8 @@
         </p:nvSpPr>
         <p:spPr>
           <a:xfrm>
-            <a:off x="504032" y="6340168"/>
-            <a:ext cx="2352146" cy="364195"/>
+            <a:off x="504032" y="7006702"/>
+            <a:ext cx="2352146" cy="402482"/>
           </a:xfrm>
           <a:prstGeom prst="rect">
             <a:avLst/>
@@ -1978,7 +2149,7 @@
             <a:fld id="{1D8BD707-D9CF-40AE-B4C6-C98DA3205C09}" type="datetimeFigureOut">
               <a:rPr lang="en-US" smtClean="0"/>
               <a:pPr/>
-              <a:t>4/9/2016</a:t>
+              <a:t>1/28/2017</a:t>
             </a:fld>
             <a:endParaRPr lang="en-US"/>
           </a:p>
@@ -1996,8 +2167,8 @@
         </p:nvSpPr>
         <p:spPr>
           <a:xfrm>
-            <a:off x="3444215" y="6340168"/>
-            <a:ext cx="3192198" cy="364195"/>
+            <a:off x="3444215" y="7006702"/>
+            <a:ext cx="3192198" cy="402482"/>
           </a:xfrm>
           <a:prstGeom prst="rect">
             <a:avLst/>
@@ -2023,8 +2194,8 @@
         </p:nvSpPr>
         <p:spPr>
           <a:xfrm>
-            <a:off x="7224449" y="6340168"/>
-            <a:ext cx="2352146" cy="364195"/>
+            <a:off x="7224449" y="7006702"/>
+            <a:ext cx="2352146" cy="402482"/>
           </a:xfrm>
           <a:prstGeom prst="rect">
             <a:avLst/>
@@ -2080,8 +2251,8 @@
         </p:nvSpPr>
         <p:spPr>
           <a:xfrm>
-            <a:off x="504036" y="273941"/>
-            <a:ext cx="9072563" cy="1140090"/>
+            <a:off x="504040" y="302741"/>
+            <a:ext cx="9072563" cy="1259946"/>
           </a:xfrm>
           <a:prstGeom prst="rect">
             <a:avLst/>
@@ -2115,8 +2286,8 @@
         </p:nvSpPr>
         <p:spPr>
           <a:xfrm>
-            <a:off x="504034" y="1531204"/>
-            <a:ext cx="4454027" cy="638133"/>
+            <a:off x="504039" y="1692180"/>
+            <a:ext cx="4454027" cy="705219"/>
           </a:xfrm>
           <a:prstGeom prst="rect">
             <a:avLst/>
@@ -2129,35 +2300,35 @@
               <a:buNone/>
               <a:defRPr sz="2200" b="1"/>
             </a:lvl1pPr>
-            <a:lvl2pPr marL="421721" indent="0">
+            <a:lvl2pPr marL="421723" indent="0">
               <a:buNone/>
               <a:defRPr sz="1800" b="1"/>
             </a:lvl2pPr>
-            <a:lvl3pPr marL="843443" indent="0">
+            <a:lvl3pPr marL="843447" indent="0">
               <a:buNone/>
               <a:defRPr sz="1700" b="1"/>
             </a:lvl3pPr>
-            <a:lvl4pPr marL="1265164" indent="0">
+            <a:lvl4pPr marL="1265171" indent="0">
               <a:buNone/>
               <a:defRPr sz="1500" b="1"/>
             </a:lvl4pPr>
-            <a:lvl5pPr marL="1686885" indent="0">
+            <a:lvl5pPr marL="1686894" indent="0">
               <a:buNone/>
               <a:defRPr sz="1500" b="1"/>
             </a:lvl5pPr>
-            <a:lvl6pPr marL="2108606" indent="0">
+            <a:lvl6pPr marL="2108616" indent="0">
               <a:buNone/>
               <a:defRPr sz="1500" b="1"/>
             </a:lvl6pPr>
-            <a:lvl7pPr marL="2530328" indent="0">
+            <a:lvl7pPr marL="2530340" indent="0">
               <a:buNone/>
               <a:defRPr sz="1500" b="1"/>
             </a:lvl7pPr>
-            <a:lvl8pPr marL="2952049" indent="0">
+            <a:lvl8pPr marL="2952063" indent="0">
               <a:buNone/>
               <a:defRPr sz="1500" b="1"/>
             </a:lvl8pPr>
-            <a:lvl9pPr marL="3373770" indent="0">
+            <a:lvl9pPr marL="3373787" indent="0">
               <a:buNone/>
               <a:defRPr sz="1500" b="1"/>
             </a:lvl9pPr>
@@ -2183,8 +2354,8 @@
         </p:nvSpPr>
         <p:spPr>
           <a:xfrm>
-            <a:off x="504034" y="2169341"/>
-            <a:ext cx="4454027" cy="3941227"/>
+            <a:off x="504039" y="2397403"/>
+            <a:ext cx="4454027" cy="4355563"/>
           </a:xfrm>
           <a:prstGeom prst="rect">
             <a:avLst/>
@@ -2271,8 +2442,8 @@
         </p:nvSpPr>
         <p:spPr>
           <a:xfrm>
-            <a:off x="5120820" y="1531204"/>
-            <a:ext cx="4455776" cy="638133"/>
+            <a:off x="5120820" y="1692180"/>
+            <a:ext cx="4455776" cy="705219"/>
           </a:xfrm>
           <a:prstGeom prst="rect">
             <a:avLst/>
@@ -2285,35 +2456,35 @@
               <a:buNone/>
               <a:defRPr sz="2200" b="1"/>
             </a:lvl1pPr>
-            <a:lvl2pPr marL="421721" indent="0">
+            <a:lvl2pPr marL="421723" indent="0">
               <a:buNone/>
               <a:defRPr sz="1800" b="1"/>
             </a:lvl2pPr>
-            <a:lvl3pPr marL="843443" indent="0">
+            <a:lvl3pPr marL="843447" indent="0">
               <a:buNone/>
               <a:defRPr sz="1700" b="1"/>
             </a:lvl3pPr>
-            <a:lvl4pPr marL="1265164" indent="0">
+            <a:lvl4pPr marL="1265171" indent="0">
               <a:buNone/>
               <a:defRPr sz="1500" b="1"/>
             </a:lvl4pPr>
-            <a:lvl5pPr marL="1686885" indent="0">
+            <a:lvl5pPr marL="1686894" indent="0">
               <a:buNone/>
               <a:defRPr sz="1500" b="1"/>
             </a:lvl5pPr>
-            <a:lvl6pPr marL="2108606" indent="0">
+            <a:lvl6pPr marL="2108616" indent="0">
               <a:buNone/>
               <a:defRPr sz="1500" b="1"/>
             </a:lvl6pPr>
-            <a:lvl7pPr marL="2530328" indent="0">
+            <a:lvl7pPr marL="2530340" indent="0">
               <a:buNone/>
               <a:defRPr sz="1500" b="1"/>
             </a:lvl7pPr>
-            <a:lvl8pPr marL="2952049" indent="0">
+            <a:lvl8pPr marL="2952063" indent="0">
               <a:buNone/>
               <a:defRPr sz="1500" b="1"/>
             </a:lvl8pPr>
-            <a:lvl9pPr marL="3373770" indent="0">
+            <a:lvl9pPr marL="3373787" indent="0">
               <a:buNone/>
               <a:defRPr sz="1500" b="1"/>
             </a:lvl9pPr>
@@ -2339,8 +2510,8 @@
         </p:nvSpPr>
         <p:spPr>
           <a:xfrm>
-            <a:off x="5120820" y="2169341"/>
-            <a:ext cx="4455776" cy="3941227"/>
+            <a:off x="5120820" y="2397403"/>
+            <a:ext cx="4455776" cy="4355563"/>
           </a:xfrm>
           <a:prstGeom prst="rect">
             <a:avLst/>
@@ -2427,8 +2598,8 @@
         </p:nvSpPr>
         <p:spPr>
           <a:xfrm>
-            <a:off x="504032" y="6340168"/>
-            <a:ext cx="2352146" cy="364195"/>
+            <a:off x="504032" y="7006702"/>
+            <a:ext cx="2352146" cy="402482"/>
           </a:xfrm>
           <a:prstGeom prst="rect">
             <a:avLst/>
@@ -2441,7 +2612,7 @@
             <a:fld id="{1D8BD707-D9CF-40AE-B4C6-C98DA3205C09}" type="datetimeFigureOut">
               <a:rPr lang="en-US" smtClean="0"/>
               <a:pPr/>
-              <a:t>4/9/2016</a:t>
+              <a:t>1/28/2017</a:t>
             </a:fld>
             <a:endParaRPr lang="en-US"/>
           </a:p>
@@ -2459,8 +2630,8 @@
         </p:nvSpPr>
         <p:spPr>
           <a:xfrm>
-            <a:off x="3444215" y="6340168"/>
-            <a:ext cx="3192198" cy="364195"/>
+            <a:off x="3444215" y="7006702"/>
+            <a:ext cx="3192198" cy="402482"/>
           </a:xfrm>
           <a:prstGeom prst="rect">
             <a:avLst/>
@@ -2486,8 +2657,8 @@
         </p:nvSpPr>
         <p:spPr>
           <a:xfrm>
-            <a:off x="7224449" y="6340168"/>
-            <a:ext cx="2352146" cy="364195"/>
+            <a:off x="7224449" y="7006702"/>
+            <a:ext cx="2352146" cy="402482"/>
           </a:xfrm>
           <a:prstGeom prst="rect">
             <a:avLst/>
@@ -2543,8 +2714,8 @@
         </p:nvSpPr>
         <p:spPr>
           <a:xfrm>
-            <a:off x="504036" y="273941"/>
-            <a:ext cx="9072563" cy="1140090"/>
+            <a:off x="504040" y="302741"/>
+            <a:ext cx="9072563" cy="1259946"/>
           </a:xfrm>
           <a:prstGeom prst="rect">
             <a:avLst/>
@@ -2574,8 +2745,8 @@
         </p:nvSpPr>
         <p:spPr>
           <a:xfrm>
-            <a:off x="504032" y="6340168"/>
-            <a:ext cx="2352146" cy="364195"/>
+            <a:off x="504032" y="7006702"/>
+            <a:ext cx="2352146" cy="402482"/>
           </a:xfrm>
           <a:prstGeom prst="rect">
             <a:avLst/>
@@ -2588,7 +2759,7 @@
             <a:fld id="{1D8BD707-D9CF-40AE-B4C6-C98DA3205C09}" type="datetimeFigureOut">
               <a:rPr lang="en-US" smtClean="0"/>
               <a:pPr/>
-              <a:t>4/9/2016</a:t>
+              <a:t>1/28/2017</a:t>
             </a:fld>
             <a:endParaRPr lang="en-US"/>
           </a:p>
@@ -2606,8 +2777,8 @@
         </p:nvSpPr>
         <p:spPr>
           <a:xfrm>
-            <a:off x="3444215" y="6340168"/>
-            <a:ext cx="3192198" cy="364195"/>
+            <a:off x="3444215" y="7006702"/>
+            <a:ext cx="3192198" cy="402482"/>
           </a:xfrm>
           <a:prstGeom prst="rect">
             <a:avLst/>
@@ -2633,8 +2804,8 @@
         </p:nvSpPr>
         <p:spPr>
           <a:xfrm>
-            <a:off x="7224449" y="6340168"/>
-            <a:ext cx="2352146" cy="364195"/>
+            <a:off x="7224449" y="7006702"/>
+            <a:ext cx="2352146" cy="402482"/>
           </a:xfrm>
           <a:prstGeom prst="rect">
             <a:avLst/>
@@ -2690,8 +2861,8 @@
         </p:nvSpPr>
         <p:spPr>
           <a:xfrm>
-            <a:off x="504032" y="6340168"/>
-            <a:ext cx="2352146" cy="364195"/>
+            <a:off x="504032" y="7006702"/>
+            <a:ext cx="2352146" cy="402482"/>
           </a:xfrm>
           <a:prstGeom prst="rect">
             <a:avLst/>
@@ -2704,7 +2875,7 @@
             <a:fld id="{1D8BD707-D9CF-40AE-B4C6-C98DA3205C09}" type="datetimeFigureOut">
               <a:rPr lang="en-US" smtClean="0"/>
               <a:pPr/>
-              <a:t>4/9/2016</a:t>
+              <a:t>1/28/2017</a:t>
             </a:fld>
             <a:endParaRPr lang="en-US"/>
           </a:p>
@@ -2722,8 +2893,8 @@
         </p:nvSpPr>
         <p:spPr>
           <a:xfrm>
-            <a:off x="3444215" y="6340168"/>
-            <a:ext cx="3192198" cy="364195"/>
+            <a:off x="3444215" y="7006702"/>
+            <a:ext cx="3192198" cy="402482"/>
           </a:xfrm>
           <a:prstGeom prst="rect">
             <a:avLst/>
@@ -2749,8 +2920,8 @@
         </p:nvSpPr>
         <p:spPr>
           <a:xfrm>
-            <a:off x="7224449" y="6340168"/>
-            <a:ext cx="2352146" cy="364195"/>
+            <a:off x="7224449" y="7006702"/>
+            <a:ext cx="2352146" cy="402482"/>
           </a:xfrm>
           <a:prstGeom prst="rect">
             <a:avLst/>
@@ -2806,8 +2977,8 @@
         </p:nvSpPr>
         <p:spPr>
           <a:xfrm>
-            <a:off x="504032" y="272356"/>
-            <a:ext cx="3316457" cy="1159092"/>
+            <a:off x="504037" y="300989"/>
+            <a:ext cx="3316457" cy="1280946"/>
           </a:xfrm>
           <a:prstGeom prst="rect">
             <a:avLst/>
@@ -2841,8 +3012,8 @@
         </p:nvSpPr>
         <p:spPr>
           <a:xfrm>
-            <a:off x="3941245" y="272355"/>
-            <a:ext cx="5635350" cy="5838209"/>
+            <a:off x="3941245" y="300988"/>
+            <a:ext cx="5635350" cy="6451972"/>
           </a:xfrm>
           <a:prstGeom prst="rect">
             <a:avLst/>
@@ -2929,8 +3100,8 @@
         </p:nvSpPr>
         <p:spPr>
           <a:xfrm>
-            <a:off x="504032" y="1431446"/>
-            <a:ext cx="3316457" cy="4679118"/>
+            <a:off x="504037" y="1581932"/>
+            <a:ext cx="3316457" cy="5171028"/>
           </a:xfrm>
           <a:prstGeom prst="rect">
             <a:avLst/>
@@ -2943,35 +3114,35 @@
               <a:buNone/>
               <a:defRPr sz="1300"/>
             </a:lvl1pPr>
-            <a:lvl2pPr marL="421721" indent="0">
+            <a:lvl2pPr marL="421723" indent="0">
               <a:buNone/>
               <a:defRPr sz="1100"/>
             </a:lvl2pPr>
-            <a:lvl3pPr marL="843443" indent="0">
+            <a:lvl3pPr marL="843447" indent="0">
               <a:buNone/>
               <a:defRPr sz="900"/>
             </a:lvl3pPr>
-            <a:lvl4pPr marL="1265164" indent="0">
+            <a:lvl4pPr marL="1265171" indent="0">
               <a:buNone/>
               <a:defRPr sz="800"/>
             </a:lvl4pPr>
-            <a:lvl5pPr marL="1686885" indent="0">
+            <a:lvl5pPr marL="1686894" indent="0">
               <a:buNone/>
               <a:defRPr sz="800"/>
             </a:lvl5pPr>
-            <a:lvl6pPr marL="2108606" indent="0">
+            <a:lvl6pPr marL="2108616" indent="0">
               <a:buNone/>
               <a:defRPr sz="800"/>
             </a:lvl6pPr>
-            <a:lvl7pPr marL="2530328" indent="0">
+            <a:lvl7pPr marL="2530340" indent="0">
               <a:buNone/>
               <a:defRPr sz="800"/>
             </a:lvl7pPr>
-            <a:lvl8pPr marL="2952049" indent="0">
+            <a:lvl8pPr marL="2952063" indent="0">
               <a:buNone/>
               <a:defRPr sz="800"/>
             </a:lvl8pPr>
-            <a:lvl9pPr marL="3373770" indent="0">
+            <a:lvl9pPr marL="3373787" indent="0">
               <a:buNone/>
               <a:defRPr sz="800"/>
             </a:lvl9pPr>
@@ -2997,8 +3168,8 @@
         </p:nvSpPr>
         <p:spPr>
           <a:xfrm>
-            <a:off x="504032" y="6340168"/>
-            <a:ext cx="2352146" cy="364195"/>
+            <a:off x="504032" y="7006702"/>
+            <a:ext cx="2352146" cy="402482"/>
           </a:xfrm>
           <a:prstGeom prst="rect">
             <a:avLst/>
@@ -3011,7 +3182,7 @@
             <a:fld id="{1D8BD707-D9CF-40AE-B4C6-C98DA3205C09}" type="datetimeFigureOut">
               <a:rPr lang="en-US" smtClean="0"/>
               <a:pPr/>
-              <a:t>4/9/2016</a:t>
+              <a:t>1/28/2017</a:t>
             </a:fld>
             <a:endParaRPr lang="en-US"/>
           </a:p>
@@ -3029,8 +3200,8 @@
         </p:nvSpPr>
         <p:spPr>
           <a:xfrm>
-            <a:off x="3444215" y="6340168"/>
-            <a:ext cx="3192198" cy="364195"/>
+            <a:off x="3444215" y="7006702"/>
+            <a:ext cx="3192198" cy="402482"/>
           </a:xfrm>
           <a:prstGeom prst="rect">
             <a:avLst/>
@@ -3056,8 +3227,8 @@
         </p:nvSpPr>
         <p:spPr>
           <a:xfrm>
-            <a:off x="7224449" y="6340168"/>
-            <a:ext cx="2352146" cy="364195"/>
+            <a:off x="7224449" y="7006702"/>
+            <a:ext cx="2352146" cy="402482"/>
           </a:xfrm>
           <a:prstGeom prst="rect">
             <a:avLst/>
@@ -3113,8 +3284,8 @@
         </p:nvSpPr>
         <p:spPr>
           <a:xfrm>
-            <a:off x="1975877" y="4788378"/>
-            <a:ext cx="6048375" cy="565295"/>
+            <a:off x="1975882" y="5291774"/>
+            <a:ext cx="6048375" cy="624724"/>
           </a:xfrm>
           <a:prstGeom prst="rect">
             <a:avLst/>
@@ -3148,8 +3319,8 @@
         </p:nvSpPr>
         <p:spPr>
           <a:xfrm>
-            <a:off x="1975877" y="611217"/>
-            <a:ext cx="6048375" cy="4104323"/>
+            <a:off x="1975882" y="675475"/>
+            <a:ext cx="6048375" cy="4535805"/>
           </a:xfrm>
           <a:prstGeom prst="rect">
             <a:avLst/>
@@ -3162,35 +3333,35 @@
               <a:buNone/>
               <a:defRPr sz="3000"/>
             </a:lvl1pPr>
-            <a:lvl2pPr marL="421721" indent="0">
+            <a:lvl2pPr marL="421723" indent="0">
               <a:buNone/>
               <a:defRPr sz="2600"/>
             </a:lvl2pPr>
-            <a:lvl3pPr marL="843443" indent="0">
+            <a:lvl3pPr marL="843447" indent="0">
               <a:buNone/>
               <a:defRPr sz="2200"/>
             </a:lvl3pPr>
-            <a:lvl4pPr marL="1265164" indent="0">
+            <a:lvl4pPr marL="1265171" indent="0">
               <a:buNone/>
               <a:defRPr sz="1800"/>
             </a:lvl4pPr>
-            <a:lvl5pPr marL="1686885" indent="0">
+            <a:lvl5pPr marL="1686894" indent="0">
               <a:buNone/>
               <a:defRPr sz="1800"/>
             </a:lvl5pPr>
-            <a:lvl6pPr marL="2108606" indent="0">
+            <a:lvl6pPr marL="2108616" indent="0">
               <a:buNone/>
               <a:defRPr sz="1800"/>
             </a:lvl6pPr>
-            <a:lvl7pPr marL="2530328" indent="0">
+            <a:lvl7pPr marL="2530340" indent="0">
               <a:buNone/>
               <a:defRPr sz="1800"/>
             </a:lvl7pPr>
-            <a:lvl8pPr marL="2952049" indent="0">
+            <a:lvl8pPr marL="2952063" indent="0">
               <a:buNone/>
               <a:defRPr sz="1800"/>
             </a:lvl8pPr>
-            <a:lvl9pPr marL="3373770" indent="0">
+            <a:lvl9pPr marL="3373787" indent="0">
               <a:buNone/>
               <a:defRPr sz="1800"/>
             </a:lvl9pPr>
@@ -3212,8 +3383,8 @@
         </p:nvSpPr>
         <p:spPr>
           <a:xfrm>
-            <a:off x="1975877" y="5353674"/>
-            <a:ext cx="6048375" cy="802813"/>
+            <a:off x="1975882" y="5916500"/>
+            <a:ext cx="6048375" cy="887212"/>
           </a:xfrm>
           <a:prstGeom prst="rect">
             <a:avLst/>
@@ -3226,35 +3397,35 @@
               <a:buNone/>
               <a:defRPr sz="1300"/>
             </a:lvl1pPr>
-            <a:lvl2pPr marL="421721" indent="0">
+            <a:lvl2pPr marL="421723" indent="0">
               <a:buNone/>
               <a:defRPr sz="1100"/>
             </a:lvl2pPr>
-            <a:lvl3pPr marL="843443" indent="0">
+            <a:lvl3pPr marL="843447" indent="0">
               <a:buNone/>
               <a:defRPr sz="900"/>
             </a:lvl3pPr>
-            <a:lvl4pPr marL="1265164" indent="0">
+            <a:lvl4pPr marL="1265171" indent="0">
               <a:buNone/>
               <a:defRPr sz="800"/>
             </a:lvl4pPr>
-            <a:lvl5pPr marL="1686885" indent="0">
+            <a:lvl5pPr marL="1686894" indent="0">
               <a:buNone/>
               <a:defRPr sz="800"/>
             </a:lvl5pPr>
-            <a:lvl6pPr marL="2108606" indent="0">
+            <a:lvl6pPr marL="2108616" indent="0">
               <a:buNone/>
               <a:defRPr sz="800"/>
             </a:lvl6pPr>
-            <a:lvl7pPr marL="2530328" indent="0">
+            <a:lvl7pPr marL="2530340" indent="0">
               <a:buNone/>
               <a:defRPr sz="800"/>
             </a:lvl7pPr>
-            <a:lvl8pPr marL="2952049" indent="0">
+            <a:lvl8pPr marL="2952063" indent="0">
               <a:buNone/>
               <a:defRPr sz="800"/>
             </a:lvl8pPr>
-            <a:lvl9pPr marL="3373770" indent="0">
+            <a:lvl9pPr marL="3373787" indent="0">
               <a:buNone/>
               <a:defRPr sz="800"/>
             </a:lvl9pPr>
@@ -3280,8 +3451,8 @@
         </p:nvSpPr>
         <p:spPr>
           <a:xfrm>
-            <a:off x="504032" y="6340168"/>
-            <a:ext cx="2352146" cy="364195"/>
+            <a:off x="504032" y="7006702"/>
+            <a:ext cx="2352146" cy="402482"/>
           </a:xfrm>
           <a:prstGeom prst="rect">
             <a:avLst/>
@@ -3294,7 +3465,7 @@
             <a:fld id="{1D8BD707-D9CF-40AE-B4C6-C98DA3205C09}" type="datetimeFigureOut">
               <a:rPr lang="en-US" smtClean="0"/>
               <a:pPr/>
-              <a:t>4/9/2016</a:t>
+              <a:t>1/28/2017</a:t>
             </a:fld>
             <a:endParaRPr lang="en-US"/>
           </a:p>
@@ -3312,8 +3483,8 @@
         </p:nvSpPr>
         <p:spPr>
           <a:xfrm>
-            <a:off x="3444215" y="6340168"/>
-            <a:ext cx="3192198" cy="364195"/>
+            <a:off x="3444215" y="7006702"/>
+            <a:ext cx="3192198" cy="402482"/>
           </a:xfrm>
           <a:prstGeom prst="rect">
             <a:avLst/>
@@ -3339,8 +3510,8 @@
         </p:nvSpPr>
         <p:spPr>
           <a:xfrm>
-            <a:off x="7224449" y="6340168"/>
-            <a:ext cx="2352146" cy="364195"/>
+            <a:off x="7224449" y="7006702"/>
+            <a:ext cx="2352146" cy="402482"/>
           </a:xfrm>
           <a:prstGeom prst="rect">
             <a:avLst/>
@@ -3397,8 +3568,8 @@
         </p:nvSpPr>
         <p:spPr>
           <a:xfrm>
-            <a:off x="1151740" y="143669"/>
-            <a:ext cx="8155772" cy="6553200"/>
+            <a:off x="1151740" y="158773"/>
+            <a:ext cx="8155772" cy="7242130"/>
           </a:xfrm>
           <a:prstGeom prst="roundRect">
             <a:avLst>
@@ -3407,15 +3578,14 @@
           </a:prstGeom>
           <a:solidFill>
             <a:schemeClr val="accent1">
-              <a:lumMod val="40000"/>
-              <a:lumOff val="60000"/>
+              <a:lumMod val="60000"/>
+              <a:lumOff val="40000"/>
             </a:schemeClr>
           </a:solidFill>
           <a:ln>
             <a:solidFill>
               <a:schemeClr val="accent1">
-                <a:lumMod val="60000"/>
-                <a:lumOff val="40000"/>
+                <a:lumMod val="75000"/>
               </a:schemeClr>
             </a:solidFill>
           </a:ln>
@@ -3457,10 +3627,10 @@
         </p:nvGrpSpPr>
         <p:grpSpPr>
           <a:xfrm>
-            <a:off x="1309431" y="372269"/>
-            <a:ext cx="7806050" cy="4191000"/>
+            <a:off x="1309431" y="503237"/>
+            <a:ext cx="7812000" cy="1255734"/>
             <a:chOff x="-4503450" y="1371600"/>
-            <a:chExt cx="5646450" cy="4191000"/>
+            <a:chExt cx="5636997" cy="4166353"/>
           </a:xfrm>
           <a:solidFill>
             <a:schemeClr val="bg1"/>
@@ -3474,8 +3644,8 @@
           </p:nvSpPr>
           <p:spPr>
             <a:xfrm>
-              <a:off x="-4503450" y="1523999"/>
-              <a:ext cx="5646449" cy="4038601"/>
+              <a:off x="-4503450" y="1930401"/>
+              <a:ext cx="5636997" cy="3607552"/>
             </a:xfrm>
             <a:prstGeom prst="rect">
               <a:avLst/>
@@ -3483,9 +3653,8 @@
             <a:grpFill/>
             <a:ln>
               <a:solidFill>
-                <a:schemeClr val="tx2">
-                  <a:lumMod val="40000"/>
-                  <a:lumOff val="60000"/>
+                <a:schemeClr val="accent1">
+                  <a:lumMod val="75000"/>
                 </a:schemeClr>
               </a:solidFill>
             </a:ln>
@@ -3507,37 +3676,25 @@
             </a:fontRef>
           </p:style>
           <p:txBody>
-            <a:bodyPr rtlCol="0" anchor="t" anchorCtr="0"/>
+            <a:bodyPr lIns="90000" rIns="90000" rtlCol="0" anchor="t" anchorCtr="0"/>
             <a:lstStyle/>
             <a:p>
-              <a:pPr algn="ctr"/>
+              <a:pPr algn="r"/>
               <a:r>
-                <a:rPr lang="en-US" sz="1400" b="1" dirty="0" smtClean="0">
+                <a:rPr lang="en-SG" sz="1400" b="1" dirty="0" err="1" smtClean="0">
                   <a:solidFill>
-                    <a:schemeClr val="tx2"/>
+                    <a:schemeClr val="accent1">
+                      <a:lumMod val="75000"/>
+                    </a:schemeClr>
                   </a:solidFill>
                 </a:rPr>
-                <a:t>                                                                                           </a:t>
-              </a:r>
-              <a:r>
-                <a:rPr lang="en-US" sz="1400" b="1" dirty="0" err="1" smtClean="0">
-                  <a:solidFill>
-                    <a:schemeClr val="tx2"/>
-                  </a:solidFill>
-                </a:rPr>
-                <a:t>ui</a:t>
-              </a:r>
-              <a:r>
-                <a:rPr lang="en-US" sz="1400" b="1" dirty="0" smtClean="0">
-                  <a:solidFill>
-                    <a:schemeClr val="tx2"/>
-                  </a:solidFill>
-                </a:rPr>
-                <a:t>::controller</a:t>
+                <a:t>ui:automated</a:t>
               </a:r>
               <a:endParaRPr lang="en-SG" sz="1400" b="1" dirty="0">
                 <a:solidFill>
-                  <a:schemeClr val="tx2"/>
+                  <a:schemeClr val="accent1">
+                    <a:lumMod val="75000"/>
+                  </a:schemeClr>
                 </a:solidFill>
               </a:endParaRPr>
             </a:p>
@@ -3551,8 +3708,8 @@
           </p:nvSpPr>
           <p:spPr>
             <a:xfrm>
-              <a:off x="647700" y="1371600"/>
-              <a:ext cx="495300" cy="152400"/>
+              <a:off x="198377" y="1371600"/>
+              <a:ext cx="935170" cy="558800"/>
             </a:xfrm>
             <a:prstGeom prst="rect">
               <a:avLst/>
@@ -3560,9 +3717,8 @@
             <a:grpFill/>
             <a:ln>
               <a:solidFill>
-                <a:schemeClr val="tx2">
-                  <a:lumMod val="40000"/>
-                  <a:lumOff val="60000"/>
+                <a:schemeClr val="accent1">
+                  <a:lumMod val="75000"/>
                 </a:schemeClr>
               </a:solidFill>
             </a:ln>
@@ -3589,7 +3745,9 @@
             <a:p>
               <a:endParaRPr lang="en-SG" sz="1400" b="1">
                 <a:solidFill>
-                  <a:schemeClr val="tx2"/>
+                  <a:schemeClr val="accent1">
+                    <a:lumMod val="75000"/>
+                  </a:schemeClr>
                 </a:solidFill>
               </a:endParaRPr>
             </a:p>
@@ -3604,10 +3762,10 @@
         </p:nvGrpSpPr>
         <p:grpSpPr>
           <a:xfrm>
-            <a:off x="1309431" y="4660901"/>
-            <a:ext cx="7825099" cy="1939130"/>
-            <a:chOff x="-6244711" y="1774031"/>
-            <a:chExt cx="7387711" cy="1939130"/>
+            <a:off x="1309437" y="5075237"/>
+            <a:ext cx="4204033" cy="2209800"/>
+            <a:chOff x="-6244711" y="1678727"/>
+            <a:chExt cx="7387711" cy="2677315"/>
           </a:xfrm>
           <a:solidFill>
             <a:schemeClr val="bg1"/>
@@ -3621,8 +3779,8 @@
           </p:nvSpPr>
           <p:spPr>
             <a:xfrm>
-              <a:off x="-6244711" y="1926431"/>
-              <a:ext cx="7387711" cy="1786730"/>
+              <a:off x="-6244711" y="1853192"/>
+              <a:ext cx="7387711" cy="2502850"/>
             </a:xfrm>
             <a:prstGeom prst="rect">
               <a:avLst/>
@@ -3630,9 +3788,8 @@
             <a:grpFill/>
             <a:ln>
               <a:solidFill>
-                <a:schemeClr val="tx2">
-                  <a:lumMod val="40000"/>
-                  <a:lumOff val="60000"/>
+                <a:schemeClr val="accent1">
+                  <a:lumMod val="75000"/>
                 </a:schemeClr>
               </a:solidFill>
             </a:ln>
@@ -3657,19 +3814,13 @@
             <a:bodyPr rtlCol="0" anchor="t" anchorCtr="0"/>
             <a:lstStyle/>
             <a:p>
-              <a:pPr algn="ctr"/>
-              <a:r>
-                <a:rPr lang="en-US" sz="1400" b="1" dirty="0" smtClean="0">
-                  <a:solidFill>
-                    <a:schemeClr val="tx2"/>
-                  </a:solidFill>
-                </a:rPr>
-                <a:t>               </a:t>
-              </a:r>
+              <a:pPr algn="r"/>
               <a:r>
                 <a:rPr lang="en-US" sz="1400" b="1" dirty="0" err="1" smtClean="0">
                   <a:solidFill>
-                    <a:schemeClr val="tx2"/>
+                    <a:schemeClr val="accent1">
+                      <a:lumMod val="75000"/>
+                    </a:schemeClr>
                   </a:solidFill>
                 </a:rPr>
                 <a:t>ui</a:t>
@@ -3677,14 +3828,18 @@
               <a:r>
                 <a:rPr lang="en-US" sz="1400" b="1" dirty="0" smtClean="0">
                   <a:solidFill>
-                    <a:schemeClr val="tx2"/>
+                    <a:schemeClr val="accent1">
+                      <a:lumMod val="75000"/>
+                    </a:schemeClr>
                   </a:solidFill>
                 </a:rPr>
-                <a:t>::view</a:t>
+                <a:t>::website</a:t>
               </a:r>
               <a:endParaRPr lang="en-SG" sz="1400" b="1" dirty="0">
                 <a:solidFill>
-                  <a:schemeClr val="tx2"/>
+                  <a:schemeClr val="accent1">
+                    <a:lumMod val="75000"/>
+                  </a:schemeClr>
                 </a:solidFill>
               </a:endParaRPr>
             </a:p>
@@ -3698,8 +3853,8 @@
           </p:nvSpPr>
           <p:spPr>
             <a:xfrm>
-              <a:off x="647700" y="1774031"/>
-              <a:ext cx="495300" cy="152400"/>
+              <a:off x="-754876" y="1678727"/>
+              <a:ext cx="1897875" cy="174465"/>
             </a:xfrm>
             <a:prstGeom prst="rect">
               <a:avLst/>
@@ -3707,9 +3862,8 @@
             <a:grpFill/>
             <a:ln>
               <a:solidFill>
-                <a:schemeClr val="tx2">
-                  <a:lumMod val="40000"/>
-                  <a:lumOff val="60000"/>
+                <a:schemeClr val="accent1">
+                  <a:lumMod val="75000"/>
                 </a:schemeClr>
               </a:solidFill>
             </a:ln>
@@ -3736,7 +3890,9 @@
             <a:p>
               <a:endParaRPr lang="en-SG" sz="1400" b="1">
                 <a:solidFill>
-                  <a:schemeClr val="tx2"/>
+                  <a:schemeClr val="accent1">
+                    <a:lumMod val="75000"/>
+                  </a:schemeClr>
                 </a:solidFill>
               </a:endParaRPr>
             </a:p>
@@ -3751,8 +3907,8 @@
         </p:nvSpPr>
         <p:spPr>
           <a:xfrm>
-            <a:off x="9514342" y="143669"/>
-            <a:ext cx="914400" cy="6591297"/>
+            <a:off x="9514342" y="158773"/>
+            <a:ext cx="914400" cy="7284232"/>
           </a:xfrm>
           <a:prstGeom prst="roundRect">
             <a:avLst>
@@ -3809,8 +3965,8 @@
         </p:nvSpPr>
         <p:spPr>
           <a:xfrm>
-            <a:off x="9971542" y="-84931"/>
-            <a:ext cx="609600" cy="7010400"/>
+            <a:off x="9971542" y="-93860"/>
+            <a:ext cx="609600" cy="7747394"/>
           </a:xfrm>
           <a:prstGeom prst="rect">
             <a:avLst/>
@@ -3846,10 +4002,447 @@
           <a:lstStyle/>
           <a:p>
             <a:pPr algn="ctr"/>
-            <a:endParaRPr lang="en-SG"/>
-          </a:p>
-        </p:txBody>
-      </p:sp>
+            <a:endParaRPr lang="en-SG" sz="1700"/>
+          </a:p>
+        </p:txBody>
+      </p:sp>
+      <p:grpSp>
+        <p:nvGrpSpPr>
+          <p:cNvPr id="18" name="Group 17"/>
+          <p:cNvGrpSpPr/>
+          <p:nvPr userDrawn="1"/>
+        </p:nvGrpSpPr>
+        <p:grpSpPr>
+          <a:xfrm>
+            <a:off x="1322530" y="1874837"/>
+            <a:ext cx="7812000" cy="3124201"/>
+            <a:chOff x="-4503450" y="1371600"/>
+            <a:chExt cx="5636997" cy="10365672"/>
+          </a:xfrm>
+          <a:solidFill>
+            <a:schemeClr val="bg1"/>
+          </a:solidFill>
+        </p:grpSpPr>
+        <p:sp>
+          <p:nvSpPr>
+            <p:cNvPr id="19" name="Rectangle 18"/>
+            <p:cNvSpPr/>
+            <p:nvPr/>
+          </p:nvSpPr>
+          <p:spPr>
+            <a:xfrm>
+              <a:off x="-4503450" y="1930398"/>
+              <a:ext cx="5636997" cy="9806874"/>
+            </a:xfrm>
+            <a:prstGeom prst="rect">
+              <a:avLst/>
+            </a:prstGeom>
+            <a:grpFill/>
+            <a:ln>
+              <a:solidFill>
+                <a:schemeClr val="accent1">
+                  <a:lumMod val="75000"/>
+                </a:schemeClr>
+              </a:solidFill>
+            </a:ln>
+          </p:spPr>
+          <p:style>
+            <a:lnRef idx="2">
+              <a:schemeClr val="accent1">
+                <a:shade val="50000"/>
+              </a:schemeClr>
+            </a:lnRef>
+            <a:fillRef idx="1">
+              <a:schemeClr val="accent1"/>
+            </a:fillRef>
+            <a:effectRef idx="0">
+              <a:schemeClr val="accent1"/>
+            </a:effectRef>
+            <a:fontRef idx="minor">
+              <a:schemeClr val="lt1"/>
+            </a:fontRef>
+          </p:style>
+          <p:txBody>
+            <a:bodyPr lIns="90000" rIns="90000" rtlCol="0" anchor="t" anchorCtr="0"/>
+            <a:lstStyle/>
+            <a:p>
+              <a:pPr algn="r"/>
+              <a:r>
+                <a:rPr lang="en-SG" sz="1400" b="1" dirty="0" err="1" smtClean="0">
+                  <a:solidFill>
+                    <a:schemeClr val="accent1">
+                      <a:lumMod val="75000"/>
+                    </a:schemeClr>
+                  </a:solidFill>
+                </a:rPr>
+                <a:t>ui:controller</a:t>
+              </a:r>
+              <a:endParaRPr lang="en-SG" sz="1400" b="1" dirty="0">
+                <a:solidFill>
+                  <a:schemeClr val="accent1">
+                    <a:lumMod val="75000"/>
+                  </a:schemeClr>
+                </a:solidFill>
+              </a:endParaRPr>
+            </a:p>
+          </p:txBody>
+        </p:sp>
+        <p:sp>
+          <p:nvSpPr>
+            <p:cNvPr id="20" name="Rectangle 19"/>
+            <p:cNvSpPr/>
+            <p:nvPr/>
+          </p:nvSpPr>
+          <p:spPr>
+            <a:xfrm>
+              <a:off x="198377" y="1371600"/>
+              <a:ext cx="935170" cy="558800"/>
+            </a:xfrm>
+            <a:prstGeom prst="rect">
+              <a:avLst/>
+            </a:prstGeom>
+            <a:grpFill/>
+            <a:ln>
+              <a:solidFill>
+                <a:schemeClr val="accent1">
+                  <a:lumMod val="75000"/>
+                </a:schemeClr>
+              </a:solidFill>
+            </a:ln>
+          </p:spPr>
+          <p:style>
+            <a:lnRef idx="2">
+              <a:schemeClr val="accent1">
+                <a:shade val="50000"/>
+              </a:schemeClr>
+            </a:lnRef>
+            <a:fillRef idx="1">
+              <a:schemeClr val="accent1"/>
+            </a:fillRef>
+            <a:effectRef idx="0">
+              <a:schemeClr val="accent1"/>
+            </a:effectRef>
+            <a:fontRef idx="minor">
+              <a:schemeClr val="lt1"/>
+            </a:fontRef>
+          </p:style>
+          <p:txBody>
+            <a:bodyPr rtlCol="0" anchor="t" anchorCtr="0"/>
+            <a:lstStyle/>
+            <a:p>
+              <a:endParaRPr lang="en-SG" sz="1400" b="1">
+                <a:solidFill>
+                  <a:schemeClr val="accent1">
+                    <a:lumMod val="75000"/>
+                  </a:schemeClr>
+                </a:solidFill>
+              </a:endParaRPr>
+            </a:p>
+          </p:txBody>
+        </p:sp>
+      </p:grpSp>
+      <p:grpSp>
+        <p:nvGrpSpPr>
+          <p:cNvPr id="2" name="Group 1"/>
+          <p:cNvGrpSpPr/>
+          <p:nvPr userDrawn="1"/>
+        </p:nvGrpSpPr>
+        <p:grpSpPr>
+          <a:xfrm>
+            <a:off x="5667105" y="5075237"/>
+            <a:ext cx="3470567" cy="1066800"/>
+            <a:chOff x="5576821" y="5075237"/>
+            <a:chExt cx="3470567" cy="1066800"/>
+          </a:xfrm>
+        </p:grpSpPr>
+        <p:sp>
+          <p:nvSpPr>
+            <p:cNvPr id="22" name="Rectangle 21"/>
+            <p:cNvSpPr/>
+            <p:nvPr/>
+          </p:nvSpPr>
+          <p:spPr>
+            <a:xfrm>
+              <a:off x="5576821" y="5075237"/>
+              <a:ext cx="3316931" cy="1066800"/>
+            </a:xfrm>
+            <a:prstGeom prst="rect">
+              <a:avLst/>
+            </a:prstGeom>
+            <a:solidFill>
+              <a:schemeClr val="bg1"/>
+            </a:solidFill>
+            <a:ln>
+              <a:solidFill>
+                <a:schemeClr val="accent1">
+                  <a:lumMod val="75000"/>
+                </a:schemeClr>
+              </a:solidFill>
+            </a:ln>
+          </p:spPr>
+          <p:style>
+            <a:lnRef idx="2">
+              <a:schemeClr val="accent1">
+                <a:shade val="50000"/>
+              </a:schemeClr>
+            </a:lnRef>
+            <a:fillRef idx="1">
+              <a:schemeClr val="accent1"/>
+            </a:fillRef>
+            <a:effectRef idx="0">
+              <a:schemeClr val="accent1"/>
+            </a:effectRef>
+            <a:fontRef idx="minor">
+              <a:schemeClr val="lt1"/>
+            </a:fontRef>
+          </p:style>
+          <p:txBody>
+            <a:bodyPr rtlCol="0" anchor="t" anchorCtr="0"/>
+            <a:lstStyle/>
+            <a:p>
+              <a:pPr algn="r"/>
+              <a:r>
+                <a:rPr lang="en-US" sz="1400" b="1" dirty="0" err="1" smtClean="0">
+                  <a:solidFill>
+                    <a:schemeClr val="accent1">
+                      <a:lumMod val="75000"/>
+                    </a:schemeClr>
+                  </a:solidFill>
+                </a:rPr>
+                <a:t>ui</a:t>
+              </a:r>
+              <a:r>
+                <a:rPr lang="en-US" sz="1400" b="1" dirty="0" smtClean="0">
+                  <a:solidFill>
+                    <a:schemeClr val="accent1">
+                      <a:lumMod val="75000"/>
+                    </a:schemeClr>
+                  </a:solidFill>
+                </a:rPr>
+                <a:t>::</a:t>
+              </a:r>
+              <a:r>
+                <a:rPr lang="en-US" sz="1400" b="1" dirty="0" err="1" smtClean="0">
+                  <a:solidFill>
+                    <a:schemeClr val="accent1">
+                      <a:lumMod val="75000"/>
+                    </a:schemeClr>
+                  </a:solidFill>
+                </a:rPr>
+                <a:t>pagedata</a:t>
+              </a:r>
+              <a:endParaRPr lang="en-SG" sz="1400" b="1" dirty="0">
+                <a:solidFill>
+                  <a:schemeClr val="accent1">
+                    <a:lumMod val="75000"/>
+                  </a:schemeClr>
+                </a:solidFill>
+              </a:endParaRPr>
+            </a:p>
+          </p:txBody>
+        </p:sp>
+        <p:sp>
+          <p:nvSpPr>
+            <p:cNvPr id="25" name="Rectangle 24"/>
+            <p:cNvSpPr/>
+            <p:nvPr userDrawn="1"/>
+          </p:nvSpPr>
+          <p:spPr>
+            <a:xfrm>
+              <a:off x="8892516" y="5075237"/>
+              <a:ext cx="154872" cy="792000"/>
+            </a:xfrm>
+            <a:prstGeom prst="rect">
+              <a:avLst/>
+            </a:prstGeom>
+            <a:solidFill>
+              <a:schemeClr val="bg1"/>
+            </a:solidFill>
+            <a:ln>
+              <a:solidFill>
+                <a:schemeClr val="accent1">
+                  <a:lumMod val="75000"/>
+                </a:schemeClr>
+              </a:solidFill>
+            </a:ln>
+          </p:spPr>
+          <p:style>
+            <a:lnRef idx="2">
+              <a:schemeClr val="accent1">
+                <a:shade val="50000"/>
+              </a:schemeClr>
+            </a:lnRef>
+            <a:fillRef idx="1">
+              <a:schemeClr val="accent1"/>
+            </a:fillRef>
+            <a:effectRef idx="0">
+              <a:schemeClr val="accent1"/>
+            </a:effectRef>
+            <a:fontRef idx="minor">
+              <a:schemeClr val="lt1"/>
+            </a:fontRef>
+          </p:style>
+          <p:txBody>
+            <a:bodyPr rtlCol="0" anchor="t" anchorCtr="0"/>
+            <a:lstStyle/>
+            <a:p>
+              <a:endParaRPr lang="en-SG" sz="1400" b="1">
+                <a:solidFill>
+                  <a:schemeClr val="accent1">
+                    <a:lumMod val="75000"/>
+                  </a:schemeClr>
+                </a:solidFill>
+              </a:endParaRPr>
+            </a:p>
+          </p:txBody>
+        </p:sp>
+      </p:grpSp>
+      <p:grpSp>
+        <p:nvGrpSpPr>
+          <p:cNvPr id="3" name="Group 2"/>
+          <p:cNvGrpSpPr/>
+          <p:nvPr userDrawn="1"/>
+        </p:nvGrpSpPr>
+        <p:grpSpPr>
+          <a:xfrm>
+            <a:off x="5667105" y="6238070"/>
+            <a:ext cx="3478669" cy="1066800"/>
+            <a:chOff x="5667105" y="6238070"/>
+            <a:chExt cx="3478669" cy="1066800"/>
+          </a:xfrm>
+        </p:grpSpPr>
+        <p:sp>
+          <p:nvSpPr>
+            <p:cNvPr id="24" name="Rectangle 23"/>
+            <p:cNvSpPr/>
+            <p:nvPr userDrawn="1"/>
+          </p:nvSpPr>
+          <p:spPr>
+            <a:xfrm>
+              <a:off x="5667105" y="6238070"/>
+              <a:ext cx="3316931" cy="1066800"/>
+            </a:xfrm>
+            <a:prstGeom prst="rect">
+              <a:avLst/>
+            </a:prstGeom>
+            <a:solidFill>
+              <a:schemeClr val="bg1"/>
+            </a:solidFill>
+            <a:ln>
+              <a:solidFill>
+                <a:schemeClr val="accent1">
+                  <a:lumMod val="75000"/>
+                </a:schemeClr>
+              </a:solidFill>
+            </a:ln>
+          </p:spPr>
+          <p:style>
+            <a:lnRef idx="2">
+              <a:schemeClr val="accent1">
+                <a:shade val="50000"/>
+              </a:schemeClr>
+            </a:lnRef>
+            <a:fillRef idx="1">
+              <a:schemeClr val="accent1"/>
+            </a:fillRef>
+            <a:effectRef idx="0">
+              <a:schemeClr val="accent1"/>
+            </a:effectRef>
+            <a:fontRef idx="minor">
+              <a:schemeClr val="lt1"/>
+            </a:fontRef>
+          </p:style>
+          <p:txBody>
+            <a:bodyPr rtlCol="0" anchor="t" anchorCtr="0"/>
+            <a:lstStyle/>
+            <a:p>
+              <a:pPr algn="r"/>
+              <a:r>
+                <a:rPr lang="en-US" sz="1400" b="1" dirty="0" err="1" smtClean="0">
+                  <a:solidFill>
+                    <a:schemeClr val="accent1">
+                      <a:lumMod val="75000"/>
+                    </a:schemeClr>
+                  </a:solidFill>
+                </a:rPr>
+                <a:t>ui</a:t>
+              </a:r>
+              <a:r>
+                <a:rPr lang="en-US" sz="1400" b="1" dirty="0" smtClean="0">
+                  <a:solidFill>
+                    <a:schemeClr val="accent1">
+                      <a:lumMod val="75000"/>
+                    </a:schemeClr>
+                  </a:solidFill>
+                </a:rPr>
+                <a:t>::template</a:t>
+              </a:r>
+              <a:endParaRPr lang="en-SG" sz="1400" b="1" dirty="0">
+                <a:solidFill>
+                  <a:schemeClr val="accent1">
+                    <a:lumMod val="75000"/>
+                  </a:schemeClr>
+                </a:solidFill>
+              </a:endParaRPr>
+            </a:p>
+          </p:txBody>
+        </p:sp>
+        <p:sp>
+          <p:nvSpPr>
+            <p:cNvPr id="26" name="Rectangle 25"/>
+            <p:cNvSpPr/>
+            <p:nvPr userDrawn="1"/>
+          </p:nvSpPr>
+          <p:spPr>
+            <a:xfrm>
+              <a:off x="8990902" y="6238070"/>
+              <a:ext cx="154872" cy="792000"/>
+            </a:xfrm>
+            <a:prstGeom prst="rect">
+              <a:avLst/>
+            </a:prstGeom>
+            <a:solidFill>
+              <a:schemeClr val="bg1"/>
+            </a:solidFill>
+            <a:ln>
+              <a:solidFill>
+                <a:schemeClr val="accent1">
+                  <a:lumMod val="75000"/>
+                </a:schemeClr>
+              </a:solidFill>
+            </a:ln>
+          </p:spPr>
+          <p:style>
+            <a:lnRef idx="2">
+              <a:schemeClr val="accent1">
+                <a:shade val="50000"/>
+              </a:schemeClr>
+            </a:lnRef>
+            <a:fillRef idx="1">
+              <a:schemeClr val="accent1"/>
+            </a:fillRef>
+            <a:effectRef idx="0">
+              <a:schemeClr val="accent1"/>
+            </a:effectRef>
+            <a:fontRef idx="minor">
+              <a:schemeClr val="lt1"/>
+            </a:fontRef>
+          </p:style>
+          <p:txBody>
+            <a:bodyPr rtlCol="0" anchor="t" anchorCtr="0"/>
+            <a:lstStyle/>
+            <a:p>
+              <a:endParaRPr lang="en-SG" sz="1400" b="1">
+                <a:solidFill>
+                  <a:schemeClr val="accent1">
+                    <a:lumMod val="75000"/>
+                  </a:schemeClr>
+                </a:solidFill>
+              </a:endParaRPr>
+            </a:p>
+          </p:txBody>
+        </p:sp>
+      </p:grpSp>
     </p:spTree>
   </p:cSld>
   <p:clrMap bg1="lt1" tx1="dk1" bg2="lt2" tx2="dk2" accent1="accent1" accent2="accent2" accent3="accent3" accent4="accent4" accent5="accent5" accent6="accent6" hlink="hlink" folHlink="folHlink"/>
@@ -3868,7 +4461,7 @@
   </p:sldLayoutIdLst>
   <p:txStyles>
     <p:titleStyle>
-      <a:lvl1pPr algn="ctr" defTabSz="843443" rtl="0" eaLnBrk="1" latinLnBrk="0" hangingPunct="1">
+      <a:lvl1pPr algn="ctr" defTabSz="843447" rtl="0" eaLnBrk="1" latinLnBrk="0" hangingPunct="1">
         <a:spcBef>
           <a:spcPct val="0"/>
         </a:spcBef>
@@ -3884,7 +4477,7 @@
       </a:lvl1pPr>
     </p:titleStyle>
     <p:bodyStyle>
-      <a:lvl1pPr marL="316291" indent="-316291" algn="l" defTabSz="843443" rtl="0" eaLnBrk="1" latinLnBrk="0" hangingPunct="1">
+      <a:lvl1pPr marL="316292" indent="-316292" algn="l" defTabSz="843447" rtl="0" eaLnBrk="1" latinLnBrk="0" hangingPunct="1">
         <a:spcBef>
           <a:spcPct val="20000"/>
         </a:spcBef>
@@ -3899,7 +4492,7 @@
           <a:cs typeface="+mn-cs"/>
         </a:defRPr>
       </a:lvl1pPr>
-      <a:lvl2pPr marL="685297" indent="-263576" algn="l" defTabSz="843443" rtl="0" eaLnBrk="1" latinLnBrk="0" hangingPunct="1">
+      <a:lvl2pPr marL="685301" indent="-263577" algn="l" defTabSz="843447" rtl="0" eaLnBrk="1" latinLnBrk="0" hangingPunct="1">
         <a:spcBef>
           <a:spcPct val="20000"/>
         </a:spcBef>
@@ -3914,7 +4507,7 @@
           <a:cs typeface="+mn-cs"/>
         </a:defRPr>
       </a:lvl2pPr>
-      <a:lvl3pPr marL="1054303" indent="-210861" algn="l" defTabSz="843443" rtl="0" eaLnBrk="1" latinLnBrk="0" hangingPunct="1">
+      <a:lvl3pPr marL="1054308" indent="-210862" algn="l" defTabSz="843447" rtl="0" eaLnBrk="1" latinLnBrk="0" hangingPunct="1">
         <a:spcBef>
           <a:spcPct val="20000"/>
         </a:spcBef>
@@ -3929,7 +4522,7 @@
           <a:cs typeface="+mn-cs"/>
         </a:defRPr>
       </a:lvl3pPr>
-      <a:lvl4pPr marL="1476024" indent="-210861" algn="l" defTabSz="843443" rtl="0" eaLnBrk="1" latinLnBrk="0" hangingPunct="1">
+      <a:lvl4pPr marL="1476031" indent="-210862" algn="l" defTabSz="843447" rtl="0" eaLnBrk="1" latinLnBrk="0" hangingPunct="1">
         <a:spcBef>
           <a:spcPct val="20000"/>
         </a:spcBef>
@@ -3944,7 +4537,7 @@
           <a:cs typeface="+mn-cs"/>
         </a:defRPr>
       </a:lvl4pPr>
-      <a:lvl5pPr marL="1897746" indent="-210861" algn="l" defTabSz="843443" rtl="0" eaLnBrk="1" latinLnBrk="0" hangingPunct="1">
+      <a:lvl5pPr marL="1897755" indent="-210862" algn="l" defTabSz="843447" rtl="0" eaLnBrk="1" latinLnBrk="0" hangingPunct="1">
         <a:spcBef>
           <a:spcPct val="20000"/>
         </a:spcBef>
@@ -3959,7 +4552,7 @@
           <a:cs typeface="+mn-cs"/>
         </a:defRPr>
       </a:lvl5pPr>
-      <a:lvl6pPr marL="2319467" indent="-210861" algn="l" defTabSz="843443" rtl="0" eaLnBrk="1" latinLnBrk="0" hangingPunct="1">
+      <a:lvl6pPr marL="2319479" indent="-210862" algn="l" defTabSz="843447" rtl="0" eaLnBrk="1" latinLnBrk="0" hangingPunct="1">
         <a:spcBef>
           <a:spcPct val="20000"/>
         </a:spcBef>
@@ -3974,7 +4567,7 @@
           <a:cs typeface="+mn-cs"/>
         </a:defRPr>
       </a:lvl6pPr>
-      <a:lvl7pPr marL="2741188" indent="-210861" algn="l" defTabSz="843443" rtl="0" eaLnBrk="1" latinLnBrk="0" hangingPunct="1">
+      <a:lvl7pPr marL="2741202" indent="-210862" algn="l" defTabSz="843447" rtl="0" eaLnBrk="1" latinLnBrk="0" hangingPunct="1">
         <a:spcBef>
           <a:spcPct val="20000"/>
         </a:spcBef>
@@ -3989,7 +4582,7 @@
           <a:cs typeface="+mn-cs"/>
         </a:defRPr>
       </a:lvl7pPr>
-      <a:lvl8pPr marL="3162910" indent="-210861" algn="l" defTabSz="843443" rtl="0" eaLnBrk="1" latinLnBrk="0" hangingPunct="1">
+      <a:lvl8pPr marL="3162926" indent="-210862" algn="l" defTabSz="843447" rtl="0" eaLnBrk="1" latinLnBrk="0" hangingPunct="1">
         <a:spcBef>
           <a:spcPct val="20000"/>
         </a:spcBef>
@@ -4004,7 +4597,7 @@
           <a:cs typeface="+mn-cs"/>
         </a:defRPr>
       </a:lvl8pPr>
-      <a:lvl9pPr marL="3584631" indent="-210861" algn="l" defTabSz="843443" rtl="0" eaLnBrk="1" latinLnBrk="0" hangingPunct="1">
+      <a:lvl9pPr marL="3584649" indent="-210862" algn="l" defTabSz="843447" rtl="0" eaLnBrk="1" latinLnBrk="0" hangingPunct="1">
         <a:spcBef>
           <a:spcPct val="20000"/>
         </a:spcBef>
@@ -4024,7 +4617,7 @@
       <a:defPPr>
         <a:defRPr lang="en-US"/>
       </a:defPPr>
-      <a:lvl1pPr marL="0" algn="l" defTabSz="843443" rtl="0" eaLnBrk="1" latinLnBrk="0" hangingPunct="1">
+      <a:lvl1pPr marL="0" algn="l" defTabSz="843447" rtl="0" eaLnBrk="1" latinLnBrk="0" hangingPunct="1">
         <a:defRPr sz="1700" kern="1200">
           <a:solidFill>
             <a:schemeClr val="tx1"/>
@@ -4034,7 +4627,7 @@
           <a:cs typeface="+mn-cs"/>
         </a:defRPr>
       </a:lvl1pPr>
-      <a:lvl2pPr marL="421721" algn="l" defTabSz="843443" rtl="0" eaLnBrk="1" latinLnBrk="0" hangingPunct="1">
+      <a:lvl2pPr marL="421723" algn="l" defTabSz="843447" rtl="0" eaLnBrk="1" latinLnBrk="0" hangingPunct="1">
         <a:defRPr sz="1700" kern="1200">
           <a:solidFill>
             <a:schemeClr val="tx1"/>
@@ -4044,7 +4637,7 @@
           <a:cs typeface="+mn-cs"/>
         </a:defRPr>
       </a:lvl2pPr>
-      <a:lvl3pPr marL="843443" algn="l" defTabSz="843443" rtl="0" eaLnBrk="1" latinLnBrk="0" hangingPunct="1">
+      <a:lvl3pPr marL="843447" algn="l" defTabSz="843447" rtl="0" eaLnBrk="1" latinLnBrk="0" hangingPunct="1">
         <a:defRPr sz="1700" kern="1200">
           <a:solidFill>
             <a:schemeClr val="tx1"/>
@@ -4054,7 +4647,7 @@
           <a:cs typeface="+mn-cs"/>
         </a:defRPr>
       </a:lvl3pPr>
-      <a:lvl4pPr marL="1265164" algn="l" defTabSz="843443" rtl="0" eaLnBrk="1" latinLnBrk="0" hangingPunct="1">
+      <a:lvl4pPr marL="1265171" algn="l" defTabSz="843447" rtl="0" eaLnBrk="1" latinLnBrk="0" hangingPunct="1">
         <a:defRPr sz="1700" kern="1200">
           <a:solidFill>
             <a:schemeClr val="tx1"/>
@@ -4064,7 +4657,7 @@
           <a:cs typeface="+mn-cs"/>
         </a:defRPr>
       </a:lvl4pPr>
-      <a:lvl5pPr marL="1686885" algn="l" defTabSz="843443" rtl="0" eaLnBrk="1" latinLnBrk="0" hangingPunct="1">
+      <a:lvl5pPr marL="1686894" algn="l" defTabSz="843447" rtl="0" eaLnBrk="1" latinLnBrk="0" hangingPunct="1">
         <a:defRPr sz="1700" kern="1200">
           <a:solidFill>
             <a:schemeClr val="tx1"/>
@@ -4074,7 +4667,7 @@
           <a:cs typeface="+mn-cs"/>
         </a:defRPr>
       </a:lvl5pPr>
-      <a:lvl6pPr marL="2108606" algn="l" defTabSz="843443" rtl="0" eaLnBrk="1" latinLnBrk="0" hangingPunct="1">
+      <a:lvl6pPr marL="2108616" algn="l" defTabSz="843447" rtl="0" eaLnBrk="1" latinLnBrk="0" hangingPunct="1">
         <a:defRPr sz="1700" kern="1200">
           <a:solidFill>
             <a:schemeClr val="tx1"/>
@@ -4084,7 +4677,7 @@
           <a:cs typeface="+mn-cs"/>
         </a:defRPr>
       </a:lvl6pPr>
-      <a:lvl7pPr marL="2530328" algn="l" defTabSz="843443" rtl="0" eaLnBrk="1" latinLnBrk="0" hangingPunct="1">
+      <a:lvl7pPr marL="2530340" algn="l" defTabSz="843447" rtl="0" eaLnBrk="1" latinLnBrk="0" hangingPunct="1">
         <a:defRPr sz="1700" kern="1200">
           <a:solidFill>
             <a:schemeClr val="tx1"/>
@@ -4094,7 +4687,7 @@
           <a:cs typeface="+mn-cs"/>
         </a:defRPr>
       </a:lvl7pPr>
-      <a:lvl8pPr marL="2952049" algn="l" defTabSz="843443" rtl="0" eaLnBrk="1" latinLnBrk="0" hangingPunct="1">
+      <a:lvl8pPr marL="2952063" algn="l" defTabSz="843447" rtl="0" eaLnBrk="1" latinLnBrk="0" hangingPunct="1">
         <a:defRPr sz="1700" kern="1200">
           <a:solidFill>
             <a:schemeClr val="tx1"/>
@@ -4104,7 +4697,7 @@
           <a:cs typeface="+mn-cs"/>
         </a:defRPr>
       </a:lvl8pPr>
-      <a:lvl9pPr marL="3373770" algn="l" defTabSz="843443" rtl="0" eaLnBrk="1" latinLnBrk="0" hangingPunct="1">
+      <a:lvl9pPr marL="3373787" algn="l" defTabSz="843447" rtl="0" eaLnBrk="1" latinLnBrk="0" hangingPunct="1">
         <a:defRPr sz="1700" kern="1200">
           <a:solidFill>
             <a:schemeClr val="tx1"/>
@@ -4138,30 +4731,117 @@
       </p:grpSpPr>
       <p:sp>
         <p:nvSpPr>
-          <p:cNvPr id="382" name="Rectangle 381"/>
+          <p:cNvPr id="67" name="Rectangle 66"/>
           <p:cNvSpPr/>
           <p:nvPr/>
         </p:nvSpPr>
         <p:spPr>
           <a:xfrm>
-            <a:off x="87312" y="4660901"/>
-            <a:ext cx="875710" cy="2035968"/>
+            <a:off x="6614112" y="1126069"/>
+            <a:ext cx="2160000" cy="360000"/>
           </a:xfrm>
           <a:prstGeom prst="rect">
             <a:avLst/>
           </a:prstGeom>
-          <a:solidFill>
-            <a:schemeClr val="bg1">
-              <a:lumMod val="85000"/>
+        </p:spPr>
+        <p:style>
+          <a:lnRef idx="2">
+            <a:schemeClr val="accent2">
+              <a:shade val="50000"/>
             </a:schemeClr>
-          </a:solidFill>
-          <a:ln>
-            <a:solidFill>
-              <a:schemeClr val="bg1">
-                <a:lumMod val="65000"/>
-              </a:schemeClr>
-            </a:solidFill>
-          </a:ln>
+          </a:lnRef>
+          <a:fillRef idx="1">
+            <a:schemeClr val="accent2"/>
+          </a:fillRef>
+          <a:effectRef idx="0">
+            <a:schemeClr val="accent2"/>
+          </a:effectRef>
+          <a:fontRef idx="minor">
+            <a:schemeClr val="lt1"/>
+          </a:fontRef>
+        </p:style>
+        <p:txBody>
+          <a:bodyPr rtlCol="0" anchor="ctr"/>
+          <a:lstStyle/>
+          <a:p>
+            <a:pPr algn="ctr"/>
+            <a:r>
+              <a:rPr lang="en-US" sz="1600" b="1" dirty="0" err="1"/>
+              <a:t>AutomatedAction</a:t>
+            </a:r>
+            <a:endParaRPr lang="en-SG" sz="1600" b="1" dirty="0"/>
+          </a:p>
+        </p:txBody>
+      </p:sp>
+      <p:sp>
+        <p:nvSpPr>
+          <p:cNvPr id="68" name="Rectangle 67"/>
+          <p:cNvSpPr/>
+          <p:nvPr/>
+        </p:nvSpPr>
+        <p:spPr>
+          <a:xfrm>
+            <a:off x="4023312" y="1039613"/>
+            <a:ext cx="2160000" cy="522656"/>
+          </a:xfrm>
+          <a:prstGeom prst="rect">
+            <a:avLst/>
+          </a:prstGeom>
+        </p:spPr>
+        <p:style>
+          <a:lnRef idx="2">
+            <a:schemeClr val="accent2">
+              <a:shade val="50000"/>
+            </a:schemeClr>
+          </a:lnRef>
+          <a:fillRef idx="1">
+            <a:schemeClr val="accent2"/>
+          </a:fillRef>
+          <a:effectRef idx="0">
+            <a:schemeClr val="accent2"/>
+          </a:effectRef>
+          <a:fontRef idx="minor">
+            <a:schemeClr val="lt1"/>
+          </a:fontRef>
+        </p:style>
+        <p:txBody>
+          <a:bodyPr rtlCol="0" anchor="ctr"/>
+          <a:lstStyle/>
+          <a:p>
+            <a:pPr algn="ctr"/>
+            <a:r>
+              <a:rPr lang="en-US" sz="1600" b="1" dirty="0" err="1"/>
+              <a:t>AutomatedAction</a:t>
+            </a:r>
+            <a:r>
+              <a:rPr lang="en-US" sz="1600" b="1" dirty="0"/>
+              <a:t/>
+            </a:r>
+            <a:br>
+              <a:rPr lang="en-US" sz="1600" b="1" dirty="0"/>
+            </a:br>
+            <a:r>
+              <a:rPr lang="en-US" sz="1600" b="1" dirty="0"/>
+              <a:t>Factory</a:t>
+            </a:r>
+            <a:endParaRPr lang="en-SG" sz="1600" b="1" dirty="0"/>
+          </a:p>
+        </p:txBody>
+      </p:sp>
+      <p:sp>
+        <p:nvSpPr>
+          <p:cNvPr id="69" name="Rectangle 68"/>
+          <p:cNvSpPr/>
+          <p:nvPr/>
+        </p:nvSpPr>
+        <p:spPr>
+          <a:xfrm>
+            <a:off x="1432512" y="1120941"/>
+            <a:ext cx="2160000" cy="360000"/>
+          </a:xfrm>
+          <a:prstGeom prst="rect">
+            <a:avLst/>
+          </a:prstGeom>
         </p:spPr>
         <p:style>
           <a:lnRef idx="2">
@@ -4184,20 +4864,404 @@
           <a:lstStyle/>
           <a:p>
             <a:pPr algn="ctr"/>
-            <a:endParaRPr lang="en-SG"/>
-          </a:p>
-        </p:txBody>
-      </p:sp>
-      <p:sp>
-        <p:nvSpPr>
-          <p:cNvPr id="390" name="Rectangle 389"/>
+            <a:r>
+              <a:rPr lang="en-US" sz="1600" b="1" dirty="0" err="1"/>
+              <a:t>AutomatedServlet</a:t>
+            </a:r>
+            <a:endParaRPr lang="en-SG" sz="1600" b="1" dirty="0"/>
+          </a:p>
+        </p:txBody>
+      </p:sp>
+      <p:cxnSp>
+        <p:nvCxnSpPr>
+          <p:cNvPr id="71" name="Elbow Connector 70"/>
+          <p:cNvCxnSpPr>
+            <a:stCxn id="68" idx="3"/>
+            <a:endCxn id="67" idx="1"/>
+          </p:cNvCxnSpPr>
+          <p:nvPr/>
+        </p:nvCxnSpPr>
+        <p:spPr>
+          <a:xfrm>
+            <a:off x="6183312" y="1300941"/>
+            <a:ext cx="430800" cy="0"/>
+          </a:xfrm>
+          <a:prstGeom prst="bentConnector3">
+            <a:avLst>
+              <a:gd name="adj1" fmla="val 50000"/>
+            </a:avLst>
+          </a:prstGeom>
+          <a:ln w="38100">
+            <a:solidFill>
+              <a:schemeClr val="accent2">
+                <a:lumMod val="75000"/>
+              </a:schemeClr>
+            </a:solidFill>
+            <a:prstDash val="sysDot"/>
+            <a:tailEnd type="arrow"/>
+          </a:ln>
+        </p:spPr>
+        <p:style>
+          <a:lnRef idx="1">
+            <a:schemeClr val="accent1"/>
+          </a:lnRef>
+          <a:fillRef idx="0">
+            <a:schemeClr val="accent1"/>
+          </a:fillRef>
+          <a:effectRef idx="0">
+            <a:schemeClr val="accent1"/>
+          </a:effectRef>
+          <a:fontRef idx="minor">
+            <a:schemeClr val="tx1"/>
+          </a:fontRef>
+        </p:style>
+      </p:cxnSp>
+      <p:sp>
+        <p:nvSpPr>
+          <p:cNvPr id="72" name="TextBox 71"/>
+          <p:cNvSpPr txBox="1"/>
+          <p:nvPr/>
+        </p:nvSpPr>
+        <p:spPr>
+          <a:xfrm>
+            <a:off x="5726112" y="731837"/>
+            <a:ext cx="1169400" cy="267536"/>
+          </a:xfrm>
+          <a:prstGeom prst="rect">
+            <a:avLst/>
+          </a:prstGeom>
+          <a:grpFill/>
+          <a:ln>
+            <a:noFill/>
+          </a:ln>
+        </p:spPr>
+        <p:style>
+          <a:lnRef idx="2">
+            <a:schemeClr val="accent1">
+              <a:shade val="50000"/>
+            </a:schemeClr>
+          </a:lnRef>
+          <a:fillRef idx="1">
+            <a:schemeClr val="accent1"/>
+          </a:fillRef>
+          <a:effectRef idx="0">
+            <a:schemeClr val="accent1"/>
+          </a:effectRef>
+          <a:fontRef idx="minor">
+            <a:schemeClr val="lt1"/>
+          </a:fontRef>
+        </p:style>
+        <p:txBody>
+          <a:bodyPr rtlCol="0" anchor="t" anchorCtr="0"/>
+          <a:lstStyle>
+            <a:defPPr>
+              <a:defRPr lang="en-US"/>
+            </a:defPPr>
+            <a:lvl1pPr>
+              <a:defRPr sz="1400" b="1">
+                <a:solidFill>
+                  <a:srgbClr val="7030A0"/>
+                </a:solidFill>
+              </a:defRPr>
+            </a:lvl1pPr>
+            <a:lvl2pPr>
+              <a:defRPr>
+                <a:solidFill>
+                  <a:schemeClr val="lt1"/>
+                </a:solidFill>
+              </a:defRPr>
+            </a:lvl2pPr>
+            <a:lvl3pPr>
+              <a:defRPr>
+                <a:solidFill>
+                  <a:schemeClr val="lt1"/>
+                </a:solidFill>
+              </a:defRPr>
+            </a:lvl3pPr>
+            <a:lvl4pPr>
+              <a:defRPr>
+                <a:solidFill>
+                  <a:schemeClr val="lt1"/>
+                </a:solidFill>
+              </a:defRPr>
+            </a:lvl4pPr>
+            <a:lvl5pPr>
+              <a:defRPr>
+                <a:solidFill>
+                  <a:schemeClr val="lt1"/>
+                </a:solidFill>
+              </a:defRPr>
+            </a:lvl5pPr>
+            <a:lvl6pPr>
+              <a:defRPr>
+                <a:solidFill>
+                  <a:schemeClr val="lt1"/>
+                </a:solidFill>
+              </a:defRPr>
+            </a:lvl6pPr>
+            <a:lvl7pPr>
+              <a:defRPr>
+                <a:solidFill>
+                  <a:schemeClr val="lt1"/>
+                </a:solidFill>
+              </a:defRPr>
+            </a:lvl7pPr>
+            <a:lvl8pPr>
+              <a:defRPr>
+                <a:solidFill>
+                  <a:schemeClr val="lt1"/>
+                </a:solidFill>
+              </a:defRPr>
+            </a:lvl8pPr>
+            <a:lvl9pPr>
+              <a:defRPr>
+                <a:solidFill>
+                  <a:schemeClr val="lt1"/>
+                </a:solidFill>
+              </a:defRPr>
+            </a:lvl9pPr>
+          </a:lstStyle>
+          <a:p>
+            <a:pPr algn="r"/>
+            <a:r>
+              <a:rPr lang="en-US" dirty="0">
+                <a:solidFill>
+                  <a:schemeClr val="accent2">
+                    <a:lumMod val="75000"/>
+                  </a:schemeClr>
+                </a:solidFill>
+              </a:rPr>
+              <a:t>&lt;&lt;creates&gt;&gt;</a:t>
+            </a:r>
+            <a:endParaRPr lang="en-SG" dirty="0">
+              <a:solidFill>
+                <a:schemeClr val="accent2">
+                  <a:lumMod val="75000"/>
+                </a:schemeClr>
+              </a:solidFill>
+            </a:endParaRPr>
+          </a:p>
+        </p:txBody>
+      </p:sp>
+      <p:cxnSp>
+        <p:nvCxnSpPr>
+          <p:cNvPr id="108" name="Straight Arrow Connector 107"/>
+          <p:cNvCxnSpPr>
+            <a:stCxn id="69" idx="3"/>
+            <a:endCxn id="68" idx="1"/>
+          </p:cNvCxnSpPr>
+          <p:nvPr/>
+        </p:nvCxnSpPr>
+        <p:spPr>
+          <a:xfrm>
+            <a:off x="3592513" y="1300941"/>
+            <a:ext cx="430800" cy="0"/>
+          </a:xfrm>
+          <a:prstGeom prst="straightConnector1">
+            <a:avLst/>
+          </a:prstGeom>
+          <a:ln w="38100">
+            <a:solidFill>
+              <a:schemeClr val="tx2">
+                <a:lumMod val="75000"/>
+              </a:schemeClr>
+            </a:solidFill>
+            <a:prstDash val="sysDot"/>
+            <a:tailEnd type="arrow"/>
+          </a:ln>
+        </p:spPr>
+        <p:style>
+          <a:lnRef idx="1">
+            <a:schemeClr val="accent1"/>
+          </a:lnRef>
+          <a:fillRef idx="0">
+            <a:schemeClr val="accent1"/>
+          </a:fillRef>
+          <a:effectRef idx="0">
+            <a:schemeClr val="accent1"/>
+          </a:effectRef>
+          <a:fontRef idx="minor">
+            <a:schemeClr val="tx1"/>
+          </a:fontRef>
+        </p:style>
+      </p:cxnSp>
+      <p:sp>
+        <p:nvSpPr>
+          <p:cNvPr id="122" name="TextBox 121"/>
+          <p:cNvSpPr txBox="1"/>
+          <p:nvPr/>
+        </p:nvSpPr>
+        <p:spPr>
+          <a:xfrm>
+            <a:off x="3350712" y="731840"/>
+            <a:ext cx="914400" cy="252187"/>
+          </a:xfrm>
+          <a:prstGeom prst="rect">
+            <a:avLst/>
+          </a:prstGeom>
+          <a:grpFill/>
+          <a:ln>
+            <a:noFill/>
+          </a:ln>
+        </p:spPr>
+        <p:style>
+          <a:lnRef idx="2">
+            <a:schemeClr val="accent1">
+              <a:shade val="50000"/>
+            </a:schemeClr>
+          </a:lnRef>
+          <a:fillRef idx="1">
+            <a:schemeClr val="accent1"/>
+          </a:fillRef>
+          <a:effectRef idx="0">
+            <a:schemeClr val="accent1"/>
+          </a:effectRef>
+          <a:fontRef idx="minor">
+            <a:schemeClr val="lt1"/>
+          </a:fontRef>
+        </p:style>
+        <p:txBody>
+          <a:bodyPr rtlCol="0" anchor="t" anchorCtr="0"/>
+          <a:lstStyle>
+            <a:defPPr>
+              <a:defRPr lang="en-US"/>
+            </a:defPPr>
+            <a:lvl1pPr>
+              <a:defRPr sz="1400" b="1">
+                <a:solidFill>
+                  <a:srgbClr val="7030A0"/>
+                </a:solidFill>
+              </a:defRPr>
+            </a:lvl1pPr>
+            <a:lvl2pPr>
+              <a:defRPr>
+                <a:solidFill>
+                  <a:schemeClr val="lt1"/>
+                </a:solidFill>
+              </a:defRPr>
+            </a:lvl2pPr>
+            <a:lvl3pPr>
+              <a:defRPr>
+                <a:solidFill>
+                  <a:schemeClr val="lt1"/>
+                </a:solidFill>
+              </a:defRPr>
+            </a:lvl3pPr>
+            <a:lvl4pPr>
+              <a:defRPr>
+                <a:solidFill>
+                  <a:schemeClr val="lt1"/>
+                </a:solidFill>
+              </a:defRPr>
+            </a:lvl4pPr>
+            <a:lvl5pPr>
+              <a:defRPr>
+                <a:solidFill>
+                  <a:schemeClr val="lt1"/>
+                </a:solidFill>
+              </a:defRPr>
+            </a:lvl5pPr>
+            <a:lvl6pPr>
+              <a:defRPr>
+                <a:solidFill>
+                  <a:schemeClr val="lt1"/>
+                </a:solidFill>
+              </a:defRPr>
+            </a:lvl6pPr>
+            <a:lvl7pPr>
+              <a:defRPr>
+                <a:solidFill>
+                  <a:schemeClr val="lt1"/>
+                </a:solidFill>
+              </a:defRPr>
+            </a:lvl7pPr>
+            <a:lvl8pPr>
+              <a:defRPr>
+                <a:solidFill>
+                  <a:schemeClr val="lt1"/>
+                </a:solidFill>
+              </a:defRPr>
+            </a:lvl8pPr>
+            <a:lvl9pPr>
+              <a:defRPr>
+                <a:solidFill>
+                  <a:schemeClr val="lt1"/>
+                </a:solidFill>
+              </a:defRPr>
+            </a:lvl9pPr>
+          </a:lstStyle>
+          <a:p>
+            <a:r>
+              <a:rPr lang="en-US" dirty="0">
+                <a:solidFill>
+                  <a:schemeClr val="accent1">
+                    <a:lumMod val="50000"/>
+                  </a:schemeClr>
+                </a:solidFill>
+              </a:rPr>
+              <a:t>&lt;&lt;uses&gt;&gt;</a:t>
+            </a:r>
+            <a:endParaRPr lang="en-SG" dirty="0">
+              <a:solidFill>
+                <a:schemeClr val="accent1">
+                  <a:lumMod val="50000"/>
+                </a:schemeClr>
+              </a:solidFill>
+            </a:endParaRPr>
+          </a:p>
+        </p:txBody>
+      </p:sp>
+      <p:cxnSp>
+        <p:nvCxnSpPr>
+          <p:cNvPr id="123" name="Elbow Connector 122"/>
+          <p:cNvCxnSpPr/>
+          <p:nvPr/>
+        </p:nvCxnSpPr>
+        <p:spPr>
+          <a:xfrm>
+            <a:off x="8774113" y="1295814"/>
+            <a:ext cx="720000" cy="0"/>
+          </a:xfrm>
+          <a:prstGeom prst="bentConnector3">
+            <a:avLst>
+              <a:gd name="adj1" fmla="val 50000"/>
+            </a:avLst>
+          </a:prstGeom>
+          <a:ln w="38100">
+            <a:solidFill>
+              <a:schemeClr val="accent2">
+                <a:lumMod val="75000"/>
+              </a:schemeClr>
+            </a:solidFill>
+            <a:prstDash val="sysDot"/>
+            <a:tailEnd type="arrow"/>
+          </a:ln>
+        </p:spPr>
+        <p:style>
+          <a:lnRef idx="1">
+            <a:schemeClr val="accent1"/>
+          </a:lnRef>
+          <a:fillRef idx="0">
+            <a:schemeClr val="accent1"/>
+          </a:fillRef>
+          <a:effectRef idx="0">
+            <a:schemeClr val="accent1"/>
+          </a:effectRef>
+          <a:fontRef idx="minor">
+            <a:schemeClr val="tx1"/>
+          </a:fontRef>
+        </p:style>
+      </p:cxnSp>
+      <p:sp>
+        <p:nvSpPr>
+          <p:cNvPr id="124" name="Rectangle 123"/>
           <p:cNvSpPr/>
           <p:nvPr/>
         </p:nvSpPr>
         <p:spPr>
           <a:xfrm>
-            <a:off x="1528026" y="2288598"/>
-            <a:ext cx="1466850" cy="377438"/>
+            <a:off x="6614112" y="2482565"/>
+            <a:ext cx="2160000" cy="360000"/>
           </a:xfrm>
           <a:prstGeom prst="rect">
             <a:avLst/>
@@ -4225,7 +5289,7 @@
           <a:p>
             <a:pPr algn="ctr"/>
             <a:r>
-              <a:rPr lang="en-US" sz="1600" b="1" dirty="0" smtClean="0"/>
+              <a:rPr lang="en-US" sz="1600" b="1" dirty="0"/>
               <a:t>Action</a:t>
             </a:r>
             <a:endParaRPr lang="en-SG" sz="1600" b="1" dirty="0"/>
@@ -4234,14 +5298,14 @@
       </p:sp>
       <p:sp>
         <p:nvSpPr>
-          <p:cNvPr id="391" name="Rectangle 390"/>
+          <p:cNvPr id="136" name="Rectangle 135"/>
           <p:cNvSpPr/>
           <p:nvPr/>
         </p:nvSpPr>
         <p:spPr>
           <a:xfrm>
-            <a:off x="1448337" y="3224428"/>
-            <a:ext cx="1466850" cy="403054"/>
+            <a:off x="4015520" y="2487411"/>
+            <a:ext cx="2160000" cy="360000"/>
           </a:xfrm>
           <a:prstGeom prst="rect">
             <a:avLst/>
@@ -4269,12 +5333,8 @@
           <a:p>
             <a:pPr algn="ctr"/>
             <a:r>
-              <a:rPr lang="en-US" sz="1600" b="1" dirty="0" smtClean="0"/>
-              <a:t>_</a:t>
-            </a:r>
-            <a:r>
-              <a:rPr lang="en-US" sz="1600" b="1" dirty="0" err="1" smtClean="0"/>
-              <a:t>xyz_Servlet</a:t>
+              <a:rPr lang="en-US" sz="1600" b="1" dirty="0" err="1"/>
+              <a:t>ActionFactory</a:t>
             </a:r>
             <a:endParaRPr lang="en-SG" sz="1600" b="1" dirty="0"/>
           </a:p>
@@ -4282,30 +5342,30 @@
       </p:sp>
       <p:sp>
         <p:nvSpPr>
-          <p:cNvPr id="392" name="Isosceles Triangle 391"/>
+          <p:cNvPr id="137" name="Rectangle 136"/>
           <p:cNvSpPr/>
           <p:nvPr/>
         </p:nvSpPr>
         <p:spPr>
           <a:xfrm>
-            <a:off x="2101182" y="2691028"/>
-            <a:ext cx="276225" cy="228600"/>
-          </a:xfrm>
-          <a:prstGeom prst="triangle">
+            <a:off x="1416928" y="2487411"/>
+            <a:ext cx="2160000" cy="360000"/>
+          </a:xfrm>
+          <a:prstGeom prst="rect">
             <a:avLst/>
           </a:prstGeom>
         </p:spPr>
         <p:style>
           <a:lnRef idx="2">
-            <a:schemeClr val="accent2">
+            <a:schemeClr val="accent1">
               <a:shade val="50000"/>
             </a:schemeClr>
           </a:lnRef>
           <a:fillRef idx="1">
-            <a:schemeClr val="accent2"/>
+            <a:schemeClr val="accent1"/>
           </a:fillRef>
           <a:effectRef idx="0">
-            <a:schemeClr val="accent2"/>
+            <a:schemeClr val="accent1"/>
           </a:effectRef>
           <a:fontRef idx="minor">
             <a:schemeClr val="lt1"/>
@@ -4316,161 +5376,217 @@
           <a:lstStyle/>
           <a:p>
             <a:pPr algn="ctr"/>
-            <a:endParaRPr lang="en-SG"/>
-          </a:p>
-        </p:txBody>
-      </p:sp>
-      <p:sp>
-        <p:nvSpPr>
-          <p:cNvPr id="393" name="Rectangle 392"/>
-          <p:cNvSpPr/>
-          <p:nvPr/>
-        </p:nvSpPr>
-        <p:spPr>
-          <a:xfrm>
-            <a:off x="7331545" y="3974000"/>
-            <a:ext cx="1466850" cy="304800"/>
-          </a:xfrm>
-          <a:prstGeom prst="rect">
-            <a:avLst/>
-          </a:prstGeom>
-        </p:spPr>
-        <p:style>
-          <a:lnRef idx="2">
-            <a:schemeClr val="accent4">
-              <a:shade val="50000"/>
-            </a:schemeClr>
-          </a:lnRef>
-          <a:fillRef idx="1">
-            <a:schemeClr val="accent4"/>
-          </a:fillRef>
-          <a:effectRef idx="0">
-            <a:schemeClr val="accent4"/>
-          </a:effectRef>
-          <a:fontRef idx="minor">
-            <a:schemeClr val="lt1"/>
-          </a:fontRef>
-        </p:style>
-        <p:txBody>
-          <a:bodyPr rtlCol="0" anchor="ctr"/>
-          <a:lstStyle/>
-          <a:p>
-            <a:pPr algn="ctr"/>
-            <a:r>
-              <a:rPr lang="en-US" sz="1600" b="1" dirty="0"/>
-              <a:t>_</a:t>
-            </a:r>
             <a:r>
               <a:rPr lang="en-US" sz="1600" b="1" dirty="0" err="1"/>
-              <a:t>xyz_Helper</a:t>
+              <a:t>ControllerServlet</a:t>
             </a:r>
             <a:endParaRPr lang="en-SG" sz="1600" b="1" dirty="0"/>
           </a:p>
         </p:txBody>
       </p:sp>
+      <p:grpSp>
+        <p:nvGrpSpPr>
+          <p:cNvPr id="118" name="Group 117"/>
+          <p:cNvGrpSpPr/>
+          <p:nvPr/>
+        </p:nvGrpSpPr>
+        <p:grpSpPr>
+          <a:xfrm>
+            <a:off x="1660211" y="3627437"/>
+            <a:ext cx="1551301" cy="531646"/>
+            <a:chOff x="1535112" y="3948357"/>
+            <a:chExt cx="1551301" cy="531646"/>
+          </a:xfrm>
+        </p:grpSpPr>
+        <p:sp>
+          <p:nvSpPr>
+            <p:cNvPr id="138" name="Rectangle 137"/>
+            <p:cNvSpPr/>
+            <p:nvPr/>
+          </p:nvSpPr>
+          <p:spPr>
+            <a:xfrm>
+              <a:off x="1535112" y="3948357"/>
+              <a:ext cx="1398903" cy="377438"/>
+            </a:xfrm>
+            <a:prstGeom prst="rect">
+              <a:avLst/>
+            </a:prstGeom>
+          </p:spPr>
+          <p:style>
+            <a:lnRef idx="2">
+              <a:schemeClr val="accent1">
+                <a:shade val="50000"/>
+              </a:schemeClr>
+            </a:lnRef>
+            <a:fillRef idx="1">
+              <a:schemeClr val="accent1"/>
+            </a:fillRef>
+            <a:effectRef idx="0">
+              <a:schemeClr val="accent1"/>
+            </a:effectRef>
+            <a:fontRef idx="minor">
+              <a:schemeClr val="lt1"/>
+            </a:fontRef>
+          </p:style>
+          <p:txBody>
+            <a:bodyPr rtlCol="0" anchor="ctr"/>
+            <a:lstStyle/>
+            <a:p>
+              <a:pPr algn="ctr"/>
+              <a:endParaRPr lang="en-SG" sz="1600" b="1" dirty="0"/>
+            </a:p>
+          </p:txBody>
+        </p:sp>
+        <p:sp>
+          <p:nvSpPr>
+            <p:cNvPr id="139" name="Rectangle 138"/>
+            <p:cNvSpPr/>
+            <p:nvPr/>
+          </p:nvSpPr>
+          <p:spPr>
+            <a:xfrm>
+              <a:off x="1611311" y="4020049"/>
+              <a:ext cx="1398903" cy="377438"/>
+            </a:xfrm>
+            <a:prstGeom prst="rect">
+              <a:avLst/>
+            </a:prstGeom>
+          </p:spPr>
+          <p:style>
+            <a:lnRef idx="2">
+              <a:schemeClr val="accent1">
+                <a:shade val="50000"/>
+              </a:schemeClr>
+            </a:lnRef>
+            <a:fillRef idx="1">
+              <a:schemeClr val="accent1"/>
+            </a:fillRef>
+            <a:effectRef idx="0">
+              <a:schemeClr val="accent1"/>
+            </a:effectRef>
+            <a:fontRef idx="minor">
+              <a:schemeClr val="lt1"/>
+            </a:fontRef>
+          </p:style>
+          <p:txBody>
+            <a:bodyPr rtlCol="0" anchor="ctr"/>
+            <a:lstStyle/>
+            <a:p>
+              <a:pPr algn="ctr"/>
+              <a:endParaRPr lang="en-SG" sz="1600" b="1" dirty="0"/>
+            </a:p>
+          </p:txBody>
+        </p:sp>
+        <p:sp>
+          <p:nvSpPr>
+            <p:cNvPr id="140" name="Rectangle 139"/>
+            <p:cNvSpPr/>
+            <p:nvPr/>
+          </p:nvSpPr>
+          <p:spPr>
+            <a:xfrm>
+              <a:off x="1687510" y="4102565"/>
+              <a:ext cx="1398903" cy="377438"/>
+            </a:xfrm>
+            <a:prstGeom prst="rect">
+              <a:avLst/>
+            </a:prstGeom>
+          </p:spPr>
+          <p:style>
+            <a:lnRef idx="2">
+              <a:schemeClr val="accent1">
+                <a:shade val="50000"/>
+              </a:schemeClr>
+            </a:lnRef>
+            <a:fillRef idx="1">
+              <a:schemeClr val="accent1"/>
+            </a:fillRef>
+            <a:effectRef idx="0">
+              <a:schemeClr val="accent1"/>
+            </a:effectRef>
+            <a:fontRef idx="minor">
+              <a:schemeClr val="lt1"/>
+            </a:fontRef>
+          </p:style>
+          <p:txBody>
+            <a:bodyPr rtlCol="0" anchor="ctr"/>
+            <a:lstStyle/>
+            <a:p>
+              <a:pPr algn="ctr"/>
+              <a:r>
+                <a:rPr lang="en-US" sz="1600" b="1" dirty="0"/>
+                <a:t>*Servlet</a:t>
+              </a:r>
+              <a:endParaRPr lang="en-SG" sz="1600" b="1" dirty="0"/>
+            </a:p>
+          </p:txBody>
+        </p:sp>
+      </p:grpSp>
       <p:cxnSp>
         <p:nvCxnSpPr>
-          <p:cNvPr id="394" name="Elbow Connector 393"/>
+          <p:cNvPr id="142" name="Elbow Connector 141"/>
           <p:cNvCxnSpPr>
-            <a:stCxn id="392" idx="3"/>
-            <a:endCxn id="416" idx="0"/>
+            <a:stCxn id="136" idx="3"/>
+            <a:endCxn id="124" idx="1"/>
           </p:cNvCxnSpPr>
           <p:nvPr/>
         </p:nvCxnSpPr>
         <p:spPr>
-          <a:xfrm rot="5400000">
-            <a:off x="2064306" y="3091365"/>
-            <a:ext cx="346726" cy="3252"/>
+          <a:xfrm flipV="1">
+            <a:off x="6175521" y="2662566"/>
+            <a:ext cx="438592" cy="0"/>
           </a:xfrm>
           <a:prstGeom prst="bentConnector3">
-            <a:avLst/>
-          </a:prstGeom>
+            <a:avLst>
+              <a:gd name="adj1" fmla="val 50000"/>
+            </a:avLst>
+          </a:prstGeom>
+          <a:ln w="38100">
+            <a:solidFill>
+              <a:schemeClr val="accent2">
+                <a:lumMod val="75000"/>
+              </a:schemeClr>
+            </a:solidFill>
+            <a:prstDash val="sysDot"/>
+            <a:tailEnd type="arrow"/>
+          </a:ln>
         </p:spPr>
         <p:style>
-          <a:lnRef idx="2">
-            <a:schemeClr val="accent2">
-              <a:shade val="50000"/>
-            </a:schemeClr>
+          <a:lnRef idx="1">
+            <a:schemeClr val="accent1"/>
           </a:lnRef>
-          <a:fillRef idx="1">
-            <a:schemeClr val="accent2"/>
+          <a:fillRef idx="0">
+            <a:schemeClr val="accent1"/>
           </a:fillRef>
           <a:effectRef idx="0">
-            <a:schemeClr val="accent2"/>
+            <a:schemeClr val="accent1"/>
           </a:effectRef>
           <a:fontRef idx="minor">
-            <a:schemeClr val="lt1"/>
+            <a:schemeClr val="tx1"/>
           </a:fontRef>
         </p:style>
       </p:cxnSp>
       <p:sp>
         <p:nvSpPr>
-          <p:cNvPr id="395" name="Rectangle 394"/>
+          <p:cNvPr id="144" name="Rectangle 143"/>
           <p:cNvSpPr/>
           <p:nvPr/>
         </p:nvSpPr>
         <p:spPr>
           <a:xfrm>
-            <a:off x="7343831" y="2810664"/>
-            <a:ext cx="1454388" cy="373296"/>
+            <a:off x="5010834" y="3079573"/>
+            <a:ext cx="2163078" cy="360000"/>
           </a:xfrm>
           <a:prstGeom prst="rect">
             <a:avLst/>
           </a:prstGeom>
-        </p:spPr>
-        <p:style>
-          <a:lnRef idx="2">
-            <a:schemeClr val="accent4">
-              <a:shade val="50000"/>
-            </a:schemeClr>
-          </a:lnRef>
-          <a:fillRef idx="1">
-            <a:schemeClr val="accent4"/>
-          </a:fillRef>
-          <a:effectRef idx="0">
-            <a:schemeClr val="accent4"/>
-          </a:effectRef>
-          <a:fontRef idx="minor">
-            <a:schemeClr val="lt1"/>
-          </a:fontRef>
-        </p:style>
-        <p:txBody>
-          <a:bodyPr rtlCol="0" anchor="ctr"/>
-          <a:lstStyle/>
-          <a:p>
-            <a:pPr algn="ctr"/>
-            <a:r>
-              <a:rPr lang="en-US" sz="1600" b="1" dirty="0" err="1"/>
-              <a:t>PageData</a:t>
-            </a:r>
-            <a:endParaRPr lang="en-SG" sz="1600" b="1" dirty="0"/>
-          </a:p>
-        </p:txBody>
-      </p:sp>
-      <p:sp>
-        <p:nvSpPr>
-          <p:cNvPr id="396" name="Isosceles Triangle 395"/>
-          <p:cNvSpPr/>
-          <p:nvPr/>
-        </p:nvSpPr>
-        <p:spPr>
-          <a:xfrm>
-            <a:off x="7924365" y="3191664"/>
-            <a:ext cx="276225" cy="228600"/>
-          </a:xfrm>
-          <a:prstGeom prst="triangle">
-            <a:avLst/>
-          </a:prstGeom>
           <a:solidFill>
-            <a:schemeClr val="accent4">
-              <a:lumMod val="75000"/>
-            </a:schemeClr>
+            <a:srgbClr val="92D050"/>
           </a:solidFill>
           <a:ln>
             <a:solidFill>
-              <a:schemeClr val="accent4">
-                <a:lumMod val="50000"/>
-              </a:schemeClr>
+              <a:srgbClr val="00B050"/>
             </a:solidFill>
           </a:ln>
         </p:spPr>
@@ -4495,34 +5611,137 @@
           <a:lstStyle/>
           <a:p>
             <a:pPr algn="ctr"/>
-            <a:endParaRPr lang="en-SG"/>
+            <a:r>
+              <a:rPr lang="en-US" sz="1600" b="1" dirty="0" err="1"/>
+              <a:t>ActionResult</a:t>
+            </a:r>
+            <a:endParaRPr lang="en-SG" sz="1600" b="1" dirty="0"/>
+          </a:p>
+        </p:txBody>
+      </p:sp>
+      <p:sp>
+        <p:nvSpPr>
+          <p:cNvPr id="146" name="Rectangle 145"/>
+          <p:cNvSpPr/>
+          <p:nvPr/>
+        </p:nvSpPr>
+        <p:spPr>
+          <a:xfrm>
+            <a:off x="6945312" y="4316211"/>
+            <a:ext cx="1980000" cy="360000"/>
+          </a:xfrm>
+          <a:prstGeom prst="rect">
+            <a:avLst/>
+          </a:prstGeom>
+          <a:solidFill>
+            <a:srgbClr val="92D050"/>
+          </a:solidFill>
+          <a:ln>
+            <a:solidFill>
+              <a:srgbClr val="00B050"/>
+            </a:solidFill>
+          </a:ln>
+        </p:spPr>
+        <p:style>
+          <a:lnRef idx="2">
+            <a:schemeClr val="accent6">
+              <a:shade val="50000"/>
+            </a:schemeClr>
+          </a:lnRef>
+          <a:fillRef idx="1">
+            <a:schemeClr val="accent6"/>
+          </a:fillRef>
+          <a:effectRef idx="0">
+            <a:schemeClr val="accent6"/>
+          </a:effectRef>
+          <a:fontRef idx="minor">
+            <a:schemeClr val="lt1"/>
+          </a:fontRef>
+        </p:style>
+        <p:txBody>
+          <a:bodyPr rtlCol="0" anchor="ctr"/>
+          <a:lstStyle/>
+          <a:p>
+            <a:pPr algn="ctr"/>
+            <a:r>
+              <a:rPr lang="en-US" sz="1600" b="1" dirty="0" err="1"/>
+              <a:t>ShowPageResult</a:t>
+            </a:r>
+            <a:endParaRPr lang="en-SG" sz="1600" b="1" dirty="0"/>
+          </a:p>
+        </p:txBody>
+      </p:sp>
+      <p:sp>
+        <p:nvSpPr>
+          <p:cNvPr id="147" name="Isosceles Triangle 146"/>
+          <p:cNvSpPr/>
+          <p:nvPr/>
+        </p:nvSpPr>
+        <p:spPr>
+          <a:xfrm>
+            <a:off x="6119712" y="3449397"/>
+            <a:ext cx="216000" cy="216000"/>
+          </a:xfrm>
+          <a:prstGeom prst="triangle">
+            <a:avLst/>
+          </a:prstGeom>
+          <a:solidFill>
+            <a:srgbClr val="92D050"/>
+          </a:solidFill>
+          <a:ln>
+            <a:solidFill>
+              <a:srgbClr val="00B050"/>
+            </a:solidFill>
+          </a:ln>
+        </p:spPr>
+        <p:style>
+          <a:lnRef idx="2">
+            <a:schemeClr val="accent6">
+              <a:shade val="50000"/>
+            </a:schemeClr>
+          </a:lnRef>
+          <a:fillRef idx="1">
+            <a:schemeClr val="accent6"/>
+          </a:fillRef>
+          <a:effectRef idx="0">
+            <a:schemeClr val="accent6"/>
+          </a:effectRef>
+          <a:fontRef idx="minor">
+            <a:schemeClr val="lt1"/>
+          </a:fontRef>
+        </p:style>
+        <p:txBody>
+          <a:bodyPr rtlCol="0" anchor="ctr"/>
+          <a:lstStyle/>
+          <a:p>
+            <a:pPr algn="ctr"/>
+            <a:endParaRPr lang="en-SG" sz="1600" b="1"/>
           </a:p>
         </p:txBody>
       </p:sp>
       <p:cxnSp>
         <p:nvCxnSpPr>
-          <p:cNvPr id="397" name="Elbow Connector 396"/>
+          <p:cNvPr id="149" name="Elbow Connector 148"/>
           <p:cNvCxnSpPr>
-            <a:stCxn id="396" idx="3"/>
-            <a:endCxn id="393" idx="0"/>
+            <a:stCxn id="147" idx="3"/>
+            <a:endCxn id="146" idx="1"/>
           </p:cNvCxnSpPr>
           <p:nvPr/>
         </p:nvCxnSpPr>
         <p:spPr>
           <a:xfrm rot="16200000" flipH="1">
-            <a:off x="7786856" y="3695886"/>
-            <a:ext cx="553736" cy="2492"/>
-          </a:xfrm>
-          <a:prstGeom prst="bentConnector3">
-            <a:avLst>
-              <a:gd name="adj1" fmla="val 50000"/>
-            </a:avLst>
-          </a:prstGeom>
+            <a:off x="6171105" y="3722004"/>
+            <a:ext cx="830814" cy="717600"/>
+          </a:xfrm>
+          <a:prstGeom prst="bentConnector2">
+            <a:avLst/>
+          </a:prstGeom>
+          <a:solidFill>
+            <a:srgbClr val="92D050"/>
+          </a:solidFill>
           <a:ln>
             <a:solidFill>
-              <a:schemeClr val="accent4">
-                <a:lumMod val="50000"/>
-              </a:schemeClr>
+              <a:srgbClr val="00B050"/>
             </a:solidFill>
           </a:ln>
         </p:spPr>
@@ -4545,30 +5764,38 @@
       </p:cxnSp>
       <p:sp>
         <p:nvSpPr>
-          <p:cNvPr id="398" name="Folded Corner 397"/>
+          <p:cNvPr id="156" name="Rectangle 155"/>
           <p:cNvSpPr/>
           <p:nvPr/>
         </p:nvSpPr>
         <p:spPr>
           <a:xfrm>
-            <a:off x="7331368" y="5120593"/>
-            <a:ext cx="1466850" cy="406993"/>
-          </a:xfrm>
-          <a:prstGeom prst="foldedCorner">
-            <a:avLst/>
-          </a:prstGeom>
+            <a:off x="6937642" y="3773119"/>
+            <a:ext cx="1980000" cy="360000"/>
+          </a:xfrm>
+          <a:prstGeom prst="rect">
+            <a:avLst/>
+          </a:prstGeom>
+          <a:solidFill>
+            <a:srgbClr val="92D050"/>
+          </a:solidFill>
+          <a:ln>
+            <a:solidFill>
+              <a:srgbClr val="00B050"/>
+            </a:solidFill>
+          </a:ln>
         </p:spPr>
         <p:style>
           <a:lnRef idx="2">
-            <a:schemeClr val="accent4">
+            <a:schemeClr val="accent6">
               <a:shade val="50000"/>
             </a:schemeClr>
           </a:lnRef>
           <a:fillRef idx="1">
-            <a:schemeClr val="accent4"/>
+            <a:schemeClr val="accent6"/>
           </a:fillRef>
           <a:effectRef idx="0">
-            <a:schemeClr val="accent4"/>
+            <a:schemeClr val="accent6"/>
           </a:effectRef>
           <a:fontRef idx="minor">
             <a:schemeClr val="lt1"/>
@@ -4580,12 +5807,8 @@
           <a:p>
             <a:pPr algn="ctr"/>
             <a:r>
-              <a:rPr lang="en-US" sz="1600" b="1" dirty="0" smtClean="0"/>
-              <a:t>_xyz_.</a:t>
-            </a:r>
-            <a:r>
-              <a:rPr lang="en-US" sz="1600" b="1" dirty="0" err="1" smtClean="0"/>
-              <a:t>jsp</a:t>
+              <a:rPr lang="en-US" sz="1600" b="1" dirty="0"/>
+              <a:t>*Result</a:t>
             </a:r>
             <a:endParaRPr lang="en-SG" sz="1600" b="1" dirty="0"/>
           </a:p>
@@ -4593,38 +5816,41 @@
       </p:sp>
       <p:cxnSp>
         <p:nvCxnSpPr>
-          <p:cNvPr id="399" name="Elbow Connector 398"/>
+          <p:cNvPr id="157" name="Elbow Connector 156"/>
           <p:cNvCxnSpPr>
-            <a:stCxn id="398" idx="0"/>
+            <a:stCxn id="147" idx="3"/>
+            <a:endCxn id="156" idx="1"/>
           </p:cNvCxnSpPr>
           <p:nvPr/>
         </p:nvCxnSpPr>
         <p:spPr>
-          <a:xfrm rot="5400000" flipH="1" flipV="1">
-            <a:off x="7685663" y="4735231"/>
-            <a:ext cx="764492" cy="6232"/>
-          </a:xfrm>
-          <a:prstGeom prst="bentConnector3">
-            <a:avLst>
-              <a:gd name="adj1" fmla="val 50000"/>
-            </a:avLst>
-          </a:prstGeom>
-          <a:ln w="38100">
-            <a:prstDash val="sysDot"/>
-            <a:tailEnd type="arrow"/>
+          <a:xfrm rot="16200000" flipH="1">
+            <a:off x="6438816" y="3454293"/>
+            <a:ext cx="287722" cy="709930"/>
+          </a:xfrm>
+          <a:prstGeom prst="bentConnector2">
+            <a:avLst/>
+          </a:prstGeom>
+          <a:solidFill>
+            <a:srgbClr val="92D050"/>
+          </a:solidFill>
+          <a:ln>
+            <a:solidFill>
+              <a:srgbClr val="00B050"/>
+            </a:solidFill>
           </a:ln>
         </p:spPr>
         <p:style>
           <a:lnRef idx="2">
-            <a:schemeClr val="accent4">
+            <a:schemeClr val="accent6">
               <a:shade val="50000"/>
             </a:schemeClr>
           </a:lnRef>
           <a:fillRef idx="1">
-            <a:schemeClr val="accent4"/>
+            <a:schemeClr val="accent6"/>
           </a:fillRef>
           <a:effectRef idx="0">
-            <a:schemeClr val="accent4"/>
+            <a:schemeClr val="accent6"/>
           </a:effectRef>
           <a:fontRef idx="minor">
             <a:schemeClr val="lt1"/>
@@ -4633,14 +5859,14 @@
       </p:cxnSp>
       <p:sp>
         <p:nvSpPr>
-          <p:cNvPr id="400" name="TextBox 399"/>
+          <p:cNvPr id="158" name="TextBox 157"/>
           <p:cNvSpPr txBox="1"/>
           <p:nvPr/>
         </p:nvSpPr>
         <p:spPr>
           <a:xfrm>
-            <a:off x="11112" y="4695031"/>
-            <a:ext cx="937901" cy="307777"/>
+            <a:off x="2472828" y="2917067"/>
+            <a:ext cx="1066800" cy="307777"/>
           </a:xfrm>
           <a:prstGeom prst="rect">
             <a:avLst/>
@@ -4672,83 +5898,32 @@
             <a:defPPr>
               <a:defRPr lang="en-US"/>
             </a:defPPr>
-            <a:lvl1pPr>
+            <a:lvl1pPr algn="r">
               <a:defRPr sz="1400" b="1">
                 <a:solidFill>
-                  <a:srgbClr val="7030A0"/>
+                  <a:schemeClr val="accent2">
+                    <a:lumMod val="75000"/>
+                  </a:schemeClr>
                 </a:solidFill>
               </a:defRPr>
             </a:lvl1pPr>
-            <a:lvl2pPr>
-              <a:defRPr>
-                <a:solidFill>
-                  <a:schemeClr val="lt1"/>
-                </a:solidFill>
-              </a:defRPr>
-            </a:lvl2pPr>
-            <a:lvl3pPr>
-              <a:defRPr>
-                <a:solidFill>
-                  <a:schemeClr val="lt1"/>
-                </a:solidFill>
-              </a:defRPr>
-            </a:lvl3pPr>
-            <a:lvl4pPr>
-              <a:defRPr>
-                <a:solidFill>
-                  <a:schemeClr val="lt1"/>
-                </a:solidFill>
-              </a:defRPr>
-            </a:lvl4pPr>
-            <a:lvl5pPr>
-              <a:defRPr>
-                <a:solidFill>
-                  <a:schemeClr val="lt1"/>
-                </a:solidFill>
-              </a:defRPr>
-            </a:lvl5pPr>
-            <a:lvl6pPr>
-              <a:defRPr>
-                <a:solidFill>
-                  <a:schemeClr val="lt1"/>
-                </a:solidFill>
-              </a:defRPr>
-            </a:lvl6pPr>
-            <a:lvl7pPr>
-              <a:defRPr>
-                <a:solidFill>
-                  <a:schemeClr val="lt1"/>
-                </a:solidFill>
-              </a:defRPr>
-            </a:lvl7pPr>
-            <a:lvl8pPr>
-              <a:defRPr>
-                <a:solidFill>
-                  <a:schemeClr val="lt1"/>
-                </a:solidFill>
-              </a:defRPr>
-            </a:lvl8pPr>
-            <a:lvl9pPr>
-              <a:defRPr>
-                <a:solidFill>
-                  <a:schemeClr val="lt1"/>
-                </a:solidFill>
-              </a:defRPr>
-            </a:lvl9pPr>
           </a:lstStyle>
           <a:p>
-            <a:pPr algn="r"/>
             <a:r>
-              <a:rPr lang="en-US" dirty="0" smtClean="0">
-                <a:solidFill>
-                  <a:schemeClr val="tx1"/>
+              <a:rPr lang="en-US" dirty="0">
+                <a:solidFill>
+                  <a:schemeClr val="accent1">
+                    <a:lumMod val="50000"/>
+                  </a:schemeClr>
                 </a:solidFill>
               </a:rPr>
-              <a:t>Browser</a:t>
+              <a:t>sends back</a:t>
             </a:r>
             <a:endParaRPr lang="en-SG" dirty="0">
               <a:solidFill>
-                <a:schemeClr val="tx1"/>
+                <a:schemeClr val="accent1">
+                  <a:lumMod val="50000"/>
+                </a:schemeClr>
               </a:solidFill>
             </a:endParaRPr>
           </a:p>
@@ -4756,309 +5931,23 @@
       </p:sp>
       <p:sp>
         <p:nvSpPr>
-          <p:cNvPr id="401" name="Folded Corner 400"/>
+          <p:cNvPr id="161" name="Flowchart: Extract 160"/>
           <p:cNvSpPr/>
           <p:nvPr/>
         </p:nvSpPr>
         <p:spPr>
-          <a:xfrm>
-            <a:off x="199429" y="5059285"/>
-            <a:ext cx="649883" cy="1408984"/>
-          </a:xfrm>
-          <a:prstGeom prst="foldedCorner">
+          <a:xfrm rot="5400000" flipH="1">
+            <a:off x="3457633" y="3033398"/>
+            <a:ext cx="155075" cy="122330"/>
+          </a:xfrm>
+          <a:prstGeom prst="flowChartExtract">
             <a:avLst/>
           </a:prstGeom>
           <a:solidFill>
-            <a:schemeClr val="bg1"/>
+            <a:schemeClr val="accent1">
+              <a:lumMod val="50000"/>
+            </a:schemeClr>
           </a:solidFill>
-          <a:ln>
-            <a:solidFill>
-              <a:schemeClr val="tx1"/>
-            </a:solidFill>
-          </a:ln>
-        </p:spPr>
-        <p:style>
-          <a:lnRef idx="2">
-            <a:schemeClr val="accent4">
-              <a:shade val="50000"/>
-            </a:schemeClr>
-          </a:lnRef>
-          <a:fillRef idx="1">
-            <a:schemeClr val="accent4"/>
-          </a:fillRef>
-          <a:effectRef idx="0">
-            <a:schemeClr val="accent4"/>
-          </a:effectRef>
-          <a:fontRef idx="minor">
-            <a:schemeClr val="lt1"/>
-          </a:fontRef>
-        </p:style>
-        <p:txBody>
-          <a:bodyPr rtlCol="0" anchor="ctr"/>
-          <a:lstStyle/>
-          <a:p>
-            <a:pPr algn="ctr"/>
-            <a:r>
-              <a:rPr lang="en-US" sz="1600" b="1" dirty="0" smtClean="0">
-                <a:solidFill>
-                  <a:schemeClr val="tx1"/>
-                </a:solidFill>
-              </a:rPr>
-              <a:t>Web page</a:t>
-            </a:r>
-            <a:endParaRPr lang="en-SG" sz="1600" b="1" dirty="0">
-              <a:solidFill>
-                <a:schemeClr val="tx1"/>
-              </a:solidFill>
-            </a:endParaRPr>
-          </a:p>
-        </p:txBody>
-      </p:sp>
-      <p:sp>
-        <p:nvSpPr>
-          <p:cNvPr id="402" name="Folded Corner 401"/>
-          <p:cNvSpPr/>
-          <p:nvPr/>
-        </p:nvSpPr>
-        <p:spPr>
-          <a:xfrm>
-            <a:off x="4354512" y="5919928"/>
-            <a:ext cx="1464715" cy="374591"/>
-          </a:xfrm>
-          <a:prstGeom prst="foldedCorner">
-            <a:avLst/>
-          </a:prstGeom>
-        </p:spPr>
-        <p:style>
-          <a:lnRef idx="2">
-            <a:schemeClr val="accent5">
-              <a:shade val="50000"/>
-            </a:schemeClr>
-          </a:lnRef>
-          <a:fillRef idx="1">
-            <a:schemeClr val="accent5"/>
-          </a:fillRef>
-          <a:effectRef idx="0">
-            <a:schemeClr val="accent5"/>
-          </a:effectRef>
-          <a:fontRef idx="minor">
-            <a:schemeClr val="lt1"/>
-          </a:fontRef>
-        </p:style>
-        <p:txBody>
-          <a:bodyPr rtlCol="0" anchor="ctr"/>
-          <a:lstStyle/>
-          <a:p>
-            <a:pPr algn="ctr"/>
-            <a:r>
-              <a:rPr lang="en-US" sz="1600" b="1" dirty="0" smtClean="0"/>
-              <a:t>*.</a:t>
-            </a:r>
-            <a:r>
-              <a:rPr lang="en-US" sz="1600" b="1" dirty="0" err="1" smtClean="0"/>
-              <a:t>css</a:t>
-            </a:r>
-            <a:endParaRPr lang="en-SG" sz="1600" b="1" dirty="0"/>
-          </a:p>
-        </p:txBody>
-      </p:sp>
-      <p:sp>
-        <p:nvSpPr>
-          <p:cNvPr id="403" name="Folded Corner 402"/>
-          <p:cNvSpPr/>
-          <p:nvPr/>
-        </p:nvSpPr>
-        <p:spPr>
-          <a:xfrm>
-            <a:off x="2438937" y="5441060"/>
-            <a:ext cx="1464715" cy="420881"/>
-          </a:xfrm>
-          <a:prstGeom prst="foldedCorner">
-            <a:avLst/>
-          </a:prstGeom>
-        </p:spPr>
-        <p:style>
-          <a:lnRef idx="2">
-            <a:schemeClr val="accent5">
-              <a:shade val="50000"/>
-            </a:schemeClr>
-          </a:lnRef>
-          <a:fillRef idx="1">
-            <a:schemeClr val="accent5"/>
-          </a:fillRef>
-          <a:effectRef idx="0">
-            <a:schemeClr val="accent5"/>
-          </a:effectRef>
-          <a:fontRef idx="minor">
-            <a:schemeClr val="lt1"/>
-          </a:fontRef>
-        </p:style>
-        <p:txBody>
-          <a:bodyPr rtlCol="0" anchor="ctr"/>
-          <a:lstStyle/>
-          <a:p>
-            <a:pPr algn="ctr"/>
-            <a:r>
-              <a:rPr lang="en-US" sz="1600" b="1" dirty="0" smtClean="0"/>
-              <a:t>*.</a:t>
-            </a:r>
-            <a:r>
-              <a:rPr lang="en-US" sz="1600" b="1" dirty="0" err="1" smtClean="0"/>
-              <a:t>js</a:t>
-            </a:r>
-            <a:endParaRPr lang="en-SG" sz="1600" b="1" dirty="0"/>
-          </a:p>
-        </p:txBody>
-      </p:sp>
-      <p:sp>
-        <p:nvSpPr>
-          <p:cNvPr id="404" name="Folded Corner 403"/>
-          <p:cNvSpPr/>
-          <p:nvPr/>
-        </p:nvSpPr>
-        <p:spPr>
-          <a:xfrm>
-            <a:off x="2538639" y="5526518"/>
-            <a:ext cx="1464715" cy="420881"/>
-          </a:xfrm>
-          <a:prstGeom prst="foldedCorner">
-            <a:avLst/>
-          </a:prstGeom>
-        </p:spPr>
-        <p:style>
-          <a:lnRef idx="2">
-            <a:schemeClr val="accent5">
-              <a:shade val="50000"/>
-            </a:schemeClr>
-          </a:lnRef>
-          <a:fillRef idx="1">
-            <a:schemeClr val="accent5"/>
-          </a:fillRef>
-          <a:effectRef idx="0">
-            <a:schemeClr val="accent5"/>
-          </a:effectRef>
-          <a:fontRef idx="minor">
-            <a:schemeClr val="lt1"/>
-          </a:fontRef>
-        </p:style>
-        <p:txBody>
-          <a:bodyPr rtlCol="0" anchor="ctr"/>
-          <a:lstStyle/>
-          <a:p>
-            <a:pPr algn="ctr"/>
-            <a:r>
-              <a:rPr lang="en-US" sz="1600" b="1" dirty="0" smtClean="0"/>
-              <a:t>*.</a:t>
-            </a:r>
-            <a:r>
-              <a:rPr lang="en-US" sz="1600" b="1" dirty="0" err="1" smtClean="0"/>
-              <a:t>js</a:t>
-            </a:r>
-            <a:endParaRPr lang="en-SG" sz="1600" b="1" dirty="0"/>
-          </a:p>
-        </p:txBody>
-      </p:sp>
-      <p:sp>
-        <p:nvSpPr>
-          <p:cNvPr id="405" name="Folded Corner 404"/>
-          <p:cNvSpPr/>
-          <p:nvPr/>
-        </p:nvSpPr>
-        <p:spPr>
-          <a:xfrm>
-            <a:off x="2614839" y="5629779"/>
-            <a:ext cx="1464715" cy="420881"/>
-          </a:xfrm>
-          <a:prstGeom prst="foldedCorner">
-            <a:avLst/>
-          </a:prstGeom>
-        </p:spPr>
-        <p:style>
-          <a:lnRef idx="2">
-            <a:schemeClr val="accent5">
-              <a:shade val="50000"/>
-            </a:schemeClr>
-          </a:lnRef>
-          <a:fillRef idx="1">
-            <a:schemeClr val="accent5"/>
-          </a:fillRef>
-          <a:effectRef idx="0">
-            <a:schemeClr val="accent5"/>
-          </a:effectRef>
-          <a:fontRef idx="minor">
-            <a:schemeClr val="lt1"/>
-          </a:fontRef>
-        </p:style>
-        <p:txBody>
-          <a:bodyPr rtlCol="0" anchor="ctr"/>
-          <a:lstStyle/>
-          <a:p>
-            <a:pPr algn="ctr"/>
-            <a:r>
-              <a:rPr lang="en-US" sz="1600" b="1" dirty="0" smtClean="0"/>
-              <a:t>*.</a:t>
-            </a:r>
-            <a:r>
-              <a:rPr lang="en-US" sz="1600" b="1" dirty="0" err="1" smtClean="0"/>
-              <a:t>js</a:t>
-            </a:r>
-            <a:endParaRPr lang="en-SG" sz="1600" b="1" dirty="0"/>
-          </a:p>
-        </p:txBody>
-      </p:sp>
-      <p:cxnSp>
-        <p:nvCxnSpPr>
-          <p:cNvPr id="406" name="Elbow Connector 405"/>
-          <p:cNvCxnSpPr/>
-          <p:nvPr/>
-        </p:nvCxnSpPr>
-        <p:spPr>
-          <a:xfrm rot="10800000" flipV="1">
-            <a:off x="849312" y="5194299"/>
-            <a:ext cx="6482059" cy="9438"/>
-          </a:xfrm>
-          <a:prstGeom prst="bentConnector3">
-            <a:avLst>
-              <a:gd name="adj1" fmla="val 50000"/>
-            </a:avLst>
-          </a:prstGeom>
-          <a:ln w="38100">
-            <a:prstDash val="sysDot"/>
-            <a:tailEnd type="arrow"/>
-          </a:ln>
-        </p:spPr>
-        <p:style>
-          <a:lnRef idx="2">
-            <a:schemeClr val="accent4">
-              <a:shade val="50000"/>
-            </a:schemeClr>
-          </a:lnRef>
-          <a:fillRef idx="1">
-            <a:schemeClr val="accent4"/>
-          </a:fillRef>
-          <a:effectRef idx="0">
-            <a:schemeClr val="accent4"/>
-          </a:effectRef>
-          <a:fontRef idx="minor">
-            <a:schemeClr val="lt1"/>
-          </a:fontRef>
-        </p:style>
-      </p:cxnSp>
-      <p:sp>
-        <p:nvSpPr>
-          <p:cNvPr id="407" name="TextBox 406"/>
-          <p:cNvSpPr txBox="1"/>
-          <p:nvPr/>
-        </p:nvSpPr>
-        <p:spPr>
-          <a:xfrm>
-            <a:off x="3252655" y="4905397"/>
-            <a:ext cx="1066800" cy="307777"/>
-          </a:xfrm>
-          <a:prstGeom prst="rect">
-            <a:avLst/>
-          </a:prstGeom>
-          <a:grpFill/>
           <a:ln>
             <a:noFill/>
           </a:ln>
@@ -5080,6 +5969,92 @@
           </a:fontRef>
         </p:style>
         <p:txBody>
+          <a:bodyPr rtlCol="0" anchor="ctr"/>
+          <a:lstStyle/>
+          <a:p>
+            <a:pPr algn="ctr"/>
+            <a:endParaRPr lang="en-SG"/>
+          </a:p>
+        </p:txBody>
+      </p:sp>
+      <p:cxnSp>
+        <p:nvCxnSpPr>
+          <p:cNvPr id="170" name="Straight Arrow Connector 169"/>
+          <p:cNvCxnSpPr>
+            <a:stCxn id="137" idx="3"/>
+            <a:endCxn id="136" idx="1"/>
+          </p:cNvCxnSpPr>
+          <p:nvPr/>
+        </p:nvCxnSpPr>
+        <p:spPr>
+          <a:xfrm>
+            <a:off x="3576928" y="2667411"/>
+            <a:ext cx="438592" cy="0"/>
+          </a:xfrm>
+          <a:prstGeom prst="straightConnector1">
+            <a:avLst/>
+          </a:prstGeom>
+          <a:ln w="38100">
+            <a:solidFill>
+              <a:schemeClr val="tx2">
+                <a:lumMod val="75000"/>
+              </a:schemeClr>
+            </a:solidFill>
+            <a:prstDash val="sysDot"/>
+            <a:tailEnd type="arrow"/>
+          </a:ln>
+        </p:spPr>
+        <p:style>
+          <a:lnRef idx="1">
+            <a:schemeClr val="accent1"/>
+          </a:lnRef>
+          <a:fillRef idx="0">
+            <a:schemeClr val="accent1"/>
+          </a:fillRef>
+          <a:effectRef idx="0">
+            <a:schemeClr val="accent1"/>
+          </a:effectRef>
+          <a:fontRef idx="minor">
+            <a:schemeClr val="tx1"/>
+          </a:fontRef>
+        </p:style>
+      </p:cxnSp>
+      <p:sp>
+        <p:nvSpPr>
+          <p:cNvPr id="173" name="TextBox 172"/>
+          <p:cNvSpPr txBox="1"/>
+          <p:nvPr/>
+        </p:nvSpPr>
+        <p:spPr>
+          <a:xfrm>
+            <a:off x="3339024" y="2186459"/>
+            <a:ext cx="914400" cy="252187"/>
+          </a:xfrm>
+          <a:prstGeom prst="rect">
+            <a:avLst/>
+          </a:prstGeom>
+          <a:grpFill/>
+          <a:ln>
+            <a:noFill/>
+          </a:ln>
+        </p:spPr>
+        <p:style>
+          <a:lnRef idx="2">
+            <a:schemeClr val="accent1">
+              <a:shade val="50000"/>
+            </a:schemeClr>
+          </a:lnRef>
+          <a:fillRef idx="1">
+            <a:schemeClr val="accent1"/>
+          </a:fillRef>
+          <a:effectRef idx="0">
+            <a:schemeClr val="accent1"/>
+          </a:effectRef>
+          <a:fontRef idx="minor">
+            <a:schemeClr val="lt1"/>
+          </a:fontRef>
+        </p:style>
+        <p:txBody>
           <a:bodyPr rtlCol="0" anchor="t" anchorCtr="0"/>
           <a:lstStyle>
             <a:defPPr>
@@ -5150,134 +6125,177 @@
             </a:lvl9pPr>
           </a:lstStyle>
           <a:p>
-            <a:pPr algn="r"/>
             <a:r>
-              <a:rPr lang="en-US" dirty="0" smtClean="0"/>
-              <a:t>&lt;&lt;create&gt;&gt;</a:t>
+              <a:rPr lang="en-US" dirty="0">
+                <a:solidFill>
+                  <a:schemeClr val="accent1">
+                    <a:lumMod val="50000"/>
+                  </a:schemeClr>
+                </a:solidFill>
+              </a:rPr>
+              <a:t>&lt;&lt;uses&gt;&gt;</a:t>
             </a:r>
-            <a:endParaRPr lang="en-SG" dirty="0"/>
-          </a:p>
-        </p:txBody>
-      </p:sp>
-      <p:sp>
-        <p:nvSpPr>
-          <p:cNvPr id="408" name="Folded Corner 407"/>
-          <p:cNvSpPr/>
+            <a:endParaRPr lang="en-SG" dirty="0">
+              <a:solidFill>
+                <a:schemeClr val="accent1">
+                  <a:lumMod val="50000"/>
+                </a:schemeClr>
+              </a:solidFill>
+            </a:endParaRPr>
+          </a:p>
+        </p:txBody>
+      </p:sp>
+      <p:sp>
+        <p:nvSpPr>
+          <p:cNvPr id="174" name="TextBox 173"/>
+          <p:cNvSpPr txBox="1"/>
           <p:nvPr/>
         </p:nvSpPr>
         <p:spPr>
           <a:xfrm>
-            <a:off x="4393681" y="6002537"/>
-            <a:ext cx="1464715" cy="374591"/>
-          </a:xfrm>
-          <a:prstGeom prst="foldedCorner">
-            <a:avLst/>
-          </a:prstGeom>
+            <a:off x="5726116" y="2179637"/>
+            <a:ext cx="1162965" cy="350553"/>
+          </a:xfrm>
+          <a:prstGeom prst="rect">
+            <a:avLst/>
+          </a:prstGeom>
+          <a:grpFill/>
+          <a:ln>
+            <a:noFill/>
+          </a:ln>
         </p:spPr>
         <p:style>
           <a:lnRef idx="2">
-            <a:schemeClr val="accent5">
+            <a:schemeClr val="accent1">
               <a:shade val="50000"/>
             </a:schemeClr>
           </a:lnRef>
           <a:fillRef idx="1">
-            <a:schemeClr val="accent5"/>
+            <a:schemeClr val="accent1"/>
           </a:fillRef>
           <a:effectRef idx="0">
-            <a:schemeClr val="accent5"/>
+            <a:schemeClr val="accent1"/>
           </a:effectRef>
           <a:fontRef idx="minor">
             <a:schemeClr val="lt1"/>
           </a:fontRef>
         </p:style>
         <p:txBody>
-          <a:bodyPr rtlCol="0" anchor="ctr"/>
-          <a:lstStyle/>
-          <a:p>
-            <a:pPr algn="ctr"/>
+          <a:bodyPr rtlCol="0" anchor="t" anchorCtr="0"/>
+          <a:lstStyle>
+            <a:defPPr>
+              <a:defRPr lang="en-US"/>
+            </a:defPPr>
+            <a:lvl1pPr>
+              <a:defRPr sz="1400" b="1">
+                <a:solidFill>
+                  <a:srgbClr val="7030A0"/>
+                </a:solidFill>
+              </a:defRPr>
+            </a:lvl1pPr>
+            <a:lvl2pPr>
+              <a:defRPr>
+                <a:solidFill>
+                  <a:schemeClr val="lt1"/>
+                </a:solidFill>
+              </a:defRPr>
+            </a:lvl2pPr>
+            <a:lvl3pPr>
+              <a:defRPr>
+                <a:solidFill>
+                  <a:schemeClr val="lt1"/>
+                </a:solidFill>
+              </a:defRPr>
+            </a:lvl3pPr>
+            <a:lvl4pPr>
+              <a:defRPr>
+                <a:solidFill>
+                  <a:schemeClr val="lt1"/>
+                </a:solidFill>
+              </a:defRPr>
+            </a:lvl4pPr>
+            <a:lvl5pPr>
+              <a:defRPr>
+                <a:solidFill>
+                  <a:schemeClr val="lt1"/>
+                </a:solidFill>
+              </a:defRPr>
+            </a:lvl5pPr>
+            <a:lvl6pPr>
+              <a:defRPr>
+                <a:solidFill>
+                  <a:schemeClr val="lt1"/>
+                </a:solidFill>
+              </a:defRPr>
+            </a:lvl6pPr>
+            <a:lvl7pPr>
+              <a:defRPr>
+                <a:solidFill>
+                  <a:schemeClr val="lt1"/>
+                </a:solidFill>
+              </a:defRPr>
+            </a:lvl7pPr>
+            <a:lvl8pPr>
+              <a:defRPr>
+                <a:solidFill>
+                  <a:schemeClr val="lt1"/>
+                </a:solidFill>
+              </a:defRPr>
+            </a:lvl8pPr>
+            <a:lvl9pPr>
+              <a:defRPr>
+                <a:solidFill>
+                  <a:schemeClr val="lt1"/>
+                </a:solidFill>
+              </a:defRPr>
+            </a:lvl9pPr>
+          </a:lstStyle>
+          <a:p>
+            <a:pPr algn="r"/>
             <a:r>
-              <a:rPr lang="en-US" sz="1600" b="1" dirty="0" smtClean="0"/>
-              <a:t>*.</a:t>
+              <a:rPr lang="en-US" dirty="0">
+                <a:solidFill>
+                  <a:schemeClr val="accent2">
+                    <a:lumMod val="75000"/>
+                  </a:schemeClr>
+                </a:solidFill>
+              </a:rPr>
+              <a:t>&lt;&lt;creates&gt;&gt;</a:t>
             </a:r>
-            <a:r>
-              <a:rPr lang="en-US" sz="1600" b="1" dirty="0" err="1" smtClean="0"/>
-              <a:t>css</a:t>
-            </a:r>
-            <a:endParaRPr lang="en-SG" sz="1600" b="1" dirty="0"/>
-          </a:p>
-        </p:txBody>
-      </p:sp>
-      <p:sp>
-        <p:nvSpPr>
-          <p:cNvPr id="409" name="Folded Corner 408"/>
-          <p:cNvSpPr/>
-          <p:nvPr/>
-        </p:nvSpPr>
-        <p:spPr>
-          <a:xfrm>
-            <a:off x="4435697" y="6073040"/>
-            <a:ext cx="1464715" cy="374591"/>
-          </a:xfrm>
-          <a:prstGeom prst="foldedCorner">
-            <a:avLst/>
-          </a:prstGeom>
-        </p:spPr>
-        <p:style>
-          <a:lnRef idx="2">
-            <a:schemeClr val="accent5">
-              <a:shade val="50000"/>
-            </a:schemeClr>
-          </a:lnRef>
-          <a:fillRef idx="1">
-            <a:schemeClr val="accent5"/>
-          </a:fillRef>
-          <a:effectRef idx="0">
-            <a:schemeClr val="accent5"/>
-          </a:effectRef>
-          <a:fontRef idx="minor">
-            <a:schemeClr val="lt1"/>
-          </a:fontRef>
-        </p:style>
-        <p:txBody>
-          <a:bodyPr rtlCol="0" anchor="ctr"/>
-          <a:lstStyle/>
-          <a:p>
-            <a:pPr algn="ctr"/>
-            <a:r>
-              <a:rPr lang="en-US" sz="1600" b="1" dirty="0" smtClean="0"/>
-              <a:t>*.</a:t>
-            </a:r>
-            <a:r>
-              <a:rPr lang="en-US" sz="1600" b="1" dirty="0" err="1" smtClean="0"/>
-              <a:t>css</a:t>
-            </a:r>
-            <a:endParaRPr lang="en-SG" sz="1600" b="1" dirty="0"/>
+            <a:endParaRPr lang="en-SG" dirty="0">
+              <a:solidFill>
+                <a:schemeClr val="accent2">
+                  <a:lumMod val="75000"/>
+                </a:schemeClr>
+              </a:solidFill>
+            </a:endParaRPr>
           </a:p>
         </p:txBody>
       </p:sp>
       <p:cxnSp>
         <p:nvCxnSpPr>
-          <p:cNvPr id="410" name="Elbow Connector 409"/>
+          <p:cNvPr id="175" name="Elbow Connector 174"/>
           <p:cNvCxnSpPr>
-            <a:endCxn id="405" idx="1"/>
+            <a:stCxn id="137" idx="2"/>
+            <a:endCxn id="144" idx="1"/>
           </p:cNvCxnSpPr>
           <p:nvPr/>
         </p:nvCxnSpPr>
         <p:spPr>
-          <a:xfrm flipV="1">
-            <a:off x="889599" y="5840220"/>
-            <a:ext cx="1725240" cy="297945"/>
-          </a:xfrm>
-          <a:prstGeom prst="bentConnector3">
-            <a:avLst>
-              <a:gd name="adj1" fmla="val 50000"/>
-            </a:avLst>
+          <a:xfrm rot="16200000" flipH="1">
+            <a:off x="3547800" y="1796539"/>
+            <a:ext cx="412162" cy="2513906"/>
+          </a:xfrm>
+          <a:prstGeom prst="bentConnector2">
+            <a:avLst/>
           </a:prstGeom>
           <a:ln w="38100">
             <a:solidFill>
-              <a:schemeClr val="tx1"/>
+              <a:schemeClr val="accent1">
+                <a:lumMod val="50000"/>
+              </a:schemeClr>
             </a:solidFill>
-            <a:prstDash val="sysDash"/>
+            <a:prstDash val="sysDot"/>
             <a:tailEnd type="arrow"/>
           </a:ln>
         </p:spPr>
@@ -5298,572 +6316,16 @@
       </p:cxnSp>
       <p:cxnSp>
         <p:nvCxnSpPr>
-          <p:cNvPr id="411" name="Elbow Connector 410"/>
+          <p:cNvPr id="178" name="Elbow Connector 177"/>
           <p:cNvCxnSpPr>
-            <a:endCxn id="409" idx="1"/>
+            <a:stCxn id="124" idx="3"/>
           </p:cNvCxnSpPr>
           <p:nvPr/>
         </p:nvCxnSpPr>
         <p:spPr>
           <a:xfrm>
-            <a:off x="889599" y="6138165"/>
-            <a:ext cx="3546098" cy="122171"/>
-          </a:xfrm>
-          <a:prstGeom prst="bentConnector3">
-            <a:avLst>
-              <a:gd name="adj1" fmla="val 24521"/>
-            </a:avLst>
-          </a:prstGeom>
-          <a:ln w="38100">
-            <a:solidFill>
-              <a:schemeClr val="tx1"/>
-            </a:solidFill>
-            <a:prstDash val="sysDash"/>
-            <a:tailEnd type="arrow"/>
-          </a:ln>
-        </p:spPr>
-        <p:style>
-          <a:lnRef idx="1">
-            <a:schemeClr val="accent1"/>
-          </a:lnRef>
-          <a:fillRef idx="0">
-            <a:schemeClr val="accent1"/>
-          </a:fillRef>
-          <a:effectRef idx="0">
-            <a:schemeClr val="accent1"/>
-          </a:effectRef>
-          <a:fontRef idx="minor">
-            <a:schemeClr val="tx1"/>
-          </a:fontRef>
-        </p:style>
-      </p:cxnSp>
-      <p:sp>
-        <p:nvSpPr>
-          <p:cNvPr id="412" name="Folded Corner 411"/>
-          <p:cNvSpPr/>
-          <p:nvPr/>
-        </p:nvSpPr>
-        <p:spPr>
-          <a:xfrm>
-            <a:off x="7391456" y="5190025"/>
-            <a:ext cx="1466850" cy="406993"/>
-          </a:xfrm>
-          <a:prstGeom prst="foldedCorner">
-            <a:avLst/>
-          </a:prstGeom>
-        </p:spPr>
-        <p:style>
-          <a:lnRef idx="2">
-            <a:schemeClr val="accent4">
-              <a:shade val="50000"/>
-            </a:schemeClr>
-          </a:lnRef>
-          <a:fillRef idx="1">
-            <a:schemeClr val="accent4"/>
-          </a:fillRef>
-          <a:effectRef idx="0">
-            <a:schemeClr val="accent4"/>
-          </a:effectRef>
-          <a:fontRef idx="minor">
-            <a:schemeClr val="lt1"/>
-          </a:fontRef>
-        </p:style>
-        <p:txBody>
-          <a:bodyPr rtlCol="0" anchor="ctr"/>
-          <a:lstStyle/>
-          <a:p>
-            <a:pPr algn="ctr"/>
-            <a:r>
-              <a:rPr lang="en-US" sz="1600" b="1" dirty="0" smtClean="0"/>
-              <a:t>_xyz_.</a:t>
-            </a:r>
-            <a:r>
-              <a:rPr lang="en-US" sz="1600" b="1" dirty="0" err="1" smtClean="0"/>
-              <a:t>jsp</a:t>
-            </a:r>
-            <a:endParaRPr lang="en-SG" sz="1600" b="1" dirty="0"/>
-          </a:p>
-        </p:txBody>
-      </p:sp>
-      <p:sp>
-        <p:nvSpPr>
-          <p:cNvPr id="413" name="Folded Corner 412"/>
-          <p:cNvSpPr/>
-          <p:nvPr/>
-        </p:nvSpPr>
-        <p:spPr>
-          <a:xfrm>
-            <a:off x="7469790" y="5244508"/>
-            <a:ext cx="1466850" cy="406993"/>
-          </a:xfrm>
-          <a:prstGeom prst="foldedCorner">
-            <a:avLst/>
-          </a:prstGeom>
-        </p:spPr>
-        <p:style>
-          <a:lnRef idx="2">
-            <a:schemeClr val="accent4">
-              <a:shade val="50000"/>
-            </a:schemeClr>
-          </a:lnRef>
-          <a:fillRef idx="1">
-            <a:schemeClr val="accent4"/>
-          </a:fillRef>
-          <a:effectRef idx="0">
-            <a:schemeClr val="accent4"/>
-          </a:effectRef>
-          <a:fontRef idx="minor">
-            <a:schemeClr val="lt1"/>
-          </a:fontRef>
-        </p:style>
-        <p:txBody>
-          <a:bodyPr rtlCol="0" anchor="ctr"/>
-          <a:lstStyle/>
-          <a:p>
-            <a:pPr algn="ctr"/>
-            <a:r>
-              <a:rPr lang="en-US" sz="1600" b="1" dirty="0" smtClean="0"/>
-              <a:t>*.</a:t>
-            </a:r>
-            <a:r>
-              <a:rPr lang="en-US" sz="1600" b="1" dirty="0" err="1" smtClean="0"/>
-              <a:t>jsp</a:t>
-            </a:r>
-            <a:endParaRPr lang="en-SG" sz="1600" b="1" dirty="0"/>
-          </a:p>
-        </p:txBody>
-      </p:sp>
-      <p:sp>
-        <p:nvSpPr>
-          <p:cNvPr id="416" name="Rectangle 415"/>
-          <p:cNvSpPr/>
-          <p:nvPr/>
-        </p:nvSpPr>
-        <p:spPr>
-          <a:xfrm>
-            <a:off x="1502618" y="3266354"/>
-            <a:ext cx="1466850" cy="403054"/>
-          </a:xfrm>
-          <a:prstGeom prst="rect">
-            <a:avLst/>
-          </a:prstGeom>
-        </p:spPr>
-        <p:style>
-          <a:lnRef idx="2">
-            <a:schemeClr val="accent2">
-              <a:shade val="50000"/>
-            </a:schemeClr>
-          </a:lnRef>
-          <a:fillRef idx="1">
-            <a:schemeClr val="accent2"/>
-          </a:fillRef>
-          <a:effectRef idx="0">
-            <a:schemeClr val="accent2"/>
-          </a:effectRef>
-          <a:fontRef idx="minor">
-            <a:schemeClr val="lt1"/>
-          </a:fontRef>
-        </p:style>
-        <p:txBody>
-          <a:bodyPr rtlCol="0" anchor="ctr"/>
-          <a:lstStyle/>
-          <a:p>
-            <a:pPr algn="ctr"/>
-            <a:r>
-              <a:rPr lang="en-US" sz="1600" b="1" dirty="0" smtClean="0"/>
-              <a:t>_</a:t>
-            </a:r>
-            <a:r>
-              <a:rPr lang="en-US" sz="1600" b="1" dirty="0" err="1" smtClean="0"/>
-              <a:t>xyz_Servlet</a:t>
-            </a:r>
-            <a:endParaRPr lang="en-SG" sz="1600" b="1" dirty="0"/>
-          </a:p>
-        </p:txBody>
-      </p:sp>
-      <p:sp>
-        <p:nvSpPr>
-          <p:cNvPr id="417" name="Rectangle 416"/>
-          <p:cNvSpPr/>
-          <p:nvPr/>
-        </p:nvSpPr>
-        <p:spPr>
-          <a:xfrm>
-            <a:off x="1564820" y="3307419"/>
-            <a:ext cx="1466850" cy="403054"/>
-          </a:xfrm>
-          <a:prstGeom prst="rect">
-            <a:avLst/>
-          </a:prstGeom>
-        </p:spPr>
-        <p:style>
-          <a:lnRef idx="2">
-            <a:schemeClr val="accent2">
-              <a:shade val="50000"/>
-            </a:schemeClr>
-          </a:lnRef>
-          <a:fillRef idx="1">
-            <a:schemeClr val="accent2"/>
-          </a:fillRef>
-          <a:effectRef idx="0">
-            <a:schemeClr val="accent2"/>
-          </a:effectRef>
-          <a:fontRef idx="minor">
-            <a:schemeClr val="lt1"/>
-          </a:fontRef>
-        </p:style>
-        <p:txBody>
-          <a:bodyPr rtlCol="0" anchor="ctr"/>
-          <a:lstStyle/>
-          <a:p>
-            <a:pPr algn="ctr"/>
-            <a:r>
-              <a:rPr lang="en-US" sz="1600" b="1" dirty="0" smtClean="0"/>
-              <a:t>_</a:t>
-            </a:r>
-            <a:r>
-              <a:rPr lang="en-US" sz="1600" b="1" dirty="0" err="1" smtClean="0"/>
-              <a:t>abc_Action</a:t>
-            </a:r>
-            <a:endParaRPr lang="en-SG" sz="1600" b="1" dirty="0"/>
-          </a:p>
-        </p:txBody>
-      </p:sp>
-      <p:sp>
-        <p:nvSpPr>
-          <p:cNvPr id="418" name="Rectangle 417"/>
-          <p:cNvSpPr/>
-          <p:nvPr/>
-        </p:nvSpPr>
-        <p:spPr>
-          <a:xfrm>
-            <a:off x="7389211" y="4008217"/>
-            <a:ext cx="1466850" cy="304800"/>
-          </a:xfrm>
-          <a:prstGeom prst="rect">
-            <a:avLst/>
-          </a:prstGeom>
-        </p:spPr>
-        <p:style>
-          <a:lnRef idx="2">
-            <a:schemeClr val="accent4">
-              <a:shade val="50000"/>
-            </a:schemeClr>
-          </a:lnRef>
-          <a:fillRef idx="1">
-            <a:schemeClr val="accent4"/>
-          </a:fillRef>
-          <a:effectRef idx="0">
-            <a:schemeClr val="accent4"/>
-          </a:effectRef>
-          <a:fontRef idx="minor">
-            <a:schemeClr val="lt1"/>
-          </a:fontRef>
-        </p:style>
-        <p:txBody>
-          <a:bodyPr rtlCol="0" anchor="ctr"/>
-          <a:lstStyle/>
-          <a:p>
-            <a:pPr algn="ctr"/>
-            <a:r>
-              <a:rPr lang="en-US" sz="1600" b="1" dirty="0"/>
-              <a:t>_</a:t>
-            </a:r>
-            <a:r>
-              <a:rPr lang="en-US" sz="1600" b="1" dirty="0" err="1"/>
-              <a:t>xyz_Helper</a:t>
-            </a:r>
-            <a:endParaRPr lang="en-SG" sz="1600" b="1" dirty="0"/>
-          </a:p>
-        </p:txBody>
-      </p:sp>
-      <p:sp>
-        <p:nvSpPr>
-          <p:cNvPr id="419" name="Rectangle 418"/>
-          <p:cNvSpPr/>
-          <p:nvPr/>
-        </p:nvSpPr>
-        <p:spPr>
-          <a:xfrm>
-            <a:off x="7467165" y="4051301"/>
-            <a:ext cx="1466850" cy="304800"/>
-          </a:xfrm>
-          <a:prstGeom prst="rect">
-            <a:avLst/>
-          </a:prstGeom>
-        </p:spPr>
-        <p:style>
-          <a:lnRef idx="2">
-            <a:schemeClr val="accent4">
-              <a:shade val="50000"/>
-            </a:schemeClr>
-          </a:lnRef>
-          <a:fillRef idx="1">
-            <a:schemeClr val="accent4"/>
-          </a:fillRef>
-          <a:effectRef idx="0">
-            <a:schemeClr val="accent4"/>
-          </a:effectRef>
-          <a:fontRef idx="minor">
-            <a:schemeClr val="lt1"/>
-          </a:fontRef>
-        </p:style>
-        <p:txBody>
-          <a:bodyPr rtlCol="0" anchor="ctr"/>
-          <a:lstStyle/>
-          <a:p>
-            <a:pPr algn="ctr"/>
-            <a:r>
-              <a:rPr lang="en-US" sz="1600" b="1" dirty="0" smtClean="0"/>
-              <a:t>*</a:t>
-            </a:r>
-            <a:r>
-              <a:rPr lang="en-US" sz="1600" b="1" dirty="0" err="1" smtClean="0"/>
-              <a:t>PageData</a:t>
-            </a:r>
-            <a:endParaRPr lang="en-SG" sz="1600" b="1" dirty="0"/>
-          </a:p>
-        </p:txBody>
-      </p:sp>
-      <p:sp>
-        <p:nvSpPr>
-          <p:cNvPr id="421" name="Rectangle 420"/>
-          <p:cNvSpPr/>
-          <p:nvPr/>
-        </p:nvSpPr>
-        <p:spPr>
-          <a:xfrm>
-            <a:off x="2994876" y="1472235"/>
-            <a:ext cx="1044084" cy="522656"/>
-          </a:xfrm>
-          <a:prstGeom prst="rect">
-            <a:avLst/>
-          </a:prstGeom>
-        </p:spPr>
-        <p:style>
-          <a:lnRef idx="2">
-            <a:schemeClr val="accent2">
-              <a:shade val="50000"/>
-            </a:schemeClr>
-          </a:lnRef>
-          <a:fillRef idx="1">
-            <a:schemeClr val="accent2"/>
-          </a:fillRef>
-          <a:effectRef idx="0">
-            <a:schemeClr val="accent2"/>
-          </a:effectRef>
-          <a:fontRef idx="minor">
-            <a:schemeClr val="lt1"/>
-          </a:fontRef>
-        </p:style>
-        <p:txBody>
-          <a:bodyPr rtlCol="0" anchor="ctr"/>
-          <a:lstStyle/>
-          <a:p>
-            <a:pPr algn="ctr"/>
-            <a:r>
-              <a:rPr lang="en-US" sz="1600" b="1" dirty="0" smtClean="0"/>
-              <a:t>Action</a:t>
-            </a:r>
-            <a:br>
-              <a:rPr lang="en-US" sz="1600" b="1" dirty="0" smtClean="0"/>
-            </a:br>
-            <a:r>
-              <a:rPr lang="en-US" sz="1600" b="1" dirty="0" smtClean="0"/>
-              <a:t>Factory</a:t>
-            </a:r>
-            <a:endParaRPr lang="en-SG" sz="1600" b="1" dirty="0"/>
-          </a:p>
-        </p:txBody>
-      </p:sp>
-      <p:sp>
-        <p:nvSpPr>
-          <p:cNvPr id="422" name="Rectangle 421"/>
-          <p:cNvSpPr/>
-          <p:nvPr/>
-        </p:nvSpPr>
-        <p:spPr>
-          <a:xfrm>
-            <a:off x="1549462" y="716420"/>
-            <a:ext cx="1727498" cy="377438"/>
-          </a:xfrm>
-          <a:prstGeom prst="rect">
-            <a:avLst/>
-          </a:prstGeom>
-        </p:spPr>
-        <p:style>
-          <a:lnRef idx="2">
-            <a:schemeClr val="accent1">
-              <a:shade val="50000"/>
-            </a:schemeClr>
-          </a:lnRef>
-          <a:fillRef idx="1">
-            <a:schemeClr val="accent1"/>
-          </a:fillRef>
-          <a:effectRef idx="0">
-            <a:schemeClr val="accent1"/>
-          </a:effectRef>
-          <a:fontRef idx="minor">
-            <a:schemeClr val="lt1"/>
-          </a:fontRef>
-        </p:style>
-        <p:txBody>
-          <a:bodyPr rtlCol="0" anchor="ctr"/>
-          <a:lstStyle/>
-          <a:p>
-            <a:pPr algn="ctr"/>
-            <a:r>
-              <a:rPr lang="en-US" sz="1600" b="1" dirty="0" err="1" smtClean="0"/>
-              <a:t>ControllerServlet</a:t>
-            </a:r>
-            <a:endParaRPr lang="en-SG" sz="1600" b="1" dirty="0"/>
-          </a:p>
-        </p:txBody>
-      </p:sp>
-      <p:sp>
-        <p:nvSpPr>
-          <p:cNvPr id="423" name="Rectangle 422"/>
-          <p:cNvSpPr/>
-          <p:nvPr/>
-        </p:nvSpPr>
-        <p:spPr>
-          <a:xfrm>
-            <a:off x="5569077" y="1276717"/>
-            <a:ext cx="1398903" cy="377438"/>
-          </a:xfrm>
-          <a:prstGeom prst="rect">
-            <a:avLst/>
-          </a:prstGeom>
-        </p:spPr>
-        <p:style>
-          <a:lnRef idx="2">
-            <a:schemeClr val="accent1">
-              <a:shade val="50000"/>
-            </a:schemeClr>
-          </a:lnRef>
-          <a:fillRef idx="1">
-            <a:schemeClr val="accent1"/>
-          </a:fillRef>
-          <a:effectRef idx="0">
-            <a:schemeClr val="accent1"/>
-          </a:effectRef>
-          <a:fontRef idx="minor">
-            <a:schemeClr val="lt1"/>
-          </a:fontRef>
-        </p:style>
-        <p:txBody>
-          <a:bodyPr rtlCol="0" anchor="ctr"/>
-          <a:lstStyle/>
-          <a:p>
-            <a:pPr algn="ctr"/>
-            <a:r>
-              <a:rPr lang="en-US" sz="1600" b="1" dirty="0" smtClean="0"/>
-              <a:t>*Servlet</a:t>
-            </a:r>
-            <a:endParaRPr lang="en-SG" sz="1600" b="1" dirty="0"/>
-          </a:p>
-        </p:txBody>
-      </p:sp>
-      <p:sp>
-        <p:nvSpPr>
-          <p:cNvPr id="424" name="Rectangle 423"/>
-          <p:cNvSpPr/>
-          <p:nvPr/>
-        </p:nvSpPr>
-        <p:spPr>
-          <a:xfrm>
-            <a:off x="5645277" y="1348409"/>
-            <a:ext cx="1398903" cy="377438"/>
-          </a:xfrm>
-          <a:prstGeom prst="rect">
-            <a:avLst/>
-          </a:prstGeom>
-        </p:spPr>
-        <p:style>
-          <a:lnRef idx="2">
-            <a:schemeClr val="accent1">
-              <a:shade val="50000"/>
-            </a:schemeClr>
-          </a:lnRef>
-          <a:fillRef idx="1">
-            <a:schemeClr val="accent1"/>
-          </a:fillRef>
-          <a:effectRef idx="0">
-            <a:schemeClr val="accent1"/>
-          </a:effectRef>
-          <a:fontRef idx="minor">
-            <a:schemeClr val="lt1"/>
-          </a:fontRef>
-        </p:style>
-        <p:txBody>
-          <a:bodyPr rtlCol="0" anchor="ctr"/>
-          <a:lstStyle/>
-          <a:p>
-            <a:pPr algn="ctr"/>
-            <a:r>
-              <a:rPr lang="en-US" sz="1600" b="1" dirty="0" smtClean="0"/>
-              <a:t>*Servlet</a:t>
-            </a:r>
-            <a:endParaRPr lang="en-SG" sz="1600" b="1" dirty="0"/>
-          </a:p>
-        </p:txBody>
-      </p:sp>
-      <p:sp>
-        <p:nvSpPr>
-          <p:cNvPr id="425" name="Rectangle 424"/>
-          <p:cNvSpPr/>
-          <p:nvPr/>
-        </p:nvSpPr>
-        <p:spPr>
-          <a:xfrm>
-            <a:off x="5768843" y="1442631"/>
-            <a:ext cx="1398903" cy="377438"/>
-          </a:xfrm>
-          <a:prstGeom prst="rect">
-            <a:avLst/>
-          </a:prstGeom>
-        </p:spPr>
-        <p:style>
-          <a:lnRef idx="2">
-            <a:schemeClr val="accent1">
-              <a:shade val="50000"/>
-            </a:schemeClr>
-          </a:lnRef>
-          <a:fillRef idx="1">
-            <a:schemeClr val="accent1"/>
-          </a:fillRef>
-          <a:effectRef idx="0">
-            <a:schemeClr val="accent1"/>
-          </a:effectRef>
-          <a:fontRef idx="minor">
-            <a:schemeClr val="lt1"/>
-          </a:fontRef>
-        </p:style>
-        <p:txBody>
-          <a:bodyPr rtlCol="0" anchor="ctr"/>
-          <a:lstStyle/>
-          <a:p>
-            <a:pPr algn="ctr"/>
-            <a:r>
-              <a:rPr lang="en-US" sz="1600" b="1" dirty="0" smtClean="0"/>
-              <a:t>*Servlet</a:t>
-            </a:r>
-            <a:endParaRPr lang="en-SG" sz="1600" b="1" dirty="0"/>
-          </a:p>
-        </p:txBody>
-      </p:sp>
-      <p:cxnSp>
-        <p:nvCxnSpPr>
-          <p:cNvPr id="426" name="Elbow Connector 425"/>
-          <p:cNvCxnSpPr>
-            <a:endCxn id="440" idx="1"/>
-          </p:cNvCxnSpPr>
-          <p:nvPr/>
-        </p:nvCxnSpPr>
-        <p:spPr>
-          <a:xfrm rot="16200000" flipV="1">
-            <a:off x="35784" y="4115851"/>
-            <a:ext cx="1090099" cy="1"/>
+            <a:off x="8774113" y="2662565"/>
+            <a:ext cx="720000" cy="0"/>
           </a:xfrm>
           <a:prstGeom prst="bentConnector3">
             <a:avLst>
@@ -5872,9 +6334,11 @@
           </a:prstGeom>
           <a:ln w="38100">
             <a:solidFill>
-              <a:schemeClr val="tx1"/>
+              <a:schemeClr val="accent2">
+                <a:lumMod val="75000"/>
+              </a:schemeClr>
             </a:solidFill>
-            <a:prstDash val="sysDash"/>
+            <a:prstDash val="sysDot"/>
             <a:tailEnd type="arrow"/>
           </a:ln>
         </p:spPr>
@@ -5895,21 +6359,24 @@
       </p:cxnSp>
       <p:cxnSp>
         <p:nvCxnSpPr>
-          <p:cNvPr id="427" name="Straight Arrow Connector 426"/>
-          <p:cNvCxnSpPr/>
+          <p:cNvPr id="180" name="Elbow Connector 179"/>
+          <p:cNvCxnSpPr>
+            <a:stCxn id="124" idx="2"/>
+            <a:endCxn id="144" idx="3"/>
+          </p:cNvCxnSpPr>
           <p:nvPr/>
         </p:nvCxnSpPr>
         <p:spPr>
-          <a:xfrm>
-            <a:off x="3124737" y="1122227"/>
-            <a:ext cx="0" cy="376623"/>
-          </a:xfrm>
-          <a:prstGeom prst="straightConnector1">
+          <a:xfrm rot="5400000">
+            <a:off x="7225508" y="2790969"/>
+            <a:ext cx="417008" cy="520200"/>
+          </a:xfrm>
+          <a:prstGeom prst="bentConnector2">
             <a:avLst/>
           </a:prstGeom>
           <a:ln w="38100">
             <a:solidFill>
-              <a:schemeClr val="tx2">
+              <a:schemeClr val="accent2">
                 <a:lumMod val="75000"/>
               </a:schemeClr>
             </a:solidFill>
@@ -5932,58 +6399,16 @@
           </a:fontRef>
         </p:style>
       </p:cxnSp>
-      <p:cxnSp>
-        <p:nvCxnSpPr>
-          <p:cNvPr id="428" name="Elbow Connector 427"/>
-          <p:cNvCxnSpPr>
-            <a:stCxn id="421" idx="1"/>
-            <a:endCxn id="390" idx="0"/>
-          </p:cNvCxnSpPr>
-          <p:nvPr/>
-        </p:nvCxnSpPr>
-        <p:spPr>
-          <a:xfrm rot="10800000" flipV="1">
-            <a:off x="2261452" y="1733562"/>
-            <a:ext cx="733425" cy="555035"/>
-          </a:xfrm>
-          <a:prstGeom prst="bentConnector2">
-            <a:avLst/>
-          </a:prstGeom>
-          <a:ln w="38100">
-            <a:solidFill>
-              <a:schemeClr val="accent2">
-                <a:lumMod val="75000"/>
-              </a:schemeClr>
-            </a:solidFill>
-            <a:prstDash val="sysDot"/>
-            <a:tailEnd type="arrow"/>
-          </a:ln>
-        </p:spPr>
-        <p:style>
-          <a:lnRef idx="1">
-            <a:schemeClr val="accent1"/>
-          </a:lnRef>
-          <a:fillRef idx="0">
-            <a:schemeClr val="accent1"/>
-          </a:fillRef>
-          <a:effectRef idx="0">
-            <a:schemeClr val="accent1"/>
-          </a:effectRef>
-          <a:fontRef idx="minor">
-            <a:schemeClr val="tx1"/>
-          </a:fontRef>
-        </p:style>
-      </p:cxnSp>
-      <p:sp>
-        <p:nvSpPr>
-          <p:cNvPr id="429" name="TextBox 428"/>
+      <p:sp>
+        <p:nvSpPr>
+          <p:cNvPr id="181" name="TextBox 180"/>
           <p:cNvSpPr txBox="1"/>
           <p:nvPr/>
         </p:nvSpPr>
         <p:spPr>
           <a:xfrm>
-            <a:off x="1905537" y="1428858"/>
-            <a:ext cx="1066800" cy="307777"/>
+            <a:off x="7707316" y="2966654"/>
+            <a:ext cx="1193303" cy="269076"/>
           </a:xfrm>
           <a:prstGeom prst="rect">
             <a:avLst/>
@@ -6080,16 +6505,15 @@
             </a:lvl9pPr>
           </a:lstStyle>
           <a:p>
-            <a:pPr algn="r"/>
             <a:r>
-              <a:rPr lang="en-US" dirty="0" smtClean="0">
+              <a:rPr lang="en-US" dirty="0">
                 <a:solidFill>
                   <a:schemeClr val="accent2">
                     <a:lumMod val="75000"/>
                   </a:schemeClr>
                 </a:solidFill>
               </a:rPr>
-              <a:t>&lt;&lt;create&gt;&gt;</a:t>
+              <a:t>&lt;&lt;creates&gt;&gt;</a:t>
             </a:r>
             <a:endParaRPr lang="en-SG" dirty="0">
               <a:solidFill>
@@ -6103,14 +6527,14 @@
       </p:sp>
       <p:sp>
         <p:nvSpPr>
-          <p:cNvPr id="430" name="Rectangle 429"/>
+          <p:cNvPr id="213" name="Rectangle 212"/>
           <p:cNvSpPr/>
           <p:nvPr/>
         </p:nvSpPr>
         <p:spPr>
           <a:xfrm>
-            <a:off x="4049712" y="2303715"/>
-            <a:ext cx="1388514" cy="377438"/>
+            <a:off x="3453744" y="4317601"/>
+            <a:ext cx="1980000" cy="360000"/>
           </a:xfrm>
           <a:prstGeom prst="rect">
             <a:avLst/>
@@ -6147,7 +6571,7 @@
             <a:pPr algn="ctr"/>
             <a:r>
               <a:rPr lang="en-US" sz="1600" b="1" dirty="0" err="1"/>
-              <a:t>ActionResult</a:t>
+              <a:t>AjaxResult</a:t>
             </a:r>
             <a:endParaRPr lang="en-SG" sz="1600" b="1" dirty="0"/>
           </a:p>
@@ -6155,14 +6579,14 @@
       </p:sp>
       <p:sp>
         <p:nvSpPr>
-          <p:cNvPr id="431" name="Rectangle 430"/>
+          <p:cNvPr id="214" name="Rectangle 213"/>
           <p:cNvSpPr/>
           <p:nvPr/>
         </p:nvSpPr>
         <p:spPr>
           <a:xfrm>
-            <a:off x="4732384" y="3260934"/>
-            <a:ext cx="1894049" cy="377438"/>
+            <a:off x="3446074" y="3774509"/>
+            <a:ext cx="1980000" cy="360000"/>
           </a:xfrm>
           <a:prstGeom prst="rect">
             <a:avLst/>
@@ -6205,119 +6629,19 @@
           </a:p>
         </p:txBody>
       </p:sp>
-      <p:sp>
-        <p:nvSpPr>
-          <p:cNvPr id="432" name="Rectangle 431"/>
-          <p:cNvSpPr/>
-          <p:nvPr/>
-        </p:nvSpPr>
-        <p:spPr>
-          <a:xfrm>
-            <a:off x="4738826" y="2813140"/>
-            <a:ext cx="1886980" cy="377438"/>
-          </a:xfrm>
-          <a:prstGeom prst="rect">
-            <a:avLst/>
-          </a:prstGeom>
-          <a:solidFill>
-            <a:srgbClr val="92D050"/>
-          </a:solidFill>
-          <a:ln>
-            <a:solidFill>
-              <a:srgbClr val="00B050"/>
-            </a:solidFill>
-          </a:ln>
-        </p:spPr>
-        <p:style>
-          <a:lnRef idx="2">
-            <a:schemeClr val="accent6">
-              <a:shade val="50000"/>
-            </a:schemeClr>
-          </a:lnRef>
-          <a:fillRef idx="1">
-            <a:schemeClr val="accent6"/>
-          </a:fillRef>
-          <a:effectRef idx="0">
-            <a:schemeClr val="accent6"/>
-          </a:effectRef>
-          <a:fontRef idx="minor">
-            <a:schemeClr val="lt1"/>
-          </a:fontRef>
-        </p:style>
-        <p:txBody>
-          <a:bodyPr rtlCol="0" anchor="ctr"/>
-          <a:lstStyle/>
-          <a:p>
-            <a:pPr algn="ctr"/>
-            <a:r>
-              <a:rPr lang="en-US" sz="1600" b="1" dirty="0" err="1"/>
-              <a:t>ShowPageResult</a:t>
-            </a:r>
-            <a:endParaRPr lang="en-SG" sz="1600" b="1" dirty="0"/>
-          </a:p>
-        </p:txBody>
-      </p:sp>
-      <p:sp>
-        <p:nvSpPr>
-          <p:cNvPr id="433" name="Isosceles Triangle 432"/>
-          <p:cNvSpPr/>
-          <p:nvPr/>
-        </p:nvSpPr>
-        <p:spPr>
-          <a:xfrm>
-            <a:off x="4354517" y="2693746"/>
-            <a:ext cx="276225" cy="228600"/>
-          </a:xfrm>
-          <a:prstGeom prst="triangle">
-            <a:avLst/>
-          </a:prstGeom>
-          <a:solidFill>
-            <a:srgbClr val="92D050"/>
-          </a:solidFill>
-          <a:ln>
-            <a:solidFill>
-              <a:srgbClr val="00B050"/>
-            </a:solidFill>
-          </a:ln>
-        </p:spPr>
-        <p:style>
-          <a:lnRef idx="2">
-            <a:schemeClr val="accent6">
-              <a:shade val="50000"/>
-            </a:schemeClr>
-          </a:lnRef>
-          <a:fillRef idx="1">
-            <a:schemeClr val="accent6"/>
-          </a:fillRef>
-          <a:effectRef idx="0">
-            <a:schemeClr val="accent6"/>
-          </a:effectRef>
-          <a:fontRef idx="minor">
-            <a:schemeClr val="lt1"/>
-          </a:fontRef>
-        </p:style>
-        <p:txBody>
-          <a:bodyPr rtlCol="0" anchor="ctr"/>
-          <a:lstStyle/>
-          <a:p>
-            <a:pPr algn="ctr"/>
-            <a:endParaRPr lang="en-SG" sz="1600" b="1"/>
-          </a:p>
-        </p:txBody>
-      </p:sp>
       <p:cxnSp>
         <p:nvCxnSpPr>
-          <p:cNvPr id="434" name="Elbow Connector 433"/>
+          <p:cNvPr id="215" name="Elbow Connector 214"/>
           <p:cNvCxnSpPr>
-            <a:stCxn id="433" idx="3"/>
-            <a:endCxn id="431" idx="1"/>
+            <a:stCxn id="147" idx="3"/>
+            <a:endCxn id="214" idx="3"/>
           </p:cNvCxnSpPr>
           <p:nvPr/>
         </p:nvCxnSpPr>
         <p:spPr>
-          <a:xfrm rot="16200000" flipH="1">
-            <a:off x="4348854" y="3066122"/>
-            <a:ext cx="527307" cy="239754"/>
+          <a:xfrm rot="5400000">
+            <a:off x="5682337" y="3409134"/>
+            <a:ext cx="289112" cy="801638"/>
           </a:xfrm>
           <a:prstGeom prst="bentConnector2">
             <a:avLst/>
@@ -6350,17 +6674,197 @@
       </p:cxnSp>
       <p:cxnSp>
         <p:nvCxnSpPr>
-          <p:cNvPr id="435" name="Elbow Connector 434"/>
+          <p:cNvPr id="218" name="Elbow Connector 217"/>
           <p:cNvCxnSpPr>
-            <a:stCxn id="433" idx="3"/>
-            <a:endCxn id="432" idx="1"/>
+            <a:stCxn id="147" idx="3"/>
+            <a:endCxn id="213" idx="3"/>
           </p:cNvCxnSpPr>
           <p:nvPr/>
         </p:nvCxnSpPr>
         <p:spPr>
-          <a:xfrm rot="16200000" flipH="1">
-            <a:off x="4575972" y="2839004"/>
-            <a:ext cx="79513" cy="246196"/>
+          <a:xfrm rot="5400000">
+            <a:off x="5414626" y="3684515"/>
+            <a:ext cx="832204" cy="793968"/>
+          </a:xfrm>
+          <a:prstGeom prst="bentConnector2">
+            <a:avLst/>
+          </a:prstGeom>
+          <a:solidFill>
+            <a:srgbClr val="92D050"/>
+          </a:solidFill>
+          <a:ln>
+            <a:solidFill>
+              <a:srgbClr val="00B050"/>
+            </a:solidFill>
+          </a:ln>
+        </p:spPr>
+        <p:style>
+          <a:lnRef idx="2">
+            <a:schemeClr val="accent6">
+              <a:shade val="50000"/>
+            </a:schemeClr>
+          </a:lnRef>
+          <a:fillRef idx="1">
+            <a:schemeClr val="accent6"/>
+          </a:fillRef>
+          <a:effectRef idx="0">
+            <a:schemeClr val="accent6"/>
+          </a:effectRef>
+          <a:fontRef idx="minor">
+            <a:schemeClr val="lt1"/>
+          </a:fontRef>
+        </p:style>
+      </p:cxnSp>
+      <p:sp>
+        <p:nvSpPr>
+          <p:cNvPr id="221" name="Diamond 220"/>
+          <p:cNvSpPr/>
+          <p:nvPr/>
+        </p:nvSpPr>
+        <p:spPr>
+          <a:xfrm>
+            <a:off x="7719912" y="4694812"/>
+            <a:ext cx="216000" cy="216000"/>
+          </a:xfrm>
+          <a:prstGeom prst="diamond">
+            <a:avLst/>
+          </a:prstGeom>
+          <a:solidFill>
+            <a:srgbClr val="92D050"/>
+          </a:solidFill>
+          <a:ln>
+            <a:solidFill>
+              <a:srgbClr val="00B050"/>
+            </a:solidFill>
+          </a:ln>
+        </p:spPr>
+        <p:style>
+          <a:lnRef idx="2">
+            <a:schemeClr val="accent6">
+              <a:shade val="50000"/>
+            </a:schemeClr>
+          </a:lnRef>
+          <a:fillRef idx="1">
+            <a:schemeClr val="accent6"/>
+          </a:fillRef>
+          <a:effectRef idx="0">
+            <a:schemeClr val="accent6"/>
+          </a:effectRef>
+          <a:fontRef idx="minor">
+            <a:schemeClr val="lt1"/>
+          </a:fontRef>
+        </p:style>
+        <p:txBody>
+          <a:bodyPr rtlCol="0" anchor="ctr"/>
+          <a:lstStyle/>
+          <a:p>
+            <a:pPr algn="ctr"/>
+            <a:endParaRPr lang="en-SG" sz="1600" b="1"/>
+          </a:p>
+        </p:txBody>
+      </p:sp>
+      <p:sp>
+        <p:nvSpPr>
+          <p:cNvPr id="225" name="Rectangle 224"/>
+          <p:cNvSpPr/>
+          <p:nvPr/>
+        </p:nvSpPr>
+        <p:spPr>
+          <a:xfrm>
+            <a:off x="6335712" y="5456237"/>
+            <a:ext cx="1980000" cy="360000"/>
+          </a:xfrm>
+          <a:prstGeom prst="rect">
+            <a:avLst/>
+          </a:prstGeom>
+          <a:ln/>
+        </p:spPr>
+        <p:style>
+          <a:lnRef idx="2">
+            <a:schemeClr val="accent4">
+              <a:shade val="50000"/>
+            </a:schemeClr>
+          </a:lnRef>
+          <a:fillRef idx="1">
+            <a:schemeClr val="accent4"/>
+          </a:fillRef>
+          <a:effectRef idx="0">
+            <a:schemeClr val="accent4"/>
+          </a:effectRef>
+          <a:fontRef idx="minor">
+            <a:schemeClr val="lt1"/>
+          </a:fontRef>
+        </p:style>
+        <p:txBody>
+          <a:bodyPr rtlCol="0" anchor="ctr"/>
+          <a:lstStyle/>
+          <a:p>
+            <a:pPr algn="ctr"/>
+            <a:r>
+              <a:rPr lang="en-US" sz="1600" b="1" dirty="0" err="1"/>
+              <a:t>PageData</a:t>
+            </a:r>
+            <a:endParaRPr lang="en-SG" sz="1600" b="1" dirty="0"/>
+          </a:p>
+        </p:txBody>
+      </p:sp>
+      <p:sp>
+        <p:nvSpPr>
+          <p:cNvPr id="226" name="Rectangle 225"/>
+          <p:cNvSpPr/>
+          <p:nvPr/>
+        </p:nvSpPr>
+        <p:spPr>
+          <a:xfrm>
+            <a:off x="5760311" y="6605015"/>
+            <a:ext cx="3140307" cy="603822"/>
+          </a:xfrm>
+          <a:prstGeom prst="rect">
+            <a:avLst/>
+          </a:prstGeom>
+          <a:ln/>
+        </p:spPr>
+        <p:style>
+          <a:lnRef idx="2">
+            <a:schemeClr val="accent4">
+              <a:shade val="50000"/>
+            </a:schemeClr>
+          </a:lnRef>
+          <a:fillRef idx="1">
+            <a:schemeClr val="accent4"/>
+          </a:fillRef>
+          <a:effectRef idx="0">
+            <a:schemeClr val="accent4"/>
+          </a:effectRef>
+          <a:fontRef idx="minor">
+            <a:schemeClr val="lt1"/>
+          </a:fontRef>
+        </p:style>
+        <p:txBody>
+          <a:bodyPr rtlCol="0" anchor="ctr"/>
+          <a:lstStyle/>
+          <a:p>
+            <a:pPr algn="ctr"/>
+            <a:r>
+              <a:rPr lang="en-US" sz="1600" b="1" dirty="0" smtClean="0"/>
+              <a:t>Page objects (panels, tables, rows, forms, etc.)</a:t>
+            </a:r>
+            <a:endParaRPr lang="en-SG" sz="1600" b="1" dirty="0"/>
+          </a:p>
+        </p:txBody>
+      </p:sp>
+      <p:cxnSp>
+        <p:nvCxnSpPr>
+          <p:cNvPr id="228" name="Elbow Connector 227"/>
+          <p:cNvCxnSpPr>
+            <a:stCxn id="221" idx="1"/>
+          </p:cNvCxnSpPr>
+          <p:nvPr/>
+        </p:nvCxnSpPr>
+        <p:spPr>
+          <a:xfrm rot="10800000" flipV="1">
+            <a:off x="7325714" y="4802811"/>
+            <a:ext cx="394199" cy="653425"/>
           </a:xfrm>
           <a:prstGeom prst="bentConnector2">
             <a:avLst/>
@@ -6393,25 +6897,1239 @@
       </p:cxnSp>
       <p:cxnSp>
         <p:nvCxnSpPr>
-          <p:cNvPr id="436" name="Straight Arrow Connector 435"/>
-          <p:cNvCxnSpPr/>
+          <p:cNvPr id="231" name="Elbow Connector 230"/>
+          <p:cNvCxnSpPr>
+            <a:stCxn id="232" idx="2"/>
+            <a:endCxn id="226" idx="0"/>
+          </p:cNvCxnSpPr>
           <p:nvPr/>
         </p:nvCxnSpPr>
         <p:spPr>
-          <a:xfrm flipH="1">
-            <a:off x="1744371" y="1128845"/>
-            <a:ext cx="8766" cy="1142959"/>
-          </a:xfrm>
-          <a:prstGeom prst="straightConnector1">
-            <a:avLst/>
-          </a:prstGeom>
-          <a:ln w="38100">
+          <a:xfrm rot="5400000">
+            <a:off x="7075040" y="6309343"/>
+            <a:ext cx="551098" cy="40247"/>
+          </a:xfrm>
+          <a:prstGeom prst="bentConnector3">
+            <a:avLst>
+              <a:gd name="adj1" fmla="val 50000"/>
+            </a:avLst>
+          </a:prstGeom>
+          <a:ln>
             <a:solidFill>
-              <a:schemeClr val="accent1">
+              <a:schemeClr val="accent4">
                 <a:lumMod val="50000"/>
               </a:schemeClr>
             </a:solidFill>
+          </a:ln>
+        </p:spPr>
+        <p:style>
+          <a:lnRef idx="2">
+            <a:schemeClr val="accent6">
+              <a:shade val="50000"/>
+            </a:schemeClr>
+          </a:lnRef>
+          <a:fillRef idx="1">
+            <a:schemeClr val="accent6"/>
+          </a:fillRef>
+          <a:effectRef idx="0">
+            <a:schemeClr val="accent6"/>
+          </a:effectRef>
+          <a:fontRef idx="minor">
+            <a:schemeClr val="lt1"/>
+          </a:fontRef>
+        </p:style>
+      </p:cxnSp>
+      <p:sp>
+        <p:nvSpPr>
+          <p:cNvPr id="232" name="Diamond 231"/>
+          <p:cNvSpPr/>
+          <p:nvPr/>
+        </p:nvSpPr>
+        <p:spPr>
+          <a:xfrm>
+            <a:off x="7262712" y="5837917"/>
+            <a:ext cx="216000" cy="216000"/>
+          </a:xfrm>
+          <a:prstGeom prst="diamond">
+            <a:avLst/>
+          </a:prstGeom>
+          <a:ln/>
+        </p:spPr>
+        <p:style>
+          <a:lnRef idx="2">
+            <a:schemeClr val="accent4">
+              <a:shade val="50000"/>
+            </a:schemeClr>
+          </a:lnRef>
+          <a:fillRef idx="1">
+            <a:schemeClr val="accent4"/>
+          </a:fillRef>
+          <a:effectRef idx="0">
+            <a:schemeClr val="accent4"/>
+          </a:effectRef>
+          <a:fontRef idx="minor">
+            <a:schemeClr val="lt1"/>
+          </a:fontRef>
+        </p:style>
+        <p:txBody>
+          <a:bodyPr rtlCol="0" anchor="ctr"/>
+          <a:lstStyle/>
+          <a:p>
+            <a:pPr algn="ctr"/>
+            <a:endParaRPr lang="en-SG" sz="1600" b="1"/>
+          </a:p>
+        </p:txBody>
+      </p:sp>
+      <p:grpSp>
+        <p:nvGrpSpPr>
+          <p:cNvPr id="119" name="Group 118"/>
+          <p:cNvGrpSpPr/>
+          <p:nvPr/>
+        </p:nvGrpSpPr>
+        <p:grpSpPr>
+          <a:xfrm>
+            <a:off x="4053310" y="5523972"/>
+            <a:ext cx="1291797" cy="560547"/>
+            <a:chOff x="3174200" y="5727314"/>
+            <a:chExt cx="1663512" cy="560547"/>
+          </a:xfrm>
+        </p:grpSpPr>
+        <p:sp>
+          <p:nvSpPr>
+            <p:cNvPr id="236" name="Folded Corner 235"/>
+            <p:cNvSpPr/>
+            <p:nvPr/>
+          </p:nvSpPr>
+          <p:spPr>
+            <a:xfrm>
+              <a:off x="3174200" y="5727314"/>
+              <a:ext cx="1466850" cy="406993"/>
+            </a:xfrm>
+            <a:prstGeom prst="foldedCorner">
+              <a:avLst/>
+            </a:prstGeom>
+          </p:spPr>
+          <p:style>
+            <a:lnRef idx="2">
+              <a:schemeClr val="accent4">
+                <a:shade val="50000"/>
+              </a:schemeClr>
+            </a:lnRef>
+            <a:fillRef idx="1">
+              <a:schemeClr val="accent4"/>
+            </a:fillRef>
+            <a:effectRef idx="0">
+              <a:schemeClr val="accent4"/>
+            </a:effectRef>
+            <a:fontRef idx="minor">
+              <a:schemeClr val="lt1"/>
+            </a:fontRef>
+          </p:style>
+          <p:txBody>
+            <a:bodyPr rtlCol="0" anchor="ctr"/>
+            <a:lstStyle/>
+            <a:p>
+              <a:pPr algn="ctr"/>
+              <a:endParaRPr lang="en-SG" sz="1600" b="1" dirty="0"/>
+            </a:p>
+          </p:txBody>
+        </p:sp>
+        <p:sp>
+          <p:nvSpPr>
+            <p:cNvPr id="237" name="Folded Corner 236"/>
+            <p:cNvSpPr/>
+            <p:nvPr/>
+          </p:nvSpPr>
+          <p:spPr>
+            <a:xfrm>
+              <a:off x="3266878" y="5802782"/>
+              <a:ext cx="1466849" cy="406993"/>
+            </a:xfrm>
+            <a:prstGeom prst="foldedCorner">
+              <a:avLst/>
+            </a:prstGeom>
+          </p:spPr>
+          <p:style>
+            <a:lnRef idx="2">
+              <a:schemeClr val="accent4">
+                <a:shade val="50000"/>
+              </a:schemeClr>
+            </a:lnRef>
+            <a:fillRef idx="1">
+              <a:schemeClr val="accent4"/>
+            </a:fillRef>
+            <a:effectRef idx="0">
+              <a:schemeClr val="accent4"/>
+            </a:effectRef>
+            <a:fontRef idx="minor">
+              <a:schemeClr val="lt1"/>
+            </a:fontRef>
+          </p:style>
+          <p:txBody>
+            <a:bodyPr rtlCol="0" anchor="ctr"/>
+            <a:lstStyle/>
+            <a:p>
+              <a:pPr algn="ctr"/>
+              <a:endParaRPr lang="en-SG" sz="1600" b="1" dirty="0"/>
+            </a:p>
+          </p:txBody>
+        </p:sp>
+        <p:sp>
+          <p:nvSpPr>
+            <p:cNvPr id="238" name="Folded Corner 237"/>
+            <p:cNvSpPr/>
+            <p:nvPr/>
+          </p:nvSpPr>
+          <p:spPr>
+            <a:xfrm>
+              <a:off x="3370863" y="5880868"/>
+              <a:ext cx="1466849" cy="406993"/>
+            </a:xfrm>
+            <a:prstGeom prst="foldedCorner">
+              <a:avLst/>
+            </a:prstGeom>
+          </p:spPr>
+          <p:style>
+            <a:lnRef idx="2">
+              <a:schemeClr val="accent4">
+                <a:shade val="50000"/>
+              </a:schemeClr>
+            </a:lnRef>
+            <a:fillRef idx="1">
+              <a:schemeClr val="accent4"/>
+            </a:fillRef>
+            <a:effectRef idx="0">
+              <a:schemeClr val="accent4"/>
+            </a:effectRef>
+            <a:fontRef idx="minor">
+              <a:schemeClr val="lt1"/>
+            </a:fontRef>
+          </p:style>
+          <p:txBody>
+            <a:bodyPr rtlCol="0" anchor="ctr"/>
+            <a:lstStyle/>
+            <a:p>
+              <a:pPr algn="ctr"/>
+              <a:r>
+                <a:rPr lang="en-US" sz="1600" b="1" dirty="0"/>
+                <a:t>*.</a:t>
+              </a:r>
+              <a:r>
+                <a:rPr lang="en-US" sz="1600" b="1" dirty="0" err="1"/>
+                <a:t>jsp</a:t>
+              </a:r>
+              <a:endParaRPr lang="en-SG" sz="1600" b="1" dirty="0"/>
+            </a:p>
+          </p:txBody>
+        </p:sp>
+      </p:grpSp>
+      <p:cxnSp>
+        <p:nvCxnSpPr>
+          <p:cNvPr id="245" name="Elbow Connector 244"/>
+          <p:cNvCxnSpPr>
+            <a:stCxn id="238" idx="3"/>
+            <a:endCxn id="225" idx="1"/>
+          </p:cNvCxnSpPr>
+          <p:nvPr/>
+        </p:nvCxnSpPr>
+        <p:spPr>
+          <a:xfrm flipV="1">
+            <a:off x="5345107" y="5636237"/>
+            <a:ext cx="990605" cy="244786"/>
+          </a:xfrm>
+          <a:prstGeom prst="bentConnector3">
+            <a:avLst>
+              <a:gd name="adj1" fmla="val 50000"/>
+            </a:avLst>
+          </a:prstGeom>
+          <a:ln w="38100">
             <a:prstDash val="sysDot"/>
+            <a:tailEnd type="arrow"/>
+          </a:ln>
+        </p:spPr>
+        <p:style>
+          <a:lnRef idx="2">
+            <a:schemeClr val="accent4">
+              <a:shade val="50000"/>
+            </a:schemeClr>
+          </a:lnRef>
+          <a:fillRef idx="1">
+            <a:schemeClr val="accent4"/>
+          </a:fillRef>
+          <a:effectRef idx="0">
+            <a:schemeClr val="accent4"/>
+          </a:effectRef>
+          <a:fontRef idx="minor">
+            <a:schemeClr val="lt1"/>
+          </a:fontRef>
+        </p:style>
+      </p:cxnSp>
+      <p:cxnSp>
+        <p:nvCxnSpPr>
+          <p:cNvPr id="251" name="Elbow Connector 250"/>
+          <p:cNvCxnSpPr>
+            <a:stCxn id="244" idx="3"/>
+            <a:endCxn id="226" idx="1"/>
+          </p:cNvCxnSpPr>
+          <p:nvPr/>
+        </p:nvCxnSpPr>
+        <p:spPr>
+          <a:xfrm>
+            <a:off x="4811710" y="6742303"/>
+            <a:ext cx="948601" cy="164623"/>
+          </a:xfrm>
+          <a:prstGeom prst="bentConnector3">
+            <a:avLst>
+              <a:gd name="adj1" fmla="val 50000"/>
+            </a:avLst>
+          </a:prstGeom>
+          <a:ln w="38100">
+            <a:prstDash val="sysDot"/>
+            <a:tailEnd type="arrow"/>
+          </a:ln>
+        </p:spPr>
+        <p:style>
+          <a:lnRef idx="2">
+            <a:schemeClr val="accent4">
+              <a:shade val="50000"/>
+            </a:schemeClr>
+          </a:lnRef>
+          <a:fillRef idx="1">
+            <a:schemeClr val="accent4"/>
+          </a:fillRef>
+          <a:effectRef idx="0">
+            <a:schemeClr val="accent4"/>
+          </a:effectRef>
+          <a:fontRef idx="minor">
+            <a:schemeClr val="lt1"/>
+          </a:fontRef>
+        </p:style>
+      </p:cxnSp>
+      <p:sp>
+        <p:nvSpPr>
+          <p:cNvPr id="254" name="Diamond 253"/>
+          <p:cNvSpPr/>
+          <p:nvPr/>
+        </p:nvSpPr>
+        <p:spPr>
+          <a:xfrm>
+            <a:off x="4908715" y="6114433"/>
+            <a:ext cx="216000" cy="216000"/>
+          </a:xfrm>
+          <a:prstGeom prst="diamond">
+            <a:avLst/>
+          </a:prstGeom>
+          <a:ln/>
+        </p:spPr>
+        <p:style>
+          <a:lnRef idx="2">
+            <a:schemeClr val="accent4">
+              <a:shade val="50000"/>
+            </a:schemeClr>
+          </a:lnRef>
+          <a:fillRef idx="1">
+            <a:schemeClr val="accent4"/>
+          </a:fillRef>
+          <a:effectRef idx="0">
+            <a:schemeClr val="accent4"/>
+          </a:effectRef>
+          <a:fontRef idx="minor">
+            <a:schemeClr val="lt1"/>
+          </a:fontRef>
+        </p:style>
+        <p:txBody>
+          <a:bodyPr rtlCol="0" anchor="ctr"/>
+          <a:lstStyle/>
+          <a:p>
+            <a:pPr algn="ctr"/>
+            <a:endParaRPr lang="en-SG" sz="1600" b="1"/>
+          </a:p>
+        </p:txBody>
+      </p:sp>
+      <p:cxnSp>
+        <p:nvCxnSpPr>
+          <p:cNvPr id="255" name="Elbow Connector 254"/>
+          <p:cNvCxnSpPr>
+            <a:stCxn id="254" idx="2"/>
+            <a:endCxn id="243" idx="3"/>
+          </p:cNvCxnSpPr>
+          <p:nvPr/>
+        </p:nvCxnSpPr>
+        <p:spPr>
+          <a:xfrm rot="5400000">
+            <a:off x="4709801" y="6356143"/>
+            <a:ext cx="332624" cy="281205"/>
+          </a:xfrm>
+          <a:prstGeom prst="bentConnector2">
+            <a:avLst/>
+          </a:prstGeom>
+          <a:ln>
+            <a:solidFill>
+              <a:schemeClr val="accent4">
+                <a:lumMod val="50000"/>
+              </a:schemeClr>
+            </a:solidFill>
+          </a:ln>
+        </p:spPr>
+        <p:style>
+          <a:lnRef idx="2">
+            <a:schemeClr val="accent6">
+              <a:shade val="50000"/>
+            </a:schemeClr>
+          </a:lnRef>
+          <a:fillRef idx="1">
+            <a:schemeClr val="accent6"/>
+          </a:fillRef>
+          <a:effectRef idx="0">
+            <a:schemeClr val="accent6"/>
+          </a:effectRef>
+          <a:fontRef idx="minor">
+            <a:schemeClr val="lt1"/>
+          </a:fontRef>
+        </p:style>
+      </p:cxnSp>
+      <p:grpSp>
+        <p:nvGrpSpPr>
+          <p:cNvPr id="120" name="Group 119"/>
+          <p:cNvGrpSpPr/>
+          <p:nvPr/>
+        </p:nvGrpSpPr>
+        <p:grpSpPr>
+          <a:xfrm>
+            <a:off x="3520232" y="6370637"/>
+            <a:ext cx="1291478" cy="575162"/>
+            <a:chOff x="3179250" y="6547958"/>
+            <a:chExt cx="1663102" cy="575162"/>
+          </a:xfrm>
+        </p:grpSpPr>
+        <p:sp>
+          <p:nvSpPr>
+            <p:cNvPr id="242" name="Folded Corner 241"/>
+            <p:cNvSpPr/>
+            <p:nvPr/>
+          </p:nvSpPr>
+          <p:spPr>
+            <a:xfrm>
+              <a:off x="3179250" y="6547958"/>
+              <a:ext cx="1466849" cy="406993"/>
+            </a:xfrm>
+            <a:prstGeom prst="foldedCorner">
+              <a:avLst/>
+            </a:prstGeom>
+          </p:spPr>
+          <p:style>
+            <a:lnRef idx="2">
+              <a:schemeClr val="accent4">
+                <a:shade val="50000"/>
+              </a:schemeClr>
+            </a:lnRef>
+            <a:fillRef idx="1">
+              <a:schemeClr val="accent4"/>
+            </a:fillRef>
+            <a:effectRef idx="0">
+              <a:schemeClr val="accent4"/>
+            </a:effectRef>
+            <a:fontRef idx="minor">
+              <a:schemeClr val="lt1"/>
+            </a:fontRef>
+          </p:style>
+          <p:txBody>
+            <a:bodyPr rtlCol="0" anchor="ctr"/>
+            <a:lstStyle/>
+            <a:p>
+              <a:pPr algn="ctr"/>
+              <a:endParaRPr lang="en-SG" sz="1600" b="1" dirty="0"/>
+            </a:p>
+          </p:txBody>
+        </p:sp>
+        <p:sp>
+          <p:nvSpPr>
+            <p:cNvPr id="243" name="Folded Corner 242"/>
+            <p:cNvSpPr/>
+            <p:nvPr/>
+          </p:nvSpPr>
+          <p:spPr>
+            <a:xfrm>
+              <a:off x="3277376" y="6636881"/>
+              <a:ext cx="1466849" cy="406993"/>
+            </a:xfrm>
+            <a:prstGeom prst="foldedCorner">
+              <a:avLst/>
+            </a:prstGeom>
+          </p:spPr>
+          <p:style>
+            <a:lnRef idx="2">
+              <a:schemeClr val="accent4">
+                <a:shade val="50000"/>
+              </a:schemeClr>
+            </a:lnRef>
+            <a:fillRef idx="1">
+              <a:schemeClr val="accent4"/>
+            </a:fillRef>
+            <a:effectRef idx="0">
+              <a:schemeClr val="accent4"/>
+            </a:effectRef>
+            <a:fontRef idx="minor">
+              <a:schemeClr val="lt1"/>
+            </a:fontRef>
+          </p:style>
+          <p:txBody>
+            <a:bodyPr rtlCol="0" anchor="ctr"/>
+            <a:lstStyle/>
+            <a:p>
+              <a:pPr algn="ctr"/>
+              <a:endParaRPr lang="en-SG" sz="1600" b="1" dirty="0"/>
+            </a:p>
+          </p:txBody>
+        </p:sp>
+        <p:sp>
+          <p:nvSpPr>
+            <p:cNvPr id="244" name="Folded Corner 243"/>
+            <p:cNvSpPr/>
+            <p:nvPr/>
+          </p:nvSpPr>
+          <p:spPr>
+            <a:xfrm>
+              <a:off x="3375503" y="6716127"/>
+              <a:ext cx="1466849" cy="406993"/>
+            </a:xfrm>
+            <a:prstGeom prst="foldedCorner">
+              <a:avLst/>
+            </a:prstGeom>
+          </p:spPr>
+          <p:style>
+            <a:lnRef idx="2">
+              <a:schemeClr val="accent4">
+                <a:shade val="50000"/>
+              </a:schemeClr>
+            </a:lnRef>
+            <a:fillRef idx="1">
+              <a:schemeClr val="accent4"/>
+            </a:fillRef>
+            <a:effectRef idx="0">
+              <a:schemeClr val="accent4"/>
+            </a:effectRef>
+            <a:fontRef idx="minor">
+              <a:schemeClr val="lt1"/>
+            </a:fontRef>
+          </p:style>
+          <p:txBody>
+            <a:bodyPr rtlCol="0" anchor="ctr"/>
+            <a:lstStyle/>
+            <a:p>
+              <a:pPr algn="ctr"/>
+              <a:r>
+                <a:rPr lang="en-US" sz="1600" b="1" dirty="0" smtClean="0"/>
+                <a:t>*.tag</a:t>
+              </a:r>
+              <a:endParaRPr lang="en-SG" sz="1600" b="1" dirty="0"/>
+            </a:p>
+          </p:txBody>
+        </p:sp>
+      </p:grpSp>
+      <p:sp>
+        <p:nvSpPr>
+          <p:cNvPr id="258" name="Rectangle 257"/>
+          <p:cNvSpPr/>
+          <p:nvPr/>
+        </p:nvSpPr>
+        <p:spPr>
+          <a:xfrm>
+            <a:off x="126002" y="5151437"/>
+            <a:ext cx="875710" cy="2035968"/>
+          </a:xfrm>
+          <a:prstGeom prst="rect">
+            <a:avLst/>
+          </a:prstGeom>
+          <a:solidFill>
+            <a:schemeClr val="bg1">
+              <a:lumMod val="85000"/>
+            </a:schemeClr>
+          </a:solidFill>
+          <a:ln>
+            <a:solidFill>
+              <a:schemeClr val="bg1">
+                <a:lumMod val="65000"/>
+              </a:schemeClr>
+            </a:solidFill>
+          </a:ln>
+        </p:spPr>
+        <p:style>
+          <a:lnRef idx="2">
+            <a:schemeClr val="accent1">
+              <a:shade val="50000"/>
+            </a:schemeClr>
+          </a:lnRef>
+          <a:fillRef idx="1">
+            <a:schemeClr val="accent1"/>
+          </a:fillRef>
+          <a:effectRef idx="0">
+            <a:schemeClr val="accent1"/>
+          </a:effectRef>
+          <a:fontRef idx="minor">
+            <a:schemeClr val="lt1"/>
+          </a:fontRef>
+        </p:style>
+        <p:txBody>
+          <a:bodyPr rtlCol="0" anchor="ctr"/>
+          <a:lstStyle/>
+          <a:p>
+            <a:pPr algn="ctr"/>
+            <a:endParaRPr lang="en-SG"/>
+          </a:p>
+        </p:txBody>
+      </p:sp>
+      <p:sp>
+        <p:nvSpPr>
+          <p:cNvPr id="259" name="TextBox 258"/>
+          <p:cNvSpPr txBox="1"/>
+          <p:nvPr/>
+        </p:nvSpPr>
+        <p:spPr>
+          <a:xfrm>
+            <a:off x="49805" y="5185570"/>
+            <a:ext cx="937901" cy="307777"/>
+          </a:xfrm>
+          <a:prstGeom prst="rect">
+            <a:avLst/>
+          </a:prstGeom>
+          <a:grpFill/>
+          <a:ln>
+            <a:noFill/>
+          </a:ln>
+        </p:spPr>
+        <p:style>
+          <a:lnRef idx="2">
+            <a:schemeClr val="accent1">
+              <a:shade val="50000"/>
+            </a:schemeClr>
+          </a:lnRef>
+          <a:fillRef idx="1">
+            <a:schemeClr val="accent1"/>
+          </a:fillRef>
+          <a:effectRef idx="0">
+            <a:schemeClr val="accent1"/>
+          </a:effectRef>
+          <a:fontRef idx="minor">
+            <a:schemeClr val="lt1"/>
+          </a:fontRef>
+        </p:style>
+        <p:txBody>
+          <a:bodyPr rtlCol="0" anchor="t" anchorCtr="0"/>
+          <a:lstStyle>
+            <a:defPPr>
+              <a:defRPr lang="en-US"/>
+            </a:defPPr>
+            <a:lvl1pPr>
+              <a:defRPr sz="1400" b="1">
+                <a:solidFill>
+                  <a:srgbClr val="7030A0"/>
+                </a:solidFill>
+              </a:defRPr>
+            </a:lvl1pPr>
+            <a:lvl2pPr>
+              <a:defRPr>
+                <a:solidFill>
+                  <a:schemeClr val="lt1"/>
+                </a:solidFill>
+              </a:defRPr>
+            </a:lvl2pPr>
+            <a:lvl3pPr>
+              <a:defRPr>
+                <a:solidFill>
+                  <a:schemeClr val="lt1"/>
+                </a:solidFill>
+              </a:defRPr>
+            </a:lvl3pPr>
+            <a:lvl4pPr>
+              <a:defRPr>
+                <a:solidFill>
+                  <a:schemeClr val="lt1"/>
+                </a:solidFill>
+              </a:defRPr>
+            </a:lvl4pPr>
+            <a:lvl5pPr>
+              <a:defRPr>
+                <a:solidFill>
+                  <a:schemeClr val="lt1"/>
+                </a:solidFill>
+              </a:defRPr>
+            </a:lvl5pPr>
+            <a:lvl6pPr>
+              <a:defRPr>
+                <a:solidFill>
+                  <a:schemeClr val="lt1"/>
+                </a:solidFill>
+              </a:defRPr>
+            </a:lvl6pPr>
+            <a:lvl7pPr>
+              <a:defRPr>
+                <a:solidFill>
+                  <a:schemeClr val="lt1"/>
+                </a:solidFill>
+              </a:defRPr>
+            </a:lvl7pPr>
+            <a:lvl8pPr>
+              <a:defRPr>
+                <a:solidFill>
+                  <a:schemeClr val="lt1"/>
+                </a:solidFill>
+              </a:defRPr>
+            </a:lvl8pPr>
+            <a:lvl9pPr>
+              <a:defRPr>
+                <a:solidFill>
+                  <a:schemeClr val="lt1"/>
+                </a:solidFill>
+              </a:defRPr>
+            </a:lvl9pPr>
+          </a:lstStyle>
+          <a:p>
+            <a:pPr algn="r"/>
+            <a:r>
+              <a:rPr lang="en-US" dirty="0">
+                <a:solidFill>
+                  <a:schemeClr val="tx1"/>
+                </a:solidFill>
+              </a:rPr>
+              <a:t>Browser</a:t>
+            </a:r>
+            <a:endParaRPr lang="en-SG" dirty="0">
+              <a:solidFill>
+                <a:schemeClr val="tx1"/>
+              </a:solidFill>
+            </a:endParaRPr>
+          </a:p>
+        </p:txBody>
+      </p:sp>
+      <p:sp>
+        <p:nvSpPr>
+          <p:cNvPr id="260" name="Folded Corner 259"/>
+          <p:cNvSpPr/>
+          <p:nvPr/>
+        </p:nvSpPr>
+        <p:spPr>
+          <a:xfrm>
+            <a:off x="238122" y="5549821"/>
+            <a:ext cx="649883" cy="1408984"/>
+          </a:xfrm>
+          <a:prstGeom prst="foldedCorner">
+            <a:avLst/>
+          </a:prstGeom>
+          <a:solidFill>
+            <a:schemeClr val="bg1"/>
+          </a:solidFill>
+          <a:ln>
+            <a:solidFill>
+              <a:schemeClr val="tx1"/>
+            </a:solidFill>
+          </a:ln>
+        </p:spPr>
+        <p:style>
+          <a:lnRef idx="2">
+            <a:schemeClr val="accent4">
+              <a:shade val="50000"/>
+            </a:schemeClr>
+          </a:lnRef>
+          <a:fillRef idx="1">
+            <a:schemeClr val="accent4"/>
+          </a:fillRef>
+          <a:effectRef idx="0">
+            <a:schemeClr val="accent4"/>
+          </a:effectRef>
+          <a:fontRef idx="minor">
+            <a:schemeClr val="lt1"/>
+          </a:fontRef>
+        </p:style>
+        <p:txBody>
+          <a:bodyPr rtlCol="0" anchor="ctr"/>
+          <a:lstStyle/>
+          <a:p>
+            <a:pPr algn="ctr"/>
+            <a:r>
+              <a:rPr lang="en-US" sz="1600" b="1" dirty="0">
+                <a:solidFill>
+                  <a:schemeClr val="tx1"/>
+                </a:solidFill>
+              </a:rPr>
+              <a:t>Web page</a:t>
+            </a:r>
+            <a:endParaRPr lang="en-SG" sz="1600" b="1" dirty="0">
+              <a:solidFill>
+                <a:schemeClr val="tx1"/>
+              </a:solidFill>
+            </a:endParaRPr>
+          </a:p>
+        </p:txBody>
+      </p:sp>
+      <p:cxnSp>
+        <p:nvCxnSpPr>
+          <p:cNvPr id="265" name="Elbow Connector 264"/>
+          <p:cNvCxnSpPr>
+            <a:stCxn id="236" idx="1"/>
+          </p:cNvCxnSpPr>
+          <p:nvPr/>
+        </p:nvCxnSpPr>
+        <p:spPr>
+          <a:xfrm rot="10800000">
+            <a:off x="888006" y="5727469"/>
+            <a:ext cx="3165305" cy="0"/>
+          </a:xfrm>
+          <a:prstGeom prst="bentConnector3">
+            <a:avLst>
+              <a:gd name="adj1" fmla="val 50000"/>
+            </a:avLst>
+          </a:prstGeom>
+          <a:ln w="38100">
+            <a:prstDash val="sysDot"/>
+            <a:tailEnd type="arrow"/>
+          </a:ln>
+        </p:spPr>
+        <p:style>
+          <a:lnRef idx="2">
+            <a:schemeClr val="accent4">
+              <a:shade val="50000"/>
+            </a:schemeClr>
+          </a:lnRef>
+          <a:fillRef idx="1">
+            <a:schemeClr val="accent4"/>
+          </a:fillRef>
+          <a:effectRef idx="0">
+            <a:schemeClr val="accent4"/>
+          </a:effectRef>
+          <a:fontRef idx="minor">
+            <a:schemeClr val="lt1"/>
+          </a:fontRef>
+        </p:style>
+      </p:cxnSp>
+      <p:sp>
+        <p:nvSpPr>
+          <p:cNvPr id="266" name="TextBox 265"/>
+          <p:cNvSpPr txBox="1"/>
+          <p:nvPr/>
+        </p:nvSpPr>
+        <p:spPr>
+          <a:xfrm>
+            <a:off x="2754312" y="5380037"/>
+            <a:ext cx="1146280" cy="361773"/>
+          </a:xfrm>
+          <a:prstGeom prst="rect">
+            <a:avLst/>
+          </a:prstGeom>
+          <a:grpFill/>
+          <a:ln>
+            <a:noFill/>
+          </a:ln>
+        </p:spPr>
+        <p:style>
+          <a:lnRef idx="2">
+            <a:schemeClr val="accent1">
+              <a:shade val="50000"/>
+            </a:schemeClr>
+          </a:lnRef>
+          <a:fillRef idx="1">
+            <a:schemeClr val="accent1"/>
+          </a:fillRef>
+          <a:effectRef idx="0">
+            <a:schemeClr val="accent1"/>
+          </a:effectRef>
+          <a:fontRef idx="minor">
+            <a:schemeClr val="lt1"/>
+          </a:fontRef>
+        </p:style>
+        <p:txBody>
+          <a:bodyPr rtlCol="0" anchor="t" anchorCtr="0"/>
+          <a:lstStyle>
+            <a:defPPr>
+              <a:defRPr lang="en-US"/>
+            </a:defPPr>
+            <a:lvl1pPr>
+              <a:defRPr sz="1400" b="1">
+                <a:solidFill>
+                  <a:srgbClr val="7030A0"/>
+                </a:solidFill>
+              </a:defRPr>
+            </a:lvl1pPr>
+            <a:lvl2pPr>
+              <a:defRPr>
+                <a:solidFill>
+                  <a:schemeClr val="lt1"/>
+                </a:solidFill>
+              </a:defRPr>
+            </a:lvl2pPr>
+            <a:lvl3pPr>
+              <a:defRPr>
+                <a:solidFill>
+                  <a:schemeClr val="lt1"/>
+                </a:solidFill>
+              </a:defRPr>
+            </a:lvl3pPr>
+            <a:lvl4pPr>
+              <a:defRPr>
+                <a:solidFill>
+                  <a:schemeClr val="lt1"/>
+                </a:solidFill>
+              </a:defRPr>
+            </a:lvl4pPr>
+            <a:lvl5pPr>
+              <a:defRPr>
+                <a:solidFill>
+                  <a:schemeClr val="lt1"/>
+                </a:solidFill>
+              </a:defRPr>
+            </a:lvl5pPr>
+            <a:lvl6pPr>
+              <a:defRPr>
+                <a:solidFill>
+                  <a:schemeClr val="lt1"/>
+                </a:solidFill>
+              </a:defRPr>
+            </a:lvl6pPr>
+            <a:lvl7pPr>
+              <a:defRPr>
+                <a:solidFill>
+                  <a:schemeClr val="lt1"/>
+                </a:solidFill>
+              </a:defRPr>
+            </a:lvl7pPr>
+            <a:lvl8pPr>
+              <a:defRPr>
+                <a:solidFill>
+                  <a:schemeClr val="lt1"/>
+                </a:solidFill>
+              </a:defRPr>
+            </a:lvl8pPr>
+            <a:lvl9pPr>
+              <a:defRPr>
+                <a:solidFill>
+                  <a:schemeClr val="lt1"/>
+                </a:solidFill>
+              </a:defRPr>
+            </a:lvl9pPr>
+          </a:lstStyle>
+          <a:p>
+            <a:pPr algn="r"/>
+            <a:r>
+              <a:rPr lang="en-US" dirty="0"/>
+              <a:t>&lt;&lt;</a:t>
+            </a:r>
+            <a:r>
+              <a:rPr lang="en-US" dirty="0" smtClean="0"/>
+              <a:t>creates&gt;&gt;</a:t>
+            </a:r>
+            <a:endParaRPr lang="en-SG" dirty="0"/>
+          </a:p>
+        </p:txBody>
+      </p:sp>
+      <p:grpSp>
+        <p:nvGrpSpPr>
+          <p:cNvPr id="282" name="Group 281"/>
+          <p:cNvGrpSpPr/>
+          <p:nvPr/>
+        </p:nvGrpSpPr>
+        <p:grpSpPr>
+          <a:xfrm>
+            <a:off x="1905139" y="5872425"/>
+            <a:ext cx="1291478" cy="575162"/>
+            <a:chOff x="3179250" y="6547958"/>
+            <a:chExt cx="1663102" cy="575162"/>
+          </a:xfrm>
+        </p:grpSpPr>
+        <p:sp>
+          <p:nvSpPr>
+            <p:cNvPr id="283" name="Folded Corner 282"/>
+            <p:cNvSpPr/>
+            <p:nvPr/>
+          </p:nvSpPr>
+          <p:spPr>
+            <a:xfrm>
+              <a:off x="3179250" y="6547958"/>
+              <a:ext cx="1466849" cy="406993"/>
+            </a:xfrm>
+            <a:prstGeom prst="foldedCorner">
+              <a:avLst/>
+            </a:prstGeom>
+          </p:spPr>
+          <p:style>
+            <a:lnRef idx="2">
+              <a:schemeClr val="accent5">
+                <a:shade val="50000"/>
+              </a:schemeClr>
+            </a:lnRef>
+            <a:fillRef idx="1">
+              <a:schemeClr val="accent5"/>
+            </a:fillRef>
+            <a:effectRef idx="0">
+              <a:schemeClr val="accent5"/>
+            </a:effectRef>
+            <a:fontRef idx="minor">
+              <a:schemeClr val="lt1"/>
+            </a:fontRef>
+          </p:style>
+          <p:txBody>
+            <a:bodyPr rtlCol="0" anchor="ctr"/>
+            <a:lstStyle/>
+            <a:p>
+              <a:pPr algn="ctr"/>
+              <a:endParaRPr lang="en-SG" sz="1600" b="1" dirty="0"/>
+            </a:p>
+          </p:txBody>
+        </p:sp>
+        <p:sp>
+          <p:nvSpPr>
+            <p:cNvPr id="284" name="Folded Corner 283"/>
+            <p:cNvSpPr/>
+            <p:nvPr/>
+          </p:nvSpPr>
+          <p:spPr>
+            <a:xfrm>
+              <a:off x="3277376" y="6636881"/>
+              <a:ext cx="1466849" cy="406993"/>
+            </a:xfrm>
+            <a:prstGeom prst="foldedCorner">
+              <a:avLst/>
+            </a:prstGeom>
+          </p:spPr>
+          <p:style>
+            <a:lnRef idx="2">
+              <a:schemeClr val="accent5">
+                <a:shade val="50000"/>
+              </a:schemeClr>
+            </a:lnRef>
+            <a:fillRef idx="1">
+              <a:schemeClr val="accent5"/>
+            </a:fillRef>
+            <a:effectRef idx="0">
+              <a:schemeClr val="accent5"/>
+            </a:effectRef>
+            <a:fontRef idx="minor">
+              <a:schemeClr val="lt1"/>
+            </a:fontRef>
+          </p:style>
+          <p:txBody>
+            <a:bodyPr rtlCol="0" anchor="ctr"/>
+            <a:lstStyle/>
+            <a:p>
+              <a:pPr algn="ctr"/>
+              <a:endParaRPr lang="en-SG" sz="1600" b="1" dirty="0"/>
+            </a:p>
+          </p:txBody>
+        </p:sp>
+        <p:sp>
+          <p:nvSpPr>
+            <p:cNvPr id="285" name="Folded Corner 284"/>
+            <p:cNvSpPr/>
+            <p:nvPr/>
+          </p:nvSpPr>
+          <p:spPr>
+            <a:xfrm>
+              <a:off x="3375503" y="6716127"/>
+              <a:ext cx="1466849" cy="406993"/>
+            </a:xfrm>
+            <a:prstGeom prst="foldedCorner">
+              <a:avLst/>
+            </a:prstGeom>
+          </p:spPr>
+          <p:style>
+            <a:lnRef idx="2">
+              <a:schemeClr val="accent5">
+                <a:shade val="50000"/>
+              </a:schemeClr>
+            </a:lnRef>
+            <a:fillRef idx="1">
+              <a:schemeClr val="accent5"/>
+            </a:fillRef>
+            <a:effectRef idx="0">
+              <a:schemeClr val="accent5"/>
+            </a:effectRef>
+            <a:fontRef idx="minor">
+              <a:schemeClr val="lt1"/>
+            </a:fontRef>
+          </p:style>
+          <p:txBody>
+            <a:bodyPr rtlCol="0" anchor="ctr"/>
+            <a:lstStyle/>
+            <a:p>
+              <a:pPr algn="ctr"/>
+              <a:r>
+                <a:rPr lang="en-US" sz="1600" b="1" dirty="0" smtClean="0"/>
+                <a:t>*.</a:t>
+              </a:r>
+              <a:r>
+                <a:rPr lang="en-US" sz="1600" b="1" dirty="0" err="1" smtClean="0"/>
+                <a:t>css</a:t>
+              </a:r>
+              <a:endParaRPr lang="en-SG" sz="1600" b="1" dirty="0"/>
+            </a:p>
+          </p:txBody>
+        </p:sp>
+      </p:grpSp>
+      <p:grpSp>
+        <p:nvGrpSpPr>
+          <p:cNvPr id="286" name="Group 285"/>
+          <p:cNvGrpSpPr/>
+          <p:nvPr/>
+        </p:nvGrpSpPr>
+        <p:grpSpPr>
+          <a:xfrm>
+            <a:off x="1933157" y="6599237"/>
+            <a:ext cx="1291478" cy="575162"/>
+            <a:chOff x="3179250" y="6547958"/>
+            <a:chExt cx="1663102" cy="575162"/>
+          </a:xfrm>
+        </p:grpSpPr>
+        <p:sp>
+          <p:nvSpPr>
+            <p:cNvPr id="287" name="Folded Corner 286"/>
+            <p:cNvSpPr/>
+            <p:nvPr/>
+          </p:nvSpPr>
+          <p:spPr>
+            <a:xfrm>
+              <a:off x="3179250" y="6547958"/>
+              <a:ext cx="1466849" cy="406993"/>
+            </a:xfrm>
+            <a:prstGeom prst="foldedCorner">
+              <a:avLst/>
+            </a:prstGeom>
+          </p:spPr>
+          <p:style>
+            <a:lnRef idx="2">
+              <a:schemeClr val="accent5">
+                <a:shade val="50000"/>
+              </a:schemeClr>
+            </a:lnRef>
+            <a:fillRef idx="1">
+              <a:schemeClr val="accent5"/>
+            </a:fillRef>
+            <a:effectRef idx="0">
+              <a:schemeClr val="accent5"/>
+            </a:effectRef>
+            <a:fontRef idx="minor">
+              <a:schemeClr val="lt1"/>
+            </a:fontRef>
+          </p:style>
+          <p:txBody>
+            <a:bodyPr rtlCol="0" anchor="ctr"/>
+            <a:lstStyle/>
+            <a:p>
+              <a:pPr algn="ctr"/>
+              <a:endParaRPr lang="en-SG" sz="1600" b="1" dirty="0"/>
+            </a:p>
+          </p:txBody>
+        </p:sp>
+        <p:sp>
+          <p:nvSpPr>
+            <p:cNvPr id="288" name="Folded Corner 287"/>
+            <p:cNvSpPr/>
+            <p:nvPr/>
+          </p:nvSpPr>
+          <p:spPr>
+            <a:xfrm>
+              <a:off x="3277376" y="6636881"/>
+              <a:ext cx="1466849" cy="406993"/>
+            </a:xfrm>
+            <a:prstGeom prst="foldedCorner">
+              <a:avLst/>
+            </a:prstGeom>
+          </p:spPr>
+          <p:style>
+            <a:lnRef idx="2">
+              <a:schemeClr val="accent5">
+                <a:shade val="50000"/>
+              </a:schemeClr>
+            </a:lnRef>
+            <a:fillRef idx="1">
+              <a:schemeClr val="accent5"/>
+            </a:fillRef>
+            <a:effectRef idx="0">
+              <a:schemeClr val="accent5"/>
+            </a:effectRef>
+            <a:fontRef idx="minor">
+              <a:schemeClr val="lt1"/>
+            </a:fontRef>
+          </p:style>
+          <p:txBody>
+            <a:bodyPr rtlCol="0" anchor="ctr"/>
+            <a:lstStyle/>
+            <a:p>
+              <a:pPr algn="ctr"/>
+              <a:endParaRPr lang="en-SG" sz="1600" b="1" dirty="0"/>
+            </a:p>
+          </p:txBody>
+        </p:sp>
+        <p:sp>
+          <p:nvSpPr>
+            <p:cNvPr id="289" name="Folded Corner 288"/>
+            <p:cNvSpPr/>
+            <p:nvPr/>
+          </p:nvSpPr>
+          <p:spPr>
+            <a:xfrm>
+              <a:off x="3375503" y="6716127"/>
+              <a:ext cx="1466849" cy="406993"/>
+            </a:xfrm>
+            <a:prstGeom prst="foldedCorner">
+              <a:avLst/>
+            </a:prstGeom>
+          </p:spPr>
+          <p:style>
+            <a:lnRef idx="2">
+              <a:schemeClr val="accent5">
+                <a:shade val="50000"/>
+              </a:schemeClr>
+            </a:lnRef>
+            <a:fillRef idx="1">
+              <a:schemeClr val="accent5"/>
+            </a:fillRef>
+            <a:effectRef idx="0">
+              <a:schemeClr val="accent5"/>
+            </a:effectRef>
+            <a:fontRef idx="minor">
+              <a:schemeClr val="lt1"/>
+            </a:fontRef>
+          </p:style>
+          <p:txBody>
+            <a:bodyPr rtlCol="0" anchor="ctr"/>
+            <a:lstStyle/>
+            <a:p>
+              <a:pPr algn="ctr"/>
+              <a:r>
+                <a:rPr lang="en-US" sz="1600" b="1" dirty="0" smtClean="0"/>
+                <a:t>*.</a:t>
+              </a:r>
+              <a:r>
+                <a:rPr lang="en-US" sz="1600" b="1" dirty="0" err="1" smtClean="0"/>
+                <a:t>js</a:t>
+              </a:r>
+              <a:endParaRPr lang="en-SG" sz="1600" b="1" dirty="0"/>
+            </a:p>
+          </p:txBody>
+        </p:sp>
+      </p:grpSp>
+      <p:cxnSp>
+        <p:nvCxnSpPr>
+          <p:cNvPr id="290" name="Elbow Connector 289"/>
+          <p:cNvCxnSpPr>
+            <a:endCxn id="285" idx="1"/>
+          </p:cNvCxnSpPr>
+          <p:nvPr/>
+        </p:nvCxnSpPr>
+        <p:spPr>
+          <a:xfrm flipV="1">
+            <a:off x="889599" y="6244091"/>
+            <a:ext cx="1167940" cy="253647"/>
+          </a:xfrm>
+          <a:prstGeom prst="bentConnector3">
+            <a:avLst>
+              <a:gd name="adj1" fmla="val 50000"/>
+            </a:avLst>
+          </a:prstGeom>
+          <a:ln w="38100">
+            <a:solidFill>
+              <a:schemeClr val="tx1"/>
+            </a:solidFill>
+            <a:prstDash val="sysDash"/>
             <a:tailEnd type="arrow"/>
           </a:ln>
         </p:spPr>
@@ -6432,28 +8150,27 @@
       </p:cxnSp>
       <p:cxnSp>
         <p:nvCxnSpPr>
-          <p:cNvPr id="437" name="Elbow Connector 436"/>
+          <p:cNvPr id="291" name="Elbow Connector 290"/>
           <p:cNvCxnSpPr>
-            <a:stCxn id="422" idx="3"/>
-            <a:endCxn id="430" idx="0"/>
+            <a:endCxn id="289" idx="1"/>
           </p:cNvCxnSpPr>
           <p:nvPr/>
         </p:nvCxnSpPr>
         <p:spPr>
           <a:xfrm>
-            <a:off x="3276960" y="905139"/>
-            <a:ext cx="1467009" cy="1398576"/>
-          </a:xfrm>
-          <a:prstGeom prst="bentConnector2">
-            <a:avLst/>
+            <a:off x="889600" y="6497737"/>
+            <a:ext cx="1195957" cy="473166"/>
+          </a:xfrm>
+          <a:prstGeom prst="bentConnector3">
+            <a:avLst>
+              <a:gd name="adj1" fmla="val 50000"/>
+            </a:avLst>
           </a:prstGeom>
           <a:ln w="38100">
             <a:solidFill>
-              <a:schemeClr val="accent1">
-                <a:lumMod val="50000"/>
-              </a:schemeClr>
+              <a:schemeClr val="tx1"/>
             </a:solidFill>
-            <a:prstDash val="sysDot"/>
+            <a:prstDash val="sysDash"/>
             <a:tailEnd type="arrow"/>
           </a:ln>
         </p:spPr>
@@ -6474,14 +8191,705 @@
       </p:cxnSp>
       <p:sp>
         <p:nvSpPr>
-          <p:cNvPr id="438" name="Diamond 437"/>
+          <p:cNvPr id="296" name="Rectangle 295"/>
           <p:cNvSpPr/>
           <p:nvPr/>
         </p:nvSpPr>
         <p:spPr>
           <a:xfrm>
-            <a:off x="6629340" y="2875161"/>
-            <a:ext cx="336757" cy="253395"/>
+            <a:off x="133912" y="2227599"/>
+            <a:ext cx="866224" cy="862711"/>
+          </a:xfrm>
+          <a:prstGeom prst="rect">
+            <a:avLst/>
+          </a:prstGeom>
+        </p:spPr>
+        <p:style>
+          <a:lnRef idx="2">
+            <a:schemeClr val="accent2">
+              <a:shade val="50000"/>
+            </a:schemeClr>
+          </a:lnRef>
+          <a:fillRef idx="1">
+            <a:schemeClr val="accent2"/>
+          </a:fillRef>
+          <a:effectRef idx="0">
+            <a:schemeClr val="accent2"/>
+          </a:effectRef>
+          <a:fontRef idx="minor">
+            <a:schemeClr val="lt1"/>
+          </a:fontRef>
+        </p:style>
+        <p:txBody>
+          <a:bodyPr rtlCol="0" anchor="ctr"/>
+          <a:lstStyle/>
+          <a:p>
+            <a:pPr algn="ctr"/>
+            <a:r>
+              <a:rPr lang="en-US" sz="1600" b="1" dirty="0" smtClean="0"/>
+              <a:t>Http</a:t>
+            </a:r>
+            <a:br>
+              <a:rPr lang="en-US" sz="1600" b="1" dirty="0" smtClean="0"/>
+            </a:br>
+            <a:r>
+              <a:rPr lang="en-US" sz="1600" b="1" dirty="0" smtClean="0"/>
+              <a:t>Servlet</a:t>
+            </a:r>
+            <a:br>
+              <a:rPr lang="en-US" sz="1600" b="1" dirty="0" smtClean="0"/>
+            </a:br>
+            <a:r>
+              <a:rPr lang="en-US" sz="1600" b="1" dirty="0" smtClean="0"/>
+              <a:t>Request</a:t>
+            </a:r>
+            <a:endParaRPr lang="en-SG" sz="1600" b="1" dirty="0"/>
+          </a:p>
+        </p:txBody>
+      </p:sp>
+      <p:cxnSp>
+        <p:nvCxnSpPr>
+          <p:cNvPr id="297" name="Elbow Connector 296"/>
+          <p:cNvCxnSpPr>
+            <a:stCxn id="296" idx="0"/>
+            <a:endCxn id="69" idx="1"/>
+          </p:cNvCxnSpPr>
+          <p:nvPr/>
+        </p:nvCxnSpPr>
+        <p:spPr>
+          <a:xfrm rot="5400000" flipH="1" flipV="1">
+            <a:off x="536439" y="1331526"/>
+            <a:ext cx="926658" cy="865488"/>
+          </a:xfrm>
+          <a:prstGeom prst="bentConnector2">
+            <a:avLst/>
+          </a:prstGeom>
+          <a:ln w="38100">
+            <a:solidFill>
+              <a:schemeClr val="accent1">
+                <a:lumMod val="50000"/>
+              </a:schemeClr>
+            </a:solidFill>
+            <a:prstDash val="sysDot"/>
+            <a:tailEnd type="arrow"/>
+          </a:ln>
+        </p:spPr>
+        <p:style>
+          <a:lnRef idx="1">
+            <a:schemeClr val="accent1"/>
+          </a:lnRef>
+          <a:fillRef idx="0">
+            <a:schemeClr val="accent1"/>
+          </a:fillRef>
+          <a:effectRef idx="0">
+            <a:schemeClr val="accent1"/>
+          </a:effectRef>
+          <a:fontRef idx="minor">
+            <a:schemeClr val="tx1"/>
+          </a:fontRef>
+        </p:style>
+      </p:cxnSp>
+      <p:sp>
+        <p:nvSpPr>
+          <p:cNvPr id="298" name="TextBox 297"/>
+          <p:cNvSpPr txBox="1"/>
+          <p:nvPr/>
+        </p:nvSpPr>
+        <p:spPr>
+          <a:xfrm>
+            <a:off x="199431" y="956933"/>
+            <a:ext cx="954683" cy="307777"/>
+          </a:xfrm>
+          <a:prstGeom prst="rect">
+            <a:avLst/>
+          </a:prstGeom>
+          <a:grpFill/>
+          <a:ln>
+            <a:noFill/>
+          </a:ln>
+        </p:spPr>
+        <p:style>
+          <a:lnRef idx="2">
+            <a:schemeClr val="accent1">
+              <a:shade val="50000"/>
+            </a:schemeClr>
+          </a:lnRef>
+          <a:fillRef idx="1">
+            <a:schemeClr val="accent1"/>
+          </a:fillRef>
+          <a:effectRef idx="0">
+            <a:schemeClr val="accent1"/>
+          </a:effectRef>
+          <a:fontRef idx="minor">
+            <a:schemeClr val="lt1"/>
+          </a:fontRef>
+        </p:style>
+        <p:txBody>
+          <a:bodyPr rtlCol="0" anchor="t" anchorCtr="0"/>
+          <a:lstStyle>
+            <a:defPPr>
+              <a:defRPr lang="en-US"/>
+            </a:defPPr>
+            <a:lvl1pPr algn="r">
+              <a:defRPr sz="1400" b="1">
+                <a:solidFill>
+                  <a:schemeClr val="accent2">
+                    <a:lumMod val="75000"/>
+                  </a:schemeClr>
+                </a:solidFill>
+              </a:defRPr>
+            </a:lvl1pPr>
+          </a:lstStyle>
+          <a:p>
+            <a:r>
+              <a:rPr lang="en-US" dirty="0">
+                <a:solidFill>
+                  <a:schemeClr val="accent1">
+                    <a:lumMod val="50000"/>
+                  </a:schemeClr>
+                </a:solidFill>
+              </a:rPr>
+              <a:t>receives</a:t>
+            </a:r>
+            <a:endParaRPr lang="en-SG" dirty="0">
+              <a:solidFill>
+                <a:schemeClr val="accent1">
+                  <a:lumMod val="50000"/>
+                </a:schemeClr>
+              </a:solidFill>
+            </a:endParaRPr>
+          </a:p>
+        </p:txBody>
+      </p:sp>
+      <p:sp>
+        <p:nvSpPr>
+          <p:cNvPr id="301" name="Flowchart: Extract 300"/>
+          <p:cNvSpPr/>
+          <p:nvPr/>
+        </p:nvSpPr>
+        <p:spPr>
+          <a:xfrm rot="16200000">
+            <a:off x="274109" y="1063268"/>
+            <a:ext cx="155075" cy="122330"/>
+          </a:xfrm>
+          <a:prstGeom prst="flowChartExtract">
+            <a:avLst/>
+          </a:prstGeom>
+          <a:solidFill>
+            <a:schemeClr val="accent1">
+              <a:lumMod val="50000"/>
+            </a:schemeClr>
+          </a:solidFill>
+          <a:ln>
+            <a:noFill/>
+          </a:ln>
+        </p:spPr>
+        <p:style>
+          <a:lnRef idx="2">
+            <a:schemeClr val="accent1">
+              <a:shade val="50000"/>
+            </a:schemeClr>
+          </a:lnRef>
+          <a:fillRef idx="1">
+            <a:schemeClr val="accent1"/>
+          </a:fillRef>
+          <a:effectRef idx="0">
+            <a:schemeClr val="accent1"/>
+          </a:effectRef>
+          <a:fontRef idx="minor">
+            <a:schemeClr val="lt1"/>
+          </a:fontRef>
+        </p:style>
+        <p:txBody>
+          <a:bodyPr rtlCol="0" anchor="ctr"/>
+          <a:lstStyle/>
+          <a:p>
+            <a:pPr algn="ctr"/>
+            <a:endParaRPr lang="en-SG"/>
+          </a:p>
+        </p:txBody>
+      </p:sp>
+      <p:cxnSp>
+        <p:nvCxnSpPr>
+          <p:cNvPr id="312" name="Elbow Connector 311"/>
+          <p:cNvCxnSpPr>
+            <a:stCxn id="296" idx="3"/>
+            <a:endCxn id="137" idx="1"/>
+          </p:cNvCxnSpPr>
+          <p:nvPr/>
+        </p:nvCxnSpPr>
+        <p:spPr>
+          <a:xfrm>
+            <a:off x="1000136" y="2658955"/>
+            <a:ext cx="416792" cy="8456"/>
+          </a:xfrm>
+          <a:prstGeom prst="bentConnector3">
+            <a:avLst>
+              <a:gd name="adj1" fmla="val 50000"/>
+            </a:avLst>
+          </a:prstGeom>
+          <a:ln w="38100">
+            <a:solidFill>
+              <a:schemeClr val="accent1">
+                <a:lumMod val="50000"/>
+              </a:schemeClr>
+            </a:solidFill>
+            <a:prstDash val="sysDot"/>
+            <a:tailEnd type="arrow"/>
+          </a:ln>
+        </p:spPr>
+        <p:style>
+          <a:lnRef idx="1">
+            <a:schemeClr val="accent1"/>
+          </a:lnRef>
+          <a:fillRef idx="0">
+            <a:schemeClr val="accent1"/>
+          </a:fillRef>
+          <a:effectRef idx="0">
+            <a:schemeClr val="accent1"/>
+          </a:effectRef>
+          <a:fontRef idx="minor">
+            <a:schemeClr val="tx1"/>
+          </a:fontRef>
+        </p:style>
+      </p:cxnSp>
+      <p:cxnSp>
+        <p:nvCxnSpPr>
+          <p:cNvPr id="315" name="Elbow Connector 314"/>
+          <p:cNvCxnSpPr>
+            <a:endCxn id="138" idx="1"/>
+          </p:cNvCxnSpPr>
+          <p:nvPr/>
+        </p:nvCxnSpPr>
+        <p:spPr>
+          <a:xfrm rot="16200000" flipH="1">
+            <a:off x="918914" y="3074859"/>
+            <a:ext cx="720000" cy="762593"/>
+          </a:xfrm>
+          <a:prstGeom prst="bentConnector2">
+            <a:avLst/>
+          </a:prstGeom>
+          <a:ln w="38100">
+            <a:solidFill>
+              <a:schemeClr val="accent1">
+                <a:lumMod val="50000"/>
+              </a:schemeClr>
+            </a:solidFill>
+            <a:prstDash val="sysDot"/>
+            <a:tailEnd type="arrow"/>
+          </a:ln>
+        </p:spPr>
+        <p:style>
+          <a:lnRef idx="1">
+            <a:schemeClr val="accent1"/>
+          </a:lnRef>
+          <a:fillRef idx="0">
+            <a:schemeClr val="accent1"/>
+          </a:fillRef>
+          <a:effectRef idx="0">
+            <a:schemeClr val="accent1"/>
+          </a:effectRef>
+          <a:fontRef idx="minor">
+            <a:schemeClr val="tx1"/>
+          </a:fontRef>
+        </p:style>
+      </p:cxnSp>
+      <p:cxnSp>
+        <p:nvCxnSpPr>
+          <p:cNvPr id="319" name="Elbow Connector 318"/>
+          <p:cNvCxnSpPr>
+            <a:stCxn id="258" idx="0"/>
+            <a:endCxn id="296" idx="2"/>
+          </p:cNvCxnSpPr>
+          <p:nvPr/>
+        </p:nvCxnSpPr>
+        <p:spPr>
+          <a:xfrm rot="5400000" flipH="1" flipV="1">
+            <a:off x="-465123" y="4119291"/>
+            <a:ext cx="2061127" cy="3167"/>
+          </a:xfrm>
+          <a:prstGeom prst="bentConnector3">
+            <a:avLst>
+              <a:gd name="adj1" fmla="val 50000"/>
+            </a:avLst>
+          </a:prstGeom>
+          <a:ln w="38100">
+            <a:solidFill>
+              <a:schemeClr val="tx1"/>
+            </a:solidFill>
+            <a:prstDash val="sysDash"/>
+            <a:tailEnd type="arrow"/>
+          </a:ln>
+        </p:spPr>
+        <p:style>
+          <a:lnRef idx="1">
+            <a:schemeClr val="accent1"/>
+          </a:lnRef>
+          <a:fillRef idx="0">
+            <a:schemeClr val="accent1"/>
+          </a:fillRef>
+          <a:effectRef idx="0">
+            <a:schemeClr val="accent1"/>
+          </a:effectRef>
+          <a:fontRef idx="minor">
+            <a:schemeClr val="tx1"/>
+          </a:fontRef>
+        </p:style>
+      </p:cxnSp>
+      <p:sp>
+        <p:nvSpPr>
+          <p:cNvPr id="320" name="TextBox 319"/>
+          <p:cNvSpPr txBox="1"/>
+          <p:nvPr/>
+        </p:nvSpPr>
+        <p:spPr>
+          <a:xfrm rot="16200000">
+            <a:off x="99028" y="4060030"/>
+            <a:ext cx="655837" cy="307777"/>
+          </a:xfrm>
+          <a:prstGeom prst="rect">
+            <a:avLst/>
+          </a:prstGeom>
+          <a:grpFill/>
+          <a:ln>
+            <a:noFill/>
+          </a:ln>
+        </p:spPr>
+        <p:style>
+          <a:lnRef idx="2">
+            <a:schemeClr val="accent1">
+              <a:shade val="50000"/>
+            </a:schemeClr>
+          </a:lnRef>
+          <a:fillRef idx="1">
+            <a:schemeClr val="accent1"/>
+          </a:fillRef>
+          <a:effectRef idx="0">
+            <a:schemeClr val="accent1"/>
+          </a:effectRef>
+          <a:fontRef idx="minor">
+            <a:schemeClr val="lt1"/>
+          </a:fontRef>
+        </p:style>
+        <p:txBody>
+          <a:bodyPr rtlCol="0" anchor="t" anchorCtr="0"/>
+          <a:lstStyle>
+            <a:defPPr>
+              <a:defRPr lang="en-US"/>
+            </a:defPPr>
+            <a:lvl1pPr algn="r">
+              <a:defRPr sz="1400" b="1">
+                <a:solidFill>
+                  <a:schemeClr val="accent2">
+                    <a:lumMod val="75000"/>
+                  </a:schemeClr>
+                </a:solidFill>
+              </a:defRPr>
+            </a:lvl1pPr>
+          </a:lstStyle>
+          <a:p>
+            <a:r>
+              <a:rPr lang="en-US" dirty="0">
+                <a:solidFill>
+                  <a:schemeClr val="tx1"/>
+                </a:solidFill>
+              </a:rPr>
+              <a:t>sends</a:t>
+            </a:r>
+            <a:endParaRPr lang="en-SG" dirty="0">
+              <a:solidFill>
+                <a:schemeClr val="tx1"/>
+              </a:solidFill>
+            </a:endParaRPr>
+          </a:p>
+        </p:txBody>
+      </p:sp>
+      <p:sp>
+        <p:nvSpPr>
+          <p:cNvPr id="321" name="Flowchart: Extract 320"/>
+          <p:cNvSpPr/>
+          <p:nvPr/>
+        </p:nvSpPr>
+        <p:spPr>
+          <a:xfrm rot="10800000" flipV="1">
+            <a:off x="372692" y="3815882"/>
+            <a:ext cx="155075" cy="122330"/>
+          </a:xfrm>
+          <a:prstGeom prst="flowChartExtract">
+            <a:avLst/>
+          </a:prstGeom>
+          <a:solidFill>
+            <a:schemeClr val="tx1"/>
+          </a:solidFill>
+          <a:ln>
+            <a:noFill/>
+          </a:ln>
+        </p:spPr>
+        <p:style>
+          <a:lnRef idx="2">
+            <a:schemeClr val="accent1">
+              <a:shade val="50000"/>
+            </a:schemeClr>
+          </a:lnRef>
+          <a:fillRef idx="1">
+            <a:schemeClr val="accent1"/>
+          </a:fillRef>
+          <a:effectRef idx="0">
+            <a:schemeClr val="accent1"/>
+          </a:effectRef>
+          <a:fontRef idx="minor">
+            <a:schemeClr val="lt1"/>
+          </a:fontRef>
+        </p:style>
+        <p:txBody>
+          <a:bodyPr rtlCol="0" anchor="ctr"/>
+          <a:lstStyle/>
+          <a:p>
+            <a:pPr algn="ctr"/>
+            <a:endParaRPr lang="en-SG"/>
+          </a:p>
+        </p:txBody>
+      </p:sp>
+      <p:sp>
+        <p:nvSpPr>
+          <p:cNvPr id="330" name="TextBox 329"/>
+          <p:cNvSpPr txBox="1"/>
+          <p:nvPr/>
+        </p:nvSpPr>
+        <p:spPr>
+          <a:xfrm>
+            <a:off x="5421312" y="5860895"/>
+            <a:ext cx="1146280" cy="361773"/>
+          </a:xfrm>
+          <a:prstGeom prst="rect">
+            <a:avLst/>
+          </a:prstGeom>
+          <a:grpFill/>
+          <a:ln>
+            <a:noFill/>
+          </a:ln>
+        </p:spPr>
+        <p:style>
+          <a:lnRef idx="2">
+            <a:schemeClr val="accent1">
+              <a:shade val="50000"/>
+            </a:schemeClr>
+          </a:lnRef>
+          <a:fillRef idx="1">
+            <a:schemeClr val="accent1"/>
+          </a:fillRef>
+          <a:effectRef idx="0">
+            <a:schemeClr val="accent1"/>
+          </a:effectRef>
+          <a:fontRef idx="minor">
+            <a:schemeClr val="lt1"/>
+          </a:fontRef>
+        </p:style>
+        <p:txBody>
+          <a:bodyPr rtlCol="0" anchor="t" anchorCtr="0"/>
+          <a:lstStyle>
+            <a:defPPr>
+              <a:defRPr lang="en-US"/>
+            </a:defPPr>
+            <a:lvl1pPr>
+              <a:defRPr sz="1400" b="1">
+                <a:solidFill>
+                  <a:srgbClr val="7030A0"/>
+                </a:solidFill>
+              </a:defRPr>
+            </a:lvl1pPr>
+            <a:lvl2pPr>
+              <a:defRPr>
+                <a:solidFill>
+                  <a:schemeClr val="lt1"/>
+                </a:solidFill>
+              </a:defRPr>
+            </a:lvl2pPr>
+            <a:lvl3pPr>
+              <a:defRPr>
+                <a:solidFill>
+                  <a:schemeClr val="lt1"/>
+                </a:solidFill>
+              </a:defRPr>
+            </a:lvl3pPr>
+            <a:lvl4pPr>
+              <a:defRPr>
+                <a:solidFill>
+                  <a:schemeClr val="lt1"/>
+                </a:solidFill>
+              </a:defRPr>
+            </a:lvl4pPr>
+            <a:lvl5pPr>
+              <a:defRPr>
+                <a:solidFill>
+                  <a:schemeClr val="lt1"/>
+                </a:solidFill>
+              </a:defRPr>
+            </a:lvl5pPr>
+            <a:lvl6pPr>
+              <a:defRPr>
+                <a:solidFill>
+                  <a:schemeClr val="lt1"/>
+                </a:solidFill>
+              </a:defRPr>
+            </a:lvl6pPr>
+            <a:lvl7pPr>
+              <a:defRPr>
+                <a:solidFill>
+                  <a:schemeClr val="lt1"/>
+                </a:solidFill>
+              </a:defRPr>
+            </a:lvl7pPr>
+            <a:lvl8pPr>
+              <a:defRPr>
+                <a:solidFill>
+                  <a:schemeClr val="lt1"/>
+                </a:solidFill>
+              </a:defRPr>
+            </a:lvl8pPr>
+            <a:lvl9pPr>
+              <a:defRPr>
+                <a:solidFill>
+                  <a:schemeClr val="lt1"/>
+                </a:solidFill>
+              </a:defRPr>
+            </a:lvl9pPr>
+          </a:lstStyle>
+          <a:p>
+            <a:pPr algn="r"/>
+            <a:r>
+              <a:rPr lang="en-US" dirty="0" smtClean="0"/>
+              <a:t>&lt;&lt;uses&gt;&gt;</a:t>
+            </a:r>
+            <a:endParaRPr lang="en-SG" dirty="0"/>
+          </a:p>
+        </p:txBody>
+      </p:sp>
+      <p:sp>
+        <p:nvSpPr>
+          <p:cNvPr id="331" name="TextBox 330"/>
+          <p:cNvSpPr txBox="1"/>
+          <p:nvPr/>
+        </p:nvSpPr>
+        <p:spPr>
+          <a:xfrm>
+            <a:off x="4343368" y="6927332"/>
+            <a:ext cx="1146280" cy="361773"/>
+          </a:xfrm>
+          <a:prstGeom prst="rect">
+            <a:avLst/>
+          </a:prstGeom>
+          <a:grpFill/>
+          <a:ln>
+            <a:noFill/>
+          </a:ln>
+        </p:spPr>
+        <p:style>
+          <a:lnRef idx="2">
+            <a:schemeClr val="accent1">
+              <a:shade val="50000"/>
+            </a:schemeClr>
+          </a:lnRef>
+          <a:fillRef idx="1">
+            <a:schemeClr val="accent1"/>
+          </a:fillRef>
+          <a:effectRef idx="0">
+            <a:schemeClr val="accent1"/>
+          </a:effectRef>
+          <a:fontRef idx="minor">
+            <a:schemeClr val="lt1"/>
+          </a:fontRef>
+        </p:style>
+        <p:txBody>
+          <a:bodyPr rtlCol="0" anchor="t" anchorCtr="0"/>
+          <a:lstStyle>
+            <a:defPPr>
+              <a:defRPr lang="en-US"/>
+            </a:defPPr>
+            <a:lvl1pPr>
+              <a:defRPr sz="1400" b="1">
+                <a:solidFill>
+                  <a:srgbClr val="7030A0"/>
+                </a:solidFill>
+              </a:defRPr>
+            </a:lvl1pPr>
+            <a:lvl2pPr>
+              <a:defRPr>
+                <a:solidFill>
+                  <a:schemeClr val="lt1"/>
+                </a:solidFill>
+              </a:defRPr>
+            </a:lvl2pPr>
+            <a:lvl3pPr>
+              <a:defRPr>
+                <a:solidFill>
+                  <a:schemeClr val="lt1"/>
+                </a:solidFill>
+              </a:defRPr>
+            </a:lvl3pPr>
+            <a:lvl4pPr>
+              <a:defRPr>
+                <a:solidFill>
+                  <a:schemeClr val="lt1"/>
+                </a:solidFill>
+              </a:defRPr>
+            </a:lvl4pPr>
+            <a:lvl5pPr>
+              <a:defRPr>
+                <a:solidFill>
+                  <a:schemeClr val="lt1"/>
+                </a:solidFill>
+              </a:defRPr>
+            </a:lvl5pPr>
+            <a:lvl6pPr>
+              <a:defRPr>
+                <a:solidFill>
+                  <a:schemeClr val="lt1"/>
+                </a:solidFill>
+              </a:defRPr>
+            </a:lvl6pPr>
+            <a:lvl7pPr>
+              <a:defRPr>
+                <a:solidFill>
+                  <a:schemeClr val="lt1"/>
+                </a:solidFill>
+              </a:defRPr>
+            </a:lvl7pPr>
+            <a:lvl8pPr>
+              <a:defRPr>
+                <a:solidFill>
+                  <a:schemeClr val="lt1"/>
+                </a:solidFill>
+              </a:defRPr>
+            </a:lvl8pPr>
+            <a:lvl9pPr>
+              <a:defRPr>
+                <a:solidFill>
+                  <a:schemeClr val="lt1"/>
+                </a:solidFill>
+              </a:defRPr>
+            </a:lvl9pPr>
+          </a:lstStyle>
+          <a:p>
+            <a:pPr algn="r"/>
+            <a:r>
+              <a:rPr lang="en-US" dirty="0" smtClean="0"/>
+              <a:t>&lt;&lt;uses&gt;&gt;</a:t>
+            </a:r>
+            <a:endParaRPr lang="en-SG" dirty="0"/>
+          </a:p>
+        </p:txBody>
+      </p:sp>
+      <p:sp>
+        <p:nvSpPr>
+          <p:cNvPr id="81" name="Diamond 80"/>
+          <p:cNvSpPr/>
+          <p:nvPr/>
+        </p:nvSpPr>
+        <p:spPr>
+          <a:xfrm>
+            <a:off x="4443744" y="4692558"/>
+            <a:ext cx="216000" cy="216000"/>
           </a:xfrm>
           <a:prstGeom prst="diamond">
             <a:avLst/>
@@ -6522,19 +8930,19 @@
       </p:sp>
       <p:cxnSp>
         <p:nvCxnSpPr>
-          <p:cNvPr id="439" name="Straight Arrow Connector 438"/>
+          <p:cNvPr id="82" name="Elbow Connector 81"/>
           <p:cNvCxnSpPr>
-            <a:stCxn id="438" idx="3"/>
-            <a:endCxn id="395" idx="1"/>
+            <a:stCxn id="81" idx="3"/>
+            <a:endCxn id="225" idx="0"/>
           </p:cNvCxnSpPr>
           <p:nvPr/>
         </p:nvCxnSpPr>
         <p:spPr>
-          <a:xfrm flipV="1">
-            <a:off x="6966097" y="2997312"/>
-            <a:ext cx="377734" cy="4547"/>
-          </a:xfrm>
-          <a:prstGeom prst="straightConnector1">
+          <a:xfrm>
+            <a:off x="4659744" y="4800558"/>
+            <a:ext cx="2665968" cy="655679"/>
+          </a:xfrm>
+          <a:prstGeom prst="bentConnector2">
             <a:avLst/>
           </a:prstGeom>
           <a:solidFill>
@@ -6544,8 +8952,6 @@
             <a:solidFill>
               <a:srgbClr val="00B050"/>
             </a:solidFill>
-            <a:headEnd type="none" w="med" len="med"/>
-            <a:tailEnd type="arrow" w="med" len="med"/>
           </a:ln>
         </p:spPr>
         <p:style>
@@ -6565,865 +8971,145 @@
           </a:fontRef>
         </p:style>
       </p:cxnSp>
-      <p:sp>
-        <p:nvSpPr>
-          <p:cNvPr id="440" name="Rectangle 439"/>
-          <p:cNvSpPr/>
+      <p:grpSp>
+        <p:nvGrpSpPr>
+          <p:cNvPr id="84" name="Group 83"/>
+          <p:cNvGrpSpPr/>
           <p:nvPr/>
-        </p:nvSpPr>
-        <p:spPr>
-          <a:xfrm rot="16200000">
-            <a:off x="-358134" y="2443117"/>
-            <a:ext cx="1877932" cy="377438"/>
-          </a:xfrm>
-          <a:prstGeom prst="rect">
-            <a:avLst/>
-          </a:prstGeom>
-        </p:spPr>
-        <p:style>
-          <a:lnRef idx="2">
-            <a:schemeClr val="accent2">
-              <a:shade val="50000"/>
-            </a:schemeClr>
-          </a:lnRef>
-          <a:fillRef idx="1">
-            <a:schemeClr val="accent2"/>
-          </a:fillRef>
-          <a:effectRef idx="0">
-            <a:schemeClr val="accent2"/>
-          </a:effectRef>
-          <a:fontRef idx="minor">
-            <a:schemeClr val="lt1"/>
-          </a:fontRef>
-        </p:style>
-        <p:txBody>
-          <a:bodyPr rtlCol="0" anchor="ctr"/>
-          <a:lstStyle/>
-          <a:p>
-            <a:pPr algn="ctr"/>
-            <a:r>
-              <a:rPr lang="en-US" sz="1600" b="1" dirty="0" err="1" smtClean="0"/>
-              <a:t>HttpServletRequest</a:t>
-            </a:r>
-            <a:endParaRPr lang="en-SG" sz="1600" b="1" dirty="0"/>
-          </a:p>
-        </p:txBody>
-      </p:sp>
-      <p:cxnSp>
-        <p:nvCxnSpPr>
-          <p:cNvPr id="441" name="Elbow Connector 440"/>
-          <p:cNvCxnSpPr>
-            <a:stCxn id="440" idx="3"/>
-            <a:endCxn id="422" idx="1"/>
-          </p:cNvCxnSpPr>
-          <p:nvPr/>
-        </p:nvCxnSpPr>
-        <p:spPr>
-          <a:xfrm rot="5400000" flipH="1" flipV="1">
-            <a:off x="671282" y="814690"/>
-            <a:ext cx="787731" cy="968630"/>
-          </a:xfrm>
-          <a:prstGeom prst="bentConnector2">
-            <a:avLst/>
-          </a:prstGeom>
-          <a:ln w="38100">
-            <a:solidFill>
-              <a:schemeClr val="accent1">
-                <a:lumMod val="50000"/>
+        </p:nvGrpSpPr>
+        <p:grpSpPr>
+          <a:xfrm>
+            <a:off x="1660211" y="4303659"/>
+            <a:ext cx="1551301" cy="531646"/>
+            <a:chOff x="1535112" y="3948357"/>
+            <a:chExt cx="1551301" cy="531646"/>
+          </a:xfrm>
+        </p:grpSpPr>
+        <p:sp>
+          <p:nvSpPr>
+            <p:cNvPr id="85" name="Rectangle 84"/>
+            <p:cNvSpPr/>
+            <p:nvPr/>
+          </p:nvSpPr>
+          <p:spPr>
+            <a:xfrm>
+              <a:off x="1535112" y="3948357"/>
+              <a:ext cx="1398903" cy="377438"/>
+            </a:xfrm>
+            <a:prstGeom prst="rect">
+              <a:avLst/>
+            </a:prstGeom>
+          </p:spPr>
+          <p:style>
+            <a:lnRef idx="2">
+              <a:schemeClr val="accent6">
+                <a:shade val="50000"/>
               </a:schemeClr>
-            </a:solidFill>
-            <a:prstDash val="sysDot"/>
-            <a:tailEnd type="arrow"/>
-          </a:ln>
-        </p:spPr>
-        <p:style>
-          <a:lnRef idx="1">
-            <a:schemeClr val="accent1"/>
-          </a:lnRef>
-          <a:fillRef idx="0">
-            <a:schemeClr val="accent1"/>
-          </a:fillRef>
-          <a:effectRef idx="0">
-            <a:schemeClr val="accent1"/>
-          </a:effectRef>
-          <a:fontRef idx="minor">
-            <a:schemeClr val="tx1"/>
-          </a:fontRef>
-        </p:style>
-      </p:cxnSp>
-      <p:cxnSp>
-        <p:nvCxnSpPr>
-          <p:cNvPr id="442" name="Straight Arrow Connector 441"/>
-          <p:cNvCxnSpPr/>
-          <p:nvPr/>
-        </p:nvCxnSpPr>
-        <p:spPr>
-          <a:xfrm>
-            <a:off x="3031670" y="2477317"/>
-            <a:ext cx="1018042" cy="0"/>
-          </a:xfrm>
-          <a:prstGeom prst="straightConnector1">
-            <a:avLst/>
-          </a:prstGeom>
-          <a:ln w="38100">
-            <a:solidFill>
-              <a:schemeClr val="accent2">
-                <a:lumMod val="75000"/>
+            </a:lnRef>
+            <a:fillRef idx="1">
+              <a:schemeClr val="accent6"/>
+            </a:fillRef>
+            <a:effectRef idx="0">
+              <a:schemeClr val="accent6"/>
+            </a:effectRef>
+            <a:fontRef idx="minor">
+              <a:schemeClr val="lt1"/>
+            </a:fontRef>
+          </p:style>
+          <p:txBody>
+            <a:bodyPr rtlCol="0" anchor="ctr"/>
+            <a:lstStyle/>
+            <a:p>
+              <a:pPr algn="ctr"/>
+              <a:endParaRPr lang="en-SG" sz="1600" b="1" dirty="0"/>
+            </a:p>
+          </p:txBody>
+        </p:sp>
+        <p:sp>
+          <p:nvSpPr>
+            <p:cNvPr id="86" name="Rectangle 85"/>
+            <p:cNvSpPr/>
+            <p:nvPr/>
+          </p:nvSpPr>
+          <p:spPr>
+            <a:xfrm>
+              <a:off x="1611311" y="4020049"/>
+              <a:ext cx="1398903" cy="377438"/>
+            </a:xfrm>
+            <a:prstGeom prst="rect">
+              <a:avLst/>
+            </a:prstGeom>
+          </p:spPr>
+          <p:style>
+            <a:lnRef idx="2">
+              <a:schemeClr val="accent6">
+                <a:shade val="50000"/>
               </a:schemeClr>
-            </a:solidFill>
-            <a:prstDash val="sysDot"/>
-            <a:tailEnd type="arrow"/>
-          </a:ln>
-        </p:spPr>
-        <p:style>
-          <a:lnRef idx="1">
-            <a:schemeClr val="accent1"/>
-          </a:lnRef>
-          <a:fillRef idx="0">
-            <a:schemeClr val="accent1"/>
-          </a:fillRef>
-          <a:effectRef idx="0">
-            <a:schemeClr val="accent1"/>
-          </a:effectRef>
-          <a:fontRef idx="minor">
-            <a:schemeClr val="tx1"/>
-          </a:fontRef>
-        </p:style>
-      </p:cxnSp>
-      <p:sp>
-        <p:nvSpPr>
-          <p:cNvPr id="443" name="TextBox 442"/>
-          <p:cNvSpPr txBox="1"/>
-          <p:nvPr/>
-        </p:nvSpPr>
-        <p:spPr>
-          <a:xfrm>
-            <a:off x="3031670" y="2472559"/>
-            <a:ext cx="1066800" cy="307777"/>
-          </a:xfrm>
-          <a:prstGeom prst="rect">
-            <a:avLst/>
-          </a:prstGeom>
-          <a:grpFill/>
-          <a:ln>
-            <a:noFill/>
-          </a:ln>
-        </p:spPr>
-        <p:style>
-          <a:lnRef idx="2">
-            <a:schemeClr val="accent1">
-              <a:shade val="50000"/>
-            </a:schemeClr>
-          </a:lnRef>
-          <a:fillRef idx="1">
-            <a:schemeClr val="accent1"/>
-          </a:fillRef>
-          <a:effectRef idx="0">
-            <a:schemeClr val="accent1"/>
-          </a:effectRef>
-          <a:fontRef idx="minor">
-            <a:schemeClr val="lt1"/>
-          </a:fontRef>
-        </p:style>
-        <p:txBody>
-          <a:bodyPr rtlCol="0" anchor="t" anchorCtr="0"/>
-          <a:lstStyle>
-            <a:defPPr>
-              <a:defRPr lang="en-US"/>
-            </a:defPPr>
-            <a:lvl1pPr algn="r">
-              <a:defRPr sz="1400" b="1">
-                <a:solidFill>
-                  <a:schemeClr val="accent2">
-                    <a:lumMod val="75000"/>
-                  </a:schemeClr>
-                </a:solidFill>
-              </a:defRPr>
-            </a:lvl1pPr>
-          </a:lstStyle>
-          <a:p>
-            <a:r>
-              <a:rPr lang="en-US" dirty="0"/>
-              <a:t>&lt;&lt;create&gt;&gt;</a:t>
-            </a:r>
-            <a:endParaRPr lang="en-SG" dirty="0"/>
-          </a:p>
-        </p:txBody>
-      </p:sp>
-      <p:sp>
-        <p:nvSpPr>
-          <p:cNvPr id="444" name="Rectangle 443"/>
-          <p:cNvSpPr/>
-          <p:nvPr/>
-        </p:nvSpPr>
-        <p:spPr>
-          <a:xfrm>
-            <a:off x="4732384" y="3701990"/>
-            <a:ext cx="1894049" cy="377438"/>
-          </a:xfrm>
-          <a:prstGeom prst="rect">
-            <a:avLst/>
-          </a:prstGeom>
-          <a:solidFill>
-            <a:srgbClr val="92D050"/>
-          </a:solidFill>
-          <a:ln>
-            <a:solidFill>
-              <a:srgbClr val="00B050"/>
-            </a:solidFill>
-          </a:ln>
-        </p:spPr>
-        <p:style>
-          <a:lnRef idx="2">
-            <a:schemeClr val="accent6">
-              <a:shade val="50000"/>
-            </a:schemeClr>
-          </a:lnRef>
-          <a:fillRef idx="1">
-            <a:schemeClr val="accent6"/>
-          </a:fillRef>
-          <a:effectRef idx="0">
-            <a:schemeClr val="accent6"/>
-          </a:effectRef>
-          <a:fontRef idx="minor">
-            <a:schemeClr val="lt1"/>
-          </a:fontRef>
-        </p:style>
-        <p:txBody>
-          <a:bodyPr rtlCol="0" anchor="ctr"/>
-          <a:lstStyle/>
-          <a:p>
-            <a:pPr algn="ctr"/>
-            <a:r>
-              <a:rPr lang="en-US" sz="1600" b="1" dirty="0" err="1" smtClean="0"/>
-              <a:t>AjaxResult</a:t>
-            </a:r>
-            <a:endParaRPr lang="en-SG" sz="1600" b="1" dirty="0"/>
-          </a:p>
-        </p:txBody>
-      </p:sp>
-      <p:cxnSp>
-        <p:nvCxnSpPr>
-          <p:cNvPr id="445" name="Elbow Connector 444"/>
-          <p:cNvCxnSpPr>
-            <a:stCxn id="433" idx="3"/>
-            <a:endCxn id="444" idx="1"/>
-          </p:cNvCxnSpPr>
-          <p:nvPr/>
-        </p:nvCxnSpPr>
-        <p:spPr>
-          <a:xfrm rot="16200000" flipH="1">
-            <a:off x="4128326" y="3286650"/>
-            <a:ext cx="968363" cy="239754"/>
-          </a:xfrm>
-          <a:prstGeom prst="bentConnector2">
-            <a:avLst/>
-          </a:prstGeom>
-          <a:solidFill>
-            <a:srgbClr val="92D050"/>
-          </a:solidFill>
-          <a:ln>
-            <a:solidFill>
-              <a:srgbClr val="00B050"/>
-            </a:solidFill>
-          </a:ln>
-        </p:spPr>
-        <p:style>
-          <a:lnRef idx="2">
-            <a:schemeClr val="accent6">
-              <a:shade val="50000"/>
-            </a:schemeClr>
-          </a:lnRef>
-          <a:fillRef idx="1">
-            <a:schemeClr val="accent6"/>
-          </a:fillRef>
-          <a:effectRef idx="0">
-            <a:schemeClr val="accent6"/>
-          </a:effectRef>
-          <a:fontRef idx="minor">
-            <a:schemeClr val="lt1"/>
-          </a:fontRef>
-        </p:style>
-      </p:cxnSp>
-      <p:sp>
-        <p:nvSpPr>
-          <p:cNvPr id="446" name="TextBox 445"/>
-          <p:cNvSpPr txBox="1"/>
-          <p:nvPr/>
-        </p:nvSpPr>
-        <p:spPr>
-          <a:xfrm>
-            <a:off x="3581937" y="587364"/>
-            <a:ext cx="1066800" cy="307777"/>
-          </a:xfrm>
-          <a:prstGeom prst="rect">
-            <a:avLst/>
-          </a:prstGeom>
-          <a:grpFill/>
-          <a:ln>
-            <a:noFill/>
-          </a:ln>
-        </p:spPr>
-        <p:style>
-          <a:lnRef idx="2">
-            <a:schemeClr val="accent1">
-              <a:shade val="50000"/>
-            </a:schemeClr>
-          </a:lnRef>
-          <a:fillRef idx="1">
-            <a:schemeClr val="accent1"/>
-          </a:fillRef>
-          <a:effectRef idx="0">
-            <a:schemeClr val="accent1"/>
-          </a:effectRef>
-          <a:fontRef idx="minor">
-            <a:schemeClr val="lt1"/>
-          </a:fontRef>
-        </p:style>
-        <p:txBody>
-          <a:bodyPr rtlCol="0" anchor="t" anchorCtr="0"/>
-          <a:lstStyle>
-            <a:defPPr>
-              <a:defRPr lang="en-US"/>
-            </a:defPPr>
-            <a:lvl1pPr algn="r">
-              <a:defRPr sz="1400" b="1">
-                <a:solidFill>
-                  <a:schemeClr val="accent2">
-                    <a:lumMod val="75000"/>
-                  </a:schemeClr>
-                </a:solidFill>
-              </a:defRPr>
-            </a:lvl1pPr>
-          </a:lstStyle>
-          <a:p>
-            <a:r>
-              <a:rPr lang="en-US" dirty="0">
-                <a:solidFill>
-                  <a:schemeClr val="accent1">
-                    <a:lumMod val="50000"/>
-                  </a:schemeClr>
-                </a:solidFill>
-              </a:rPr>
-              <a:t>s</a:t>
-            </a:r>
-            <a:r>
-              <a:rPr lang="en-US" dirty="0" smtClean="0">
-                <a:solidFill>
-                  <a:schemeClr val="accent1">
-                    <a:lumMod val="50000"/>
-                  </a:schemeClr>
-                </a:solidFill>
-              </a:rPr>
-              <a:t>ends back</a:t>
-            </a:r>
-            <a:endParaRPr lang="en-SG" dirty="0">
-              <a:solidFill>
-                <a:schemeClr val="accent1">
-                  <a:lumMod val="50000"/>
-                </a:schemeClr>
-              </a:solidFill>
-            </a:endParaRPr>
-          </a:p>
-        </p:txBody>
-      </p:sp>
-      <p:sp>
-        <p:nvSpPr>
-          <p:cNvPr id="447" name="TextBox 446"/>
-          <p:cNvSpPr txBox="1"/>
-          <p:nvPr/>
-        </p:nvSpPr>
-        <p:spPr>
-          <a:xfrm>
-            <a:off x="199428" y="597362"/>
-            <a:ext cx="954683" cy="307777"/>
-          </a:xfrm>
-          <a:prstGeom prst="rect">
-            <a:avLst/>
-          </a:prstGeom>
-          <a:grpFill/>
-          <a:ln>
-            <a:noFill/>
-          </a:ln>
-        </p:spPr>
-        <p:style>
-          <a:lnRef idx="2">
-            <a:schemeClr val="accent1">
-              <a:shade val="50000"/>
-            </a:schemeClr>
-          </a:lnRef>
-          <a:fillRef idx="1">
-            <a:schemeClr val="accent1"/>
-          </a:fillRef>
-          <a:effectRef idx="0">
-            <a:schemeClr val="accent1"/>
-          </a:effectRef>
-          <a:fontRef idx="minor">
-            <a:schemeClr val="lt1"/>
-          </a:fontRef>
-        </p:style>
-        <p:txBody>
-          <a:bodyPr rtlCol="0" anchor="t" anchorCtr="0"/>
-          <a:lstStyle>
-            <a:defPPr>
-              <a:defRPr lang="en-US"/>
-            </a:defPPr>
-            <a:lvl1pPr algn="r">
-              <a:defRPr sz="1400" b="1">
-                <a:solidFill>
-                  <a:schemeClr val="accent2">
-                    <a:lumMod val="75000"/>
-                  </a:schemeClr>
-                </a:solidFill>
-              </a:defRPr>
-            </a:lvl1pPr>
-          </a:lstStyle>
-          <a:p>
-            <a:r>
-              <a:rPr lang="en-US" dirty="0" smtClean="0">
-                <a:solidFill>
-                  <a:schemeClr val="accent1">
-                    <a:lumMod val="50000"/>
-                  </a:schemeClr>
-                </a:solidFill>
-              </a:rPr>
-              <a:t>receives</a:t>
-            </a:r>
-            <a:endParaRPr lang="en-SG" dirty="0">
-              <a:solidFill>
-                <a:schemeClr val="accent1">
-                  <a:lumMod val="50000"/>
-                </a:schemeClr>
-              </a:solidFill>
-            </a:endParaRPr>
-          </a:p>
-        </p:txBody>
-      </p:sp>
-      <p:sp>
-        <p:nvSpPr>
-          <p:cNvPr id="448" name="TextBox 447"/>
-          <p:cNvSpPr txBox="1"/>
-          <p:nvPr/>
-        </p:nvSpPr>
-        <p:spPr>
-          <a:xfrm rot="16200000">
-            <a:off x="1323781" y="1388548"/>
-            <a:ext cx="555264" cy="307777"/>
-          </a:xfrm>
-          <a:prstGeom prst="rect">
-            <a:avLst/>
-          </a:prstGeom>
-          <a:grpFill/>
-          <a:ln>
-            <a:noFill/>
-          </a:ln>
-        </p:spPr>
-        <p:style>
-          <a:lnRef idx="2">
-            <a:schemeClr val="accent1">
-              <a:shade val="50000"/>
-            </a:schemeClr>
-          </a:lnRef>
-          <a:fillRef idx="1">
-            <a:schemeClr val="accent1"/>
-          </a:fillRef>
-          <a:effectRef idx="0">
-            <a:schemeClr val="accent1"/>
-          </a:effectRef>
-          <a:fontRef idx="minor">
-            <a:schemeClr val="lt1"/>
-          </a:fontRef>
-        </p:style>
-        <p:txBody>
-          <a:bodyPr rtlCol="0" anchor="t" anchorCtr="0"/>
-          <a:lstStyle>
-            <a:defPPr>
-              <a:defRPr lang="en-US"/>
-            </a:defPPr>
-            <a:lvl1pPr algn="r">
-              <a:defRPr sz="1400" b="1">
-                <a:solidFill>
-                  <a:schemeClr val="accent2">
-                    <a:lumMod val="75000"/>
-                  </a:schemeClr>
-                </a:solidFill>
-              </a:defRPr>
-            </a:lvl1pPr>
-          </a:lstStyle>
-          <a:p>
-            <a:r>
-              <a:rPr lang="en-US" dirty="0" smtClean="0">
-                <a:solidFill>
-                  <a:schemeClr val="accent1">
-                    <a:lumMod val="50000"/>
-                  </a:schemeClr>
-                </a:solidFill>
-              </a:rPr>
-              <a:t>uses</a:t>
-            </a:r>
-            <a:endParaRPr lang="en-SG" dirty="0">
-              <a:solidFill>
-                <a:schemeClr val="accent1">
-                  <a:lumMod val="50000"/>
-                </a:schemeClr>
-              </a:solidFill>
-            </a:endParaRPr>
-          </a:p>
-        </p:txBody>
-      </p:sp>
-      <p:sp>
-        <p:nvSpPr>
-          <p:cNvPr id="449" name="TextBox 448"/>
-          <p:cNvSpPr txBox="1"/>
-          <p:nvPr/>
-        </p:nvSpPr>
-        <p:spPr>
-          <a:xfrm rot="16200000">
-            <a:off x="99025" y="4233862"/>
-            <a:ext cx="655837" cy="307777"/>
-          </a:xfrm>
-          <a:prstGeom prst="rect">
-            <a:avLst/>
-          </a:prstGeom>
-          <a:grpFill/>
-          <a:ln>
-            <a:noFill/>
-          </a:ln>
-        </p:spPr>
-        <p:style>
-          <a:lnRef idx="2">
-            <a:schemeClr val="accent1">
-              <a:shade val="50000"/>
-            </a:schemeClr>
-          </a:lnRef>
-          <a:fillRef idx="1">
-            <a:schemeClr val="accent1"/>
-          </a:fillRef>
-          <a:effectRef idx="0">
-            <a:schemeClr val="accent1"/>
-          </a:effectRef>
-          <a:fontRef idx="minor">
-            <a:schemeClr val="lt1"/>
-          </a:fontRef>
-        </p:style>
-        <p:txBody>
-          <a:bodyPr rtlCol="0" anchor="t" anchorCtr="0"/>
-          <a:lstStyle>
-            <a:defPPr>
-              <a:defRPr lang="en-US"/>
-            </a:defPPr>
-            <a:lvl1pPr algn="r">
-              <a:defRPr sz="1400" b="1">
-                <a:solidFill>
-                  <a:schemeClr val="accent2">
-                    <a:lumMod val="75000"/>
-                  </a:schemeClr>
-                </a:solidFill>
-              </a:defRPr>
-            </a:lvl1pPr>
-          </a:lstStyle>
-          <a:p>
-            <a:r>
-              <a:rPr lang="en-US" dirty="0" smtClean="0">
-                <a:solidFill>
-                  <a:schemeClr val="tx1"/>
-                </a:solidFill>
-              </a:rPr>
-              <a:t>sends</a:t>
-            </a:r>
-            <a:endParaRPr lang="en-SG" dirty="0">
-              <a:solidFill>
-                <a:schemeClr val="tx1"/>
-              </a:solidFill>
-            </a:endParaRPr>
-          </a:p>
-        </p:txBody>
-      </p:sp>
-      <p:sp>
-        <p:nvSpPr>
-          <p:cNvPr id="450" name="Flowchart: Extract 449"/>
-          <p:cNvSpPr/>
-          <p:nvPr/>
-        </p:nvSpPr>
-        <p:spPr>
-          <a:xfrm rot="16200000">
-            <a:off x="274106" y="703700"/>
-            <a:ext cx="155075" cy="122330"/>
-          </a:xfrm>
-          <a:prstGeom prst="flowChartExtract">
-            <a:avLst/>
-          </a:prstGeom>
-          <a:solidFill>
-            <a:schemeClr val="accent1">
-              <a:lumMod val="50000"/>
-            </a:schemeClr>
-          </a:solidFill>
-          <a:ln>
-            <a:noFill/>
-          </a:ln>
-        </p:spPr>
-        <p:style>
-          <a:lnRef idx="2">
-            <a:schemeClr val="accent1">
-              <a:shade val="50000"/>
-            </a:schemeClr>
-          </a:lnRef>
-          <a:fillRef idx="1">
-            <a:schemeClr val="accent1"/>
-          </a:fillRef>
-          <a:effectRef idx="0">
-            <a:schemeClr val="accent1"/>
-          </a:effectRef>
-          <a:fontRef idx="minor">
-            <a:schemeClr val="lt1"/>
-          </a:fontRef>
-        </p:style>
-        <p:txBody>
-          <a:bodyPr rtlCol="0" anchor="ctr"/>
-          <a:lstStyle/>
-          <a:p>
-            <a:pPr algn="ctr"/>
-            <a:endParaRPr lang="en-SG"/>
-          </a:p>
-        </p:txBody>
-      </p:sp>
-      <p:sp>
-        <p:nvSpPr>
-          <p:cNvPr id="451" name="Flowchart: Extract 450"/>
-          <p:cNvSpPr/>
-          <p:nvPr/>
-        </p:nvSpPr>
-        <p:spPr>
-          <a:xfrm rot="10800000">
-            <a:off x="1533878" y="1716697"/>
-            <a:ext cx="155075" cy="122330"/>
-          </a:xfrm>
-          <a:prstGeom prst="flowChartExtract">
-            <a:avLst/>
-          </a:prstGeom>
-          <a:solidFill>
-            <a:schemeClr val="accent1">
-              <a:lumMod val="50000"/>
-            </a:schemeClr>
-          </a:solidFill>
-          <a:ln>
-            <a:noFill/>
-          </a:ln>
-        </p:spPr>
-        <p:style>
-          <a:lnRef idx="2">
-            <a:schemeClr val="accent1">
-              <a:shade val="50000"/>
-            </a:schemeClr>
-          </a:lnRef>
-          <a:fillRef idx="1">
-            <a:schemeClr val="accent1"/>
-          </a:fillRef>
-          <a:effectRef idx="0">
-            <a:schemeClr val="accent1"/>
-          </a:effectRef>
-          <a:fontRef idx="minor">
-            <a:schemeClr val="lt1"/>
-          </a:fontRef>
-        </p:style>
-        <p:txBody>
-          <a:bodyPr rtlCol="0" anchor="ctr"/>
-          <a:lstStyle/>
-          <a:p>
-            <a:pPr algn="ctr"/>
-            <a:endParaRPr lang="en-SG"/>
-          </a:p>
-        </p:txBody>
-      </p:sp>
-      <p:sp>
-        <p:nvSpPr>
-          <p:cNvPr id="452" name="Flowchart: Extract 451"/>
-          <p:cNvSpPr/>
-          <p:nvPr/>
-        </p:nvSpPr>
-        <p:spPr>
-          <a:xfrm rot="5400000" flipH="1">
-            <a:off x="4566740" y="703699"/>
-            <a:ext cx="155075" cy="122330"/>
-          </a:xfrm>
-          <a:prstGeom prst="flowChartExtract">
-            <a:avLst/>
-          </a:prstGeom>
-          <a:solidFill>
-            <a:schemeClr val="accent1">
-              <a:lumMod val="50000"/>
-            </a:schemeClr>
-          </a:solidFill>
-          <a:ln>
-            <a:noFill/>
-          </a:ln>
-        </p:spPr>
-        <p:style>
-          <a:lnRef idx="2">
-            <a:schemeClr val="accent1">
-              <a:shade val="50000"/>
-            </a:schemeClr>
-          </a:lnRef>
-          <a:fillRef idx="1">
-            <a:schemeClr val="accent1"/>
-          </a:fillRef>
-          <a:effectRef idx="0">
-            <a:schemeClr val="accent1"/>
-          </a:effectRef>
-          <a:fontRef idx="minor">
-            <a:schemeClr val="lt1"/>
-          </a:fontRef>
-        </p:style>
-        <p:txBody>
-          <a:bodyPr rtlCol="0" anchor="ctr"/>
-          <a:lstStyle/>
-          <a:p>
-            <a:pPr algn="ctr"/>
-            <a:endParaRPr lang="en-SG"/>
-          </a:p>
-        </p:txBody>
-      </p:sp>
-      <p:sp>
-        <p:nvSpPr>
-          <p:cNvPr id="453" name="Flowchart: Extract 452"/>
-          <p:cNvSpPr/>
-          <p:nvPr/>
-        </p:nvSpPr>
-        <p:spPr>
-          <a:xfrm rot="10800000" flipV="1">
-            <a:off x="372689" y="3989717"/>
-            <a:ext cx="155075" cy="122330"/>
-          </a:xfrm>
-          <a:prstGeom prst="flowChartExtract">
-            <a:avLst/>
-          </a:prstGeom>
-          <a:solidFill>
-            <a:schemeClr val="tx1"/>
-          </a:solidFill>
-          <a:ln>
-            <a:noFill/>
-          </a:ln>
-        </p:spPr>
-        <p:style>
-          <a:lnRef idx="2">
-            <a:schemeClr val="accent1">
-              <a:shade val="50000"/>
-            </a:schemeClr>
-          </a:lnRef>
-          <a:fillRef idx="1">
-            <a:schemeClr val="accent1"/>
-          </a:fillRef>
-          <a:effectRef idx="0">
-            <a:schemeClr val="accent1"/>
-          </a:effectRef>
-          <a:fontRef idx="minor">
-            <a:schemeClr val="lt1"/>
-          </a:fontRef>
-        </p:style>
-        <p:txBody>
-          <a:bodyPr rtlCol="0" anchor="ctr"/>
-          <a:lstStyle/>
-          <a:p>
-            <a:pPr algn="ctr"/>
-            <a:endParaRPr lang="en-SG"/>
-          </a:p>
-        </p:txBody>
-      </p:sp>
-      <p:sp>
-        <p:nvSpPr>
-          <p:cNvPr id="74" name="Rectangle 73"/>
-          <p:cNvSpPr/>
-          <p:nvPr/>
-        </p:nvSpPr>
-        <p:spPr>
-          <a:xfrm>
-            <a:off x="4732380" y="4123486"/>
-            <a:ext cx="1894054" cy="377438"/>
-          </a:xfrm>
-          <a:prstGeom prst="rect">
-            <a:avLst/>
-          </a:prstGeom>
-          <a:solidFill>
-            <a:srgbClr val="92D050"/>
-          </a:solidFill>
-          <a:ln>
-            <a:solidFill>
-              <a:srgbClr val="00B050"/>
-            </a:solidFill>
-          </a:ln>
-        </p:spPr>
-        <p:style>
-          <a:lnRef idx="2">
-            <a:schemeClr val="accent6">
-              <a:shade val="50000"/>
-            </a:schemeClr>
-          </a:lnRef>
-          <a:fillRef idx="1">
-            <a:schemeClr val="accent6"/>
-          </a:fillRef>
-          <a:effectRef idx="0">
-            <a:schemeClr val="accent6"/>
-          </a:effectRef>
-          <a:fontRef idx="minor">
-            <a:schemeClr val="lt1"/>
-          </a:fontRef>
-        </p:style>
-        <p:txBody>
-          <a:bodyPr rtlCol="0" anchor="ctr"/>
-          <a:lstStyle/>
-          <a:p>
-            <a:pPr algn="ctr"/>
-            <a:r>
-              <a:rPr lang="en-US" sz="1600" b="1" dirty="0" err="1" smtClean="0"/>
-              <a:t>FileDownloadResult</a:t>
-            </a:r>
-            <a:endParaRPr lang="en-SG" sz="1600" b="1" dirty="0"/>
-          </a:p>
-        </p:txBody>
-      </p:sp>
-      <p:cxnSp>
-        <p:nvCxnSpPr>
-          <p:cNvPr id="75" name="Elbow Connector 74"/>
-          <p:cNvCxnSpPr>
-            <a:stCxn id="433" idx="3"/>
-            <a:endCxn id="74" idx="1"/>
-          </p:cNvCxnSpPr>
-          <p:nvPr/>
-        </p:nvCxnSpPr>
-        <p:spPr>
-          <a:xfrm rot="16200000" flipH="1">
-            <a:off x="3917576" y="3497400"/>
-            <a:ext cx="1389859" cy="239750"/>
-          </a:xfrm>
-          <a:prstGeom prst="bentConnector2">
-            <a:avLst/>
-          </a:prstGeom>
-          <a:solidFill>
-            <a:srgbClr val="92D050"/>
-          </a:solidFill>
-          <a:ln>
-            <a:solidFill>
-              <a:srgbClr val="00B050"/>
-            </a:solidFill>
-          </a:ln>
-        </p:spPr>
-        <p:style>
-          <a:lnRef idx="2">
-            <a:schemeClr val="accent6">
-              <a:shade val="50000"/>
-            </a:schemeClr>
-          </a:lnRef>
-          <a:fillRef idx="1">
-            <a:schemeClr val="accent6"/>
-          </a:fillRef>
-          <a:effectRef idx="0">
-            <a:schemeClr val="accent6"/>
-          </a:effectRef>
-          <a:fontRef idx="minor">
-            <a:schemeClr val="lt1"/>
-          </a:fontRef>
-        </p:style>
-      </p:cxnSp>
+            </a:lnRef>
+            <a:fillRef idx="1">
+              <a:schemeClr val="accent6"/>
+            </a:fillRef>
+            <a:effectRef idx="0">
+              <a:schemeClr val="accent6"/>
+            </a:effectRef>
+            <a:fontRef idx="minor">
+              <a:schemeClr val="lt1"/>
+            </a:fontRef>
+          </p:style>
+          <p:txBody>
+            <a:bodyPr rtlCol="0" anchor="ctr"/>
+            <a:lstStyle/>
+            <a:p>
+              <a:pPr algn="ctr"/>
+              <a:endParaRPr lang="en-SG" sz="1600" b="1" dirty="0"/>
+            </a:p>
+          </p:txBody>
+        </p:sp>
+        <p:sp>
+          <p:nvSpPr>
+            <p:cNvPr id="87" name="Rectangle 86"/>
+            <p:cNvSpPr/>
+            <p:nvPr/>
+          </p:nvSpPr>
+          <p:spPr>
+            <a:xfrm>
+              <a:off x="1687510" y="4102565"/>
+              <a:ext cx="1398903" cy="377438"/>
+            </a:xfrm>
+            <a:prstGeom prst="rect">
+              <a:avLst/>
+            </a:prstGeom>
+          </p:spPr>
+          <p:style>
+            <a:lnRef idx="2">
+              <a:schemeClr val="accent6">
+                <a:shade val="50000"/>
+              </a:schemeClr>
+            </a:lnRef>
+            <a:fillRef idx="1">
+              <a:schemeClr val="accent6"/>
+            </a:fillRef>
+            <a:effectRef idx="0">
+              <a:schemeClr val="accent6"/>
+            </a:effectRef>
+            <a:fontRef idx="minor">
+              <a:schemeClr val="lt1"/>
+            </a:fontRef>
+          </p:style>
+          <p:txBody>
+            <a:bodyPr rtlCol="0" anchor="ctr"/>
+            <a:lstStyle/>
+            <a:p>
+              <a:pPr algn="ctr"/>
+              <a:r>
+                <a:rPr lang="en-US" sz="1600" b="1" dirty="0" smtClean="0"/>
+                <a:t>*Filter</a:t>
+              </a:r>
+              <a:endParaRPr lang="en-SG" sz="1600" b="1" dirty="0"/>
+            </a:p>
+          </p:txBody>
+        </p:sp>
+      </p:grpSp>
     </p:spTree>
     <p:extLst>
       <p:ext uri="{BB962C8B-B14F-4D97-AF65-F5344CB8AC3E}">
@@ -8010,4 +9696,265 @@
   <a:objectDefaults/>
   <a:extraClrSchemeLst/>
 </a:theme>
+</file>
+
+<file path=ppt/theme/theme3.xml><?xml version="1.0" encoding="utf-8"?>
+<a:theme xmlns:a="http://schemas.openxmlformats.org/drawingml/2006/main" name="Office Theme">
+  <a:themeElements>
+    <a:clrScheme name="Office">
+      <a:dk1>
+        <a:sysClr val="windowText" lastClr="000000"/>
+      </a:dk1>
+      <a:lt1>
+        <a:sysClr val="window" lastClr="FFFFFF"/>
+      </a:lt1>
+      <a:dk2>
+        <a:srgbClr val="44546A"/>
+      </a:dk2>
+      <a:lt2>
+        <a:srgbClr val="E7E6E6"/>
+      </a:lt2>
+      <a:accent1>
+        <a:srgbClr val="5B9BD5"/>
+      </a:accent1>
+      <a:accent2>
+        <a:srgbClr val="ED7D31"/>
+      </a:accent2>
+      <a:accent3>
+        <a:srgbClr val="A5A5A5"/>
+      </a:accent3>
+      <a:accent4>
+        <a:srgbClr val="FFC000"/>
+      </a:accent4>
+      <a:accent5>
+        <a:srgbClr val="4472C4"/>
+      </a:accent5>
+      <a:accent6>
+        <a:srgbClr val="70AD47"/>
+      </a:accent6>
+      <a:hlink>
+        <a:srgbClr val="0563C1"/>
+      </a:hlink>
+      <a:folHlink>
+        <a:srgbClr val="954F72"/>
+      </a:folHlink>
+    </a:clrScheme>
+    <a:fontScheme name="Office">
+      <a:majorFont>
+        <a:latin typeface="Calibri Light" panose="020F0302020204030204"/>
+        <a:ea typeface=""/>
+        <a:cs typeface=""/>
+        <a:font script="Jpan" typeface="ＭＳ Ｐゴシック"/>
+        <a:font script="Hang" typeface="맑은 고딕"/>
+        <a:font script="Hans" typeface="宋体"/>
+        <a:font script="Hant" typeface="新細明體"/>
+        <a:font script="Arab" typeface="Times New Roman"/>
+        <a:font script="Hebr" typeface="Times New Roman"/>
+        <a:font script="Thai" typeface="Angsana New"/>
+        <a:font script="Ethi" typeface="Nyala"/>
+        <a:font script="Beng" typeface="Vrinda"/>
+        <a:font script="Gujr" typeface="Shruti"/>
+        <a:font script="Khmr" typeface="MoolBoran"/>
+        <a:font script="Knda" typeface="Tunga"/>
+        <a:font script="Guru" typeface="Raavi"/>
+        <a:font script="Cans" typeface="Euphemia"/>
+        <a:font script="Cher" typeface="Plantagenet Cherokee"/>
+        <a:font script="Yiii" typeface="Microsoft Yi Baiti"/>
+        <a:font script="Tibt" typeface="Microsoft Himalaya"/>
+        <a:font script="Thaa" typeface="MV Boli"/>
+        <a:font script="Deva" typeface="Mangal"/>
+        <a:font script="Telu" typeface="Gautami"/>
+        <a:font script="Taml" typeface="Latha"/>
+        <a:font script="Syrc" typeface="Estrangelo Edessa"/>
+        <a:font script="Orya" typeface="Kalinga"/>
+        <a:font script="Mlym" typeface="Kartika"/>
+        <a:font script="Laoo" typeface="DokChampa"/>
+        <a:font script="Sinh" typeface="Iskoola Pota"/>
+        <a:font script="Mong" typeface="Mongolian Baiti"/>
+        <a:font script="Viet" typeface="Times New Roman"/>
+        <a:font script="Uigh" typeface="Microsoft Uighur"/>
+        <a:font script="Geor" typeface="Sylfaen"/>
+      </a:majorFont>
+      <a:minorFont>
+        <a:latin typeface="Calibri" panose="020F0502020204030204"/>
+        <a:ea typeface=""/>
+        <a:cs typeface=""/>
+        <a:font script="Jpan" typeface="ＭＳ Ｐゴシック"/>
+        <a:font script="Hang" typeface="맑은 고딕"/>
+        <a:font script="Hans" typeface="宋体"/>
+        <a:font script="Hant" typeface="新細明體"/>
+        <a:font script="Arab" typeface="Arial"/>
+        <a:font script="Hebr" typeface="Arial"/>
+        <a:font script="Thai" typeface="Cordia New"/>
+        <a:font script="Ethi" typeface="Nyala"/>
+        <a:font script="Beng" typeface="Vrinda"/>
+        <a:font script="Gujr" typeface="Shruti"/>
+        <a:font script="Khmr" typeface="DaunPenh"/>
+        <a:font script="Knda" typeface="Tunga"/>
+        <a:font script="Guru" typeface="Raavi"/>
+        <a:font script="Cans" typeface="Euphemia"/>
+        <a:font script="Cher" typeface="Plantagenet Cherokee"/>
+        <a:font script="Yiii" typeface="Microsoft Yi Baiti"/>
+        <a:font script="Tibt" typeface="Microsoft Himalaya"/>
+        <a:font script="Thaa" typeface="MV Boli"/>
+        <a:font script="Deva" typeface="Mangal"/>
+        <a:font script="Telu" typeface="Gautami"/>
+        <a:font script="Taml" typeface="Latha"/>
+        <a:font script="Syrc" typeface="Estrangelo Edessa"/>
+        <a:font script="Orya" typeface="Kalinga"/>
+        <a:font script="Mlym" typeface="Kartika"/>
+        <a:font script="Laoo" typeface="DokChampa"/>
+        <a:font script="Sinh" typeface="Iskoola Pota"/>
+        <a:font script="Mong" typeface="Mongolian Baiti"/>
+        <a:font script="Viet" typeface="Arial"/>
+        <a:font script="Uigh" typeface="Microsoft Uighur"/>
+        <a:font script="Geor" typeface="Sylfaen"/>
+      </a:minorFont>
+    </a:fontScheme>
+    <a:fmtScheme name="Office">
+      <a:fillStyleLst>
+        <a:solidFill>
+          <a:schemeClr val="phClr"/>
+        </a:solidFill>
+        <a:gradFill rotWithShape="1">
+          <a:gsLst>
+            <a:gs pos="0">
+              <a:schemeClr val="phClr">
+                <a:lumMod val="110000"/>
+                <a:satMod val="105000"/>
+                <a:tint val="67000"/>
+              </a:schemeClr>
+            </a:gs>
+            <a:gs pos="50000">
+              <a:schemeClr val="phClr">
+                <a:lumMod val="105000"/>
+                <a:satMod val="103000"/>
+                <a:tint val="73000"/>
+              </a:schemeClr>
+            </a:gs>
+            <a:gs pos="100000">
+              <a:schemeClr val="phClr">
+                <a:lumMod val="105000"/>
+                <a:satMod val="109000"/>
+                <a:tint val="81000"/>
+              </a:schemeClr>
+            </a:gs>
+          </a:gsLst>
+          <a:lin ang="5400000" scaled="0"/>
+        </a:gradFill>
+        <a:gradFill rotWithShape="1">
+          <a:gsLst>
+            <a:gs pos="0">
+              <a:schemeClr val="phClr">
+                <a:satMod val="103000"/>
+                <a:lumMod val="102000"/>
+                <a:tint val="94000"/>
+              </a:schemeClr>
+            </a:gs>
+            <a:gs pos="50000">
+              <a:schemeClr val="phClr">
+                <a:satMod val="110000"/>
+                <a:lumMod val="100000"/>
+                <a:shade val="100000"/>
+              </a:schemeClr>
+            </a:gs>
+            <a:gs pos="100000">
+              <a:schemeClr val="phClr">
+                <a:lumMod val="99000"/>
+                <a:satMod val="120000"/>
+                <a:shade val="78000"/>
+              </a:schemeClr>
+            </a:gs>
+          </a:gsLst>
+          <a:lin ang="5400000" scaled="0"/>
+        </a:gradFill>
+      </a:fillStyleLst>
+      <a:lnStyleLst>
+        <a:ln w="6350" cap="flat" cmpd="sng" algn="ctr">
+          <a:solidFill>
+            <a:schemeClr val="phClr"/>
+          </a:solidFill>
+          <a:prstDash val="solid"/>
+          <a:miter lim="800000"/>
+        </a:ln>
+        <a:ln w="12700" cap="flat" cmpd="sng" algn="ctr">
+          <a:solidFill>
+            <a:schemeClr val="phClr"/>
+          </a:solidFill>
+          <a:prstDash val="solid"/>
+          <a:miter lim="800000"/>
+        </a:ln>
+        <a:ln w="19050" cap="flat" cmpd="sng" algn="ctr">
+          <a:solidFill>
+            <a:schemeClr val="phClr"/>
+          </a:solidFill>
+          <a:prstDash val="solid"/>
+          <a:miter lim="800000"/>
+        </a:ln>
+      </a:lnStyleLst>
+      <a:effectStyleLst>
+        <a:effectStyle>
+          <a:effectLst/>
+        </a:effectStyle>
+        <a:effectStyle>
+          <a:effectLst/>
+        </a:effectStyle>
+        <a:effectStyle>
+          <a:effectLst>
+            <a:outerShdw blurRad="57150" dist="19050" dir="5400000" algn="ctr" rotWithShape="0">
+              <a:srgbClr val="000000">
+                <a:alpha val="63000"/>
+              </a:srgbClr>
+            </a:outerShdw>
+          </a:effectLst>
+        </a:effectStyle>
+      </a:effectStyleLst>
+      <a:bgFillStyleLst>
+        <a:solidFill>
+          <a:schemeClr val="phClr"/>
+        </a:solidFill>
+        <a:solidFill>
+          <a:schemeClr val="phClr">
+            <a:tint val="95000"/>
+            <a:satMod val="170000"/>
+          </a:schemeClr>
+        </a:solidFill>
+        <a:gradFill rotWithShape="1">
+          <a:gsLst>
+            <a:gs pos="0">
+              <a:schemeClr val="phClr">
+                <a:tint val="93000"/>
+                <a:satMod val="150000"/>
+                <a:shade val="98000"/>
+                <a:lumMod val="102000"/>
+              </a:schemeClr>
+            </a:gs>
+            <a:gs pos="50000">
+              <a:schemeClr val="phClr">
+                <a:tint val="98000"/>
+                <a:satMod val="130000"/>
+                <a:shade val="90000"/>
+                <a:lumMod val="103000"/>
+              </a:schemeClr>
+            </a:gs>
+            <a:gs pos="100000">
+              <a:schemeClr val="phClr">
+                <a:shade val="63000"/>
+                <a:satMod val="120000"/>
+              </a:schemeClr>
+            </a:gs>
+          </a:gsLst>
+          <a:lin ang="5400000" scaled="0"/>
+        </a:gradFill>
+      </a:bgFillStyleLst>
+    </a:fmtScheme>
+  </a:themeElements>
+  <a:objectDefaults/>
+  <a:extraClrSchemeLst/>
+  <a:extLst>
+    <a:ext uri="{05A4C25C-085E-4340-85A3-A5531E510DB2}">
+      <thm15:themeFamily xmlns:thm15="http://schemas.microsoft.com/office/thememl/2012/main" name="Office Theme" id="{62F939B6-93AF-4DB8-9C6B-D6C7DFDC589F}" vid="{4A3C46E8-61CC-4603-A589-7422A47A8E4A}"/>
+    </a:ext>
+  </a:extLst>
+</a:theme>
 </file>
--- a/docs/images/UiComponent.pptx
+++ b/docs/images/UiComponent.pptx
@@ -13,7 +13,7 @@
   <p:sldIdLst>
     <p:sldId id="256" r:id="rId2"/>
   </p:sldIdLst>
-  <p:sldSz cx="10080625" cy="7559675"/>
+  <p:sldSz cx="10439400" cy="7559675"/>
   <p:notesSz cx="6858000" cy="9144000"/>
   <p:defaultTextStyle>
     <a:defPPr>
@@ -118,7 +118,7 @@
             <a:srgbClr val="A4A3A4"/>
           </p15:clr>
         </p15:guide>
-        <p15:guide id="2" pos="3176" userDrawn="1">
+        <p15:guide id="2" pos="3289" userDrawn="1">
           <p15:clr>
             <a:srgbClr val="A4A3A4"/>
           </p15:clr>
@@ -214,7 +214,7 @@
           <a:p>
             <a:fld id="{DAE90588-295F-46D9-AA84-06B159A30412}" type="datetimeFigureOut">
               <a:rPr lang="en-AU" smtClean="0"/>
-              <a:t>28/01/2017</a:t>
+              <a:t>31/01/2017</a:t>
             </a:fld>
             <a:endParaRPr lang="en-AU"/>
           </a:p>
@@ -379,7 +379,7 @@
           <a:p>
             <a:fld id="{DC50A2AC-D691-437C-A69B-81ECFE08AD4B}" type="datetimeFigureOut">
               <a:rPr lang="en-SG" smtClean="0"/>
-              <a:t>28/1/2017</a:t>
+              <a:t>31/1/2017</a:t>
             </a:fld>
             <a:endParaRPr lang="en-SG"/>
           </a:p>
@@ -397,8 +397,8 @@
         </p:nvSpPr>
         <p:spPr>
           <a:xfrm>
-            <a:off x="1143000" y="685800"/>
-            <a:ext cx="4572000" cy="3429000"/>
+            <a:off x="1062038" y="685800"/>
+            <a:ext cx="4733925" cy="3429000"/>
           </a:xfrm>
           <a:prstGeom prst="rect">
             <a:avLst/>
@@ -676,8 +676,8 @@
         </p:nvSpPr>
         <p:spPr>
           <a:xfrm>
-            <a:off x="1143000" y="685800"/>
-            <a:ext cx="4572000" cy="3429000"/>
+            <a:off x="1062038" y="685800"/>
+            <a:ext cx="4733925" cy="3429000"/>
           </a:xfrm>
         </p:spPr>
       </p:sp>
@@ -765,8 +765,8 @@
         </p:nvSpPr>
         <p:spPr>
           <a:xfrm>
-            <a:off x="756047" y="2348405"/>
-            <a:ext cx="8568532" cy="1620431"/>
+            <a:off x="782955" y="2348406"/>
+            <a:ext cx="8873491" cy="1620431"/>
           </a:xfrm>
           <a:prstGeom prst="rect">
             <a:avLst/>
@@ -796,8 +796,8 @@
         </p:nvSpPr>
         <p:spPr>
           <a:xfrm>
-            <a:off x="1512103" y="4283818"/>
-            <a:ext cx="7056437" cy="1931918"/>
+            <a:off x="1565920" y="4283818"/>
+            <a:ext cx="7307579" cy="1931918"/>
           </a:xfrm>
           <a:prstGeom prst="rect">
             <a:avLst/>
@@ -918,8 +918,8 @@
         </p:nvSpPr>
         <p:spPr>
           <a:xfrm>
-            <a:off x="504032" y="7006702"/>
-            <a:ext cx="2352146" cy="402482"/>
+            <a:off x="521971" y="7006702"/>
+            <a:ext cx="2435860" cy="402482"/>
           </a:xfrm>
           <a:prstGeom prst="rect">
             <a:avLst/>
@@ -932,7 +932,7 @@
             <a:fld id="{1D8BD707-D9CF-40AE-B4C6-C98DA3205C09}" type="datetimeFigureOut">
               <a:rPr lang="en-US" smtClean="0"/>
               <a:pPr/>
-              <a:t>1/28/2017</a:t>
+              <a:t>1/31/2017</a:t>
             </a:fld>
             <a:endParaRPr lang="en-US"/>
           </a:p>
@@ -950,8 +950,8 @@
         </p:nvSpPr>
         <p:spPr>
           <a:xfrm>
-            <a:off x="3444215" y="7006702"/>
-            <a:ext cx="3192198" cy="402482"/>
+            <a:off x="3566797" y="7006702"/>
+            <a:ext cx="3305810" cy="402482"/>
           </a:xfrm>
           <a:prstGeom prst="rect">
             <a:avLst/>
@@ -977,8 +977,8 @@
         </p:nvSpPr>
         <p:spPr>
           <a:xfrm>
-            <a:off x="7224449" y="7006702"/>
-            <a:ext cx="2352146" cy="402482"/>
+            <a:off x="7481571" y="7006702"/>
+            <a:ext cx="2435860" cy="402482"/>
           </a:xfrm>
           <a:prstGeom prst="rect">
             <a:avLst/>
@@ -1034,8 +1034,8 @@
         </p:nvSpPr>
         <p:spPr>
           <a:xfrm>
-            <a:off x="504040" y="302741"/>
-            <a:ext cx="9072563" cy="1259946"/>
+            <a:off x="521979" y="302741"/>
+            <a:ext cx="9395461" cy="1259946"/>
           </a:xfrm>
           <a:prstGeom prst="rect">
             <a:avLst/>
@@ -1065,8 +1065,8 @@
         </p:nvSpPr>
         <p:spPr>
           <a:xfrm>
-            <a:off x="504040" y="1763930"/>
-            <a:ext cx="9072563" cy="4989036"/>
+            <a:off x="521979" y="1763930"/>
+            <a:ext cx="9395461" cy="4989036"/>
           </a:xfrm>
           <a:prstGeom prst="rect">
             <a:avLst/>
@@ -1125,8 +1125,8 @@
         </p:nvSpPr>
         <p:spPr>
           <a:xfrm>
-            <a:off x="504032" y="7006702"/>
-            <a:ext cx="2352146" cy="402482"/>
+            <a:off x="521971" y="7006702"/>
+            <a:ext cx="2435860" cy="402482"/>
           </a:xfrm>
           <a:prstGeom prst="rect">
             <a:avLst/>
@@ -1139,7 +1139,7 @@
             <a:fld id="{1D8BD707-D9CF-40AE-B4C6-C98DA3205C09}" type="datetimeFigureOut">
               <a:rPr lang="en-US" smtClean="0"/>
               <a:pPr/>
-              <a:t>1/28/2017</a:t>
+              <a:t>1/31/2017</a:t>
             </a:fld>
             <a:endParaRPr lang="en-US"/>
           </a:p>
@@ -1157,8 +1157,8 @@
         </p:nvSpPr>
         <p:spPr>
           <a:xfrm>
-            <a:off x="3444215" y="7006702"/>
-            <a:ext cx="3192198" cy="402482"/>
+            <a:off x="3566797" y="7006702"/>
+            <a:ext cx="3305810" cy="402482"/>
           </a:xfrm>
           <a:prstGeom prst="rect">
             <a:avLst/>
@@ -1184,8 +1184,8 @@
         </p:nvSpPr>
         <p:spPr>
           <a:xfrm>
-            <a:off x="7224449" y="7006702"/>
-            <a:ext cx="2352146" cy="402482"/>
+            <a:off x="7481571" y="7006702"/>
+            <a:ext cx="2435860" cy="402482"/>
           </a:xfrm>
           <a:prstGeom prst="rect">
             <a:avLst/>
@@ -1241,8 +1241,8 @@
         </p:nvSpPr>
         <p:spPr>
           <a:xfrm>
-            <a:off x="7308458" y="302740"/>
-            <a:ext cx="2268141" cy="6450223"/>
+            <a:off x="7568571" y="302741"/>
+            <a:ext cx="2348865" cy="6450223"/>
           </a:xfrm>
           <a:prstGeom prst="rect">
             <a:avLst/>
@@ -1272,8 +1272,8 @@
         </p:nvSpPr>
         <p:spPr>
           <a:xfrm>
-            <a:off x="504035" y="302740"/>
-            <a:ext cx="6636411" cy="6450223"/>
+            <a:off x="521974" y="302741"/>
+            <a:ext cx="6872605" cy="6450223"/>
           </a:xfrm>
           <a:prstGeom prst="rect">
             <a:avLst/>
@@ -1332,8 +1332,8 @@
         </p:nvSpPr>
         <p:spPr>
           <a:xfrm>
-            <a:off x="504032" y="7006702"/>
-            <a:ext cx="2352146" cy="402482"/>
+            <a:off x="521971" y="7006702"/>
+            <a:ext cx="2435860" cy="402482"/>
           </a:xfrm>
           <a:prstGeom prst="rect">
             <a:avLst/>
@@ -1346,7 +1346,7 @@
             <a:fld id="{1D8BD707-D9CF-40AE-B4C6-C98DA3205C09}" type="datetimeFigureOut">
               <a:rPr lang="en-US" smtClean="0"/>
               <a:pPr/>
-              <a:t>1/28/2017</a:t>
+              <a:t>1/31/2017</a:t>
             </a:fld>
             <a:endParaRPr lang="en-US"/>
           </a:p>
@@ -1364,8 +1364,8 @@
         </p:nvSpPr>
         <p:spPr>
           <a:xfrm>
-            <a:off x="3444215" y="7006702"/>
-            <a:ext cx="3192198" cy="402482"/>
+            <a:off x="3566797" y="7006702"/>
+            <a:ext cx="3305810" cy="402482"/>
           </a:xfrm>
           <a:prstGeom prst="rect">
             <a:avLst/>
@@ -1391,8 +1391,8 @@
         </p:nvSpPr>
         <p:spPr>
           <a:xfrm>
-            <a:off x="7224449" y="7006702"/>
-            <a:ext cx="2352146" cy="402482"/>
+            <a:off x="7481571" y="7006702"/>
+            <a:ext cx="2435860" cy="402482"/>
           </a:xfrm>
           <a:prstGeom prst="rect">
             <a:avLst/>
@@ -1448,8 +1448,8 @@
         </p:nvSpPr>
         <p:spPr>
           <a:xfrm>
-            <a:off x="504040" y="302741"/>
-            <a:ext cx="9072563" cy="1259946"/>
+            <a:off x="521979" y="302741"/>
+            <a:ext cx="9395461" cy="1259946"/>
           </a:xfrm>
           <a:prstGeom prst="rect">
             <a:avLst/>
@@ -1479,8 +1479,8 @@
         </p:nvSpPr>
         <p:spPr>
           <a:xfrm>
-            <a:off x="504040" y="1763930"/>
-            <a:ext cx="9072563" cy="4989036"/>
+            <a:off x="521979" y="1763930"/>
+            <a:ext cx="9395461" cy="4989036"/>
           </a:xfrm>
           <a:prstGeom prst="rect">
             <a:avLst/>
@@ -1539,8 +1539,8 @@
         </p:nvSpPr>
         <p:spPr>
           <a:xfrm>
-            <a:off x="504032" y="7006702"/>
-            <a:ext cx="2352146" cy="402482"/>
+            <a:off x="521971" y="7006702"/>
+            <a:ext cx="2435860" cy="402482"/>
           </a:xfrm>
           <a:prstGeom prst="rect">
             <a:avLst/>
@@ -1553,7 +1553,7 @@
             <a:fld id="{1D8BD707-D9CF-40AE-B4C6-C98DA3205C09}" type="datetimeFigureOut">
               <a:rPr lang="en-US" smtClean="0"/>
               <a:pPr/>
-              <a:t>1/28/2017</a:t>
+              <a:t>1/31/2017</a:t>
             </a:fld>
             <a:endParaRPr lang="en-US"/>
           </a:p>
@@ -1571,8 +1571,8 @@
         </p:nvSpPr>
         <p:spPr>
           <a:xfrm>
-            <a:off x="3444215" y="7006702"/>
-            <a:ext cx="3192198" cy="402482"/>
+            <a:off x="3566797" y="7006702"/>
+            <a:ext cx="3305810" cy="402482"/>
           </a:xfrm>
           <a:prstGeom prst="rect">
             <a:avLst/>
@@ -1598,8 +1598,8 @@
         </p:nvSpPr>
         <p:spPr>
           <a:xfrm>
-            <a:off x="7224449" y="7006702"/>
-            <a:ext cx="2352146" cy="402482"/>
+            <a:off x="7481571" y="7006702"/>
+            <a:ext cx="2435860" cy="402482"/>
           </a:xfrm>
           <a:prstGeom prst="rect">
             <a:avLst/>
@@ -1655,8 +1655,8 @@
         </p:nvSpPr>
         <p:spPr>
           <a:xfrm>
-            <a:off x="796301" y="4857796"/>
-            <a:ext cx="8568532" cy="1501436"/>
+            <a:off x="824642" y="4857796"/>
+            <a:ext cx="8873491" cy="1501436"/>
           </a:xfrm>
           <a:prstGeom prst="rect">
             <a:avLst/>
@@ -1690,8 +1690,8 @@
         </p:nvSpPr>
         <p:spPr>
           <a:xfrm>
-            <a:off x="796301" y="3204117"/>
-            <a:ext cx="8568532" cy="1653679"/>
+            <a:off x="824642" y="3204118"/>
+            <a:ext cx="8873491" cy="1653679"/>
           </a:xfrm>
           <a:prstGeom prst="rect">
             <a:avLst/>
@@ -1812,8 +1812,8 @@
         </p:nvSpPr>
         <p:spPr>
           <a:xfrm>
-            <a:off x="504032" y="7006702"/>
-            <a:ext cx="2352146" cy="402482"/>
+            <a:off x="521971" y="7006702"/>
+            <a:ext cx="2435860" cy="402482"/>
           </a:xfrm>
           <a:prstGeom prst="rect">
             <a:avLst/>
@@ -1826,7 +1826,7 @@
             <a:fld id="{1D8BD707-D9CF-40AE-B4C6-C98DA3205C09}" type="datetimeFigureOut">
               <a:rPr lang="en-US" smtClean="0"/>
               <a:pPr/>
-              <a:t>1/28/2017</a:t>
+              <a:t>1/31/2017</a:t>
             </a:fld>
             <a:endParaRPr lang="en-US"/>
           </a:p>
@@ -1844,8 +1844,8 @@
         </p:nvSpPr>
         <p:spPr>
           <a:xfrm>
-            <a:off x="3444215" y="7006702"/>
-            <a:ext cx="3192198" cy="402482"/>
+            <a:off x="3566797" y="7006702"/>
+            <a:ext cx="3305810" cy="402482"/>
           </a:xfrm>
           <a:prstGeom prst="rect">
             <a:avLst/>
@@ -1871,8 +1871,8 @@
         </p:nvSpPr>
         <p:spPr>
           <a:xfrm>
-            <a:off x="7224449" y="7006702"/>
-            <a:ext cx="2352146" cy="402482"/>
+            <a:off x="7481571" y="7006702"/>
+            <a:ext cx="2435860" cy="402482"/>
           </a:xfrm>
           <a:prstGeom prst="rect">
             <a:avLst/>
@@ -1928,8 +1928,8 @@
         </p:nvSpPr>
         <p:spPr>
           <a:xfrm>
-            <a:off x="504040" y="302741"/>
-            <a:ext cx="9072563" cy="1259946"/>
+            <a:off x="521979" y="302741"/>
+            <a:ext cx="9395461" cy="1259946"/>
           </a:xfrm>
           <a:prstGeom prst="rect">
             <a:avLst/>
@@ -1959,8 +1959,8 @@
         </p:nvSpPr>
         <p:spPr>
           <a:xfrm>
-            <a:off x="504033" y="1763930"/>
-            <a:ext cx="4452276" cy="4989036"/>
+            <a:off x="521972" y="1763930"/>
+            <a:ext cx="4610735" cy="4989036"/>
           </a:xfrm>
           <a:prstGeom prst="rect">
             <a:avLst/>
@@ -2047,8 +2047,8 @@
         </p:nvSpPr>
         <p:spPr>
           <a:xfrm>
-            <a:off x="5124318" y="1763930"/>
-            <a:ext cx="4452276" cy="4989036"/>
+            <a:off x="5306695" y="1763930"/>
+            <a:ext cx="4610735" cy="4989036"/>
           </a:xfrm>
           <a:prstGeom prst="rect">
             <a:avLst/>
@@ -2135,8 +2135,8 @@
         </p:nvSpPr>
         <p:spPr>
           <a:xfrm>
-            <a:off x="504032" y="7006702"/>
-            <a:ext cx="2352146" cy="402482"/>
+            <a:off x="521971" y="7006702"/>
+            <a:ext cx="2435860" cy="402482"/>
           </a:xfrm>
           <a:prstGeom prst="rect">
             <a:avLst/>
@@ -2149,7 +2149,7 @@
             <a:fld id="{1D8BD707-D9CF-40AE-B4C6-C98DA3205C09}" type="datetimeFigureOut">
               <a:rPr lang="en-US" smtClean="0"/>
               <a:pPr/>
-              <a:t>1/28/2017</a:t>
+              <a:t>1/31/2017</a:t>
             </a:fld>
             <a:endParaRPr lang="en-US"/>
           </a:p>
@@ -2167,8 +2167,8 @@
         </p:nvSpPr>
         <p:spPr>
           <a:xfrm>
-            <a:off x="3444215" y="7006702"/>
-            <a:ext cx="3192198" cy="402482"/>
+            <a:off x="3566797" y="7006702"/>
+            <a:ext cx="3305810" cy="402482"/>
           </a:xfrm>
           <a:prstGeom prst="rect">
             <a:avLst/>
@@ -2194,8 +2194,8 @@
         </p:nvSpPr>
         <p:spPr>
           <a:xfrm>
-            <a:off x="7224449" y="7006702"/>
-            <a:ext cx="2352146" cy="402482"/>
+            <a:off x="7481571" y="7006702"/>
+            <a:ext cx="2435860" cy="402482"/>
           </a:xfrm>
           <a:prstGeom prst="rect">
             <a:avLst/>
@@ -2251,8 +2251,8 @@
         </p:nvSpPr>
         <p:spPr>
           <a:xfrm>
-            <a:off x="504040" y="302741"/>
-            <a:ext cx="9072563" cy="1259946"/>
+            <a:off x="521979" y="302741"/>
+            <a:ext cx="9395461" cy="1259946"/>
           </a:xfrm>
           <a:prstGeom prst="rect">
             <a:avLst/>
@@ -2286,8 +2286,8 @@
         </p:nvSpPr>
         <p:spPr>
           <a:xfrm>
-            <a:off x="504039" y="1692180"/>
-            <a:ext cx="4454027" cy="705219"/>
+            <a:off x="521979" y="1692181"/>
+            <a:ext cx="4612548" cy="705219"/>
           </a:xfrm>
           <a:prstGeom prst="rect">
             <a:avLst/>
@@ -2354,8 +2354,8 @@
         </p:nvSpPr>
         <p:spPr>
           <a:xfrm>
-            <a:off x="504039" y="2397403"/>
-            <a:ext cx="4454027" cy="4355563"/>
+            <a:off x="521979" y="2397404"/>
+            <a:ext cx="4612548" cy="4355563"/>
           </a:xfrm>
           <a:prstGeom prst="rect">
             <a:avLst/>
@@ -2442,8 +2442,8 @@
         </p:nvSpPr>
         <p:spPr>
           <a:xfrm>
-            <a:off x="5120820" y="1692180"/>
-            <a:ext cx="4455776" cy="705219"/>
+            <a:off x="5303073" y="1692181"/>
+            <a:ext cx="4614360" cy="705219"/>
           </a:xfrm>
           <a:prstGeom prst="rect">
             <a:avLst/>
@@ -2510,8 +2510,8 @@
         </p:nvSpPr>
         <p:spPr>
           <a:xfrm>
-            <a:off x="5120820" y="2397403"/>
-            <a:ext cx="4455776" cy="4355563"/>
+            <a:off x="5303073" y="2397404"/>
+            <a:ext cx="4614360" cy="4355563"/>
           </a:xfrm>
           <a:prstGeom prst="rect">
             <a:avLst/>
@@ -2598,8 +2598,8 @@
         </p:nvSpPr>
         <p:spPr>
           <a:xfrm>
-            <a:off x="504032" y="7006702"/>
-            <a:ext cx="2352146" cy="402482"/>
+            <a:off x="521971" y="7006702"/>
+            <a:ext cx="2435860" cy="402482"/>
           </a:xfrm>
           <a:prstGeom prst="rect">
             <a:avLst/>
@@ -2612,7 +2612,7 @@
             <a:fld id="{1D8BD707-D9CF-40AE-B4C6-C98DA3205C09}" type="datetimeFigureOut">
               <a:rPr lang="en-US" smtClean="0"/>
               <a:pPr/>
-              <a:t>1/28/2017</a:t>
+              <a:t>1/31/2017</a:t>
             </a:fld>
             <a:endParaRPr lang="en-US"/>
           </a:p>
@@ -2630,8 +2630,8 @@
         </p:nvSpPr>
         <p:spPr>
           <a:xfrm>
-            <a:off x="3444215" y="7006702"/>
-            <a:ext cx="3192198" cy="402482"/>
+            <a:off x="3566797" y="7006702"/>
+            <a:ext cx="3305810" cy="402482"/>
           </a:xfrm>
           <a:prstGeom prst="rect">
             <a:avLst/>
@@ -2657,8 +2657,8 @@
         </p:nvSpPr>
         <p:spPr>
           <a:xfrm>
-            <a:off x="7224449" y="7006702"/>
-            <a:ext cx="2352146" cy="402482"/>
+            <a:off x="7481571" y="7006702"/>
+            <a:ext cx="2435860" cy="402482"/>
           </a:xfrm>
           <a:prstGeom prst="rect">
             <a:avLst/>
@@ -2714,8 +2714,8 @@
         </p:nvSpPr>
         <p:spPr>
           <a:xfrm>
-            <a:off x="504040" y="302741"/>
-            <a:ext cx="9072563" cy="1259946"/>
+            <a:off x="521979" y="302741"/>
+            <a:ext cx="9395461" cy="1259946"/>
           </a:xfrm>
           <a:prstGeom prst="rect">
             <a:avLst/>
@@ -2745,8 +2745,8 @@
         </p:nvSpPr>
         <p:spPr>
           <a:xfrm>
-            <a:off x="504032" y="7006702"/>
-            <a:ext cx="2352146" cy="402482"/>
+            <a:off x="521971" y="7006702"/>
+            <a:ext cx="2435860" cy="402482"/>
           </a:xfrm>
           <a:prstGeom prst="rect">
             <a:avLst/>
@@ -2759,7 +2759,7 @@
             <a:fld id="{1D8BD707-D9CF-40AE-B4C6-C98DA3205C09}" type="datetimeFigureOut">
               <a:rPr lang="en-US" smtClean="0"/>
               <a:pPr/>
-              <a:t>1/28/2017</a:t>
+              <a:t>1/31/2017</a:t>
             </a:fld>
             <a:endParaRPr lang="en-US"/>
           </a:p>
@@ -2777,8 +2777,8 @@
         </p:nvSpPr>
         <p:spPr>
           <a:xfrm>
-            <a:off x="3444215" y="7006702"/>
-            <a:ext cx="3192198" cy="402482"/>
+            <a:off x="3566797" y="7006702"/>
+            <a:ext cx="3305810" cy="402482"/>
           </a:xfrm>
           <a:prstGeom prst="rect">
             <a:avLst/>
@@ -2804,8 +2804,8 @@
         </p:nvSpPr>
         <p:spPr>
           <a:xfrm>
-            <a:off x="7224449" y="7006702"/>
-            <a:ext cx="2352146" cy="402482"/>
+            <a:off x="7481571" y="7006702"/>
+            <a:ext cx="2435860" cy="402482"/>
           </a:xfrm>
           <a:prstGeom prst="rect">
             <a:avLst/>
@@ -2861,8 +2861,8 @@
         </p:nvSpPr>
         <p:spPr>
           <a:xfrm>
-            <a:off x="504032" y="7006702"/>
-            <a:ext cx="2352146" cy="402482"/>
+            <a:off x="521971" y="7006702"/>
+            <a:ext cx="2435860" cy="402482"/>
           </a:xfrm>
           <a:prstGeom prst="rect">
             <a:avLst/>
@@ -2875,7 +2875,7 @@
             <a:fld id="{1D8BD707-D9CF-40AE-B4C6-C98DA3205C09}" type="datetimeFigureOut">
               <a:rPr lang="en-US" smtClean="0"/>
               <a:pPr/>
-              <a:t>1/28/2017</a:t>
+              <a:t>1/31/2017</a:t>
             </a:fld>
             <a:endParaRPr lang="en-US"/>
           </a:p>
@@ -2893,8 +2893,8 @@
         </p:nvSpPr>
         <p:spPr>
           <a:xfrm>
-            <a:off x="3444215" y="7006702"/>
-            <a:ext cx="3192198" cy="402482"/>
+            <a:off x="3566797" y="7006702"/>
+            <a:ext cx="3305810" cy="402482"/>
           </a:xfrm>
           <a:prstGeom prst="rect">
             <a:avLst/>
@@ -2920,8 +2920,8 @@
         </p:nvSpPr>
         <p:spPr>
           <a:xfrm>
-            <a:off x="7224449" y="7006702"/>
-            <a:ext cx="2352146" cy="402482"/>
+            <a:off x="7481571" y="7006702"/>
+            <a:ext cx="2435860" cy="402482"/>
           </a:xfrm>
           <a:prstGeom prst="rect">
             <a:avLst/>
@@ -2977,8 +2977,8 @@
         </p:nvSpPr>
         <p:spPr>
           <a:xfrm>
-            <a:off x="504037" y="300989"/>
-            <a:ext cx="3316457" cy="1280946"/>
+            <a:off x="521976" y="300989"/>
+            <a:ext cx="3434492" cy="1280946"/>
           </a:xfrm>
           <a:prstGeom prst="rect">
             <a:avLst/>
@@ -3012,8 +3012,8 @@
         </p:nvSpPr>
         <p:spPr>
           <a:xfrm>
-            <a:off x="3941245" y="300988"/>
-            <a:ext cx="5635350" cy="6451972"/>
+            <a:off x="4081516" y="300988"/>
+            <a:ext cx="5835915" cy="6451972"/>
           </a:xfrm>
           <a:prstGeom prst="rect">
             <a:avLst/>
@@ -3100,8 +3100,8 @@
         </p:nvSpPr>
         <p:spPr>
           <a:xfrm>
-            <a:off x="504037" y="1581932"/>
-            <a:ext cx="3316457" cy="5171028"/>
+            <a:off x="521976" y="1581932"/>
+            <a:ext cx="3434492" cy="5171028"/>
           </a:xfrm>
           <a:prstGeom prst="rect">
             <a:avLst/>
@@ -3168,8 +3168,8 @@
         </p:nvSpPr>
         <p:spPr>
           <a:xfrm>
-            <a:off x="504032" y="7006702"/>
-            <a:ext cx="2352146" cy="402482"/>
+            <a:off x="521971" y="7006702"/>
+            <a:ext cx="2435860" cy="402482"/>
           </a:xfrm>
           <a:prstGeom prst="rect">
             <a:avLst/>
@@ -3182,7 +3182,7 @@
             <a:fld id="{1D8BD707-D9CF-40AE-B4C6-C98DA3205C09}" type="datetimeFigureOut">
               <a:rPr lang="en-US" smtClean="0"/>
               <a:pPr/>
-              <a:t>1/28/2017</a:t>
+              <a:t>1/31/2017</a:t>
             </a:fld>
             <a:endParaRPr lang="en-US"/>
           </a:p>
@@ -3200,8 +3200,8 @@
         </p:nvSpPr>
         <p:spPr>
           <a:xfrm>
-            <a:off x="3444215" y="7006702"/>
-            <a:ext cx="3192198" cy="402482"/>
+            <a:off x="3566797" y="7006702"/>
+            <a:ext cx="3305810" cy="402482"/>
           </a:xfrm>
           <a:prstGeom prst="rect">
             <a:avLst/>
@@ -3227,8 +3227,8 @@
         </p:nvSpPr>
         <p:spPr>
           <a:xfrm>
-            <a:off x="7224449" y="7006702"/>
-            <a:ext cx="2352146" cy="402482"/>
+            <a:off x="7481571" y="7006702"/>
+            <a:ext cx="2435860" cy="402482"/>
           </a:xfrm>
           <a:prstGeom prst="rect">
             <a:avLst/>
@@ -3284,8 +3284,8 @@
         </p:nvSpPr>
         <p:spPr>
           <a:xfrm>
-            <a:off x="1975882" y="5291774"/>
-            <a:ext cx="6048375" cy="624724"/>
+            <a:off x="2046205" y="5291774"/>
+            <a:ext cx="6263640" cy="624724"/>
           </a:xfrm>
           <a:prstGeom prst="rect">
             <a:avLst/>
@@ -3319,8 +3319,8 @@
         </p:nvSpPr>
         <p:spPr>
           <a:xfrm>
-            <a:off x="1975882" y="675475"/>
-            <a:ext cx="6048375" cy="4535805"/>
+            <a:off x="2046205" y="675476"/>
+            <a:ext cx="6263640" cy="4535805"/>
           </a:xfrm>
           <a:prstGeom prst="rect">
             <a:avLst/>
@@ -3383,8 +3383,8 @@
         </p:nvSpPr>
         <p:spPr>
           <a:xfrm>
-            <a:off x="1975882" y="5916500"/>
-            <a:ext cx="6048375" cy="887212"/>
+            <a:off x="2046205" y="5916500"/>
+            <a:ext cx="6263640" cy="887212"/>
           </a:xfrm>
           <a:prstGeom prst="rect">
             <a:avLst/>
@@ -3451,8 +3451,8 @@
         </p:nvSpPr>
         <p:spPr>
           <a:xfrm>
-            <a:off x="504032" y="7006702"/>
-            <a:ext cx="2352146" cy="402482"/>
+            <a:off x="521971" y="7006702"/>
+            <a:ext cx="2435860" cy="402482"/>
           </a:xfrm>
           <a:prstGeom prst="rect">
             <a:avLst/>
@@ -3465,7 +3465,7 @@
             <a:fld id="{1D8BD707-D9CF-40AE-B4C6-C98DA3205C09}" type="datetimeFigureOut">
               <a:rPr lang="en-US" smtClean="0"/>
               <a:pPr/>
-              <a:t>1/28/2017</a:t>
+              <a:t>1/31/2017</a:t>
             </a:fld>
             <a:endParaRPr lang="en-US"/>
           </a:p>
@@ -3483,8 +3483,8 @@
         </p:nvSpPr>
         <p:spPr>
           <a:xfrm>
-            <a:off x="3444215" y="7006702"/>
-            <a:ext cx="3192198" cy="402482"/>
+            <a:off x="3566797" y="7006702"/>
+            <a:ext cx="3305810" cy="402482"/>
           </a:xfrm>
           <a:prstGeom prst="rect">
             <a:avLst/>
@@ -3510,8 +3510,8 @@
         </p:nvSpPr>
         <p:spPr>
           <a:xfrm>
-            <a:off x="7224449" y="7006702"/>
-            <a:ext cx="2352146" cy="402482"/>
+            <a:off x="7481571" y="7006702"/>
+            <a:ext cx="2435860" cy="402482"/>
           </a:xfrm>
           <a:prstGeom prst="rect">
             <a:avLst/>
@@ -3568,8 +3568,8 @@
         </p:nvSpPr>
         <p:spPr>
           <a:xfrm>
-            <a:off x="1151740" y="158773"/>
-            <a:ext cx="8155772" cy="7242130"/>
+            <a:off x="1333501" y="158773"/>
+            <a:ext cx="8305270" cy="7242130"/>
           </a:xfrm>
           <a:prstGeom prst="roundRect">
             <a:avLst>
@@ -3627,8 +3627,8 @@
         </p:nvGrpSpPr>
         <p:grpSpPr>
           <a:xfrm>
-            <a:off x="1309431" y="503237"/>
-            <a:ext cx="7812000" cy="1255734"/>
+            <a:off x="1490873" y="503237"/>
+            <a:ext cx="7955196" cy="1255734"/>
             <a:chOff x="-4503450" y="1371600"/>
             <a:chExt cx="5636997" cy="4166353"/>
           </a:xfrm>
@@ -3688,7 +3688,17 @@
                     </a:schemeClr>
                   </a:solidFill>
                 </a:rPr>
-                <a:t>ui:automated</a:t>
+                <a:t>ui</a:t>
+              </a:r>
+              <a:r>
+                <a:rPr lang="en-SG" sz="1400" b="1" dirty="0" smtClean="0">
+                  <a:solidFill>
+                    <a:schemeClr val="accent1">
+                      <a:lumMod val="75000"/>
+                    </a:schemeClr>
+                  </a:solidFill>
+                </a:rPr>
+                <a:t>::automated</a:t>
               </a:r>
               <a:endParaRPr lang="en-SG" sz="1400" b="1" dirty="0">
                 <a:solidFill>
@@ -3762,8 +3772,8 @@
         </p:nvGrpSpPr>
         <p:grpSpPr>
           <a:xfrm>
-            <a:off x="1309437" y="5075237"/>
-            <a:ext cx="4204033" cy="2209800"/>
+            <a:off x="1504438" y="5075237"/>
+            <a:ext cx="4281095" cy="2209800"/>
             <a:chOff x="-6244711" y="1678727"/>
             <a:chExt cx="7387711" cy="2677315"/>
           </a:xfrm>
@@ -3907,8 +3917,8 @@
         </p:nvSpPr>
         <p:spPr>
           <a:xfrm>
-            <a:off x="9514342" y="158773"/>
-            <a:ext cx="914400" cy="7284232"/>
+            <a:off x="9868745" y="158773"/>
+            <a:ext cx="931162" cy="7284232"/>
           </a:xfrm>
           <a:prstGeom prst="roundRect">
             <a:avLst>
@@ -3965,8 +3975,8 @@
         </p:nvSpPr>
         <p:spPr>
           <a:xfrm>
-            <a:off x="9971542" y="-93860"/>
-            <a:ext cx="609600" cy="7747394"/>
+            <a:off x="10336957" y="-93860"/>
+            <a:ext cx="620774" cy="7747394"/>
           </a:xfrm>
           <a:prstGeom prst="rect">
             <a:avLst/>
@@ -4014,8 +4024,8 @@
         </p:nvGrpSpPr>
         <p:grpSpPr>
           <a:xfrm>
-            <a:off x="1322530" y="1874837"/>
-            <a:ext cx="7812000" cy="3124201"/>
+            <a:off x="1504438" y="1874838"/>
+            <a:ext cx="7955196" cy="3124201"/>
             <a:chOff x="-4503450" y="1371600"/>
             <a:chExt cx="5636997" cy="10365672"/>
           </a:xfrm>
@@ -4075,7 +4085,17 @@
                     </a:schemeClr>
                   </a:solidFill>
                 </a:rPr>
-                <a:t>ui:controller</a:t>
+                <a:t>ui</a:t>
+              </a:r>
+              <a:r>
+                <a:rPr lang="en-SG" sz="1400" b="1" dirty="0" smtClean="0">
+                  <a:solidFill>
+                    <a:schemeClr val="accent1">
+                      <a:lumMod val="75000"/>
+                    </a:schemeClr>
+                  </a:solidFill>
+                </a:rPr>
+                <a:t>::controller</a:t>
               </a:r>
               <a:endParaRPr lang="en-SG" sz="1400" b="1" dirty="0">
                 <a:solidFill>
@@ -4149,10 +4169,10 @@
         </p:nvGrpSpPr>
         <p:grpSpPr>
           <a:xfrm>
-            <a:off x="5667105" y="5075237"/>
-            <a:ext cx="3470567" cy="1066800"/>
+            <a:off x="5928704" y="5075237"/>
+            <a:ext cx="3544192" cy="1066800"/>
             <a:chOff x="5576821" y="5075237"/>
-            <a:chExt cx="3470567" cy="1066800"/>
+            <a:chExt cx="3480396" cy="1066800"/>
           </a:xfrm>
         </p:grpSpPr>
         <p:sp>
@@ -4249,7 +4269,7 @@
           </p:nvSpPr>
           <p:spPr>
             <a:xfrm>
-              <a:off x="8892516" y="5075237"/>
+              <a:off x="8902345" y="5075237"/>
               <a:ext cx="154872" cy="792000"/>
             </a:xfrm>
             <a:prstGeom prst="rect">
@@ -4305,8 +4325,8 @@
         </p:nvGrpSpPr>
         <p:grpSpPr>
           <a:xfrm>
-            <a:off x="5667105" y="6238070"/>
-            <a:ext cx="3478669" cy="1066800"/>
+            <a:off x="5928843" y="6238070"/>
+            <a:ext cx="3542435" cy="1066800"/>
             <a:chOff x="5667105" y="6238070"/>
             <a:chExt cx="3478669" cy="1066800"/>
           </a:xfrm>
@@ -4731,13 +4751,13 @@
       </p:grpSpPr>
       <p:sp>
         <p:nvSpPr>
-          <p:cNvPr id="67" name="Rectangle 66"/>
+          <p:cNvPr id="88" name="Rectangle 87"/>
           <p:cNvSpPr/>
           <p:nvPr/>
         </p:nvSpPr>
         <p:spPr>
           <a:xfrm>
-            <a:off x="6614112" y="1126069"/>
+            <a:off x="6907207" y="1126069"/>
             <a:ext cx="2160000" cy="360000"/>
           </a:xfrm>
           <a:prstGeom prst="rect">
@@ -4775,13 +4795,13 @@
       </p:sp>
       <p:sp>
         <p:nvSpPr>
-          <p:cNvPr id="68" name="Rectangle 67"/>
+          <p:cNvPr id="89" name="Rectangle 88"/>
           <p:cNvSpPr/>
           <p:nvPr/>
         </p:nvSpPr>
         <p:spPr>
           <a:xfrm>
-            <a:off x="4023312" y="1039613"/>
+            <a:off x="4316407" y="1039613"/>
             <a:ext cx="2160000" cy="522656"/>
           </a:xfrm>
           <a:prstGeom prst="rect">
@@ -4830,13 +4850,13 @@
       </p:sp>
       <p:sp>
         <p:nvSpPr>
-          <p:cNvPr id="69" name="Rectangle 68"/>
+          <p:cNvPr id="90" name="Rectangle 89"/>
           <p:cNvSpPr/>
           <p:nvPr/>
         </p:nvSpPr>
         <p:spPr>
           <a:xfrm>
-            <a:off x="1432512" y="1120941"/>
+            <a:off x="1725607" y="1120941"/>
             <a:ext cx="2160000" cy="360000"/>
           </a:xfrm>
           <a:prstGeom prst="rect">
@@ -4874,16 +4894,16 @@
       </p:sp>
       <p:cxnSp>
         <p:nvCxnSpPr>
-          <p:cNvPr id="71" name="Elbow Connector 70"/>
+          <p:cNvPr id="91" name="Elbow Connector 90"/>
           <p:cNvCxnSpPr>
-            <a:stCxn id="68" idx="3"/>
-            <a:endCxn id="67" idx="1"/>
+            <a:stCxn id="89" idx="3"/>
+            <a:endCxn id="88" idx="1"/>
           </p:cNvCxnSpPr>
           <p:nvPr/>
         </p:nvCxnSpPr>
         <p:spPr>
           <a:xfrm>
-            <a:off x="6183312" y="1300941"/>
+            <a:off x="6476407" y="1300941"/>
             <a:ext cx="430800" cy="0"/>
           </a:xfrm>
           <a:prstGeom prst="bentConnector3">
@@ -4918,13 +4938,13 @@
       </p:cxnSp>
       <p:sp>
         <p:nvSpPr>
-          <p:cNvPr id="72" name="TextBox 71"/>
+          <p:cNvPr id="92" name="TextBox 91"/>
           <p:cNvSpPr txBox="1"/>
           <p:nvPr/>
         </p:nvSpPr>
         <p:spPr>
           <a:xfrm>
-            <a:off x="5726112" y="731837"/>
+            <a:off x="6019207" y="731837"/>
             <a:ext cx="1169400" cy="267536"/>
           </a:xfrm>
           <a:prstGeom prst="rect">
@@ -5045,16 +5065,16 @@
       </p:sp>
       <p:cxnSp>
         <p:nvCxnSpPr>
-          <p:cNvPr id="108" name="Straight Arrow Connector 107"/>
+          <p:cNvPr id="93" name="Straight Arrow Connector 92"/>
           <p:cNvCxnSpPr>
-            <a:stCxn id="69" idx="3"/>
-            <a:endCxn id="68" idx="1"/>
+            <a:stCxn id="90" idx="3"/>
+            <a:endCxn id="89" idx="1"/>
           </p:cNvCxnSpPr>
           <p:nvPr/>
         </p:nvCxnSpPr>
         <p:spPr>
           <a:xfrm>
-            <a:off x="3592513" y="1300941"/>
+            <a:off x="3885608" y="1300941"/>
             <a:ext cx="430800" cy="0"/>
           </a:xfrm>
           <a:prstGeom prst="straightConnector1">
@@ -5087,13 +5107,13 @@
       </p:cxnSp>
       <p:sp>
         <p:nvSpPr>
-          <p:cNvPr id="122" name="TextBox 121"/>
+          <p:cNvPr id="94" name="TextBox 93"/>
           <p:cNvSpPr txBox="1"/>
           <p:nvPr/>
         </p:nvSpPr>
         <p:spPr>
           <a:xfrm>
-            <a:off x="3350712" y="731840"/>
+            <a:off x="3643807" y="731840"/>
             <a:ext cx="914400" cy="252187"/>
           </a:xfrm>
           <a:prstGeom prst="rect">
@@ -5213,14 +5233,14 @@
       </p:sp>
       <p:cxnSp>
         <p:nvCxnSpPr>
-          <p:cNvPr id="123" name="Elbow Connector 122"/>
+          <p:cNvPr id="95" name="Elbow Connector 94"/>
           <p:cNvCxnSpPr/>
           <p:nvPr/>
         </p:nvCxnSpPr>
         <p:spPr>
           <a:xfrm>
-            <a:off x="8774113" y="1295814"/>
-            <a:ext cx="720000" cy="0"/>
+            <a:off x="9067208" y="1295814"/>
+            <a:ext cx="792000" cy="0"/>
           </a:xfrm>
           <a:prstGeom prst="bentConnector3">
             <a:avLst>
@@ -5254,13 +5274,13 @@
       </p:cxnSp>
       <p:sp>
         <p:nvSpPr>
-          <p:cNvPr id="124" name="Rectangle 123"/>
+          <p:cNvPr id="96" name="Rectangle 95"/>
           <p:cNvSpPr/>
           <p:nvPr/>
         </p:nvSpPr>
         <p:spPr>
           <a:xfrm>
-            <a:off x="6614112" y="2482565"/>
+            <a:off x="6907207" y="2482565"/>
             <a:ext cx="2160000" cy="360000"/>
           </a:xfrm>
           <a:prstGeom prst="rect">
@@ -5298,13 +5318,13 @@
       </p:sp>
       <p:sp>
         <p:nvSpPr>
-          <p:cNvPr id="136" name="Rectangle 135"/>
+          <p:cNvPr id="97" name="Rectangle 96"/>
           <p:cNvSpPr/>
           <p:nvPr/>
         </p:nvSpPr>
         <p:spPr>
           <a:xfrm>
-            <a:off x="4015520" y="2487411"/>
+            <a:off x="4308615" y="2487411"/>
             <a:ext cx="2160000" cy="360000"/>
           </a:xfrm>
           <a:prstGeom prst="rect">
@@ -5342,13 +5362,13 @@
       </p:sp>
       <p:sp>
         <p:nvSpPr>
-          <p:cNvPr id="137" name="Rectangle 136"/>
+          <p:cNvPr id="98" name="Rectangle 97"/>
           <p:cNvSpPr/>
           <p:nvPr/>
         </p:nvSpPr>
         <p:spPr>
           <a:xfrm>
-            <a:off x="1416928" y="2487411"/>
+            <a:off x="1710023" y="2487411"/>
             <a:ext cx="2160000" cy="360000"/>
           </a:xfrm>
           <a:prstGeom prst="rect">
@@ -5386,13 +5406,13 @@
       </p:sp>
       <p:grpSp>
         <p:nvGrpSpPr>
-          <p:cNvPr id="118" name="Group 117"/>
+          <p:cNvPr id="99" name="Group 98"/>
           <p:cNvGrpSpPr/>
           <p:nvPr/>
         </p:nvGrpSpPr>
         <p:grpSpPr>
           <a:xfrm>
-            <a:off x="1660211" y="3627437"/>
+            <a:off x="1763399" y="3627437"/>
             <a:ext cx="1551301" cy="531646"/>
             <a:chOff x="1535112" y="3948357"/>
             <a:chExt cx="1551301" cy="531646"/>
@@ -5400,7 +5420,7 @@
         </p:grpSpPr>
         <p:sp>
           <p:nvSpPr>
-            <p:cNvPr id="138" name="Rectangle 137"/>
+            <p:cNvPr id="100" name="Rectangle 99"/>
             <p:cNvSpPr/>
             <p:nvPr/>
           </p:nvSpPr>
@@ -5440,7 +5460,7 @@
         </p:sp>
         <p:sp>
           <p:nvSpPr>
-            <p:cNvPr id="139" name="Rectangle 138"/>
+            <p:cNvPr id="101" name="Rectangle 100"/>
             <p:cNvSpPr/>
             <p:nvPr/>
           </p:nvSpPr>
@@ -5480,7 +5500,7 @@
         </p:sp>
         <p:sp>
           <p:nvSpPr>
-            <p:cNvPr id="140" name="Rectangle 139"/>
+            <p:cNvPr id="102" name="Rectangle 101"/>
             <p:cNvSpPr/>
             <p:nvPr/>
           </p:nvSpPr>
@@ -5525,16 +5545,16 @@
       </p:grpSp>
       <p:cxnSp>
         <p:nvCxnSpPr>
-          <p:cNvPr id="142" name="Elbow Connector 141"/>
+          <p:cNvPr id="103" name="Elbow Connector 102"/>
           <p:cNvCxnSpPr>
-            <a:stCxn id="136" idx="3"/>
-            <a:endCxn id="124" idx="1"/>
+            <a:stCxn id="97" idx="3"/>
+            <a:endCxn id="96" idx="1"/>
           </p:cNvCxnSpPr>
           <p:nvPr/>
         </p:nvCxnSpPr>
         <p:spPr>
           <a:xfrm flipV="1">
-            <a:off x="6175521" y="2662566"/>
+            <a:off x="6468616" y="2662566"/>
             <a:ext cx="438592" cy="0"/>
           </a:xfrm>
           <a:prstGeom prst="bentConnector3">
@@ -5569,13 +5589,13 @@
       </p:cxnSp>
       <p:sp>
         <p:nvSpPr>
-          <p:cNvPr id="144" name="Rectangle 143"/>
+          <p:cNvPr id="104" name="Rectangle 103"/>
           <p:cNvSpPr/>
           <p:nvPr/>
         </p:nvSpPr>
         <p:spPr>
           <a:xfrm>
-            <a:off x="5010834" y="3079573"/>
+            <a:off x="5303929" y="3079573"/>
             <a:ext cx="2163078" cy="360000"/>
           </a:xfrm>
           <a:prstGeom prst="rect">
@@ -5621,13 +5641,13 @@
       </p:sp>
       <p:sp>
         <p:nvSpPr>
-          <p:cNvPr id="146" name="Rectangle 145"/>
+          <p:cNvPr id="105" name="Rectangle 104"/>
           <p:cNvSpPr/>
           <p:nvPr/>
         </p:nvSpPr>
         <p:spPr>
           <a:xfrm>
-            <a:off x="6945312" y="4316211"/>
+            <a:off x="7238407" y="4316211"/>
             <a:ext cx="1980000" cy="360000"/>
           </a:xfrm>
           <a:prstGeom prst="rect">
@@ -5673,13 +5693,13 @@
       </p:sp>
       <p:sp>
         <p:nvSpPr>
-          <p:cNvPr id="147" name="Isosceles Triangle 146"/>
+          <p:cNvPr id="106" name="Isosceles Triangle 105"/>
           <p:cNvSpPr/>
           <p:nvPr/>
         </p:nvSpPr>
         <p:spPr>
           <a:xfrm>
-            <a:off x="6119712" y="3449397"/>
+            <a:off x="6412807" y="3449397"/>
             <a:ext cx="216000" cy="216000"/>
           </a:xfrm>
           <a:prstGeom prst="triangle">
@@ -5721,16 +5741,16 @@
       </p:sp>
       <p:cxnSp>
         <p:nvCxnSpPr>
-          <p:cNvPr id="149" name="Elbow Connector 148"/>
+          <p:cNvPr id="107" name="Elbow Connector 106"/>
           <p:cNvCxnSpPr>
-            <a:stCxn id="147" idx="3"/>
-            <a:endCxn id="146" idx="1"/>
+            <a:stCxn id="106" idx="3"/>
+            <a:endCxn id="105" idx="1"/>
           </p:cNvCxnSpPr>
           <p:nvPr/>
         </p:nvCxnSpPr>
         <p:spPr>
           <a:xfrm rot="16200000" flipH="1">
-            <a:off x="6171105" y="3722004"/>
+            <a:off x="6464200" y="3722004"/>
             <a:ext cx="830814" cy="717600"/>
           </a:xfrm>
           <a:prstGeom prst="bentConnector2">
@@ -5764,13 +5784,13 @@
       </p:cxnSp>
       <p:sp>
         <p:nvSpPr>
-          <p:cNvPr id="156" name="Rectangle 155"/>
+          <p:cNvPr id="109" name="Rectangle 108"/>
           <p:cNvSpPr/>
           <p:nvPr/>
         </p:nvSpPr>
         <p:spPr>
           <a:xfrm>
-            <a:off x="6937642" y="3773119"/>
+            <a:off x="7230737" y="3773119"/>
             <a:ext cx="1980000" cy="360000"/>
           </a:xfrm>
           <a:prstGeom prst="rect">
@@ -5816,16 +5836,16 @@
       </p:sp>
       <p:cxnSp>
         <p:nvCxnSpPr>
-          <p:cNvPr id="157" name="Elbow Connector 156"/>
+          <p:cNvPr id="110" name="Elbow Connector 109"/>
           <p:cNvCxnSpPr>
-            <a:stCxn id="147" idx="3"/>
-            <a:endCxn id="156" idx="1"/>
+            <a:stCxn id="106" idx="3"/>
+            <a:endCxn id="109" idx="1"/>
           </p:cNvCxnSpPr>
           <p:nvPr/>
         </p:nvCxnSpPr>
         <p:spPr>
           <a:xfrm rot="16200000" flipH="1">
-            <a:off x="6438816" y="3454293"/>
+            <a:off x="6731911" y="3454293"/>
             <a:ext cx="287722" cy="709930"/>
           </a:xfrm>
           <a:prstGeom prst="bentConnector2">
@@ -5859,13 +5879,13 @@
       </p:cxnSp>
       <p:sp>
         <p:nvSpPr>
-          <p:cNvPr id="158" name="TextBox 157"/>
+          <p:cNvPr id="111" name="TextBox 110"/>
           <p:cNvSpPr txBox="1"/>
           <p:nvPr/>
         </p:nvSpPr>
         <p:spPr>
           <a:xfrm>
-            <a:off x="2472828" y="2917067"/>
+            <a:off x="2765923" y="2917067"/>
             <a:ext cx="1066800" cy="307777"/>
           </a:xfrm>
           <a:prstGeom prst="rect">
@@ -5931,13 +5951,13 @@
       </p:sp>
       <p:sp>
         <p:nvSpPr>
-          <p:cNvPr id="161" name="Flowchart: Extract 160"/>
+          <p:cNvPr id="112" name="Flowchart: Extract 111"/>
           <p:cNvSpPr/>
           <p:nvPr/>
         </p:nvSpPr>
         <p:spPr>
           <a:xfrm rot="5400000" flipH="1">
-            <a:off x="3457633" y="3033398"/>
+            <a:off x="3750728" y="3033398"/>
             <a:ext cx="155075" cy="122330"/>
           </a:xfrm>
           <a:prstGeom prst="flowChartExtract">
@@ -5979,16 +5999,16 @@
       </p:sp>
       <p:cxnSp>
         <p:nvCxnSpPr>
-          <p:cNvPr id="170" name="Straight Arrow Connector 169"/>
+          <p:cNvPr id="113" name="Straight Arrow Connector 112"/>
           <p:cNvCxnSpPr>
-            <a:stCxn id="137" idx="3"/>
-            <a:endCxn id="136" idx="1"/>
+            <a:stCxn id="98" idx="3"/>
+            <a:endCxn id="97" idx="1"/>
           </p:cNvCxnSpPr>
           <p:nvPr/>
         </p:nvCxnSpPr>
         <p:spPr>
           <a:xfrm>
-            <a:off x="3576928" y="2667411"/>
+            <a:off x="3870023" y="2667411"/>
             <a:ext cx="438592" cy="0"/>
           </a:xfrm>
           <a:prstGeom prst="straightConnector1">
@@ -6021,13 +6041,13 @@
       </p:cxnSp>
       <p:sp>
         <p:nvSpPr>
-          <p:cNvPr id="173" name="TextBox 172"/>
+          <p:cNvPr id="114" name="TextBox 113"/>
           <p:cNvSpPr txBox="1"/>
           <p:nvPr/>
         </p:nvSpPr>
         <p:spPr>
           <a:xfrm>
-            <a:off x="3339024" y="2186459"/>
+            <a:off x="3632119" y="2186459"/>
             <a:ext cx="914400" cy="252187"/>
           </a:xfrm>
           <a:prstGeom prst="rect">
@@ -6147,13 +6167,13 @@
       </p:sp>
       <p:sp>
         <p:nvSpPr>
-          <p:cNvPr id="174" name="TextBox 173"/>
+          <p:cNvPr id="115" name="TextBox 114"/>
           <p:cNvSpPr txBox="1"/>
           <p:nvPr/>
         </p:nvSpPr>
         <p:spPr>
           <a:xfrm>
-            <a:off x="5726116" y="2179637"/>
+            <a:off x="6019211" y="2179637"/>
             <a:ext cx="1162965" cy="350553"/>
           </a:xfrm>
           <a:prstGeom prst="rect">
@@ -6274,16 +6294,16 @@
       </p:sp>
       <p:cxnSp>
         <p:nvCxnSpPr>
-          <p:cNvPr id="175" name="Elbow Connector 174"/>
+          <p:cNvPr id="116" name="Elbow Connector 115"/>
           <p:cNvCxnSpPr>
-            <a:stCxn id="137" idx="2"/>
-            <a:endCxn id="144" idx="1"/>
+            <a:stCxn id="98" idx="2"/>
+            <a:endCxn id="104" idx="1"/>
           </p:cNvCxnSpPr>
           <p:nvPr/>
         </p:nvCxnSpPr>
         <p:spPr>
           <a:xfrm rot="16200000" flipH="1">
-            <a:off x="3547800" y="1796539"/>
+            <a:off x="3840895" y="1796539"/>
             <a:ext cx="412162" cy="2513906"/>
           </a:xfrm>
           <a:prstGeom prst="bentConnector2">
@@ -6316,16 +6336,16 @@
       </p:cxnSp>
       <p:cxnSp>
         <p:nvCxnSpPr>
-          <p:cNvPr id="178" name="Elbow Connector 177"/>
+          <p:cNvPr id="117" name="Elbow Connector 116"/>
           <p:cNvCxnSpPr>
-            <a:stCxn id="124" idx="3"/>
+            <a:stCxn id="96" idx="3"/>
           </p:cNvCxnSpPr>
           <p:nvPr/>
         </p:nvCxnSpPr>
         <p:spPr>
           <a:xfrm>
-            <a:off x="8774113" y="2662565"/>
-            <a:ext cx="720000" cy="0"/>
+            <a:off x="9067208" y="2662565"/>
+            <a:ext cx="792000" cy="0"/>
           </a:xfrm>
           <a:prstGeom prst="bentConnector3">
             <a:avLst>
@@ -6359,16 +6379,16 @@
       </p:cxnSp>
       <p:cxnSp>
         <p:nvCxnSpPr>
-          <p:cNvPr id="180" name="Elbow Connector 179"/>
+          <p:cNvPr id="121" name="Elbow Connector 120"/>
           <p:cNvCxnSpPr>
-            <a:stCxn id="124" idx="2"/>
-            <a:endCxn id="144" idx="3"/>
+            <a:stCxn id="96" idx="2"/>
+            <a:endCxn id="104" idx="3"/>
           </p:cNvCxnSpPr>
           <p:nvPr/>
         </p:nvCxnSpPr>
         <p:spPr>
           <a:xfrm rot="5400000">
-            <a:off x="7225508" y="2790969"/>
+            <a:off x="7518603" y="2790969"/>
             <a:ext cx="417008" cy="520200"/>
           </a:xfrm>
           <a:prstGeom prst="bentConnector2">
@@ -6401,13 +6421,13 @@
       </p:cxnSp>
       <p:sp>
         <p:nvSpPr>
-          <p:cNvPr id="181" name="TextBox 180"/>
+          <p:cNvPr id="125" name="TextBox 124"/>
           <p:cNvSpPr txBox="1"/>
           <p:nvPr/>
         </p:nvSpPr>
         <p:spPr>
           <a:xfrm>
-            <a:off x="7707316" y="2966654"/>
+            <a:off x="8000411" y="2966654"/>
             <a:ext cx="1193303" cy="269076"/>
           </a:xfrm>
           <a:prstGeom prst="rect">
@@ -6527,13 +6547,13 @@
       </p:sp>
       <p:sp>
         <p:nvSpPr>
-          <p:cNvPr id="213" name="Rectangle 212"/>
+          <p:cNvPr id="126" name="Rectangle 125"/>
           <p:cNvSpPr/>
           <p:nvPr/>
         </p:nvSpPr>
         <p:spPr>
           <a:xfrm>
-            <a:off x="3453744" y="4317601"/>
+            <a:off x="3746839" y="4317601"/>
             <a:ext cx="1980000" cy="360000"/>
           </a:xfrm>
           <a:prstGeom prst="rect">
@@ -6579,13 +6599,13 @@
       </p:sp>
       <p:sp>
         <p:nvSpPr>
-          <p:cNvPr id="214" name="Rectangle 213"/>
+          <p:cNvPr id="127" name="Rectangle 126"/>
           <p:cNvSpPr/>
           <p:nvPr/>
         </p:nvSpPr>
         <p:spPr>
           <a:xfrm>
-            <a:off x="3446074" y="3774509"/>
+            <a:off x="3739169" y="3774509"/>
             <a:ext cx="1980000" cy="360000"/>
           </a:xfrm>
           <a:prstGeom prst="rect">
@@ -6631,16 +6651,16 @@
       </p:sp>
       <p:cxnSp>
         <p:nvCxnSpPr>
-          <p:cNvPr id="215" name="Elbow Connector 214"/>
+          <p:cNvPr id="128" name="Elbow Connector 127"/>
           <p:cNvCxnSpPr>
-            <a:stCxn id="147" idx="3"/>
-            <a:endCxn id="214" idx="3"/>
+            <a:stCxn id="106" idx="3"/>
+            <a:endCxn id="127" idx="3"/>
           </p:cNvCxnSpPr>
           <p:nvPr/>
         </p:nvCxnSpPr>
         <p:spPr>
           <a:xfrm rot="5400000">
-            <a:off x="5682337" y="3409134"/>
+            <a:off x="5975432" y="3409134"/>
             <a:ext cx="289112" cy="801638"/>
           </a:xfrm>
           <a:prstGeom prst="bentConnector2">
@@ -6674,16 +6694,16 @@
       </p:cxnSp>
       <p:cxnSp>
         <p:nvCxnSpPr>
-          <p:cNvPr id="218" name="Elbow Connector 217"/>
+          <p:cNvPr id="129" name="Elbow Connector 128"/>
           <p:cNvCxnSpPr>
-            <a:stCxn id="147" idx="3"/>
-            <a:endCxn id="213" idx="3"/>
+            <a:stCxn id="106" idx="3"/>
+            <a:endCxn id="126" idx="3"/>
           </p:cNvCxnSpPr>
           <p:nvPr/>
         </p:nvCxnSpPr>
         <p:spPr>
           <a:xfrm rot="5400000">
-            <a:off x="5414626" y="3684515"/>
+            <a:off x="5707721" y="3684515"/>
             <a:ext cx="832204" cy="793968"/>
           </a:xfrm>
           <a:prstGeom prst="bentConnector2">
@@ -6717,13 +6737,13 @@
       </p:cxnSp>
       <p:sp>
         <p:nvSpPr>
-          <p:cNvPr id="221" name="Diamond 220"/>
+          <p:cNvPr id="130" name="Diamond 129"/>
           <p:cNvSpPr/>
           <p:nvPr/>
         </p:nvSpPr>
         <p:spPr>
           <a:xfrm>
-            <a:off x="7719912" y="4694812"/>
+            <a:off x="8013007" y="4694812"/>
             <a:ext cx="216000" cy="216000"/>
           </a:xfrm>
           <a:prstGeom prst="diamond">
@@ -6765,13 +6785,13 @@
       </p:sp>
       <p:sp>
         <p:nvSpPr>
-          <p:cNvPr id="225" name="Rectangle 224"/>
+          <p:cNvPr id="131" name="Rectangle 130"/>
           <p:cNvSpPr/>
           <p:nvPr/>
         </p:nvSpPr>
         <p:spPr>
           <a:xfrm>
-            <a:off x="6335712" y="5456237"/>
+            <a:off x="6628807" y="5456237"/>
             <a:ext cx="1980000" cy="360000"/>
           </a:xfrm>
           <a:prstGeom prst="rect">
@@ -6810,13 +6830,13 @@
       </p:sp>
       <p:sp>
         <p:nvSpPr>
-          <p:cNvPr id="226" name="Rectangle 225"/>
+          <p:cNvPr id="132" name="Rectangle 131"/>
           <p:cNvSpPr/>
           <p:nvPr/>
         </p:nvSpPr>
         <p:spPr>
           <a:xfrm>
-            <a:off x="5760311" y="6605015"/>
+            <a:off x="6053406" y="6605015"/>
             <a:ext cx="3140307" cy="603822"/>
           </a:xfrm>
           <a:prstGeom prst="rect">
@@ -6855,15 +6875,15 @@
       </p:sp>
       <p:cxnSp>
         <p:nvCxnSpPr>
-          <p:cNvPr id="228" name="Elbow Connector 227"/>
+          <p:cNvPr id="133" name="Elbow Connector 132"/>
           <p:cNvCxnSpPr>
-            <a:stCxn id="221" idx="1"/>
+            <a:stCxn id="130" idx="1"/>
           </p:cNvCxnSpPr>
           <p:nvPr/>
         </p:nvCxnSpPr>
         <p:spPr>
           <a:xfrm rot="10800000" flipV="1">
-            <a:off x="7325714" y="4802811"/>
+            <a:off x="7618809" y="4802811"/>
             <a:ext cx="394199" cy="653425"/>
           </a:xfrm>
           <a:prstGeom prst="bentConnector2">
@@ -6897,17 +6917,17 @@
       </p:cxnSp>
       <p:cxnSp>
         <p:nvCxnSpPr>
-          <p:cNvPr id="231" name="Elbow Connector 230"/>
+          <p:cNvPr id="134" name="Elbow Connector 133"/>
           <p:cNvCxnSpPr>
-            <a:stCxn id="232" idx="2"/>
-            <a:endCxn id="226" idx="0"/>
+            <a:stCxn id="135" idx="2"/>
+            <a:endCxn id="132" idx="0"/>
           </p:cNvCxnSpPr>
           <p:nvPr/>
         </p:nvCxnSpPr>
         <p:spPr>
-          <a:xfrm rot="5400000">
-            <a:off x="7075040" y="6309343"/>
-            <a:ext cx="551098" cy="40247"/>
+          <a:xfrm rot="16200000" flipH="1">
+            <a:off x="7336082" y="6321989"/>
+            <a:ext cx="566050" cy="0"/>
           </a:xfrm>
           <a:prstGeom prst="bentConnector3">
             <a:avLst>
@@ -6941,13 +6961,13 @@
       </p:cxnSp>
       <p:sp>
         <p:nvSpPr>
-          <p:cNvPr id="232" name="Diamond 231"/>
+          <p:cNvPr id="135" name="Diamond 134"/>
           <p:cNvSpPr/>
           <p:nvPr/>
         </p:nvSpPr>
         <p:spPr>
           <a:xfrm>
-            <a:off x="7262712" y="5837917"/>
+            <a:off x="7511107" y="5822965"/>
             <a:ext cx="216000" cy="216000"/>
           </a:xfrm>
           <a:prstGeom prst="diamond">
@@ -6982,13 +7002,13 @@
       </p:sp>
       <p:grpSp>
         <p:nvGrpSpPr>
-          <p:cNvPr id="119" name="Group 118"/>
+          <p:cNvPr id="141" name="Group 140"/>
           <p:cNvGrpSpPr/>
           <p:nvPr/>
         </p:nvGrpSpPr>
         <p:grpSpPr>
           <a:xfrm>
-            <a:off x="4053310" y="5523972"/>
+            <a:off x="4346405" y="5523972"/>
             <a:ext cx="1291797" cy="560547"/>
             <a:chOff x="3174200" y="5727314"/>
             <a:chExt cx="1663512" cy="560547"/>
@@ -6996,7 +7016,7 @@
         </p:grpSpPr>
         <p:sp>
           <p:nvSpPr>
-            <p:cNvPr id="236" name="Folded Corner 235"/>
+            <p:cNvPr id="143" name="Folded Corner 142"/>
             <p:cNvSpPr/>
             <p:nvPr/>
           </p:nvSpPr>
@@ -7036,7 +7056,7 @@
         </p:sp>
         <p:sp>
           <p:nvSpPr>
-            <p:cNvPr id="237" name="Folded Corner 236"/>
+            <p:cNvPr id="145" name="Folded Corner 144"/>
             <p:cNvSpPr/>
             <p:nvPr/>
           </p:nvSpPr>
@@ -7076,7 +7096,7 @@
         </p:sp>
         <p:sp>
           <p:nvSpPr>
-            <p:cNvPr id="238" name="Folded Corner 237"/>
+            <p:cNvPr id="148" name="Folded Corner 147"/>
             <p:cNvSpPr/>
             <p:nvPr/>
           </p:nvSpPr>
@@ -7125,16 +7145,16 @@
       </p:grpSp>
       <p:cxnSp>
         <p:nvCxnSpPr>
-          <p:cNvPr id="245" name="Elbow Connector 244"/>
+          <p:cNvPr id="150" name="Elbow Connector 149"/>
           <p:cNvCxnSpPr>
-            <a:stCxn id="238" idx="3"/>
-            <a:endCxn id="225" idx="1"/>
+            <a:stCxn id="148" idx="3"/>
+            <a:endCxn id="131" idx="1"/>
           </p:cNvCxnSpPr>
           <p:nvPr/>
         </p:nvCxnSpPr>
         <p:spPr>
           <a:xfrm flipV="1">
-            <a:off x="5345107" y="5636237"/>
+            <a:off x="5638202" y="5636237"/>
             <a:ext cx="990605" cy="244786"/>
           </a:xfrm>
           <a:prstGeom prst="bentConnector3">
@@ -7166,16 +7186,16 @@
       </p:cxnSp>
       <p:cxnSp>
         <p:nvCxnSpPr>
-          <p:cNvPr id="251" name="Elbow Connector 250"/>
+          <p:cNvPr id="151" name="Elbow Connector 150"/>
           <p:cNvCxnSpPr>
-            <a:stCxn id="244" idx="3"/>
-            <a:endCxn id="226" idx="1"/>
+            <a:stCxn id="160" idx="3"/>
+            <a:endCxn id="132" idx="1"/>
           </p:cNvCxnSpPr>
           <p:nvPr/>
         </p:nvCxnSpPr>
         <p:spPr>
           <a:xfrm>
-            <a:off x="4811710" y="6742303"/>
+            <a:off x="5104805" y="6742303"/>
             <a:ext cx="948601" cy="164623"/>
           </a:xfrm>
           <a:prstGeom prst="bentConnector3">
@@ -7207,13 +7227,13 @@
       </p:cxnSp>
       <p:sp>
         <p:nvSpPr>
-          <p:cNvPr id="254" name="Diamond 253"/>
+          <p:cNvPr id="152" name="Diamond 151"/>
           <p:cNvSpPr/>
           <p:nvPr/>
         </p:nvSpPr>
         <p:spPr>
           <a:xfrm>
-            <a:off x="4908715" y="6114433"/>
+            <a:off x="5201810" y="6114433"/>
             <a:ext cx="216000" cy="216000"/>
           </a:xfrm>
           <a:prstGeom prst="diamond">
@@ -7248,16 +7268,16 @@
       </p:sp>
       <p:cxnSp>
         <p:nvCxnSpPr>
-          <p:cNvPr id="255" name="Elbow Connector 254"/>
+          <p:cNvPr id="153" name="Elbow Connector 152"/>
           <p:cNvCxnSpPr>
-            <a:stCxn id="254" idx="2"/>
-            <a:endCxn id="243" idx="3"/>
+            <a:stCxn id="152" idx="2"/>
+            <a:endCxn id="159" idx="3"/>
           </p:cNvCxnSpPr>
           <p:nvPr/>
         </p:nvCxnSpPr>
         <p:spPr>
           <a:xfrm rot="5400000">
-            <a:off x="4709801" y="6356143"/>
+            <a:off x="5002896" y="6356143"/>
             <a:ext cx="332624" cy="281205"/>
           </a:xfrm>
           <a:prstGeom prst="bentConnector2">
@@ -7290,13 +7310,13 @@
       </p:cxnSp>
       <p:grpSp>
         <p:nvGrpSpPr>
-          <p:cNvPr id="120" name="Group 119"/>
+          <p:cNvPr id="154" name="Group 153"/>
           <p:cNvGrpSpPr/>
           <p:nvPr/>
         </p:nvGrpSpPr>
         <p:grpSpPr>
           <a:xfrm>
-            <a:off x="3520232" y="6370637"/>
+            <a:off x="3813327" y="6370637"/>
             <a:ext cx="1291478" cy="575162"/>
             <a:chOff x="3179250" y="6547958"/>
             <a:chExt cx="1663102" cy="575162"/>
@@ -7304,7 +7324,7 @@
         </p:grpSpPr>
         <p:sp>
           <p:nvSpPr>
-            <p:cNvPr id="242" name="Folded Corner 241"/>
+            <p:cNvPr id="155" name="Folded Corner 154"/>
             <p:cNvSpPr/>
             <p:nvPr/>
           </p:nvSpPr>
@@ -7344,7 +7364,7 @@
         </p:sp>
         <p:sp>
           <p:nvSpPr>
-            <p:cNvPr id="243" name="Folded Corner 242"/>
+            <p:cNvPr id="159" name="Folded Corner 158"/>
             <p:cNvSpPr/>
             <p:nvPr/>
           </p:nvSpPr>
@@ -7384,7 +7404,7 @@
         </p:sp>
         <p:sp>
           <p:nvSpPr>
-            <p:cNvPr id="244" name="Folded Corner 243"/>
+            <p:cNvPr id="160" name="Folded Corner 159"/>
             <p:cNvSpPr/>
             <p:nvPr/>
           </p:nvSpPr>
@@ -7429,13 +7449,13 @@
       </p:grpSp>
       <p:sp>
         <p:nvSpPr>
-          <p:cNvPr id="258" name="Rectangle 257"/>
+          <p:cNvPr id="162" name="Rectangle 161"/>
           <p:cNvSpPr/>
           <p:nvPr/>
         </p:nvSpPr>
         <p:spPr>
           <a:xfrm>
-            <a:off x="126002" y="5151437"/>
+            <a:off x="342897" y="5151437"/>
             <a:ext cx="875710" cy="2035968"/>
           </a:xfrm>
           <a:prstGeom prst="rect">
@@ -7481,13 +7501,13 @@
       </p:sp>
       <p:sp>
         <p:nvSpPr>
-          <p:cNvPr id="259" name="TextBox 258"/>
+          <p:cNvPr id="163" name="TextBox 162"/>
           <p:cNvSpPr txBox="1"/>
           <p:nvPr/>
         </p:nvSpPr>
         <p:spPr>
           <a:xfrm>
-            <a:off x="49805" y="5185570"/>
+            <a:off x="266700" y="5185570"/>
             <a:ext cx="937901" cy="307777"/>
           </a:xfrm>
           <a:prstGeom prst="rect">
@@ -7604,13 +7624,13 @@
       </p:sp>
       <p:sp>
         <p:nvSpPr>
-          <p:cNvPr id="260" name="Folded Corner 259"/>
+          <p:cNvPr id="164" name="Folded Corner 163"/>
           <p:cNvSpPr/>
           <p:nvPr/>
         </p:nvSpPr>
         <p:spPr>
           <a:xfrm>
-            <a:off x="238122" y="5549821"/>
+            <a:off x="455017" y="5549821"/>
             <a:ext cx="649883" cy="1408984"/>
           </a:xfrm>
           <a:prstGeom prst="foldedCorner">
@@ -7664,15 +7684,15 @@
       </p:sp>
       <p:cxnSp>
         <p:nvCxnSpPr>
-          <p:cNvPr id="265" name="Elbow Connector 264"/>
+          <p:cNvPr id="165" name="Elbow Connector 164"/>
           <p:cNvCxnSpPr>
-            <a:stCxn id="236" idx="1"/>
+            <a:stCxn id="143" idx="1"/>
           </p:cNvCxnSpPr>
           <p:nvPr/>
         </p:nvCxnSpPr>
         <p:spPr>
           <a:xfrm rot="10800000">
-            <a:off x="888006" y="5727469"/>
+            <a:off x="1181101" y="5727469"/>
             <a:ext cx="3165305" cy="0"/>
           </a:xfrm>
           <a:prstGeom prst="bentConnector3">
@@ -7704,13 +7724,13 @@
       </p:cxnSp>
       <p:sp>
         <p:nvSpPr>
-          <p:cNvPr id="266" name="TextBox 265"/>
+          <p:cNvPr id="166" name="TextBox 165"/>
           <p:cNvSpPr txBox="1"/>
           <p:nvPr/>
         </p:nvSpPr>
         <p:spPr>
           <a:xfrm>
-            <a:off x="2754312" y="5380037"/>
+            <a:off x="3047407" y="5380037"/>
             <a:ext cx="1146280" cy="361773"/>
           </a:xfrm>
           <a:prstGeom prst="rect">
@@ -7823,13 +7843,13 @@
       </p:sp>
       <p:grpSp>
         <p:nvGrpSpPr>
-          <p:cNvPr id="282" name="Group 281"/>
+          <p:cNvPr id="167" name="Group 166"/>
           <p:cNvGrpSpPr/>
           <p:nvPr/>
         </p:nvGrpSpPr>
         <p:grpSpPr>
           <a:xfrm>
-            <a:off x="1905139" y="5872425"/>
+            <a:off x="2198234" y="5872425"/>
             <a:ext cx="1291478" cy="575162"/>
             <a:chOff x="3179250" y="6547958"/>
             <a:chExt cx="1663102" cy="575162"/>
@@ -7837,7 +7857,7 @@
         </p:grpSpPr>
         <p:sp>
           <p:nvSpPr>
-            <p:cNvPr id="283" name="Folded Corner 282"/>
+            <p:cNvPr id="168" name="Folded Corner 167"/>
             <p:cNvSpPr/>
             <p:nvPr/>
           </p:nvSpPr>
@@ -7877,7 +7897,7 @@
         </p:sp>
         <p:sp>
           <p:nvSpPr>
-            <p:cNvPr id="284" name="Folded Corner 283"/>
+            <p:cNvPr id="169" name="Folded Corner 168"/>
             <p:cNvSpPr/>
             <p:nvPr/>
           </p:nvSpPr>
@@ -7917,7 +7937,7 @@
         </p:sp>
         <p:sp>
           <p:nvSpPr>
-            <p:cNvPr id="285" name="Folded Corner 284"/>
+            <p:cNvPr id="171" name="Folded Corner 170"/>
             <p:cNvSpPr/>
             <p:nvPr/>
           </p:nvSpPr>
@@ -7966,13 +7986,13 @@
       </p:grpSp>
       <p:grpSp>
         <p:nvGrpSpPr>
-          <p:cNvPr id="286" name="Group 285"/>
+          <p:cNvPr id="172" name="Group 171"/>
           <p:cNvGrpSpPr/>
           <p:nvPr/>
         </p:nvGrpSpPr>
         <p:grpSpPr>
           <a:xfrm>
-            <a:off x="1933157" y="6599237"/>
+            <a:off x="2226252" y="6599237"/>
             <a:ext cx="1291478" cy="575162"/>
             <a:chOff x="3179250" y="6547958"/>
             <a:chExt cx="1663102" cy="575162"/>
@@ -7980,7 +8000,7 @@
         </p:grpSpPr>
         <p:sp>
           <p:nvSpPr>
-            <p:cNvPr id="287" name="Folded Corner 286"/>
+            <p:cNvPr id="176" name="Folded Corner 175"/>
             <p:cNvSpPr/>
             <p:nvPr/>
           </p:nvSpPr>
@@ -8020,7 +8040,7 @@
         </p:sp>
         <p:sp>
           <p:nvSpPr>
-            <p:cNvPr id="288" name="Folded Corner 287"/>
+            <p:cNvPr id="177" name="Folded Corner 176"/>
             <p:cNvSpPr/>
             <p:nvPr/>
           </p:nvSpPr>
@@ -8060,7 +8080,7 @@
         </p:sp>
         <p:sp>
           <p:nvSpPr>
-            <p:cNvPr id="289" name="Folded Corner 288"/>
+            <p:cNvPr id="179" name="Folded Corner 178"/>
             <p:cNvSpPr/>
             <p:nvPr/>
           </p:nvSpPr>
@@ -8109,16 +8129,16 @@
       </p:grpSp>
       <p:cxnSp>
         <p:nvCxnSpPr>
-          <p:cNvPr id="290" name="Elbow Connector 289"/>
+          <p:cNvPr id="182" name="Elbow Connector 181"/>
           <p:cNvCxnSpPr>
-            <a:endCxn id="285" idx="1"/>
+            <a:endCxn id="171" idx="1"/>
           </p:cNvCxnSpPr>
           <p:nvPr/>
         </p:nvCxnSpPr>
         <p:spPr>
           <a:xfrm flipV="1">
-            <a:off x="889599" y="6244091"/>
-            <a:ext cx="1167940" cy="253647"/>
+            <a:off x="1104900" y="6244091"/>
+            <a:ext cx="1245734" cy="253648"/>
           </a:xfrm>
           <a:prstGeom prst="bentConnector3">
             <a:avLst>
@@ -8150,16 +8170,16 @@
       </p:cxnSp>
       <p:cxnSp>
         <p:nvCxnSpPr>
-          <p:cNvPr id="291" name="Elbow Connector 290"/>
+          <p:cNvPr id="183" name="Elbow Connector 182"/>
           <p:cNvCxnSpPr>
-            <a:endCxn id="289" idx="1"/>
+            <a:endCxn id="179" idx="1"/>
           </p:cNvCxnSpPr>
           <p:nvPr/>
         </p:nvCxnSpPr>
         <p:spPr>
           <a:xfrm>
-            <a:off x="889600" y="6497737"/>
-            <a:ext cx="1195957" cy="473166"/>
+            <a:off x="1104900" y="6497737"/>
+            <a:ext cx="1273752" cy="473166"/>
           </a:xfrm>
           <a:prstGeom prst="bentConnector3">
             <a:avLst>
@@ -8191,13 +8211,13 @@
       </p:cxnSp>
       <p:sp>
         <p:nvSpPr>
-          <p:cNvPr id="296" name="Rectangle 295"/>
+          <p:cNvPr id="184" name="Rectangle 183"/>
           <p:cNvSpPr/>
           <p:nvPr/>
         </p:nvSpPr>
         <p:spPr>
           <a:xfrm>
-            <a:off x="133912" y="2227599"/>
+            <a:off x="350807" y="2227599"/>
             <a:ext cx="866224" cy="862711"/>
           </a:xfrm>
           <a:prstGeom prst="rect">
@@ -8249,184 +8269,19 @@
       </p:sp>
       <p:cxnSp>
         <p:nvCxnSpPr>
-          <p:cNvPr id="297" name="Elbow Connector 296"/>
+          <p:cNvPr id="185" name="Elbow Connector 184"/>
           <p:cNvCxnSpPr>
-            <a:stCxn id="296" idx="0"/>
-            <a:endCxn id="69" idx="1"/>
+            <a:endCxn id="90" idx="1"/>
           </p:cNvCxnSpPr>
           <p:nvPr/>
         </p:nvCxnSpPr>
         <p:spPr>
           <a:xfrm rot="5400000" flipH="1" flipV="1">
-            <a:off x="536439" y="1331526"/>
-            <a:ext cx="926658" cy="865488"/>
+            <a:off x="934394" y="1395247"/>
+            <a:ext cx="885518" cy="696907"/>
           </a:xfrm>
           <a:prstGeom prst="bentConnector2">
             <a:avLst/>
-          </a:prstGeom>
-          <a:ln w="38100">
-            <a:solidFill>
-              <a:schemeClr val="accent1">
-                <a:lumMod val="50000"/>
-              </a:schemeClr>
-            </a:solidFill>
-            <a:prstDash val="sysDot"/>
-            <a:tailEnd type="arrow"/>
-          </a:ln>
-        </p:spPr>
-        <p:style>
-          <a:lnRef idx="1">
-            <a:schemeClr val="accent1"/>
-          </a:lnRef>
-          <a:fillRef idx="0">
-            <a:schemeClr val="accent1"/>
-          </a:fillRef>
-          <a:effectRef idx="0">
-            <a:schemeClr val="accent1"/>
-          </a:effectRef>
-          <a:fontRef idx="minor">
-            <a:schemeClr val="tx1"/>
-          </a:fontRef>
-        </p:style>
-      </p:cxnSp>
-      <p:sp>
-        <p:nvSpPr>
-          <p:cNvPr id="298" name="TextBox 297"/>
-          <p:cNvSpPr txBox="1"/>
-          <p:nvPr/>
-        </p:nvSpPr>
-        <p:spPr>
-          <a:xfrm>
-            <a:off x="199431" y="956933"/>
-            <a:ext cx="954683" cy="307777"/>
-          </a:xfrm>
-          <a:prstGeom prst="rect">
-            <a:avLst/>
-          </a:prstGeom>
-          <a:grpFill/>
-          <a:ln>
-            <a:noFill/>
-          </a:ln>
-        </p:spPr>
-        <p:style>
-          <a:lnRef idx="2">
-            <a:schemeClr val="accent1">
-              <a:shade val="50000"/>
-            </a:schemeClr>
-          </a:lnRef>
-          <a:fillRef idx="1">
-            <a:schemeClr val="accent1"/>
-          </a:fillRef>
-          <a:effectRef idx="0">
-            <a:schemeClr val="accent1"/>
-          </a:effectRef>
-          <a:fontRef idx="minor">
-            <a:schemeClr val="lt1"/>
-          </a:fontRef>
-        </p:style>
-        <p:txBody>
-          <a:bodyPr rtlCol="0" anchor="t" anchorCtr="0"/>
-          <a:lstStyle>
-            <a:defPPr>
-              <a:defRPr lang="en-US"/>
-            </a:defPPr>
-            <a:lvl1pPr algn="r">
-              <a:defRPr sz="1400" b="1">
-                <a:solidFill>
-                  <a:schemeClr val="accent2">
-                    <a:lumMod val="75000"/>
-                  </a:schemeClr>
-                </a:solidFill>
-              </a:defRPr>
-            </a:lvl1pPr>
-          </a:lstStyle>
-          <a:p>
-            <a:r>
-              <a:rPr lang="en-US" dirty="0">
-                <a:solidFill>
-                  <a:schemeClr val="accent1">
-                    <a:lumMod val="50000"/>
-                  </a:schemeClr>
-                </a:solidFill>
-              </a:rPr>
-              <a:t>receives</a:t>
-            </a:r>
-            <a:endParaRPr lang="en-SG" dirty="0">
-              <a:solidFill>
-                <a:schemeClr val="accent1">
-                  <a:lumMod val="50000"/>
-                </a:schemeClr>
-              </a:solidFill>
-            </a:endParaRPr>
-          </a:p>
-        </p:txBody>
-      </p:sp>
-      <p:sp>
-        <p:nvSpPr>
-          <p:cNvPr id="301" name="Flowchart: Extract 300"/>
-          <p:cNvSpPr/>
-          <p:nvPr/>
-        </p:nvSpPr>
-        <p:spPr>
-          <a:xfrm rot="16200000">
-            <a:off x="274109" y="1063268"/>
-            <a:ext cx="155075" cy="122330"/>
-          </a:xfrm>
-          <a:prstGeom prst="flowChartExtract">
-            <a:avLst/>
-          </a:prstGeom>
-          <a:solidFill>
-            <a:schemeClr val="accent1">
-              <a:lumMod val="50000"/>
-            </a:schemeClr>
-          </a:solidFill>
-          <a:ln>
-            <a:noFill/>
-          </a:ln>
-        </p:spPr>
-        <p:style>
-          <a:lnRef idx="2">
-            <a:schemeClr val="accent1">
-              <a:shade val="50000"/>
-            </a:schemeClr>
-          </a:lnRef>
-          <a:fillRef idx="1">
-            <a:schemeClr val="accent1"/>
-          </a:fillRef>
-          <a:effectRef idx="0">
-            <a:schemeClr val="accent1"/>
-          </a:effectRef>
-          <a:fontRef idx="minor">
-            <a:schemeClr val="lt1"/>
-          </a:fontRef>
-        </p:style>
-        <p:txBody>
-          <a:bodyPr rtlCol="0" anchor="ctr"/>
-          <a:lstStyle/>
-          <a:p>
-            <a:pPr algn="ctr"/>
-            <a:endParaRPr lang="en-SG"/>
-          </a:p>
-        </p:txBody>
-      </p:sp>
-      <p:cxnSp>
-        <p:nvCxnSpPr>
-          <p:cNvPr id="312" name="Elbow Connector 311"/>
-          <p:cNvCxnSpPr>
-            <a:stCxn id="296" idx="3"/>
-            <a:endCxn id="137" idx="1"/>
-          </p:cNvCxnSpPr>
-          <p:nvPr/>
-        </p:nvCxnSpPr>
-        <p:spPr>
-          <a:xfrm>
-            <a:off x="1000136" y="2658955"/>
-            <a:ext cx="416792" cy="8456"/>
-          </a:xfrm>
-          <a:prstGeom prst="bentConnector3">
-            <a:avLst>
-              <a:gd name="adj1" fmla="val 50000"/>
-            </a:avLst>
           </a:prstGeom>
           <a:ln w="38100">
             <a:solidFill>
@@ -8455,19 +8310,22 @@
       </p:cxnSp>
       <p:cxnSp>
         <p:nvCxnSpPr>
-          <p:cNvPr id="315" name="Elbow Connector 314"/>
+          <p:cNvPr id="188" name="Elbow Connector 187"/>
           <p:cNvCxnSpPr>
-            <a:endCxn id="138" idx="1"/>
+            <a:stCxn id="184" idx="3"/>
+            <a:endCxn id="98" idx="1"/>
           </p:cNvCxnSpPr>
           <p:nvPr/>
         </p:nvCxnSpPr>
         <p:spPr>
-          <a:xfrm rot="16200000" flipH="1">
-            <a:off x="918914" y="3074859"/>
-            <a:ext cx="720000" cy="762593"/>
-          </a:xfrm>
-          <a:prstGeom prst="bentConnector2">
-            <a:avLst/>
+          <a:xfrm>
+            <a:off x="1217031" y="2658955"/>
+            <a:ext cx="492992" cy="8456"/>
+          </a:xfrm>
+          <a:prstGeom prst="bentConnector3">
+            <a:avLst>
+              <a:gd name="adj1" fmla="val 50000"/>
+            </a:avLst>
           </a:prstGeom>
           <a:ln w="38100">
             <a:solidFill>
@@ -8496,28 +8354,27 @@
       </p:cxnSp>
       <p:cxnSp>
         <p:nvCxnSpPr>
-          <p:cNvPr id="319" name="Elbow Connector 318"/>
+          <p:cNvPr id="189" name="Elbow Connector 188"/>
           <p:cNvCxnSpPr>
-            <a:stCxn id="258" idx="0"/>
-            <a:endCxn id="296" idx="2"/>
+            <a:endCxn id="100" idx="1"/>
           </p:cNvCxnSpPr>
           <p:nvPr/>
         </p:nvCxnSpPr>
         <p:spPr>
-          <a:xfrm rot="5400000" flipH="1" flipV="1">
-            <a:off x="-465123" y="4119291"/>
-            <a:ext cx="2061127" cy="3167"/>
-          </a:xfrm>
-          <a:prstGeom prst="bentConnector3">
-            <a:avLst>
-              <a:gd name="adj1" fmla="val 50000"/>
-            </a:avLst>
+          <a:xfrm rot="16200000" flipH="1">
+            <a:off x="1099084" y="3151841"/>
+            <a:ext cx="691714" cy="636915"/>
+          </a:xfrm>
+          <a:prstGeom prst="bentConnector2">
+            <a:avLst/>
           </a:prstGeom>
           <a:ln w="38100">
             <a:solidFill>
-              <a:schemeClr val="tx1"/>
+              <a:schemeClr val="accent1">
+                <a:lumMod val="50000"/>
+              </a:schemeClr>
             </a:solidFill>
-            <a:prstDash val="sysDash"/>
+            <a:prstDash val="sysDot"/>
             <a:tailEnd type="arrow"/>
           </a:ln>
         </p:spPr>
@@ -8536,15 +8393,57 @@
           </a:fontRef>
         </p:style>
       </p:cxnSp>
-      <p:sp>
-        <p:nvSpPr>
-          <p:cNvPr id="320" name="TextBox 319"/>
+      <p:cxnSp>
+        <p:nvCxnSpPr>
+          <p:cNvPr id="190" name="Elbow Connector 189"/>
+          <p:cNvCxnSpPr>
+            <a:stCxn id="162" idx="0"/>
+            <a:endCxn id="184" idx="2"/>
+          </p:cNvCxnSpPr>
+          <p:nvPr/>
+        </p:nvCxnSpPr>
+        <p:spPr>
+          <a:xfrm rot="5400000" flipH="1" flipV="1">
+            <a:off x="-246645" y="4120874"/>
+            <a:ext cx="2061127" cy="0"/>
+          </a:xfrm>
+          <a:prstGeom prst="bentConnector3">
+            <a:avLst>
+              <a:gd name="adj1" fmla="val 50000"/>
+            </a:avLst>
+          </a:prstGeom>
+          <a:ln w="38100">
+            <a:solidFill>
+              <a:schemeClr val="tx1"/>
+            </a:solidFill>
+            <a:prstDash val="sysDash"/>
+            <a:tailEnd type="arrow"/>
+          </a:ln>
+        </p:spPr>
+        <p:style>
+          <a:lnRef idx="1">
+            <a:schemeClr val="accent1"/>
+          </a:lnRef>
+          <a:fillRef idx="0">
+            <a:schemeClr val="accent1"/>
+          </a:fillRef>
+          <a:effectRef idx="0">
+            <a:schemeClr val="accent1"/>
+          </a:effectRef>
+          <a:fontRef idx="minor">
+            <a:schemeClr val="tx1"/>
+          </a:fontRef>
+        </p:style>
+      </p:cxnSp>
+      <p:sp>
+        <p:nvSpPr>
+          <p:cNvPr id="191" name="TextBox 190"/>
           <p:cNvSpPr txBox="1"/>
           <p:nvPr/>
         </p:nvSpPr>
         <p:spPr>
           <a:xfrm rot="16200000">
-            <a:off x="99028" y="4060030"/>
+            <a:off x="315923" y="4060030"/>
             <a:ext cx="655837" cy="307777"/>
           </a:xfrm>
           <a:prstGeom prst="rect">
@@ -8606,13 +8505,13 @@
       </p:sp>
       <p:sp>
         <p:nvSpPr>
-          <p:cNvPr id="321" name="Flowchart: Extract 320"/>
+          <p:cNvPr id="192" name="Flowchart: Extract 191"/>
           <p:cNvSpPr/>
           <p:nvPr/>
         </p:nvSpPr>
         <p:spPr>
           <a:xfrm rot="10800000" flipV="1">
-            <a:off x="372692" y="3815882"/>
+            <a:off x="589587" y="3815882"/>
             <a:ext cx="155075" cy="122330"/>
           </a:xfrm>
           <a:prstGeom prst="flowChartExtract">
@@ -8652,13 +8551,13 @@
       </p:sp>
       <p:sp>
         <p:nvSpPr>
-          <p:cNvPr id="330" name="TextBox 329"/>
+          <p:cNvPr id="193" name="TextBox 192"/>
           <p:cNvSpPr txBox="1"/>
           <p:nvPr/>
         </p:nvSpPr>
         <p:spPr>
           <a:xfrm>
-            <a:off x="5421312" y="5860895"/>
+            <a:off x="5714407" y="5860895"/>
             <a:ext cx="1146280" cy="361773"/>
           </a:xfrm>
           <a:prstGeom prst="rect">
@@ -8767,13 +8666,13 @@
       </p:sp>
       <p:sp>
         <p:nvSpPr>
-          <p:cNvPr id="331" name="TextBox 330"/>
+          <p:cNvPr id="194" name="TextBox 193"/>
           <p:cNvSpPr txBox="1"/>
           <p:nvPr/>
         </p:nvSpPr>
         <p:spPr>
           <a:xfrm>
-            <a:off x="4343368" y="6927332"/>
+            <a:off x="4636463" y="6927332"/>
             <a:ext cx="1146280" cy="361773"/>
           </a:xfrm>
           <a:prstGeom prst="rect">
@@ -8882,13 +8781,13 @@
       </p:sp>
       <p:sp>
         <p:nvSpPr>
-          <p:cNvPr id="81" name="Diamond 80"/>
+          <p:cNvPr id="195" name="Diamond 194"/>
           <p:cNvSpPr/>
           <p:nvPr/>
         </p:nvSpPr>
         <p:spPr>
           <a:xfrm>
-            <a:off x="4443744" y="4692558"/>
+            <a:off x="4736839" y="4692558"/>
             <a:ext cx="216000" cy="216000"/>
           </a:xfrm>
           <a:prstGeom prst="diamond">
@@ -8930,16 +8829,16 @@
       </p:sp>
       <p:cxnSp>
         <p:nvCxnSpPr>
-          <p:cNvPr id="82" name="Elbow Connector 81"/>
+          <p:cNvPr id="196" name="Elbow Connector 195"/>
           <p:cNvCxnSpPr>
-            <a:stCxn id="81" idx="3"/>
-            <a:endCxn id="225" idx="0"/>
+            <a:stCxn id="195" idx="3"/>
+            <a:endCxn id="131" idx="0"/>
           </p:cNvCxnSpPr>
           <p:nvPr/>
         </p:nvCxnSpPr>
         <p:spPr>
           <a:xfrm>
-            <a:off x="4659744" y="4800558"/>
+            <a:off x="4952839" y="4800558"/>
             <a:ext cx="2665968" cy="655679"/>
           </a:xfrm>
           <a:prstGeom prst="bentConnector2">
@@ -8973,13 +8872,13 @@
       </p:cxnSp>
       <p:grpSp>
         <p:nvGrpSpPr>
-          <p:cNvPr id="84" name="Group 83"/>
+          <p:cNvPr id="197" name="Group 196"/>
           <p:cNvGrpSpPr/>
           <p:nvPr/>
         </p:nvGrpSpPr>
         <p:grpSpPr>
           <a:xfrm>
-            <a:off x="1660211" y="4303659"/>
+            <a:off x="1790700" y="4303659"/>
             <a:ext cx="1551301" cy="531646"/>
             <a:chOff x="1535112" y="3948357"/>
             <a:chExt cx="1551301" cy="531646"/>
@@ -8987,7 +8886,7 @@
         </p:grpSpPr>
         <p:sp>
           <p:nvSpPr>
-            <p:cNvPr id="85" name="Rectangle 84"/>
+            <p:cNvPr id="198" name="Rectangle 197"/>
             <p:cNvSpPr/>
             <p:nvPr/>
           </p:nvSpPr>
@@ -9027,7 +8926,7 @@
         </p:sp>
         <p:sp>
           <p:nvSpPr>
-            <p:cNvPr id="86" name="Rectangle 85"/>
+            <p:cNvPr id="199" name="Rectangle 198"/>
             <p:cNvSpPr/>
             <p:nvPr/>
           </p:nvSpPr>
@@ -9067,7 +8966,7 @@
         </p:sp>
         <p:sp>
           <p:nvSpPr>
-            <p:cNvPr id="87" name="Rectangle 86"/>
+            <p:cNvPr id="200" name="Rectangle 199"/>
             <p:cNvSpPr/>
             <p:nvPr/>
           </p:nvSpPr>
@@ -9110,6 +9009,226 @@
           </p:txBody>
         </p:sp>
       </p:grpSp>
+      <p:sp>
+        <p:nvSpPr>
+          <p:cNvPr id="201" name="Rectangle 200"/>
+          <p:cNvSpPr/>
+          <p:nvPr/>
+        </p:nvSpPr>
+        <p:spPr>
+          <a:xfrm>
+            <a:off x="193984" y="198437"/>
+            <a:ext cx="910916" cy="543555"/>
+          </a:xfrm>
+          <a:prstGeom prst="rect">
+            <a:avLst/>
+          </a:prstGeom>
+          <a:solidFill>
+            <a:schemeClr val="bg1">
+              <a:lumMod val="85000"/>
+            </a:schemeClr>
+          </a:solidFill>
+          <a:ln>
+            <a:solidFill>
+              <a:schemeClr val="bg1">
+                <a:lumMod val="65000"/>
+              </a:schemeClr>
+            </a:solidFill>
+          </a:ln>
+        </p:spPr>
+        <p:style>
+          <a:lnRef idx="2">
+            <a:schemeClr val="accent1">
+              <a:shade val="50000"/>
+            </a:schemeClr>
+          </a:lnRef>
+          <a:fillRef idx="1">
+            <a:schemeClr val="accent1"/>
+          </a:fillRef>
+          <a:effectRef idx="0">
+            <a:schemeClr val="accent1"/>
+          </a:effectRef>
+          <a:fontRef idx="minor">
+            <a:schemeClr val="lt1"/>
+          </a:fontRef>
+        </p:style>
+        <p:txBody>
+          <a:bodyPr rtlCol="0" anchor="ctr"/>
+          <a:lstStyle/>
+          <a:p>
+            <a:pPr algn="ctr"/>
+            <a:r>
+              <a:rPr lang="en-SG" sz="1400" b="1" dirty="0" smtClean="0">
+                <a:solidFill>
+                  <a:schemeClr val="tx1"/>
+                </a:solidFill>
+              </a:rPr>
+              <a:t>GAE Server</a:t>
+            </a:r>
+            <a:endParaRPr lang="en-SG" sz="1400" b="1" dirty="0">
+              <a:solidFill>
+                <a:schemeClr val="tx1"/>
+              </a:solidFill>
+            </a:endParaRPr>
+          </a:p>
+        </p:txBody>
+      </p:sp>
+      <p:cxnSp>
+        <p:nvCxnSpPr>
+          <p:cNvPr id="202" name="Elbow Connector 201"/>
+          <p:cNvCxnSpPr>
+            <a:stCxn id="201" idx="2"/>
+            <a:endCxn id="184" idx="0"/>
+          </p:cNvCxnSpPr>
+          <p:nvPr/>
+        </p:nvCxnSpPr>
+        <p:spPr>
+          <a:xfrm rot="16200000" flipH="1">
+            <a:off x="-26123" y="1417556"/>
+            <a:ext cx="1485607" cy="134477"/>
+          </a:xfrm>
+          <a:prstGeom prst="bentConnector3">
+            <a:avLst>
+              <a:gd name="adj1" fmla="val 50000"/>
+            </a:avLst>
+          </a:prstGeom>
+          <a:ln w="38100">
+            <a:solidFill>
+              <a:schemeClr val="tx1"/>
+            </a:solidFill>
+            <a:prstDash val="sysDash"/>
+            <a:tailEnd type="arrow"/>
+          </a:ln>
+        </p:spPr>
+        <p:style>
+          <a:lnRef idx="1">
+            <a:schemeClr val="accent1"/>
+          </a:lnRef>
+          <a:fillRef idx="0">
+            <a:schemeClr val="accent1"/>
+          </a:fillRef>
+          <a:effectRef idx="0">
+            <a:schemeClr val="accent1"/>
+          </a:effectRef>
+          <a:fontRef idx="minor">
+            <a:schemeClr val="tx1"/>
+          </a:fontRef>
+        </p:style>
+      </p:cxnSp>
+      <p:sp>
+        <p:nvSpPr>
+          <p:cNvPr id="203" name="TextBox 202"/>
+          <p:cNvSpPr txBox="1"/>
+          <p:nvPr/>
+        </p:nvSpPr>
+        <p:spPr>
+          <a:xfrm rot="5400000" flipV="1">
+            <a:off x="165893" y="1053000"/>
+            <a:ext cx="655837" cy="307777"/>
+          </a:xfrm>
+          <a:prstGeom prst="rect">
+            <a:avLst/>
+          </a:prstGeom>
+          <a:grpFill/>
+          <a:ln>
+            <a:noFill/>
+          </a:ln>
+        </p:spPr>
+        <p:style>
+          <a:lnRef idx="2">
+            <a:schemeClr val="accent1">
+              <a:shade val="50000"/>
+            </a:schemeClr>
+          </a:lnRef>
+          <a:fillRef idx="1">
+            <a:schemeClr val="accent1"/>
+          </a:fillRef>
+          <a:effectRef idx="0">
+            <a:schemeClr val="accent1"/>
+          </a:effectRef>
+          <a:fontRef idx="minor">
+            <a:schemeClr val="lt1"/>
+          </a:fontRef>
+        </p:style>
+        <p:txBody>
+          <a:bodyPr rtlCol="0" anchor="t" anchorCtr="0"/>
+          <a:lstStyle>
+            <a:defPPr>
+              <a:defRPr lang="en-US"/>
+            </a:defPPr>
+            <a:lvl1pPr algn="r">
+              <a:defRPr sz="1400" b="1">
+                <a:solidFill>
+                  <a:schemeClr val="accent2">
+                    <a:lumMod val="75000"/>
+                  </a:schemeClr>
+                </a:solidFill>
+              </a:defRPr>
+            </a:lvl1pPr>
+          </a:lstStyle>
+          <a:p>
+            <a:r>
+              <a:rPr lang="en-US" dirty="0">
+                <a:solidFill>
+                  <a:schemeClr val="tx1"/>
+                </a:solidFill>
+              </a:rPr>
+              <a:t>sends</a:t>
+            </a:r>
+            <a:endParaRPr lang="en-SG" dirty="0">
+              <a:solidFill>
+                <a:schemeClr val="tx1"/>
+              </a:solidFill>
+            </a:endParaRPr>
+          </a:p>
+        </p:txBody>
+      </p:sp>
+      <p:sp>
+        <p:nvSpPr>
+          <p:cNvPr id="204" name="Flowchart: Extract 203"/>
+          <p:cNvSpPr/>
+          <p:nvPr/>
+        </p:nvSpPr>
+        <p:spPr>
+          <a:xfrm rot="10800000">
+            <a:off x="439557" y="1447707"/>
+            <a:ext cx="155075" cy="122330"/>
+          </a:xfrm>
+          <a:prstGeom prst="flowChartExtract">
+            <a:avLst/>
+          </a:prstGeom>
+          <a:solidFill>
+            <a:schemeClr val="tx1"/>
+          </a:solidFill>
+          <a:ln>
+            <a:noFill/>
+          </a:ln>
+        </p:spPr>
+        <p:style>
+          <a:lnRef idx="2">
+            <a:schemeClr val="accent1">
+              <a:shade val="50000"/>
+            </a:schemeClr>
+          </a:lnRef>
+          <a:fillRef idx="1">
+            <a:schemeClr val="accent1"/>
+          </a:fillRef>
+          <a:effectRef idx="0">
+            <a:schemeClr val="accent1"/>
+          </a:effectRef>
+          <a:fontRef idx="minor">
+            <a:schemeClr val="lt1"/>
+          </a:fontRef>
+        </p:style>
+        <p:txBody>
+          <a:bodyPr rtlCol="0" anchor="ctr"/>
+          <a:lstStyle/>
+          <a:p>
+            <a:pPr algn="ctr"/>
+            <a:endParaRPr lang="en-SG"/>
+          </a:p>
+        </p:txBody>
+      </p:sp>
     </p:spTree>
     <p:extLst>
       <p:ext uri="{BB962C8B-B14F-4D97-AF65-F5344CB8AC3E}">

--- a/docs/images/UiComponent.pptx
+++ b/docs/images/UiComponent.pptx
@@ -7,10 +7,13 @@
   <p:notesMasterIdLst>
     <p:notesMasterId r:id="rId3"/>
   </p:notesMasterIdLst>
+  <p:handoutMasterIdLst>
+    <p:handoutMasterId r:id="rId4"/>
+  </p:handoutMasterIdLst>
   <p:sldIdLst>
     <p:sldId id="256" r:id="rId2"/>
   </p:sldIdLst>
-  <p:sldSz cx="10080625" cy="6840538"/>
+  <p:sldSz cx="10439400" cy="7559675"/>
   <p:notesSz cx="6858000" cy="9144000"/>
   <p:defaultTextStyle>
     <a:defPPr>
@@ -110,20 +113,188 @@
   <p:extLst>
     <p:ext uri="{EFAFB233-063F-42B5-8137-9DF3F51BA10A}">
       <p15:sldGuideLst xmlns:p15="http://schemas.microsoft.com/office/powerpoint/2012/main">
-        <p15:guide id="1" orient="horz" pos="2155">
+        <p15:guide id="1" orient="horz" pos="2382" userDrawn="1">
           <p15:clr>
             <a:srgbClr val="A4A3A4"/>
           </p15:clr>
         </p15:guide>
-        <p15:guide id="2" pos="3176">
+        <p15:guide id="2" pos="3289" userDrawn="1">
           <p15:clr>
             <a:srgbClr val="A4A3A4"/>
           </p15:clr>
         </p15:guide>
       </p15:sldGuideLst>
     </p:ext>
+    <p:ext uri="{2D200454-40CA-4A62-9FC3-DE9A4176ACB9}">
+      <p15:notesGuideLst xmlns:p15="http://schemas.microsoft.com/office/powerpoint/2012/main"/>
+    </p:ext>
   </p:extLst>
 </p:presentation>
+</file>
+
+<file path=ppt/handoutMasters/handoutMaster1.xml><?xml version="1.0" encoding="utf-8"?>
+<p:handoutMaster xmlns:a="http://schemas.openxmlformats.org/drawingml/2006/main" xmlns:r="http://schemas.openxmlformats.org/officeDocument/2006/relationships" xmlns:p="http://schemas.openxmlformats.org/presentationml/2006/main">
+  <p:cSld>
+    <p:bg>
+      <p:bgRef idx="1001">
+        <a:schemeClr val="bg1"/>
+      </p:bgRef>
+    </p:bg>
+    <p:spTree>
+      <p:nvGrpSpPr>
+        <p:cNvPr id="1" name=""/>
+        <p:cNvGrpSpPr/>
+        <p:nvPr/>
+      </p:nvGrpSpPr>
+      <p:grpSpPr>
+        <a:xfrm>
+          <a:off x="0" y="0"/>
+          <a:ext cx="0" cy="0"/>
+          <a:chOff x="0" y="0"/>
+          <a:chExt cx="0" cy="0"/>
+        </a:xfrm>
+      </p:grpSpPr>
+      <p:sp>
+        <p:nvSpPr>
+          <p:cNvPr id="2" name="Header Placeholder 1"/>
+          <p:cNvSpPr>
+            <a:spLocks noGrp="1"/>
+          </p:cNvSpPr>
+          <p:nvPr>
+            <p:ph type="hdr" sz="quarter"/>
+          </p:nvPr>
+        </p:nvSpPr>
+        <p:spPr>
+          <a:xfrm>
+            <a:off x="0" y="0"/>
+            <a:ext cx="2971800" cy="458788"/>
+          </a:xfrm>
+          <a:prstGeom prst="rect">
+            <a:avLst/>
+          </a:prstGeom>
+        </p:spPr>
+        <p:txBody>
+          <a:bodyPr vert="horz" lIns="91440" tIns="45720" rIns="91440" bIns="45720" rtlCol="0"/>
+          <a:lstStyle>
+            <a:lvl1pPr algn="l">
+              <a:defRPr sz="1200"/>
+            </a:lvl1pPr>
+          </a:lstStyle>
+          <a:p>
+            <a:endParaRPr lang="en-AU"/>
+          </a:p>
+        </p:txBody>
+      </p:sp>
+      <p:sp>
+        <p:nvSpPr>
+          <p:cNvPr id="3" name="Date Placeholder 2"/>
+          <p:cNvSpPr>
+            <a:spLocks noGrp="1"/>
+          </p:cNvSpPr>
+          <p:nvPr>
+            <p:ph type="dt" sz="quarter" idx="1"/>
+          </p:nvPr>
+        </p:nvSpPr>
+        <p:spPr>
+          <a:xfrm>
+            <a:off x="3884613" y="0"/>
+            <a:ext cx="2971800" cy="458788"/>
+          </a:xfrm>
+          <a:prstGeom prst="rect">
+            <a:avLst/>
+          </a:prstGeom>
+        </p:spPr>
+        <p:txBody>
+          <a:bodyPr vert="horz" lIns="91440" tIns="45720" rIns="91440" bIns="45720" rtlCol="0"/>
+          <a:lstStyle>
+            <a:lvl1pPr algn="r">
+              <a:defRPr sz="1200"/>
+            </a:lvl1pPr>
+          </a:lstStyle>
+          <a:p>
+            <a:fld id="{DAE90588-295F-46D9-AA84-06B159A30412}" type="datetimeFigureOut">
+              <a:rPr lang="en-AU" smtClean="0"/>
+              <a:t>31/01/2017</a:t>
+            </a:fld>
+            <a:endParaRPr lang="en-AU"/>
+          </a:p>
+        </p:txBody>
+      </p:sp>
+      <p:sp>
+        <p:nvSpPr>
+          <p:cNvPr id="4" name="Footer Placeholder 3"/>
+          <p:cNvSpPr>
+            <a:spLocks noGrp="1"/>
+          </p:cNvSpPr>
+          <p:nvPr>
+            <p:ph type="ftr" sz="quarter" idx="2"/>
+          </p:nvPr>
+        </p:nvSpPr>
+        <p:spPr>
+          <a:xfrm>
+            <a:off x="0" y="8685213"/>
+            <a:ext cx="2971800" cy="458787"/>
+          </a:xfrm>
+          <a:prstGeom prst="rect">
+            <a:avLst/>
+          </a:prstGeom>
+        </p:spPr>
+        <p:txBody>
+          <a:bodyPr vert="horz" lIns="91440" tIns="45720" rIns="91440" bIns="45720" rtlCol="0" anchor="b"/>
+          <a:lstStyle>
+            <a:lvl1pPr algn="l">
+              <a:defRPr sz="1200"/>
+            </a:lvl1pPr>
+          </a:lstStyle>
+          <a:p>
+            <a:endParaRPr lang="en-AU"/>
+          </a:p>
+        </p:txBody>
+      </p:sp>
+      <p:sp>
+        <p:nvSpPr>
+          <p:cNvPr id="5" name="Slide Number Placeholder 4"/>
+          <p:cNvSpPr>
+            <a:spLocks noGrp="1"/>
+          </p:cNvSpPr>
+          <p:nvPr>
+            <p:ph type="sldNum" sz="quarter" idx="3"/>
+          </p:nvPr>
+        </p:nvSpPr>
+        <p:spPr>
+          <a:xfrm>
+            <a:off x="3884613" y="8685213"/>
+            <a:ext cx="2971800" cy="458787"/>
+          </a:xfrm>
+          <a:prstGeom prst="rect">
+            <a:avLst/>
+          </a:prstGeom>
+        </p:spPr>
+        <p:txBody>
+          <a:bodyPr vert="horz" lIns="91440" tIns="45720" rIns="91440" bIns="45720" rtlCol="0" anchor="b"/>
+          <a:lstStyle>
+            <a:lvl1pPr algn="r">
+              <a:defRPr sz="1200"/>
+            </a:lvl1pPr>
+          </a:lstStyle>
+          <a:p>
+            <a:fld id="{B3D8B510-204F-42AC-AE71-BFB3CF41F098}" type="slidenum">
+              <a:rPr lang="en-AU" smtClean="0"/>
+              <a:t>‹#›</a:t>
+            </a:fld>
+            <a:endParaRPr lang="en-AU"/>
+          </a:p>
+        </p:txBody>
+      </p:sp>
+    </p:spTree>
+    <p:extLst>
+      <p:ext uri="{BB962C8B-B14F-4D97-AF65-F5344CB8AC3E}">
+        <p14:creationId xmlns:p14="http://schemas.microsoft.com/office/powerpoint/2010/main" val="369131701"/>
+      </p:ext>
+    </p:extLst>
+  </p:cSld>
+  <p:clrMap bg1="lt1" tx1="dk1" bg2="lt2" tx2="dk2" accent1="accent1" accent2="accent2" accent3="accent3" accent4="accent4" accent5="accent5" accent6="accent6" hlink="hlink" folHlink="folHlink"/>
+</p:handoutMaster>
 </file>
 
 <file path=ppt/notesMasters/notesMaster1.xml><?xml version="1.0" encoding="utf-8"?>
@@ -208,7 +379,7 @@
           <a:p>
             <a:fld id="{DC50A2AC-D691-437C-A69B-81ECFE08AD4B}" type="datetimeFigureOut">
               <a:rPr lang="en-SG" smtClean="0"/>
-              <a:t>9/4/2016</a:t>
+              <a:t>31/1/2017</a:t>
             </a:fld>
             <a:endParaRPr lang="en-SG"/>
           </a:p>
@@ -226,8 +397,8 @@
         </p:nvSpPr>
         <p:spPr>
           <a:xfrm>
-            <a:off x="903288" y="685800"/>
-            <a:ext cx="5051425" cy="3429000"/>
+            <a:off x="1062038" y="685800"/>
+            <a:ext cx="4733925" cy="3429000"/>
           </a:xfrm>
           <a:prstGeom prst="rect">
             <a:avLst/>
@@ -505,8 +676,8 @@
         </p:nvSpPr>
         <p:spPr>
           <a:xfrm>
-            <a:off x="903288" y="685800"/>
-            <a:ext cx="5051425" cy="3429000"/>
+            <a:off x="1062038" y="685800"/>
+            <a:ext cx="4733925" cy="3429000"/>
           </a:xfrm>
         </p:spPr>
       </p:sp>
@@ -594,8 +765,8 @@
         </p:nvSpPr>
         <p:spPr>
           <a:xfrm>
-            <a:off x="756047" y="2125003"/>
-            <a:ext cx="8568532" cy="1466283"/>
+            <a:off x="782955" y="2348406"/>
+            <a:ext cx="8873491" cy="1620431"/>
           </a:xfrm>
           <a:prstGeom prst="rect">
             <a:avLst/>
@@ -625,8 +796,8 @@
         </p:nvSpPr>
         <p:spPr>
           <a:xfrm>
-            <a:off x="1512100" y="3876307"/>
-            <a:ext cx="7056437" cy="1748138"/>
+            <a:off x="1565920" y="4283818"/>
+            <a:ext cx="7307579" cy="1931918"/>
           </a:xfrm>
           <a:prstGeom prst="rect">
             <a:avLst/>
@@ -645,7 +816,7 @@
                 </a:solidFill>
               </a:defRPr>
             </a:lvl1pPr>
-            <a:lvl2pPr marL="421721" indent="0" algn="ctr">
+            <a:lvl2pPr marL="421723" indent="0" algn="ctr">
               <a:buNone/>
               <a:defRPr>
                 <a:solidFill>
@@ -655,7 +826,7 @@
                 </a:solidFill>
               </a:defRPr>
             </a:lvl2pPr>
-            <a:lvl3pPr marL="843443" indent="0" algn="ctr">
+            <a:lvl3pPr marL="843447" indent="0" algn="ctr">
               <a:buNone/>
               <a:defRPr>
                 <a:solidFill>
@@ -665,7 +836,7 @@
                 </a:solidFill>
               </a:defRPr>
             </a:lvl3pPr>
-            <a:lvl4pPr marL="1265164" indent="0" algn="ctr">
+            <a:lvl4pPr marL="1265171" indent="0" algn="ctr">
               <a:buNone/>
               <a:defRPr>
                 <a:solidFill>
@@ -675,7 +846,7 @@
                 </a:solidFill>
               </a:defRPr>
             </a:lvl4pPr>
-            <a:lvl5pPr marL="1686885" indent="0" algn="ctr">
+            <a:lvl5pPr marL="1686894" indent="0" algn="ctr">
               <a:buNone/>
               <a:defRPr>
                 <a:solidFill>
@@ -685,7 +856,7 @@
                 </a:solidFill>
               </a:defRPr>
             </a:lvl5pPr>
-            <a:lvl6pPr marL="2108606" indent="0" algn="ctr">
+            <a:lvl6pPr marL="2108616" indent="0" algn="ctr">
               <a:buNone/>
               <a:defRPr>
                 <a:solidFill>
@@ -695,7 +866,7 @@
                 </a:solidFill>
               </a:defRPr>
             </a:lvl6pPr>
-            <a:lvl7pPr marL="2530328" indent="0" algn="ctr">
+            <a:lvl7pPr marL="2530340" indent="0" algn="ctr">
               <a:buNone/>
               <a:defRPr>
                 <a:solidFill>
@@ -705,7 +876,7 @@
                 </a:solidFill>
               </a:defRPr>
             </a:lvl7pPr>
-            <a:lvl8pPr marL="2952049" indent="0" algn="ctr">
+            <a:lvl8pPr marL="2952063" indent="0" algn="ctr">
               <a:buNone/>
               <a:defRPr>
                 <a:solidFill>
@@ -715,7 +886,7 @@
                 </a:solidFill>
               </a:defRPr>
             </a:lvl8pPr>
-            <a:lvl9pPr marL="3373770" indent="0" algn="ctr">
+            <a:lvl9pPr marL="3373787" indent="0" algn="ctr">
               <a:buNone/>
               <a:defRPr>
                 <a:solidFill>
@@ -747,8 +918,8 @@
         </p:nvSpPr>
         <p:spPr>
           <a:xfrm>
-            <a:off x="504032" y="6340168"/>
-            <a:ext cx="2352146" cy="364195"/>
+            <a:off x="521971" y="7006702"/>
+            <a:ext cx="2435860" cy="402482"/>
           </a:xfrm>
           <a:prstGeom prst="rect">
             <a:avLst/>
@@ -761,7 +932,7 @@
             <a:fld id="{1D8BD707-D9CF-40AE-B4C6-C98DA3205C09}" type="datetimeFigureOut">
               <a:rPr lang="en-US" smtClean="0"/>
               <a:pPr/>
-              <a:t>4/9/2016</a:t>
+              <a:t>1/31/2017</a:t>
             </a:fld>
             <a:endParaRPr lang="en-US"/>
           </a:p>
@@ -779,8 +950,8 @@
         </p:nvSpPr>
         <p:spPr>
           <a:xfrm>
-            <a:off x="3444215" y="6340168"/>
-            <a:ext cx="3192198" cy="364195"/>
+            <a:off x="3566797" y="7006702"/>
+            <a:ext cx="3305810" cy="402482"/>
           </a:xfrm>
           <a:prstGeom prst="rect">
             <a:avLst/>
@@ -806,8 +977,8 @@
         </p:nvSpPr>
         <p:spPr>
           <a:xfrm>
-            <a:off x="7224449" y="6340168"/>
-            <a:ext cx="2352146" cy="364195"/>
+            <a:off x="7481571" y="7006702"/>
+            <a:ext cx="2435860" cy="402482"/>
           </a:xfrm>
           <a:prstGeom prst="rect">
             <a:avLst/>
@@ -863,8 +1034,8 @@
         </p:nvSpPr>
         <p:spPr>
           <a:xfrm>
-            <a:off x="504036" y="273941"/>
-            <a:ext cx="9072563" cy="1140090"/>
+            <a:off x="521979" y="302741"/>
+            <a:ext cx="9395461" cy="1259946"/>
           </a:xfrm>
           <a:prstGeom prst="rect">
             <a:avLst/>
@@ -894,8 +1065,8 @@
         </p:nvSpPr>
         <p:spPr>
           <a:xfrm>
-            <a:off x="504036" y="1596128"/>
-            <a:ext cx="9072563" cy="4514439"/>
+            <a:off x="521979" y="1763930"/>
+            <a:ext cx="9395461" cy="4989036"/>
           </a:xfrm>
           <a:prstGeom prst="rect">
             <a:avLst/>
@@ -954,8 +1125,8 @@
         </p:nvSpPr>
         <p:spPr>
           <a:xfrm>
-            <a:off x="504032" y="6340168"/>
-            <a:ext cx="2352146" cy="364195"/>
+            <a:off x="521971" y="7006702"/>
+            <a:ext cx="2435860" cy="402482"/>
           </a:xfrm>
           <a:prstGeom prst="rect">
             <a:avLst/>
@@ -968,7 +1139,7 @@
             <a:fld id="{1D8BD707-D9CF-40AE-B4C6-C98DA3205C09}" type="datetimeFigureOut">
               <a:rPr lang="en-US" smtClean="0"/>
               <a:pPr/>
-              <a:t>4/9/2016</a:t>
+              <a:t>1/31/2017</a:t>
             </a:fld>
             <a:endParaRPr lang="en-US"/>
           </a:p>
@@ -986,8 +1157,8 @@
         </p:nvSpPr>
         <p:spPr>
           <a:xfrm>
-            <a:off x="3444215" y="6340168"/>
-            <a:ext cx="3192198" cy="364195"/>
+            <a:off x="3566797" y="7006702"/>
+            <a:ext cx="3305810" cy="402482"/>
           </a:xfrm>
           <a:prstGeom prst="rect">
             <a:avLst/>
@@ -1013,8 +1184,8 @@
         </p:nvSpPr>
         <p:spPr>
           <a:xfrm>
-            <a:off x="7224449" y="6340168"/>
-            <a:ext cx="2352146" cy="364195"/>
+            <a:off x="7481571" y="7006702"/>
+            <a:ext cx="2435860" cy="402482"/>
           </a:xfrm>
           <a:prstGeom prst="rect">
             <a:avLst/>
@@ -1070,8 +1241,8 @@
         </p:nvSpPr>
         <p:spPr>
           <a:xfrm>
-            <a:off x="7308453" y="273940"/>
-            <a:ext cx="2268141" cy="5836626"/>
+            <a:off x="7568571" y="302741"/>
+            <a:ext cx="2348865" cy="6450223"/>
           </a:xfrm>
           <a:prstGeom prst="rect">
             <a:avLst/>
@@ -1101,8 +1272,8 @@
         </p:nvSpPr>
         <p:spPr>
           <a:xfrm>
-            <a:off x="504033" y="273940"/>
-            <a:ext cx="6636411" cy="5836626"/>
+            <a:off x="521974" y="302741"/>
+            <a:ext cx="6872605" cy="6450223"/>
           </a:xfrm>
           <a:prstGeom prst="rect">
             <a:avLst/>
@@ -1161,8 +1332,8 @@
         </p:nvSpPr>
         <p:spPr>
           <a:xfrm>
-            <a:off x="504032" y="6340168"/>
-            <a:ext cx="2352146" cy="364195"/>
+            <a:off x="521971" y="7006702"/>
+            <a:ext cx="2435860" cy="402482"/>
           </a:xfrm>
           <a:prstGeom prst="rect">
             <a:avLst/>
@@ -1175,7 +1346,7 @@
             <a:fld id="{1D8BD707-D9CF-40AE-B4C6-C98DA3205C09}" type="datetimeFigureOut">
               <a:rPr lang="en-US" smtClean="0"/>
               <a:pPr/>
-              <a:t>4/9/2016</a:t>
+              <a:t>1/31/2017</a:t>
             </a:fld>
             <a:endParaRPr lang="en-US"/>
           </a:p>
@@ -1193,8 +1364,8 @@
         </p:nvSpPr>
         <p:spPr>
           <a:xfrm>
-            <a:off x="3444215" y="6340168"/>
-            <a:ext cx="3192198" cy="364195"/>
+            <a:off x="3566797" y="7006702"/>
+            <a:ext cx="3305810" cy="402482"/>
           </a:xfrm>
           <a:prstGeom prst="rect">
             <a:avLst/>
@@ -1220,8 +1391,8 @@
         </p:nvSpPr>
         <p:spPr>
           <a:xfrm>
-            <a:off x="7224449" y="6340168"/>
-            <a:ext cx="2352146" cy="364195"/>
+            <a:off x="7481571" y="7006702"/>
+            <a:ext cx="2435860" cy="402482"/>
           </a:xfrm>
           <a:prstGeom prst="rect">
             <a:avLst/>
@@ -1277,8 +1448,8 @@
         </p:nvSpPr>
         <p:spPr>
           <a:xfrm>
-            <a:off x="504036" y="273941"/>
-            <a:ext cx="9072563" cy="1140090"/>
+            <a:off x="521979" y="302741"/>
+            <a:ext cx="9395461" cy="1259946"/>
           </a:xfrm>
           <a:prstGeom prst="rect">
             <a:avLst/>
@@ -1308,8 +1479,8 @@
         </p:nvSpPr>
         <p:spPr>
           <a:xfrm>
-            <a:off x="504036" y="1596128"/>
-            <a:ext cx="9072563" cy="4514439"/>
+            <a:off x="521979" y="1763930"/>
+            <a:ext cx="9395461" cy="4989036"/>
           </a:xfrm>
           <a:prstGeom prst="rect">
             <a:avLst/>
@@ -1368,8 +1539,8 @@
         </p:nvSpPr>
         <p:spPr>
           <a:xfrm>
-            <a:off x="504032" y="6340168"/>
-            <a:ext cx="2352146" cy="364195"/>
+            <a:off x="521971" y="7006702"/>
+            <a:ext cx="2435860" cy="402482"/>
           </a:xfrm>
           <a:prstGeom prst="rect">
             <a:avLst/>
@@ -1382,7 +1553,7 @@
             <a:fld id="{1D8BD707-D9CF-40AE-B4C6-C98DA3205C09}" type="datetimeFigureOut">
               <a:rPr lang="en-US" smtClean="0"/>
               <a:pPr/>
-              <a:t>4/9/2016</a:t>
+              <a:t>1/31/2017</a:t>
             </a:fld>
             <a:endParaRPr lang="en-US"/>
           </a:p>
@@ -1400,8 +1571,8 @@
         </p:nvSpPr>
         <p:spPr>
           <a:xfrm>
-            <a:off x="3444215" y="6340168"/>
-            <a:ext cx="3192198" cy="364195"/>
+            <a:off x="3566797" y="7006702"/>
+            <a:ext cx="3305810" cy="402482"/>
           </a:xfrm>
           <a:prstGeom prst="rect">
             <a:avLst/>
@@ -1427,8 +1598,8 @@
         </p:nvSpPr>
         <p:spPr>
           <a:xfrm>
-            <a:off x="7224449" y="6340168"/>
-            <a:ext cx="2352146" cy="364195"/>
+            <a:off x="7481571" y="7006702"/>
+            <a:ext cx="2435860" cy="402482"/>
           </a:xfrm>
           <a:prstGeom prst="rect">
             <a:avLst/>
@@ -1484,8 +1655,8 @@
         </p:nvSpPr>
         <p:spPr>
           <a:xfrm>
-            <a:off x="796301" y="4395682"/>
-            <a:ext cx="8568532" cy="1358607"/>
+            <a:off x="824642" y="4857796"/>
+            <a:ext cx="8873491" cy="1501436"/>
           </a:xfrm>
           <a:prstGeom prst="rect">
             <a:avLst/>
@@ -1519,8 +1690,8 @@
         </p:nvSpPr>
         <p:spPr>
           <a:xfrm>
-            <a:off x="796301" y="2899315"/>
-            <a:ext cx="8568532" cy="1496368"/>
+            <a:off x="824642" y="3204118"/>
+            <a:ext cx="8873491" cy="1653679"/>
           </a:xfrm>
           <a:prstGeom prst="rect">
             <a:avLst/>
@@ -1539,7 +1710,7 @@
                 </a:solidFill>
               </a:defRPr>
             </a:lvl1pPr>
-            <a:lvl2pPr marL="421721" indent="0">
+            <a:lvl2pPr marL="421723" indent="0">
               <a:buNone/>
               <a:defRPr sz="1700">
                 <a:solidFill>
@@ -1549,7 +1720,7 @@
                 </a:solidFill>
               </a:defRPr>
             </a:lvl2pPr>
-            <a:lvl3pPr marL="843443" indent="0">
+            <a:lvl3pPr marL="843447" indent="0">
               <a:buNone/>
               <a:defRPr sz="1500">
                 <a:solidFill>
@@ -1559,7 +1730,7 @@
                 </a:solidFill>
               </a:defRPr>
             </a:lvl3pPr>
-            <a:lvl4pPr marL="1265164" indent="0">
+            <a:lvl4pPr marL="1265171" indent="0">
               <a:buNone/>
               <a:defRPr sz="1300">
                 <a:solidFill>
@@ -1569,7 +1740,7 @@
                 </a:solidFill>
               </a:defRPr>
             </a:lvl4pPr>
-            <a:lvl5pPr marL="1686885" indent="0">
+            <a:lvl5pPr marL="1686894" indent="0">
               <a:buNone/>
               <a:defRPr sz="1300">
                 <a:solidFill>
@@ -1579,7 +1750,7 @@
                 </a:solidFill>
               </a:defRPr>
             </a:lvl5pPr>
-            <a:lvl6pPr marL="2108606" indent="0">
+            <a:lvl6pPr marL="2108616" indent="0">
               <a:buNone/>
               <a:defRPr sz="1300">
                 <a:solidFill>
@@ -1589,7 +1760,7 @@
                 </a:solidFill>
               </a:defRPr>
             </a:lvl6pPr>
-            <a:lvl7pPr marL="2530328" indent="0">
+            <a:lvl7pPr marL="2530340" indent="0">
               <a:buNone/>
               <a:defRPr sz="1300">
                 <a:solidFill>
@@ -1599,7 +1770,7 @@
                 </a:solidFill>
               </a:defRPr>
             </a:lvl7pPr>
-            <a:lvl8pPr marL="2952049" indent="0">
+            <a:lvl8pPr marL="2952063" indent="0">
               <a:buNone/>
               <a:defRPr sz="1300">
                 <a:solidFill>
@@ -1609,7 +1780,7 @@
                 </a:solidFill>
               </a:defRPr>
             </a:lvl8pPr>
-            <a:lvl9pPr marL="3373770" indent="0">
+            <a:lvl9pPr marL="3373787" indent="0">
               <a:buNone/>
               <a:defRPr sz="1300">
                 <a:solidFill>
@@ -1641,8 +1812,8 @@
         </p:nvSpPr>
         <p:spPr>
           <a:xfrm>
-            <a:off x="504032" y="6340168"/>
-            <a:ext cx="2352146" cy="364195"/>
+            <a:off x="521971" y="7006702"/>
+            <a:ext cx="2435860" cy="402482"/>
           </a:xfrm>
           <a:prstGeom prst="rect">
             <a:avLst/>
@@ -1655,7 +1826,7 @@
             <a:fld id="{1D8BD707-D9CF-40AE-B4C6-C98DA3205C09}" type="datetimeFigureOut">
               <a:rPr lang="en-US" smtClean="0"/>
               <a:pPr/>
-              <a:t>4/9/2016</a:t>
+              <a:t>1/31/2017</a:t>
             </a:fld>
             <a:endParaRPr lang="en-US"/>
           </a:p>
@@ -1673,8 +1844,8 @@
         </p:nvSpPr>
         <p:spPr>
           <a:xfrm>
-            <a:off x="3444215" y="6340168"/>
-            <a:ext cx="3192198" cy="364195"/>
+            <a:off x="3566797" y="7006702"/>
+            <a:ext cx="3305810" cy="402482"/>
           </a:xfrm>
           <a:prstGeom prst="rect">
             <a:avLst/>
@@ -1700,8 +1871,8 @@
         </p:nvSpPr>
         <p:spPr>
           <a:xfrm>
-            <a:off x="7224449" y="6340168"/>
-            <a:ext cx="2352146" cy="364195"/>
+            <a:off x="7481571" y="7006702"/>
+            <a:ext cx="2435860" cy="402482"/>
           </a:xfrm>
           <a:prstGeom prst="rect">
             <a:avLst/>
@@ -1757,8 +1928,8 @@
         </p:nvSpPr>
         <p:spPr>
           <a:xfrm>
-            <a:off x="504036" y="273941"/>
-            <a:ext cx="9072563" cy="1140090"/>
+            <a:off x="521979" y="302741"/>
+            <a:ext cx="9395461" cy="1259946"/>
           </a:xfrm>
           <a:prstGeom prst="rect">
             <a:avLst/>
@@ -1788,8 +1959,8 @@
         </p:nvSpPr>
         <p:spPr>
           <a:xfrm>
-            <a:off x="504033" y="1596128"/>
-            <a:ext cx="4452276" cy="4514439"/>
+            <a:off x="521972" y="1763930"/>
+            <a:ext cx="4610735" cy="4989036"/>
           </a:xfrm>
           <a:prstGeom prst="rect">
             <a:avLst/>
@@ -1876,8 +2047,8 @@
         </p:nvSpPr>
         <p:spPr>
           <a:xfrm>
-            <a:off x="5124318" y="1596128"/>
-            <a:ext cx="4452276" cy="4514439"/>
+            <a:off x="5306695" y="1763930"/>
+            <a:ext cx="4610735" cy="4989036"/>
           </a:xfrm>
           <a:prstGeom prst="rect">
             <a:avLst/>
@@ -1964,8 +2135,8 @@
         </p:nvSpPr>
         <p:spPr>
           <a:xfrm>
-            <a:off x="504032" y="6340168"/>
-            <a:ext cx="2352146" cy="364195"/>
+            <a:off x="521971" y="7006702"/>
+            <a:ext cx="2435860" cy="402482"/>
           </a:xfrm>
           <a:prstGeom prst="rect">
             <a:avLst/>
@@ -1978,7 +2149,7 @@
             <a:fld id="{1D8BD707-D9CF-40AE-B4C6-C98DA3205C09}" type="datetimeFigureOut">
               <a:rPr lang="en-US" smtClean="0"/>
               <a:pPr/>
-              <a:t>4/9/2016</a:t>
+              <a:t>1/31/2017</a:t>
             </a:fld>
             <a:endParaRPr lang="en-US"/>
           </a:p>
@@ -1996,8 +2167,8 @@
         </p:nvSpPr>
         <p:spPr>
           <a:xfrm>
-            <a:off x="3444215" y="6340168"/>
-            <a:ext cx="3192198" cy="364195"/>
+            <a:off x="3566797" y="7006702"/>
+            <a:ext cx="3305810" cy="402482"/>
           </a:xfrm>
           <a:prstGeom prst="rect">
             <a:avLst/>
@@ -2023,8 +2194,8 @@
         </p:nvSpPr>
         <p:spPr>
           <a:xfrm>
-            <a:off x="7224449" y="6340168"/>
-            <a:ext cx="2352146" cy="364195"/>
+            <a:off x="7481571" y="7006702"/>
+            <a:ext cx="2435860" cy="402482"/>
           </a:xfrm>
           <a:prstGeom prst="rect">
             <a:avLst/>
@@ -2080,8 +2251,8 @@
         </p:nvSpPr>
         <p:spPr>
           <a:xfrm>
-            <a:off x="504036" y="273941"/>
-            <a:ext cx="9072563" cy="1140090"/>
+            <a:off x="521979" y="302741"/>
+            <a:ext cx="9395461" cy="1259946"/>
           </a:xfrm>
           <a:prstGeom prst="rect">
             <a:avLst/>
@@ -2115,8 +2286,8 @@
         </p:nvSpPr>
         <p:spPr>
           <a:xfrm>
-            <a:off x="504034" y="1531204"/>
-            <a:ext cx="4454027" cy="638133"/>
+            <a:off x="521979" y="1692181"/>
+            <a:ext cx="4612548" cy="705219"/>
           </a:xfrm>
           <a:prstGeom prst="rect">
             <a:avLst/>
@@ -2129,35 +2300,35 @@
               <a:buNone/>
               <a:defRPr sz="2200" b="1"/>
             </a:lvl1pPr>
-            <a:lvl2pPr marL="421721" indent="0">
+            <a:lvl2pPr marL="421723" indent="0">
               <a:buNone/>
               <a:defRPr sz="1800" b="1"/>
             </a:lvl2pPr>
-            <a:lvl3pPr marL="843443" indent="0">
+            <a:lvl3pPr marL="843447" indent="0">
               <a:buNone/>
               <a:defRPr sz="1700" b="1"/>
             </a:lvl3pPr>
-            <a:lvl4pPr marL="1265164" indent="0">
+            <a:lvl4pPr marL="1265171" indent="0">
               <a:buNone/>
               <a:defRPr sz="1500" b="1"/>
             </a:lvl4pPr>
-            <a:lvl5pPr marL="1686885" indent="0">
+            <a:lvl5pPr marL="1686894" indent="0">
               <a:buNone/>
               <a:defRPr sz="1500" b="1"/>
             </a:lvl5pPr>
-            <a:lvl6pPr marL="2108606" indent="0">
+            <a:lvl6pPr marL="2108616" indent="0">
               <a:buNone/>
               <a:defRPr sz="1500" b="1"/>
             </a:lvl6pPr>
-            <a:lvl7pPr marL="2530328" indent="0">
+            <a:lvl7pPr marL="2530340" indent="0">
               <a:buNone/>
               <a:defRPr sz="1500" b="1"/>
             </a:lvl7pPr>
-            <a:lvl8pPr marL="2952049" indent="0">
+            <a:lvl8pPr marL="2952063" indent="0">
               <a:buNone/>
               <a:defRPr sz="1500" b="1"/>
             </a:lvl8pPr>
-            <a:lvl9pPr marL="3373770" indent="0">
+            <a:lvl9pPr marL="3373787" indent="0">
               <a:buNone/>
               <a:defRPr sz="1500" b="1"/>
             </a:lvl9pPr>
@@ -2183,8 +2354,8 @@
         </p:nvSpPr>
         <p:spPr>
           <a:xfrm>
-            <a:off x="504034" y="2169341"/>
-            <a:ext cx="4454027" cy="3941227"/>
+            <a:off x="521979" y="2397404"/>
+            <a:ext cx="4612548" cy="4355563"/>
           </a:xfrm>
           <a:prstGeom prst="rect">
             <a:avLst/>
@@ -2271,8 +2442,8 @@
         </p:nvSpPr>
         <p:spPr>
           <a:xfrm>
-            <a:off x="5120820" y="1531204"/>
-            <a:ext cx="4455776" cy="638133"/>
+            <a:off x="5303073" y="1692181"/>
+            <a:ext cx="4614360" cy="705219"/>
           </a:xfrm>
           <a:prstGeom prst="rect">
             <a:avLst/>
@@ -2285,35 +2456,35 @@
               <a:buNone/>
               <a:defRPr sz="2200" b="1"/>
             </a:lvl1pPr>
-            <a:lvl2pPr marL="421721" indent="0">
+            <a:lvl2pPr marL="421723" indent="0">
               <a:buNone/>
               <a:defRPr sz="1800" b="1"/>
             </a:lvl2pPr>
-            <a:lvl3pPr marL="843443" indent="0">
+            <a:lvl3pPr marL="843447" indent="0">
               <a:buNone/>
               <a:defRPr sz="1700" b="1"/>
             </a:lvl3pPr>
-            <a:lvl4pPr marL="1265164" indent="0">
+            <a:lvl4pPr marL="1265171" indent="0">
               <a:buNone/>
               <a:defRPr sz="1500" b="1"/>
             </a:lvl4pPr>
-            <a:lvl5pPr marL="1686885" indent="0">
+            <a:lvl5pPr marL="1686894" indent="0">
               <a:buNone/>
               <a:defRPr sz="1500" b="1"/>
             </a:lvl5pPr>
-            <a:lvl6pPr marL="2108606" indent="0">
+            <a:lvl6pPr marL="2108616" indent="0">
               <a:buNone/>
               <a:defRPr sz="1500" b="1"/>
             </a:lvl6pPr>
-            <a:lvl7pPr marL="2530328" indent="0">
+            <a:lvl7pPr marL="2530340" indent="0">
               <a:buNone/>
               <a:defRPr sz="1500" b="1"/>
             </a:lvl7pPr>
-            <a:lvl8pPr marL="2952049" indent="0">
+            <a:lvl8pPr marL="2952063" indent="0">
               <a:buNone/>
               <a:defRPr sz="1500" b="1"/>
             </a:lvl8pPr>
-            <a:lvl9pPr marL="3373770" indent="0">
+            <a:lvl9pPr marL="3373787" indent="0">
               <a:buNone/>
               <a:defRPr sz="1500" b="1"/>
             </a:lvl9pPr>
@@ -2339,8 +2510,8 @@
         </p:nvSpPr>
         <p:spPr>
           <a:xfrm>
-            <a:off x="5120820" y="2169341"/>
-            <a:ext cx="4455776" cy="3941227"/>
+            <a:off x="5303073" y="2397404"/>
+            <a:ext cx="4614360" cy="4355563"/>
           </a:xfrm>
           <a:prstGeom prst="rect">
             <a:avLst/>
@@ -2427,8 +2598,8 @@
         </p:nvSpPr>
         <p:spPr>
           <a:xfrm>
-            <a:off x="504032" y="6340168"/>
-            <a:ext cx="2352146" cy="364195"/>
+            <a:off x="521971" y="7006702"/>
+            <a:ext cx="2435860" cy="402482"/>
           </a:xfrm>
           <a:prstGeom prst="rect">
             <a:avLst/>
@@ -2441,7 +2612,7 @@
             <a:fld id="{1D8BD707-D9CF-40AE-B4C6-C98DA3205C09}" type="datetimeFigureOut">
               <a:rPr lang="en-US" smtClean="0"/>
               <a:pPr/>
-              <a:t>4/9/2016</a:t>
+              <a:t>1/31/2017</a:t>
             </a:fld>
             <a:endParaRPr lang="en-US"/>
           </a:p>
@@ -2459,8 +2630,8 @@
         </p:nvSpPr>
         <p:spPr>
           <a:xfrm>
-            <a:off x="3444215" y="6340168"/>
-            <a:ext cx="3192198" cy="364195"/>
+            <a:off x="3566797" y="7006702"/>
+            <a:ext cx="3305810" cy="402482"/>
           </a:xfrm>
           <a:prstGeom prst="rect">
             <a:avLst/>
@@ -2486,8 +2657,8 @@
         </p:nvSpPr>
         <p:spPr>
           <a:xfrm>
-            <a:off x="7224449" y="6340168"/>
-            <a:ext cx="2352146" cy="364195"/>
+            <a:off x="7481571" y="7006702"/>
+            <a:ext cx="2435860" cy="402482"/>
           </a:xfrm>
           <a:prstGeom prst="rect">
             <a:avLst/>
@@ -2543,8 +2714,8 @@
         </p:nvSpPr>
         <p:spPr>
           <a:xfrm>
-            <a:off x="504036" y="273941"/>
-            <a:ext cx="9072563" cy="1140090"/>
+            <a:off x="521979" y="302741"/>
+            <a:ext cx="9395461" cy="1259946"/>
           </a:xfrm>
           <a:prstGeom prst="rect">
             <a:avLst/>
@@ -2574,8 +2745,8 @@
         </p:nvSpPr>
         <p:spPr>
           <a:xfrm>
-            <a:off x="504032" y="6340168"/>
-            <a:ext cx="2352146" cy="364195"/>
+            <a:off x="521971" y="7006702"/>
+            <a:ext cx="2435860" cy="402482"/>
           </a:xfrm>
           <a:prstGeom prst="rect">
             <a:avLst/>
@@ -2588,7 +2759,7 @@
             <a:fld id="{1D8BD707-D9CF-40AE-B4C6-C98DA3205C09}" type="datetimeFigureOut">
               <a:rPr lang="en-US" smtClean="0"/>
               <a:pPr/>
-              <a:t>4/9/2016</a:t>
+              <a:t>1/31/2017</a:t>
             </a:fld>
             <a:endParaRPr lang="en-US"/>
           </a:p>
@@ -2606,8 +2777,8 @@
         </p:nvSpPr>
         <p:spPr>
           <a:xfrm>
-            <a:off x="3444215" y="6340168"/>
-            <a:ext cx="3192198" cy="364195"/>
+            <a:off x="3566797" y="7006702"/>
+            <a:ext cx="3305810" cy="402482"/>
           </a:xfrm>
           <a:prstGeom prst="rect">
             <a:avLst/>
@@ -2633,8 +2804,8 @@
         </p:nvSpPr>
         <p:spPr>
           <a:xfrm>
-            <a:off x="7224449" y="6340168"/>
-            <a:ext cx="2352146" cy="364195"/>
+            <a:off x="7481571" y="7006702"/>
+            <a:ext cx="2435860" cy="402482"/>
           </a:xfrm>
           <a:prstGeom prst="rect">
             <a:avLst/>
@@ -2690,8 +2861,8 @@
         </p:nvSpPr>
         <p:spPr>
           <a:xfrm>
-            <a:off x="504032" y="6340168"/>
-            <a:ext cx="2352146" cy="364195"/>
+            <a:off x="521971" y="7006702"/>
+            <a:ext cx="2435860" cy="402482"/>
           </a:xfrm>
           <a:prstGeom prst="rect">
             <a:avLst/>
@@ -2704,7 +2875,7 @@
             <a:fld id="{1D8BD707-D9CF-40AE-B4C6-C98DA3205C09}" type="datetimeFigureOut">
               <a:rPr lang="en-US" smtClean="0"/>
               <a:pPr/>
-              <a:t>4/9/2016</a:t>
+              <a:t>1/31/2017</a:t>
             </a:fld>
             <a:endParaRPr lang="en-US"/>
           </a:p>
@@ -2722,8 +2893,8 @@
         </p:nvSpPr>
         <p:spPr>
           <a:xfrm>
-            <a:off x="3444215" y="6340168"/>
-            <a:ext cx="3192198" cy="364195"/>
+            <a:off x="3566797" y="7006702"/>
+            <a:ext cx="3305810" cy="402482"/>
           </a:xfrm>
           <a:prstGeom prst="rect">
             <a:avLst/>
@@ -2749,8 +2920,8 @@
         </p:nvSpPr>
         <p:spPr>
           <a:xfrm>
-            <a:off x="7224449" y="6340168"/>
-            <a:ext cx="2352146" cy="364195"/>
+            <a:off x="7481571" y="7006702"/>
+            <a:ext cx="2435860" cy="402482"/>
           </a:xfrm>
           <a:prstGeom prst="rect">
             <a:avLst/>
@@ -2806,8 +2977,8 @@
         </p:nvSpPr>
         <p:spPr>
           <a:xfrm>
-            <a:off x="504032" y="272356"/>
-            <a:ext cx="3316457" cy="1159092"/>
+            <a:off x="521976" y="300989"/>
+            <a:ext cx="3434492" cy="1280946"/>
           </a:xfrm>
           <a:prstGeom prst="rect">
             <a:avLst/>
@@ -2841,8 +3012,8 @@
         </p:nvSpPr>
         <p:spPr>
           <a:xfrm>
-            <a:off x="3941245" y="272355"/>
-            <a:ext cx="5635350" cy="5838209"/>
+            <a:off x="4081516" y="300988"/>
+            <a:ext cx="5835915" cy="6451972"/>
           </a:xfrm>
           <a:prstGeom prst="rect">
             <a:avLst/>
@@ -2929,8 +3100,8 @@
         </p:nvSpPr>
         <p:spPr>
           <a:xfrm>
-            <a:off x="504032" y="1431446"/>
-            <a:ext cx="3316457" cy="4679118"/>
+            <a:off x="521976" y="1581932"/>
+            <a:ext cx="3434492" cy="5171028"/>
           </a:xfrm>
           <a:prstGeom prst="rect">
             <a:avLst/>
@@ -2943,35 +3114,35 @@
               <a:buNone/>
               <a:defRPr sz="1300"/>
             </a:lvl1pPr>
-            <a:lvl2pPr marL="421721" indent="0">
+            <a:lvl2pPr marL="421723" indent="0">
               <a:buNone/>
               <a:defRPr sz="1100"/>
             </a:lvl2pPr>
-            <a:lvl3pPr marL="843443" indent="0">
+            <a:lvl3pPr marL="843447" indent="0">
               <a:buNone/>
               <a:defRPr sz="900"/>
             </a:lvl3pPr>
-            <a:lvl4pPr marL="1265164" indent="0">
+            <a:lvl4pPr marL="1265171" indent="0">
               <a:buNone/>
               <a:defRPr sz="800"/>
             </a:lvl4pPr>
-            <a:lvl5pPr marL="1686885" indent="0">
+            <a:lvl5pPr marL="1686894" indent="0">
               <a:buNone/>
               <a:defRPr sz="800"/>
             </a:lvl5pPr>
-            <a:lvl6pPr marL="2108606" indent="0">
+            <a:lvl6pPr marL="2108616" indent="0">
               <a:buNone/>
               <a:defRPr sz="800"/>
             </a:lvl6pPr>
-            <a:lvl7pPr marL="2530328" indent="0">
+            <a:lvl7pPr marL="2530340" indent="0">
               <a:buNone/>
               <a:defRPr sz="800"/>
             </a:lvl7pPr>
-            <a:lvl8pPr marL="2952049" indent="0">
+            <a:lvl8pPr marL="2952063" indent="0">
               <a:buNone/>
               <a:defRPr sz="800"/>
             </a:lvl8pPr>
-            <a:lvl9pPr marL="3373770" indent="0">
+            <a:lvl9pPr marL="3373787" indent="0">
               <a:buNone/>
               <a:defRPr sz="800"/>
             </a:lvl9pPr>
@@ -2997,8 +3168,8 @@
         </p:nvSpPr>
         <p:spPr>
           <a:xfrm>
-            <a:off x="504032" y="6340168"/>
-            <a:ext cx="2352146" cy="364195"/>
+            <a:off x="521971" y="7006702"/>
+            <a:ext cx="2435860" cy="402482"/>
           </a:xfrm>
           <a:prstGeom prst="rect">
             <a:avLst/>
@@ -3011,7 +3182,7 @@
             <a:fld id="{1D8BD707-D9CF-40AE-B4C6-C98DA3205C09}" type="datetimeFigureOut">
               <a:rPr lang="en-US" smtClean="0"/>
               <a:pPr/>
-              <a:t>4/9/2016</a:t>
+              <a:t>1/31/2017</a:t>
             </a:fld>
             <a:endParaRPr lang="en-US"/>
           </a:p>
@@ -3029,8 +3200,8 @@
         </p:nvSpPr>
         <p:spPr>
           <a:xfrm>
-            <a:off x="3444215" y="6340168"/>
-            <a:ext cx="3192198" cy="364195"/>
+            <a:off x="3566797" y="7006702"/>
+            <a:ext cx="3305810" cy="402482"/>
           </a:xfrm>
           <a:prstGeom prst="rect">
             <a:avLst/>
@@ -3056,8 +3227,8 @@
         </p:nvSpPr>
         <p:spPr>
           <a:xfrm>
-            <a:off x="7224449" y="6340168"/>
-            <a:ext cx="2352146" cy="364195"/>
+            <a:off x="7481571" y="7006702"/>
+            <a:ext cx="2435860" cy="402482"/>
           </a:xfrm>
           <a:prstGeom prst="rect">
             <a:avLst/>
@@ -3113,8 +3284,8 @@
         </p:nvSpPr>
         <p:spPr>
           <a:xfrm>
-            <a:off x="1975877" y="4788378"/>
-            <a:ext cx="6048375" cy="565295"/>
+            <a:off x="2046205" y="5291774"/>
+            <a:ext cx="6263640" cy="624724"/>
           </a:xfrm>
           <a:prstGeom prst="rect">
             <a:avLst/>
@@ -3148,8 +3319,8 @@
         </p:nvSpPr>
         <p:spPr>
           <a:xfrm>
-            <a:off x="1975877" y="611217"/>
-            <a:ext cx="6048375" cy="4104323"/>
+            <a:off x="2046205" y="675476"/>
+            <a:ext cx="6263640" cy="4535805"/>
           </a:xfrm>
           <a:prstGeom prst="rect">
             <a:avLst/>
@@ -3162,35 +3333,35 @@
               <a:buNone/>
               <a:defRPr sz="3000"/>
             </a:lvl1pPr>
-            <a:lvl2pPr marL="421721" indent="0">
+            <a:lvl2pPr marL="421723" indent="0">
               <a:buNone/>
               <a:defRPr sz="2600"/>
             </a:lvl2pPr>
-            <a:lvl3pPr marL="843443" indent="0">
+            <a:lvl3pPr marL="843447" indent="0">
               <a:buNone/>
               <a:defRPr sz="2200"/>
             </a:lvl3pPr>
-            <a:lvl4pPr marL="1265164" indent="0">
+            <a:lvl4pPr marL="1265171" indent="0">
               <a:buNone/>
               <a:defRPr sz="1800"/>
             </a:lvl4pPr>
-            <a:lvl5pPr marL="1686885" indent="0">
+            <a:lvl5pPr marL="1686894" indent="0">
               <a:buNone/>
               <a:defRPr sz="1800"/>
             </a:lvl5pPr>
-            <a:lvl6pPr marL="2108606" indent="0">
+            <a:lvl6pPr marL="2108616" indent="0">
               <a:buNone/>
               <a:defRPr sz="1800"/>
             </a:lvl6pPr>
-            <a:lvl7pPr marL="2530328" indent="0">
+            <a:lvl7pPr marL="2530340" indent="0">
               <a:buNone/>
               <a:defRPr sz="1800"/>
             </a:lvl7pPr>
-            <a:lvl8pPr marL="2952049" indent="0">
+            <a:lvl8pPr marL="2952063" indent="0">
               <a:buNone/>
               <a:defRPr sz="1800"/>
             </a:lvl8pPr>
-            <a:lvl9pPr marL="3373770" indent="0">
+            <a:lvl9pPr marL="3373787" indent="0">
               <a:buNone/>
               <a:defRPr sz="1800"/>
             </a:lvl9pPr>
@@ -3212,8 +3383,8 @@
         </p:nvSpPr>
         <p:spPr>
           <a:xfrm>
-            <a:off x="1975877" y="5353674"/>
-            <a:ext cx="6048375" cy="802813"/>
+            <a:off x="2046205" y="5916500"/>
+            <a:ext cx="6263640" cy="887212"/>
           </a:xfrm>
           <a:prstGeom prst="rect">
             <a:avLst/>
@@ -3226,35 +3397,35 @@
               <a:buNone/>
               <a:defRPr sz="1300"/>
             </a:lvl1pPr>
-            <a:lvl2pPr marL="421721" indent="0">
+            <a:lvl2pPr marL="421723" indent="0">
               <a:buNone/>
               <a:defRPr sz="1100"/>
             </a:lvl2pPr>
-            <a:lvl3pPr marL="843443" indent="0">
+            <a:lvl3pPr marL="843447" indent="0">
               <a:buNone/>
               <a:defRPr sz="900"/>
             </a:lvl3pPr>
-            <a:lvl4pPr marL="1265164" indent="0">
+            <a:lvl4pPr marL="1265171" indent="0">
               <a:buNone/>
               <a:defRPr sz="800"/>
             </a:lvl4pPr>
-            <a:lvl5pPr marL="1686885" indent="0">
+            <a:lvl5pPr marL="1686894" indent="0">
               <a:buNone/>
               <a:defRPr sz="800"/>
             </a:lvl5pPr>
-            <a:lvl6pPr marL="2108606" indent="0">
+            <a:lvl6pPr marL="2108616" indent="0">
               <a:buNone/>
               <a:defRPr sz="800"/>
             </a:lvl6pPr>
-            <a:lvl7pPr marL="2530328" indent="0">
+            <a:lvl7pPr marL="2530340" indent="0">
               <a:buNone/>
               <a:defRPr sz="800"/>
             </a:lvl7pPr>
-            <a:lvl8pPr marL="2952049" indent="0">
+            <a:lvl8pPr marL="2952063" indent="0">
               <a:buNone/>
               <a:defRPr sz="800"/>
             </a:lvl8pPr>
-            <a:lvl9pPr marL="3373770" indent="0">
+            <a:lvl9pPr marL="3373787" indent="0">
               <a:buNone/>
               <a:defRPr sz="800"/>
             </a:lvl9pPr>
@@ -3280,8 +3451,8 @@
         </p:nvSpPr>
         <p:spPr>
           <a:xfrm>
-            <a:off x="504032" y="6340168"/>
-            <a:ext cx="2352146" cy="364195"/>
+            <a:off x="521971" y="7006702"/>
+            <a:ext cx="2435860" cy="402482"/>
           </a:xfrm>
           <a:prstGeom prst="rect">
             <a:avLst/>
@@ -3294,7 +3465,7 @@
             <a:fld id="{1D8BD707-D9CF-40AE-B4C6-C98DA3205C09}" type="datetimeFigureOut">
               <a:rPr lang="en-US" smtClean="0"/>
               <a:pPr/>
-              <a:t>4/9/2016</a:t>
+              <a:t>1/31/2017</a:t>
             </a:fld>
             <a:endParaRPr lang="en-US"/>
           </a:p>
@@ -3312,8 +3483,8 @@
         </p:nvSpPr>
         <p:spPr>
           <a:xfrm>
-            <a:off x="3444215" y="6340168"/>
-            <a:ext cx="3192198" cy="364195"/>
+            <a:off x="3566797" y="7006702"/>
+            <a:ext cx="3305810" cy="402482"/>
           </a:xfrm>
           <a:prstGeom prst="rect">
             <a:avLst/>
@@ -3339,8 +3510,8 @@
         </p:nvSpPr>
         <p:spPr>
           <a:xfrm>
-            <a:off x="7224449" y="6340168"/>
-            <a:ext cx="2352146" cy="364195"/>
+            <a:off x="7481571" y="7006702"/>
+            <a:ext cx="2435860" cy="402482"/>
           </a:xfrm>
           <a:prstGeom prst="rect">
             <a:avLst/>
@@ -3397,8 +3568,8 @@
         </p:nvSpPr>
         <p:spPr>
           <a:xfrm>
-            <a:off x="1151740" y="143669"/>
-            <a:ext cx="8155772" cy="6553200"/>
+            <a:off x="1333501" y="158773"/>
+            <a:ext cx="8305270" cy="7242130"/>
           </a:xfrm>
           <a:prstGeom prst="roundRect">
             <a:avLst>
@@ -3407,15 +3578,14 @@
           </a:prstGeom>
           <a:solidFill>
             <a:schemeClr val="accent1">
-              <a:lumMod val="40000"/>
-              <a:lumOff val="60000"/>
+              <a:lumMod val="60000"/>
+              <a:lumOff val="40000"/>
             </a:schemeClr>
           </a:solidFill>
           <a:ln>
             <a:solidFill>
               <a:schemeClr val="accent1">
-                <a:lumMod val="60000"/>
-                <a:lumOff val="40000"/>
+                <a:lumMod val="75000"/>
               </a:schemeClr>
             </a:solidFill>
           </a:ln>
@@ -3457,10 +3627,10 @@
         </p:nvGrpSpPr>
         <p:grpSpPr>
           <a:xfrm>
-            <a:off x="1309431" y="372269"/>
-            <a:ext cx="7806050" cy="4191000"/>
+            <a:off x="1490873" y="503237"/>
+            <a:ext cx="7955196" cy="1255734"/>
             <a:chOff x="-4503450" y="1371600"/>
-            <a:chExt cx="5646450" cy="4191000"/>
+            <a:chExt cx="5636997" cy="4166353"/>
           </a:xfrm>
           <a:solidFill>
             <a:schemeClr val="bg1"/>
@@ -3474,8 +3644,8 @@
           </p:nvSpPr>
           <p:spPr>
             <a:xfrm>
-              <a:off x="-4503450" y="1523999"/>
-              <a:ext cx="5646449" cy="4038601"/>
+              <a:off x="-4503450" y="1930401"/>
+              <a:ext cx="5636997" cy="3607552"/>
             </a:xfrm>
             <a:prstGeom prst="rect">
               <a:avLst/>
@@ -3483,9 +3653,8 @@
             <a:grpFill/>
             <a:ln>
               <a:solidFill>
-                <a:schemeClr val="tx2">
-                  <a:lumMod val="40000"/>
-                  <a:lumOff val="60000"/>
+                <a:schemeClr val="accent1">
+                  <a:lumMod val="75000"/>
                 </a:schemeClr>
               </a:solidFill>
             </a:ln>
@@ -3507,37 +3676,35 @@
             </a:fontRef>
           </p:style>
           <p:txBody>
-            <a:bodyPr rtlCol="0" anchor="t" anchorCtr="0"/>
+            <a:bodyPr lIns="90000" rIns="90000" rtlCol="0" anchor="t" anchorCtr="0"/>
             <a:lstStyle/>
             <a:p>
-              <a:pPr algn="ctr"/>
+              <a:pPr algn="r"/>
               <a:r>
-                <a:rPr lang="en-US" sz="1400" b="1" dirty="0" smtClean="0">
+                <a:rPr lang="en-SG" sz="1400" b="1" dirty="0" err="1" smtClean="0">
                   <a:solidFill>
-                    <a:schemeClr val="tx2"/>
-                  </a:solidFill>
-                </a:rPr>
-                <a:t>                                                                                           </a:t>
-              </a:r>
-              <a:r>
-                <a:rPr lang="en-US" sz="1400" b="1" dirty="0" err="1" smtClean="0">
-                  <a:solidFill>
-                    <a:schemeClr val="tx2"/>
+                    <a:schemeClr val="accent1">
+                      <a:lumMod val="75000"/>
+                    </a:schemeClr>
                   </a:solidFill>
                 </a:rPr>
                 <a:t>ui</a:t>
               </a:r>
               <a:r>
-                <a:rPr lang="en-US" sz="1400" b="1" dirty="0" smtClean="0">
+                <a:rPr lang="en-SG" sz="1400" b="1" dirty="0" smtClean="0">
                   <a:solidFill>
-                    <a:schemeClr val="tx2"/>
+                    <a:schemeClr val="accent1">
+                      <a:lumMod val="75000"/>
+                    </a:schemeClr>
                   </a:solidFill>
                 </a:rPr>
-                <a:t>::controller</a:t>
+                <a:t>::automated</a:t>
               </a:r>
               <a:endParaRPr lang="en-SG" sz="1400" b="1" dirty="0">
                 <a:solidFill>
-                  <a:schemeClr val="tx2"/>
+                  <a:schemeClr val="accent1">
+                    <a:lumMod val="75000"/>
+                  </a:schemeClr>
                 </a:solidFill>
               </a:endParaRPr>
             </a:p>
@@ -3551,8 +3718,8 @@
           </p:nvSpPr>
           <p:spPr>
             <a:xfrm>
-              <a:off x="647700" y="1371600"/>
-              <a:ext cx="495300" cy="152400"/>
+              <a:off x="198377" y="1371600"/>
+              <a:ext cx="935170" cy="558800"/>
             </a:xfrm>
             <a:prstGeom prst="rect">
               <a:avLst/>
@@ -3560,9 +3727,8 @@
             <a:grpFill/>
             <a:ln>
               <a:solidFill>
-                <a:schemeClr val="tx2">
-                  <a:lumMod val="40000"/>
-                  <a:lumOff val="60000"/>
+                <a:schemeClr val="accent1">
+                  <a:lumMod val="75000"/>
                 </a:schemeClr>
               </a:solidFill>
             </a:ln>
@@ -3589,7 +3755,9 @@
             <a:p>
               <a:endParaRPr lang="en-SG" sz="1400" b="1">
                 <a:solidFill>
-                  <a:schemeClr val="tx2"/>
+                  <a:schemeClr val="accent1">
+                    <a:lumMod val="75000"/>
+                  </a:schemeClr>
                 </a:solidFill>
               </a:endParaRPr>
             </a:p>
@@ -3604,10 +3772,10 @@
         </p:nvGrpSpPr>
         <p:grpSpPr>
           <a:xfrm>
-            <a:off x="1309431" y="4660901"/>
-            <a:ext cx="7825099" cy="1939130"/>
-            <a:chOff x="-6244711" y="1774031"/>
-            <a:chExt cx="7387711" cy="1939130"/>
+            <a:off x="1504438" y="5075237"/>
+            <a:ext cx="4281095" cy="2209800"/>
+            <a:chOff x="-6244711" y="1678727"/>
+            <a:chExt cx="7387711" cy="2677315"/>
           </a:xfrm>
           <a:solidFill>
             <a:schemeClr val="bg1"/>
@@ -3621,8 +3789,8 @@
           </p:nvSpPr>
           <p:spPr>
             <a:xfrm>
-              <a:off x="-6244711" y="1926431"/>
-              <a:ext cx="7387711" cy="1786730"/>
+              <a:off x="-6244711" y="1853192"/>
+              <a:ext cx="7387711" cy="2502850"/>
             </a:xfrm>
             <a:prstGeom prst="rect">
               <a:avLst/>
@@ -3630,9 +3798,8 @@
             <a:grpFill/>
             <a:ln>
               <a:solidFill>
-                <a:schemeClr val="tx2">
-                  <a:lumMod val="40000"/>
-                  <a:lumOff val="60000"/>
+                <a:schemeClr val="accent1">
+                  <a:lumMod val="75000"/>
                 </a:schemeClr>
               </a:solidFill>
             </a:ln>
@@ -3657,19 +3824,13 @@
             <a:bodyPr rtlCol="0" anchor="t" anchorCtr="0"/>
             <a:lstStyle/>
             <a:p>
-              <a:pPr algn="ctr"/>
-              <a:r>
-                <a:rPr lang="en-US" sz="1400" b="1" dirty="0" smtClean="0">
-                  <a:solidFill>
-                    <a:schemeClr val="tx2"/>
-                  </a:solidFill>
-                </a:rPr>
-                <a:t>               </a:t>
-              </a:r>
+              <a:pPr algn="r"/>
               <a:r>
                 <a:rPr lang="en-US" sz="1400" b="1" dirty="0" err="1" smtClean="0">
                   <a:solidFill>
-                    <a:schemeClr val="tx2"/>
+                    <a:schemeClr val="accent1">
+                      <a:lumMod val="75000"/>
+                    </a:schemeClr>
                   </a:solidFill>
                 </a:rPr>
                 <a:t>ui</a:t>
@@ -3677,14 +3838,18 @@
               <a:r>
                 <a:rPr lang="en-US" sz="1400" b="1" dirty="0" smtClean="0">
                   <a:solidFill>
-                    <a:schemeClr val="tx2"/>
+                    <a:schemeClr val="accent1">
+                      <a:lumMod val="75000"/>
+                    </a:schemeClr>
                   </a:solidFill>
                 </a:rPr>
-                <a:t>::view</a:t>
+                <a:t>::website</a:t>
               </a:r>
               <a:endParaRPr lang="en-SG" sz="1400" b="1" dirty="0">
                 <a:solidFill>
-                  <a:schemeClr val="tx2"/>
+                  <a:schemeClr val="accent1">
+                    <a:lumMod val="75000"/>
+                  </a:schemeClr>
                 </a:solidFill>
               </a:endParaRPr>
             </a:p>
@@ -3698,8 +3863,8 @@
           </p:nvSpPr>
           <p:spPr>
             <a:xfrm>
-              <a:off x="647700" y="1774031"/>
-              <a:ext cx="495300" cy="152400"/>
+              <a:off x="-754876" y="1678727"/>
+              <a:ext cx="1897875" cy="174465"/>
             </a:xfrm>
             <a:prstGeom prst="rect">
               <a:avLst/>
@@ -3707,9 +3872,8 @@
             <a:grpFill/>
             <a:ln>
               <a:solidFill>
-                <a:schemeClr val="tx2">
-                  <a:lumMod val="40000"/>
-                  <a:lumOff val="60000"/>
+                <a:schemeClr val="accent1">
+                  <a:lumMod val="75000"/>
                 </a:schemeClr>
               </a:solidFill>
             </a:ln>
@@ -3736,7 +3900,9 @@
             <a:p>
               <a:endParaRPr lang="en-SG" sz="1400" b="1">
                 <a:solidFill>
-                  <a:schemeClr val="tx2"/>
+                  <a:schemeClr val="accent1">
+                    <a:lumMod val="75000"/>
+                  </a:schemeClr>
                 </a:solidFill>
               </a:endParaRPr>
             </a:p>
@@ -3751,8 +3917,8 @@
         </p:nvSpPr>
         <p:spPr>
           <a:xfrm>
-            <a:off x="9514342" y="143669"/>
-            <a:ext cx="914400" cy="6591297"/>
+            <a:off x="9868745" y="158773"/>
+            <a:ext cx="931162" cy="7284232"/>
           </a:xfrm>
           <a:prstGeom prst="roundRect">
             <a:avLst>
@@ -3809,8 +3975,8 @@
         </p:nvSpPr>
         <p:spPr>
           <a:xfrm>
-            <a:off x="9971542" y="-84931"/>
-            <a:ext cx="609600" cy="7010400"/>
+            <a:off x="10336957" y="-93860"/>
+            <a:ext cx="620774" cy="7747394"/>
           </a:xfrm>
           <a:prstGeom prst="rect">
             <a:avLst/>
@@ -3846,10 +4012,457 @@
           <a:lstStyle/>
           <a:p>
             <a:pPr algn="ctr"/>
-            <a:endParaRPr lang="en-SG"/>
-          </a:p>
-        </p:txBody>
-      </p:sp>
+            <a:endParaRPr lang="en-SG" sz="1700"/>
+          </a:p>
+        </p:txBody>
+      </p:sp>
+      <p:grpSp>
+        <p:nvGrpSpPr>
+          <p:cNvPr id="18" name="Group 17"/>
+          <p:cNvGrpSpPr/>
+          <p:nvPr userDrawn="1"/>
+        </p:nvGrpSpPr>
+        <p:grpSpPr>
+          <a:xfrm>
+            <a:off x="1504438" y="1874838"/>
+            <a:ext cx="7955196" cy="3124201"/>
+            <a:chOff x="-4503450" y="1371600"/>
+            <a:chExt cx="5636997" cy="10365672"/>
+          </a:xfrm>
+          <a:solidFill>
+            <a:schemeClr val="bg1"/>
+          </a:solidFill>
+        </p:grpSpPr>
+        <p:sp>
+          <p:nvSpPr>
+            <p:cNvPr id="19" name="Rectangle 18"/>
+            <p:cNvSpPr/>
+            <p:nvPr/>
+          </p:nvSpPr>
+          <p:spPr>
+            <a:xfrm>
+              <a:off x="-4503450" y="1930398"/>
+              <a:ext cx="5636997" cy="9806874"/>
+            </a:xfrm>
+            <a:prstGeom prst="rect">
+              <a:avLst/>
+            </a:prstGeom>
+            <a:grpFill/>
+            <a:ln>
+              <a:solidFill>
+                <a:schemeClr val="accent1">
+                  <a:lumMod val="75000"/>
+                </a:schemeClr>
+              </a:solidFill>
+            </a:ln>
+          </p:spPr>
+          <p:style>
+            <a:lnRef idx="2">
+              <a:schemeClr val="accent1">
+                <a:shade val="50000"/>
+              </a:schemeClr>
+            </a:lnRef>
+            <a:fillRef idx="1">
+              <a:schemeClr val="accent1"/>
+            </a:fillRef>
+            <a:effectRef idx="0">
+              <a:schemeClr val="accent1"/>
+            </a:effectRef>
+            <a:fontRef idx="minor">
+              <a:schemeClr val="lt1"/>
+            </a:fontRef>
+          </p:style>
+          <p:txBody>
+            <a:bodyPr lIns="90000" rIns="90000" rtlCol="0" anchor="t" anchorCtr="0"/>
+            <a:lstStyle/>
+            <a:p>
+              <a:pPr algn="r"/>
+              <a:r>
+                <a:rPr lang="en-SG" sz="1400" b="1" dirty="0" err="1" smtClean="0">
+                  <a:solidFill>
+                    <a:schemeClr val="accent1">
+                      <a:lumMod val="75000"/>
+                    </a:schemeClr>
+                  </a:solidFill>
+                </a:rPr>
+                <a:t>ui</a:t>
+              </a:r>
+              <a:r>
+                <a:rPr lang="en-SG" sz="1400" b="1" dirty="0" smtClean="0">
+                  <a:solidFill>
+                    <a:schemeClr val="accent1">
+                      <a:lumMod val="75000"/>
+                    </a:schemeClr>
+                  </a:solidFill>
+                </a:rPr>
+                <a:t>::controller</a:t>
+              </a:r>
+              <a:endParaRPr lang="en-SG" sz="1400" b="1" dirty="0">
+                <a:solidFill>
+                  <a:schemeClr val="accent1">
+                    <a:lumMod val="75000"/>
+                  </a:schemeClr>
+                </a:solidFill>
+              </a:endParaRPr>
+            </a:p>
+          </p:txBody>
+        </p:sp>
+        <p:sp>
+          <p:nvSpPr>
+            <p:cNvPr id="20" name="Rectangle 19"/>
+            <p:cNvSpPr/>
+            <p:nvPr/>
+          </p:nvSpPr>
+          <p:spPr>
+            <a:xfrm>
+              <a:off x="198377" y="1371600"/>
+              <a:ext cx="935170" cy="558800"/>
+            </a:xfrm>
+            <a:prstGeom prst="rect">
+              <a:avLst/>
+            </a:prstGeom>
+            <a:grpFill/>
+            <a:ln>
+              <a:solidFill>
+                <a:schemeClr val="accent1">
+                  <a:lumMod val="75000"/>
+                </a:schemeClr>
+              </a:solidFill>
+            </a:ln>
+          </p:spPr>
+          <p:style>
+            <a:lnRef idx="2">
+              <a:schemeClr val="accent1">
+                <a:shade val="50000"/>
+              </a:schemeClr>
+            </a:lnRef>
+            <a:fillRef idx="1">
+              <a:schemeClr val="accent1"/>
+            </a:fillRef>
+            <a:effectRef idx="0">
+              <a:schemeClr val="accent1"/>
+            </a:effectRef>
+            <a:fontRef idx="minor">
+              <a:schemeClr val="lt1"/>
+            </a:fontRef>
+          </p:style>
+          <p:txBody>
+            <a:bodyPr rtlCol="0" anchor="t" anchorCtr="0"/>
+            <a:lstStyle/>
+            <a:p>
+              <a:endParaRPr lang="en-SG" sz="1400" b="1">
+                <a:solidFill>
+                  <a:schemeClr val="accent1">
+                    <a:lumMod val="75000"/>
+                  </a:schemeClr>
+                </a:solidFill>
+              </a:endParaRPr>
+            </a:p>
+          </p:txBody>
+        </p:sp>
+      </p:grpSp>
+      <p:grpSp>
+        <p:nvGrpSpPr>
+          <p:cNvPr id="2" name="Group 1"/>
+          <p:cNvGrpSpPr/>
+          <p:nvPr userDrawn="1"/>
+        </p:nvGrpSpPr>
+        <p:grpSpPr>
+          <a:xfrm>
+            <a:off x="5928704" y="5075237"/>
+            <a:ext cx="3544192" cy="1066800"/>
+            <a:chOff x="5576821" y="5075237"/>
+            <a:chExt cx="3480396" cy="1066800"/>
+          </a:xfrm>
+        </p:grpSpPr>
+        <p:sp>
+          <p:nvSpPr>
+            <p:cNvPr id="22" name="Rectangle 21"/>
+            <p:cNvSpPr/>
+            <p:nvPr/>
+          </p:nvSpPr>
+          <p:spPr>
+            <a:xfrm>
+              <a:off x="5576821" y="5075237"/>
+              <a:ext cx="3316931" cy="1066800"/>
+            </a:xfrm>
+            <a:prstGeom prst="rect">
+              <a:avLst/>
+            </a:prstGeom>
+            <a:solidFill>
+              <a:schemeClr val="bg1"/>
+            </a:solidFill>
+            <a:ln>
+              <a:solidFill>
+                <a:schemeClr val="accent1">
+                  <a:lumMod val="75000"/>
+                </a:schemeClr>
+              </a:solidFill>
+            </a:ln>
+          </p:spPr>
+          <p:style>
+            <a:lnRef idx="2">
+              <a:schemeClr val="accent1">
+                <a:shade val="50000"/>
+              </a:schemeClr>
+            </a:lnRef>
+            <a:fillRef idx="1">
+              <a:schemeClr val="accent1"/>
+            </a:fillRef>
+            <a:effectRef idx="0">
+              <a:schemeClr val="accent1"/>
+            </a:effectRef>
+            <a:fontRef idx="minor">
+              <a:schemeClr val="lt1"/>
+            </a:fontRef>
+          </p:style>
+          <p:txBody>
+            <a:bodyPr rtlCol="0" anchor="t" anchorCtr="0"/>
+            <a:lstStyle/>
+            <a:p>
+              <a:pPr algn="r"/>
+              <a:r>
+                <a:rPr lang="en-US" sz="1400" b="1" dirty="0" err="1" smtClean="0">
+                  <a:solidFill>
+                    <a:schemeClr val="accent1">
+                      <a:lumMod val="75000"/>
+                    </a:schemeClr>
+                  </a:solidFill>
+                </a:rPr>
+                <a:t>ui</a:t>
+              </a:r>
+              <a:r>
+                <a:rPr lang="en-US" sz="1400" b="1" dirty="0" smtClean="0">
+                  <a:solidFill>
+                    <a:schemeClr val="accent1">
+                      <a:lumMod val="75000"/>
+                    </a:schemeClr>
+                  </a:solidFill>
+                </a:rPr>
+                <a:t>::</a:t>
+              </a:r>
+              <a:r>
+                <a:rPr lang="en-US" sz="1400" b="1" dirty="0" err="1" smtClean="0">
+                  <a:solidFill>
+                    <a:schemeClr val="accent1">
+                      <a:lumMod val="75000"/>
+                    </a:schemeClr>
+                  </a:solidFill>
+                </a:rPr>
+                <a:t>pagedata</a:t>
+              </a:r>
+              <a:endParaRPr lang="en-SG" sz="1400" b="1" dirty="0">
+                <a:solidFill>
+                  <a:schemeClr val="accent1">
+                    <a:lumMod val="75000"/>
+                  </a:schemeClr>
+                </a:solidFill>
+              </a:endParaRPr>
+            </a:p>
+          </p:txBody>
+        </p:sp>
+        <p:sp>
+          <p:nvSpPr>
+            <p:cNvPr id="25" name="Rectangle 24"/>
+            <p:cNvSpPr/>
+            <p:nvPr userDrawn="1"/>
+          </p:nvSpPr>
+          <p:spPr>
+            <a:xfrm>
+              <a:off x="8902345" y="5075237"/>
+              <a:ext cx="154872" cy="792000"/>
+            </a:xfrm>
+            <a:prstGeom prst="rect">
+              <a:avLst/>
+            </a:prstGeom>
+            <a:solidFill>
+              <a:schemeClr val="bg1"/>
+            </a:solidFill>
+            <a:ln>
+              <a:solidFill>
+                <a:schemeClr val="accent1">
+                  <a:lumMod val="75000"/>
+                </a:schemeClr>
+              </a:solidFill>
+            </a:ln>
+          </p:spPr>
+          <p:style>
+            <a:lnRef idx="2">
+              <a:schemeClr val="accent1">
+                <a:shade val="50000"/>
+              </a:schemeClr>
+            </a:lnRef>
+            <a:fillRef idx="1">
+              <a:schemeClr val="accent1"/>
+            </a:fillRef>
+            <a:effectRef idx="0">
+              <a:schemeClr val="accent1"/>
+            </a:effectRef>
+            <a:fontRef idx="minor">
+              <a:schemeClr val="lt1"/>
+            </a:fontRef>
+          </p:style>
+          <p:txBody>
+            <a:bodyPr rtlCol="0" anchor="t" anchorCtr="0"/>
+            <a:lstStyle/>
+            <a:p>
+              <a:endParaRPr lang="en-SG" sz="1400" b="1">
+                <a:solidFill>
+                  <a:schemeClr val="accent1">
+                    <a:lumMod val="75000"/>
+                  </a:schemeClr>
+                </a:solidFill>
+              </a:endParaRPr>
+            </a:p>
+          </p:txBody>
+        </p:sp>
+      </p:grpSp>
+      <p:grpSp>
+        <p:nvGrpSpPr>
+          <p:cNvPr id="3" name="Group 2"/>
+          <p:cNvGrpSpPr/>
+          <p:nvPr userDrawn="1"/>
+        </p:nvGrpSpPr>
+        <p:grpSpPr>
+          <a:xfrm>
+            <a:off x="5928843" y="6238070"/>
+            <a:ext cx="3542435" cy="1066800"/>
+            <a:chOff x="5667105" y="6238070"/>
+            <a:chExt cx="3478669" cy="1066800"/>
+          </a:xfrm>
+        </p:grpSpPr>
+        <p:sp>
+          <p:nvSpPr>
+            <p:cNvPr id="24" name="Rectangle 23"/>
+            <p:cNvSpPr/>
+            <p:nvPr userDrawn="1"/>
+          </p:nvSpPr>
+          <p:spPr>
+            <a:xfrm>
+              <a:off x="5667105" y="6238070"/>
+              <a:ext cx="3316931" cy="1066800"/>
+            </a:xfrm>
+            <a:prstGeom prst="rect">
+              <a:avLst/>
+            </a:prstGeom>
+            <a:solidFill>
+              <a:schemeClr val="bg1"/>
+            </a:solidFill>
+            <a:ln>
+              <a:solidFill>
+                <a:schemeClr val="accent1">
+                  <a:lumMod val="75000"/>
+                </a:schemeClr>
+              </a:solidFill>
+            </a:ln>
+          </p:spPr>
+          <p:style>
+            <a:lnRef idx="2">
+              <a:schemeClr val="accent1">
+                <a:shade val="50000"/>
+              </a:schemeClr>
+            </a:lnRef>
+            <a:fillRef idx="1">
+              <a:schemeClr val="accent1"/>
+            </a:fillRef>
+            <a:effectRef idx="0">
+              <a:schemeClr val="accent1"/>
+            </a:effectRef>
+            <a:fontRef idx="minor">
+              <a:schemeClr val="lt1"/>
+            </a:fontRef>
+          </p:style>
+          <p:txBody>
+            <a:bodyPr rtlCol="0" anchor="t" anchorCtr="0"/>
+            <a:lstStyle/>
+            <a:p>
+              <a:pPr algn="r"/>
+              <a:r>
+                <a:rPr lang="en-US" sz="1400" b="1" dirty="0" err="1" smtClean="0">
+                  <a:solidFill>
+                    <a:schemeClr val="accent1">
+                      <a:lumMod val="75000"/>
+                    </a:schemeClr>
+                  </a:solidFill>
+                </a:rPr>
+                <a:t>ui</a:t>
+              </a:r>
+              <a:r>
+                <a:rPr lang="en-US" sz="1400" b="1" dirty="0" smtClean="0">
+                  <a:solidFill>
+                    <a:schemeClr val="accent1">
+                      <a:lumMod val="75000"/>
+                    </a:schemeClr>
+                  </a:solidFill>
+                </a:rPr>
+                <a:t>::template</a:t>
+              </a:r>
+              <a:endParaRPr lang="en-SG" sz="1400" b="1" dirty="0">
+                <a:solidFill>
+                  <a:schemeClr val="accent1">
+                    <a:lumMod val="75000"/>
+                  </a:schemeClr>
+                </a:solidFill>
+              </a:endParaRPr>
+            </a:p>
+          </p:txBody>
+        </p:sp>
+        <p:sp>
+          <p:nvSpPr>
+            <p:cNvPr id="26" name="Rectangle 25"/>
+            <p:cNvSpPr/>
+            <p:nvPr userDrawn="1"/>
+          </p:nvSpPr>
+          <p:spPr>
+            <a:xfrm>
+              <a:off x="8990902" y="6238070"/>
+              <a:ext cx="154872" cy="792000"/>
+            </a:xfrm>
+            <a:prstGeom prst="rect">
+              <a:avLst/>
+            </a:prstGeom>
+            <a:solidFill>
+              <a:schemeClr val="bg1"/>
+            </a:solidFill>
+            <a:ln>
+              <a:solidFill>
+                <a:schemeClr val="accent1">
+                  <a:lumMod val="75000"/>
+                </a:schemeClr>
+              </a:solidFill>
+            </a:ln>
+          </p:spPr>
+          <p:style>
+            <a:lnRef idx="2">
+              <a:schemeClr val="accent1">
+                <a:shade val="50000"/>
+              </a:schemeClr>
+            </a:lnRef>
+            <a:fillRef idx="1">
+              <a:schemeClr val="accent1"/>
+            </a:fillRef>
+            <a:effectRef idx="0">
+              <a:schemeClr val="accent1"/>
+            </a:effectRef>
+            <a:fontRef idx="minor">
+              <a:schemeClr val="lt1"/>
+            </a:fontRef>
+          </p:style>
+          <p:txBody>
+            <a:bodyPr rtlCol="0" anchor="t" anchorCtr="0"/>
+            <a:lstStyle/>
+            <a:p>
+              <a:endParaRPr lang="en-SG" sz="1400" b="1">
+                <a:solidFill>
+                  <a:schemeClr val="accent1">
+                    <a:lumMod val="75000"/>
+                  </a:schemeClr>
+                </a:solidFill>
+              </a:endParaRPr>
+            </a:p>
+          </p:txBody>
+        </p:sp>
+      </p:grpSp>
     </p:spTree>
   </p:cSld>
   <p:clrMap bg1="lt1" tx1="dk1" bg2="lt2" tx2="dk2" accent1="accent1" accent2="accent2" accent3="accent3" accent4="accent4" accent5="accent5" accent6="accent6" hlink="hlink" folHlink="folHlink"/>
@@ -3868,7 +4481,7 @@
   </p:sldLayoutIdLst>
   <p:txStyles>
     <p:titleStyle>
-      <a:lvl1pPr algn="ctr" defTabSz="843443" rtl="0" eaLnBrk="1" latinLnBrk="0" hangingPunct="1">
+      <a:lvl1pPr algn="ctr" defTabSz="843447" rtl="0" eaLnBrk="1" latinLnBrk="0" hangingPunct="1">
         <a:spcBef>
           <a:spcPct val="0"/>
         </a:spcBef>
@@ -3884,7 +4497,7 @@
       </a:lvl1pPr>
     </p:titleStyle>
     <p:bodyStyle>
-      <a:lvl1pPr marL="316291" indent="-316291" algn="l" defTabSz="843443" rtl="0" eaLnBrk="1" latinLnBrk="0" hangingPunct="1">
+      <a:lvl1pPr marL="316292" indent="-316292" algn="l" defTabSz="843447" rtl="0" eaLnBrk="1" latinLnBrk="0" hangingPunct="1">
         <a:spcBef>
           <a:spcPct val="20000"/>
         </a:spcBef>
@@ -3899,7 +4512,7 @@
           <a:cs typeface="+mn-cs"/>
         </a:defRPr>
       </a:lvl1pPr>
-      <a:lvl2pPr marL="685297" indent="-263576" algn="l" defTabSz="843443" rtl="0" eaLnBrk="1" latinLnBrk="0" hangingPunct="1">
+      <a:lvl2pPr marL="685301" indent="-263577" algn="l" defTabSz="843447" rtl="0" eaLnBrk="1" latinLnBrk="0" hangingPunct="1">
         <a:spcBef>
           <a:spcPct val="20000"/>
         </a:spcBef>
@@ -3914,7 +4527,7 @@
           <a:cs typeface="+mn-cs"/>
         </a:defRPr>
       </a:lvl2pPr>
-      <a:lvl3pPr marL="1054303" indent="-210861" algn="l" defTabSz="843443" rtl="0" eaLnBrk="1" latinLnBrk="0" hangingPunct="1">
+      <a:lvl3pPr marL="1054308" indent="-210862" algn="l" defTabSz="843447" rtl="0" eaLnBrk="1" latinLnBrk="0" hangingPunct="1">
         <a:spcBef>
           <a:spcPct val="20000"/>
         </a:spcBef>
@@ -3929,7 +4542,7 @@
           <a:cs typeface="+mn-cs"/>
         </a:defRPr>
       </a:lvl3pPr>
-      <a:lvl4pPr marL="1476024" indent="-210861" algn="l" defTabSz="843443" rtl="0" eaLnBrk="1" latinLnBrk="0" hangingPunct="1">
+      <a:lvl4pPr marL="1476031" indent="-210862" algn="l" defTabSz="843447" rtl="0" eaLnBrk="1" latinLnBrk="0" hangingPunct="1">
         <a:spcBef>
           <a:spcPct val="20000"/>
         </a:spcBef>
@@ -3944,7 +4557,7 @@
           <a:cs typeface="+mn-cs"/>
         </a:defRPr>
       </a:lvl4pPr>
-      <a:lvl5pPr marL="1897746" indent="-210861" algn="l" defTabSz="843443" rtl="0" eaLnBrk="1" latinLnBrk="0" hangingPunct="1">
+      <a:lvl5pPr marL="1897755" indent="-210862" algn="l" defTabSz="843447" rtl="0" eaLnBrk="1" latinLnBrk="0" hangingPunct="1">
         <a:spcBef>
           <a:spcPct val="20000"/>
         </a:spcBef>
@@ -3959,7 +4572,7 @@
           <a:cs typeface="+mn-cs"/>
         </a:defRPr>
       </a:lvl5pPr>
-      <a:lvl6pPr marL="2319467" indent="-210861" algn="l" defTabSz="843443" rtl="0" eaLnBrk="1" latinLnBrk="0" hangingPunct="1">
+      <a:lvl6pPr marL="2319479" indent="-210862" algn="l" defTabSz="843447" rtl="0" eaLnBrk="1" latinLnBrk="0" hangingPunct="1">
         <a:spcBef>
           <a:spcPct val="20000"/>
         </a:spcBef>
@@ -3974,7 +4587,7 @@
           <a:cs typeface="+mn-cs"/>
         </a:defRPr>
       </a:lvl6pPr>
-      <a:lvl7pPr marL="2741188" indent="-210861" algn="l" defTabSz="843443" rtl="0" eaLnBrk="1" latinLnBrk="0" hangingPunct="1">
+      <a:lvl7pPr marL="2741202" indent="-210862" algn="l" defTabSz="843447" rtl="0" eaLnBrk="1" latinLnBrk="0" hangingPunct="1">
         <a:spcBef>
           <a:spcPct val="20000"/>
         </a:spcBef>
@@ -3989,7 +4602,7 @@
           <a:cs typeface="+mn-cs"/>
         </a:defRPr>
       </a:lvl7pPr>
-      <a:lvl8pPr marL="3162910" indent="-210861" algn="l" defTabSz="843443" rtl="0" eaLnBrk="1" latinLnBrk="0" hangingPunct="1">
+      <a:lvl8pPr marL="3162926" indent="-210862" algn="l" defTabSz="843447" rtl="0" eaLnBrk="1" latinLnBrk="0" hangingPunct="1">
         <a:spcBef>
           <a:spcPct val="20000"/>
         </a:spcBef>
@@ -4004,7 +4617,7 @@
           <a:cs typeface="+mn-cs"/>
         </a:defRPr>
       </a:lvl8pPr>
-      <a:lvl9pPr marL="3584631" indent="-210861" algn="l" defTabSz="843443" rtl="0" eaLnBrk="1" latinLnBrk="0" hangingPunct="1">
+      <a:lvl9pPr marL="3584649" indent="-210862" algn="l" defTabSz="843447" rtl="0" eaLnBrk="1" latinLnBrk="0" hangingPunct="1">
         <a:spcBef>
           <a:spcPct val="20000"/>
         </a:spcBef>
@@ -4024,7 +4637,7 @@
       <a:defPPr>
         <a:defRPr lang="en-US"/>
       </a:defPPr>
-      <a:lvl1pPr marL="0" algn="l" defTabSz="843443" rtl="0" eaLnBrk="1" latinLnBrk="0" hangingPunct="1">
+      <a:lvl1pPr marL="0" algn="l" defTabSz="843447" rtl="0" eaLnBrk="1" latinLnBrk="0" hangingPunct="1">
         <a:defRPr sz="1700" kern="1200">
           <a:solidFill>
             <a:schemeClr val="tx1"/>
@@ -4034,7 +4647,7 @@
           <a:cs typeface="+mn-cs"/>
         </a:defRPr>
       </a:lvl1pPr>
-      <a:lvl2pPr marL="421721" algn="l" defTabSz="843443" rtl="0" eaLnBrk="1" latinLnBrk="0" hangingPunct="1">
+      <a:lvl2pPr marL="421723" algn="l" defTabSz="843447" rtl="0" eaLnBrk="1" latinLnBrk="0" hangingPunct="1">
         <a:defRPr sz="1700" kern="1200">
           <a:solidFill>
             <a:schemeClr val="tx1"/>
@@ -4044,7 +4657,7 @@
           <a:cs typeface="+mn-cs"/>
         </a:defRPr>
       </a:lvl2pPr>
-      <a:lvl3pPr marL="843443" algn="l" defTabSz="843443" rtl="0" eaLnBrk="1" latinLnBrk="0" hangingPunct="1">
+      <a:lvl3pPr marL="843447" algn="l" defTabSz="843447" rtl="0" eaLnBrk="1" latinLnBrk="0" hangingPunct="1">
         <a:defRPr sz="1700" kern="1200">
           <a:solidFill>
             <a:schemeClr val="tx1"/>
@@ -4054,7 +4667,7 @@
           <a:cs typeface="+mn-cs"/>
         </a:defRPr>
       </a:lvl3pPr>
-      <a:lvl4pPr marL="1265164" algn="l" defTabSz="843443" rtl="0" eaLnBrk="1" latinLnBrk="0" hangingPunct="1">
+      <a:lvl4pPr marL="1265171" algn="l" defTabSz="843447" rtl="0" eaLnBrk="1" latinLnBrk="0" hangingPunct="1">
         <a:defRPr sz="1700" kern="1200">
           <a:solidFill>
             <a:schemeClr val="tx1"/>
@@ -4064,7 +4677,7 @@
           <a:cs typeface="+mn-cs"/>
         </a:defRPr>
       </a:lvl4pPr>
-      <a:lvl5pPr marL="1686885" algn="l" defTabSz="843443" rtl="0" eaLnBrk="1" latinLnBrk="0" hangingPunct="1">
+      <a:lvl5pPr marL="1686894" algn="l" defTabSz="843447" rtl="0" eaLnBrk="1" latinLnBrk="0" hangingPunct="1">
         <a:defRPr sz="1700" kern="1200">
           <a:solidFill>
             <a:schemeClr val="tx1"/>
@@ -4074,7 +4687,7 @@
           <a:cs typeface="+mn-cs"/>
         </a:defRPr>
       </a:lvl5pPr>
-      <a:lvl6pPr marL="2108606" algn="l" defTabSz="843443" rtl="0" eaLnBrk="1" latinLnBrk="0" hangingPunct="1">
+      <a:lvl6pPr marL="2108616" algn="l" defTabSz="843447" rtl="0" eaLnBrk="1" latinLnBrk="0" hangingPunct="1">
         <a:defRPr sz="1700" kern="1200">
           <a:solidFill>
             <a:schemeClr val="tx1"/>
@@ -4084,7 +4697,7 @@
           <a:cs typeface="+mn-cs"/>
         </a:defRPr>
       </a:lvl6pPr>
-      <a:lvl7pPr marL="2530328" algn="l" defTabSz="843443" rtl="0" eaLnBrk="1" latinLnBrk="0" hangingPunct="1">
+      <a:lvl7pPr marL="2530340" algn="l" defTabSz="843447" rtl="0" eaLnBrk="1" latinLnBrk="0" hangingPunct="1">
         <a:defRPr sz="1700" kern="1200">
           <a:solidFill>
             <a:schemeClr val="tx1"/>
@@ -4094,7 +4707,7 @@
           <a:cs typeface="+mn-cs"/>
         </a:defRPr>
       </a:lvl7pPr>
-      <a:lvl8pPr marL="2952049" algn="l" defTabSz="843443" rtl="0" eaLnBrk="1" latinLnBrk="0" hangingPunct="1">
+      <a:lvl8pPr marL="2952063" algn="l" defTabSz="843447" rtl="0" eaLnBrk="1" latinLnBrk="0" hangingPunct="1">
         <a:defRPr sz="1700" kern="1200">
           <a:solidFill>
             <a:schemeClr val="tx1"/>
@@ -4104,7 +4717,7 @@
           <a:cs typeface="+mn-cs"/>
         </a:defRPr>
       </a:lvl8pPr>
-      <a:lvl9pPr marL="3373770" algn="l" defTabSz="843443" rtl="0" eaLnBrk="1" latinLnBrk="0" hangingPunct="1">
+      <a:lvl9pPr marL="3373787" algn="l" defTabSz="843447" rtl="0" eaLnBrk="1" latinLnBrk="0" hangingPunct="1">
         <a:defRPr sz="1700" kern="1200">
           <a:solidFill>
             <a:schemeClr val="tx1"/>
@@ -4138,30 +4751,117 @@
       </p:grpSpPr>
       <p:sp>
         <p:nvSpPr>
-          <p:cNvPr id="382" name="Rectangle 381"/>
+          <p:cNvPr id="88" name="Rectangle 87"/>
           <p:cNvSpPr/>
           <p:nvPr/>
         </p:nvSpPr>
         <p:spPr>
           <a:xfrm>
-            <a:off x="87312" y="4660901"/>
-            <a:ext cx="875710" cy="2035968"/>
+            <a:off x="6907207" y="1126069"/>
+            <a:ext cx="2160000" cy="360000"/>
           </a:xfrm>
           <a:prstGeom prst="rect">
             <a:avLst/>
           </a:prstGeom>
-          <a:solidFill>
-            <a:schemeClr val="bg1">
-              <a:lumMod val="85000"/>
+        </p:spPr>
+        <p:style>
+          <a:lnRef idx="2">
+            <a:schemeClr val="accent2">
+              <a:shade val="50000"/>
             </a:schemeClr>
-          </a:solidFill>
-          <a:ln>
-            <a:solidFill>
-              <a:schemeClr val="bg1">
-                <a:lumMod val="65000"/>
-              </a:schemeClr>
-            </a:solidFill>
-          </a:ln>
+          </a:lnRef>
+          <a:fillRef idx="1">
+            <a:schemeClr val="accent2"/>
+          </a:fillRef>
+          <a:effectRef idx="0">
+            <a:schemeClr val="accent2"/>
+          </a:effectRef>
+          <a:fontRef idx="minor">
+            <a:schemeClr val="lt1"/>
+          </a:fontRef>
+        </p:style>
+        <p:txBody>
+          <a:bodyPr rtlCol="0" anchor="ctr"/>
+          <a:lstStyle/>
+          <a:p>
+            <a:pPr algn="ctr"/>
+            <a:r>
+              <a:rPr lang="en-US" sz="1600" b="1" dirty="0" err="1"/>
+              <a:t>AutomatedAction</a:t>
+            </a:r>
+            <a:endParaRPr lang="en-SG" sz="1600" b="1" dirty="0"/>
+          </a:p>
+        </p:txBody>
+      </p:sp>
+      <p:sp>
+        <p:nvSpPr>
+          <p:cNvPr id="89" name="Rectangle 88"/>
+          <p:cNvSpPr/>
+          <p:nvPr/>
+        </p:nvSpPr>
+        <p:spPr>
+          <a:xfrm>
+            <a:off x="4316407" y="1039613"/>
+            <a:ext cx="2160000" cy="522656"/>
+          </a:xfrm>
+          <a:prstGeom prst="rect">
+            <a:avLst/>
+          </a:prstGeom>
+        </p:spPr>
+        <p:style>
+          <a:lnRef idx="2">
+            <a:schemeClr val="accent2">
+              <a:shade val="50000"/>
+            </a:schemeClr>
+          </a:lnRef>
+          <a:fillRef idx="1">
+            <a:schemeClr val="accent2"/>
+          </a:fillRef>
+          <a:effectRef idx="0">
+            <a:schemeClr val="accent2"/>
+          </a:effectRef>
+          <a:fontRef idx="minor">
+            <a:schemeClr val="lt1"/>
+          </a:fontRef>
+        </p:style>
+        <p:txBody>
+          <a:bodyPr rtlCol="0" anchor="ctr"/>
+          <a:lstStyle/>
+          <a:p>
+            <a:pPr algn="ctr"/>
+            <a:r>
+              <a:rPr lang="en-US" sz="1600" b="1" dirty="0" err="1"/>
+              <a:t>AutomatedAction</a:t>
+            </a:r>
+            <a:r>
+              <a:rPr lang="en-US" sz="1600" b="1" dirty="0"/>
+              <a:t/>
+            </a:r>
+            <a:br>
+              <a:rPr lang="en-US" sz="1600" b="1" dirty="0"/>
+            </a:br>
+            <a:r>
+              <a:rPr lang="en-US" sz="1600" b="1" dirty="0"/>
+              <a:t>Factory</a:t>
+            </a:r>
+            <a:endParaRPr lang="en-SG" sz="1600" b="1" dirty="0"/>
+          </a:p>
+        </p:txBody>
+      </p:sp>
+      <p:sp>
+        <p:nvSpPr>
+          <p:cNvPr id="90" name="Rectangle 89"/>
+          <p:cNvSpPr/>
+          <p:nvPr/>
+        </p:nvSpPr>
+        <p:spPr>
+          <a:xfrm>
+            <a:off x="1725607" y="1120941"/>
+            <a:ext cx="2160000" cy="360000"/>
+          </a:xfrm>
+          <a:prstGeom prst="rect">
+            <a:avLst/>
+          </a:prstGeom>
         </p:spPr>
         <p:style>
           <a:lnRef idx="2">
@@ -4184,20 +4884,404 @@
           <a:lstStyle/>
           <a:p>
             <a:pPr algn="ctr"/>
-            <a:endParaRPr lang="en-SG"/>
-          </a:p>
-        </p:txBody>
-      </p:sp>
-      <p:sp>
-        <p:nvSpPr>
-          <p:cNvPr id="390" name="Rectangle 389"/>
+            <a:r>
+              <a:rPr lang="en-US" sz="1600" b="1" dirty="0" err="1"/>
+              <a:t>AutomatedServlet</a:t>
+            </a:r>
+            <a:endParaRPr lang="en-SG" sz="1600" b="1" dirty="0"/>
+          </a:p>
+        </p:txBody>
+      </p:sp>
+      <p:cxnSp>
+        <p:nvCxnSpPr>
+          <p:cNvPr id="91" name="Elbow Connector 90"/>
+          <p:cNvCxnSpPr>
+            <a:stCxn id="89" idx="3"/>
+            <a:endCxn id="88" idx="1"/>
+          </p:cNvCxnSpPr>
+          <p:nvPr/>
+        </p:nvCxnSpPr>
+        <p:spPr>
+          <a:xfrm>
+            <a:off x="6476407" y="1300941"/>
+            <a:ext cx="430800" cy="0"/>
+          </a:xfrm>
+          <a:prstGeom prst="bentConnector3">
+            <a:avLst>
+              <a:gd name="adj1" fmla="val 50000"/>
+            </a:avLst>
+          </a:prstGeom>
+          <a:ln w="38100">
+            <a:solidFill>
+              <a:schemeClr val="accent2">
+                <a:lumMod val="75000"/>
+              </a:schemeClr>
+            </a:solidFill>
+            <a:prstDash val="sysDot"/>
+            <a:tailEnd type="arrow"/>
+          </a:ln>
+        </p:spPr>
+        <p:style>
+          <a:lnRef idx="1">
+            <a:schemeClr val="accent1"/>
+          </a:lnRef>
+          <a:fillRef idx="0">
+            <a:schemeClr val="accent1"/>
+          </a:fillRef>
+          <a:effectRef idx="0">
+            <a:schemeClr val="accent1"/>
+          </a:effectRef>
+          <a:fontRef idx="minor">
+            <a:schemeClr val="tx1"/>
+          </a:fontRef>
+        </p:style>
+      </p:cxnSp>
+      <p:sp>
+        <p:nvSpPr>
+          <p:cNvPr id="92" name="TextBox 91"/>
+          <p:cNvSpPr txBox="1"/>
+          <p:nvPr/>
+        </p:nvSpPr>
+        <p:spPr>
+          <a:xfrm>
+            <a:off x="6019207" y="731837"/>
+            <a:ext cx="1169400" cy="267536"/>
+          </a:xfrm>
+          <a:prstGeom prst="rect">
+            <a:avLst/>
+          </a:prstGeom>
+          <a:grpFill/>
+          <a:ln>
+            <a:noFill/>
+          </a:ln>
+        </p:spPr>
+        <p:style>
+          <a:lnRef idx="2">
+            <a:schemeClr val="accent1">
+              <a:shade val="50000"/>
+            </a:schemeClr>
+          </a:lnRef>
+          <a:fillRef idx="1">
+            <a:schemeClr val="accent1"/>
+          </a:fillRef>
+          <a:effectRef idx="0">
+            <a:schemeClr val="accent1"/>
+          </a:effectRef>
+          <a:fontRef idx="minor">
+            <a:schemeClr val="lt1"/>
+          </a:fontRef>
+        </p:style>
+        <p:txBody>
+          <a:bodyPr rtlCol="0" anchor="t" anchorCtr="0"/>
+          <a:lstStyle>
+            <a:defPPr>
+              <a:defRPr lang="en-US"/>
+            </a:defPPr>
+            <a:lvl1pPr>
+              <a:defRPr sz="1400" b="1">
+                <a:solidFill>
+                  <a:srgbClr val="7030A0"/>
+                </a:solidFill>
+              </a:defRPr>
+            </a:lvl1pPr>
+            <a:lvl2pPr>
+              <a:defRPr>
+                <a:solidFill>
+                  <a:schemeClr val="lt1"/>
+                </a:solidFill>
+              </a:defRPr>
+            </a:lvl2pPr>
+            <a:lvl3pPr>
+              <a:defRPr>
+                <a:solidFill>
+                  <a:schemeClr val="lt1"/>
+                </a:solidFill>
+              </a:defRPr>
+            </a:lvl3pPr>
+            <a:lvl4pPr>
+              <a:defRPr>
+                <a:solidFill>
+                  <a:schemeClr val="lt1"/>
+                </a:solidFill>
+              </a:defRPr>
+            </a:lvl4pPr>
+            <a:lvl5pPr>
+              <a:defRPr>
+                <a:solidFill>
+                  <a:schemeClr val="lt1"/>
+                </a:solidFill>
+              </a:defRPr>
+            </a:lvl5pPr>
+            <a:lvl6pPr>
+              <a:defRPr>
+                <a:solidFill>
+                  <a:schemeClr val="lt1"/>
+                </a:solidFill>
+              </a:defRPr>
+            </a:lvl6pPr>
+            <a:lvl7pPr>
+              <a:defRPr>
+                <a:solidFill>
+                  <a:schemeClr val="lt1"/>
+                </a:solidFill>
+              </a:defRPr>
+            </a:lvl7pPr>
+            <a:lvl8pPr>
+              <a:defRPr>
+                <a:solidFill>
+                  <a:schemeClr val="lt1"/>
+                </a:solidFill>
+              </a:defRPr>
+            </a:lvl8pPr>
+            <a:lvl9pPr>
+              <a:defRPr>
+                <a:solidFill>
+                  <a:schemeClr val="lt1"/>
+                </a:solidFill>
+              </a:defRPr>
+            </a:lvl9pPr>
+          </a:lstStyle>
+          <a:p>
+            <a:pPr algn="r"/>
+            <a:r>
+              <a:rPr lang="en-US" dirty="0">
+                <a:solidFill>
+                  <a:schemeClr val="accent2">
+                    <a:lumMod val="75000"/>
+                  </a:schemeClr>
+                </a:solidFill>
+              </a:rPr>
+              <a:t>&lt;&lt;creates&gt;&gt;</a:t>
+            </a:r>
+            <a:endParaRPr lang="en-SG" dirty="0">
+              <a:solidFill>
+                <a:schemeClr val="accent2">
+                  <a:lumMod val="75000"/>
+                </a:schemeClr>
+              </a:solidFill>
+            </a:endParaRPr>
+          </a:p>
+        </p:txBody>
+      </p:sp>
+      <p:cxnSp>
+        <p:nvCxnSpPr>
+          <p:cNvPr id="93" name="Straight Arrow Connector 92"/>
+          <p:cNvCxnSpPr>
+            <a:stCxn id="90" idx="3"/>
+            <a:endCxn id="89" idx="1"/>
+          </p:cNvCxnSpPr>
+          <p:nvPr/>
+        </p:nvCxnSpPr>
+        <p:spPr>
+          <a:xfrm>
+            <a:off x="3885608" y="1300941"/>
+            <a:ext cx="430800" cy="0"/>
+          </a:xfrm>
+          <a:prstGeom prst="straightConnector1">
+            <a:avLst/>
+          </a:prstGeom>
+          <a:ln w="38100">
+            <a:solidFill>
+              <a:schemeClr val="tx2">
+                <a:lumMod val="75000"/>
+              </a:schemeClr>
+            </a:solidFill>
+            <a:prstDash val="sysDot"/>
+            <a:tailEnd type="arrow"/>
+          </a:ln>
+        </p:spPr>
+        <p:style>
+          <a:lnRef idx="1">
+            <a:schemeClr val="accent1"/>
+          </a:lnRef>
+          <a:fillRef idx="0">
+            <a:schemeClr val="accent1"/>
+          </a:fillRef>
+          <a:effectRef idx="0">
+            <a:schemeClr val="accent1"/>
+          </a:effectRef>
+          <a:fontRef idx="minor">
+            <a:schemeClr val="tx1"/>
+          </a:fontRef>
+        </p:style>
+      </p:cxnSp>
+      <p:sp>
+        <p:nvSpPr>
+          <p:cNvPr id="94" name="TextBox 93"/>
+          <p:cNvSpPr txBox="1"/>
+          <p:nvPr/>
+        </p:nvSpPr>
+        <p:spPr>
+          <a:xfrm>
+            <a:off x="3643807" y="731840"/>
+            <a:ext cx="914400" cy="252187"/>
+          </a:xfrm>
+          <a:prstGeom prst="rect">
+            <a:avLst/>
+          </a:prstGeom>
+          <a:grpFill/>
+          <a:ln>
+            <a:noFill/>
+          </a:ln>
+        </p:spPr>
+        <p:style>
+          <a:lnRef idx="2">
+            <a:schemeClr val="accent1">
+              <a:shade val="50000"/>
+            </a:schemeClr>
+          </a:lnRef>
+          <a:fillRef idx="1">
+            <a:schemeClr val="accent1"/>
+          </a:fillRef>
+          <a:effectRef idx="0">
+            <a:schemeClr val="accent1"/>
+          </a:effectRef>
+          <a:fontRef idx="minor">
+            <a:schemeClr val="lt1"/>
+          </a:fontRef>
+        </p:style>
+        <p:txBody>
+          <a:bodyPr rtlCol="0" anchor="t" anchorCtr="0"/>
+          <a:lstStyle>
+            <a:defPPr>
+              <a:defRPr lang="en-US"/>
+            </a:defPPr>
+            <a:lvl1pPr>
+              <a:defRPr sz="1400" b="1">
+                <a:solidFill>
+                  <a:srgbClr val="7030A0"/>
+                </a:solidFill>
+              </a:defRPr>
+            </a:lvl1pPr>
+            <a:lvl2pPr>
+              <a:defRPr>
+                <a:solidFill>
+                  <a:schemeClr val="lt1"/>
+                </a:solidFill>
+              </a:defRPr>
+            </a:lvl2pPr>
+            <a:lvl3pPr>
+              <a:defRPr>
+                <a:solidFill>
+                  <a:schemeClr val="lt1"/>
+                </a:solidFill>
+              </a:defRPr>
+            </a:lvl3pPr>
+            <a:lvl4pPr>
+              <a:defRPr>
+                <a:solidFill>
+                  <a:schemeClr val="lt1"/>
+                </a:solidFill>
+              </a:defRPr>
+            </a:lvl4pPr>
+            <a:lvl5pPr>
+              <a:defRPr>
+                <a:solidFill>
+                  <a:schemeClr val="lt1"/>
+                </a:solidFill>
+              </a:defRPr>
+            </a:lvl5pPr>
+            <a:lvl6pPr>
+              <a:defRPr>
+                <a:solidFill>
+                  <a:schemeClr val="lt1"/>
+                </a:solidFill>
+              </a:defRPr>
+            </a:lvl6pPr>
+            <a:lvl7pPr>
+              <a:defRPr>
+                <a:solidFill>
+                  <a:schemeClr val="lt1"/>
+                </a:solidFill>
+              </a:defRPr>
+            </a:lvl7pPr>
+            <a:lvl8pPr>
+              <a:defRPr>
+                <a:solidFill>
+                  <a:schemeClr val="lt1"/>
+                </a:solidFill>
+              </a:defRPr>
+            </a:lvl8pPr>
+            <a:lvl9pPr>
+              <a:defRPr>
+                <a:solidFill>
+                  <a:schemeClr val="lt1"/>
+                </a:solidFill>
+              </a:defRPr>
+            </a:lvl9pPr>
+          </a:lstStyle>
+          <a:p>
+            <a:r>
+              <a:rPr lang="en-US" dirty="0">
+                <a:solidFill>
+                  <a:schemeClr val="accent1">
+                    <a:lumMod val="50000"/>
+                  </a:schemeClr>
+                </a:solidFill>
+              </a:rPr>
+              <a:t>&lt;&lt;uses&gt;&gt;</a:t>
+            </a:r>
+            <a:endParaRPr lang="en-SG" dirty="0">
+              <a:solidFill>
+                <a:schemeClr val="accent1">
+                  <a:lumMod val="50000"/>
+                </a:schemeClr>
+              </a:solidFill>
+            </a:endParaRPr>
+          </a:p>
+        </p:txBody>
+      </p:sp>
+      <p:cxnSp>
+        <p:nvCxnSpPr>
+          <p:cNvPr id="95" name="Elbow Connector 94"/>
+          <p:cNvCxnSpPr/>
+          <p:nvPr/>
+        </p:nvCxnSpPr>
+        <p:spPr>
+          <a:xfrm>
+            <a:off x="9067208" y="1295814"/>
+            <a:ext cx="792000" cy="0"/>
+          </a:xfrm>
+          <a:prstGeom prst="bentConnector3">
+            <a:avLst>
+              <a:gd name="adj1" fmla="val 50000"/>
+            </a:avLst>
+          </a:prstGeom>
+          <a:ln w="38100">
+            <a:solidFill>
+              <a:schemeClr val="accent2">
+                <a:lumMod val="75000"/>
+              </a:schemeClr>
+            </a:solidFill>
+            <a:prstDash val="sysDot"/>
+            <a:tailEnd type="arrow"/>
+          </a:ln>
+        </p:spPr>
+        <p:style>
+          <a:lnRef idx="1">
+            <a:schemeClr val="accent1"/>
+          </a:lnRef>
+          <a:fillRef idx="0">
+            <a:schemeClr val="accent1"/>
+          </a:fillRef>
+          <a:effectRef idx="0">
+            <a:schemeClr val="accent1"/>
+          </a:effectRef>
+          <a:fontRef idx="minor">
+            <a:schemeClr val="tx1"/>
+          </a:fontRef>
+        </p:style>
+      </p:cxnSp>
+      <p:sp>
+        <p:nvSpPr>
+          <p:cNvPr id="96" name="Rectangle 95"/>
           <p:cNvSpPr/>
           <p:nvPr/>
         </p:nvSpPr>
         <p:spPr>
           <a:xfrm>
-            <a:off x="1528026" y="2288598"/>
-            <a:ext cx="1466850" cy="377438"/>
+            <a:off x="6907207" y="2482565"/>
+            <a:ext cx="2160000" cy="360000"/>
           </a:xfrm>
           <a:prstGeom prst="rect">
             <a:avLst/>
@@ -4225,7 +5309,7 @@
           <a:p>
             <a:pPr algn="ctr"/>
             <a:r>
-              <a:rPr lang="en-US" sz="1600" b="1" dirty="0" smtClean="0"/>
+              <a:rPr lang="en-US" sz="1600" b="1" dirty="0"/>
               <a:t>Action</a:t>
             </a:r>
             <a:endParaRPr lang="en-SG" sz="1600" b="1" dirty="0"/>
@@ -4234,14 +5318,14 @@
       </p:sp>
       <p:sp>
         <p:nvSpPr>
-          <p:cNvPr id="391" name="Rectangle 390"/>
+          <p:cNvPr id="97" name="Rectangle 96"/>
           <p:cNvSpPr/>
           <p:nvPr/>
         </p:nvSpPr>
         <p:spPr>
           <a:xfrm>
-            <a:off x="1448337" y="3224428"/>
-            <a:ext cx="1466850" cy="403054"/>
+            <a:off x="4308615" y="2487411"/>
+            <a:ext cx="2160000" cy="360000"/>
           </a:xfrm>
           <a:prstGeom prst="rect">
             <a:avLst/>
@@ -4269,12 +5353,8 @@
           <a:p>
             <a:pPr algn="ctr"/>
             <a:r>
-              <a:rPr lang="en-US" sz="1600" b="1" dirty="0" smtClean="0"/>
-              <a:t>_</a:t>
-            </a:r>
-            <a:r>
-              <a:rPr lang="en-US" sz="1600" b="1" dirty="0" err="1" smtClean="0"/>
-              <a:t>xyz_Servlet</a:t>
+              <a:rPr lang="en-US" sz="1600" b="1" dirty="0" err="1"/>
+              <a:t>ActionFactory</a:t>
             </a:r>
             <a:endParaRPr lang="en-SG" sz="1600" b="1" dirty="0"/>
           </a:p>
@@ -4282,30 +5362,30 @@
       </p:sp>
       <p:sp>
         <p:nvSpPr>
-          <p:cNvPr id="392" name="Isosceles Triangle 391"/>
+          <p:cNvPr id="98" name="Rectangle 97"/>
           <p:cNvSpPr/>
           <p:nvPr/>
         </p:nvSpPr>
         <p:spPr>
           <a:xfrm>
-            <a:off x="2101182" y="2691028"/>
-            <a:ext cx="276225" cy="228600"/>
-          </a:xfrm>
-          <a:prstGeom prst="triangle">
+            <a:off x="1710023" y="2487411"/>
+            <a:ext cx="2160000" cy="360000"/>
+          </a:xfrm>
+          <a:prstGeom prst="rect">
             <a:avLst/>
           </a:prstGeom>
         </p:spPr>
         <p:style>
           <a:lnRef idx="2">
-            <a:schemeClr val="accent2">
+            <a:schemeClr val="accent1">
               <a:shade val="50000"/>
             </a:schemeClr>
           </a:lnRef>
           <a:fillRef idx="1">
-            <a:schemeClr val="accent2"/>
+            <a:schemeClr val="accent1"/>
           </a:fillRef>
           <a:effectRef idx="0">
-            <a:schemeClr val="accent2"/>
+            <a:schemeClr val="accent1"/>
           </a:effectRef>
           <a:fontRef idx="minor">
             <a:schemeClr val="lt1"/>
@@ -4316,161 +5396,217 @@
           <a:lstStyle/>
           <a:p>
             <a:pPr algn="ctr"/>
-            <a:endParaRPr lang="en-SG"/>
-          </a:p>
-        </p:txBody>
-      </p:sp>
-      <p:sp>
-        <p:nvSpPr>
-          <p:cNvPr id="393" name="Rectangle 392"/>
-          <p:cNvSpPr/>
-          <p:nvPr/>
-        </p:nvSpPr>
-        <p:spPr>
-          <a:xfrm>
-            <a:off x="7331545" y="3974000"/>
-            <a:ext cx="1466850" cy="304800"/>
-          </a:xfrm>
-          <a:prstGeom prst="rect">
-            <a:avLst/>
-          </a:prstGeom>
-        </p:spPr>
-        <p:style>
-          <a:lnRef idx="2">
-            <a:schemeClr val="accent4">
-              <a:shade val="50000"/>
-            </a:schemeClr>
-          </a:lnRef>
-          <a:fillRef idx="1">
-            <a:schemeClr val="accent4"/>
-          </a:fillRef>
-          <a:effectRef idx="0">
-            <a:schemeClr val="accent4"/>
-          </a:effectRef>
-          <a:fontRef idx="minor">
-            <a:schemeClr val="lt1"/>
-          </a:fontRef>
-        </p:style>
-        <p:txBody>
-          <a:bodyPr rtlCol="0" anchor="ctr"/>
-          <a:lstStyle/>
-          <a:p>
-            <a:pPr algn="ctr"/>
-            <a:r>
-              <a:rPr lang="en-US" sz="1600" b="1" dirty="0"/>
-              <a:t>_</a:t>
-            </a:r>
             <a:r>
               <a:rPr lang="en-US" sz="1600" b="1" dirty="0" err="1"/>
-              <a:t>xyz_Helper</a:t>
+              <a:t>ControllerServlet</a:t>
             </a:r>
             <a:endParaRPr lang="en-SG" sz="1600" b="1" dirty="0"/>
           </a:p>
         </p:txBody>
       </p:sp>
+      <p:grpSp>
+        <p:nvGrpSpPr>
+          <p:cNvPr id="99" name="Group 98"/>
+          <p:cNvGrpSpPr/>
+          <p:nvPr/>
+        </p:nvGrpSpPr>
+        <p:grpSpPr>
+          <a:xfrm>
+            <a:off x="1763399" y="3627437"/>
+            <a:ext cx="1551301" cy="531646"/>
+            <a:chOff x="1535112" y="3948357"/>
+            <a:chExt cx="1551301" cy="531646"/>
+          </a:xfrm>
+        </p:grpSpPr>
+        <p:sp>
+          <p:nvSpPr>
+            <p:cNvPr id="100" name="Rectangle 99"/>
+            <p:cNvSpPr/>
+            <p:nvPr/>
+          </p:nvSpPr>
+          <p:spPr>
+            <a:xfrm>
+              <a:off x="1535112" y="3948357"/>
+              <a:ext cx="1398903" cy="377438"/>
+            </a:xfrm>
+            <a:prstGeom prst="rect">
+              <a:avLst/>
+            </a:prstGeom>
+          </p:spPr>
+          <p:style>
+            <a:lnRef idx="2">
+              <a:schemeClr val="accent1">
+                <a:shade val="50000"/>
+              </a:schemeClr>
+            </a:lnRef>
+            <a:fillRef idx="1">
+              <a:schemeClr val="accent1"/>
+            </a:fillRef>
+            <a:effectRef idx="0">
+              <a:schemeClr val="accent1"/>
+            </a:effectRef>
+            <a:fontRef idx="minor">
+              <a:schemeClr val="lt1"/>
+            </a:fontRef>
+          </p:style>
+          <p:txBody>
+            <a:bodyPr rtlCol="0" anchor="ctr"/>
+            <a:lstStyle/>
+            <a:p>
+              <a:pPr algn="ctr"/>
+              <a:endParaRPr lang="en-SG" sz="1600" b="1" dirty="0"/>
+            </a:p>
+          </p:txBody>
+        </p:sp>
+        <p:sp>
+          <p:nvSpPr>
+            <p:cNvPr id="101" name="Rectangle 100"/>
+            <p:cNvSpPr/>
+            <p:nvPr/>
+          </p:nvSpPr>
+          <p:spPr>
+            <a:xfrm>
+              <a:off x="1611311" y="4020049"/>
+              <a:ext cx="1398903" cy="377438"/>
+            </a:xfrm>
+            <a:prstGeom prst="rect">
+              <a:avLst/>
+            </a:prstGeom>
+          </p:spPr>
+          <p:style>
+            <a:lnRef idx="2">
+              <a:schemeClr val="accent1">
+                <a:shade val="50000"/>
+              </a:schemeClr>
+            </a:lnRef>
+            <a:fillRef idx="1">
+              <a:schemeClr val="accent1"/>
+            </a:fillRef>
+            <a:effectRef idx="0">
+              <a:schemeClr val="accent1"/>
+            </a:effectRef>
+            <a:fontRef idx="minor">
+              <a:schemeClr val="lt1"/>
+            </a:fontRef>
+          </p:style>
+          <p:txBody>
+            <a:bodyPr rtlCol="0" anchor="ctr"/>
+            <a:lstStyle/>
+            <a:p>
+              <a:pPr algn="ctr"/>
+              <a:endParaRPr lang="en-SG" sz="1600" b="1" dirty="0"/>
+            </a:p>
+          </p:txBody>
+        </p:sp>
+        <p:sp>
+          <p:nvSpPr>
+            <p:cNvPr id="102" name="Rectangle 101"/>
+            <p:cNvSpPr/>
+            <p:nvPr/>
+          </p:nvSpPr>
+          <p:spPr>
+            <a:xfrm>
+              <a:off x="1687510" y="4102565"/>
+              <a:ext cx="1398903" cy="377438"/>
+            </a:xfrm>
+            <a:prstGeom prst="rect">
+              <a:avLst/>
+            </a:prstGeom>
+          </p:spPr>
+          <p:style>
+            <a:lnRef idx="2">
+              <a:schemeClr val="accent1">
+                <a:shade val="50000"/>
+              </a:schemeClr>
+            </a:lnRef>
+            <a:fillRef idx="1">
+              <a:schemeClr val="accent1"/>
+            </a:fillRef>
+            <a:effectRef idx="0">
+              <a:schemeClr val="accent1"/>
+            </a:effectRef>
+            <a:fontRef idx="minor">
+              <a:schemeClr val="lt1"/>
+            </a:fontRef>
+          </p:style>
+          <p:txBody>
+            <a:bodyPr rtlCol="0" anchor="ctr"/>
+            <a:lstStyle/>
+            <a:p>
+              <a:pPr algn="ctr"/>
+              <a:r>
+                <a:rPr lang="en-US" sz="1600" b="1" dirty="0"/>
+                <a:t>*Servlet</a:t>
+              </a:r>
+              <a:endParaRPr lang="en-SG" sz="1600" b="1" dirty="0"/>
+            </a:p>
+          </p:txBody>
+        </p:sp>
+      </p:grpSp>
       <p:cxnSp>
         <p:nvCxnSpPr>
-          <p:cNvPr id="394" name="Elbow Connector 393"/>
+          <p:cNvPr id="103" name="Elbow Connector 102"/>
           <p:cNvCxnSpPr>
-            <a:stCxn id="392" idx="3"/>
-            <a:endCxn id="416" idx="0"/>
+            <a:stCxn id="97" idx="3"/>
+            <a:endCxn id="96" idx="1"/>
           </p:cNvCxnSpPr>
           <p:nvPr/>
         </p:nvCxnSpPr>
         <p:spPr>
-          <a:xfrm rot="5400000">
-            <a:off x="2064306" y="3091365"/>
-            <a:ext cx="346726" cy="3252"/>
+          <a:xfrm flipV="1">
+            <a:off x="6468616" y="2662566"/>
+            <a:ext cx="438592" cy="0"/>
           </a:xfrm>
           <a:prstGeom prst="bentConnector3">
-            <a:avLst/>
-          </a:prstGeom>
+            <a:avLst>
+              <a:gd name="adj1" fmla="val 50000"/>
+            </a:avLst>
+          </a:prstGeom>
+          <a:ln w="38100">
+            <a:solidFill>
+              <a:schemeClr val="accent2">
+                <a:lumMod val="75000"/>
+              </a:schemeClr>
+            </a:solidFill>
+            <a:prstDash val="sysDot"/>
+            <a:tailEnd type="arrow"/>
+          </a:ln>
         </p:spPr>
         <p:style>
-          <a:lnRef idx="2">
-            <a:schemeClr val="accent2">
-              <a:shade val="50000"/>
-            </a:schemeClr>
+          <a:lnRef idx="1">
+            <a:schemeClr val="accent1"/>
           </a:lnRef>
-          <a:fillRef idx="1">
-            <a:schemeClr val="accent2"/>
+          <a:fillRef idx="0">
+            <a:schemeClr val="accent1"/>
           </a:fillRef>
           <a:effectRef idx="0">
-            <a:schemeClr val="accent2"/>
+            <a:schemeClr val="accent1"/>
           </a:effectRef>
           <a:fontRef idx="minor">
-            <a:schemeClr val="lt1"/>
+            <a:schemeClr val="tx1"/>
           </a:fontRef>
         </p:style>
       </p:cxnSp>
       <p:sp>
         <p:nvSpPr>
-          <p:cNvPr id="395" name="Rectangle 394"/>
+          <p:cNvPr id="104" name="Rectangle 103"/>
           <p:cNvSpPr/>
           <p:nvPr/>
         </p:nvSpPr>
         <p:spPr>
           <a:xfrm>
-            <a:off x="7343831" y="2810664"/>
-            <a:ext cx="1454388" cy="373296"/>
+            <a:off x="5303929" y="3079573"/>
+            <a:ext cx="2163078" cy="360000"/>
           </a:xfrm>
           <a:prstGeom prst="rect">
             <a:avLst/>
           </a:prstGeom>
-        </p:spPr>
-        <p:style>
-          <a:lnRef idx="2">
-            <a:schemeClr val="accent4">
-              <a:shade val="50000"/>
-            </a:schemeClr>
-          </a:lnRef>
-          <a:fillRef idx="1">
-            <a:schemeClr val="accent4"/>
-          </a:fillRef>
-          <a:effectRef idx="0">
-            <a:schemeClr val="accent4"/>
-          </a:effectRef>
-          <a:fontRef idx="minor">
-            <a:schemeClr val="lt1"/>
-          </a:fontRef>
-        </p:style>
-        <p:txBody>
-          <a:bodyPr rtlCol="0" anchor="ctr"/>
-          <a:lstStyle/>
-          <a:p>
-            <a:pPr algn="ctr"/>
-            <a:r>
-              <a:rPr lang="en-US" sz="1600" b="1" dirty="0" err="1"/>
-              <a:t>PageData</a:t>
-            </a:r>
-            <a:endParaRPr lang="en-SG" sz="1600" b="1" dirty="0"/>
-          </a:p>
-        </p:txBody>
-      </p:sp>
-      <p:sp>
-        <p:nvSpPr>
-          <p:cNvPr id="396" name="Isosceles Triangle 395"/>
-          <p:cNvSpPr/>
-          <p:nvPr/>
-        </p:nvSpPr>
-        <p:spPr>
-          <a:xfrm>
-            <a:off x="7924365" y="3191664"/>
-            <a:ext cx="276225" cy="228600"/>
-          </a:xfrm>
-          <a:prstGeom prst="triangle">
-            <a:avLst/>
-          </a:prstGeom>
           <a:solidFill>
-            <a:schemeClr val="accent4">
-              <a:lumMod val="75000"/>
-            </a:schemeClr>
+            <a:srgbClr val="92D050"/>
           </a:solidFill>
           <a:ln>
             <a:solidFill>
-              <a:schemeClr val="accent4">
-                <a:lumMod val="50000"/>
-              </a:schemeClr>
+              <a:srgbClr val="00B050"/>
             </a:solidFill>
           </a:ln>
         </p:spPr>
@@ -4495,34 +5631,137 @@
           <a:lstStyle/>
           <a:p>
             <a:pPr algn="ctr"/>
-            <a:endParaRPr lang="en-SG"/>
+            <a:r>
+              <a:rPr lang="en-US" sz="1600" b="1" dirty="0" err="1"/>
+              <a:t>ActionResult</a:t>
+            </a:r>
+            <a:endParaRPr lang="en-SG" sz="1600" b="1" dirty="0"/>
+          </a:p>
+        </p:txBody>
+      </p:sp>
+      <p:sp>
+        <p:nvSpPr>
+          <p:cNvPr id="105" name="Rectangle 104"/>
+          <p:cNvSpPr/>
+          <p:nvPr/>
+        </p:nvSpPr>
+        <p:spPr>
+          <a:xfrm>
+            <a:off x="7238407" y="4316211"/>
+            <a:ext cx="1980000" cy="360000"/>
+          </a:xfrm>
+          <a:prstGeom prst="rect">
+            <a:avLst/>
+          </a:prstGeom>
+          <a:solidFill>
+            <a:srgbClr val="92D050"/>
+          </a:solidFill>
+          <a:ln>
+            <a:solidFill>
+              <a:srgbClr val="00B050"/>
+            </a:solidFill>
+          </a:ln>
+        </p:spPr>
+        <p:style>
+          <a:lnRef idx="2">
+            <a:schemeClr val="accent6">
+              <a:shade val="50000"/>
+            </a:schemeClr>
+          </a:lnRef>
+          <a:fillRef idx="1">
+            <a:schemeClr val="accent6"/>
+          </a:fillRef>
+          <a:effectRef idx="0">
+            <a:schemeClr val="accent6"/>
+          </a:effectRef>
+          <a:fontRef idx="minor">
+            <a:schemeClr val="lt1"/>
+          </a:fontRef>
+        </p:style>
+        <p:txBody>
+          <a:bodyPr rtlCol="0" anchor="ctr"/>
+          <a:lstStyle/>
+          <a:p>
+            <a:pPr algn="ctr"/>
+            <a:r>
+              <a:rPr lang="en-US" sz="1600" b="1" dirty="0" err="1"/>
+              <a:t>ShowPageResult</a:t>
+            </a:r>
+            <a:endParaRPr lang="en-SG" sz="1600" b="1" dirty="0"/>
+          </a:p>
+        </p:txBody>
+      </p:sp>
+      <p:sp>
+        <p:nvSpPr>
+          <p:cNvPr id="106" name="Isosceles Triangle 105"/>
+          <p:cNvSpPr/>
+          <p:nvPr/>
+        </p:nvSpPr>
+        <p:spPr>
+          <a:xfrm>
+            <a:off x="6412807" y="3449397"/>
+            <a:ext cx="216000" cy="216000"/>
+          </a:xfrm>
+          <a:prstGeom prst="triangle">
+            <a:avLst/>
+          </a:prstGeom>
+          <a:solidFill>
+            <a:srgbClr val="92D050"/>
+          </a:solidFill>
+          <a:ln>
+            <a:solidFill>
+              <a:srgbClr val="00B050"/>
+            </a:solidFill>
+          </a:ln>
+        </p:spPr>
+        <p:style>
+          <a:lnRef idx="2">
+            <a:schemeClr val="accent6">
+              <a:shade val="50000"/>
+            </a:schemeClr>
+          </a:lnRef>
+          <a:fillRef idx="1">
+            <a:schemeClr val="accent6"/>
+          </a:fillRef>
+          <a:effectRef idx="0">
+            <a:schemeClr val="accent6"/>
+          </a:effectRef>
+          <a:fontRef idx="minor">
+            <a:schemeClr val="lt1"/>
+          </a:fontRef>
+        </p:style>
+        <p:txBody>
+          <a:bodyPr rtlCol="0" anchor="ctr"/>
+          <a:lstStyle/>
+          <a:p>
+            <a:pPr algn="ctr"/>
+            <a:endParaRPr lang="en-SG" sz="1600" b="1"/>
           </a:p>
         </p:txBody>
       </p:sp>
       <p:cxnSp>
         <p:nvCxnSpPr>
-          <p:cNvPr id="397" name="Elbow Connector 396"/>
+          <p:cNvPr id="107" name="Elbow Connector 106"/>
           <p:cNvCxnSpPr>
-            <a:stCxn id="396" idx="3"/>
-            <a:endCxn id="393" idx="0"/>
+            <a:stCxn id="106" idx="3"/>
+            <a:endCxn id="105" idx="1"/>
           </p:cNvCxnSpPr>
           <p:nvPr/>
         </p:nvCxnSpPr>
         <p:spPr>
           <a:xfrm rot="16200000" flipH="1">
-            <a:off x="7786856" y="3695886"/>
-            <a:ext cx="553736" cy="2492"/>
-          </a:xfrm>
-          <a:prstGeom prst="bentConnector3">
-            <a:avLst>
-              <a:gd name="adj1" fmla="val 50000"/>
-            </a:avLst>
-          </a:prstGeom>
+            <a:off x="6464200" y="3722004"/>
+            <a:ext cx="830814" cy="717600"/>
+          </a:xfrm>
+          <a:prstGeom prst="bentConnector2">
+            <a:avLst/>
+          </a:prstGeom>
+          <a:solidFill>
+            <a:srgbClr val="92D050"/>
+          </a:solidFill>
           <a:ln>
             <a:solidFill>
-              <a:schemeClr val="accent4">
-                <a:lumMod val="50000"/>
-              </a:schemeClr>
+              <a:srgbClr val="00B050"/>
             </a:solidFill>
           </a:ln>
         </p:spPr>
@@ -4545,30 +5784,38 @@
       </p:cxnSp>
       <p:sp>
         <p:nvSpPr>
-          <p:cNvPr id="398" name="Folded Corner 397"/>
+          <p:cNvPr id="109" name="Rectangle 108"/>
           <p:cNvSpPr/>
           <p:nvPr/>
         </p:nvSpPr>
         <p:spPr>
           <a:xfrm>
-            <a:off x="7331368" y="5120593"/>
-            <a:ext cx="1466850" cy="406993"/>
-          </a:xfrm>
-          <a:prstGeom prst="foldedCorner">
-            <a:avLst/>
-          </a:prstGeom>
+            <a:off x="7230737" y="3773119"/>
+            <a:ext cx="1980000" cy="360000"/>
+          </a:xfrm>
+          <a:prstGeom prst="rect">
+            <a:avLst/>
+          </a:prstGeom>
+          <a:solidFill>
+            <a:srgbClr val="92D050"/>
+          </a:solidFill>
+          <a:ln>
+            <a:solidFill>
+              <a:srgbClr val="00B050"/>
+            </a:solidFill>
+          </a:ln>
         </p:spPr>
         <p:style>
           <a:lnRef idx="2">
-            <a:schemeClr val="accent4">
+            <a:schemeClr val="accent6">
               <a:shade val="50000"/>
             </a:schemeClr>
           </a:lnRef>
           <a:fillRef idx="1">
-            <a:schemeClr val="accent4"/>
+            <a:schemeClr val="accent6"/>
           </a:fillRef>
           <a:effectRef idx="0">
-            <a:schemeClr val="accent4"/>
+            <a:schemeClr val="accent6"/>
           </a:effectRef>
           <a:fontRef idx="minor">
             <a:schemeClr val="lt1"/>
@@ -4580,12 +5827,8 @@
           <a:p>
             <a:pPr algn="ctr"/>
             <a:r>
-              <a:rPr lang="en-US" sz="1600" b="1" dirty="0" smtClean="0"/>
-              <a:t>_xyz_.</a:t>
-            </a:r>
-            <a:r>
-              <a:rPr lang="en-US" sz="1600" b="1" dirty="0" err="1" smtClean="0"/>
-              <a:t>jsp</a:t>
+              <a:rPr lang="en-US" sz="1600" b="1" dirty="0"/>
+              <a:t>*Result</a:t>
             </a:r>
             <a:endParaRPr lang="en-SG" sz="1600" b="1" dirty="0"/>
           </a:p>
@@ -4593,38 +5836,41 @@
       </p:sp>
       <p:cxnSp>
         <p:nvCxnSpPr>
-          <p:cNvPr id="399" name="Elbow Connector 398"/>
+          <p:cNvPr id="110" name="Elbow Connector 109"/>
           <p:cNvCxnSpPr>
-            <a:stCxn id="398" idx="0"/>
+            <a:stCxn id="106" idx="3"/>
+            <a:endCxn id="109" idx="1"/>
           </p:cNvCxnSpPr>
           <p:nvPr/>
         </p:nvCxnSpPr>
         <p:spPr>
-          <a:xfrm rot="5400000" flipH="1" flipV="1">
-            <a:off x="7685663" y="4735231"/>
-            <a:ext cx="764492" cy="6232"/>
-          </a:xfrm>
-          <a:prstGeom prst="bentConnector3">
-            <a:avLst>
-              <a:gd name="adj1" fmla="val 50000"/>
-            </a:avLst>
-          </a:prstGeom>
-          <a:ln w="38100">
-            <a:prstDash val="sysDot"/>
-            <a:tailEnd type="arrow"/>
+          <a:xfrm rot="16200000" flipH="1">
+            <a:off x="6731911" y="3454293"/>
+            <a:ext cx="287722" cy="709930"/>
+          </a:xfrm>
+          <a:prstGeom prst="bentConnector2">
+            <a:avLst/>
+          </a:prstGeom>
+          <a:solidFill>
+            <a:srgbClr val="92D050"/>
+          </a:solidFill>
+          <a:ln>
+            <a:solidFill>
+              <a:srgbClr val="00B050"/>
+            </a:solidFill>
           </a:ln>
         </p:spPr>
         <p:style>
           <a:lnRef idx="2">
-            <a:schemeClr val="accent4">
+            <a:schemeClr val="accent6">
               <a:shade val="50000"/>
             </a:schemeClr>
           </a:lnRef>
           <a:fillRef idx="1">
-            <a:schemeClr val="accent4"/>
+            <a:schemeClr val="accent6"/>
           </a:fillRef>
           <a:effectRef idx="0">
-            <a:schemeClr val="accent4"/>
+            <a:schemeClr val="accent6"/>
           </a:effectRef>
           <a:fontRef idx="minor">
             <a:schemeClr val="lt1"/>
@@ -4633,14 +5879,14 @@
       </p:cxnSp>
       <p:sp>
         <p:nvSpPr>
-          <p:cNvPr id="400" name="TextBox 399"/>
+          <p:cNvPr id="111" name="TextBox 110"/>
           <p:cNvSpPr txBox="1"/>
           <p:nvPr/>
         </p:nvSpPr>
         <p:spPr>
           <a:xfrm>
-            <a:off x="11112" y="4695031"/>
-            <a:ext cx="937901" cy="307777"/>
+            <a:off x="2765923" y="2917067"/>
+            <a:ext cx="1066800" cy="307777"/>
           </a:xfrm>
           <a:prstGeom prst="rect">
             <a:avLst/>
@@ -4672,83 +5918,32 @@
             <a:defPPr>
               <a:defRPr lang="en-US"/>
             </a:defPPr>
-            <a:lvl1pPr>
+            <a:lvl1pPr algn="r">
               <a:defRPr sz="1400" b="1">
                 <a:solidFill>
-                  <a:srgbClr val="7030A0"/>
+                  <a:schemeClr val="accent2">
+                    <a:lumMod val="75000"/>
+                  </a:schemeClr>
                 </a:solidFill>
               </a:defRPr>
             </a:lvl1pPr>
-            <a:lvl2pPr>
-              <a:defRPr>
-                <a:solidFill>
-                  <a:schemeClr val="lt1"/>
-                </a:solidFill>
-              </a:defRPr>
-            </a:lvl2pPr>
-            <a:lvl3pPr>
-              <a:defRPr>
-                <a:solidFill>
-                  <a:schemeClr val="lt1"/>
-                </a:solidFill>
-              </a:defRPr>
-            </a:lvl3pPr>
-            <a:lvl4pPr>
-              <a:defRPr>
-                <a:solidFill>
-                  <a:schemeClr val="lt1"/>
-                </a:solidFill>
-              </a:defRPr>
-            </a:lvl4pPr>
-            <a:lvl5pPr>
-              <a:defRPr>
-                <a:solidFill>
-                  <a:schemeClr val="lt1"/>
-                </a:solidFill>
-              </a:defRPr>
-            </a:lvl5pPr>
-            <a:lvl6pPr>
-              <a:defRPr>
-                <a:solidFill>
-                  <a:schemeClr val="lt1"/>
-                </a:solidFill>
-              </a:defRPr>
-            </a:lvl6pPr>
-            <a:lvl7pPr>
-              <a:defRPr>
-                <a:solidFill>
-                  <a:schemeClr val="lt1"/>
-                </a:solidFill>
-              </a:defRPr>
-            </a:lvl7pPr>
-            <a:lvl8pPr>
-              <a:defRPr>
-                <a:solidFill>
-                  <a:schemeClr val="lt1"/>
-                </a:solidFill>
-              </a:defRPr>
-            </a:lvl8pPr>
-            <a:lvl9pPr>
-              <a:defRPr>
-                <a:solidFill>
-                  <a:schemeClr val="lt1"/>
-                </a:solidFill>
-              </a:defRPr>
-            </a:lvl9pPr>
           </a:lstStyle>
           <a:p>
-            <a:pPr algn="r"/>
             <a:r>
-              <a:rPr lang="en-US" dirty="0" smtClean="0">
-                <a:solidFill>
-                  <a:schemeClr val="tx1"/>
+              <a:rPr lang="en-US" dirty="0">
+                <a:solidFill>
+                  <a:schemeClr val="accent1">
+                    <a:lumMod val="50000"/>
+                  </a:schemeClr>
                 </a:solidFill>
               </a:rPr>
-              <a:t>Browser</a:t>
+              <a:t>sends back</a:t>
             </a:r>
             <a:endParaRPr lang="en-SG" dirty="0">
               <a:solidFill>
-                <a:schemeClr val="tx1"/>
+                <a:schemeClr val="accent1">
+                  <a:lumMod val="50000"/>
+                </a:schemeClr>
               </a:solidFill>
             </a:endParaRPr>
           </a:p>
@@ -4756,309 +5951,23 @@
       </p:sp>
       <p:sp>
         <p:nvSpPr>
-          <p:cNvPr id="401" name="Folded Corner 400"/>
+          <p:cNvPr id="112" name="Flowchart: Extract 111"/>
           <p:cNvSpPr/>
           <p:nvPr/>
         </p:nvSpPr>
         <p:spPr>
-          <a:xfrm>
-            <a:off x="199429" y="5059285"/>
-            <a:ext cx="649883" cy="1408984"/>
-          </a:xfrm>
-          <a:prstGeom prst="foldedCorner">
+          <a:xfrm rot="5400000" flipH="1">
+            <a:off x="3750728" y="3033398"/>
+            <a:ext cx="155075" cy="122330"/>
+          </a:xfrm>
+          <a:prstGeom prst="flowChartExtract">
             <a:avLst/>
           </a:prstGeom>
           <a:solidFill>
-            <a:schemeClr val="bg1"/>
+            <a:schemeClr val="accent1">
+              <a:lumMod val="50000"/>
+            </a:schemeClr>
           </a:solidFill>
-          <a:ln>
-            <a:solidFill>
-              <a:schemeClr val="tx1"/>
-            </a:solidFill>
-          </a:ln>
-        </p:spPr>
-        <p:style>
-          <a:lnRef idx="2">
-            <a:schemeClr val="accent4">
-              <a:shade val="50000"/>
-            </a:schemeClr>
-          </a:lnRef>
-          <a:fillRef idx="1">
-            <a:schemeClr val="accent4"/>
-          </a:fillRef>
-          <a:effectRef idx="0">
-            <a:schemeClr val="accent4"/>
-          </a:effectRef>
-          <a:fontRef idx="minor">
-            <a:schemeClr val="lt1"/>
-          </a:fontRef>
-        </p:style>
-        <p:txBody>
-          <a:bodyPr rtlCol="0" anchor="ctr"/>
-          <a:lstStyle/>
-          <a:p>
-            <a:pPr algn="ctr"/>
-            <a:r>
-              <a:rPr lang="en-US" sz="1600" b="1" dirty="0" smtClean="0">
-                <a:solidFill>
-                  <a:schemeClr val="tx1"/>
-                </a:solidFill>
-              </a:rPr>
-              <a:t>Web page</a:t>
-            </a:r>
-            <a:endParaRPr lang="en-SG" sz="1600" b="1" dirty="0">
-              <a:solidFill>
-                <a:schemeClr val="tx1"/>
-              </a:solidFill>
-            </a:endParaRPr>
-          </a:p>
-        </p:txBody>
-      </p:sp>
-      <p:sp>
-        <p:nvSpPr>
-          <p:cNvPr id="402" name="Folded Corner 401"/>
-          <p:cNvSpPr/>
-          <p:nvPr/>
-        </p:nvSpPr>
-        <p:spPr>
-          <a:xfrm>
-            <a:off x="4354512" y="5919928"/>
-            <a:ext cx="1464715" cy="374591"/>
-          </a:xfrm>
-          <a:prstGeom prst="foldedCorner">
-            <a:avLst/>
-          </a:prstGeom>
-        </p:spPr>
-        <p:style>
-          <a:lnRef idx="2">
-            <a:schemeClr val="accent5">
-              <a:shade val="50000"/>
-            </a:schemeClr>
-          </a:lnRef>
-          <a:fillRef idx="1">
-            <a:schemeClr val="accent5"/>
-          </a:fillRef>
-          <a:effectRef idx="0">
-            <a:schemeClr val="accent5"/>
-          </a:effectRef>
-          <a:fontRef idx="minor">
-            <a:schemeClr val="lt1"/>
-          </a:fontRef>
-        </p:style>
-        <p:txBody>
-          <a:bodyPr rtlCol="0" anchor="ctr"/>
-          <a:lstStyle/>
-          <a:p>
-            <a:pPr algn="ctr"/>
-            <a:r>
-              <a:rPr lang="en-US" sz="1600" b="1" dirty="0" smtClean="0"/>
-              <a:t>*.</a:t>
-            </a:r>
-            <a:r>
-              <a:rPr lang="en-US" sz="1600" b="1" dirty="0" err="1" smtClean="0"/>
-              <a:t>css</a:t>
-            </a:r>
-            <a:endParaRPr lang="en-SG" sz="1600" b="1" dirty="0"/>
-          </a:p>
-        </p:txBody>
-      </p:sp>
-      <p:sp>
-        <p:nvSpPr>
-          <p:cNvPr id="403" name="Folded Corner 402"/>
-          <p:cNvSpPr/>
-          <p:nvPr/>
-        </p:nvSpPr>
-        <p:spPr>
-          <a:xfrm>
-            <a:off x="2438937" y="5441060"/>
-            <a:ext cx="1464715" cy="420881"/>
-          </a:xfrm>
-          <a:prstGeom prst="foldedCorner">
-            <a:avLst/>
-          </a:prstGeom>
-        </p:spPr>
-        <p:style>
-          <a:lnRef idx="2">
-            <a:schemeClr val="accent5">
-              <a:shade val="50000"/>
-            </a:schemeClr>
-          </a:lnRef>
-          <a:fillRef idx="1">
-            <a:schemeClr val="accent5"/>
-          </a:fillRef>
-          <a:effectRef idx="0">
-            <a:schemeClr val="accent5"/>
-          </a:effectRef>
-          <a:fontRef idx="minor">
-            <a:schemeClr val="lt1"/>
-          </a:fontRef>
-        </p:style>
-        <p:txBody>
-          <a:bodyPr rtlCol="0" anchor="ctr"/>
-          <a:lstStyle/>
-          <a:p>
-            <a:pPr algn="ctr"/>
-            <a:r>
-              <a:rPr lang="en-US" sz="1600" b="1" dirty="0" smtClean="0"/>
-              <a:t>*.</a:t>
-            </a:r>
-            <a:r>
-              <a:rPr lang="en-US" sz="1600" b="1" dirty="0" err="1" smtClean="0"/>
-              <a:t>js</a:t>
-            </a:r>
-            <a:endParaRPr lang="en-SG" sz="1600" b="1" dirty="0"/>
-          </a:p>
-        </p:txBody>
-      </p:sp>
-      <p:sp>
-        <p:nvSpPr>
-          <p:cNvPr id="404" name="Folded Corner 403"/>
-          <p:cNvSpPr/>
-          <p:nvPr/>
-        </p:nvSpPr>
-        <p:spPr>
-          <a:xfrm>
-            <a:off x="2538639" y="5526518"/>
-            <a:ext cx="1464715" cy="420881"/>
-          </a:xfrm>
-          <a:prstGeom prst="foldedCorner">
-            <a:avLst/>
-          </a:prstGeom>
-        </p:spPr>
-        <p:style>
-          <a:lnRef idx="2">
-            <a:schemeClr val="accent5">
-              <a:shade val="50000"/>
-            </a:schemeClr>
-          </a:lnRef>
-          <a:fillRef idx="1">
-            <a:schemeClr val="accent5"/>
-          </a:fillRef>
-          <a:effectRef idx="0">
-            <a:schemeClr val="accent5"/>
-          </a:effectRef>
-          <a:fontRef idx="minor">
-            <a:schemeClr val="lt1"/>
-          </a:fontRef>
-        </p:style>
-        <p:txBody>
-          <a:bodyPr rtlCol="0" anchor="ctr"/>
-          <a:lstStyle/>
-          <a:p>
-            <a:pPr algn="ctr"/>
-            <a:r>
-              <a:rPr lang="en-US" sz="1600" b="1" dirty="0" smtClean="0"/>
-              <a:t>*.</a:t>
-            </a:r>
-            <a:r>
-              <a:rPr lang="en-US" sz="1600" b="1" dirty="0" err="1" smtClean="0"/>
-              <a:t>js</a:t>
-            </a:r>
-            <a:endParaRPr lang="en-SG" sz="1600" b="1" dirty="0"/>
-          </a:p>
-        </p:txBody>
-      </p:sp>
-      <p:sp>
-        <p:nvSpPr>
-          <p:cNvPr id="405" name="Folded Corner 404"/>
-          <p:cNvSpPr/>
-          <p:nvPr/>
-        </p:nvSpPr>
-        <p:spPr>
-          <a:xfrm>
-            <a:off x="2614839" y="5629779"/>
-            <a:ext cx="1464715" cy="420881"/>
-          </a:xfrm>
-          <a:prstGeom prst="foldedCorner">
-            <a:avLst/>
-          </a:prstGeom>
-        </p:spPr>
-        <p:style>
-          <a:lnRef idx="2">
-            <a:schemeClr val="accent5">
-              <a:shade val="50000"/>
-            </a:schemeClr>
-          </a:lnRef>
-          <a:fillRef idx="1">
-            <a:schemeClr val="accent5"/>
-          </a:fillRef>
-          <a:effectRef idx="0">
-            <a:schemeClr val="accent5"/>
-          </a:effectRef>
-          <a:fontRef idx="minor">
-            <a:schemeClr val="lt1"/>
-          </a:fontRef>
-        </p:style>
-        <p:txBody>
-          <a:bodyPr rtlCol="0" anchor="ctr"/>
-          <a:lstStyle/>
-          <a:p>
-            <a:pPr algn="ctr"/>
-            <a:r>
-              <a:rPr lang="en-US" sz="1600" b="1" dirty="0" smtClean="0"/>
-              <a:t>*.</a:t>
-            </a:r>
-            <a:r>
-              <a:rPr lang="en-US" sz="1600" b="1" dirty="0" err="1" smtClean="0"/>
-              <a:t>js</a:t>
-            </a:r>
-            <a:endParaRPr lang="en-SG" sz="1600" b="1" dirty="0"/>
-          </a:p>
-        </p:txBody>
-      </p:sp>
-      <p:cxnSp>
-        <p:nvCxnSpPr>
-          <p:cNvPr id="406" name="Elbow Connector 405"/>
-          <p:cNvCxnSpPr/>
-          <p:nvPr/>
-        </p:nvCxnSpPr>
-        <p:spPr>
-          <a:xfrm rot="10800000" flipV="1">
-            <a:off x="849312" y="5194299"/>
-            <a:ext cx="6482059" cy="9438"/>
-          </a:xfrm>
-          <a:prstGeom prst="bentConnector3">
-            <a:avLst>
-              <a:gd name="adj1" fmla="val 50000"/>
-            </a:avLst>
-          </a:prstGeom>
-          <a:ln w="38100">
-            <a:prstDash val="sysDot"/>
-            <a:tailEnd type="arrow"/>
-          </a:ln>
-        </p:spPr>
-        <p:style>
-          <a:lnRef idx="2">
-            <a:schemeClr val="accent4">
-              <a:shade val="50000"/>
-            </a:schemeClr>
-          </a:lnRef>
-          <a:fillRef idx="1">
-            <a:schemeClr val="accent4"/>
-          </a:fillRef>
-          <a:effectRef idx="0">
-            <a:schemeClr val="accent4"/>
-          </a:effectRef>
-          <a:fontRef idx="minor">
-            <a:schemeClr val="lt1"/>
-          </a:fontRef>
-        </p:style>
-      </p:cxnSp>
-      <p:sp>
-        <p:nvSpPr>
-          <p:cNvPr id="407" name="TextBox 406"/>
-          <p:cNvSpPr txBox="1"/>
-          <p:nvPr/>
-        </p:nvSpPr>
-        <p:spPr>
-          <a:xfrm>
-            <a:off x="3252655" y="4905397"/>
-            <a:ext cx="1066800" cy="307777"/>
-          </a:xfrm>
-          <a:prstGeom prst="rect">
-            <a:avLst/>
-          </a:prstGeom>
-          <a:grpFill/>
           <a:ln>
             <a:noFill/>
           </a:ln>
@@ -5080,6 +5989,92 @@
           </a:fontRef>
         </p:style>
         <p:txBody>
+          <a:bodyPr rtlCol="0" anchor="ctr"/>
+          <a:lstStyle/>
+          <a:p>
+            <a:pPr algn="ctr"/>
+            <a:endParaRPr lang="en-SG"/>
+          </a:p>
+        </p:txBody>
+      </p:sp>
+      <p:cxnSp>
+        <p:nvCxnSpPr>
+          <p:cNvPr id="113" name="Straight Arrow Connector 112"/>
+          <p:cNvCxnSpPr>
+            <a:stCxn id="98" idx="3"/>
+            <a:endCxn id="97" idx="1"/>
+          </p:cNvCxnSpPr>
+          <p:nvPr/>
+        </p:nvCxnSpPr>
+        <p:spPr>
+          <a:xfrm>
+            <a:off x="3870023" y="2667411"/>
+            <a:ext cx="438592" cy="0"/>
+          </a:xfrm>
+          <a:prstGeom prst="straightConnector1">
+            <a:avLst/>
+          </a:prstGeom>
+          <a:ln w="38100">
+            <a:solidFill>
+              <a:schemeClr val="tx2">
+                <a:lumMod val="75000"/>
+              </a:schemeClr>
+            </a:solidFill>
+            <a:prstDash val="sysDot"/>
+            <a:tailEnd type="arrow"/>
+          </a:ln>
+        </p:spPr>
+        <p:style>
+          <a:lnRef idx="1">
+            <a:schemeClr val="accent1"/>
+          </a:lnRef>
+          <a:fillRef idx="0">
+            <a:schemeClr val="accent1"/>
+          </a:fillRef>
+          <a:effectRef idx="0">
+            <a:schemeClr val="accent1"/>
+          </a:effectRef>
+          <a:fontRef idx="minor">
+            <a:schemeClr val="tx1"/>
+          </a:fontRef>
+        </p:style>
+      </p:cxnSp>
+      <p:sp>
+        <p:nvSpPr>
+          <p:cNvPr id="114" name="TextBox 113"/>
+          <p:cNvSpPr txBox="1"/>
+          <p:nvPr/>
+        </p:nvSpPr>
+        <p:spPr>
+          <a:xfrm>
+            <a:off x="3632119" y="2186459"/>
+            <a:ext cx="914400" cy="252187"/>
+          </a:xfrm>
+          <a:prstGeom prst="rect">
+            <a:avLst/>
+          </a:prstGeom>
+          <a:grpFill/>
+          <a:ln>
+            <a:noFill/>
+          </a:ln>
+        </p:spPr>
+        <p:style>
+          <a:lnRef idx="2">
+            <a:schemeClr val="accent1">
+              <a:shade val="50000"/>
+            </a:schemeClr>
+          </a:lnRef>
+          <a:fillRef idx="1">
+            <a:schemeClr val="accent1"/>
+          </a:fillRef>
+          <a:effectRef idx="0">
+            <a:schemeClr val="accent1"/>
+          </a:effectRef>
+          <a:fontRef idx="minor">
+            <a:schemeClr val="lt1"/>
+          </a:fontRef>
+        </p:style>
+        <p:txBody>
           <a:bodyPr rtlCol="0" anchor="t" anchorCtr="0"/>
           <a:lstStyle>
             <a:defPPr>
@@ -5150,134 +6145,177 @@
             </a:lvl9pPr>
           </a:lstStyle>
           <a:p>
-            <a:pPr algn="r"/>
             <a:r>
-              <a:rPr lang="en-US" dirty="0" smtClean="0"/>
-              <a:t>&lt;&lt;create&gt;&gt;</a:t>
+              <a:rPr lang="en-US" dirty="0">
+                <a:solidFill>
+                  <a:schemeClr val="accent1">
+                    <a:lumMod val="50000"/>
+                  </a:schemeClr>
+                </a:solidFill>
+              </a:rPr>
+              <a:t>&lt;&lt;uses&gt;&gt;</a:t>
             </a:r>
-            <a:endParaRPr lang="en-SG" dirty="0"/>
-          </a:p>
-        </p:txBody>
-      </p:sp>
-      <p:sp>
-        <p:nvSpPr>
-          <p:cNvPr id="408" name="Folded Corner 407"/>
-          <p:cNvSpPr/>
+            <a:endParaRPr lang="en-SG" dirty="0">
+              <a:solidFill>
+                <a:schemeClr val="accent1">
+                  <a:lumMod val="50000"/>
+                </a:schemeClr>
+              </a:solidFill>
+            </a:endParaRPr>
+          </a:p>
+        </p:txBody>
+      </p:sp>
+      <p:sp>
+        <p:nvSpPr>
+          <p:cNvPr id="115" name="TextBox 114"/>
+          <p:cNvSpPr txBox="1"/>
           <p:nvPr/>
         </p:nvSpPr>
         <p:spPr>
           <a:xfrm>
-            <a:off x="4393681" y="6002537"/>
-            <a:ext cx="1464715" cy="374591"/>
-          </a:xfrm>
-          <a:prstGeom prst="foldedCorner">
-            <a:avLst/>
-          </a:prstGeom>
+            <a:off x="6019211" y="2179637"/>
+            <a:ext cx="1162965" cy="350553"/>
+          </a:xfrm>
+          <a:prstGeom prst="rect">
+            <a:avLst/>
+          </a:prstGeom>
+          <a:grpFill/>
+          <a:ln>
+            <a:noFill/>
+          </a:ln>
         </p:spPr>
         <p:style>
           <a:lnRef idx="2">
-            <a:schemeClr val="accent5">
+            <a:schemeClr val="accent1">
               <a:shade val="50000"/>
             </a:schemeClr>
           </a:lnRef>
           <a:fillRef idx="1">
-            <a:schemeClr val="accent5"/>
+            <a:schemeClr val="accent1"/>
           </a:fillRef>
           <a:effectRef idx="0">
-            <a:schemeClr val="accent5"/>
+            <a:schemeClr val="accent1"/>
           </a:effectRef>
           <a:fontRef idx="minor">
             <a:schemeClr val="lt1"/>
           </a:fontRef>
         </p:style>
         <p:txBody>
-          <a:bodyPr rtlCol="0" anchor="ctr"/>
-          <a:lstStyle/>
-          <a:p>
-            <a:pPr algn="ctr"/>
+          <a:bodyPr rtlCol="0" anchor="t" anchorCtr="0"/>
+          <a:lstStyle>
+            <a:defPPr>
+              <a:defRPr lang="en-US"/>
+            </a:defPPr>
+            <a:lvl1pPr>
+              <a:defRPr sz="1400" b="1">
+                <a:solidFill>
+                  <a:srgbClr val="7030A0"/>
+                </a:solidFill>
+              </a:defRPr>
+            </a:lvl1pPr>
+            <a:lvl2pPr>
+              <a:defRPr>
+                <a:solidFill>
+                  <a:schemeClr val="lt1"/>
+                </a:solidFill>
+              </a:defRPr>
+            </a:lvl2pPr>
+            <a:lvl3pPr>
+              <a:defRPr>
+                <a:solidFill>
+                  <a:schemeClr val="lt1"/>
+                </a:solidFill>
+              </a:defRPr>
+            </a:lvl3pPr>
+            <a:lvl4pPr>
+              <a:defRPr>
+                <a:solidFill>
+                  <a:schemeClr val="lt1"/>
+                </a:solidFill>
+              </a:defRPr>
+            </a:lvl4pPr>
+            <a:lvl5pPr>
+              <a:defRPr>
+                <a:solidFill>
+                  <a:schemeClr val="lt1"/>
+                </a:solidFill>
+              </a:defRPr>
+            </a:lvl5pPr>
+            <a:lvl6pPr>
+              <a:defRPr>
+                <a:solidFill>
+                  <a:schemeClr val="lt1"/>
+                </a:solidFill>
+              </a:defRPr>
+            </a:lvl6pPr>
+            <a:lvl7pPr>
+              <a:defRPr>
+                <a:solidFill>
+                  <a:schemeClr val="lt1"/>
+                </a:solidFill>
+              </a:defRPr>
+            </a:lvl7pPr>
+            <a:lvl8pPr>
+              <a:defRPr>
+                <a:solidFill>
+                  <a:schemeClr val="lt1"/>
+                </a:solidFill>
+              </a:defRPr>
+            </a:lvl8pPr>
+            <a:lvl9pPr>
+              <a:defRPr>
+                <a:solidFill>
+                  <a:schemeClr val="lt1"/>
+                </a:solidFill>
+              </a:defRPr>
+            </a:lvl9pPr>
+          </a:lstStyle>
+          <a:p>
+            <a:pPr algn="r"/>
             <a:r>
-              <a:rPr lang="en-US" sz="1600" b="1" dirty="0" smtClean="0"/>
-              <a:t>*.</a:t>
+              <a:rPr lang="en-US" dirty="0">
+                <a:solidFill>
+                  <a:schemeClr val="accent2">
+                    <a:lumMod val="75000"/>
+                  </a:schemeClr>
+                </a:solidFill>
+              </a:rPr>
+              <a:t>&lt;&lt;creates&gt;&gt;</a:t>
             </a:r>
-            <a:r>
-              <a:rPr lang="en-US" sz="1600" b="1" dirty="0" err="1" smtClean="0"/>
-              <a:t>css</a:t>
-            </a:r>
-            <a:endParaRPr lang="en-SG" sz="1600" b="1" dirty="0"/>
-          </a:p>
-        </p:txBody>
-      </p:sp>
-      <p:sp>
-        <p:nvSpPr>
-          <p:cNvPr id="409" name="Folded Corner 408"/>
-          <p:cNvSpPr/>
-          <p:nvPr/>
-        </p:nvSpPr>
-        <p:spPr>
-          <a:xfrm>
-            <a:off x="4435697" y="6073040"/>
-            <a:ext cx="1464715" cy="374591"/>
-          </a:xfrm>
-          <a:prstGeom prst="foldedCorner">
-            <a:avLst/>
-          </a:prstGeom>
-        </p:spPr>
-        <p:style>
-          <a:lnRef idx="2">
-            <a:schemeClr val="accent5">
-              <a:shade val="50000"/>
-            </a:schemeClr>
-          </a:lnRef>
-          <a:fillRef idx="1">
-            <a:schemeClr val="accent5"/>
-          </a:fillRef>
-          <a:effectRef idx="0">
-            <a:schemeClr val="accent5"/>
-          </a:effectRef>
-          <a:fontRef idx="minor">
-            <a:schemeClr val="lt1"/>
-          </a:fontRef>
-        </p:style>
-        <p:txBody>
-          <a:bodyPr rtlCol="0" anchor="ctr"/>
-          <a:lstStyle/>
-          <a:p>
-            <a:pPr algn="ctr"/>
-            <a:r>
-              <a:rPr lang="en-US" sz="1600" b="1" dirty="0" smtClean="0"/>
-              <a:t>*.</a:t>
-            </a:r>
-            <a:r>
-              <a:rPr lang="en-US" sz="1600" b="1" dirty="0" err="1" smtClean="0"/>
-              <a:t>css</a:t>
-            </a:r>
-            <a:endParaRPr lang="en-SG" sz="1600" b="1" dirty="0"/>
+            <a:endParaRPr lang="en-SG" dirty="0">
+              <a:solidFill>
+                <a:schemeClr val="accent2">
+                  <a:lumMod val="75000"/>
+                </a:schemeClr>
+              </a:solidFill>
+            </a:endParaRPr>
           </a:p>
         </p:txBody>
       </p:sp>
       <p:cxnSp>
         <p:nvCxnSpPr>
-          <p:cNvPr id="410" name="Elbow Connector 409"/>
+          <p:cNvPr id="116" name="Elbow Connector 115"/>
           <p:cNvCxnSpPr>
-            <a:endCxn id="405" idx="1"/>
+            <a:stCxn id="98" idx="2"/>
+            <a:endCxn id="104" idx="1"/>
           </p:cNvCxnSpPr>
           <p:nvPr/>
         </p:nvCxnSpPr>
         <p:spPr>
-          <a:xfrm flipV="1">
-            <a:off x="889599" y="5840220"/>
-            <a:ext cx="1725240" cy="297945"/>
-          </a:xfrm>
-          <a:prstGeom prst="bentConnector3">
-            <a:avLst>
-              <a:gd name="adj1" fmla="val 50000"/>
-            </a:avLst>
+          <a:xfrm rot="16200000" flipH="1">
+            <a:off x="3840895" y="1796539"/>
+            <a:ext cx="412162" cy="2513906"/>
+          </a:xfrm>
+          <a:prstGeom prst="bentConnector2">
+            <a:avLst/>
           </a:prstGeom>
           <a:ln w="38100">
             <a:solidFill>
-              <a:schemeClr val="tx1"/>
+              <a:schemeClr val="accent1">
+                <a:lumMod val="50000"/>
+              </a:schemeClr>
             </a:solidFill>
-            <a:prstDash val="sysDash"/>
+            <a:prstDash val="sysDot"/>
             <a:tailEnd type="arrow"/>
           </a:ln>
         </p:spPr>
@@ -5298,572 +6336,16 @@
       </p:cxnSp>
       <p:cxnSp>
         <p:nvCxnSpPr>
-          <p:cNvPr id="411" name="Elbow Connector 410"/>
+          <p:cNvPr id="117" name="Elbow Connector 116"/>
           <p:cNvCxnSpPr>
-            <a:endCxn id="409" idx="1"/>
+            <a:stCxn id="96" idx="3"/>
           </p:cNvCxnSpPr>
           <p:nvPr/>
         </p:nvCxnSpPr>
         <p:spPr>
           <a:xfrm>
-            <a:off x="889599" y="6138165"/>
-            <a:ext cx="3546098" cy="122171"/>
-          </a:xfrm>
-          <a:prstGeom prst="bentConnector3">
-            <a:avLst>
-              <a:gd name="adj1" fmla="val 24521"/>
-            </a:avLst>
-          </a:prstGeom>
-          <a:ln w="38100">
-            <a:solidFill>
-              <a:schemeClr val="tx1"/>
-            </a:solidFill>
-            <a:prstDash val="sysDash"/>
-            <a:tailEnd type="arrow"/>
-          </a:ln>
-        </p:spPr>
-        <p:style>
-          <a:lnRef idx="1">
-            <a:schemeClr val="accent1"/>
-          </a:lnRef>
-          <a:fillRef idx="0">
-            <a:schemeClr val="accent1"/>
-          </a:fillRef>
-          <a:effectRef idx="0">
-            <a:schemeClr val="accent1"/>
-          </a:effectRef>
-          <a:fontRef idx="minor">
-            <a:schemeClr val="tx1"/>
-          </a:fontRef>
-        </p:style>
-      </p:cxnSp>
-      <p:sp>
-        <p:nvSpPr>
-          <p:cNvPr id="412" name="Folded Corner 411"/>
-          <p:cNvSpPr/>
-          <p:nvPr/>
-        </p:nvSpPr>
-        <p:spPr>
-          <a:xfrm>
-            <a:off x="7391456" y="5190025"/>
-            <a:ext cx="1466850" cy="406993"/>
-          </a:xfrm>
-          <a:prstGeom prst="foldedCorner">
-            <a:avLst/>
-          </a:prstGeom>
-        </p:spPr>
-        <p:style>
-          <a:lnRef idx="2">
-            <a:schemeClr val="accent4">
-              <a:shade val="50000"/>
-            </a:schemeClr>
-          </a:lnRef>
-          <a:fillRef idx="1">
-            <a:schemeClr val="accent4"/>
-          </a:fillRef>
-          <a:effectRef idx="0">
-            <a:schemeClr val="accent4"/>
-          </a:effectRef>
-          <a:fontRef idx="minor">
-            <a:schemeClr val="lt1"/>
-          </a:fontRef>
-        </p:style>
-        <p:txBody>
-          <a:bodyPr rtlCol="0" anchor="ctr"/>
-          <a:lstStyle/>
-          <a:p>
-            <a:pPr algn="ctr"/>
-            <a:r>
-              <a:rPr lang="en-US" sz="1600" b="1" dirty="0" smtClean="0"/>
-              <a:t>_xyz_.</a:t>
-            </a:r>
-            <a:r>
-              <a:rPr lang="en-US" sz="1600" b="1" dirty="0" err="1" smtClean="0"/>
-              <a:t>jsp</a:t>
-            </a:r>
-            <a:endParaRPr lang="en-SG" sz="1600" b="1" dirty="0"/>
-          </a:p>
-        </p:txBody>
-      </p:sp>
-      <p:sp>
-        <p:nvSpPr>
-          <p:cNvPr id="413" name="Folded Corner 412"/>
-          <p:cNvSpPr/>
-          <p:nvPr/>
-        </p:nvSpPr>
-        <p:spPr>
-          <a:xfrm>
-            <a:off x="7469790" y="5244508"/>
-            <a:ext cx="1466850" cy="406993"/>
-          </a:xfrm>
-          <a:prstGeom prst="foldedCorner">
-            <a:avLst/>
-          </a:prstGeom>
-        </p:spPr>
-        <p:style>
-          <a:lnRef idx="2">
-            <a:schemeClr val="accent4">
-              <a:shade val="50000"/>
-            </a:schemeClr>
-          </a:lnRef>
-          <a:fillRef idx="1">
-            <a:schemeClr val="accent4"/>
-          </a:fillRef>
-          <a:effectRef idx="0">
-            <a:schemeClr val="accent4"/>
-          </a:effectRef>
-          <a:fontRef idx="minor">
-            <a:schemeClr val="lt1"/>
-          </a:fontRef>
-        </p:style>
-        <p:txBody>
-          <a:bodyPr rtlCol="0" anchor="ctr"/>
-          <a:lstStyle/>
-          <a:p>
-            <a:pPr algn="ctr"/>
-            <a:r>
-              <a:rPr lang="en-US" sz="1600" b="1" dirty="0" smtClean="0"/>
-              <a:t>*.</a:t>
-            </a:r>
-            <a:r>
-              <a:rPr lang="en-US" sz="1600" b="1" dirty="0" err="1" smtClean="0"/>
-              <a:t>jsp</a:t>
-            </a:r>
-            <a:endParaRPr lang="en-SG" sz="1600" b="1" dirty="0"/>
-          </a:p>
-        </p:txBody>
-      </p:sp>
-      <p:sp>
-        <p:nvSpPr>
-          <p:cNvPr id="416" name="Rectangle 415"/>
-          <p:cNvSpPr/>
-          <p:nvPr/>
-        </p:nvSpPr>
-        <p:spPr>
-          <a:xfrm>
-            <a:off x="1502618" y="3266354"/>
-            <a:ext cx="1466850" cy="403054"/>
-          </a:xfrm>
-          <a:prstGeom prst="rect">
-            <a:avLst/>
-          </a:prstGeom>
-        </p:spPr>
-        <p:style>
-          <a:lnRef idx="2">
-            <a:schemeClr val="accent2">
-              <a:shade val="50000"/>
-            </a:schemeClr>
-          </a:lnRef>
-          <a:fillRef idx="1">
-            <a:schemeClr val="accent2"/>
-          </a:fillRef>
-          <a:effectRef idx="0">
-            <a:schemeClr val="accent2"/>
-          </a:effectRef>
-          <a:fontRef idx="minor">
-            <a:schemeClr val="lt1"/>
-          </a:fontRef>
-        </p:style>
-        <p:txBody>
-          <a:bodyPr rtlCol="0" anchor="ctr"/>
-          <a:lstStyle/>
-          <a:p>
-            <a:pPr algn="ctr"/>
-            <a:r>
-              <a:rPr lang="en-US" sz="1600" b="1" dirty="0" smtClean="0"/>
-              <a:t>_</a:t>
-            </a:r>
-            <a:r>
-              <a:rPr lang="en-US" sz="1600" b="1" dirty="0" err="1" smtClean="0"/>
-              <a:t>xyz_Servlet</a:t>
-            </a:r>
-            <a:endParaRPr lang="en-SG" sz="1600" b="1" dirty="0"/>
-          </a:p>
-        </p:txBody>
-      </p:sp>
-      <p:sp>
-        <p:nvSpPr>
-          <p:cNvPr id="417" name="Rectangle 416"/>
-          <p:cNvSpPr/>
-          <p:nvPr/>
-        </p:nvSpPr>
-        <p:spPr>
-          <a:xfrm>
-            <a:off x="1564820" y="3307419"/>
-            <a:ext cx="1466850" cy="403054"/>
-          </a:xfrm>
-          <a:prstGeom prst="rect">
-            <a:avLst/>
-          </a:prstGeom>
-        </p:spPr>
-        <p:style>
-          <a:lnRef idx="2">
-            <a:schemeClr val="accent2">
-              <a:shade val="50000"/>
-            </a:schemeClr>
-          </a:lnRef>
-          <a:fillRef idx="1">
-            <a:schemeClr val="accent2"/>
-          </a:fillRef>
-          <a:effectRef idx="0">
-            <a:schemeClr val="accent2"/>
-          </a:effectRef>
-          <a:fontRef idx="minor">
-            <a:schemeClr val="lt1"/>
-          </a:fontRef>
-        </p:style>
-        <p:txBody>
-          <a:bodyPr rtlCol="0" anchor="ctr"/>
-          <a:lstStyle/>
-          <a:p>
-            <a:pPr algn="ctr"/>
-            <a:r>
-              <a:rPr lang="en-US" sz="1600" b="1" dirty="0" smtClean="0"/>
-              <a:t>_</a:t>
-            </a:r>
-            <a:r>
-              <a:rPr lang="en-US" sz="1600" b="1" dirty="0" err="1" smtClean="0"/>
-              <a:t>abc_Action</a:t>
-            </a:r>
-            <a:endParaRPr lang="en-SG" sz="1600" b="1" dirty="0"/>
-          </a:p>
-        </p:txBody>
-      </p:sp>
-      <p:sp>
-        <p:nvSpPr>
-          <p:cNvPr id="418" name="Rectangle 417"/>
-          <p:cNvSpPr/>
-          <p:nvPr/>
-        </p:nvSpPr>
-        <p:spPr>
-          <a:xfrm>
-            <a:off x="7389211" y="4008217"/>
-            <a:ext cx="1466850" cy="304800"/>
-          </a:xfrm>
-          <a:prstGeom prst="rect">
-            <a:avLst/>
-          </a:prstGeom>
-        </p:spPr>
-        <p:style>
-          <a:lnRef idx="2">
-            <a:schemeClr val="accent4">
-              <a:shade val="50000"/>
-            </a:schemeClr>
-          </a:lnRef>
-          <a:fillRef idx="1">
-            <a:schemeClr val="accent4"/>
-          </a:fillRef>
-          <a:effectRef idx="0">
-            <a:schemeClr val="accent4"/>
-          </a:effectRef>
-          <a:fontRef idx="minor">
-            <a:schemeClr val="lt1"/>
-          </a:fontRef>
-        </p:style>
-        <p:txBody>
-          <a:bodyPr rtlCol="0" anchor="ctr"/>
-          <a:lstStyle/>
-          <a:p>
-            <a:pPr algn="ctr"/>
-            <a:r>
-              <a:rPr lang="en-US" sz="1600" b="1" dirty="0"/>
-              <a:t>_</a:t>
-            </a:r>
-            <a:r>
-              <a:rPr lang="en-US" sz="1600" b="1" dirty="0" err="1"/>
-              <a:t>xyz_Helper</a:t>
-            </a:r>
-            <a:endParaRPr lang="en-SG" sz="1600" b="1" dirty="0"/>
-          </a:p>
-        </p:txBody>
-      </p:sp>
-      <p:sp>
-        <p:nvSpPr>
-          <p:cNvPr id="419" name="Rectangle 418"/>
-          <p:cNvSpPr/>
-          <p:nvPr/>
-        </p:nvSpPr>
-        <p:spPr>
-          <a:xfrm>
-            <a:off x="7467165" y="4051301"/>
-            <a:ext cx="1466850" cy="304800"/>
-          </a:xfrm>
-          <a:prstGeom prst="rect">
-            <a:avLst/>
-          </a:prstGeom>
-        </p:spPr>
-        <p:style>
-          <a:lnRef idx="2">
-            <a:schemeClr val="accent4">
-              <a:shade val="50000"/>
-            </a:schemeClr>
-          </a:lnRef>
-          <a:fillRef idx="1">
-            <a:schemeClr val="accent4"/>
-          </a:fillRef>
-          <a:effectRef idx="0">
-            <a:schemeClr val="accent4"/>
-          </a:effectRef>
-          <a:fontRef idx="minor">
-            <a:schemeClr val="lt1"/>
-          </a:fontRef>
-        </p:style>
-        <p:txBody>
-          <a:bodyPr rtlCol="0" anchor="ctr"/>
-          <a:lstStyle/>
-          <a:p>
-            <a:pPr algn="ctr"/>
-            <a:r>
-              <a:rPr lang="en-US" sz="1600" b="1" dirty="0" smtClean="0"/>
-              <a:t>*</a:t>
-            </a:r>
-            <a:r>
-              <a:rPr lang="en-US" sz="1600" b="1" dirty="0" err="1" smtClean="0"/>
-              <a:t>PageData</a:t>
-            </a:r>
-            <a:endParaRPr lang="en-SG" sz="1600" b="1" dirty="0"/>
-          </a:p>
-        </p:txBody>
-      </p:sp>
-      <p:sp>
-        <p:nvSpPr>
-          <p:cNvPr id="421" name="Rectangle 420"/>
-          <p:cNvSpPr/>
-          <p:nvPr/>
-        </p:nvSpPr>
-        <p:spPr>
-          <a:xfrm>
-            <a:off x="2994876" y="1472235"/>
-            <a:ext cx="1044084" cy="522656"/>
-          </a:xfrm>
-          <a:prstGeom prst="rect">
-            <a:avLst/>
-          </a:prstGeom>
-        </p:spPr>
-        <p:style>
-          <a:lnRef idx="2">
-            <a:schemeClr val="accent2">
-              <a:shade val="50000"/>
-            </a:schemeClr>
-          </a:lnRef>
-          <a:fillRef idx="1">
-            <a:schemeClr val="accent2"/>
-          </a:fillRef>
-          <a:effectRef idx="0">
-            <a:schemeClr val="accent2"/>
-          </a:effectRef>
-          <a:fontRef idx="minor">
-            <a:schemeClr val="lt1"/>
-          </a:fontRef>
-        </p:style>
-        <p:txBody>
-          <a:bodyPr rtlCol="0" anchor="ctr"/>
-          <a:lstStyle/>
-          <a:p>
-            <a:pPr algn="ctr"/>
-            <a:r>
-              <a:rPr lang="en-US" sz="1600" b="1" dirty="0" smtClean="0"/>
-              <a:t>Action</a:t>
-            </a:r>
-            <a:br>
-              <a:rPr lang="en-US" sz="1600" b="1" dirty="0" smtClean="0"/>
-            </a:br>
-            <a:r>
-              <a:rPr lang="en-US" sz="1600" b="1" dirty="0" smtClean="0"/>
-              <a:t>Factory</a:t>
-            </a:r>
-            <a:endParaRPr lang="en-SG" sz="1600" b="1" dirty="0"/>
-          </a:p>
-        </p:txBody>
-      </p:sp>
-      <p:sp>
-        <p:nvSpPr>
-          <p:cNvPr id="422" name="Rectangle 421"/>
-          <p:cNvSpPr/>
-          <p:nvPr/>
-        </p:nvSpPr>
-        <p:spPr>
-          <a:xfrm>
-            <a:off x="1549462" y="716420"/>
-            <a:ext cx="1727498" cy="377438"/>
-          </a:xfrm>
-          <a:prstGeom prst="rect">
-            <a:avLst/>
-          </a:prstGeom>
-        </p:spPr>
-        <p:style>
-          <a:lnRef idx="2">
-            <a:schemeClr val="accent1">
-              <a:shade val="50000"/>
-            </a:schemeClr>
-          </a:lnRef>
-          <a:fillRef idx="1">
-            <a:schemeClr val="accent1"/>
-          </a:fillRef>
-          <a:effectRef idx="0">
-            <a:schemeClr val="accent1"/>
-          </a:effectRef>
-          <a:fontRef idx="minor">
-            <a:schemeClr val="lt1"/>
-          </a:fontRef>
-        </p:style>
-        <p:txBody>
-          <a:bodyPr rtlCol="0" anchor="ctr"/>
-          <a:lstStyle/>
-          <a:p>
-            <a:pPr algn="ctr"/>
-            <a:r>
-              <a:rPr lang="en-US" sz="1600" b="1" dirty="0" err="1" smtClean="0"/>
-              <a:t>ControllerServlet</a:t>
-            </a:r>
-            <a:endParaRPr lang="en-SG" sz="1600" b="1" dirty="0"/>
-          </a:p>
-        </p:txBody>
-      </p:sp>
-      <p:sp>
-        <p:nvSpPr>
-          <p:cNvPr id="423" name="Rectangle 422"/>
-          <p:cNvSpPr/>
-          <p:nvPr/>
-        </p:nvSpPr>
-        <p:spPr>
-          <a:xfrm>
-            <a:off x="5569077" y="1276717"/>
-            <a:ext cx="1398903" cy="377438"/>
-          </a:xfrm>
-          <a:prstGeom prst="rect">
-            <a:avLst/>
-          </a:prstGeom>
-        </p:spPr>
-        <p:style>
-          <a:lnRef idx="2">
-            <a:schemeClr val="accent1">
-              <a:shade val="50000"/>
-            </a:schemeClr>
-          </a:lnRef>
-          <a:fillRef idx="1">
-            <a:schemeClr val="accent1"/>
-          </a:fillRef>
-          <a:effectRef idx="0">
-            <a:schemeClr val="accent1"/>
-          </a:effectRef>
-          <a:fontRef idx="minor">
-            <a:schemeClr val="lt1"/>
-          </a:fontRef>
-        </p:style>
-        <p:txBody>
-          <a:bodyPr rtlCol="0" anchor="ctr"/>
-          <a:lstStyle/>
-          <a:p>
-            <a:pPr algn="ctr"/>
-            <a:r>
-              <a:rPr lang="en-US" sz="1600" b="1" dirty="0" smtClean="0"/>
-              <a:t>*Servlet</a:t>
-            </a:r>
-            <a:endParaRPr lang="en-SG" sz="1600" b="1" dirty="0"/>
-          </a:p>
-        </p:txBody>
-      </p:sp>
-      <p:sp>
-        <p:nvSpPr>
-          <p:cNvPr id="424" name="Rectangle 423"/>
-          <p:cNvSpPr/>
-          <p:nvPr/>
-        </p:nvSpPr>
-        <p:spPr>
-          <a:xfrm>
-            <a:off x="5645277" y="1348409"/>
-            <a:ext cx="1398903" cy="377438"/>
-          </a:xfrm>
-          <a:prstGeom prst="rect">
-            <a:avLst/>
-          </a:prstGeom>
-        </p:spPr>
-        <p:style>
-          <a:lnRef idx="2">
-            <a:schemeClr val="accent1">
-              <a:shade val="50000"/>
-            </a:schemeClr>
-          </a:lnRef>
-          <a:fillRef idx="1">
-            <a:schemeClr val="accent1"/>
-          </a:fillRef>
-          <a:effectRef idx="0">
-            <a:schemeClr val="accent1"/>
-          </a:effectRef>
-          <a:fontRef idx="minor">
-            <a:schemeClr val="lt1"/>
-          </a:fontRef>
-        </p:style>
-        <p:txBody>
-          <a:bodyPr rtlCol="0" anchor="ctr"/>
-          <a:lstStyle/>
-          <a:p>
-            <a:pPr algn="ctr"/>
-            <a:r>
-              <a:rPr lang="en-US" sz="1600" b="1" dirty="0" smtClean="0"/>
-              <a:t>*Servlet</a:t>
-            </a:r>
-            <a:endParaRPr lang="en-SG" sz="1600" b="1" dirty="0"/>
-          </a:p>
-        </p:txBody>
-      </p:sp>
-      <p:sp>
-        <p:nvSpPr>
-          <p:cNvPr id="425" name="Rectangle 424"/>
-          <p:cNvSpPr/>
-          <p:nvPr/>
-        </p:nvSpPr>
-        <p:spPr>
-          <a:xfrm>
-            <a:off x="5768843" y="1442631"/>
-            <a:ext cx="1398903" cy="377438"/>
-          </a:xfrm>
-          <a:prstGeom prst="rect">
-            <a:avLst/>
-          </a:prstGeom>
-        </p:spPr>
-        <p:style>
-          <a:lnRef idx="2">
-            <a:schemeClr val="accent1">
-              <a:shade val="50000"/>
-            </a:schemeClr>
-          </a:lnRef>
-          <a:fillRef idx="1">
-            <a:schemeClr val="accent1"/>
-          </a:fillRef>
-          <a:effectRef idx="0">
-            <a:schemeClr val="accent1"/>
-          </a:effectRef>
-          <a:fontRef idx="minor">
-            <a:schemeClr val="lt1"/>
-          </a:fontRef>
-        </p:style>
-        <p:txBody>
-          <a:bodyPr rtlCol="0" anchor="ctr"/>
-          <a:lstStyle/>
-          <a:p>
-            <a:pPr algn="ctr"/>
-            <a:r>
-              <a:rPr lang="en-US" sz="1600" b="1" dirty="0" smtClean="0"/>
-              <a:t>*Servlet</a:t>
-            </a:r>
-            <a:endParaRPr lang="en-SG" sz="1600" b="1" dirty="0"/>
-          </a:p>
-        </p:txBody>
-      </p:sp>
-      <p:cxnSp>
-        <p:nvCxnSpPr>
-          <p:cNvPr id="426" name="Elbow Connector 425"/>
-          <p:cNvCxnSpPr>
-            <a:endCxn id="440" idx="1"/>
-          </p:cNvCxnSpPr>
-          <p:nvPr/>
-        </p:nvCxnSpPr>
-        <p:spPr>
-          <a:xfrm rot="16200000" flipV="1">
-            <a:off x="35784" y="4115851"/>
-            <a:ext cx="1090099" cy="1"/>
+            <a:off x="9067208" y="2662565"/>
+            <a:ext cx="792000" cy="0"/>
           </a:xfrm>
           <a:prstGeom prst="bentConnector3">
             <a:avLst>
@@ -5872,9 +6354,11 @@
           </a:prstGeom>
           <a:ln w="38100">
             <a:solidFill>
-              <a:schemeClr val="tx1"/>
+              <a:schemeClr val="accent2">
+                <a:lumMod val="75000"/>
+              </a:schemeClr>
             </a:solidFill>
-            <a:prstDash val="sysDash"/>
+            <a:prstDash val="sysDot"/>
             <a:tailEnd type="arrow"/>
           </a:ln>
         </p:spPr>
@@ -5895,21 +6379,24 @@
       </p:cxnSp>
       <p:cxnSp>
         <p:nvCxnSpPr>
-          <p:cNvPr id="427" name="Straight Arrow Connector 426"/>
-          <p:cNvCxnSpPr/>
+          <p:cNvPr id="121" name="Elbow Connector 120"/>
+          <p:cNvCxnSpPr>
+            <a:stCxn id="96" idx="2"/>
+            <a:endCxn id="104" idx="3"/>
+          </p:cNvCxnSpPr>
           <p:nvPr/>
         </p:nvCxnSpPr>
         <p:spPr>
-          <a:xfrm>
-            <a:off x="3124737" y="1122227"/>
-            <a:ext cx="0" cy="376623"/>
-          </a:xfrm>
-          <a:prstGeom prst="straightConnector1">
+          <a:xfrm rot="5400000">
+            <a:off x="7518603" y="2790969"/>
+            <a:ext cx="417008" cy="520200"/>
+          </a:xfrm>
+          <a:prstGeom prst="bentConnector2">
             <a:avLst/>
           </a:prstGeom>
           <a:ln w="38100">
             <a:solidFill>
-              <a:schemeClr val="tx2">
+              <a:schemeClr val="accent2">
                 <a:lumMod val="75000"/>
               </a:schemeClr>
             </a:solidFill>
@@ -5932,58 +6419,16 @@
           </a:fontRef>
         </p:style>
       </p:cxnSp>
-      <p:cxnSp>
-        <p:nvCxnSpPr>
-          <p:cNvPr id="428" name="Elbow Connector 427"/>
-          <p:cNvCxnSpPr>
-            <a:stCxn id="421" idx="1"/>
-            <a:endCxn id="390" idx="0"/>
-          </p:cNvCxnSpPr>
-          <p:nvPr/>
-        </p:nvCxnSpPr>
-        <p:spPr>
-          <a:xfrm rot="10800000" flipV="1">
-            <a:off x="2261452" y="1733562"/>
-            <a:ext cx="733425" cy="555035"/>
-          </a:xfrm>
-          <a:prstGeom prst="bentConnector2">
-            <a:avLst/>
-          </a:prstGeom>
-          <a:ln w="38100">
-            <a:solidFill>
-              <a:schemeClr val="accent2">
-                <a:lumMod val="75000"/>
-              </a:schemeClr>
-            </a:solidFill>
-            <a:prstDash val="sysDot"/>
-            <a:tailEnd type="arrow"/>
-          </a:ln>
-        </p:spPr>
-        <p:style>
-          <a:lnRef idx="1">
-            <a:schemeClr val="accent1"/>
-          </a:lnRef>
-          <a:fillRef idx="0">
-            <a:schemeClr val="accent1"/>
-          </a:fillRef>
-          <a:effectRef idx="0">
-            <a:schemeClr val="accent1"/>
-          </a:effectRef>
-          <a:fontRef idx="minor">
-            <a:schemeClr val="tx1"/>
-          </a:fontRef>
-        </p:style>
-      </p:cxnSp>
-      <p:sp>
-        <p:nvSpPr>
-          <p:cNvPr id="429" name="TextBox 428"/>
+      <p:sp>
+        <p:nvSpPr>
+          <p:cNvPr id="125" name="TextBox 124"/>
           <p:cNvSpPr txBox="1"/>
           <p:nvPr/>
         </p:nvSpPr>
         <p:spPr>
           <a:xfrm>
-            <a:off x="1905537" y="1428858"/>
-            <a:ext cx="1066800" cy="307777"/>
+            <a:off x="8000411" y="2966654"/>
+            <a:ext cx="1193303" cy="269076"/>
           </a:xfrm>
           <a:prstGeom prst="rect">
             <a:avLst/>
@@ -6080,16 +6525,15 @@
             </a:lvl9pPr>
           </a:lstStyle>
           <a:p>
-            <a:pPr algn="r"/>
             <a:r>
-              <a:rPr lang="en-US" dirty="0" smtClean="0">
+              <a:rPr lang="en-US" dirty="0">
                 <a:solidFill>
                   <a:schemeClr val="accent2">
                     <a:lumMod val="75000"/>
                   </a:schemeClr>
                 </a:solidFill>
               </a:rPr>
-              <a:t>&lt;&lt;create&gt;&gt;</a:t>
+              <a:t>&lt;&lt;creates&gt;&gt;</a:t>
             </a:r>
             <a:endParaRPr lang="en-SG" dirty="0">
               <a:solidFill>
@@ -6103,14 +6547,14 @@
       </p:sp>
       <p:sp>
         <p:nvSpPr>
-          <p:cNvPr id="430" name="Rectangle 429"/>
+          <p:cNvPr id="126" name="Rectangle 125"/>
           <p:cNvSpPr/>
           <p:nvPr/>
         </p:nvSpPr>
         <p:spPr>
           <a:xfrm>
-            <a:off x="4049712" y="2303715"/>
-            <a:ext cx="1388514" cy="377438"/>
+            <a:off x="3746839" y="4317601"/>
+            <a:ext cx="1980000" cy="360000"/>
           </a:xfrm>
           <a:prstGeom prst="rect">
             <a:avLst/>
@@ -6147,7 +6591,7 @@
             <a:pPr algn="ctr"/>
             <a:r>
               <a:rPr lang="en-US" sz="1600" b="1" dirty="0" err="1"/>
-              <a:t>ActionResult</a:t>
+              <a:t>AjaxResult</a:t>
             </a:r>
             <a:endParaRPr lang="en-SG" sz="1600" b="1" dirty="0"/>
           </a:p>
@@ -6155,14 +6599,14 @@
       </p:sp>
       <p:sp>
         <p:nvSpPr>
-          <p:cNvPr id="431" name="Rectangle 430"/>
+          <p:cNvPr id="127" name="Rectangle 126"/>
           <p:cNvSpPr/>
           <p:nvPr/>
         </p:nvSpPr>
         <p:spPr>
           <a:xfrm>
-            <a:off x="4732384" y="3260934"/>
-            <a:ext cx="1894049" cy="377438"/>
+            <a:off x="3739169" y="3774509"/>
+            <a:ext cx="1980000" cy="360000"/>
           </a:xfrm>
           <a:prstGeom prst="rect">
             <a:avLst/>
@@ -6205,119 +6649,19 @@
           </a:p>
         </p:txBody>
       </p:sp>
-      <p:sp>
-        <p:nvSpPr>
-          <p:cNvPr id="432" name="Rectangle 431"/>
-          <p:cNvSpPr/>
-          <p:nvPr/>
-        </p:nvSpPr>
-        <p:spPr>
-          <a:xfrm>
-            <a:off x="4738826" y="2813140"/>
-            <a:ext cx="1886980" cy="377438"/>
-          </a:xfrm>
-          <a:prstGeom prst="rect">
-            <a:avLst/>
-          </a:prstGeom>
-          <a:solidFill>
-            <a:srgbClr val="92D050"/>
-          </a:solidFill>
-          <a:ln>
-            <a:solidFill>
-              <a:srgbClr val="00B050"/>
-            </a:solidFill>
-          </a:ln>
-        </p:spPr>
-        <p:style>
-          <a:lnRef idx="2">
-            <a:schemeClr val="accent6">
-              <a:shade val="50000"/>
-            </a:schemeClr>
-          </a:lnRef>
-          <a:fillRef idx="1">
-            <a:schemeClr val="accent6"/>
-          </a:fillRef>
-          <a:effectRef idx="0">
-            <a:schemeClr val="accent6"/>
-          </a:effectRef>
-          <a:fontRef idx="minor">
-            <a:schemeClr val="lt1"/>
-          </a:fontRef>
-        </p:style>
-        <p:txBody>
-          <a:bodyPr rtlCol="0" anchor="ctr"/>
-          <a:lstStyle/>
-          <a:p>
-            <a:pPr algn="ctr"/>
-            <a:r>
-              <a:rPr lang="en-US" sz="1600" b="1" dirty="0" err="1"/>
-              <a:t>ShowPageResult</a:t>
-            </a:r>
-            <a:endParaRPr lang="en-SG" sz="1600" b="1" dirty="0"/>
-          </a:p>
-        </p:txBody>
-      </p:sp>
-      <p:sp>
-        <p:nvSpPr>
-          <p:cNvPr id="433" name="Isosceles Triangle 432"/>
-          <p:cNvSpPr/>
-          <p:nvPr/>
-        </p:nvSpPr>
-        <p:spPr>
-          <a:xfrm>
-            <a:off x="4354517" y="2693746"/>
-            <a:ext cx="276225" cy="228600"/>
-          </a:xfrm>
-          <a:prstGeom prst="triangle">
-            <a:avLst/>
-          </a:prstGeom>
-          <a:solidFill>
-            <a:srgbClr val="92D050"/>
-          </a:solidFill>
-          <a:ln>
-            <a:solidFill>
-              <a:srgbClr val="00B050"/>
-            </a:solidFill>
-          </a:ln>
-        </p:spPr>
-        <p:style>
-          <a:lnRef idx="2">
-            <a:schemeClr val="accent6">
-              <a:shade val="50000"/>
-            </a:schemeClr>
-          </a:lnRef>
-          <a:fillRef idx="1">
-            <a:schemeClr val="accent6"/>
-          </a:fillRef>
-          <a:effectRef idx="0">
-            <a:schemeClr val="accent6"/>
-          </a:effectRef>
-          <a:fontRef idx="minor">
-            <a:schemeClr val="lt1"/>
-          </a:fontRef>
-        </p:style>
-        <p:txBody>
-          <a:bodyPr rtlCol="0" anchor="ctr"/>
-          <a:lstStyle/>
-          <a:p>
-            <a:pPr algn="ctr"/>
-            <a:endParaRPr lang="en-SG" sz="1600" b="1"/>
-          </a:p>
-        </p:txBody>
-      </p:sp>
       <p:cxnSp>
         <p:nvCxnSpPr>
-          <p:cNvPr id="434" name="Elbow Connector 433"/>
+          <p:cNvPr id="128" name="Elbow Connector 127"/>
           <p:cNvCxnSpPr>
-            <a:stCxn id="433" idx="3"/>
-            <a:endCxn id="431" idx="1"/>
+            <a:stCxn id="106" idx="3"/>
+            <a:endCxn id="127" idx="3"/>
           </p:cNvCxnSpPr>
           <p:nvPr/>
         </p:nvCxnSpPr>
         <p:spPr>
-          <a:xfrm rot="16200000" flipH="1">
-            <a:off x="4348854" y="3066122"/>
-            <a:ext cx="527307" cy="239754"/>
+          <a:xfrm rot="5400000">
+            <a:off x="5975432" y="3409134"/>
+            <a:ext cx="289112" cy="801638"/>
           </a:xfrm>
           <a:prstGeom prst="bentConnector2">
             <a:avLst/>
@@ -6350,17 +6694,197 @@
       </p:cxnSp>
       <p:cxnSp>
         <p:nvCxnSpPr>
-          <p:cNvPr id="435" name="Elbow Connector 434"/>
+          <p:cNvPr id="129" name="Elbow Connector 128"/>
           <p:cNvCxnSpPr>
-            <a:stCxn id="433" idx="3"/>
-            <a:endCxn id="432" idx="1"/>
+            <a:stCxn id="106" idx="3"/>
+            <a:endCxn id="126" idx="3"/>
           </p:cNvCxnSpPr>
           <p:nvPr/>
         </p:nvCxnSpPr>
         <p:spPr>
-          <a:xfrm rot="16200000" flipH="1">
-            <a:off x="4575972" y="2839004"/>
-            <a:ext cx="79513" cy="246196"/>
+          <a:xfrm rot="5400000">
+            <a:off x="5707721" y="3684515"/>
+            <a:ext cx="832204" cy="793968"/>
+          </a:xfrm>
+          <a:prstGeom prst="bentConnector2">
+            <a:avLst/>
+          </a:prstGeom>
+          <a:solidFill>
+            <a:srgbClr val="92D050"/>
+          </a:solidFill>
+          <a:ln>
+            <a:solidFill>
+              <a:srgbClr val="00B050"/>
+            </a:solidFill>
+          </a:ln>
+        </p:spPr>
+        <p:style>
+          <a:lnRef idx="2">
+            <a:schemeClr val="accent6">
+              <a:shade val="50000"/>
+            </a:schemeClr>
+          </a:lnRef>
+          <a:fillRef idx="1">
+            <a:schemeClr val="accent6"/>
+          </a:fillRef>
+          <a:effectRef idx="0">
+            <a:schemeClr val="accent6"/>
+          </a:effectRef>
+          <a:fontRef idx="minor">
+            <a:schemeClr val="lt1"/>
+          </a:fontRef>
+        </p:style>
+      </p:cxnSp>
+      <p:sp>
+        <p:nvSpPr>
+          <p:cNvPr id="130" name="Diamond 129"/>
+          <p:cNvSpPr/>
+          <p:nvPr/>
+        </p:nvSpPr>
+        <p:spPr>
+          <a:xfrm>
+            <a:off x="8013007" y="4694812"/>
+            <a:ext cx="216000" cy="216000"/>
+          </a:xfrm>
+          <a:prstGeom prst="diamond">
+            <a:avLst/>
+          </a:prstGeom>
+          <a:solidFill>
+            <a:srgbClr val="92D050"/>
+          </a:solidFill>
+          <a:ln>
+            <a:solidFill>
+              <a:srgbClr val="00B050"/>
+            </a:solidFill>
+          </a:ln>
+        </p:spPr>
+        <p:style>
+          <a:lnRef idx="2">
+            <a:schemeClr val="accent6">
+              <a:shade val="50000"/>
+            </a:schemeClr>
+          </a:lnRef>
+          <a:fillRef idx="1">
+            <a:schemeClr val="accent6"/>
+          </a:fillRef>
+          <a:effectRef idx="0">
+            <a:schemeClr val="accent6"/>
+          </a:effectRef>
+          <a:fontRef idx="minor">
+            <a:schemeClr val="lt1"/>
+          </a:fontRef>
+        </p:style>
+        <p:txBody>
+          <a:bodyPr rtlCol="0" anchor="ctr"/>
+          <a:lstStyle/>
+          <a:p>
+            <a:pPr algn="ctr"/>
+            <a:endParaRPr lang="en-SG" sz="1600" b="1"/>
+          </a:p>
+        </p:txBody>
+      </p:sp>
+      <p:sp>
+        <p:nvSpPr>
+          <p:cNvPr id="131" name="Rectangle 130"/>
+          <p:cNvSpPr/>
+          <p:nvPr/>
+        </p:nvSpPr>
+        <p:spPr>
+          <a:xfrm>
+            <a:off x="6628807" y="5456237"/>
+            <a:ext cx="1980000" cy="360000"/>
+          </a:xfrm>
+          <a:prstGeom prst="rect">
+            <a:avLst/>
+          </a:prstGeom>
+          <a:ln/>
+        </p:spPr>
+        <p:style>
+          <a:lnRef idx="2">
+            <a:schemeClr val="accent4">
+              <a:shade val="50000"/>
+            </a:schemeClr>
+          </a:lnRef>
+          <a:fillRef idx="1">
+            <a:schemeClr val="accent4"/>
+          </a:fillRef>
+          <a:effectRef idx="0">
+            <a:schemeClr val="accent4"/>
+          </a:effectRef>
+          <a:fontRef idx="minor">
+            <a:schemeClr val="lt1"/>
+          </a:fontRef>
+        </p:style>
+        <p:txBody>
+          <a:bodyPr rtlCol="0" anchor="ctr"/>
+          <a:lstStyle/>
+          <a:p>
+            <a:pPr algn="ctr"/>
+            <a:r>
+              <a:rPr lang="en-US" sz="1600" b="1" dirty="0" err="1"/>
+              <a:t>PageData</a:t>
+            </a:r>
+            <a:endParaRPr lang="en-SG" sz="1600" b="1" dirty="0"/>
+          </a:p>
+        </p:txBody>
+      </p:sp>
+      <p:sp>
+        <p:nvSpPr>
+          <p:cNvPr id="132" name="Rectangle 131"/>
+          <p:cNvSpPr/>
+          <p:nvPr/>
+        </p:nvSpPr>
+        <p:spPr>
+          <a:xfrm>
+            <a:off x="6053406" y="6605015"/>
+            <a:ext cx="3140307" cy="603822"/>
+          </a:xfrm>
+          <a:prstGeom prst="rect">
+            <a:avLst/>
+          </a:prstGeom>
+          <a:ln/>
+        </p:spPr>
+        <p:style>
+          <a:lnRef idx="2">
+            <a:schemeClr val="accent4">
+              <a:shade val="50000"/>
+            </a:schemeClr>
+          </a:lnRef>
+          <a:fillRef idx="1">
+            <a:schemeClr val="accent4"/>
+          </a:fillRef>
+          <a:effectRef idx="0">
+            <a:schemeClr val="accent4"/>
+          </a:effectRef>
+          <a:fontRef idx="minor">
+            <a:schemeClr val="lt1"/>
+          </a:fontRef>
+        </p:style>
+        <p:txBody>
+          <a:bodyPr rtlCol="0" anchor="ctr"/>
+          <a:lstStyle/>
+          <a:p>
+            <a:pPr algn="ctr"/>
+            <a:r>
+              <a:rPr lang="en-US" sz="1600" b="1" dirty="0" smtClean="0"/>
+              <a:t>Page objects (panels, tables, rows, forms, etc.)</a:t>
+            </a:r>
+            <a:endParaRPr lang="en-SG" sz="1600" b="1" dirty="0"/>
+          </a:p>
+        </p:txBody>
+      </p:sp>
+      <p:cxnSp>
+        <p:nvCxnSpPr>
+          <p:cNvPr id="133" name="Elbow Connector 132"/>
+          <p:cNvCxnSpPr>
+            <a:stCxn id="130" idx="1"/>
+          </p:cNvCxnSpPr>
+          <p:nvPr/>
+        </p:nvCxnSpPr>
+        <p:spPr>
+          <a:xfrm rot="10800000" flipV="1">
+            <a:off x="7618809" y="4802811"/>
+            <a:ext cx="394199" cy="653425"/>
           </a:xfrm>
           <a:prstGeom prst="bentConnector2">
             <a:avLst/>
@@ -6393,25 +6917,1239 @@
       </p:cxnSp>
       <p:cxnSp>
         <p:nvCxnSpPr>
-          <p:cNvPr id="436" name="Straight Arrow Connector 435"/>
-          <p:cNvCxnSpPr/>
+          <p:cNvPr id="134" name="Elbow Connector 133"/>
+          <p:cNvCxnSpPr>
+            <a:stCxn id="135" idx="2"/>
+            <a:endCxn id="132" idx="0"/>
+          </p:cNvCxnSpPr>
           <p:nvPr/>
         </p:nvCxnSpPr>
         <p:spPr>
-          <a:xfrm flipH="1">
-            <a:off x="1744371" y="1128845"/>
-            <a:ext cx="8766" cy="1142959"/>
-          </a:xfrm>
-          <a:prstGeom prst="straightConnector1">
-            <a:avLst/>
-          </a:prstGeom>
-          <a:ln w="38100">
+          <a:xfrm rot="16200000" flipH="1">
+            <a:off x="7336082" y="6321989"/>
+            <a:ext cx="566050" cy="0"/>
+          </a:xfrm>
+          <a:prstGeom prst="bentConnector3">
+            <a:avLst>
+              <a:gd name="adj1" fmla="val 50000"/>
+            </a:avLst>
+          </a:prstGeom>
+          <a:ln>
             <a:solidFill>
-              <a:schemeClr val="accent1">
+              <a:schemeClr val="accent4">
                 <a:lumMod val="50000"/>
               </a:schemeClr>
             </a:solidFill>
+          </a:ln>
+        </p:spPr>
+        <p:style>
+          <a:lnRef idx="2">
+            <a:schemeClr val="accent6">
+              <a:shade val="50000"/>
+            </a:schemeClr>
+          </a:lnRef>
+          <a:fillRef idx="1">
+            <a:schemeClr val="accent6"/>
+          </a:fillRef>
+          <a:effectRef idx="0">
+            <a:schemeClr val="accent6"/>
+          </a:effectRef>
+          <a:fontRef idx="minor">
+            <a:schemeClr val="lt1"/>
+          </a:fontRef>
+        </p:style>
+      </p:cxnSp>
+      <p:sp>
+        <p:nvSpPr>
+          <p:cNvPr id="135" name="Diamond 134"/>
+          <p:cNvSpPr/>
+          <p:nvPr/>
+        </p:nvSpPr>
+        <p:spPr>
+          <a:xfrm>
+            <a:off x="7511107" y="5822965"/>
+            <a:ext cx="216000" cy="216000"/>
+          </a:xfrm>
+          <a:prstGeom prst="diamond">
+            <a:avLst/>
+          </a:prstGeom>
+          <a:ln/>
+        </p:spPr>
+        <p:style>
+          <a:lnRef idx="2">
+            <a:schemeClr val="accent4">
+              <a:shade val="50000"/>
+            </a:schemeClr>
+          </a:lnRef>
+          <a:fillRef idx="1">
+            <a:schemeClr val="accent4"/>
+          </a:fillRef>
+          <a:effectRef idx="0">
+            <a:schemeClr val="accent4"/>
+          </a:effectRef>
+          <a:fontRef idx="minor">
+            <a:schemeClr val="lt1"/>
+          </a:fontRef>
+        </p:style>
+        <p:txBody>
+          <a:bodyPr rtlCol="0" anchor="ctr"/>
+          <a:lstStyle/>
+          <a:p>
+            <a:pPr algn="ctr"/>
+            <a:endParaRPr lang="en-SG" sz="1600" b="1"/>
+          </a:p>
+        </p:txBody>
+      </p:sp>
+      <p:grpSp>
+        <p:nvGrpSpPr>
+          <p:cNvPr id="141" name="Group 140"/>
+          <p:cNvGrpSpPr/>
+          <p:nvPr/>
+        </p:nvGrpSpPr>
+        <p:grpSpPr>
+          <a:xfrm>
+            <a:off x="4346405" y="5523972"/>
+            <a:ext cx="1291797" cy="560547"/>
+            <a:chOff x="3174200" y="5727314"/>
+            <a:chExt cx="1663512" cy="560547"/>
+          </a:xfrm>
+        </p:grpSpPr>
+        <p:sp>
+          <p:nvSpPr>
+            <p:cNvPr id="143" name="Folded Corner 142"/>
+            <p:cNvSpPr/>
+            <p:nvPr/>
+          </p:nvSpPr>
+          <p:spPr>
+            <a:xfrm>
+              <a:off x="3174200" y="5727314"/>
+              <a:ext cx="1466850" cy="406993"/>
+            </a:xfrm>
+            <a:prstGeom prst="foldedCorner">
+              <a:avLst/>
+            </a:prstGeom>
+          </p:spPr>
+          <p:style>
+            <a:lnRef idx="2">
+              <a:schemeClr val="accent4">
+                <a:shade val="50000"/>
+              </a:schemeClr>
+            </a:lnRef>
+            <a:fillRef idx="1">
+              <a:schemeClr val="accent4"/>
+            </a:fillRef>
+            <a:effectRef idx="0">
+              <a:schemeClr val="accent4"/>
+            </a:effectRef>
+            <a:fontRef idx="minor">
+              <a:schemeClr val="lt1"/>
+            </a:fontRef>
+          </p:style>
+          <p:txBody>
+            <a:bodyPr rtlCol="0" anchor="ctr"/>
+            <a:lstStyle/>
+            <a:p>
+              <a:pPr algn="ctr"/>
+              <a:endParaRPr lang="en-SG" sz="1600" b="1" dirty="0"/>
+            </a:p>
+          </p:txBody>
+        </p:sp>
+        <p:sp>
+          <p:nvSpPr>
+            <p:cNvPr id="145" name="Folded Corner 144"/>
+            <p:cNvSpPr/>
+            <p:nvPr/>
+          </p:nvSpPr>
+          <p:spPr>
+            <a:xfrm>
+              <a:off x="3266878" y="5802782"/>
+              <a:ext cx="1466849" cy="406993"/>
+            </a:xfrm>
+            <a:prstGeom prst="foldedCorner">
+              <a:avLst/>
+            </a:prstGeom>
+          </p:spPr>
+          <p:style>
+            <a:lnRef idx="2">
+              <a:schemeClr val="accent4">
+                <a:shade val="50000"/>
+              </a:schemeClr>
+            </a:lnRef>
+            <a:fillRef idx="1">
+              <a:schemeClr val="accent4"/>
+            </a:fillRef>
+            <a:effectRef idx="0">
+              <a:schemeClr val="accent4"/>
+            </a:effectRef>
+            <a:fontRef idx="minor">
+              <a:schemeClr val="lt1"/>
+            </a:fontRef>
+          </p:style>
+          <p:txBody>
+            <a:bodyPr rtlCol="0" anchor="ctr"/>
+            <a:lstStyle/>
+            <a:p>
+              <a:pPr algn="ctr"/>
+              <a:endParaRPr lang="en-SG" sz="1600" b="1" dirty="0"/>
+            </a:p>
+          </p:txBody>
+        </p:sp>
+        <p:sp>
+          <p:nvSpPr>
+            <p:cNvPr id="148" name="Folded Corner 147"/>
+            <p:cNvSpPr/>
+            <p:nvPr/>
+          </p:nvSpPr>
+          <p:spPr>
+            <a:xfrm>
+              <a:off x="3370863" y="5880868"/>
+              <a:ext cx="1466849" cy="406993"/>
+            </a:xfrm>
+            <a:prstGeom prst="foldedCorner">
+              <a:avLst/>
+            </a:prstGeom>
+          </p:spPr>
+          <p:style>
+            <a:lnRef idx="2">
+              <a:schemeClr val="accent4">
+                <a:shade val="50000"/>
+              </a:schemeClr>
+            </a:lnRef>
+            <a:fillRef idx="1">
+              <a:schemeClr val="accent4"/>
+            </a:fillRef>
+            <a:effectRef idx="0">
+              <a:schemeClr val="accent4"/>
+            </a:effectRef>
+            <a:fontRef idx="minor">
+              <a:schemeClr val="lt1"/>
+            </a:fontRef>
+          </p:style>
+          <p:txBody>
+            <a:bodyPr rtlCol="0" anchor="ctr"/>
+            <a:lstStyle/>
+            <a:p>
+              <a:pPr algn="ctr"/>
+              <a:r>
+                <a:rPr lang="en-US" sz="1600" b="1" dirty="0"/>
+                <a:t>*.</a:t>
+              </a:r>
+              <a:r>
+                <a:rPr lang="en-US" sz="1600" b="1" dirty="0" err="1"/>
+                <a:t>jsp</a:t>
+              </a:r>
+              <a:endParaRPr lang="en-SG" sz="1600" b="1" dirty="0"/>
+            </a:p>
+          </p:txBody>
+        </p:sp>
+      </p:grpSp>
+      <p:cxnSp>
+        <p:nvCxnSpPr>
+          <p:cNvPr id="150" name="Elbow Connector 149"/>
+          <p:cNvCxnSpPr>
+            <a:stCxn id="148" idx="3"/>
+            <a:endCxn id="131" idx="1"/>
+          </p:cNvCxnSpPr>
+          <p:nvPr/>
+        </p:nvCxnSpPr>
+        <p:spPr>
+          <a:xfrm flipV="1">
+            <a:off x="5638202" y="5636237"/>
+            <a:ext cx="990605" cy="244786"/>
+          </a:xfrm>
+          <a:prstGeom prst="bentConnector3">
+            <a:avLst>
+              <a:gd name="adj1" fmla="val 50000"/>
+            </a:avLst>
+          </a:prstGeom>
+          <a:ln w="38100">
             <a:prstDash val="sysDot"/>
+            <a:tailEnd type="arrow"/>
+          </a:ln>
+        </p:spPr>
+        <p:style>
+          <a:lnRef idx="2">
+            <a:schemeClr val="accent4">
+              <a:shade val="50000"/>
+            </a:schemeClr>
+          </a:lnRef>
+          <a:fillRef idx="1">
+            <a:schemeClr val="accent4"/>
+          </a:fillRef>
+          <a:effectRef idx="0">
+            <a:schemeClr val="accent4"/>
+          </a:effectRef>
+          <a:fontRef idx="minor">
+            <a:schemeClr val="lt1"/>
+          </a:fontRef>
+        </p:style>
+      </p:cxnSp>
+      <p:cxnSp>
+        <p:nvCxnSpPr>
+          <p:cNvPr id="151" name="Elbow Connector 150"/>
+          <p:cNvCxnSpPr>
+            <a:stCxn id="160" idx="3"/>
+            <a:endCxn id="132" idx="1"/>
+          </p:cNvCxnSpPr>
+          <p:nvPr/>
+        </p:nvCxnSpPr>
+        <p:spPr>
+          <a:xfrm>
+            <a:off x="5104805" y="6742303"/>
+            <a:ext cx="948601" cy="164623"/>
+          </a:xfrm>
+          <a:prstGeom prst="bentConnector3">
+            <a:avLst>
+              <a:gd name="adj1" fmla="val 50000"/>
+            </a:avLst>
+          </a:prstGeom>
+          <a:ln w="38100">
+            <a:prstDash val="sysDot"/>
+            <a:tailEnd type="arrow"/>
+          </a:ln>
+        </p:spPr>
+        <p:style>
+          <a:lnRef idx="2">
+            <a:schemeClr val="accent4">
+              <a:shade val="50000"/>
+            </a:schemeClr>
+          </a:lnRef>
+          <a:fillRef idx="1">
+            <a:schemeClr val="accent4"/>
+          </a:fillRef>
+          <a:effectRef idx="0">
+            <a:schemeClr val="accent4"/>
+          </a:effectRef>
+          <a:fontRef idx="minor">
+            <a:schemeClr val="lt1"/>
+          </a:fontRef>
+        </p:style>
+      </p:cxnSp>
+      <p:sp>
+        <p:nvSpPr>
+          <p:cNvPr id="152" name="Diamond 151"/>
+          <p:cNvSpPr/>
+          <p:nvPr/>
+        </p:nvSpPr>
+        <p:spPr>
+          <a:xfrm>
+            <a:off x="5201810" y="6114433"/>
+            <a:ext cx="216000" cy="216000"/>
+          </a:xfrm>
+          <a:prstGeom prst="diamond">
+            <a:avLst/>
+          </a:prstGeom>
+          <a:ln/>
+        </p:spPr>
+        <p:style>
+          <a:lnRef idx="2">
+            <a:schemeClr val="accent4">
+              <a:shade val="50000"/>
+            </a:schemeClr>
+          </a:lnRef>
+          <a:fillRef idx="1">
+            <a:schemeClr val="accent4"/>
+          </a:fillRef>
+          <a:effectRef idx="0">
+            <a:schemeClr val="accent4"/>
+          </a:effectRef>
+          <a:fontRef idx="minor">
+            <a:schemeClr val="lt1"/>
+          </a:fontRef>
+        </p:style>
+        <p:txBody>
+          <a:bodyPr rtlCol="0" anchor="ctr"/>
+          <a:lstStyle/>
+          <a:p>
+            <a:pPr algn="ctr"/>
+            <a:endParaRPr lang="en-SG" sz="1600" b="1"/>
+          </a:p>
+        </p:txBody>
+      </p:sp>
+      <p:cxnSp>
+        <p:nvCxnSpPr>
+          <p:cNvPr id="153" name="Elbow Connector 152"/>
+          <p:cNvCxnSpPr>
+            <a:stCxn id="152" idx="2"/>
+            <a:endCxn id="159" idx="3"/>
+          </p:cNvCxnSpPr>
+          <p:nvPr/>
+        </p:nvCxnSpPr>
+        <p:spPr>
+          <a:xfrm rot="5400000">
+            <a:off x="5002896" y="6356143"/>
+            <a:ext cx="332624" cy="281205"/>
+          </a:xfrm>
+          <a:prstGeom prst="bentConnector2">
+            <a:avLst/>
+          </a:prstGeom>
+          <a:ln>
+            <a:solidFill>
+              <a:schemeClr val="accent4">
+                <a:lumMod val="50000"/>
+              </a:schemeClr>
+            </a:solidFill>
+          </a:ln>
+        </p:spPr>
+        <p:style>
+          <a:lnRef idx="2">
+            <a:schemeClr val="accent6">
+              <a:shade val="50000"/>
+            </a:schemeClr>
+          </a:lnRef>
+          <a:fillRef idx="1">
+            <a:schemeClr val="accent6"/>
+          </a:fillRef>
+          <a:effectRef idx="0">
+            <a:schemeClr val="accent6"/>
+          </a:effectRef>
+          <a:fontRef idx="minor">
+            <a:schemeClr val="lt1"/>
+          </a:fontRef>
+        </p:style>
+      </p:cxnSp>
+      <p:grpSp>
+        <p:nvGrpSpPr>
+          <p:cNvPr id="154" name="Group 153"/>
+          <p:cNvGrpSpPr/>
+          <p:nvPr/>
+        </p:nvGrpSpPr>
+        <p:grpSpPr>
+          <a:xfrm>
+            <a:off x="3813327" y="6370637"/>
+            <a:ext cx="1291478" cy="575162"/>
+            <a:chOff x="3179250" y="6547958"/>
+            <a:chExt cx="1663102" cy="575162"/>
+          </a:xfrm>
+        </p:grpSpPr>
+        <p:sp>
+          <p:nvSpPr>
+            <p:cNvPr id="155" name="Folded Corner 154"/>
+            <p:cNvSpPr/>
+            <p:nvPr/>
+          </p:nvSpPr>
+          <p:spPr>
+            <a:xfrm>
+              <a:off x="3179250" y="6547958"/>
+              <a:ext cx="1466849" cy="406993"/>
+            </a:xfrm>
+            <a:prstGeom prst="foldedCorner">
+              <a:avLst/>
+            </a:prstGeom>
+          </p:spPr>
+          <p:style>
+            <a:lnRef idx="2">
+              <a:schemeClr val="accent4">
+                <a:shade val="50000"/>
+              </a:schemeClr>
+            </a:lnRef>
+            <a:fillRef idx="1">
+              <a:schemeClr val="accent4"/>
+            </a:fillRef>
+            <a:effectRef idx="0">
+              <a:schemeClr val="accent4"/>
+            </a:effectRef>
+            <a:fontRef idx="minor">
+              <a:schemeClr val="lt1"/>
+            </a:fontRef>
+          </p:style>
+          <p:txBody>
+            <a:bodyPr rtlCol="0" anchor="ctr"/>
+            <a:lstStyle/>
+            <a:p>
+              <a:pPr algn="ctr"/>
+              <a:endParaRPr lang="en-SG" sz="1600" b="1" dirty="0"/>
+            </a:p>
+          </p:txBody>
+        </p:sp>
+        <p:sp>
+          <p:nvSpPr>
+            <p:cNvPr id="159" name="Folded Corner 158"/>
+            <p:cNvSpPr/>
+            <p:nvPr/>
+          </p:nvSpPr>
+          <p:spPr>
+            <a:xfrm>
+              <a:off x="3277376" y="6636881"/>
+              <a:ext cx="1466849" cy="406993"/>
+            </a:xfrm>
+            <a:prstGeom prst="foldedCorner">
+              <a:avLst/>
+            </a:prstGeom>
+          </p:spPr>
+          <p:style>
+            <a:lnRef idx="2">
+              <a:schemeClr val="accent4">
+                <a:shade val="50000"/>
+              </a:schemeClr>
+            </a:lnRef>
+            <a:fillRef idx="1">
+              <a:schemeClr val="accent4"/>
+            </a:fillRef>
+            <a:effectRef idx="0">
+              <a:schemeClr val="accent4"/>
+            </a:effectRef>
+            <a:fontRef idx="minor">
+              <a:schemeClr val="lt1"/>
+            </a:fontRef>
+          </p:style>
+          <p:txBody>
+            <a:bodyPr rtlCol="0" anchor="ctr"/>
+            <a:lstStyle/>
+            <a:p>
+              <a:pPr algn="ctr"/>
+              <a:endParaRPr lang="en-SG" sz="1600" b="1" dirty="0"/>
+            </a:p>
+          </p:txBody>
+        </p:sp>
+        <p:sp>
+          <p:nvSpPr>
+            <p:cNvPr id="160" name="Folded Corner 159"/>
+            <p:cNvSpPr/>
+            <p:nvPr/>
+          </p:nvSpPr>
+          <p:spPr>
+            <a:xfrm>
+              <a:off x="3375503" y="6716127"/>
+              <a:ext cx="1466849" cy="406993"/>
+            </a:xfrm>
+            <a:prstGeom prst="foldedCorner">
+              <a:avLst/>
+            </a:prstGeom>
+          </p:spPr>
+          <p:style>
+            <a:lnRef idx="2">
+              <a:schemeClr val="accent4">
+                <a:shade val="50000"/>
+              </a:schemeClr>
+            </a:lnRef>
+            <a:fillRef idx="1">
+              <a:schemeClr val="accent4"/>
+            </a:fillRef>
+            <a:effectRef idx="0">
+              <a:schemeClr val="accent4"/>
+            </a:effectRef>
+            <a:fontRef idx="minor">
+              <a:schemeClr val="lt1"/>
+            </a:fontRef>
+          </p:style>
+          <p:txBody>
+            <a:bodyPr rtlCol="0" anchor="ctr"/>
+            <a:lstStyle/>
+            <a:p>
+              <a:pPr algn="ctr"/>
+              <a:r>
+                <a:rPr lang="en-US" sz="1600" b="1" dirty="0" smtClean="0"/>
+                <a:t>*.tag</a:t>
+              </a:r>
+              <a:endParaRPr lang="en-SG" sz="1600" b="1" dirty="0"/>
+            </a:p>
+          </p:txBody>
+        </p:sp>
+      </p:grpSp>
+      <p:sp>
+        <p:nvSpPr>
+          <p:cNvPr id="162" name="Rectangle 161"/>
+          <p:cNvSpPr/>
+          <p:nvPr/>
+        </p:nvSpPr>
+        <p:spPr>
+          <a:xfrm>
+            <a:off x="342897" y="5151437"/>
+            <a:ext cx="875710" cy="2035968"/>
+          </a:xfrm>
+          <a:prstGeom prst="rect">
+            <a:avLst/>
+          </a:prstGeom>
+          <a:solidFill>
+            <a:schemeClr val="bg1">
+              <a:lumMod val="85000"/>
+            </a:schemeClr>
+          </a:solidFill>
+          <a:ln>
+            <a:solidFill>
+              <a:schemeClr val="bg1">
+                <a:lumMod val="65000"/>
+              </a:schemeClr>
+            </a:solidFill>
+          </a:ln>
+        </p:spPr>
+        <p:style>
+          <a:lnRef idx="2">
+            <a:schemeClr val="accent1">
+              <a:shade val="50000"/>
+            </a:schemeClr>
+          </a:lnRef>
+          <a:fillRef idx="1">
+            <a:schemeClr val="accent1"/>
+          </a:fillRef>
+          <a:effectRef idx="0">
+            <a:schemeClr val="accent1"/>
+          </a:effectRef>
+          <a:fontRef idx="minor">
+            <a:schemeClr val="lt1"/>
+          </a:fontRef>
+        </p:style>
+        <p:txBody>
+          <a:bodyPr rtlCol="0" anchor="ctr"/>
+          <a:lstStyle/>
+          <a:p>
+            <a:pPr algn="ctr"/>
+            <a:endParaRPr lang="en-SG"/>
+          </a:p>
+        </p:txBody>
+      </p:sp>
+      <p:sp>
+        <p:nvSpPr>
+          <p:cNvPr id="163" name="TextBox 162"/>
+          <p:cNvSpPr txBox="1"/>
+          <p:nvPr/>
+        </p:nvSpPr>
+        <p:spPr>
+          <a:xfrm>
+            <a:off x="266700" y="5185570"/>
+            <a:ext cx="937901" cy="307777"/>
+          </a:xfrm>
+          <a:prstGeom prst="rect">
+            <a:avLst/>
+          </a:prstGeom>
+          <a:grpFill/>
+          <a:ln>
+            <a:noFill/>
+          </a:ln>
+        </p:spPr>
+        <p:style>
+          <a:lnRef idx="2">
+            <a:schemeClr val="accent1">
+              <a:shade val="50000"/>
+            </a:schemeClr>
+          </a:lnRef>
+          <a:fillRef idx="1">
+            <a:schemeClr val="accent1"/>
+          </a:fillRef>
+          <a:effectRef idx="0">
+            <a:schemeClr val="accent1"/>
+          </a:effectRef>
+          <a:fontRef idx="minor">
+            <a:schemeClr val="lt1"/>
+          </a:fontRef>
+        </p:style>
+        <p:txBody>
+          <a:bodyPr rtlCol="0" anchor="t" anchorCtr="0"/>
+          <a:lstStyle>
+            <a:defPPr>
+              <a:defRPr lang="en-US"/>
+            </a:defPPr>
+            <a:lvl1pPr>
+              <a:defRPr sz="1400" b="1">
+                <a:solidFill>
+                  <a:srgbClr val="7030A0"/>
+                </a:solidFill>
+              </a:defRPr>
+            </a:lvl1pPr>
+            <a:lvl2pPr>
+              <a:defRPr>
+                <a:solidFill>
+                  <a:schemeClr val="lt1"/>
+                </a:solidFill>
+              </a:defRPr>
+            </a:lvl2pPr>
+            <a:lvl3pPr>
+              <a:defRPr>
+                <a:solidFill>
+                  <a:schemeClr val="lt1"/>
+                </a:solidFill>
+              </a:defRPr>
+            </a:lvl3pPr>
+            <a:lvl4pPr>
+              <a:defRPr>
+                <a:solidFill>
+                  <a:schemeClr val="lt1"/>
+                </a:solidFill>
+              </a:defRPr>
+            </a:lvl4pPr>
+            <a:lvl5pPr>
+              <a:defRPr>
+                <a:solidFill>
+                  <a:schemeClr val="lt1"/>
+                </a:solidFill>
+              </a:defRPr>
+            </a:lvl5pPr>
+            <a:lvl6pPr>
+              <a:defRPr>
+                <a:solidFill>
+                  <a:schemeClr val="lt1"/>
+                </a:solidFill>
+              </a:defRPr>
+            </a:lvl6pPr>
+            <a:lvl7pPr>
+              <a:defRPr>
+                <a:solidFill>
+                  <a:schemeClr val="lt1"/>
+                </a:solidFill>
+              </a:defRPr>
+            </a:lvl7pPr>
+            <a:lvl8pPr>
+              <a:defRPr>
+                <a:solidFill>
+                  <a:schemeClr val="lt1"/>
+                </a:solidFill>
+              </a:defRPr>
+            </a:lvl8pPr>
+            <a:lvl9pPr>
+              <a:defRPr>
+                <a:solidFill>
+                  <a:schemeClr val="lt1"/>
+                </a:solidFill>
+              </a:defRPr>
+            </a:lvl9pPr>
+          </a:lstStyle>
+          <a:p>
+            <a:pPr algn="r"/>
+            <a:r>
+              <a:rPr lang="en-US" dirty="0">
+                <a:solidFill>
+                  <a:schemeClr val="tx1"/>
+                </a:solidFill>
+              </a:rPr>
+              <a:t>Browser</a:t>
+            </a:r>
+            <a:endParaRPr lang="en-SG" dirty="0">
+              <a:solidFill>
+                <a:schemeClr val="tx1"/>
+              </a:solidFill>
+            </a:endParaRPr>
+          </a:p>
+        </p:txBody>
+      </p:sp>
+      <p:sp>
+        <p:nvSpPr>
+          <p:cNvPr id="164" name="Folded Corner 163"/>
+          <p:cNvSpPr/>
+          <p:nvPr/>
+        </p:nvSpPr>
+        <p:spPr>
+          <a:xfrm>
+            <a:off x="455017" y="5549821"/>
+            <a:ext cx="649883" cy="1408984"/>
+          </a:xfrm>
+          <a:prstGeom prst="foldedCorner">
+            <a:avLst/>
+          </a:prstGeom>
+          <a:solidFill>
+            <a:schemeClr val="bg1"/>
+          </a:solidFill>
+          <a:ln>
+            <a:solidFill>
+              <a:schemeClr val="tx1"/>
+            </a:solidFill>
+          </a:ln>
+        </p:spPr>
+        <p:style>
+          <a:lnRef idx="2">
+            <a:schemeClr val="accent4">
+              <a:shade val="50000"/>
+            </a:schemeClr>
+          </a:lnRef>
+          <a:fillRef idx="1">
+            <a:schemeClr val="accent4"/>
+          </a:fillRef>
+          <a:effectRef idx="0">
+            <a:schemeClr val="accent4"/>
+          </a:effectRef>
+          <a:fontRef idx="minor">
+            <a:schemeClr val="lt1"/>
+          </a:fontRef>
+        </p:style>
+        <p:txBody>
+          <a:bodyPr rtlCol="0" anchor="ctr"/>
+          <a:lstStyle/>
+          <a:p>
+            <a:pPr algn="ctr"/>
+            <a:r>
+              <a:rPr lang="en-US" sz="1600" b="1" dirty="0">
+                <a:solidFill>
+                  <a:schemeClr val="tx1"/>
+                </a:solidFill>
+              </a:rPr>
+              <a:t>Web page</a:t>
+            </a:r>
+            <a:endParaRPr lang="en-SG" sz="1600" b="1" dirty="0">
+              <a:solidFill>
+                <a:schemeClr val="tx1"/>
+              </a:solidFill>
+            </a:endParaRPr>
+          </a:p>
+        </p:txBody>
+      </p:sp>
+      <p:cxnSp>
+        <p:nvCxnSpPr>
+          <p:cNvPr id="165" name="Elbow Connector 164"/>
+          <p:cNvCxnSpPr>
+            <a:stCxn id="143" idx="1"/>
+          </p:cNvCxnSpPr>
+          <p:nvPr/>
+        </p:nvCxnSpPr>
+        <p:spPr>
+          <a:xfrm rot="10800000">
+            <a:off x="1181101" y="5727469"/>
+            <a:ext cx="3165305" cy="0"/>
+          </a:xfrm>
+          <a:prstGeom prst="bentConnector3">
+            <a:avLst>
+              <a:gd name="adj1" fmla="val 50000"/>
+            </a:avLst>
+          </a:prstGeom>
+          <a:ln w="38100">
+            <a:prstDash val="sysDot"/>
+            <a:tailEnd type="arrow"/>
+          </a:ln>
+        </p:spPr>
+        <p:style>
+          <a:lnRef idx="2">
+            <a:schemeClr val="accent4">
+              <a:shade val="50000"/>
+            </a:schemeClr>
+          </a:lnRef>
+          <a:fillRef idx="1">
+            <a:schemeClr val="accent4"/>
+          </a:fillRef>
+          <a:effectRef idx="0">
+            <a:schemeClr val="accent4"/>
+          </a:effectRef>
+          <a:fontRef idx="minor">
+            <a:schemeClr val="lt1"/>
+          </a:fontRef>
+        </p:style>
+      </p:cxnSp>
+      <p:sp>
+        <p:nvSpPr>
+          <p:cNvPr id="166" name="TextBox 165"/>
+          <p:cNvSpPr txBox="1"/>
+          <p:nvPr/>
+        </p:nvSpPr>
+        <p:spPr>
+          <a:xfrm>
+            <a:off x="3047407" y="5380037"/>
+            <a:ext cx="1146280" cy="361773"/>
+          </a:xfrm>
+          <a:prstGeom prst="rect">
+            <a:avLst/>
+          </a:prstGeom>
+          <a:grpFill/>
+          <a:ln>
+            <a:noFill/>
+          </a:ln>
+        </p:spPr>
+        <p:style>
+          <a:lnRef idx="2">
+            <a:schemeClr val="accent1">
+              <a:shade val="50000"/>
+            </a:schemeClr>
+          </a:lnRef>
+          <a:fillRef idx="1">
+            <a:schemeClr val="accent1"/>
+          </a:fillRef>
+          <a:effectRef idx="0">
+            <a:schemeClr val="accent1"/>
+          </a:effectRef>
+          <a:fontRef idx="minor">
+            <a:schemeClr val="lt1"/>
+          </a:fontRef>
+        </p:style>
+        <p:txBody>
+          <a:bodyPr rtlCol="0" anchor="t" anchorCtr="0"/>
+          <a:lstStyle>
+            <a:defPPr>
+              <a:defRPr lang="en-US"/>
+            </a:defPPr>
+            <a:lvl1pPr>
+              <a:defRPr sz="1400" b="1">
+                <a:solidFill>
+                  <a:srgbClr val="7030A0"/>
+                </a:solidFill>
+              </a:defRPr>
+            </a:lvl1pPr>
+            <a:lvl2pPr>
+              <a:defRPr>
+                <a:solidFill>
+                  <a:schemeClr val="lt1"/>
+                </a:solidFill>
+              </a:defRPr>
+            </a:lvl2pPr>
+            <a:lvl3pPr>
+              <a:defRPr>
+                <a:solidFill>
+                  <a:schemeClr val="lt1"/>
+                </a:solidFill>
+              </a:defRPr>
+            </a:lvl3pPr>
+            <a:lvl4pPr>
+              <a:defRPr>
+                <a:solidFill>
+                  <a:schemeClr val="lt1"/>
+                </a:solidFill>
+              </a:defRPr>
+            </a:lvl4pPr>
+            <a:lvl5pPr>
+              <a:defRPr>
+                <a:solidFill>
+                  <a:schemeClr val="lt1"/>
+                </a:solidFill>
+              </a:defRPr>
+            </a:lvl5pPr>
+            <a:lvl6pPr>
+              <a:defRPr>
+                <a:solidFill>
+                  <a:schemeClr val="lt1"/>
+                </a:solidFill>
+              </a:defRPr>
+            </a:lvl6pPr>
+            <a:lvl7pPr>
+              <a:defRPr>
+                <a:solidFill>
+                  <a:schemeClr val="lt1"/>
+                </a:solidFill>
+              </a:defRPr>
+            </a:lvl7pPr>
+            <a:lvl8pPr>
+              <a:defRPr>
+                <a:solidFill>
+                  <a:schemeClr val="lt1"/>
+                </a:solidFill>
+              </a:defRPr>
+            </a:lvl8pPr>
+            <a:lvl9pPr>
+              <a:defRPr>
+                <a:solidFill>
+                  <a:schemeClr val="lt1"/>
+                </a:solidFill>
+              </a:defRPr>
+            </a:lvl9pPr>
+          </a:lstStyle>
+          <a:p>
+            <a:pPr algn="r"/>
+            <a:r>
+              <a:rPr lang="en-US" dirty="0"/>
+              <a:t>&lt;&lt;</a:t>
+            </a:r>
+            <a:r>
+              <a:rPr lang="en-US" dirty="0" smtClean="0"/>
+              <a:t>creates&gt;&gt;</a:t>
+            </a:r>
+            <a:endParaRPr lang="en-SG" dirty="0"/>
+          </a:p>
+        </p:txBody>
+      </p:sp>
+      <p:grpSp>
+        <p:nvGrpSpPr>
+          <p:cNvPr id="167" name="Group 166"/>
+          <p:cNvGrpSpPr/>
+          <p:nvPr/>
+        </p:nvGrpSpPr>
+        <p:grpSpPr>
+          <a:xfrm>
+            <a:off x="2198234" y="5872425"/>
+            <a:ext cx="1291478" cy="575162"/>
+            <a:chOff x="3179250" y="6547958"/>
+            <a:chExt cx="1663102" cy="575162"/>
+          </a:xfrm>
+        </p:grpSpPr>
+        <p:sp>
+          <p:nvSpPr>
+            <p:cNvPr id="168" name="Folded Corner 167"/>
+            <p:cNvSpPr/>
+            <p:nvPr/>
+          </p:nvSpPr>
+          <p:spPr>
+            <a:xfrm>
+              <a:off x="3179250" y="6547958"/>
+              <a:ext cx="1466849" cy="406993"/>
+            </a:xfrm>
+            <a:prstGeom prst="foldedCorner">
+              <a:avLst/>
+            </a:prstGeom>
+          </p:spPr>
+          <p:style>
+            <a:lnRef idx="2">
+              <a:schemeClr val="accent5">
+                <a:shade val="50000"/>
+              </a:schemeClr>
+            </a:lnRef>
+            <a:fillRef idx="1">
+              <a:schemeClr val="accent5"/>
+            </a:fillRef>
+            <a:effectRef idx="0">
+              <a:schemeClr val="accent5"/>
+            </a:effectRef>
+            <a:fontRef idx="minor">
+              <a:schemeClr val="lt1"/>
+            </a:fontRef>
+          </p:style>
+          <p:txBody>
+            <a:bodyPr rtlCol="0" anchor="ctr"/>
+            <a:lstStyle/>
+            <a:p>
+              <a:pPr algn="ctr"/>
+              <a:endParaRPr lang="en-SG" sz="1600" b="1" dirty="0"/>
+            </a:p>
+          </p:txBody>
+        </p:sp>
+        <p:sp>
+          <p:nvSpPr>
+            <p:cNvPr id="169" name="Folded Corner 168"/>
+            <p:cNvSpPr/>
+            <p:nvPr/>
+          </p:nvSpPr>
+          <p:spPr>
+            <a:xfrm>
+              <a:off x="3277376" y="6636881"/>
+              <a:ext cx="1466849" cy="406993"/>
+            </a:xfrm>
+            <a:prstGeom prst="foldedCorner">
+              <a:avLst/>
+            </a:prstGeom>
+          </p:spPr>
+          <p:style>
+            <a:lnRef idx="2">
+              <a:schemeClr val="accent5">
+                <a:shade val="50000"/>
+              </a:schemeClr>
+            </a:lnRef>
+            <a:fillRef idx="1">
+              <a:schemeClr val="accent5"/>
+            </a:fillRef>
+            <a:effectRef idx="0">
+              <a:schemeClr val="accent5"/>
+            </a:effectRef>
+            <a:fontRef idx="minor">
+              <a:schemeClr val="lt1"/>
+            </a:fontRef>
+          </p:style>
+          <p:txBody>
+            <a:bodyPr rtlCol="0" anchor="ctr"/>
+            <a:lstStyle/>
+            <a:p>
+              <a:pPr algn="ctr"/>
+              <a:endParaRPr lang="en-SG" sz="1600" b="1" dirty="0"/>
+            </a:p>
+          </p:txBody>
+        </p:sp>
+        <p:sp>
+          <p:nvSpPr>
+            <p:cNvPr id="171" name="Folded Corner 170"/>
+            <p:cNvSpPr/>
+            <p:nvPr/>
+          </p:nvSpPr>
+          <p:spPr>
+            <a:xfrm>
+              <a:off x="3375503" y="6716127"/>
+              <a:ext cx="1466849" cy="406993"/>
+            </a:xfrm>
+            <a:prstGeom prst="foldedCorner">
+              <a:avLst/>
+            </a:prstGeom>
+          </p:spPr>
+          <p:style>
+            <a:lnRef idx="2">
+              <a:schemeClr val="accent5">
+                <a:shade val="50000"/>
+              </a:schemeClr>
+            </a:lnRef>
+            <a:fillRef idx="1">
+              <a:schemeClr val="accent5"/>
+            </a:fillRef>
+            <a:effectRef idx="0">
+              <a:schemeClr val="accent5"/>
+            </a:effectRef>
+            <a:fontRef idx="minor">
+              <a:schemeClr val="lt1"/>
+            </a:fontRef>
+          </p:style>
+          <p:txBody>
+            <a:bodyPr rtlCol="0" anchor="ctr"/>
+            <a:lstStyle/>
+            <a:p>
+              <a:pPr algn="ctr"/>
+              <a:r>
+                <a:rPr lang="en-US" sz="1600" b="1" dirty="0" smtClean="0"/>
+                <a:t>*.</a:t>
+              </a:r>
+              <a:r>
+                <a:rPr lang="en-US" sz="1600" b="1" dirty="0" err="1" smtClean="0"/>
+                <a:t>css</a:t>
+              </a:r>
+              <a:endParaRPr lang="en-SG" sz="1600" b="1" dirty="0"/>
+            </a:p>
+          </p:txBody>
+        </p:sp>
+      </p:grpSp>
+      <p:grpSp>
+        <p:nvGrpSpPr>
+          <p:cNvPr id="172" name="Group 171"/>
+          <p:cNvGrpSpPr/>
+          <p:nvPr/>
+        </p:nvGrpSpPr>
+        <p:grpSpPr>
+          <a:xfrm>
+            <a:off x="2226252" y="6599237"/>
+            <a:ext cx="1291478" cy="575162"/>
+            <a:chOff x="3179250" y="6547958"/>
+            <a:chExt cx="1663102" cy="575162"/>
+          </a:xfrm>
+        </p:grpSpPr>
+        <p:sp>
+          <p:nvSpPr>
+            <p:cNvPr id="176" name="Folded Corner 175"/>
+            <p:cNvSpPr/>
+            <p:nvPr/>
+          </p:nvSpPr>
+          <p:spPr>
+            <a:xfrm>
+              <a:off x="3179250" y="6547958"/>
+              <a:ext cx="1466849" cy="406993"/>
+            </a:xfrm>
+            <a:prstGeom prst="foldedCorner">
+              <a:avLst/>
+            </a:prstGeom>
+          </p:spPr>
+          <p:style>
+            <a:lnRef idx="2">
+              <a:schemeClr val="accent5">
+                <a:shade val="50000"/>
+              </a:schemeClr>
+            </a:lnRef>
+            <a:fillRef idx="1">
+              <a:schemeClr val="accent5"/>
+            </a:fillRef>
+            <a:effectRef idx="0">
+              <a:schemeClr val="accent5"/>
+            </a:effectRef>
+            <a:fontRef idx="minor">
+              <a:schemeClr val="lt1"/>
+            </a:fontRef>
+          </p:style>
+          <p:txBody>
+            <a:bodyPr rtlCol="0" anchor="ctr"/>
+            <a:lstStyle/>
+            <a:p>
+              <a:pPr algn="ctr"/>
+              <a:endParaRPr lang="en-SG" sz="1600" b="1" dirty="0"/>
+            </a:p>
+          </p:txBody>
+        </p:sp>
+        <p:sp>
+          <p:nvSpPr>
+            <p:cNvPr id="177" name="Folded Corner 176"/>
+            <p:cNvSpPr/>
+            <p:nvPr/>
+          </p:nvSpPr>
+          <p:spPr>
+            <a:xfrm>
+              <a:off x="3277376" y="6636881"/>
+              <a:ext cx="1466849" cy="406993"/>
+            </a:xfrm>
+            <a:prstGeom prst="foldedCorner">
+              <a:avLst/>
+            </a:prstGeom>
+          </p:spPr>
+          <p:style>
+            <a:lnRef idx="2">
+              <a:schemeClr val="accent5">
+                <a:shade val="50000"/>
+              </a:schemeClr>
+            </a:lnRef>
+            <a:fillRef idx="1">
+              <a:schemeClr val="accent5"/>
+            </a:fillRef>
+            <a:effectRef idx="0">
+              <a:schemeClr val="accent5"/>
+            </a:effectRef>
+            <a:fontRef idx="minor">
+              <a:schemeClr val="lt1"/>
+            </a:fontRef>
+          </p:style>
+          <p:txBody>
+            <a:bodyPr rtlCol="0" anchor="ctr"/>
+            <a:lstStyle/>
+            <a:p>
+              <a:pPr algn="ctr"/>
+              <a:endParaRPr lang="en-SG" sz="1600" b="1" dirty="0"/>
+            </a:p>
+          </p:txBody>
+        </p:sp>
+        <p:sp>
+          <p:nvSpPr>
+            <p:cNvPr id="179" name="Folded Corner 178"/>
+            <p:cNvSpPr/>
+            <p:nvPr/>
+          </p:nvSpPr>
+          <p:spPr>
+            <a:xfrm>
+              <a:off x="3375503" y="6716127"/>
+              <a:ext cx="1466849" cy="406993"/>
+            </a:xfrm>
+            <a:prstGeom prst="foldedCorner">
+              <a:avLst/>
+            </a:prstGeom>
+          </p:spPr>
+          <p:style>
+            <a:lnRef idx="2">
+              <a:schemeClr val="accent5">
+                <a:shade val="50000"/>
+              </a:schemeClr>
+            </a:lnRef>
+            <a:fillRef idx="1">
+              <a:schemeClr val="accent5"/>
+            </a:fillRef>
+            <a:effectRef idx="0">
+              <a:schemeClr val="accent5"/>
+            </a:effectRef>
+            <a:fontRef idx="minor">
+              <a:schemeClr val="lt1"/>
+            </a:fontRef>
+          </p:style>
+          <p:txBody>
+            <a:bodyPr rtlCol="0" anchor="ctr"/>
+            <a:lstStyle/>
+            <a:p>
+              <a:pPr algn="ctr"/>
+              <a:r>
+                <a:rPr lang="en-US" sz="1600" b="1" dirty="0" smtClean="0"/>
+                <a:t>*.</a:t>
+              </a:r>
+              <a:r>
+                <a:rPr lang="en-US" sz="1600" b="1" dirty="0" err="1" smtClean="0"/>
+                <a:t>js</a:t>
+              </a:r>
+              <a:endParaRPr lang="en-SG" sz="1600" b="1" dirty="0"/>
+            </a:p>
+          </p:txBody>
+        </p:sp>
+      </p:grpSp>
+      <p:cxnSp>
+        <p:nvCxnSpPr>
+          <p:cNvPr id="182" name="Elbow Connector 181"/>
+          <p:cNvCxnSpPr>
+            <a:endCxn id="171" idx="1"/>
+          </p:cNvCxnSpPr>
+          <p:nvPr/>
+        </p:nvCxnSpPr>
+        <p:spPr>
+          <a:xfrm flipV="1">
+            <a:off x="1104900" y="6244091"/>
+            <a:ext cx="1245734" cy="253648"/>
+          </a:xfrm>
+          <a:prstGeom prst="bentConnector3">
+            <a:avLst>
+              <a:gd name="adj1" fmla="val 50000"/>
+            </a:avLst>
+          </a:prstGeom>
+          <a:ln w="38100">
+            <a:solidFill>
+              <a:schemeClr val="tx1"/>
+            </a:solidFill>
+            <a:prstDash val="sysDash"/>
             <a:tailEnd type="arrow"/>
           </a:ln>
         </p:spPr>
@@ -6432,28 +8170,27 @@
       </p:cxnSp>
       <p:cxnSp>
         <p:nvCxnSpPr>
-          <p:cNvPr id="437" name="Elbow Connector 436"/>
+          <p:cNvPr id="183" name="Elbow Connector 182"/>
           <p:cNvCxnSpPr>
-            <a:stCxn id="422" idx="3"/>
-            <a:endCxn id="430" idx="0"/>
+            <a:endCxn id="179" idx="1"/>
           </p:cNvCxnSpPr>
           <p:nvPr/>
         </p:nvCxnSpPr>
         <p:spPr>
           <a:xfrm>
-            <a:off x="3276960" y="905139"/>
-            <a:ext cx="1467009" cy="1398576"/>
-          </a:xfrm>
-          <a:prstGeom prst="bentConnector2">
-            <a:avLst/>
+            <a:off x="1104900" y="6497737"/>
+            <a:ext cx="1273752" cy="473166"/>
+          </a:xfrm>
+          <a:prstGeom prst="bentConnector3">
+            <a:avLst>
+              <a:gd name="adj1" fmla="val 50000"/>
+            </a:avLst>
           </a:prstGeom>
           <a:ln w="38100">
             <a:solidFill>
-              <a:schemeClr val="accent1">
-                <a:lumMod val="50000"/>
-              </a:schemeClr>
+              <a:schemeClr val="tx1"/>
             </a:solidFill>
-            <a:prstDash val="sysDot"/>
+            <a:prstDash val="sysDash"/>
             <a:tailEnd type="arrow"/>
           </a:ln>
         </p:spPr>
@@ -6474,14 +8211,584 @@
       </p:cxnSp>
       <p:sp>
         <p:nvSpPr>
-          <p:cNvPr id="438" name="Diamond 437"/>
+          <p:cNvPr id="184" name="Rectangle 183"/>
           <p:cNvSpPr/>
           <p:nvPr/>
         </p:nvSpPr>
         <p:spPr>
           <a:xfrm>
-            <a:off x="6629340" y="2875161"/>
-            <a:ext cx="336757" cy="253395"/>
+            <a:off x="350807" y="2227599"/>
+            <a:ext cx="866224" cy="862711"/>
+          </a:xfrm>
+          <a:prstGeom prst="rect">
+            <a:avLst/>
+          </a:prstGeom>
+        </p:spPr>
+        <p:style>
+          <a:lnRef idx="2">
+            <a:schemeClr val="accent2">
+              <a:shade val="50000"/>
+            </a:schemeClr>
+          </a:lnRef>
+          <a:fillRef idx="1">
+            <a:schemeClr val="accent2"/>
+          </a:fillRef>
+          <a:effectRef idx="0">
+            <a:schemeClr val="accent2"/>
+          </a:effectRef>
+          <a:fontRef idx="minor">
+            <a:schemeClr val="lt1"/>
+          </a:fontRef>
+        </p:style>
+        <p:txBody>
+          <a:bodyPr rtlCol="0" anchor="ctr"/>
+          <a:lstStyle/>
+          <a:p>
+            <a:pPr algn="ctr"/>
+            <a:r>
+              <a:rPr lang="en-US" sz="1600" b="1" dirty="0" smtClean="0"/>
+              <a:t>Http</a:t>
+            </a:r>
+            <a:br>
+              <a:rPr lang="en-US" sz="1600" b="1" dirty="0" smtClean="0"/>
+            </a:br>
+            <a:r>
+              <a:rPr lang="en-US" sz="1600" b="1" dirty="0" smtClean="0"/>
+              <a:t>Servlet</a:t>
+            </a:r>
+            <a:br>
+              <a:rPr lang="en-US" sz="1600" b="1" dirty="0" smtClean="0"/>
+            </a:br>
+            <a:r>
+              <a:rPr lang="en-US" sz="1600" b="1" dirty="0" smtClean="0"/>
+              <a:t>Request</a:t>
+            </a:r>
+            <a:endParaRPr lang="en-SG" sz="1600" b="1" dirty="0"/>
+          </a:p>
+        </p:txBody>
+      </p:sp>
+      <p:cxnSp>
+        <p:nvCxnSpPr>
+          <p:cNvPr id="185" name="Elbow Connector 184"/>
+          <p:cNvCxnSpPr>
+            <a:endCxn id="90" idx="1"/>
+          </p:cNvCxnSpPr>
+          <p:nvPr/>
+        </p:nvCxnSpPr>
+        <p:spPr>
+          <a:xfrm rot="5400000" flipH="1" flipV="1">
+            <a:off x="934394" y="1395247"/>
+            <a:ext cx="885518" cy="696907"/>
+          </a:xfrm>
+          <a:prstGeom prst="bentConnector2">
+            <a:avLst/>
+          </a:prstGeom>
+          <a:ln w="38100">
+            <a:solidFill>
+              <a:schemeClr val="accent1">
+                <a:lumMod val="50000"/>
+              </a:schemeClr>
+            </a:solidFill>
+            <a:prstDash val="sysDot"/>
+            <a:tailEnd type="arrow"/>
+          </a:ln>
+        </p:spPr>
+        <p:style>
+          <a:lnRef idx="1">
+            <a:schemeClr val="accent1"/>
+          </a:lnRef>
+          <a:fillRef idx="0">
+            <a:schemeClr val="accent1"/>
+          </a:fillRef>
+          <a:effectRef idx="0">
+            <a:schemeClr val="accent1"/>
+          </a:effectRef>
+          <a:fontRef idx="minor">
+            <a:schemeClr val="tx1"/>
+          </a:fontRef>
+        </p:style>
+      </p:cxnSp>
+      <p:cxnSp>
+        <p:nvCxnSpPr>
+          <p:cNvPr id="188" name="Elbow Connector 187"/>
+          <p:cNvCxnSpPr>
+            <a:stCxn id="184" idx="3"/>
+            <a:endCxn id="98" idx="1"/>
+          </p:cNvCxnSpPr>
+          <p:nvPr/>
+        </p:nvCxnSpPr>
+        <p:spPr>
+          <a:xfrm>
+            <a:off x="1217031" y="2658955"/>
+            <a:ext cx="492992" cy="8456"/>
+          </a:xfrm>
+          <a:prstGeom prst="bentConnector3">
+            <a:avLst>
+              <a:gd name="adj1" fmla="val 50000"/>
+            </a:avLst>
+          </a:prstGeom>
+          <a:ln w="38100">
+            <a:solidFill>
+              <a:schemeClr val="accent1">
+                <a:lumMod val="50000"/>
+              </a:schemeClr>
+            </a:solidFill>
+            <a:prstDash val="sysDot"/>
+            <a:tailEnd type="arrow"/>
+          </a:ln>
+        </p:spPr>
+        <p:style>
+          <a:lnRef idx="1">
+            <a:schemeClr val="accent1"/>
+          </a:lnRef>
+          <a:fillRef idx="0">
+            <a:schemeClr val="accent1"/>
+          </a:fillRef>
+          <a:effectRef idx="0">
+            <a:schemeClr val="accent1"/>
+          </a:effectRef>
+          <a:fontRef idx="minor">
+            <a:schemeClr val="tx1"/>
+          </a:fontRef>
+        </p:style>
+      </p:cxnSp>
+      <p:cxnSp>
+        <p:nvCxnSpPr>
+          <p:cNvPr id="189" name="Elbow Connector 188"/>
+          <p:cNvCxnSpPr>
+            <a:endCxn id="100" idx="1"/>
+          </p:cNvCxnSpPr>
+          <p:nvPr/>
+        </p:nvCxnSpPr>
+        <p:spPr>
+          <a:xfrm rot="16200000" flipH="1">
+            <a:off x="1099084" y="3151841"/>
+            <a:ext cx="691714" cy="636915"/>
+          </a:xfrm>
+          <a:prstGeom prst="bentConnector2">
+            <a:avLst/>
+          </a:prstGeom>
+          <a:ln w="38100">
+            <a:solidFill>
+              <a:schemeClr val="accent1">
+                <a:lumMod val="50000"/>
+              </a:schemeClr>
+            </a:solidFill>
+            <a:prstDash val="sysDot"/>
+            <a:tailEnd type="arrow"/>
+          </a:ln>
+        </p:spPr>
+        <p:style>
+          <a:lnRef idx="1">
+            <a:schemeClr val="accent1"/>
+          </a:lnRef>
+          <a:fillRef idx="0">
+            <a:schemeClr val="accent1"/>
+          </a:fillRef>
+          <a:effectRef idx="0">
+            <a:schemeClr val="accent1"/>
+          </a:effectRef>
+          <a:fontRef idx="minor">
+            <a:schemeClr val="tx1"/>
+          </a:fontRef>
+        </p:style>
+      </p:cxnSp>
+      <p:cxnSp>
+        <p:nvCxnSpPr>
+          <p:cNvPr id="190" name="Elbow Connector 189"/>
+          <p:cNvCxnSpPr>
+            <a:stCxn id="162" idx="0"/>
+            <a:endCxn id="184" idx="2"/>
+          </p:cNvCxnSpPr>
+          <p:nvPr/>
+        </p:nvCxnSpPr>
+        <p:spPr>
+          <a:xfrm rot="5400000" flipH="1" flipV="1">
+            <a:off x="-246645" y="4120874"/>
+            <a:ext cx="2061127" cy="0"/>
+          </a:xfrm>
+          <a:prstGeom prst="bentConnector3">
+            <a:avLst>
+              <a:gd name="adj1" fmla="val 50000"/>
+            </a:avLst>
+          </a:prstGeom>
+          <a:ln w="38100">
+            <a:solidFill>
+              <a:schemeClr val="tx1"/>
+            </a:solidFill>
+            <a:prstDash val="sysDash"/>
+            <a:tailEnd type="arrow"/>
+          </a:ln>
+        </p:spPr>
+        <p:style>
+          <a:lnRef idx="1">
+            <a:schemeClr val="accent1"/>
+          </a:lnRef>
+          <a:fillRef idx="0">
+            <a:schemeClr val="accent1"/>
+          </a:fillRef>
+          <a:effectRef idx="0">
+            <a:schemeClr val="accent1"/>
+          </a:effectRef>
+          <a:fontRef idx="minor">
+            <a:schemeClr val="tx1"/>
+          </a:fontRef>
+        </p:style>
+      </p:cxnSp>
+      <p:sp>
+        <p:nvSpPr>
+          <p:cNvPr id="191" name="TextBox 190"/>
+          <p:cNvSpPr txBox="1"/>
+          <p:nvPr/>
+        </p:nvSpPr>
+        <p:spPr>
+          <a:xfrm rot="16200000">
+            <a:off x="315923" y="4060030"/>
+            <a:ext cx="655837" cy="307777"/>
+          </a:xfrm>
+          <a:prstGeom prst="rect">
+            <a:avLst/>
+          </a:prstGeom>
+          <a:grpFill/>
+          <a:ln>
+            <a:noFill/>
+          </a:ln>
+        </p:spPr>
+        <p:style>
+          <a:lnRef idx="2">
+            <a:schemeClr val="accent1">
+              <a:shade val="50000"/>
+            </a:schemeClr>
+          </a:lnRef>
+          <a:fillRef idx="1">
+            <a:schemeClr val="accent1"/>
+          </a:fillRef>
+          <a:effectRef idx="0">
+            <a:schemeClr val="accent1"/>
+          </a:effectRef>
+          <a:fontRef idx="minor">
+            <a:schemeClr val="lt1"/>
+          </a:fontRef>
+        </p:style>
+        <p:txBody>
+          <a:bodyPr rtlCol="0" anchor="t" anchorCtr="0"/>
+          <a:lstStyle>
+            <a:defPPr>
+              <a:defRPr lang="en-US"/>
+            </a:defPPr>
+            <a:lvl1pPr algn="r">
+              <a:defRPr sz="1400" b="1">
+                <a:solidFill>
+                  <a:schemeClr val="accent2">
+                    <a:lumMod val="75000"/>
+                  </a:schemeClr>
+                </a:solidFill>
+              </a:defRPr>
+            </a:lvl1pPr>
+          </a:lstStyle>
+          <a:p>
+            <a:r>
+              <a:rPr lang="en-US" dirty="0">
+                <a:solidFill>
+                  <a:schemeClr val="tx1"/>
+                </a:solidFill>
+              </a:rPr>
+              <a:t>sends</a:t>
+            </a:r>
+            <a:endParaRPr lang="en-SG" dirty="0">
+              <a:solidFill>
+                <a:schemeClr val="tx1"/>
+              </a:solidFill>
+            </a:endParaRPr>
+          </a:p>
+        </p:txBody>
+      </p:sp>
+      <p:sp>
+        <p:nvSpPr>
+          <p:cNvPr id="192" name="Flowchart: Extract 191"/>
+          <p:cNvSpPr/>
+          <p:nvPr/>
+        </p:nvSpPr>
+        <p:spPr>
+          <a:xfrm rot="10800000" flipV="1">
+            <a:off x="589587" y="3815882"/>
+            <a:ext cx="155075" cy="122330"/>
+          </a:xfrm>
+          <a:prstGeom prst="flowChartExtract">
+            <a:avLst/>
+          </a:prstGeom>
+          <a:solidFill>
+            <a:schemeClr val="tx1"/>
+          </a:solidFill>
+          <a:ln>
+            <a:noFill/>
+          </a:ln>
+        </p:spPr>
+        <p:style>
+          <a:lnRef idx="2">
+            <a:schemeClr val="accent1">
+              <a:shade val="50000"/>
+            </a:schemeClr>
+          </a:lnRef>
+          <a:fillRef idx="1">
+            <a:schemeClr val="accent1"/>
+          </a:fillRef>
+          <a:effectRef idx="0">
+            <a:schemeClr val="accent1"/>
+          </a:effectRef>
+          <a:fontRef idx="minor">
+            <a:schemeClr val="lt1"/>
+          </a:fontRef>
+        </p:style>
+        <p:txBody>
+          <a:bodyPr rtlCol="0" anchor="ctr"/>
+          <a:lstStyle/>
+          <a:p>
+            <a:pPr algn="ctr"/>
+            <a:endParaRPr lang="en-SG"/>
+          </a:p>
+        </p:txBody>
+      </p:sp>
+      <p:sp>
+        <p:nvSpPr>
+          <p:cNvPr id="193" name="TextBox 192"/>
+          <p:cNvSpPr txBox="1"/>
+          <p:nvPr/>
+        </p:nvSpPr>
+        <p:spPr>
+          <a:xfrm>
+            <a:off x="5714407" y="5860895"/>
+            <a:ext cx="1146280" cy="361773"/>
+          </a:xfrm>
+          <a:prstGeom prst="rect">
+            <a:avLst/>
+          </a:prstGeom>
+          <a:grpFill/>
+          <a:ln>
+            <a:noFill/>
+          </a:ln>
+        </p:spPr>
+        <p:style>
+          <a:lnRef idx="2">
+            <a:schemeClr val="accent1">
+              <a:shade val="50000"/>
+            </a:schemeClr>
+          </a:lnRef>
+          <a:fillRef idx="1">
+            <a:schemeClr val="accent1"/>
+          </a:fillRef>
+          <a:effectRef idx="0">
+            <a:schemeClr val="accent1"/>
+          </a:effectRef>
+          <a:fontRef idx="minor">
+            <a:schemeClr val="lt1"/>
+          </a:fontRef>
+        </p:style>
+        <p:txBody>
+          <a:bodyPr rtlCol="0" anchor="t" anchorCtr="0"/>
+          <a:lstStyle>
+            <a:defPPr>
+              <a:defRPr lang="en-US"/>
+            </a:defPPr>
+            <a:lvl1pPr>
+              <a:defRPr sz="1400" b="1">
+                <a:solidFill>
+                  <a:srgbClr val="7030A0"/>
+                </a:solidFill>
+              </a:defRPr>
+            </a:lvl1pPr>
+            <a:lvl2pPr>
+              <a:defRPr>
+                <a:solidFill>
+                  <a:schemeClr val="lt1"/>
+                </a:solidFill>
+              </a:defRPr>
+            </a:lvl2pPr>
+            <a:lvl3pPr>
+              <a:defRPr>
+                <a:solidFill>
+                  <a:schemeClr val="lt1"/>
+                </a:solidFill>
+              </a:defRPr>
+            </a:lvl3pPr>
+            <a:lvl4pPr>
+              <a:defRPr>
+                <a:solidFill>
+                  <a:schemeClr val="lt1"/>
+                </a:solidFill>
+              </a:defRPr>
+            </a:lvl4pPr>
+            <a:lvl5pPr>
+              <a:defRPr>
+                <a:solidFill>
+                  <a:schemeClr val="lt1"/>
+                </a:solidFill>
+              </a:defRPr>
+            </a:lvl5pPr>
+            <a:lvl6pPr>
+              <a:defRPr>
+                <a:solidFill>
+                  <a:schemeClr val="lt1"/>
+                </a:solidFill>
+              </a:defRPr>
+            </a:lvl6pPr>
+            <a:lvl7pPr>
+              <a:defRPr>
+                <a:solidFill>
+                  <a:schemeClr val="lt1"/>
+                </a:solidFill>
+              </a:defRPr>
+            </a:lvl7pPr>
+            <a:lvl8pPr>
+              <a:defRPr>
+                <a:solidFill>
+                  <a:schemeClr val="lt1"/>
+                </a:solidFill>
+              </a:defRPr>
+            </a:lvl8pPr>
+            <a:lvl9pPr>
+              <a:defRPr>
+                <a:solidFill>
+                  <a:schemeClr val="lt1"/>
+                </a:solidFill>
+              </a:defRPr>
+            </a:lvl9pPr>
+          </a:lstStyle>
+          <a:p>
+            <a:pPr algn="r"/>
+            <a:r>
+              <a:rPr lang="en-US" dirty="0" smtClean="0"/>
+              <a:t>&lt;&lt;uses&gt;&gt;</a:t>
+            </a:r>
+            <a:endParaRPr lang="en-SG" dirty="0"/>
+          </a:p>
+        </p:txBody>
+      </p:sp>
+      <p:sp>
+        <p:nvSpPr>
+          <p:cNvPr id="194" name="TextBox 193"/>
+          <p:cNvSpPr txBox="1"/>
+          <p:nvPr/>
+        </p:nvSpPr>
+        <p:spPr>
+          <a:xfrm>
+            <a:off x="4636463" y="6927332"/>
+            <a:ext cx="1146280" cy="361773"/>
+          </a:xfrm>
+          <a:prstGeom prst="rect">
+            <a:avLst/>
+          </a:prstGeom>
+          <a:grpFill/>
+          <a:ln>
+            <a:noFill/>
+          </a:ln>
+        </p:spPr>
+        <p:style>
+          <a:lnRef idx="2">
+            <a:schemeClr val="accent1">
+              <a:shade val="50000"/>
+            </a:schemeClr>
+          </a:lnRef>
+          <a:fillRef idx="1">
+            <a:schemeClr val="accent1"/>
+          </a:fillRef>
+          <a:effectRef idx="0">
+            <a:schemeClr val="accent1"/>
+          </a:effectRef>
+          <a:fontRef idx="minor">
+            <a:schemeClr val="lt1"/>
+          </a:fontRef>
+        </p:style>
+        <p:txBody>
+          <a:bodyPr rtlCol="0" anchor="t" anchorCtr="0"/>
+          <a:lstStyle>
+            <a:defPPr>
+              <a:defRPr lang="en-US"/>
+            </a:defPPr>
+            <a:lvl1pPr>
+              <a:defRPr sz="1400" b="1">
+                <a:solidFill>
+                  <a:srgbClr val="7030A0"/>
+                </a:solidFill>
+              </a:defRPr>
+            </a:lvl1pPr>
+            <a:lvl2pPr>
+              <a:defRPr>
+                <a:solidFill>
+                  <a:schemeClr val="lt1"/>
+                </a:solidFill>
+              </a:defRPr>
+            </a:lvl2pPr>
+            <a:lvl3pPr>
+              <a:defRPr>
+                <a:solidFill>
+                  <a:schemeClr val="lt1"/>
+                </a:solidFill>
+              </a:defRPr>
+            </a:lvl3pPr>
+            <a:lvl4pPr>
+              <a:defRPr>
+                <a:solidFill>
+                  <a:schemeClr val="lt1"/>
+                </a:solidFill>
+              </a:defRPr>
+            </a:lvl4pPr>
+            <a:lvl5pPr>
+              <a:defRPr>
+                <a:solidFill>
+                  <a:schemeClr val="lt1"/>
+                </a:solidFill>
+              </a:defRPr>
+            </a:lvl5pPr>
+            <a:lvl6pPr>
+              <a:defRPr>
+                <a:solidFill>
+                  <a:schemeClr val="lt1"/>
+                </a:solidFill>
+              </a:defRPr>
+            </a:lvl6pPr>
+            <a:lvl7pPr>
+              <a:defRPr>
+                <a:solidFill>
+                  <a:schemeClr val="lt1"/>
+                </a:solidFill>
+              </a:defRPr>
+            </a:lvl7pPr>
+            <a:lvl8pPr>
+              <a:defRPr>
+                <a:solidFill>
+                  <a:schemeClr val="lt1"/>
+                </a:solidFill>
+              </a:defRPr>
+            </a:lvl8pPr>
+            <a:lvl9pPr>
+              <a:defRPr>
+                <a:solidFill>
+                  <a:schemeClr val="lt1"/>
+                </a:solidFill>
+              </a:defRPr>
+            </a:lvl9pPr>
+          </a:lstStyle>
+          <a:p>
+            <a:pPr algn="r"/>
+            <a:r>
+              <a:rPr lang="en-US" dirty="0" smtClean="0"/>
+              <a:t>&lt;&lt;uses&gt;&gt;</a:t>
+            </a:r>
+            <a:endParaRPr lang="en-SG" dirty="0"/>
+          </a:p>
+        </p:txBody>
+      </p:sp>
+      <p:sp>
+        <p:nvSpPr>
+          <p:cNvPr id="195" name="Diamond 194"/>
+          <p:cNvSpPr/>
+          <p:nvPr/>
+        </p:nvSpPr>
+        <p:spPr>
+          <a:xfrm>
+            <a:off x="4736839" y="4692558"/>
+            <a:ext cx="216000" cy="216000"/>
           </a:xfrm>
           <a:prstGeom prst="diamond">
             <a:avLst/>
@@ -6522,19 +8829,19 @@
       </p:sp>
       <p:cxnSp>
         <p:nvCxnSpPr>
-          <p:cNvPr id="439" name="Straight Arrow Connector 438"/>
+          <p:cNvPr id="196" name="Elbow Connector 195"/>
           <p:cNvCxnSpPr>
-            <a:stCxn id="438" idx="3"/>
-            <a:endCxn id="395" idx="1"/>
+            <a:stCxn id="195" idx="3"/>
+            <a:endCxn id="131" idx="0"/>
           </p:cNvCxnSpPr>
           <p:nvPr/>
         </p:nvCxnSpPr>
         <p:spPr>
-          <a:xfrm flipV="1">
-            <a:off x="6966097" y="2997312"/>
-            <a:ext cx="377734" cy="4547"/>
-          </a:xfrm>
-          <a:prstGeom prst="straightConnector1">
+          <a:xfrm>
+            <a:off x="4952839" y="4800558"/>
+            <a:ext cx="2665968" cy="655679"/>
+          </a:xfrm>
+          <a:prstGeom prst="bentConnector2">
             <a:avLst/>
           </a:prstGeom>
           <a:solidFill>
@@ -6544,8 +8851,6 @@
             <a:solidFill>
               <a:srgbClr val="00B050"/>
             </a:solidFill>
-            <a:headEnd type="none" w="med" len="med"/>
-            <a:tailEnd type="arrow" w="med" len="med"/>
           </a:ln>
         </p:spPr>
         <p:style>
@@ -6565,148 +8870,170 @@
           </a:fontRef>
         </p:style>
       </p:cxnSp>
-      <p:sp>
-        <p:nvSpPr>
-          <p:cNvPr id="440" name="Rectangle 439"/>
+      <p:grpSp>
+        <p:nvGrpSpPr>
+          <p:cNvPr id="197" name="Group 196"/>
+          <p:cNvGrpSpPr/>
+          <p:nvPr/>
+        </p:nvGrpSpPr>
+        <p:grpSpPr>
+          <a:xfrm>
+            <a:off x="1790700" y="4303659"/>
+            <a:ext cx="1551301" cy="531646"/>
+            <a:chOff x="1535112" y="3948357"/>
+            <a:chExt cx="1551301" cy="531646"/>
+          </a:xfrm>
+        </p:grpSpPr>
+        <p:sp>
+          <p:nvSpPr>
+            <p:cNvPr id="198" name="Rectangle 197"/>
+            <p:cNvSpPr/>
+            <p:nvPr/>
+          </p:nvSpPr>
+          <p:spPr>
+            <a:xfrm>
+              <a:off x="1535112" y="3948357"/>
+              <a:ext cx="1398903" cy="377438"/>
+            </a:xfrm>
+            <a:prstGeom prst="rect">
+              <a:avLst/>
+            </a:prstGeom>
+          </p:spPr>
+          <p:style>
+            <a:lnRef idx="2">
+              <a:schemeClr val="accent6">
+                <a:shade val="50000"/>
+              </a:schemeClr>
+            </a:lnRef>
+            <a:fillRef idx="1">
+              <a:schemeClr val="accent6"/>
+            </a:fillRef>
+            <a:effectRef idx="0">
+              <a:schemeClr val="accent6"/>
+            </a:effectRef>
+            <a:fontRef idx="minor">
+              <a:schemeClr val="lt1"/>
+            </a:fontRef>
+          </p:style>
+          <p:txBody>
+            <a:bodyPr rtlCol="0" anchor="ctr"/>
+            <a:lstStyle/>
+            <a:p>
+              <a:pPr algn="ctr"/>
+              <a:endParaRPr lang="en-SG" sz="1600" b="1" dirty="0"/>
+            </a:p>
+          </p:txBody>
+        </p:sp>
+        <p:sp>
+          <p:nvSpPr>
+            <p:cNvPr id="199" name="Rectangle 198"/>
+            <p:cNvSpPr/>
+            <p:nvPr/>
+          </p:nvSpPr>
+          <p:spPr>
+            <a:xfrm>
+              <a:off x="1611311" y="4020049"/>
+              <a:ext cx="1398903" cy="377438"/>
+            </a:xfrm>
+            <a:prstGeom prst="rect">
+              <a:avLst/>
+            </a:prstGeom>
+          </p:spPr>
+          <p:style>
+            <a:lnRef idx="2">
+              <a:schemeClr val="accent6">
+                <a:shade val="50000"/>
+              </a:schemeClr>
+            </a:lnRef>
+            <a:fillRef idx="1">
+              <a:schemeClr val="accent6"/>
+            </a:fillRef>
+            <a:effectRef idx="0">
+              <a:schemeClr val="accent6"/>
+            </a:effectRef>
+            <a:fontRef idx="minor">
+              <a:schemeClr val="lt1"/>
+            </a:fontRef>
+          </p:style>
+          <p:txBody>
+            <a:bodyPr rtlCol="0" anchor="ctr"/>
+            <a:lstStyle/>
+            <a:p>
+              <a:pPr algn="ctr"/>
+              <a:endParaRPr lang="en-SG" sz="1600" b="1" dirty="0"/>
+            </a:p>
+          </p:txBody>
+        </p:sp>
+        <p:sp>
+          <p:nvSpPr>
+            <p:cNvPr id="200" name="Rectangle 199"/>
+            <p:cNvSpPr/>
+            <p:nvPr/>
+          </p:nvSpPr>
+          <p:spPr>
+            <a:xfrm>
+              <a:off x="1687510" y="4102565"/>
+              <a:ext cx="1398903" cy="377438"/>
+            </a:xfrm>
+            <a:prstGeom prst="rect">
+              <a:avLst/>
+            </a:prstGeom>
+          </p:spPr>
+          <p:style>
+            <a:lnRef idx="2">
+              <a:schemeClr val="accent6">
+                <a:shade val="50000"/>
+              </a:schemeClr>
+            </a:lnRef>
+            <a:fillRef idx="1">
+              <a:schemeClr val="accent6"/>
+            </a:fillRef>
+            <a:effectRef idx="0">
+              <a:schemeClr val="accent6"/>
+            </a:effectRef>
+            <a:fontRef idx="minor">
+              <a:schemeClr val="lt1"/>
+            </a:fontRef>
+          </p:style>
+          <p:txBody>
+            <a:bodyPr rtlCol="0" anchor="ctr"/>
+            <a:lstStyle/>
+            <a:p>
+              <a:pPr algn="ctr"/>
+              <a:r>
+                <a:rPr lang="en-US" sz="1600" b="1" dirty="0" smtClean="0"/>
+                <a:t>*Filter</a:t>
+              </a:r>
+              <a:endParaRPr lang="en-SG" sz="1600" b="1" dirty="0"/>
+            </a:p>
+          </p:txBody>
+        </p:sp>
+      </p:grpSp>
+      <p:sp>
+        <p:nvSpPr>
+          <p:cNvPr id="201" name="Rectangle 200"/>
           <p:cNvSpPr/>
           <p:nvPr/>
         </p:nvSpPr>
         <p:spPr>
-          <a:xfrm rot="16200000">
-            <a:off x="-358134" y="2443117"/>
-            <a:ext cx="1877932" cy="377438"/>
+          <a:xfrm>
+            <a:off x="193984" y="198437"/>
+            <a:ext cx="910916" cy="543555"/>
           </a:xfrm>
           <a:prstGeom prst="rect">
             <a:avLst/>
           </a:prstGeom>
-        </p:spPr>
-        <p:style>
-          <a:lnRef idx="2">
-            <a:schemeClr val="accent2">
-              <a:shade val="50000"/>
+          <a:solidFill>
+            <a:schemeClr val="bg1">
+              <a:lumMod val="85000"/>
             </a:schemeClr>
-          </a:lnRef>
-          <a:fillRef idx="1">
-            <a:schemeClr val="accent2"/>
-          </a:fillRef>
-          <a:effectRef idx="0">
-            <a:schemeClr val="accent2"/>
-          </a:effectRef>
-          <a:fontRef idx="minor">
-            <a:schemeClr val="lt1"/>
-          </a:fontRef>
-        </p:style>
-        <p:txBody>
-          <a:bodyPr rtlCol="0" anchor="ctr"/>
-          <a:lstStyle/>
-          <a:p>
-            <a:pPr algn="ctr"/>
-            <a:r>
-              <a:rPr lang="en-US" sz="1600" b="1" dirty="0" err="1" smtClean="0"/>
-              <a:t>HttpServletRequest</a:t>
-            </a:r>
-            <a:endParaRPr lang="en-SG" sz="1600" b="1" dirty="0"/>
-          </a:p>
-        </p:txBody>
-      </p:sp>
-      <p:cxnSp>
-        <p:nvCxnSpPr>
-          <p:cNvPr id="441" name="Elbow Connector 440"/>
-          <p:cNvCxnSpPr>
-            <a:stCxn id="440" idx="3"/>
-            <a:endCxn id="422" idx="1"/>
-          </p:cNvCxnSpPr>
-          <p:nvPr/>
-        </p:nvCxnSpPr>
-        <p:spPr>
-          <a:xfrm rot="5400000" flipH="1" flipV="1">
-            <a:off x="671282" y="814690"/>
-            <a:ext cx="787731" cy="968630"/>
-          </a:xfrm>
-          <a:prstGeom prst="bentConnector2">
-            <a:avLst/>
-          </a:prstGeom>
-          <a:ln w="38100">
+          </a:solidFill>
+          <a:ln>
             <a:solidFill>
-              <a:schemeClr val="accent1">
-                <a:lumMod val="50000"/>
+              <a:schemeClr val="bg1">
+                <a:lumMod val="65000"/>
               </a:schemeClr>
             </a:solidFill>
-            <a:prstDash val="sysDot"/>
-            <a:tailEnd type="arrow"/>
-          </a:ln>
-        </p:spPr>
-        <p:style>
-          <a:lnRef idx="1">
-            <a:schemeClr val="accent1"/>
-          </a:lnRef>
-          <a:fillRef idx="0">
-            <a:schemeClr val="accent1"/>
-          </a:fillRef>
-          <a:effectRef idx="0">
-            <a:schemeClr val="accent1"/>
-          </a:effectRef>
-          <a:fontRef idx="minor">
-            <a:schemeClr val="tx1"/>
-          </a:fontRef>
-        </p:style>
-      </p:cxnSp>
-      <p:cxnSp>
-        <p:nvCxnSpPr>
-          <p:cNvPr id="442" name="Straight Arrow Connector 441"/>
-          <p:cNvCxnSpPr/>
-          <p:nvPr/>
-        </p:nvCxnSpPr>
-        <p:spPr>
-          <a:xfrm>
-            <a:off x="3031670" y="2477317"/>
-            <a:ext cx="1018042" cy="0"/>
-          </a:xfrm>
-          <a:prstGeom prst="straightConnector1">
-            <a:avLst/>
-          </a:prstGeom>
-          <a:ln w="38100">
-            <a:solidFill>
-              <a:schemeClr val="accent2">
-                <a:lumMod val="75000"/>
-              </a:schemeClr>
-            </a:solidFill>
-            <a:prstDash val="sysDot"/>
-            <a:tailEnd type="arrow"/>
-          </a:ln>
-        </p:spPr>
-        <p:style>
-          <a:lnRef idx="1">
-            <a:schemeClr val="accent1"/>
-          </a:lnRef>
-          <a:fillRef idx="0">
-            <a:schemeClr val="accent1"/>
-          </a:fillRef>
-          <a:effectRef idx="0">
-            <a:schemeClr val="accent1"/>
-          </a:effectRef>
-          <a:fontRef idx="minor">
-            <a:schemeClr val="tx1"/>
-          </a:fontRef>
-        </p:style>
-      </p:cxnSp>
-      <p:sp>
-        <p:nvSpPr>
-          <p:cNvPr id="443" name="TextBox 442"/>
-          <p:cNvSpPr txBox="1"/>
-          <p:nvPr/>
-        </p:nvSpPr>
-        <p:spPr>
-          <a:xfrm>
-            <a:off x="3031670" y="2472559"/>
-            <a:ext cx="1066800" cy="307777"/>
-          </a:xfrm>
-          <a:prstGeom prst="rect">
-            <a:avLst/>
-          </a:prstGeom>
-          <a:grpFill/>
-          <a:ln>
-            <a:noFill/>
           </a:ln>
         </p:spPr>
         <p:style>
@@ -6726,135 +9053,78 @@
           </a:fontRef>
         </p:style>
         <p:txBody>
-          <a:bodyPr rtlCol="0" anchor="t" anchorCtr="0"/>
-          <a:lstStyle>
-            <a:defPPr>
-              <a:defRPr lang="en-US"/>
-            </a:defPPr>
-            <a:lvl1pPr algn="r">
-              <a:defRPr sz="1400" b="1">
-                <a:solidFill>
-                  <a:schemeClr val="accent2">
-                    <a:lumMod val="75000"/>
-                  </a:schemeClr>
-                </a:solidFill>
-              </a:defRPr>
-            </a:lvl1pPr>
-          </a:lstStyle>
-          <a:p>
-            <a:r>
-              <a:rPr lang="en-US" dirty="0"/>
-              <a:t>&lt;&lt;create&gt;&gt;</a:t>
-            </a:r>
-            <a:endParaRPr lang="en-SG" dirty="0"/>
-          </a:p>
-        </p:txBody>
-      </p:sp>
-      <p:sp>
-        <p:nvSpPr>
-          <p:cNvPr id="444" name="Rectangle 443"/>
-          <p:cNvSpPr/>
-          <p:nvPr/>
-        </p:nvSpPr>
-        <p:spPr>
-          <a:xfrm>
-            <a:off x="4732384" y="3701990"/>
-            <a:ext cx="1894049" cy="377438"/>
-          </a:xfrm>
-          <a:prstGeom prst="rect">
-            <a:avLst/>
-          </a:prstGeom>
-          <a:solidFill>
-            <a:srgbClr val="92D050"/>
-          </a:solidFill>
-          <a:ln>
-            <a:solidFill>
-              <a:srgbClr val="00B050"/>
-            </a:solidFill>
-          </a:ln>
-        </p:spPr>
-        <p:style>
-          <a:lnRef idx="2">
-            <a:schemeClr val="accent6">
-              <a:shade val="50000"/>
-            </a:schemeClr>
-          </a:lnRef>
-          <a:fillRef idx="1">
-            <a:schemeClr val="accent6"/>
-          </a:fillRef>
-          <a:effectRef idx="0">
-            <a:schemeClr val="accent6"/>
-          </a:effectRef>
-          <a:fontRef idx="minor">
-            <a:schemeClr val="lt1"/>
-          </a:fontRef>
-        </p:style>
-        <p:txBody>
           <a:bodyPr rtlCol="0" anchor="ctr"/>
           <a:lstStyle/>
           <a:p>
             <a:pPr algn="ctr"/>
             <a:r>
-              <a:rPr lang="en-US" sz="1600" b="1" dirty="0" err="1" smtClean="0"/>
-              <a:t>AjaxResult</a:t>
+              <a:rPr lang="en-SG" sz="1400" b="1" dirty="0" smtClean="0">
+                <a:solidFill>
+                  <a:schemeClr val="tx1"/>
+                </a:solidFill>
+              </a:rPr>
+              <a:t>GAE Server</a:t>
             </a:r>
-            <a:endParaRPr lang="en-SG" sz="1600" b="1" dirty="0"/>
+            <a:endParaRPr lang="en-SG" sz="1400" b="1" dirty="0">
+              <a:solidFill>
+                <a:schemeClr val="tx1"/>
+              </a:solidFill>
+            </a:endParaRPr>
           </a:p>
         </p:txBody>
       </p:sp>
       <p:cxnSp>
         <p:nvCxnSpPr>
-          <p:cNvPr id="445" name="Elbow Connector 444"/>
+          <p:cNvPr id="202" name="Elbow Connector 201"/>
           <p:cNvCxnSpPr>
-            <a:stCxn id="433" idx="3"/>
-            <a:endCxn id="444" idx="1"/>
+            <a:stCxn id="201" idx="2"/>
+            <a:endCxn id="184" idx="0"/>
           </p:cNvCxnSpPr>
           <p:nvPr/>
         </p:nvCxnSpPr>
         <p:spPr>
           <a:xfrm rot="16200000" flipH="1">
-            <a:off x="4128326" y="3286650"/>
-            <a:ext cx="968363" cy="239754"/>
-          </a:xfrm>
-          <a:prstGeom prst="bentConnector2">
-            <a:avLst/>
-          </a:prstGeom>
-          <a:solidFill>
-            <a:srgbClr val="92D050"/>
-          </a:solidFill>
-          <a:ln>
+            <a:off x="-26123" y="1417556"/>
+            <a:ext cx="1485607" cy="134477"/>
+          </a:xfrm>
+          <a:prstGeom prst="bentConnector3">
+            <a:avLst>
+              <a:gd name="adj1" fmla="val 50000"/>
+            </a:avLst>
+          </a:prstGeom>
+          <a:ln w="38100">
             <a:solidFill>
-              <a:srgbClr val="00B050"/>
+              <a:schemeClr val="tx1"/>
             </a:solidFill>
+            <a:prstDash val="sysDash"/>
+            <a:tailEnd type="arrow"/>
           </a:ln>
         </p:spPr>
         <p:style>
-          <a:lnRef idx="2">
-            <a:schemeClr val="accent6">
-              <a:shade val="50000"/>
-            </a:schemeClr>
+          <a:lnRef idx="1">
+            <a:schemeClr val="accent1"/>
           </a:lnRef>
-          <a:fillRef idx="1">
-            <a:schemeClr val="accent6"/>
+          <a:fillRef idx="0">
+            <a:schemeClr val="accent1"/>
           </a:fillRef>
           <a:effectRef idx="0">
-            <a:schemeClr val="accent6"/>
+            <a:schemeClr val="accent1"/>
           </a:effectRef>
           <a:fontRef idx="minor">
-            <a:schemeClr val="lt1"/>
+            <a:schemeClr val="tx1"/>
           </a:fontRef>
         </p:style>
       </p:cxnSp>
       <p:sp>
         <p:nvSpPr>
-          <p:cNvPr id="446" name="TextBox 445"/>
+          <p:cNvPr id="203" name="TextBox 202"/>
           <p:cNvSpPr txBox="1"/>
           <p:nvPr/>
         </p:nvSpPr>
         <p:spPr>
-          <a:xfrm>
-            <a:off x="3581937" y="587364"/>
-            <a:ext cx="1066800" cy="307777"/>
+          <a:xfrm rot="5400000" flipV="1">
+            <a:off x="165893" y="1053000"/>
+            <a:ext cx="655837" cy="307777"/>
           </a:xfrm>
           <a:prstGeom prst="rect">
             <a:avLst/>
@@ -6900,28 +9170,14 @@
             <a:r>
               <a:rPr lang="en-US" dirty="0">
                 <a:solidFill>
-                  <a:schemeClr val="accent1">
-                    <a:lumMod val="50000"/>
-                  </a:schemeClr>
+                  <a:schemeClr val="tx1"/>
                 </a:solidFill>
               </a:rPr>
-              <a:t>s</a:t>
-            </a:r>
-            <a:r>
-              <a:rPr lang="en-US" dirty="0" smtClean="0">
-                <a:solidFill>
-                  <a:schemeClr val="accent1">
-                    <a:lumMod val="50000"/>
-                  </a:schemeClr>
-                </a:solidFill>
-              </a:rPr>
-              <a:t>ends back</a:t>
+              <a:t>sends</a:t>
             </a:r>
             <a:endParaRPr lang="en-SG" dirty="0">
               <a:solidFill>
-                <a:schemeClr val="accent1">
-                  <a:lumMod val="50000"/>
-                </a:schemeClr>
+                <a:schemeClr val="tx1"/>
               </a:solidFill>
             </a:endParaRPr>
           </a:p>
@@ -6929,19 +9185,21 @@
       </p:sp>
       <p:sp>
         <p:nvSpPr>
-          <p:cNvPr id="447" name="TextBox 446"/>
-          <p:cNvSpPr txBox="1"/>
+          <p:cNvPr id="204" name="Flowchart: Extract 203"/>
+          <p:cNvSpPr/>
           <p:nvPr/>
         </p:nvSpPr>
         <p:spPr>
-          <a:xfrm>
-            <a:off x="199428" y="597362"/>
-            <a:ext cx="954683" cy="307777"/>
-          </a:xfrm>
-          <a:prstGeom prst="rect">
-            <a:avLst/>
-          </a:prstGeom>
-          <a:grpFill/>
+          <a:xfrm rot="10800000">
+            <a:off x="439557" y="1447707"/>
+            <a:ext cx="155075" cy="122330"/>
+          </a:xfrm>
+          <a:prstGeom prst="flowChartExtract">
+            <a:avLst/>
+          </a:prstGeom>
+          <a:solidFill>
+            <a:schemeClr val="tx1"/>
+          </a:solidFill>
           <a:ln>
             <a:noFill/>
           </a:ln>
@@ -6963,222 +9221,6 @@
           </a:fontRef>
         </p:style>
         <p:txBody>
-          <a:bodyPr rtlCol="0" anchor="t" anchorCtr="0"/>
-          <a:lstStyle>
-            <a:defPPr>
-              <a:defRPr lang="en-US"/>
-            </a:defPPr>
-            <a:lvl1pPr algn="r">
-              <a:defRPr sz="1400" b="1">
-                <a:solidFill>
-                  <a:schemeClr val="accent2">
-                    <a:lumMod val="75000"/>
-                  </a:schemeClr>
-                </a:solidFill>
-              </a:defRPr>
-            </a:lvl1pPr>
-          </a:lstStyle>
-          <a:p>
-            <a:r>
-              <a:rPr lang="en-US" dirty="0" smtClean="0">
-                <a:solidFill>
-                  <a:schemeClr val="accent1">
-                    <a:lumMod val="50000"/>
-                  </a:schemeClr>
-                </a:solidFill>
-              </a:rPr>
-              <a:t>receives</a:t>
-            </a:r>
-            <a:endParaRPr lang="en-SG" dirty="0">
-              <a:solidFill>
-                <a:schemeClr val="accent1">
-                  <a:lumMod val="50000"/>
-                </a:schemeClr>
-              </a:solidFill>
-            </a:endParaRPr>
-          </a:p>
-        </p:txBody>
-      </p:sp>
-      <p:sp>
-        <p:nvSpPr>
-          <p:cNvPr id="448" name="TextBox 447"/>
-          <p:cNvSpPr txBox="1"/>
-          <p:nvPr/>
-        </p:nvSpPr>
-        <p:spPr>
-          <a:xfrm rot="16200000">
-            <a:off x="1323781" y="1388548"/>
-            <a:ext cx="555264" cy="307777"/>
-          </a:xfrm>
-          <a:prstGeom prst="rect">
-            <a:avLst/>
-          </a:prstGeom>
-          <a:grpFill/>
-          <a:ln>
-            <a:noFill/>
-          </a:ln>
-        </p:spPr>
-        <p:style>
-          <a:lnRef idx="2">
-            <a:schemeClr val="accent1">
-              <a:shade val="50000"/>
-            </a:schemeClr>
-          </a:lnRef>
-          <a:fillRef idx="1">
-            <a:schemeClr val="accent1"/>
-          </a:fillRef>
-          <a:effectRef idx="0">
-            <a:schemeClr val="accent1"/>
-          </a:effectRef>
-          <a:fontRef idx="minor">
-            <a:schemeClr val="lt1"/>
-          </a:fontRef>
-        </p:style>
-        <p:txBody>
-          <a:bodyPr rtlCol="0" anchor="t" anchorCtr="0"/>
-          <a:lstStyle>
-            <a:defPPr>
-              <a:defRPr lang="en-US"/>
-            </a:defPPr>
-            <a:lvl1pPr algn="r">
-              <a:defRPr sz="1400" b="1">
-                <a:solidFill>
-                  <a:schemeClr val="accent2">
-                    <a:lumMod val="75000"/>
-                  </a:schemeClr>
-                </a:solidFill>
-              </a:defRPr>
-            </a:lvl1pPr>
-          </a:lstStyle>
-          <a:p>
-            <a:r>
-              <a:rPr lang="en-US" dirty="0" smtClean="0">
-                <a:solidFill>
-                  <a:schemeClr val="accent1">
-                    <a:lumMod val="50000"/>
-                  </a:schemeClr>
-                </a:solidFill>
-              </a:rPr>
-              <a:t>uses</a:t>
-            </a:r>
-            <a:endParaRPr lang="en-SG" dirty="0">
-              <a:solidFill>
-                <a:schemeClr val="accent1">
-                  <a:lumMod val="50000"/>
-                </a:schemeClr>
-              </a:solidFill>
-            </a:endParaRPr>
-          </a:p>
-        </p:txBody>
-      </p:sp>
-      <p:sp>
-        <p:nvSpPr>
-          <p:cNvPr id="449" name="TextBox 448"/>
-          <p:cNvSpPr txBox="1"/>
-          <p:nvPr/>
-        </p:nvSpPr>
-        <p:spPr>
-          <a:xfrm rot="16200000">
-            <a:off x="99025" y="4233862"/>
-            <a:ext cx="655837" cy="307777"/>
-          </a:xfrm>
-          <a:prstGeom prst="rect">
-            <a:avLst/>
-          </a:prstGeom>
-          <a:grpFill/>
-          <a:ln>
-            <a:noFill/>
-          </a:ln>
-        </p:spPr>
-        <p:style>
-          <a:lnRef idx="2">
-            <a:schemeClr val="accent1">
-              <a:shade val="50000"/>
-            </a:schemeClr>
-          </a:lnRef>
-          <a:fillRef idx="1">
-            <a:schemeClr val="accent1"/>
-          </a:fillRef>
-          <a:effectRef idx="0">
-            <a:schemeClr val="accent1"/>
-          </a:effectRef>
-          <a:fontRef idx="minor">
-            <a:schemeClr val="lt1"/>
-          </a:fontRef>
-        </p:style>
-        <p:txBody>
-          <a:bodyPr rtlCol="0" anchor="t" anchorCtr="0"/>
-          <a:lstStyle>
-            <a:defPPr>
-              <a:defRPr lang="en-US"/>
-            </a:defPPr>
-            <a:lvl1pPr algn="r">
-              <a:defRPr sz="1400" b="1">
-                <a:solidFill>
-                  <a:schemeClr val="accent2">
-                    <a:lumMod val="75000"/>
-                  </a:schemeClr>
-                </a:solidFill>
-              </a:defRPr>
-            </a:lvl1pPr>
-          </a:lstStyle>
-          <a:p>
-            <a:r>
-              <a:rPr lang="en-US" dirty="0" smtClean="0">
-                <a:solidFill>
-                  <a:schemeClr val="tx1"/>
-                </a:solidFill>
-              </a:rPr>
-              <a:t>sends</a:t>
-            </a:r>
-            <a:endParaRPr lang="en-SG" dirty="0">
-              <a:solidFill>
-                <a:schemeClr val="tx1"/>
-              </a:solidFill>
-            </a:endParaRPr>
-          </a:p>
-        </p:txBody>
-      </p:sp>
-      <p:sp>
-        <p:nvSpPr>
-          <p:cNvPr id="450" name="Flowchart: Extract 449"/>
-          <p:cNvSpPr/>
-          <p:nvPr/>
-        </p:nvSpPr>
-        <p:spPr>
-          <a:xfrm rot="16200000">
-            <a:off x="274106" y="703700"/>
-            <a:ext cx="155075" cy="122330"/>
-          </a:xfrm>
-          <a:prstGeom prst="flowChartExtract">
-            <a:avLst/>
-          </a:prstGeom>
-          <a:solidFill>
-            <a:schemeClr val="accent1">
-              <a:lumMod val="50000"/>
-            </a:schemeClr>
-          </a:solidFill>
-          <a:ln>
-            <a:noFill/>
-          </a:ln>
-        </p:spPr>
-        <p:style>
-          <a:lnRef idx="2">
-            <a:schemeClr val="accent1">
-              <a:shade val="50000"/>
-            </a:schemeClr>
-          </a:lnRef>
-          <a:fillRef idx="1">
-            <a:schemeClr val="accent1"/>
-          </a:fillRef>
-          <a:effectRef idx="0">
-            <a:schemeClr val="accent1"/>
-          </a:effectRef>
-          <a:fontRef idx="minor">
-            <a:schemeClr val="lt1"/>
-          </a:fontRef>
-        </p:style>
-        <p:txBody>
           <a:bodyPr rtlCol="0" anchor="ctr"/>
           <a:lstStyle/>
           <a:p>
@@ -7187,243 +9229,6 @@
           </a:p>
         </p:txBody>
       </p:sp>
-      <p:sp>
-        <p:nvSpPr>
-          <p:cNvPr id="451" name="Flowchart: Extract 450"/>
-          <p:cNvSpPr/>
-          <p:nvPr/>
-        </p:nvSpPr>
-        <p:spPr>
-          <a:xfrm rot="10800000">
-            <a:off x="1533878" y="1716697"/>
-            <a:ext cx="155075" cy="122330"/>
-          </a:xfrm>
-          <a:prstGeom prst="flowChartExtract">
-            <a:avLst/>
-          </a:prstGeom>
-          <a:solidFill>
-            <a:schemeClr val="accent1">
-              <a:lumMod val="50000"/>
-            </a:schemeClr>
-          </a:solidFill>
-          <a:ln>
-            <a:noFill/>
-          </a:ln>
-        </p:spPr>
-        <p:style>
-          <a:lnRef idx="2">
-            <a:schemeClr val="accent1">
-              <a:shade val="50000"/>
-            </a:schemeClr>
-          </a:lnRef>
-          <a:fillRef idx="1">
-            <a:schemeClr val="accent1"/>
-          </a:fillRef>
-          <a:effectRef idx="0">
-            <a:schemeClr val="accent1"/>
-          </a:effectRef>
-          <a:fontRef idx="minor">
-            <a:schemeClr val="lt1"/>
-          </a:fontRef>
-        </p:style>
-        <p:txBody>
-          <a:bodyPr rtlCol="0" anchor="ctr"/>
-          <a:lstStyle/>
-          <a:p>
-            <a:pPr algn="ctr"/>
-            <a:endParaRPr lang="en-SG"/>
-          </a:p>
-        </p:txBody>
-      </p:sp>
-      <p:sp>
-        <p:nvSpPr>
-          <p:cNvPr id="452" name="Flowchart: Extract 451"/>
-          <p:cNvSpPr/>
-          <p:nvPr/>
-        </p:nvSpPr>
-        <p:spPr>
-          <a:xfrm rot="5400000" flipH="1">
-            <a:off x="4566740" y="703699"/>
-            <a:ext cx="155075" cy="122330"/>
-          </a:xfrm>
-          <a:prstGeom prst="flowChartExtract">
-            <a:avLst/>
-          </a:prstGeom>
-          <a:solidFill>
-            <a:schemeClr val="accent1">
-              <a:lumMod val="50000"/>
-            </a:schemeClr>
-          </a:solidFill>
-          <a:ln>
-            <a:noFill/>
-          </a:ln>
-        </p:spPr>
-        <p:style>
-          <a:lnRef idx="2">
-            <a:schemeClr val="accent1">
-              <a:shade val="50000"/>
-            </a:schemeClr>
-          </a:lnRef>
-          <a:fillRef idx="1">
-            <a:schemeClr val="accent1"/>
-          </a:fillRef>
-          <a:effectRef idx="0">
-            <a:schemeClr val="accent1"/>
-          </a:effectRef>
-          <a:fontRef idx="minor">
-            <a:schemeClr val="lt1"/>
-          </a:fontRef>
-        </p:style>
-        <p:txBody>
-          <a:bodyPr rtlCol="0" anchor="ctr"/>
-          <a:lstStyle/>
-          <a:p>
-            <a:pPr algn="ctr"/>
-            <a:endParaRPr lang="en-SG"/>
-          </a:p>
-        </p:txBody>
-      </p:sp>
-      <p:sp>
-        <p:nvSpPr>
-          <p:cNvPr id="453" name="Flowchart: Extract 452"/>
-          <p:cNvSpPr/>
-          <p:nvPr/>
-        </p:nvSpPr>
-        <p:spPr>
-          <a:xfrm rot="10800000" flipV="1">
-            <a:off x="372689" y="3989717"/>
-            <a:ext cx="155075" cy="122330"/>
-          </a:xfrm>
-          <a:prstGeom prst="flowChartExtract">
-            <a:avLst/>
-          </a:prstGeom>
-          <a:solidFill>
-            <a:schemeClr val="tx1"/>
-          </a:solidFill>
-          <a:ln>
-            <a:noFill/>
-          </a:ln>
-        </p:spPr>
-        <p:style>
-          <a:lnRef idx="2">
-            <a:schemeClr val="accent1">
-              <a:shade val="50000"/>
-            </a:schemeClr>
-          </a:lnRef>
-          <a:fillRef idx="1">
-            <a:schemeClr val="accent1"/>
-          </a:fillRef>
-          <a:effectRef idx="0">
-            <a:schemeClr val="accent1"/>
-          </a:effectRef>
-          <a:fontRef idx="minor">
-            <a:schemeClr val="lt1"/>
-          </a:fontRef>
-        </p:style>
-        <p:txBody>
-          <a:bodyPr rtlCol="0" anchor="ctr"/>
-          <a:lstStyle/>
-          <a:p>
-            <a:pPr algn="ctr"/>
-            <a:endParaRPr lang="en-SG"/>
-          </a:p>
-        </p:txBody>
-      </p:sp>
-      <p:sp>
-        <p:nvSpPr>
-          <p:cNvPr id="74" name="Rectangle 73"/>
-          <p:cNvSpPr/>
-          <p:nvPr/>
-        </p:nvSpPr>
-        <p:spPr>
-          <a:xfrm>
-            <a:off x="4732380" y="4123486"/>
-            <a:ext cx="1894054" cy="377438"/>
-          </a:xfrm>
-          <a:prstGeom prst="rect">
-            <a:avLst/>
-          </a:prstGeom>
-          <a:solidFill>
-            <a:srgbClr val="92D050"/>
-          </a:solidFill>
-          <a:ln>
-            <a:solidFill>
-              <a:srgbClr val="00B050"/>
-            </a:solidFill>
-          </a:ln>
-        </p:spPr>
-        <p:style>
-          <a:lnRef idx="2">
-            <a:schemeClr val="accent6">
-              <a:shade val="50000"/>
-            </a:schemeClr>
-          </a:lnRef>
-          <a:fillRef idx="1">
-            <a:schemeClr val="accent6"/>
-          </a:fillRef>
-          <a:effectRef idx="0">
-            <a:schemeClr val="accent6"/>
-          </a:effectRef>
-          <a:fontRef idx="minor">
-            <a:schemeClr val="lt1"/>
-          </a:fontRef>
-        </p:style>
-        <p:txBody>
-          <a:bodyPr rtlCol="0" anchor="ctr"/>
-          <a:lstStyle/>
-          <a:p>
-            <a:pPr algn="ctr"/>
-            <a:r>
-              <a:rPr lang="en-US" sz="1600" b="1" dirty="0" err="1" smtClean="0"/>
-              <a:t>FileDownloadResult</a:t>
-            </a:r>
-            <a:endParaRPr lang="en-SG" sz="1600" b="1" dirty="0"/>
-          </a:p>
-        </p:txBody>
-      </p:sp>
-      <p:cxnSp>
-        <p:nvCxnSpPr>
-          <p:cNvPr id="75" name="Elbow Connector 74"/>
-          <p:cNvCxnSpPr>
-            <a:stCxn id="433" idx="3"/>
-            <a:endCxn id="74" idx="1"/>
-          </p:cNvCxnSpPr>
-          <p:nvPr/>
-        </p:nvCxnSpPr>
-        <p:spPr>
-          <a:xfrm rot="16200000" flipH="1">
-            <a:off x="3917576" y="3497400"/>
-            <a:ext cx="1389859" cy="239750"/>
-          </a:xfrm>
-          <a:prstGeom prst="bentConnector2">
-            <a:avLst/>
-          </a:prstGeom>
-          <a:solidFill>
-            <a:srgbClr val="92D050"/>
-          </a:solidFill>
-          <a:ln>
-            <a:solidFill>
-              <a:srgbClr val="00B050"/>
-            </a:solidFill>
-          </a:ln>
-        </p:spPr>
-        <p:style>
-          <a:lnRef idx="2">
-            <a:schemeClr val="accent6">
-              <a:shade val="50000"/>
-            </a:schemeClr>
-          </a:lnRef>
-          <a:fillRef idx="1">
-            <a:schemeClr val="accent6"/>
-          </a:fillRef>
-          <a:effectRef idx="0">
-            <a:schemeClr val="accent6"/>
-          </a:effectRef>
-          <a:fontRef idx="minor">
-            <a:schemeClr val="lt1"/>
-          </a:fontRef>
-        </p:style>
-      </p:cxnSp>
     </p:spTree>
     <p:extLst>
       <p:ext uri="{BB962C8B-B14F-4D97-AF65-F5344CB8AC3E}">
@@ -8010,4 +9815,265 @@
   <a:objectDefaults/>
   <a:extraClrSchemeLst/>
 </a:theme>
+</file>
+
+<file path=ppt/theme/theme3.xml><?xml version="1.0" encoding="utf-8"?>
+<a:theme xmlns:a="http://schemas.openxmlformats.org/drawingml/2006/main" name="Office Theme">
+  <a:themeElements>
+    <a:clrScheme name="Office">
+      <a:dk1>
+        <a:sysClr val="windowText" lastClr="000000"/>
+      </a:dk1>
+      <a:lt1>
+        <a:sysClr val="window" lastClr="FFFFFF"/>
+      </a:lt1>
+      <a:dk2>
+        <a:srgbClr val="44546A"/>
+      </a:dk2>
+      <a:lt2>
+        <a:srgbClr val="E7E6E6"/>
+      </a:lt2>
+      <a:accent1>
+        <a:srgbClr val="5B9BD5"/>
+      </a:accent1>
+      <a:accent2>
+        <a:srgbClr val="ED7D31"/>
+      </a:accent2>
+      <a:accent3>
+        <a:srgbClr val="A5A5A5"/>
+      </a:accent3>
+      <a:accent4>
+        <a:srgbClr val="FFC000"/>
+      </a:accent4>
+      <a:accent5>
+        <a:srgbClr val="4472C4"/>
+      </a:accent5>
+      <a:accent6>
+        <a:srgbClr val="70AD47"/>
+      </a:accent6>
+      <a:hlink>
+        <a:srgbClr val="0563C1"/>
+      </a:hlink>
+      <a:folHlink>
+        <a:srgbClr val="954F72"/>
+      </a:folHlink>
+    </a:clrScheme>
+    <a:fontScheme name="Office">
+      <a:majorFont>
+        <a:latin typeface="Calibri Light" panose="020F0302020204030204"/>
+        <a:ea typeface=""/>
+        <a:cs typeface=""/>
+        <a:font script="Jpan" typeface="ＭＳ Ｐゴシック"/>
+        <a:font script="Hang" typeface="맑은 고딕"/>
+        <a:font script="Hans" typeface="宋体"/>
+        <a:font script="Hant" typeface="新細明體"/>
+        <a:font script="Arab" typeface="Times New Roman"/>
+        <a:font script="Hebr" typeface="Times New Roman"/>
+        <a:font script="Thai" typeface="Angsana New"/>
+        <a:font script="Ethi" typeface="Nyala"/>
+        <a:font script="Beng" typeface="Vrinda"/>
+        <a:font script="Gujr" typeface="Shruti"/>
+        <a:font script="Khmr" typeface="MoolBoran"/>
+        <a:font script="Knda" typeface="Tunga"/>
+        <a:font script="Guru" typeface="Raavi"/>
+        <a:font script="Cans" typeface="Euphemia"/>
+        <a:font script="Cher" typeface="Plantagenet Cherokee"/>
+        <a:font script="Yiii" typeface="Microsoft Yi Baiti"/>
+        <a:font script="Tibt" typeface="Microsoft Himalaya"/>
+        <a:font script="Thaa" typeface="MV Boli"/>
+        <a:font script="Deva" typeface="Mangal"/>
+        <a:font script="Telu" typeface="Gautami"/>
+        <a:font script="Taml" typeface="Latha"/>
+        <a:font script="Syrc" typeface="Estrangelo Edessa"/>
+        <a:font script="Orya" typeface="Kalinga"/>
+        <a:font script="Mlym" typeface="Kartika"/>
+        <a:font script="Laoo" typeface="DokChampa"/>
+        <a:font script="Sinh" typeface="Iskoola Pota"/>
+        <a:font script="Mong" typeface="Mongolian Baiti"/>
+        <a:font script="Viet" typeface="Times New Roman"/>
+        <a:font script="Uigh" typeface="Microsoft Uighur"/>
+        <a:font script="Geor" typeface="Sylfaen"/>
+      </a:majorFont>
+      <a:minorFont>
+        <a:latin typeface="Calibri" panose="020F0502020204030204"/>
+        <a:ea typeface=""/>
+        <a:cs typeface=""/>
+        <a:font script="Jpan" typeface="ＭＳ Ｐゴシック"/>
+        <a:font script="Hang" typeface="맑은 고딕"/>
+        <a:font script="Hans" typeface="宋体"/>
+        <a:font script="Hant" typeface="新細明體"/>
+        <a:font script="Arab" typeface="Arial"/>
+        <a:font script="Hebr" typeface="Arial"/>
+        <a:font script="Thai" typeface="Cordia New"/>
+        <a:font script="Ethi" typeface="Nyala"/>
+        <a:font script="Beng" typeface="Vrinda"/>
+        <a:font script="Gujr" typeface="Shruti"/>
+        <a:font script="Khmr" typeface="DaunPenh"/>
+        <a:font script="Knda" typeface="Tunga"/>
+        <a:font script="Guru" typeface="Raavi"/>
+        <a:font script="Cans" typeface="Euphemia"/>
+        <a:font script="Cher" typeface="Plantagenet Cherokee"/>
+        <a:font script="Yiii" typeface="Microsoft Yi Baiti"/>
+        <a:font script="Tibt" typeface="Microsoft Himalaya"/>
+        <a:font script="Thaa" typeface="MV Boli"/>
+        <a:font script="Deva" typeface="Mangal"/>
+        <a:font script="Telu" typeface="Gautami"/>
+        <a:font script="Taml" typeface="Latha"/>
+        <a:font script="Syrc" typeface="Estrangelo Edessa"/>
+        <a:font script="Orya" typeface="Kalinga"/>
+        <a:font script="Mlym" typeface="Kartika"/>
+        <a:font script="Laoo" typeface="DokChampa"/>
+        <a:font script="Sinh" typeface="Iskoola Pota"/>
+        <a:font script="Mong" typeface="Mongolian Baiti"/>
+        <a:font script="Viet" typeface="Arial"/>
+        <a:font script="Uigh" typeface="Microsoft Uighur"/>
+        <a:font script="Geor" typeface="Sylfaen"/>
+      </a:minorFont>
+    </a:fontScheme>
+    <a:fmtScheme name="Office">
+      <a:fillStyleLst>
+        <a:solidFill>
+          <a:schemeClr val="phClr"/>
+        </a:solidFill>
+        <a:gradFill rotWithShape="1">
+          <a:gsLst>
+            <a:gs pos="0">
+              <a:schemeClr val="phClr">
+                <a:lumMod val="110000"/>
+                <a:satMod val="105000"/>
+                <a:tint val="67000"/>
+              </a:schemeClr>
+            </a:gs>
+            <a:gs pos="50000">
+              <a:schemeClr val="phClr">
+                <a:lumMod val="105000"/>
+                <a:satMod val="103000"/>
+                <a:tint val="73000"/>
+              </a:schemeClr>
+            </a:gs>
+            <a:gs pos="100000">
+              <a:schemeClr val="phClr">
+                <a:lumMod val="105000"/>
+                <a:satMod val="109000"/>
+                <a:tint val="81000"/>
+              </a:schemeClr>
+            </a:gs>
+          </a:gsLst>
+          <a:lin ang="5400000" scaled="0"/>
+        </a:gradFill>
+        <a:gradFill rotWithShape="1">
+          <a:gsLst>
+            <a:gs pos="0">
+              <a:schemeClr val="phClr">
+                <a:satMod val="103000"/>
+                <a:lumMod val="102000"/>
+                <a:tint val="94000"/>
+              </a:schemeClr>
+            </a:gs>
+            <a:gs pos="50000">
+              <a:schemeClr val="phClr">
+                <a:satMod val="110000"/>
+                <a:lumMod val="100000"/>
+                <a:shade val="100000"/>
+              </a:schemeClr>
+            </a:gs>
+            <a:gs pos="100000">
+              <a:schemeClr val="phClr">
+                <a:lumMod val="99000"/>
+                <a:satMod val="120000"/>
+                <a:shade val="78000"/>
+              </a:schemeClr>
+            </a:gs>
+          </a:gsLst>
+          <a:lin ang="5400000" scaled="0"/>
+        </a:gradFill>
+      </a:fillStyleLst>
+      <a:lnStyleLst>
+        <a:ln w="6350" cap="flat" cmpd="sng" algn="ctr">
+          <a:solidFill>
+            <a:schemeClr val="phClr"/>
+          </a:solidFill>
+          <a:prstDash val="solid"/>
+          <a:miter lim="800000"/>
+        </a:ln>
+        <a:ln w="12700" cap="flat" cmpd="sng" algn="ctr">
+          <a:solidFill>
+            <a:schemeClr val="phClr"/>
+          </a:solidFill>
+          <a:prstDash val="solid"/>
+          <a:miter lim="800000"/>
+        </a:ln>
+        <a:ln w="19050" cap="flat" cmpd="sng" algn="ctr">
+          <a:solidFill>
+            <a:schemeClr val="phClr"/>
+          </a:solidFill>
+          <a:prstDash val="solid"/>
+          <a:miter lim="800000"/>
+        </a:ln>
+      </a:lnStyleLst>
+      <a:effectStyleLst>
+        <a:effectStyle>
+          <a:effectLst/>
+        </a:effectStyle>
+        <a:effectStyle>
+          <a:effectLst/>
+        </a:effectStyle>
+        <a:effectStyle>
+          <a:effectLst>
+            <a:outerShdw blurRad="57150" dist="19050" dir="5400000" algn="ctr" rotWithShape="0">
+              <a:srgbClr val="000000">
+                <a:alpha val="63000"/>
+              </a:srgbClr>
+            </a:outerShdw>
+          </a:effectLst>
+        </a:effectStyle>
+      </a:effectStyleLst>
+      <a:bgFillStyleLst>
+        <a:solidFill>
+          <a:schemeClr val="phClr"/>
+        </a:solidFill>
+        <a:solidFill>
+          <a:schemeClr val="phClr">
+            <a:tint val="95000"/>
+            <a:satMod val="170000"/>
+          </a:schemeClr>
+        </a:solidFill>
+        <a:gradFill rotWithShape="1">
+          <a:gsLst>
+            <a:gs pos="0">
+              <a:schemeClr val="phClr">
+                <a:tint val="93000"/>
+                <a:satMod val="150000"/>
+                <a:shade val="98000"/>
+                <a:lumMod val="102000"/>
+              </a:schemeClr>
+            </a:gs>
+            <a:gs pos="50000">
+              <a:schemeClr val="phClr">
+                <a:tint val="98000"/>
+                <a:satMod val="130000"/>
+                <a:shade val="90000"/>
+                <a:lumMod val="103000"/>
+              </a:schemeClr>
+            </a:gs>
+            <a:gs pos="100000">
+              <a:schemeClr val="phClr">
+                <a:shade val="63000"/>
+                <a:satMod val="120000"/>
+              </a:schemeClr>
+            </a:gs>
+          </a:gsLst>
+          <a:lin ang="5400000" scaled="0"/>
+        </a:gradFill>
+      </a:bgFillStyleLst>
+    </a:fmtScheme>
+  </a:themeElements>
+  <a:objectDefaults/>
+  <a:extraClrSchemeLst/>
+  <a:extLst>
+    <a:ext uri="{05A4C25C-085E-4340-85A3-A5531E510DB2}">
+      <thm15:themeFamily xmlns:thm15="http://schemas.microsoft.com/office/thememl/2012/main" name="Office Theme" id="{62F939B6-93AF-4DB8-9C6B-D6C7DFDC589F}" vid="{4A3C46E8-61CC-4603-A589-7422A47A8E4A}"/>
+    </a:ext>
+  </a:extLst>
+</a:theme>
 </file>
--- a/docs/images/UiComponent.pptx
+++ b/docs/images/UiComponent.pptx
@@ -214,7 +214,7 @@
           <a:p>
             <a:fld id="{DAE90588-295F-46D9-AA84-06B159A30412}" type="datetimeFigureOut">
               <a:rPr lang="en-AU" smtClean="0"/>
-              <a:t>31/01/2017</a:t>
+              <a:t>17/09/2018</a:t>
             </a:fld>
             <a:endParaRPr lang="en-AU"/>
           </a:p>
@@ -379,7 +379,7 @@
           <a:p>
             <a:fld id="{DC50A2AC-D691-437C-A69B-81ECFE08AD4B}" type="datetimeFigureOut">
               <a:rPr lang="en-SG" smtClean="0"/>
-              <a:t>31/1/2017</a:t>
+              <a:t>17/9/2018</a:t>
             </a:fld>
             <a:endParaRPr lang="en-SG"/>
           </a:p>
@@ -932,7 +932,7 @@
             <a:fld id="{1D8BD707-D9CF-40AE-B4C6-C98DA3205C09}" type="datetimeFigureOut">
               <a:rPr lang="en-US" smtClean="0"/>
               <a:pPr/>
-              <a:t>1/31/2017</a:t>
+              <a:t>9/17/2018</a:t>
             </a:fld>
             <a:endParaRPr lang="en-US"/>
           </a:p>
@@ -1139,7 +1139,7 @@
             <a:fld id="{1D8BD707-D9CF-40AE-B4C6-C98DA3205C09}" type="datetimeFigureOut">
               <a:rPr lang="en-US" smtClean="0"/>
               <a:pPr/>
-              <a:t>1/31/2017</a:t>
+              <a:t>9/17/2018</a:t>
             </a:fld>
             <a:endParaRPr lang="en-US"/>
           </a:p>
@@ -1346,7 +1346,7 @@
             <a:fld id="{1D8BD707-D9CF-40AE-B4C6-C98DA3205C09}" type="datetimeFigureOut">
               <a:rPr lang="en-US" smtClean="0"/>
               <a:pPr/>
-              <a:t>1/31/2017</a:t>
+              <a:t>9/17/2018</a:t>
             </a:fld>
             <a:endParaRPr lang="en-US"/>
           </a:p>
@@ -1553,7 +1553,7 @@
             <a:fld id="{1D8BD707-D9CF-40AE-B4C6-C98DA3205C09}" type="datetimeFigureOut">
               <a:rPr lang="en-US" smtClean="0"/>
               <a:pPr/>
-              <a:t>1/31/2017</a:t>
+              <a:t>9/17/2018</a:t>
             </a:fld>
             <a:endParaRPr lang="en-US"/>
           </a:p>
@@ -1826,7 +1826,7 @@
             <a:fld id="{1D8BD707-D9CF-40AE-B4C6-C98DA3205C09}" type="datetimeFigureOut">
               <a:rPr lang="en-US" smtClean="0"/>
               <a:pPr/>
-              <a:t>1/31/2017</a:t>
+              <a:t>9/17/2018</a:t>
             </a:fld>
             <a:endParaRPr lang="en-US"/>
           </a:p>
@@ -2149,7 +2149,7 @@
             <a:fld id="{1D8BD707-D9CF-40AE-B4C6-C98DA3205C09}" type="datetimeFigureOut">
               <a:rPr lang="en-US" smtClean="0"/>
               <a:pPr/>
-              <a:t>1/31/2017</a:t>
+              <a:t>9/17/2018</a:t>
             </a:fld>
             <a:endParaRPr lang="en-US"/>
           </a:p>
@@ -2612,7 +2612,7 @@
             <a:fld id="{1D8BD707-D9CF-40AE-B4C6-C98DA3205C09}" type="datetimeFigureOut">
               <a:rPr lang="en-US" smtClean="0"/>
               <a:pPr/>
-              <a:t>1/31/2017</a:t>
+              <a:t>9/17/2018</a:t>
             </a:fld>
             <a:endParaRPr lang="en-US"/>
           </a:p>
@@ -2759,7 +2759,7 @@
             <a:fld id="{1D8BD707-D9CF-40AE-B4C6-C98DA3205C09}" type="datetimeFigureOut">
               <a:rPr lang="en-US" smtClean="0"/>
               <a:pPr/>
-              <a:t>1/31/2017</a:t>
+              <a:t>9/17/2018</a:t>
             </a:fld>
             <a:endParaRPr lang="en-US"/>
           </a:p>
@@ -2875,7 +2875,7 @@
             <a:fld id="{1D8BD707-D9CF-40AE-B4C6-C98DA3205C09}" type="datetimeFigureOut">
               <a:rPr lang="en-US" smtClean="0"/>
               <a:pPr/>
-              <a:t>1/31/2017</a:t>
+              <a:t>9/17/2018</a:t>
             </a:fld>
             <a:endParaRPr lang="en-US"/>
           </a:p>
@@ -3182,7 +3182,7 @@
             <a:fld id="{1D8BD707-D9CF-40AE-B4C6-C98DA3205C09}" type="datetimeFigureOut">
               <a:rPr lang="en-US" smtClean="0"/>
               <a:pPr/>
-              <a:t>1/31/2017</a:t>
+              <a:t>9/17/2018</a:t>
             </a:fld>
             <a:endParaRPr lang="en-US"/>
           </a:p>
@@ -3465,7 +3465,7 @@
             <a:fld id="{1D8BD707-D9CF-40AE-B4C6-C98DA3205C09}" type="datetimeFigureOut">
               <a:rPr lang="en-US" smtClean="0"/>
               <a:pPr/>
-              <a:t>1/31/2017</a:t>
+              <a:t>9/17/2018</a:t>
             </a:fld>
             <a:endParaRPr lang="en-US"/>
           </a:p>
@@ -3773,7 +3773,7 @@
         <p:grpSpPr>
           <a:xfrm>
             <a:off x="1504438" y="5075237"/>
-            <a:ext cx="4281095" cy="2209800"/>
+            <a:ext cx="7941631" cy="2209800"/>
             <a:chOff x="-6244711" y="1678727"/>
             <a:chExt cx="7387711" cy="2677315"/>
           </a:xfrm>
@@ -3789,8 +3789,8 @@
           </p:nvSpPr>
           <p:spPr>
             <a:xfrm>
-              <a:off x="-6244711" y="1853192"/>
-              <a:ext cx="7387711" cy="2502850"/>
+              <a:off x="-6244711" y="1945511"/>
+              <a:ext cx="7387711" cy="2410531"/>
             </a:xfrm>
             <a:prstGeom prst="rect">
               <a:avLst/>
@@ -3863,8 +3863,8 @@
           </p:nvSpPr>
           <p:spPr>
             <a:xfrm>
-              <a:off x="-754876" y="1678727"/>
-              <a:ext cx="1897875" cy="174465"/>
+              <a:off x="-84704" y="1678727"/>
+              <a:ext cx="1227704" cy="252114"/>
             </a:xfrm>
             <a:prstGeom prst="rect">
               <a:avLst/>
@@ -4122,308 +4122,6 @@
               <a:avLst/>
             </a:prstGeom>
             <a:grpFill/>
-            <a:ln>
-              <a:solidFill>
-                <a:schemeClr val="accent1">
-                  <a:lumMod val="75000"/>
-                </a:schemeClr>
-              </a:solidFill>
-            </a:ln>
-          </p:spPr>
-          <p:style>
-            <a:lnRef idx="2">
-              <a:schemeClr val="accent1">
-                <a:shade val="50000"/>
-              </a:schemeClr>
-            </a:lnRef>
-            <a:fillRef idx="1">
-              <a:schemeClr val="accent1"/>
-            </a:fillRef>
-            <a:effectRef idx="0">
-              <a:schemeClr val="accent1"/>
-            </a:effectRef>
-            <a:fontRef idx="minor">
-              <a:schemeClr val="lt1"/>
-            </a:fontRef>
-          </p:style>
-          <p:txBody>
-            <a:bodyPr rtlCol="0" anchor="t" anchorCtr="0"/>
-            <a:lstStyle/>
-            <a:p>
-              <a:endParaRPr lang="en-SG" sz="1400" b="1">
-                <a:solidFill>
-                  <a:schemeClr val="accent1">
-                    <a:lumMod val="75000"/>
-                  </a:schemeClr>
-                </a:solidFill>
-              </a:endParaRPr>
-            </a:p>
-          </p:txBody>
-        </p:sp>
-      </p:grpSp>
-      <p:grpSp>
-        <p:nvGrpSpPr>
-          <p:cNvPr id="2" name="Group 1"/>
-          <p:cNvGrpSpPr/>
-          <p:nvPr userDrawn="1"/>
-        </p:nvGrpSpPr>
-        <p:grpSpPr>
-          <a:xfrm>
-            <a:off x="5928704" y="5075237"/>
-            <a:ext cx="3544192" cy="1066800"/>
-            <a:chOff x="5576821" y="5075237"/>
-            <a:chExt cx="3480396" cy="1066800"/>
-          </a:xfrm>
-        </p:grpSpPr>
-        <p:sp>
-          <p:nvSpPr>
-            <p:cNvPr id="22" name="Rectangle 21"/>
-            <p:cNvSpPr/>
-            <p:nvPr/>
-          </p:nvSpPr>
-          <p:spPr>
-            <a:xfrm>
-              <a:off x="5576821" y="5075237"/>
-              <a:ext cx="3316931" cy="1066800"/>
-            </a:xfrm>
-            <a:prstGeom prst="rect">
-              <a:avLst/>
-            </a:prstGeom>
-            <a:solidFill>
-              <a:schemeClr val="bg1"/>
-            </a:solidFill>
-            <a:ln>
-              <a:solidFill>
-                <a:schemeClr val="accent1">
-                  <a:lumMod val="75000"/>
-                </a:schemeClr>
-              </a:solidFill>
-            </a:ln>
-          </p:spPr>
-          <p:style>
-            <a:lnRef idx="2">
-              <a:schemeClr val="accent1">
-                <a:shade val="50000"/>
-              </a:schemeClr>
-            </a:lnRef>
-            <a:fillRef idx="1">
-              <a:schemeClr val="accent1"/>
-            </a:fillRef>
-            <a:effectRef idx="0">
-              <a:schemeClr val="accent1"/>
-            </a:effectRef>
-            <a:fontRef idx="minor">
-              <a:schemeClr val="lt1"/>
-            </a:fontRef>
-          </p:style>
-          <p:txBody>
-            <a:bodyPr rtlCol="0" anchor="t" anchorCtr="0"/>
-            <a:lstStyle/>
-            <a:p>
-              <a:pPr algn="r"/>
-              <a:r>
-                <a:rPr lang="en-US" sz="1400" b="1" dirty="0" err="1" smtClean="0">
-                  <a:solidFill>
-                    <a:schemeClr val="accent1">
-                      <a:lumMod val="75000"/>
-                    </a:schemeClr>
-                  </a:solidFill>
-                </a:rPr>
-                <a:t>ui</a:t>
-              </a:r>
-              <a:r>
-                <a:rPr lang="en-US" sz="1400" b="1" dirty="0" smtClean="0">
-                  <a:solidFill>
-                    <a:schemeClr val="accent1">
-                      <a:lumMod val="75000"/>
-                    </a:schemeClr>
-                  </a:solidFill>
-                </a:rPr>
-                <a:t>::</a:t>
-              </a:r>
-              <a:r>
-                <a:rPr lang="en-US" sz="1400" b="1" dirty="0" err="1" smtClean="0">
-                  <a:solidFill>
-                    <a:schemeClr val="accent1">
-                      <a:lumMod val="75000"/>
-                    </a:schemeClr>
-                  </a:solidFill>
-                </a:rPr>
-                <a:t>pagedata</a:t>
-              </a:r>
-              <a:endParaRPr lang="en-SG" sz="1400" b="1" dirty="0">
-                <a:solidFill>
-                  <a:schemeClr val="accent1">
-                    <a:lumMod val="75000"/>
-                  </a:schemeClr>
-                </a:solidFill>
-              </a:endParaRPr>
-            </a:p>
-          </p:txBody>
-        </p:sp>
-        <p:sp>
-          <p:nvSpPr>
-            <p:cNvPr id="25" name="Rectangle 24"/>
-            <p:cNvSpPr/>
-            <p:nvPr userDrawn="1"/>
-          </p:nvSpPr>
-          <p:spPr>
-            <a:xfrm>
-              <a:off x="8902345" y="5075237"/>
-              <a:ext cx="154872" cy="792000"/>
-            </a:xfrm>
-            <a:prstGeom prst="rect">
-              <a:avLst/>
-            </a:prstGeom>
-            <a:solidFill>
-              <a:schemeClr val="bg1"/>
-            </a:solidFill>
-            <a:ln>
-              <a:solidFill>
-                <a:schemeClr val="accent1">
-                  <a:lumMod val="75000"/>
-                </a:schemeClr>
-              </a:solidFill>
-            </a:ln>
-          </p:spPr>
-          <p:style>
-            <a:lnRef idx="2">
-              <a:schemeClr val="accent1">
-                <a:shade val="50000"/>
-              </a:schemeClr>
-            </a:lnRef>
-            <a:fillRef idx="1">
-              <a:schemeClr val="accent1"/>
-            </a:fillRef>
-            <a:effectRef idx="0">
-              <a:schemeClr val="accent1"/>
-            </a:effectRef>
-            <a:fontRef idx="minor">
-              <a:schemeClr val="lt1"/>
-            </a:fontRef>
-          </p:style>
-          <p:txBody>
-            <a:bodyPr rtlCol="0" anchor="t" anchorCtr="0"/>
-            <a:lstStyle/>
-            <a:p>
-              <a:endParaRPr lang="en-SG" sz="1400" b="1">
-                <a:solidFill>
-                  <a:schemeClr val="accent1">
-                    <a:lumMod val="75000"/>
-                  </a:schemeClr>
-                </a:solidFill>
-              </a:endParaRPr>
-            </a:p>
-          </p:txBody>
-        </p:sp>
-      </p:grpSp>
-      <p:grpSp>
-        <p:nvGrpSpPr>
-          <p:cNvPr id="3" name="Group 2"/>
-          <p:cNvGrpSpPr/>
-          <p:nvPr userDrawn="1"/>
-        </p:nvGrpSpPr>
-        <p:grpSpPr>
-          <a:xfrm>
-            <a:off x="5928843" y="6238070"/>
-            <a:ext cx="3542435" cy="1066800"/>
-            <a:chOff x="5667105" y="6238070"/>
-            <a:chExt cx="3478669" cy="1066800"/>
-          </a:xfrm>
-        </p:grpSpPr>
-        <p:sp>
-          <p:nvSpPr>
-            <p:cNvPr id="24" name="Rectangle 23"/>
-            <p:cNvSpPr/>
-            <p:nvPr userDrawn="1"/>
-          </p:nvSpPr>
-          <p:spPr>
-            <a:xfrm>
-              <a:off x="5667105" y="6238070"/>
-              <a:ext cx="3316931" cy="1066800"/>
-            </a:xfrm>
-            <a:prstGeom prst="rect">
-              <a:avLst/>
-            </a:prstGeom>
-            <a:solidFill>
-              <a:schemeClr val="bg1"/>
-            </a:solidFill>
-            <a:ln>
-              <a:solidFill>
-                <a:schemeClr val="accent1">
-                  <a:lumMod val="75000"/>
-                </a:schemeClr>
-              </a:solidFill>
-            </a:ln>
-          </p:spPr>
-          <p:style>
-            <a:lnRef idx="2">
-              <a:schemeClr val="accent1">
-                <a:shade val="50000"/>
-              </a:schemeClr>
-            </a:lnRef>
-            <a:fillRef idx="1">
-              <a:schemeClr val="accent1"/>
-            </a:fillRef>
-            <a:effectRef idx="0">
-              <a:schemeClr val="accent1"/>
-            </a:effectRef>
-            <a:fontRef idx="minor">
-              <a:schemeClr val="lt1"/>
-            </a:fontRef>
-          </p:style>
-          <p:txBody>
-            <a:bodyPr rtlCol="0" anchor="t" anchorCtr="0"/>
-            <a:lstStyle/>
-            <a:p>
-              <a:pPr algn="r"/>
-              <a:r>
-                <a:rPr lang="en-US" sz="1400" b="1" dirty="0" err="1" smtClean="0">
-                  <a:solidFill>
-                    <a:schemeClr val="accent1">
-                      <a:lumMod val="75000"/>
-                    </a:schemeClr>
-                  </a:solidFill>
-                </a:rPr>
-                <a:t>ui</a:t>
-              </a:r>
-              <a:r>
-                <a:rPr lang="en-US" sz="1400" b="1" dirty="0" smtClean="0">
-                  <a:solidFill>
-                    <a:schemeClr val="accent1">
-                      <a:lumMod val="75000"/>
-                    </a:schemeClr>
-                  </a:solidFill>
-                </a:rPr>
-                <a:t>::template</a:t>
-              </a:r>
-              <a:endParaRPr lang="en-SG" sz="1400" b="1" dirty="0">
-                <a:solidFill>
-                  <a:schemeClr val="accent1">
-                    <a:lumMod val="75000"/>
-                  </a:schemeClr>
-                </a:solidFill>
-              </a:endParaRPr>
-            </a:p>
-          </p:txBody>
-        </p:sp>
-        <p:sp>
-          <p:nvSpPr>
-            <p:cNvPr id="26" name="Rectangle 25"/>
-            <p:cNvSpPr/>
-            <p:nvPr userDrawn="1"/>
-          </p:nvSpPr>
-          <p:spPr>
-            <a:xfrm>
-              <a:off x="8990902" y="6238070"/>
-              <a:ext cx="154872" cy="792000"/>
-            </a:xfrm>
-            <a:prstGeom prst="rect">
-              <a:avLst/>
-            </a:prstGeom>
-            <a:solidFill>
-              <a:schemeClr val="bg1"/>
-            </a:solidFill>
             <a:ln>
               <a:solidFill>
                 <a:schemeClr val="accent1">
@@ -4862,6 +4560,12 @@
           <a:prstGeom prst="rect">
             <a:avLst/>
           </a:prstGeom>
+          <a:solidFill>
+            <a:schemeClr val="tx2">
+              <a:lumMod val="60000"/>
+              <a:lumOff val="40000"/>
+            </a:schemeClr>
+          </a:solidFill>
         </p:spPr>
         <p:style>
           <a:lnRef idx="2">
@@ -5374,6 +5078,12 @@
           <a:prstGeom prst="rect">
             <a:avLst/>
           </a:prstGeom>
+          <a:solidFill>
+            <a:schemeClr val="tx2">
+              <a:lumMod val="60000"/>
+              <a:lumOff val="40000"/>
+            </a:schemeClr>
+          </a:solidFill>
         </p:spPr>
         <p:style>
           <a:lnRef idx="2">
@@ -5397,8 +5107,8 @@
           <a:p>
             <a:pPr algn="ctr"/>
             <a:r>
-              <a:rPr lang="en-US" sz="1600" b="1" dirty="0" err="1"/>
-              <a:t>ControllerServlet</a:t>
+              <a:rPr lang="en-US" sz="1600" b="1" dirty="0" err="1" smtClean="0"/>
+              <a:t>WebApiServlet</a:t>
             </a:r>
             <a:endParaRPr lang="en-SG" sz="1600" b="1" dirty="0"/>
           </a:p>
@@ -5412,11 +5122,17 @@
         </p:nvGrpSpPr>
         <p:grpSpPr>
           <a:xfrm>
-            <a:off x="1763399" y="3627437"/>
+            <a:off x="1714500" y="4160837"/>
             <a:ext cx="1551301" cy="531646"/>
             <a:chOff x="1535112" y="3948357"/>
             <a:chExt cx="1551301" cy="531646"/>
           </a:xfrm>
+          <a:solidFill>
+            <a:schemeClr val="tx2">
+              <a:lumMod val="60000"/>
+              <a:lumOff val="40000"/>
+            </a:schemeClr>
+          </a:solidFill>
         </p:grpSpPr>
         <p:sp>
           <p:nvSpPr>
@@ -5432,6 +5148,14 @@
             <a:prstGeom prst="rect">
               <a:avLst/>
             </a:prstGeom>
+            <a:grpFill/>
+            <a:ln>
+              <a:solidFill>
+                <a:schemeClr val="tx2">
+                  <a:lumMod val="75000"/>
+                </a:schemeClr>
+              </a:solidFill>
+            </a:ln>
           </p:spPr>
           <p:style>
             <a:lnRef idx="2">
@@ -5472,6 +5196,14 @@
             <a:prstGeom prst="rect">
               <a:avLst/>
             </a:prstGeom>
+            <a:grpFill/>
+            <a:ln>
+              <a:solidFill>
+                <a:schemeClr val="tx2">
+                  <a:lumMod val="75000"/>
+                </a:schemeClr>
+              </a:solidFill>
+            </a:ln>
           </p:spPr>
           <p:style>
             <a:lnRef idx="2">
@@ -5512,6 +5244,14 @@
             <a:prstGeom prst="rect">
               <a:avLst/>
             </a:prstGeom>
+            <a:grpFill/>
+            <a:ln>
+              <a:solidFill>
+                <a:schemeClr val="tx2">
+                  <a:lumMod val="75000"/>
+                </a:schemeClr>
+              </a:solidFill>
+            </a:ln>
           </p:spPr>
           <p:style>
             <a:lnRef idx="2">
@@ -5595,18 +5335,23 @@
         </p:nvSpPr>
         <p:spPr>
           <a:xfrm>
-            <a:off x="5303929" y="3079573"/>
+            <a:off x="5295900" y="3079573"/>
             <a:ext cx="2163078" cy="360000"/>
           </a:xfrm>
           <a:prstGeom prst="rect">
             <a:avLst/>
           </a:prstGeom>
           <a:solidFill>
-            <a:srgbClr val="92D050"/>
+            <a:schemeClr val="accent3">
+              <a:lumMod val="60000"/>
+              <a:lumOff val="40000"/>
+            </a:schemeClr>
           </a:solidFill>
           <a:ln>
             <a:solidFill>
-              <a:srgbClr val="00B050"/>
+              <a:schemeClr val="accent3">
+                <a:lumMod val="75000"/>
+              </a:schemeClr>
             </a:solidFill>
           </a:ln>
         </p:spPr>
@@ -5654,11 +5399,16 @@
             <a:avLst/>
           </a:prstGeom>
           <a:solidFill>
-            <a:srgbClr val="92D050"/>
+            <a:schemeClr val="accent3">
+              <a:lumMod val="60000"/>
+              <a:lumOff val="40000"/>
+            </a:schemeClr>
           </a:solidFill>
           <a:ln>
             <a:solidFill>
-              <a:srgbClr val="00B050"/>
+              <a:schemeClr val="accent3">
+                <a:lumMod val="75000"/>
+              </a:schemeClr>
             </a:solidFill>
           </a:ln>
         </p:spPr>
@@ -5684,8 +5434,8 @@
           <a:p>
             <a:pPr algn="ctr"/>
             <a:r>
-              <a:rPr lang="en-US" sz="1600" b="1" dirty="0" err="1"/>
-              <a:t>ShowPageResult</a:t>
+              <a:rPr lang="en-US" sz="1600" b="1" dirty="0" err="1" smtClean="0"/>
+              <a:t>FileDownloadResult</a:t>
             </a:r>
             <a:endParaRPr lang="en-SG" sz="1600" b="1" dirty="0"/>
           </a:p>
@@ -5699,18 +5449,23 @@
         </p:nvSpPr>
         <p:spPr>
           <a:xfrm>
-            <a:off x="6412807" y="3449397"/>
+            <a:off x="6832500" y="3449397"/>
             <a:ext cx="216000" cy="216000"/>
           </a:xfrm>
           <a:prstGeom prst="triangle">
             <a:avLst/>
           </a:prstGeom>
           <a:solidFill>
-            <a:srgbClr val="92D050"/>
+            <a:schemeClr val="accent3">
+              <a:lumMod val="60000"/>
+              <a:lumOff val="40000"/>
+            </a:schemeClr>
           </a:solidFill>
           <a:ln>
             <a:solidFill>
-              <a:srgbClr val="00B050"/>
+              <a:schemeClr val="accent3">
+                <a:lumMod val="75000"/>
+              </a:schemeClr>
             </a:solidFill>
           </a:ln>
         </p:spPr>
@@ -5750,8 +5505,8 @@
         </p:nvCxnSpPr>
         <p:spPr>
           <a:xfrm rot="16200000" flipH="1">
-            <a:off x="6464200" y="3722004"/>
-            <a:ext cx="830814" cy="717600"/>
+            <a:off x="6674046" y="3931850"/>
+            <a:ext cx="830814" cy="297907"/>
           </a:xfrm>
           <a:prstGeom prst="bentConnector2">
             <a:avLst/>
@@ -5761,7 +5516,9 @@
           </a:solidFill>
           <a:ln>
             <a:solidFill>
-              <a:srgbClr val="00B050"/>
+              <a:schemeClr val="accent3">
+                <a:lumMod val="75000"/>
+              </a:schemeClr>
             </a:solidFill>
           </a:ln>
         </p:spPr>
@@ -5797,11 +5554,16 @@
             <a:avLst/>
           </a:prstGeom>
           <a:solidFill>
-            <a:srgbClr val="92D050"/>
+            <a:schemeClr val="accent3">
+              <a:lumMod val="60000"/>
+              <a:lumOff val="40000"/>
+            </a:schemeClr>
           </a:solidFill>
           <a:ln>
             <a:solidFill>
-              <a:srgbClr val="00B050"/>
+              <a:schemeClr val="accent3">
+                <a:lumMod val="75000"/>
+              </a:schemeClr>
             </a:solidFill>
           </a:ln>
         </p:spPr>
@@ -5845,8 +5607,8 @@
         </p:nvCxnSpPr>
         <p:spPr>
           <a:xfrm rot="16200000" flipH="1">
-            <a:off x="6731911" y="3454293"/>
-            <a:ext cx="287722" cy="709930"/>
+            <a:off x="6941757" y="3664139"/>
+            <a:ext cx="287722" cy="290237"/>
           </a:xfrm>
           <a:prstGeom prst="bentConnector2">
             <a:avLst/>
@@ -5856,7 +5618,9 @@
           </a:solidFill>
           <a:ln>
             <a:solidFill>
-              <a:srgbClr val="00B050"/>
+              <a:schemeClr val="accent3">
+                <a:lumMod val="75000"/>
+              </a:schemeClr>
             </a:solidFill>
           </a:ln>
         </p:spPr>
@@ -6303,8 +6067,8 @@
         </p:nvCxnSpPr>
         <p:spPr>
           <a:xfrm rot="16200000" flipH="1">
-            <a:off x="3840895" y="1796539"/>
-            <a:ext cx="412162" cy="2513906"/>
+            <a:off x="3836880" y="1800553"/>
+            <a:ext cx="412162" cy="2505877"/>
           </a:xfrm>
           <a:prstGeom prst="bentConnector2">
             <a:avLst/>
@@ -6388,8 +6152,8 @@
         </p:nvCxnSpPr>
         <p:spPr>
           <a:xfrm rot="5400000">
-            <a:off x="7518603" y="2790969"/>
-            <a:ext cx="417008" cy="520200"/>
+            <a:off x="7514589" y="2786955"/>
+            <a:ext cx="417008" cy="528229"/>
           </a:xfrm>
           <a:prstGeom prst="bentConnector2">
             <a:avLst/>
@@ -6553,18 +6317,23 @@
         </p:nvSpPr>
         <p:spPr>
           <a:xfrm>
-            <a:off x="3746839" y="4317601"/>
-            <a:ext cx="1980000" cy="360000"/>
+            <a:off x="5225849" y="4317601"/>
+            <a:ext cx="1517851" cy="358610"/>
           </a:xfrm>
           <a:prstGeom prst="rect">
             <a:avLst/>
           </a:prstGeom>
           <a:solidFill>
-            <a:srgbClr val="92D050"/>
+            <a:schemeClr val="accent3">
+              <a:lumMod val="60000"/>
+              <a:lumOff val="40000"/>
+            </a:schemeClr>
           </a:solidFill>
           <a:ln>
             <a:solidFill>
-              <a:srgbClr val="00B050"/>
+              <a:schemeClr val="accent3">
+                <a:lumMod val="75000"/>
+              </a:schemeClr>
             </a:solidFill>
           </a:ln>
         </p:spPr>
@@ -6590,8 +6359,8 @@
           <a:p>
             <a:pPr algn="ctr"/>
             <a:r>
-              <a:rPr lang="en-US" sz="1600" b="1" dirty="0" err="1"/>
-              <a:t>AjaxResult</a:t>
+              <a:rPr lang="en-US" sz="1600" b="1" dirty="0" err="1" smtClean="0"/>
+              <a:t>ImageResult</a:t>
             </a:r>
             <a:endParaRPr lang="en-SG" sz="1600" b="1" dirty="0"/>
           </a:p>
@@ -6605,18 +6374,23 @@
         </p:nvSpPr>
         <p:spPr>
           <a:xfrm>
-            <a:off x="3739169" y="3774509"/>
-            <a:ext cx="1980000" cy="360000"/>
+            <a:off x="5218179" y="3774509"/>
+            <a:ext cx="1517851" cy="358610"/>
           </a:xfrm>
           <a:prstGeom prst="rect">
             <a:avLst/>
           </a:prstGeom>
           <a:solidFill>
-            <a:srgbClr val="92D050"/>
+            <a:schemeClr val="accent3">
+              <a:lumMod val="60000"/>
+              <a:lumOff val="40000"/>
+            </a:schemeClr>
           </a:solidFill>
           <a:ln>
             <a:solidFill>
-              <a:srgbClr val="00B050"/>
+              <a:schemeClr val="accent3">
+                <a:lumMod val="75000"/>
+              </a:schemeClr>
             </a:solidFill>
           </a:ln>
         </p:spPr>
@@ -6642,8 +6416,8 @@
           <a:p>
             <a:pPr algn="ctr"/>
             <a:r>
-              <a:rPr lang="en-US" sz="1600" b="1" dirty="0" err="1"/>
-              <a:t>RedirectResult</a:t>
+              <a:rPr lang="en-US" sz="1600" b="1" dirty="0" err="1" smtClean="0"/>
+              <a:t>JsonResult</a:t>
             </a:r>
             <a:endParaRPr lang="en-SG" sz="1600" b="1" dirty="0"/>
           </a:p>
@@ -6660,8 +6434,8 @@
         </p:nvCxnSpPr>
         <p:spPr>
           <a:xfrm rot="5400000">
-            <a:off x="5975432" y="3409134"/>
-            <a:ext cx="289112" cy="801638"/>
+            <a:off x="6694057" y="3707370"/>
+            <a:ext cx="288417" cy="204470"/>
           </a:xfrm>
           <a:prstGeom prst="bentConnector2">
             <a:avLst/>
@@ -6671,7 +6445,9 @@
           </a:solidFill>
           <a:ln>
             <a:solidFill>
-              <a:srgbClr val="00B050"/>
+              <a:schemeClr val="accent3">
+                <a:lumMod val="75000"/>
+              </a:schemeClr>
             </a:solidFill>
           </a:ln>
         </p:spPr>
@@ -6703,8 +6479,8 @@
         </p:nvCxnSpPr>
         <p:spPr>
           <a:xfrm rot="5400000">
-            <a:off x="5707721" y="3684515"/>
-            <a:ext cx="832204" cy="793968"/>
+            <a:off x="6426346" y="3982751"/>
+            <a:ext cx="831509" cy="196800"/>
           </a:xfrm>
           <a:prstGeom prst="bentConnector2">
             <a:avLst/>
@@ -6714,7 +6490,9 @@
           </a:solidFill>
           <a:ln>
             <a:solidFill>
-              <a:srgbClr val="00B050"/>
+              <a:schemeClr val="accent3">
+                <a:lumMod val="75000"/>
+              </a:schemeClr>
             </a:solidFill>
           </a:ln>
         </p:spPr>
@@ -6735,718 +6513,6 @@
           </a:fontRef>
         </p:style>
       </p:cxnSp>
-      <p:sp>
-        <p:nvSpPr>
-          <p:cNvPr id="130" name="Diamond 129"/>
-          <p:cNvSpPr/>
-          <p:nvPr/>
-        </p:nvSpPr>
-        <p:spPr>
-          <a:xfrm>
-            <a:off x="8013007" y="4694812"/>
-            <a:ext cx="216000" cy="216000"/>
-          </a:xfrm>
-          <a:prstGeom prst="diamond">
-            <a:avLst/>
-          </a:prstGeom>
-          <a:solidFill>
-            <a:srgbClr val="92D050"/>
-          </a:solidFill>
-          <a:ln>
-            <a:solidFill>
-              <a:srgbClr val="00B050"/>
-            </a:solidFill>
-          </a:ln>
-        </p:spPr>
-        <p:style>
-          <a:lnRef idx="2">
-            <a:schemeClr val="accent6">
-              <a:shade val="50000"/>
-            </a:schemeClr>
-          </a:lnRef>
-          <a:fillRef idx="1">
-            <a:schemeClr val="accent6"/>
-          </a:fillRef>
-          <a:effectRef idx="0">
-            <a:schemeClr val="accent6"/>
-          </a:effectRef>
-          <a:fontRef idx="minor">
-            <a:schemeClr val="lt1"/>
-          </a:fontRef>
-        </p:style>
-        <p:txBody>
-          <a:bodyPr rtlCol="0" anchor="ctr"/>
-          <a:lstStyle/>
-          <a:p>
-            <a:pPr algn="ctr"/>
-            <a:endParaRPr lang="en-SG" sz="1600" b="1"/>
-          </a:p>
-        </p:txBody>
-      </p:sp>
-      <p:sp>
-        <p:nvSpPr>
-          <p:cNvPr id="131" name="Rectangle 130"/>
-          <p:cNvSpPr/>
-          <p:nvPr/>
-        </p:nvSpPr>
-        <p:spPr>
-          <a:xfrm>
-            <a:off x="6628807" y="5456237"/>
-            <a:ext cx="1980000" cy="360000"/>
-          </a:xfrm>
-          <a:prstGeom prst="rect">
-            <a:avLst/>
-          </a:prstGeom>
-          <a:ln/>
-        </p:spPr>
-        <p:style>
-          <a:lnRef idx="2">
-            <a:schemeClr val="accent4">
-              <a:shade val="50000"/>
-            </a:schemeClr>
-          </a:lnRef>
-          <a:fillRef idx="1">
-            <a:schemeClr val="accent4"/>
-          </a:fillRef>
-          <a:effectRef idx="0">
-            <a:schemeClr val="accent4"/>
-          </a:effectRef>
-          <a:fontRef idx="minor">
-            <a:schemeClr val="lt1"/>
-          </a:fontRef>
-        </p:style>
-        <p:txBody>
-          <a:bodyPr rtlCol="0" anchor="ctr"/>
-          <a:lstStyle/>
-          <a:p>
-            <a:pPr algn="ctr"/>
-            <a:r>
-              <a:rPr lang="en-US" sz="1600" b="1" dirty="0" err="1"/>
-              <a:t>PageData</a:t>
-            </a:r>
-            <a:endParaRPr lang="en-SG" sz="1600" b="1" dirty="0"/>
-          </a:p>
-        </p:txBody>
-      </p:sp>
-      <p:sp>
-        <p:nvSpPr>
-          <p:cNvPr id="132" name="Rectangle 131"/>
-          <p:cNvSpPr/>
-          <p:nvPr/>
-        </p:nvSpPr>
-        <p:spPr>
-          <a:xfrm>
-            <a:off x="6053406" y="6605015"/>
-            <a:ext cx="3140307" cy="603822"/>
-          </a:xfrm>
-          <a:prstGeom prst="rect">
-            <a:avLst/>
-          </a:prstGeom>
-          <a:ln/>
-        </p:spPr>
-        <p:style>
-          <a:lnRef idx="2">
-            <a:schemeClr val="accent4">
-              <a:shade val="50000"/>
-            </a:schemeClr>
-          </a:lnRef>
-          <a:fillRef idx="1">
-            <a:schemeClr val="accent4"/>
-          </a:fillRef>
-          <a:effectRef idx="0">
-            <a:schemeClr val="accent4"/>
-          </a:effectRef>
-          <a:fontRef idx="minor">
-            <a:schemeClr val="lt1"/>
-          </a:fontRef>
-        </p:style>
-        <p:txBody>
-          <a:bodyPr rtlCol="0" anchor="ctr"/>
-          <a:lstStyle/>
-          <a:p>
-            <a:pPr algn="ctr"/>
-            <a:r>
-              <a:rPr lang="en-US" sz="1600" b="1" dirty="0" smtClean="0"/>
-              <a:t>Page objects (panels, tables, rows, forms, etc.)</a:t>
-            </a:r>
-            <a:endParaRPr lang="en-SG" sz="1600" b="1" dirty="0"/>
-          </a:p>
-        </p:txBody>
-      </p:sp>
-      <p:cxnSp>
-        <p:nvCxnSpPr>
-          <p:cNvPr id="133" name="Elbow Connector 132"/>
-          <p:cNvCxnSpPr>
-            <a:stCxn id="130" idx="1"/>
-          </p:cNvCxnSpPr>
-          <p:nvPr/>
-        </p:nvCxnSpPr>
-        <p:spPr>
-          <a:xfrm rot="10800000" flipV="1">
-            <a:off x="7618809" y="4802811"/>
-            <a:ext cx="394199" cy="653425"/>
-          </a:xfrm>
-          <a:prstGeom prst="bentConnector2">
-            <a:avLst/>
-          </a:prstGeom>
-          <a:solidFill>
-            <a:srgbClr val="92D050"/>
-          </a:solidFill>
-          <a:ln>
-            <a:solidFill>
-              <a:srgbClr val="00B050"/>
-            </a:solidFill>
-          </a:ln>
-        </p:spPr>
-        <p:style>
-          <a:lnRef idx="2">
-            <a:schemeClr val="accent6">
-              <a:shade val="50000"/>
-            </a:schemeClr>
-          </a:lnRef>
-          <a:fillRef idx="1">
-            <a:schemeClr val="accent6"/>
-          </a:fillRef>
-          <a:effectRef idx="0">
-            <a:schemeClr val="accent6"/>
-          </a:effectRef>
-          <a:fontRef idx="minor">
-            <a:schemeClr val="lt1"/>
-          </a:fontRef>
-        </p:style>
-      </p:cxnSp>
-      <p:cxnSp>
-        <p:nvCxnSpPr>
-          <p:cNvPr id="134" name="Elbow Connector 133"/>
-          <p:cNvCxnSpPr>
-            <a:stCxn id="135" idx="2"/>
-            <a:endCxn id="132" idx="0"/>
-          </p:cNvCxnSpPr>
-          <p:nvPr/>
-        </p:nvCxnSpPr>
-        <p:spPr>
-          <a:xfrm rot="16200000" flipH="1">
-            <a:off x="7336082" y="6321989"/>
-            <a:ext cx="566050" cy="0"/>
-          </a:xfrm>
-          <a:prstGeom prst="bentConnector3">
-            <a:avLst>
-              <a:gd name="adj1" fmla="val 50000"/>
-            </a:avLst>
-          </a:prstGeom>
-          <a:ln>
-            <a:solidFill>
-              <a:schemeClr val="accent4">
-                <a:lumMod val="50000"/>
-              </a:schemeClr>
-            </a:solidFill>
-          </a:ln>
-        </p:spPr>
-        <p:style>
-          <a:lnRef idx="2">
-            <a:schemeClr val="accent6">
-              <a:shade val="50000"/>
-            </a:schemeClr>
-          </a:lnRef>
-          <a:fillRef idx="1">
-            <a:schemeClr val="accent6"/>
-          </a:fillRef>
-          <a:effectRef idx="0">
-            <a:schemeClr val="accent6"/>
-          </a:effectRef>
-          <a:fontRef idx="minor">
-            <a:schemeClr val="lt1"/>
-          </a:fontRef>
-        </p:style>
-      </p:cxnSp>
-      <p:sp>
-        <p:nvSpPr>
-          <p:cNvPr id="135" name="Diamond 134"/>
-          <p:cNvSpPr/>
-          <p:nvPr/>
-        </p:nvSpPr>
-        <p:spPr>
-          <a:xfrm>
-            <a:off x="7511107" y="5822965"/>
-            <a:ext cx="216000" cy="216000"/>
-          </a:xfrm>
-          <a:prstGeom prst="diamond">
-            <a:avLst/>
-          </a:prstGeom>
-          <a:ln/>
-        </p:spPr>
-        <p:style>
-          <a:lnRef idx="2">
-            <a:schemeClr val="accent4">
-              <a:shade val="50000"/>
-            </a:schemeClr>
-          </a:lnRef>
-          <a:fillRef idx="1">
-            <a:schemeClr val="accent4"/>
-          </a:fillRef>
-          <a:effectRef idx="0">
-            <a:schemeClr val="accent4"/>
-          </a:effectRef>
-          <a:fontRef idx="minor">
-            <a:schemeClr val="lt1"/>
-          </a:fontRef>
-        </p:style>
-        <p:txBody>
-          <a:bodyPr rtlCol="0" anchor="ctr"/>
-          <a:lstStyle/>
-          <a:p>
-            <a:pPr algn="ctr"/>
-            <a:endParaRPr lang="en-SG" sz="1600" b="1"/>
-          </a:p>
-        </p:txBody>
-      </p:sp>
-      <p:grpSp>
-        <p:nvGrpSpPr>
-          <p:cNvPr id="141" name="Group 140"/>
-          <p:cNvGrpSpPr/>
-          <p:nvPr/>
-        </p:nvGrpSpPr>
-        <p:grpSpPr>
-          <a:xfrm>
-            <a:off x="4346405" y="5523972"/>
-            <a:ext cx="1291797" cy="560547"/>
-            <a:chOff x="3174200" y="5727314"/>
-            <a:chExt cx="1663512" cy="560547"/>
-          </a:xfrm>
-        </p:grpSpPr>
-        <p:sp>
-          <p:nvSpPr>
-            <p:cNvPr id="143" name="Folded Corner 142"/>
-            <p:cNvSpPr/>
-            <p:nvPr/>
-          </p:nvSpPr>
-          <p:spPr>
-            <a:xfrm>
-              <a:off x="3174200" y="5727314"/>
-              <a:ext cx="1466850" cy="406993"/>
-            </a:xfrm>
-            <a:prstGeom prst="foldedCorner">
-              <a:avLst/>
-            </a:prstGeom>
-          </p:spPr>
-          <p:style>
-            <a:lnRef idx="2">
-              <a:schemeClr val="accent4">
-                <a:shade val="50000"/>
-              </a:schemeClr>
-            </a:lnRef>
-            <a:fillRef idx="1">
-              <a:schemeClr val="accent4"/>
-            </a:fillRef>
-            <a:effectRef idx="0">
-              <a:schemeClr val="accent4"/>
-            </a:effectRef>
-            <a:fontRef idx="minor">
-              <a:schemeClr val="lt1"/>
-            </a:fontRef>
-          </p:style>
-          <p:txBody>
-            <a:bodyPr rtlCol="0" anchor="ctr"/>
-            <a:lstStyle/>
-            <a:p>
-              <a:pPr algn="ctr"/>
-              <a:endParaRPr lang="en-SG" sz="1600" b="1" dirty="0"/>
-            </a:p>
-          </p:txBody>
-        </p:sp>
-        <p:sp>
-          <p:nvSpPr>
-            <p:cNvPr id="145" name="Folded Corner 144"/>
-            <p:cNvSpPr/>
-            <p:nvPr/>
-          </p:nvSpPr>
-          <p:spPr>
-            <a:xfrm>
-              <a:off x="3266878" y="5802782"/>
-              <a:ext cx="1466849" cy="406993"/>
-            </a:xfrm>
-            <a:prstGeom prst="foldedCorner">
-              <a:avLst/>
-            </a:prstGeom>
-          </p:spPr>
-          <p:style>
-            <a:lnRef idx="2">
-              <a:schemeClr val="accent4">
-                <a:shade val="50000"/>
-              </a:schemeClr>
-            </a:lnRef>
-            <a:fillRef idx="1">
-              <a:schemeClr val="accent4"/>
-            </a:fillRef>
-            <a:effectRef idx="0">
-              <a:schemeClr val="accent4"/>
-            </a:effectRef>
-            <a:fontRef idx="minor">
-              <a:schemeClr val="lt1"/>
-            </a:fontRef>
-          </p:style>
-          <p:txBody>
-            <a:bodyPr rtlCol="0" anchor="ctr"/>
-            <a:lstStyle/>
-            <a:p>
-              <a:pPr algn="ctr"/>
-              <a:endParaRPr lang="en-SG" sz="1600" b="1" dirty="0"/>
-            </a:p>
-          </p:txBody>
-        </p:sp>
-        <p:sp>
-          <p:nvSpPr>
-            <p:cNvPr id="148" name="Folded Corner 147"/>
-            <p:cNvSpPr/>
-            <p:nvPr/>
-          </p:nvSpPr>
-          <p:spPr>
-            <a:xfrm>
-              <a:off x="3370863" y="5880868"/>
-              <a:ext cx="1466849" cy="406993"/>
-            </a:xfrm>
-            <a:prstGeom prst="foldedCorner">
-              <a:avLst/>
-            </a:prstGeom>
-          </p:spPr>
-          <p:style>
-            <a:lnRef idx="2">
-              <a:schemeClr val="accent4">
-                <a:shade val="50000"/>
-              </a:schemeClr>
-            </a:lnRef>
-            <a:fillRef idx="1">
-              <a:schemeClr val="accent4"/>
-            </a:fillRef>
-            <a:effectRef idx="0">
-              <a:schemeClr val="accent4"/>
-            </a:effectRef>
-            <a:fontRef idx="minor">
-              <a:schemeClr val="lt1"/>
-            </a:fontRef>
-          </p:style>
-          <p:txBody>
-            <a:bodyPr rtlCol="0" anchor="ctr"/>
-            <a:lstStyle/>
-            <a:p>
-              <a:pPr algn="ctr"/>
-              <a:r>
-                <a:rPr lang="en-US" sz="1600" b="1" dirty="0"/>
-                <a:t>*.</a:t>
-              </a:r>
-              <a:r>
-                <a:rPr lang="en-US" sz="1600" b="1" dirty="0" err="1"/>
-                <a:t>jsp</a:t>
-              </a:r>
-              <a:endParaRPr lang="en-SG" sz="1600" b="1" dirty="0"/>
-            </a:p>
-          </p:txBody>
-        </p:sp>
-      </p:grpSp>
-      <p:cxnSp>
-        <p:nvCxnSpPr>
-          <p:cNvPr id="150" name="Elbow Connector 149"/>
-          <p:cNvCxnSpPr>
-            <a:stCxn id="148" idx="3"/>
-            <a:endCxn id="131" idx="1"/>
-          </p:cNvCxnSpPr>
-          <p:nvPr/>
-        </p:nvCxnSpPr>
-        <p:spPr>
-          <a:xfrm flipV="1">
-            <a:off x="5638202" y="5636237"/>
-            <a:ext cx="990605" cy="244786"/>
-          </a:xfrm>
-          <a:prstGeom prst="bentConnector3">
-            <a:avLst>
-              <a:gd name="adj1" fmla="val 50000"/>
-            </a:avLst>
-          </a:prstGeom>
-          <a:ln w="38100">
-            <a:prstDash val="sysDot"/>
-            <a:tailEnd type="arrow"/>
-          </a:ln>
-        </p:spPr>
-        <p:style>
-          <a:lnRef idx="2">
-            <a:schemeClr val="accent4">
-              <a:shade val="50000"/>
-            </a:schemeClr>
-          </a:lnRef>
-          <a:fillRef idx="1">
-            <a:schemeClr val="accent4"/>
-          </a:fillRef>
-          <a:effectRef idx="0">
-            <a:schemeClr val="accent4"/>
-          </a:effectRef>
-          <a:fontRef idx="minor">
-            <a:schemeClr val="lt1"/>
-          </a:fontRef>
-        </p:style>
-      </p:cxnSp>
-      <p:cxnSp>
-        <p:nvCxnSpPr>
-          <p:cNvPr id="151" name="Elbow Connector 150"/>
-          <p:cNvCxnSpPr>
-            <a:stCxn id="160" idx="3"/>
-            <a:endCxn id="132" idx="1"/>
-          </p:cNvCxnSpPr>
-          <p:nvPr/>
-        </p:nvCxnSpPr>
-        <p:spPr>
-          <a:xfrm>
-            <a:off x="5104805" y="6742303"/>
-            <a:ext cx="948601" cy="164623"/>
-          </a:xfrm>
-          <a:prstGeom prst="bentConnector3">
-            <a:avLst>
-              <a:gd name="adj1" fmla="val 50000"/>
-            </a:avLst>
-          </a:prstGeom>
-          <a:ln w="38100">
-            <a:prstDash val="sysDot"/>
-            <a:tailEnd type="arrow"/>
-          </a:ln>
-        </p:spPr>
-        <p:style>
-          <a:lnRef idx="2">
-            <a:schemeClr val="accent4">
-              <a:shade val="50000"/>
-            </a:schemeClr>
-          </a:lnRef>
-          <a:fillRef idx="1">
-            <a:schemeClr val="accent4"/>
-          </a:fillRef>
-          <a:effectRef idx="0">
-            <a:schemeClr val="accent4"/>
-          </a:effectRef>
-          <a:fontRef idx="minor">
-            <a:schemeClr val="lt1"/>
-          </a:fontRef>
-        </p:style>
-      </p:cxnSp>
-      <p:sp>
-        <p:nvSpPr>
-          <p:cNvPr id="152" name="Diamond 151"/>
-          <p:cNvSpPr/>
-          <p:nvPr/>
-        </p:nvSpPr>
-        <p:spPr>
-          <a:xfrm>
-            <a:off x="5201810" y="6114433"/>
-            <a:ext cx="216000" cy="216000"/>
-          </a:xfrm>
-          <a:prstGeom prst="diamond">
-            <a:avLst/>
-          </a:prstGeom>
-          <a:ln/>
-        </p:spPr>
-        <p:style>
-          <a:lnRef idx="2">
-            <a:schemeClr val="accent4">
-              <a:shade val="50000"/>
-            </a:schemeClr>
-          </a:lnRef>
-          <a:fillRef idx="1">
-            <a:schemeClr val="accent4"/>
-          </a:fillRef>
-          <a:effectRef idx="0">
-            <a:schemeClr val="accent4"/>
-          </a:effectRef>
-          <a:fontRef idx="minor">
-            <a:schemeClr val="lt1"/>
-          </a:fontRef>
-        </p:style>
-        <p:txBody>
-          <a:bodyPr rtlCol="0" anchor="ctr"/>
-          <a:lstStyle/>
-          <a:p>
-            <a:pPr algn="ctr"/>
-            <a:endParaRPr lang="en-SG" sz="1600" b="1"/>
-          </a:p>
-        </p:txBody>
-      </p:sp>
-      <p:cxnSp>
-        <p:nvCxnSpPr>
-          <p:cNvPr id="153" name="Elbow Connector 152"/>
-          <p:cNvCxnSpPr>
-            <a:stCxn id="152" idx="2"/>
-            <a:endCxn id="159" idx="3"/>
-          </p:cNvCxnSpPr>
-          <p:nvPr/>
-        </p:nvCxnSpPr>
-        <p:spPr>
-          <a:xfrm rot="5400000">
-            <a:off x="5002896" y="6356143"/>
-            <a:ext cx="332624" cy="281205"/>
-          </a:xfrm>
-          <a:prstGeom prst="bentConnector2">
-            <a:avLst/>
-          </a:prstGeom>
-          <a:ln>
-            <a:solidFill>
-              <a:schemeClr val="accent4">
-                <a:lumMod val="50000"/>
-              </a:schemeClr>
-            </a:solidFill>
-          </a:ln>
-        </p:spPr>
-        <p:style>
-          <a:lnRef idx="2">
-            <a:schemeClr val="accent6">
-              <a:shade val="50000"/>
-            </a:schemeClr>
-          </a:lnRef>
-          <a:fillRef idx="1">
-            <a:schemeClr val="accent6"/>
-          </a:fillRef>
-          <a:effectRef idx="0">
-            <a:schemeClr val="accent6"/>
-          </a:effectRef>
-          <a:fontRef idx="minor">
-            <a:schemeClr val="lt1"/>
-          </a:fontRef>
-        </p:style>
-      </p:cxnSp>
-      <p:grpSp>
-        <p:nvGrpSpPr>
-          <p:cNvPr id="154" name="Group 153"/>
-          <p:cNvGrpSpPr/>
-          <p:nvPr/>
-        </p:nvGrpSpPr>
-        <p:grpSpPr>
-          <a:xfrm>
-            <a:off x="3813327" y="6370637"/>
-            <a:ext cx="1291478" cy="575162"/>
-            <a:chOff x="3179250" y="6547958"/>
-            <a:chExt cx="1663102" cy="575162"/>
-          </a:xfrm>
-        </p:grpSpPr>
-        <p:sp>
-          <p:nvSpPr>
-            <p:cNvPr id="155" name="Folded Corner 154"/>
-            <p:cNvSpPr/>
-            <p:nvPr/>
-          </p:nvSpPr>
-          <p:spPr>
-            <a:xfrm>
-              <a:off x="3179250" y="6547958"/>
-              <a:ext cx="1466849" cy="406993"/>
-            </a:xfrm>
-            <a:prstGeom prst="foldedCorner">
-              <a:avLst/>
-            </a:prstGeom>
-          </p:spPr>
-          <p:style>
-            <a:lnRef idx="2">
-              <a:schemeClr val="accent4">
-                <a:shade val="50000"/>
-              </a:schemeClr>
-            </a:lnRef>
-            <a:fillRef idx="1">
-              <a:schemeClr val="accent4"/>
-            </a:fillRef>
-            <a:effectRef idx="0">
-              <a:schemeClr val="accent4"/>
-            </a:effectRef>
-            <a:fontRef idx="minor">
-              <a:schemeClr val="lt1"/>
-            </a:fontRef>
-          </p:style>
-          <p:txBody>
-            <a:bodyPr rtlCol="0" anchor="ctr"/>
-            <a:lstStyle/>
-            <a:p>
-              <a:pPr algn="ctr"/>
-              <a:endParaRPr lang="en-SG" sz="1600" b="1" dirty="0"/>
-            </a:p>
-          </p:txBody>
-        </p:sp>
-        <p:sp>
-          <p:nvSpPr>
-            <p:cNvPr id="159" name="Folded Corner 158"/>
-            <p:cNvSpPr/>
-            <p:nvPr/>
-          </p:nvSpPr>
-          <p:spPr>
-            <a:xfrm>
-              <a:off x="3277376" y="6636881"/>
-              <a:ext cx="1466849" cy="406993"/>
-            </a:xfrm>
-            <a:prstGeom prst="foldedCorner">
-              <a:avLst/>
-            </a:prstGeom>
-          </p:spPr>
-          <p:style>
-            <a:lnRef idx="2">
-              <a:schemeClr val="accent4">
-                <a:shade val="50000"/>
-              </a:schemeClr>
-            </a:lnRef>
-            <a:fillRef idx="1">
-              <a:schemeClr val="accent4"/>
-            </a:fillRef>
-            <a:effectRef idx="0">
-              <a:schemeClr val="accent4"/>
-            </a:effectRef>
-            <a:fontRef idx="minor">
-              <a:schemeClr val="lt1"/>
-            </a:fontRef>
-          </p:style>
-          <p:txBody>
-            <a:bodyPr rtlCol="0" anchor="ctr"/>
-            <a:lstStyle/>
-            <a:p>
-              <a:pPr algn="ctr"/>
-              <a:endParaRPr lang="en-SG" sz="1600" b="1" dirty="0"/>
-            </a:p>
-          </p:txBody>
-        </p:sp>
-        <p:sp>
-          <p:nvSpPr>
-            <p:cNvPr id="160" name="Folded Corner 159"/>
-            <p:cNvSpPr/>
-            <p:nvPr/>
-          </p:nvSpPr>
-          <p:spPr>
-            <a:xfrm>
-              <a:off x="3375503" y="6716127"/>
-              <a:ext cx="1466849" cy="406993"/>
-            </a:xfrm>
-            <a:prstGeom prst="foldedCorner">
-              <a:avLst/>
-            </a:prstGeom>
-          </p:spPr>
-          <p:style>
-            <a:lnRef idx="2">
-              <a:schemeClr val="accent4">
-                <a:shade val="50000"/>
-              </a:schemeClr>
-            </a:lnRef>
-            <a:fillRef idx="1">
-              <a:schemeClr val="accent4"/>
-            </a:fillRef>
-            <a:effectRef idx="0">
-              <a:schemeClr val="accent4"/>
-            </a:effectRef>
-            <a:fontRef idx="minor">
-              <a:schemeClr val="lt1"/>
-            </a:fontRef>
-          </p:style>
-          <p:txBody>
-            <a:bodyPr rtlCol="0" anchor="ctr"/>
-            <a:lstStyle/>
-            <a:p>
-              <a:pPr algn="ctr"/>
-              <a:r>
-                <a:rPr lang="en-US" sz="1600" b="1" dirty="0" smtClean="0"/>
-                <a:t>*.tag</a:t>
-              </a:r>
-              <a:endParaRPr lang="en-SG" sz="1600" b="1" dirty="0"/>
-            </a:p>
-          </p:txBody>
-        </p:sp>
-      </p:grpSp>
       <p:sp>
         <p:nvSpPr>
           <p:cNvPr id="162" name="Rectangle 161"/>
@@ -7682,165 +6748,6 @@
           </a:p>
         </p:txBody>
       </p:sp>
-      <p:cxnSp>
-        <p:nvCxnSpPr>
-          <p:cNvPr id="165" name="Elbow Connector 164"/>
-          <p:cNvCxnSpPr>
-            <a:stCxn id="143" idx="1"/>
-          </p:cNvCxnSpPr>
-          <p:nvPr/>
-        </p:nvCxnSpPr>
-        <p:spPr>
-          <a:xfrm rot="10800000">
-            <a:off x="1181101" y="5727469"/>
-            <a:ext cx="3165305" cy="0"/>
-          </a:xfrm>
-          <a:prstGeom prst="bentConnector3">
-            <a:avLst>
-              <a:gd name="adj1" fmla="val 50000"/>
-            </a:avLst>
-          </a:prstGeom>
-          <a:ln w="38100">
-            <a:prstDash val="sysDot"/>
-            <a:tailEnd type="arrow"/>
-          </a:ln>
-        </p:spPr>
-        <p:style>
-          <a:lnRef idx="2">
-            <a:schemeClr val="accent4">
-              <a:shade val="50000"/>
-            </a:schemeClr>
-          </a:lnRef>
-          <a:fillRef idx="1">
-            <a:schemeClr val="accent4"/>
-          </a:fillRef>
-          <a:effectRef idx="0">
-            <a:schemeClr val="accent4"/>
-          </a:effectRef>
-          <a:fontRef idx="minor">
-            <a:schemeClr val="lt1"/>
-          </a:fontRef>
-        </p:style>
-      </p:cxnSp>
-      <p:sp>
-        <p:nvSpPr>
-          <p:cNvPr id="166" name="TextBox 165"/>
-          <p:cNvSpPr txBox="1"/>
-          <p:nvPr/>
-        </p:nvSpPr>
-        <p:spPr>
-          <a:xfrm>
-            <a:off x="3047407" y="5380037"/>
-            <a:ext cx="1146280" cy="361773"/>
-          </a:xfrm>
-          <a:prstGeom prst="rect">
-            <a:avLst/>
-          </a:prstGeom>
-          <a:grpFill/>
-          <a:ln>
-            <a:noFill/>
-          </a:ln>
-        </p:spPr>
-        <p:style>
-          <a:lnRef idx="2">
-            <a:schemeClr val="accent1">
-              <a:shade val="50000"/>
-            </a:schemeClr>
-          </a:lnRef>
-          <a:fillRef idx="1">
-            <a:schemeClr val="accent1"/>
-          </a:fillRef>
-          <a:effectRef idx="0">
-            <a:schemeClr val="accent1"/>
-          </a:effectRef>
-          <a:fontRef idx="minor">
-            <a:schemeClr val="lt1"/>
-          </a:fontRef>
-        </p:style>
-        <p:txBody>
-          <a:bodyPr rtlCol="0" anchor="t" anchorCtr="0"/>
-          <a:lstStyle>
-            <a:defPPr>
-              <a:defRPr lang="en-US"/>
-            </a:defPPr>
-            <a:lvl1pPr>
-              <a:defRPr sz="1400" b="1">
-                <a:solidFill>
-                  <a:srgbClr val="7030A0"/>
-                </a:solidFill>
-              </a:defRPr>
-            </a:lvl1pPr>
-            <a:lvl2pPr>
-              <a:defRPr>
-                <a:solidFill>
-                  <a:schemeClr val="lt1"/>
-                </a:solidFill>
-              </a:defRPr>
-            </a:lvl2pPr>
-            <a:lvl3pPr>
-              <a:defRPr>
-                <a:solidFill>
-                  <a:schemeClr val="lt1"/>
-                </a:solidFill>
-              </a:defRPr>
-            </a:lvl3pPr>
-            <a:lvl4pPr>
-              <a:defRPr>
-                <a:solidFill>
-                  <a:schemeClr val="lt1"/>
-                </a:solidFill>
-              </a:defRPr>
-            </a:lvl4pPr>
-            <a:lvl5pPr>
-              <a:defRPr>
-                <a:solidFill>
-                  <a:schemeClr val="lt1"/>
-                </a:solidFill>
-              </a:defRPr>
-            </a:lvl5pPr>
-            <a:lvl6pPr>
-              <a:defRPr>
-                <a:solidFill>
-                  <a:schemeClr val="lt1"/>
-                </a:solidFill>
-              </a:defRPr>
-            </a:lvl6pPr>
-            <a:lvl7pPr>
-              <a:defRPr>
-                <a:solidFill>
-                  <a:schemeClr val="lt1"/>
-                </a:solidFill>
-              </a:defRPr>
-            </a:lvl7pPr>
-            <a:lvl8pPr>
-              <a:defRPr>
-                <a:solidFill>
-                  <a:schemeClr val="lt1"/>
-                </a:solidFill>
-              </a:defRPr>
-            </a:lvl8pPr>
-            <a:lvl9pPr>
-              <a:defRPr>
-                <a:solidFill>
-                  <a:schemeClr val="lt1"/>
-                </a:solidFill>
-              </a:defRPr>
-            </a:lvl9pPr>
-          </a:lstStyle>
-          <a:p>
-            <a:pPr algn="r"/>
-            <a:r>
-              <a:rPr lang="en-US" dirty="0"/>
-              <a:t>&lt;&lt;</a:t>
-            </a:r>
-            <a:r>
-              <a:rPr lang="en-US" dirty="0" smtClean="0"/>
-              <a:t>creates&gt;&gt;</a:t>
-            </a:r>
-            <a:endParaRPr lang="en-SG" dirty="0"/>
-          </a:p>
-        </p:txBody>
-      </p:sp>
       <p:grpSp>
         <p:nvGrpSpPr>
           <p:cNvPr id="167" name="Group 166"/>
@@ -7849,7 +6756,7 @@
         </p:nvGrpSpPr>
         <p:grpSpPr>
           <a:xfrm>
-            <a:off x="2198234" y="5872425"/>
+            <a:off x="3467100" y="5761037"/>
             <a:ext cx="1291478" cy="575162"/>
             <a:chOff x="3179250" y="6547958"/>
             <a:chExt cx="1663102" cy="575162"/>
@@ -7992,7 +6899,7 @@
         </p:nvGrpSpPr>
         <p:grpSpPr>
           <a:xfrm>
-            <a:off x="2226252" y="6599237"/>
+            <a:off x="2933700" y="6446837"/>
             <a:ext cx="1291478" cy="575162"/>
             <a:chOff x="3179250" y="6547958"/>
             <a:chExt cx="1663102" cy="575162"/>
@@ -8131,19 +7038,18 @@
         <p:nvCxnSpPr>
           <p:cNvPr id="182" name="Elbow Connector 181"/>
           <p:cNvCxnSpPr>
+            <a:stCxn id="118" idx="2"/>
             <a:endCxn id="171" idx="1"/>
           </p:cNvCxnSpPr>
           <p:nvPr/>
         </p:nvCxnSpPr>
         <p:spPr>
-          <a:xfrm flipV="1">
-            <a:off x="1104900" y="6244091"/>
-            <a:ext cx="1245734" cy="253648"/>
-          </a:xfrm>
-          <a:prstGeom prst="bentConnector3">
-            <a:avLst>
-              <a:gd name="adj1" fmla="val 50000"/>
-            </a:avLst>
+          <a:xfrm rot="16200000" flipH="1">
+            <a:off x="2961430" y="5474633"/>
+            <a:ext cx="205748" cy="1110392"/>
+          </a:xfrm>
+          <a:prstGeom prst="bentConnector2">
+            <a:avLst/>
           </a:prstGeom>
           <a:ln w="38100">
             <a:solidFill>
@@ -8172,19 +7078,18 @@
         <p:nvCxnSpPr>
           <p:cNvPr id="183" name="Elbow Connector 182"/>
           <p:cNvCxnSpPr>
+            <a:stCxn id="118" idx="2"/>
             <a:endCxn id="179" idx="1"/>
           </p:cNvCxnSpPr>
           <p:nvPr/>
         </p:nvCxnSpPr>
         <p:spPr>
-          <a:xfrm>
-            <a:off x="1104900" y="6497737"/>
-            <a:ext cx="1273752" cy="473166"/>
-          </a:xfrm>
-          <a:prstGeom prst="bentConnector3">
-            <a:avLst>
-              <a:gd name="adj1" fmla="val 50000"/>
-            </a:avLst>
+          <a:xfrm rot="16200000" flipH="1">
+            <a:off x="2351830" y="6084233"/>
+            <a:ext cx="891548" cy="576992"/>
+          </a:xfrm>
+          <a:prstGeom prst="bentConnector2">
+            <a:avLst/>
           </a:prstGeom>
           <a:ln w="38100">
             <a:solidFill>
@@ -8362,8 +7267,8 @@
         </p:nvCxnSpPr>
         <p:spPr>
           <a:xfrm rot="16200000" flipH="1">
-            <a:off x="1099084" y="3151841"/>
-            <a:ext cx="691714" cy="636915"/>
+            <a:off x="740296" y="3375352"/>
+            <a:ext cx="1241636" cy="706771"/>
           </a:xfrm>
           <a:prstGeom prst="bentConnector2">
             <a:avLst/>
@@ -8549,327 +7454,6 @@
           </a:p>
         </p:txBody>
       </p:sp>
-      <p:sp>
-        <p:nvSpPr>
-          <p:cNvPr id="193" name="TextBox 192"/>
-          <p:cNvSpPr txBox="1"/>
-          <p:nvPr/>
-        </p:nvSpPr>
-        <p:spPr>
-          <a:xfrm>
-            <a:off x="5714407" y="5860895"/>
-            <a:ext cx="1146280" cy="361773"/>
-          </a:xfrm>
-          <a:prstGeom prst="rect">
-            <a:avLst/>
-          </a:prstGeom>
-          <a:grpFill/>
-          <a:ln>
-            <a:noFill/>
-          </a:ln>
-        </p:spPr>
-        <p:style>
-          <a:lnRef idx="2">
-            <a:schemeClr val="accent1">
-              <a:shade val="50000"/>
-            </a:schemeClr>
-          </a:lnRef>
-          <a:fillRef idx="1">
-            <a:schemeClr val="accent1"/>
-          </a:fillRef>
-          <a:effectRef idx="0">
-            <a:schemeClr val="accent1"/>
-          </a:effectRef>
-          <a:fontRef idx="minor">
-            <a:schemeClr val="lt1"/>
-          </a:fontRef>
-        </p:style>
-        <p:txBody>
-          <a:bodyPr rtlCol="0" anchor="t" anchorCtr="0"/>
-          <a:lstStyle>
-            <a:defPPr>
-              <a:defRPr lang="en-US"/>
-            </a:defPPr>
-            <a:lvl1pPr>
-              <a:defRPr sz="1400" b="1">
-                <a:solidFill>
-                  <a:srgbClr val="7030A0"/>
-                </a:solidFill>
-              </a:defRPr>
-            </a:lvl1pPr>
-            <a:lvl2pPr>
-              <a:defRPr>
-                <a:solidFill>
-                  <a:schemeClr val="lt1"/>
-                </a:solidFill>
-              </a:defRPr>
-            </a:lvl2pPr>
-            <a:lvl3pPr>
-              <a:defRPr>
-                <a:solidFill>
-                  <a:schemeClr val="lt1"/>
-                </a:solidFill>
-              </a:defRPr>
-            </a:lvl3pPr>
-            <a:lvl4pPr>
-              <a:defRPr>
-                <a:solidFill>
-                  <a:schemeClr val="lt1"/>
-                </a:solidFill>
-              </a:defRPr>
-            </a:lvl4pPr>
-            <a:lvl5pPr>
-              <a:defRPr>
-                <a:solidFill>
-                  <a:schemeClr val="lt1"/>
-                </a:solidFill>
-              </a:defRPr>
-            </a:lvl5pPr>
-            <a:lvl6pPr>
-              <a:defRPr>
-                <a:solidFill>
-                  <a:schemeClr val="lt1"/>
-                </a:solidFill>
-              </a:defRPr>
-            </a:lvl6pPr>
-            <a:lvl7pPr>
-              <a:defRPr>
-                <a:solidFill>
-                  <a:schemeClr val="lt1"/>
-                </a:solidFill>
-              </a:defRPr>
-            </a:lvl7pPr>
-            <a:lvl8pPr>
-              <a:defRPr>
-                <a:solidFill>
-                  <a:schemeClr val="lt1"/>
-                </a:solidFill>
-              </a:defRPr>
-            </a:lvl8pPr>
-            <a:lvl9pPr>
-              <a:defRPr>
-                <a:solidFill>
-                  <a:schemeClr val="lt1"/>
-                </a:solidFill>
-              </a:defRPr>
-            </a:lvl9pPr>
-          </a:lstStyle>
-          <a:p>
-            <a:pPr algn="r"/>
-            <a:r>
-              <a:rPr lang="en-US" dirty="0" smtClean="0"/>
-              <a:t>&lt;&lt;uses&gt;&gt;</a:t>
-            </a:r>
-            <a:endParaRPr lang="en-SG" dirty="0"/>
-          </a:p>
-        </p:txBody>
-      </p:sp>
-      <p:sp>
-        <p:nvSpPr>
-          <p:cNvPr id="194" name="TextBox 193"/>
-          <p:cNvSpPr txBox="1"/>
-          <p:nvPr/>
-        </p:nvSpPr>
-        <p:spPr>
-          <a:xfrm>
-            <a:off x="4636463" y="6927332"/>
-            <a:ext cx="1146280" cy="361773"/>
-          </a:xfrm>
-          <a:prstGeom prst="rect">
-            <a:avLst/>
-          </a:prstGeom>
-          <a:grpFill/>
-          <a:ln>
-            <a:noFill/>
-          </a:ln>
-        </p:spPr>
-        <p:style>
-          <a:lnRef idx="2">
-            <a:schemeClr val="accent1">
-              <a:shade val="50000"/>
-            </a:schemeClr>
-          </a:lnRef>
-          <a:fillRef idx="1">
-            <a:schemeClr val="accent1"/>
-          </a:fillRef>
-          <a:effectRef idx="0">
-            <a:schemeClr val="accent1"/>
-          </a:effectRef>
-          <a:fontRef idx="minor">
-            <a:schemeClr val="lt1"/>
-          </a:fontRef>
-        </p:style>
-        <p:txBody>
-          <a:bodyPr rtlCol="0" anchor="t" anchorCtr="0"/>
-          <a:lstStyle>
-            <a:defPPr>
-              <a:defRPr lang="en-US"/>
-            </a:defPPr>
-            <a:lvl1pPr>
-              <a:defRPr sz="1400" b="1">
-                <a:solidFill>
-                  <a:srgbClr val="7030A0"/>
-                </a:solidFill>
-              </a:defRPr>
-            </a:lvl1pPr>
-            <a:lvl2pPr>
-              <a:defRPr>
-                <a:solidFill>
-                  <a:schemeClr val="lt1"/>
-                </a:solidFill>
-              </a:defRPr>
-            </a:lvl2pPr>
-            <a:lvl3pPr>
-              <a:defRPr>
-                <a:solidFill>
-                  <a:schemeClr val="lt1"/>
-                </a:solidFill>
-              </a:defRPr>
-            </a:lvl3pPr>
-            <a:lvl4pPr>
-              <a:defRPr>
-                <a:solidFill>
-                  <a:schemeClr val="lt1"/>
-                </a:solidFill>
-              </a:defRPr>
-            </a:lvl4pPr>
-            <a:lvl5pPr>
-              <a:defRPr>
-                <a:solidFill>
-                  <a:schemeClr val="lt1"/>
-                </a:solidFill>
-              </a:defRPr>
-            </a:lvl5pPr>
-            <a:lvl6pPr>
-              <a:defRPr>
-                <a:solidFill>
-                  <a:schemeClr val="lt1"/>
-                </a:solidFill>
-              </a:defRPr>
-            </a:lvl6pPr>
-            <a:lvl7pPr>
-              <a:defRPr>
-                <a:solidFill>
-                  <a:schemeClr val="lt1"/>
-                </a:solidFill>
-              </a:defRPr>
-            </a:lvl7pPr>
-            <a:lvl8pPr>
-              <a:defRPr>
-                <a:solidFill>
-                  <a:schemeClr val="lt1"/>
-                </a:solidFill>
-              </a:defRPr>
-            </a:lvl8pPr>
-            <a:lvl9pPr>
-              <a:defRPr>
-                <a:solidFill>
-                  <a:schemeClr val="lt1"/>
-                </a:solidFill>
-              </a:defRPr>
-            </a:lvl9pPr>
-          </a:lstStyle>
-          <a:p>
-            <a:pPr algn="r"/>
-            <a:r>
-              <a:rPr lang="en-US" dirty="0" smtClean="0"/>
-              <a:t>&lt;&lt;uses&gt;&gt;</a:t>
-            </a:r>
-            <a:endParaRPr lang="en-SG" dirty="0"/>
-          </a:p>
-        </p:txBody>
-      </p:sp>
-      <p:sp>
-        <p:nvSpPr>
-          <p:cNvPr id="195" name="Diamond 194"/>
-          <p:cNvSpPr/>
-          <p:nvPr/>
-        </p:nvSpPr>
-        <p:spPr>
-          <a:xfrm>
-            <a:off x="4736839" y="4692558"/>
-            <a:ext cx="216000" cy="216000"/>
-          </a:xfrm>
-          <a:prstGeom prst="diamond">
-            <a:avLst/>
-          </a:prstGeom>
-          <a:solidFill>
-            <a:srgbClr val="92D050"/>
-          </a:solidFill>
-          <a:ln>
-            <a:solidFill>
-              <a:srgbClr val="00B050"/>
-            </a:solidFill>
-          </a:ln>
-        </p:spPr>
-        <p:style>
-          <a:lnRef idx="2">
-            <a:schemeClr val="accent6">
-              <a:shade val="50000"/>
-            </a:schemeClr>
-          </a:lnRef>
-          <a:fillRef idx="1">
-            <a:schemeClr val="accent6"/>
-          </a:fillRef>
-          <a:effectRef idx="0">
-            <a:schemeClr val="accent6"/>
-          </a:effectRef>
-          <a:fontRef idx="minor">
-            <a:schemeClr val="lt1"/>
-          </a:fontRef>
-        </p:style>
-        <p:txBody>
-          <a:bodyPr rtlCol="0" anchor="ctr"/>
-          <a:lstStyle/>
-          <a:p>
-            <a:pPr algn="ctr"/>
-            <a:endParaRPr lang="en-SG" sz="1600" b="1"/>
-          </a:p>
-        </p:txBody>
-      </p:sp>
-      <p:cxnSp>
-        <p:nvCxnSpPr>
-          <p:cNvPr id="196" name="Elbow Connector 195"/>
-          <p:cNvCxnSpPr>
-            <a:stCxn id="195" idx="3"/>
-            <a:endCxn id="131" idx="0"/>
-          </p:cNvCxnSpPr>
-          <p:nvPr/>
-        </p:nvCxnSpPr>
-        <p:spPr>
-          <a:xfrm>
-            <a:off x="4952839" y="4800558"/>
-            <a:ext cx="2665968" cy="655679"/>
-          </a:xfrm>
-          <a:prstGeom prst="bentConnector2">
-            <a:avLst/>
-          </a:prstGeom>
-          <a:solidFill>
-            <a:srgbClr val="92D050"/>
-          </a:solidFill>
-          <a:ln>
-            <a:solidFill>
-              <a:srgbClr val="00B050"/>
-            </a:solidFill>
-          </a:ln>
-        </p:spPr>
-        <p:style>
-          <a:lnRef idx="2">
-            <a:schemeClr val="accent6">
-              <a:shade val="50000"/>
-            </a:schemeClr>
-          </a:lnRef>
-          <a:fillRef idx="1">
-            <a:schemeClr val="accent6"/>
-          </a:fillRef>
-          <a:effectRef idx="0">
-            <a:schemeClr val="accent6"/>
-          </a:effectRef>
-          <a:fontRef idx="minor">
-            <a:schemeClr val="lt1"/>
-          </a:fontRef>
-        </p:style>
-      </p:cxnSp>
       <p:grpSp>
         <p:nvGrpSpPr>
           <p:cNvPr id="197" name="Group 196"/>
@@ -8878,11 +7462,14 @@
         </p:nvGrpSpPr>
         <p:grpSpPr>
           <a:xfrm>
-            <a:off x="1790700" y="4303659"/>
+            <a:off x="3467100" y="4160837"/>
             <a:ext cx="1551301" cy="531646"/>
             <a:chOff x="1535112" y="3948357"/>
             <a:chExt cx="1551301" cy="531646"/>
           </a:xfrm>
+          <a:solidFill>
+            <a:schemeClr val="accent6"/>
+          </a:solidFill>
         </p:grpSpPr>
         <p:sp>
           <p:nvSpPr>
@@ -8898,6 +7485,14 @@
             <a:prstGeom prst="rect">
               <a:avLst/>
             </a:prstGeom>
+            <a:grpFill/>
+            <a:ln>
+              <a:solidFill>
+                <a:schemeClr val="accent6">
+                  <a:lumMod val="75000"/>
+                </a:schemeClr>
+              </a:solidFill>
+            </a:ln>
           </p:spPr>
           <p:style>
             <a:lnRef idx="2">
@@ -8938,6 +7533,14 @@
             <a:prstGeom prst="rect">
               <a:avLst/>
             </a:prstGeom>
+            <a:grpFill/>
+            <a:ln>
+              <a:solidFill>
+                <a:schemeClr val="accent6">
+                  <a:lumMod val="75000"/>
+                </a:schemeClr>
+              </a:solidFill>
+            </a:ln>
           </p:spPr>
           <p:style>
             <a:lnRef idx="2">
@@ -8978,6 +7581,14 @@
             <a:prstGeom prst="rect">
               <a:avLst/>
             </a:prstGeom>
+            <a:grpFill/>
+            <a:ln>
+              <a:solidFill>
+                <a:schemeClr val="accent6">
+                  <a:lumMod val="75000"/>
+                </a:schemeClr>
+              </a:solidFill>
+            </a:ln>
           </p:spPr>
           <p:style>
             <a:lnRef idx="2">
@@ -9226,6 +7837,741 @@
           <a:p>
             <a:pPr algn="ctr"/>
             <a:endParaRPr lang="en-SG"/>
+          </a:p>
+        </p:txBody>
+      </p:sp>
+      <p:sp>
+        <p:nvSpPr>
+          <p:cNvPr id="108" name="Rectangle 107"/>
+          <p:cNvSpPr/>
+          <p:nvPr/>
+        </p:nvSpPr>
+        <p:spPr>
+          <a:xfrm>
+            <a:off x="2228255" y="3507587"/>
+            <a:ext cx="2160000" cy="360000"/>
+          </a:xfrm>
+          <a:prstGeom prst="rect">
+            <a:avLst/>
+          </a:prstGeom>
+          <a:solidFill>
+            <a:schemeClr val="tx2">
+              <a:lumMod val="60000"/>
+              <a:lumOff val="40000"/>
+            </a:schemeClr>
+          </a:solidFill>
+          <a:ln>
+            <a:solidFill>
+              <a:schemeClr val="tx2">
+                <a:lumMod val="75000"/>
+              </a:schemeClr>
+            </a:solidFill>
+          </a:ln>
+        </p:spPr>
+        <p:style>
+          <a:lnRef idx="2">
+            <a:schemeClr val="accent1">
+              <a:shade val="50000"/>
+            </a:schemeClr>
+          </a:lnRef>
+          <a:fillRef idx="1">
+            <a:schemeClr val="accent1"/>
+          </a:fillRef>
+          <a:effectRef idx="0">
+            <a:schemeClr val="accent1"/>
+          </a:effectRef>
+          <a:fontRef idx="minor">
+            <a:schemeClr val="lt1"/>
+          </a:fontRef>
+        </p:style>
+        <p:txBody>
+          <a:bodyPr rtlCol="0" anchor="ctr"/>
+          <a:lstStyle/>
+          <a:p>
+            <a:pPr algn="ctr"/>
+            <a:r>
+              <a:rPr lang="en-US" sz="1600" b="1" dirty="0" err="1" smtClean="0"/>
+              <a:t>WebPageServlet</a:t>
+            </a:r>
+            <a:endParaRPr lang="en-SG" sz="1600" b="1" dirty="0"/>
+          </a:p>
+        </p:txBody>
+      </p:sp>
+      <p:sp>
+        <p:nvSpPr>
+          <p:cNvPr id="118" name="Folded Corner 117"/>
+          <p:cNvSpPr/>
+          <p:nvPr/>
+        </p:nvSpPr>
+        <p:spPr>
+          <a:xfrm>
+            <a:off x="1797526" y="5519962"/>
+            <a:ext cx="1423164" cy="406993"/>
+          </a:xfrm>
+          <a:prstGeom prst="foldedCorner">
+            <a:avLst/>
+          </a:prstGeom>
+        </p:spPr>
+        <p:style>
+          <a:lnRef idx="2">
+            <a:schemeClr val="accent5">
+              <a:shade val="50000"/>
+            </a:schemeClr>
+          </a:lnRef>
+          <a:fillRef idx="1">
+            <a:schemeClr val="accent5"/>
+          </a:fillRef>
+          <a:effectRef idx="0">
+            <a:schemeClr val="accent5"/>
+          </a:effectRef>
+          <a:fontRef idx="minor">
+            <a:schemeClr val="lt1"/>
+          </a:fontRef>
+        </p:style>
+        <p:txBody>
+          <a:bodyPr rtlCol="0" anchor="ctr"/>
+          <a:lstStyle/>
+          <a:p>
+            <a:pPr algn="ctr"/>
+            <a:r>
+              <a:rPr lang="en-US" sz="1600" b="1" dirty="0" smtClean="0"/>
+              <a:t>index.html</a:t>
+            </a:r>
+            <a:endParaRPr lang="en-SG" sz="1600" b="1" dirty="0"/>
+          </a:p>
+        </p:txBody>
+      </p:sp>
+      <p:cxnSp>
+        <p:nvCxnSpPr>
+          <p:cNvPr id="119" name="Elbow Connector 118"/>
+          <p:cNvCxnSpPr>
+            <a:stCxn id="162" idx="3"/>
+            <a:endCxn id="118" idx="1"/>
+          </p:cNvCxnSpPr>
+          <p:nvPr/>
+        </p:nvCxnSpPr>
+        <p:spPr>
+          <a:xfrm flipV="1">
+            <a:off x="1218607" y="5723459"/>
+            <a:ext cx="578919" cy="445962"/>
+          </a:xfrm>
+          <a:prstGeom prst="bentConnector3">
+            <a:avLst>
+              <a:gd name="adj1" fmla="val 36384"/>
+            </a:avLst>
+          </a:prstGeom>
+          <a:ln w="38100">
+            <a:solidFill>
+              <a:schemeClr val="tx1"/>
+            </a:solidFill>
+            <a:prstDash val="sysDash"/>
+            <a:tailEnd type="arrow"/>
+          </a:ln>
+        </p:spPr>
+        <p:style>
+          <a:lnRef idx="1">
+            <a:schemeClr val="accent1"/>
+          </a:lnRef>
+          <a:fillRef idx="0">
+            <a:schemeClr val="accent1"/>
+          </a:fillRef>
+          <a:effectRef idx="0">
+            <a:schemeClr val="accent1"/>
+          </a:effectRef>
+          <a:fontRef idx="minor">
+            <a:schemeClr val="tx1"/>
+          </a:fontRef>
+        </p:style>
+      </p:cxnSp>
+      <p:grpSp>
+        <p:nvGrpSpPr>
+          <p:cNvPr id="120" name="Group 119"/>
+          <p:cNvGrpSpPr/>
+          <p:nvPr/>
+        </p:nvGrpSpPr>
+        <p:grpSpPr>
+          <a:xfrm>
+            <a:off x="7814935" y="5795475"/>
+            <a:ext cx="1291478" cy="575162"/>
+            <a:chOff x="3179250" y="6547958"/>
+            <a:chExt cx="1663102" cy="575162"/>
+          </a:xfrm>
+        </p:grpSpPr>
+        <p:sp>
+          <p:nvSpPr>
+            <p:cNvPr id="122" name="Folded Corner 121"/>
+            <p:cNvSpPr/>
+            <p:nvPr/>
+          </p:nvSpPr>
+          <p:spPr>
+            <a:xfrm>
+              <a:off x="3179250" y="6547958"/>
+              <a:ext cx="1466849" cy="406993"/>
+            </a:xfrm>
+            <a:prstGeom prst="foldedCorner">
+              <a:avLst/>
+            </a:prstGeom>
+          </p:spPr>
+          <p:style>
+            <a:lnRef idx="2">
+              <a:schemeClr val="accent5">
+                <a:shade val="50000"/>
+              </a:schemeClr>
+            </a:lnRef>
+            <a:fillRef idx="1">
+              <a:schemeClr val="accent5"/>
+            </a:fillRef>
+            <a:effectRef idx="0">
+              <a:schemeClr val="accent5"/>
+            </a:effectRef>
+            <a:fontRef idx="minor">
+              <a:schemeClr val="lt1"/>
+            </a:fontRef>
+          </p:style>
+          <p:txBody>
+            <a:bodyPr rtlCol="0" anchor="ctr"/>
+            <a:lstStyle/>
+            <a:p>
+              <a:pPr algn="ctr"/>
+              <a:endParaRPr lang="en-SG" sz="1600" b="1" dirty="0"/>
+            </a:p>
+          </p:txBody>
+        </p:sp>
+        <p:sp>
+          <p:nvSpPr>
+            <p:cNvPr id="123" name="Folded Corner 122"/>
+            <p:cNvSpPr/>
+            <p:nvPr/>
+          </p:nvSpPr>
+          <p:spPr>
+            <a:xfrm>
+              <a:off x="3277376" y="6636881"/>
+              <a:ext cx="1466849" cy="406993"/>
+            </a:xfrm>
+            <a:prstGeom prst="foldedCorner">
+              <a:avLst/>
+            </a:prstGeom>
+          </p:spPr>
+          <p:style>
+            <a:lnRef idx="2">
+              <a:schemeClr val="accent5">
+                <a:shade val="50000"/>
+              </a:schemeClr>
+            </a:lnRef>
+            <a:fillRef idx="1">
+              <a:schemeClr val="accent5"/>
+            </a:fillRef>
+            <a:effectRef idx="0">
+              <a:schemeClr val="accent5"/>
+            </a:effectRef>
+            <a:fontRef idx="minor">
+              <a:schemeClr val="lt1"/>
+            </a:fontRef>
+          </p:style>
+          <p:txBody>
+            <a:bodyPr rtlCol="0" anchor="ctr"/>
+            <a:lstStyle/>
+            <a:p>
+              <a:pPr algn="ctr"/>
+              <a:endParaRPr lang="en-SG" sz="1600" b="1" dirty="0"/>
+            </a:p>
+          </p:txBody>
+        </p:sp>
+        <p:sp>
+          <p:nvSpPr>
+            <p:cNvPr id="124" name="Folded Corner 123"/>
+            <p:cNvSpPr/>
+            <p:nvPr/>
+          </p:nvSpPr>
+          <p:spPr>
+            <a:xfrm>
+              <a:off x="3375503" y="6716127"/>
+              <a:ext cx="1466849" cy="406993"/>
+            </a:xfrm>
+            <a:prstGeom prst="foldedCorner">
+              <a:avLst/>
+            </a:prstGeom>
+          </p:spPr>
+          <p:style>
+            <a:lnRef idx="2">
+              <a:schemeClr val="accent5">
+                <a:shade val="50000"/>
+              </a:schemeClr>
+            </a:lnRef>
+            <a:fillRef idx="1">
+              <a:schemeClr val="accent5"/>
+            </a:fillRef>
+            <a:effectRef idx="0">
+              <a:schemeClr val="accent5"/>
+            </a:effectRef>
+            <a:fontRef idx="minor">
+              <a:schemeClr val="lt1"/>
+            </a:fontRef>
+          </p:style>
+          <p:txBody>
+            <a:bodyPr rtlCol="0" anchor="ctr"/>
+            <a:lstStyle/>
+            <a:p>
+              <a:pPr algn="ctr"/>
+              <a:r>
+                <a:rPr lang="en-US" sz="1600" b="1" dirty="0" smtClean="0"/>
+                <a:t>*.</a:t>
+              </a:r>
+              <a:r>
+                <a:rPr lang="en-US" sz="1600" b="1" dirty="0" err="1" smtClean="0"/>
+                <a:t>scss</a:t>
+              </a:r>
+              <a:endParaRPr lang="en-SG" sz="1600" b="1" dirty="0"/>
+            </a:p>
+          </p:txBody>
+        </p:sp>
+      </p:grpSp>
+      <p:grpSp>
+        <p:nvGrpSpPr>
+          <p:cNvPr id="136" name="Group 135"/>
+          <p:cNvGrpSpPr/>
+          <p:nvPr/>
+        </p:nvGrpSpPr>
+        <p:grpSpPr>
+          <a:xfrm>
+            <a:off x="6975363" y="6481275"/>
+            <a:ext cx="1291478" cy="575162"/>
+            <a:chOff x="3179250" y="6547958"/>
+            <a:chExt cx="1663102" cy="575162"/>
+          </a:xfrm>
+        </p:grpSpPr>
+        <p:sp>
+          <p:nvSpPr>
+            <p:cNvPr id="137" name="Folded Corner 136"/>
+            <p:cNvSpPr/>
+            <p:nvPr/>
+          </p:nvSpPr>
+          <p:spPr>
+            <a:xfrm>
+              <a:off x="3179250" y="6547958"/>
+              <a:ext cx="1466849" cy="406993"/>
+            </a:xfrm>
+            <a:prstGeom prst="foldedCorner">
+              <a:avLst/>
+            </a:prstGeom>
+          </p:spPr>
+          <p:style>
+            <a:lnRef idx="2">
+              <a:schemeClr val="accent5">
+                <a:shade val="50000"/>
+              </a:schemeClr>
+            </a:lnRef>
+            <a:fillRef idx="1">
+              <a:schemeClr val="accent5"/>
+            </a:fillRef>
+            <a:effectRef idx="0">
+              <a:schemeClr val="accent5"/>
+            </a:effectRef>
+            <a:fontRef idx="minor">
+              <a:schemeClr val="lt1"/>
+            </a:fontRef>
+          </p:style>
+          <p:txBody>
+            <a:bodyPr rtlCol="0" anchor="ctr"/>
+            <a:lstStyle/>
+            <a:p>
+              <a:pPr algn="ctr"/>
+              <a:endParaRPr lang="en-SG" sz="1600" b="1" dirty="0"/>
+            </a:p>
+          </p:txBody>
+        </p:sp>
+        <p:sp>
+          <p:nvSpPr>
+            <p:cNvPr id="138" name="Folded Corner 137"/>
+            <p:cNvSpPr/>
+            <p:nvPr/>
+          </p:nvSpPr>
+          <p:spPr>
+            <a:xfrm>
+              <a:off x="3277376" y="6636881"/>
+              <a:ext cx="1466849" cy="406993"/>
+            </a:xfrm>
+            <a:prstGeom prst="foldedCorner">
+              <a:avLst/>
+            </a:prstGeom>
+          </p:spPr>
+          <p:style>
+            <a:lnRef idx="2">
+              <a:schemeClr val="accent5">
+                <a:shade val="50000"/>
+              </a:schemeClr>
+            </a:lnRef>
+            <a:fillRef idx="1">
+              <a:schemeClr val="accent5"/>
+            </a:fillRef>
+            <a:effectRef idx="0">
+              <a:schemeClr val="accent5"/>
+            </a:effectRef>
+            <a:fontRef idx="minor">
+              <a:schemeClr val="lt1"/>
+            </a:fontRef>
+          </p:style>
+          <p:txBody>
+            <a:bodyPr rtlCol="0" anchor="ctr"/>
+            <a:lstStyle/>
+            <a:p>
+              <a:pPr algn="ctr"/>
+              <a:endParaRPr lang="en-SG" sz="1600" b="1" dirty="0"/>
+            </a:p>
+          </p:txBody>
+        </p:sp>
+        <p:sp>
+          <p:nvSpPr>
+            <p:cNvPr id="139" name="Folded Corner 138"/>
+            <p:cNvSpPr/>
+            <p:nvPr/>
+          </p:nvSpPr>
+          <p:spPr>
+            <a:xfrm>
+              <a:off x="3375503" y="6716127"/>
+              <a:ext cx="1466849" cy="406993"/>
+            </a:xfrm>
+            <a:prstGeom prst="foldedCorner">
+              <a:avLst/>
+            </a:prstGeom>
+          </p:spPr>
+          <p:style>
+            <a:lnRef idx="2">
+              <a:schemeClr val="accent5">
+                <a:shade val="50000"/>
+              </a:schemeClr>
+            </a:lnRef>
+            <a:fillRef idx="1">
+              <a:schemeClr val="accent5"/>
+            </a:fillRef>
+            <a:effectRef idx="0">
+              <a:schemeClr val="accent5"/>
+            </a:effectRef>
+            <a:fontRef idx="minor">
+              <a:schemeClr val="lt1"/>
+            </a:fontRef>
+          </p:style>
+          <p:txBody>
+            <a:bodyPr rtlCol="0" anchor="ctr"/>
+            <a:lstStyle/>
+            <a:p>
+              <a:pPr algn="ctr"/>
+              <a:r>
+                <a:rPr lang="en-US" sz="1600" b="1" dirty="0" smtClean="0"/>
+                <a:t>*.</a:t>
+              </a:r>
+              <a:r>
+                <a:rPr lang="en-US" sz="1600" b="1" dirty="0" err="1"/>
+                <a:t>t</a:t>
+              </a:r>
+              <a:r>
+                <a:rPr lang="en-US" sz="1600" b="1" dirty="0" err="1" smtClean="0"/>
+                <a:t>s</a:t>
+              </a:r>
+              <a:endParaRPr lang="en-SG" sz="1600" b="1" dirty="0"/>
+            </a:p>
+          </p:txBody>
+        </p:sp>
+      </p:grpSp>
+      <p:grpSp>
+        <p:nvGrpSpPr>
+          <p:cNvPr id="140" name="Group 139"/>
+          <p:cNvGrpSpPr/>
+          <p:nvPr/>
+        </p:nvGrpSpPr>
+        <p:grpSpPr>
+          <a:xfrm>
+            <a:off x="6214222" y="5795475"/>
+            <a:ext cx="1291478" cy="575162"/>
+            <a:chOff x="3179250" y="6547958"/>
+            <a:chExt cx="1663102" cy="575162"/>
+          </a:xfrm>
+        </p:grpSpPr>
+        <p:sp>
+          <p:nvSpPr>
+            <p:cNvPr id="142" name="Folded Corner 141"/>
+            <p:cNvSpPr/>
+            <p:nvPr/>
+          </p:nvSpPr>
+          <p:spPr>
+            <a:xfrm>
+              <a:off x="3179250" y="6547958"/>
+              <a:ext cx="1466849" cy="406993"/>
+            </a:xfrm>
+            <a:prstGeom prst="foldedCorner">
+              <a:avLst/>
+            </a:prstGeom>
+          </p:spPr>
+          <p:style>
+            <a:lnRef idx="2">
+              <a:schemeClr val="accent5">
+                <a:shade val="50000"/>
+              </a:schemeClr>
+            </a:lnRef>
+            <a:fillRef idx="1">
+              <a:schemeClr val="accent5"/>
+            </a:fillRef>
+            <a:effectRef idx="0">
+              <a:schemeClr val="accent5"/>
+            </a:effectRef>
+            <a:fontRef idx="minor">
+              <a:schemeClr val="lt1"/>
+            </a:fontRef>
+          </p:style>
+          <p:txBody>
+            <a:bodyPr rtlCol="0" anchor="ctr"/>
+            <a:lstStyle/>
+            <a:p>
+              <a:pPr algn="ctr"/>
+              <a:endParaRPr lang="en-SG" sz="1600" b="1" dirty="0"/>
+            </a:p>
+          </p:txBody>
+        </p:sp>
+        <p:sp>
+          <p:nvSpPr>
+            <p:cNvPr id="144" name="Folded Corner 143"/>
+            <p:cNvSpPr/>
+            <p:nvPr/>
+          </p:nvSpPr>
+          <p:spPr>
+            <a:xfrm>
+              <a:off x="3277376" y="6636881"/>
+              <a:ext cx="1466849" cy="406993"/>
+            </a:xfrm>
+            <a:prstGeom prst="foldedCorner">
+              <a:avLst/>
+            </a:prstGeom>
+          </p:spPr>
+          <p:style>
+            <a:lnRef idx="2">
+              <a:schemeClr val="accent5">
+                <a:shade val="50000"/>
+              </a:schemeClr>
+            </a:lnRef>
+            <a:fillRef idx="1">
+              <a:schemeClr val="accent5"/>
+            </a:fillRef>
+            <a:effectRef idx="0">
+              <a:schemeClr val="accent5"/>
+            </a:effectRef>
+            <a:fontRef idx="minor">
+              <a:schemeClr val="lt1"/>
+            </a:fontRef>
+          </p:style>
+          <p:txBody>
+            <a:bodyPr rtlCol="0" anchor="ctr"/>
+            <a:lstStyle/>
+            <a:p>
+              <a:pPr algn="ctr"/>
+              <a:endParaRPr lang="en-SG" sz="1600" b="1" dirty="0"/>
+            </a:p>
+          </p:txBody>
+        </p:sp>
+        <p:sp>
+          <p:nvSpPr>
+            <p:cNvPr id="146" name="Folded Corner 145"/>
+            <p:cNvSpPr/>
+            <p:nvPr/>
+          </p:nvSpPr>
+          <p:spPr>
+            <a:xfrm>
+              <a:off x="3375503" y="6716127"/>
+              <a:ext cx="1466849" cy="406993"/>
+            </a:xfrm>
+            <a:prstGeom prst="foldedCorner">
+              <a:avLst/>
+            </a:prstGeom>
+          </p:spPr>
+          <p:style>
+            <a:lnRef idx="2">
+              <a:schemeClr val="accent5">
+                <a:shade val="50000"/>
+              </a:schemeClr>
+            </a:lnRef>
+            <a:fillRef idx="1">
+              <a:schemeClr val="accent5"/>
+            </a:fillRef>
+            <a:effectRef idx="0">
+              <a:schemeClr val="accent5"/>
+            </a:effectRef>
+            <a:fontRef idx="minor">
+              <a:schemeClr val="lt1"/>
+            </a:fontRef>
+          </p:style>
+          <p:txBody>
+            <a:bodyPr rtlCol="0" anchor="ctr"/>
+            <a:lstStyle/>
+            <a:p>
+              <a:pPr algn="ctr"/>
+              <a:r>
+                <a:rPr lang="en-US" sz="1600" b="1" dirty="0" smtClean="0"/>
+                <a:t>*.html</a:t>
+              </a:r>
+              <a:endParaRPr lang="en-SG" sz="1600" b="1" dirty="0"/>
+            </a:p>
+          </p:txBody>
+        </p:sp>
+      </p:grpSp>
+      <p:sp>
+        <p:nvSpPr>
+          <p:cNvPr id="14" name="Rectangle 13"/>
+          <p:cNvSpPr/>
+          <p:nvPr/>
+        </p:nvSpPr>
+        <p:spPr>
+          <a:xfrm>
+            <a:off x="1605962" y="5402473"/>
+            <a:ext cx="3336240" cy="1725429"/>
+          </a:xfrm>
+          <a:prstGeom prst="rect">
+            <a:avLst/>
+          </a:prstGeom>
+          <a:noFill/>
+          <a:ln>
+            <a:solidFill>
+              <a:schemeClr val="tx1"/>
+            </a:solidFill>
+            <a:prstDash val="sysDot"/>
+          </a:ln>
+        </p:spPr>
+        <p:style>
+          <a:lnRef idx="2">
+            <a:schemeClr val="accent1">
+              <a:shade val="50000"/>
+            </a:schemeClr>
+          </a:lnRef>
+          <a:fillRef idx="1">
+            <a:schemeClr val="accent1"/>
+          </a:fillRef>
+          <a:effectRef idx="0">
+            <a:schemeClr val="accent1"/>
+          </a:effectRef>
+          <a:fontRef idx="minor">
+            <a:schemeClr val="lt1"/>
+          </a:fontRef>
+        </p:style>
+        <p:txBody>
+          <a:bodyPr rtlCol="0" anchor="ctr"/>
+          <a:lstStyle/>
+          <a:p>
+            <a:pPr algn="ctr"/>
+            <a:endParaRPr lang="en-AU"/>
+          </a:p>
+        </p:txBody>
+      </p:sp>
+      <p:sp>
+        <p:nvSpPr>
+          <p:cNvPr id="147" name="Rectangle 146"/>
+          <p:cNvSpPr/>
+          <p:nvPr/>
+        </p:nvSpPr>
+        <p:spPr>
+          <a:xfrm>
+            <a:off x="6095919" y="5677781"/>
+            <a:ext cx="3162381" cy="1509624"/>
+          </a:xfrm>
+          <a:prstGeom prst="rect">
+            <a:avLst/>
+          </a:prstGeom>
+          <a:noFill/>
+          <a:ln>
+            <a:solidFill>
+              <a:schemeClr val="tx1"/>
+            </a:solidFill>
+            <a:prstDash val="sysDot"/>
+          </a:ln>
+        </p:spPr>
+        <p:style>
+          <a:lnRef idx="2">
+            <a:schemeClr val="accent1">
+              <a:shade val="50000"/>
+            </a:schemeClr>
+          </a:lnRef>
+          <a:fillRef idx="1">
+            <a:schemeClr val="accent1"/>
+          </a:fillRef>
+          <a:effectRef idx="0">
+            <a:schemeClr val="accent1"/>
+          </a:effectRef>
+          <a:fontRef idx="minor">
+            <a:schemeClr val="lt1"/>
+          </a:fontRef>
+        </p:style>
+        <p:txBody>
+          <a:bodyPr rtlCol="0" anchor="ctr"/>
+          <a:lstStyle/>
+          <a:p>
+            <a:pPr algn="ctr"/>
+            <a:endParaRPr lang="en-AU"/>
+          </a:p>
+        </p:txBody>
+      </p:sp>
+      <p:sp>
+        <p:nvSpPr>
+          <p:cNvPr id="149" name="TextBox 148"/>
+          <p:cNvSpPr txBox="1"/>
+          <p:nvPr/>
+        </p:nvSpPr>
+        <p:spPr>
+          <a:xfrm>
+            <a:off x="4942202" y="6111298"/>
+            <a:ext cx="1153718" cy="259339"/>
+          </a:xfrm>
+          <a:prstGeom prst="rect">
+            <a:avLst/>
+          </a:prstGeom>
+          <a:grpFill/>
+          <a:ln>
+            <a:noFill/>
+          </a:ln>
+        </p:spPr>
+        <p:style>
+          <a:lnRef idx="2">
+            <a:schemeClr val="accent1">
+              <a:shade val="50000"/>
+            </a:schemeClr>
+          </a:lnRef>
+          <a:fillRef idx="1">
+            <a:schemeClr val="accent1"/>
+          </a:fillRef>
+          <a:effectRef idx="0">
+            <a:schemeClr val="accent1"/>
+          </a:effectRef>
+          <a:fontRef idx="minor">
+            <a:schemeClr val="lt1"/>
+          </a:fontRef>
+        </p:style>
+        <p:txBody>
+          <a:bodyPr rtlCol="0" anchor="t" anchorCtr="0"/>
+          <a:lstStyle>
+            <a:defPPr>
+              <a:defRPr lang="en-US"/>
+            </a:defPPr>
+            <a:lvl1pPr algn="r">
+              <a:defRPr sz="1400" b="1">
+                <a:solidFill>
+                  <a:schemeClr val="accent2">
+                    <a:lumMod val="75000"/>
+                  </a:schemeClr>
+                </a:solidFill>
+              </a:defRPr>
+            </a:lvl1pPr>
+          </a:lstStyle>
+          <a:p>
+            <a:pPr algn="ctr"/>
+            <a:r>
+              <a:rPr lang="en-US" dirty="0" smtClean="0">
+                <a:solidFill>
+                  <a:schemeClr val="tx1"/>
+                </a:solidFill>
+              </a:rPr>
+              <a:t>built from</a:t>
+            </a:r>
+            <a:endParaRPr lang="en-SG" dirty="0">
+              <a:solidFill>
+                <a:schemeClr val="tx1"/>
+              </a:solidFill>
+            </a:endParaRPr>
           </a:p>
         </p:txBody>
       </p:sp>

--- a/docs/images/UiComponent.pptx
+++ b/docs/images/UiComponent.pptx
@@ -214,7 +214,7 @@
           <a:p>
             <a:fld id="{DAE90588-295F-46D9-AA84-06B159A30412}" type="datetimeFigureOut">
               <a:rPr lang="en-AU" smtClean="0"/>
-              <a:t>19/09/2018</a:t>
+              <a:t>31/01/2017</a:t>
             </a:fld>
             <a:endParaRPr lang="en-AU"/>
           </a:p>
@@ -379,7 +379,7 @@
           <a:p>
             <a:fld id="{DC50A2AC-D691-437C-A69B-81ECFE08AD4B}" type="datetimeFigureOut">
               <a:rPr lang="en-SG" smtClean="0"/>
-              <a:t>19/9/2018</a:t>
+              <a:t>31/1/2017</a:t>
             </a:fld>
             <a:endParaRPr lang="en-SG"/>
           </a:p>
@@ -932,7 +932,7 @@
             <a:fld id="{1D8BD707-D9CF-40AE-B4C6-C98DA3205C09}" type="datetimeFigureOut">
               <a:rPr lang="en-US" smtClean="0"/>
               <a:pPr/>
-              <a:t>9/19/2018</a:t>
+              <a:t>1/31/2017</a:t>
             </a:fld>
             <a:endParaRPr lang="en-US"/>
           </a:p>
@@ -1139,7 +1139,7 @@
             <a:fld id="{1D8BD707-D9CF-40AE-B4C6-C98DA3205C09}" type="datetimeFigureOut">
               <a:rPr lang="en-US" smtClean="0"/>
               <a:pPr/>
-              <a:t>9/19/2018</a:t>
+              <a:t>1/31/2017</a:t>
             </a:fld>
             <a:endParaRPr lang="en-US"/>
           </a:p>
@@ -1346,7 +1346,7 @@
             <a:fld id="{1D8BD707-D9CF-40AE-B4C6-C98DA3205C09}" type="datetimeFigureOut">
               <a:rPr lang="en-US" smtClean="0"/>
               <a:pPr/>
-              <a:t>9/19/2018</a:t>
+              <a:t>1/31/2017</a:t>
             </a:fld>
             <a:endParaRPr lang="en-US"/>
           </a:p>
@@ -1553,7 +1553,7 @@
             <a:fld id="{1D8BD707-D9CF-40AE-B4C6-C98DA3205C09}" type="datetimeFigureOut">
               <a:rPr lang="en-US" smtClean="0"/>
               <a:pPr/>
-              <a:t>9/19/2018</a:t>
+              <a:t>1/31/2017</a:t>
             </a:fld>
             <a:endParaRPr lang="en-US"/>
           </a:p>
@@ -1826,7 +1826,7 @@
             <a:fld id="{1D8BD707-D9CF-40AE-B4C6-C98DA3205C09}" type="datetimeFigureOut">
               <a:rPr lang="en-US" smtClean="0"/>
               <a:pPr/>
-              <a:t>9/19/2018</a:t>
+              <a:t>1/31/2017</a:t>
             </a:fld>
             <a:endParaRPr lang="en-US"/>
           </a:p>
@@ -2149,7 +2149,7 @@
             <a:fld id="{1D8BD707-D9CF-40AE-B4C6-C98DA3205C09}" type="datetimeFigureOut">
               <a:rPr lang="en-US" smtClean="0"/>
               <a:pPr/>
-              <a:t>9/19/2018</a:t>
+              <a:t>1/31/2017</a:t>
             </a:fld>
             <a:endParaRPr lang="en-US"/>
           </a:p>
@@ -2612,7 +2612,7 @@
             <a:fld id="{1D8BD707-D9CF-40AE-B4C6-C98DA3205C09}" type="datetimeFigureOut">
               <a:rPr lang="en-US" smtClean="0"/>
               <a:pPr/>
-              <a:t>9/19/2018</a:t>
+              <a:t>1/31/2017</a:t>
             </a:fld>
             <a:endParaRPr lang="en-US"/>
           </a:p>
@@ -2759,7 +2759,7 @@
             <a:fld id="{1D8BD707-D9CF-40AE-B4C6-C98DA3205C09}" type="datetimeFigureOut">
               <a:rPr lang="en-US" smtClean="0"/>
               <a:pPr/>
-              <a:t>9/19/2018</a:t>
+              <a:t>1/31/2017</a:t>
             </a:fld>
             <a:endParaRPr lang="en-US"/>
           </a:p>
@@ -2875,7 +2875,7 @@
             <a:fld id="{1D8BD707-D9CF-40AE-B4C6-C98DA3205C09}" type="datetimeFigureOut">
               <a:rPr lang="en-US" smtClean="0"/>
               <a:pPr/>
-              <a:t>9/19/2018</a:t>
+              <a:t>1/31/2017</a:t>
             </a:fld>
             <a:endParaRPr lang="en-US"/>
           </a:p>
@@ -3182,7 +3182,7 @@
             <a:fld id="{1D8BD707-D9CF-40AE-B4C6-C98DA3205C09}" type="datetimeFigureOut">
               <a:rPr lang="en-US" smtClean="0"/>
               <a:pPr/>
-              <a:t>9/19/2018</a:t>
+              <a:t>1/31/2017</a:t>
             </a:fld>
             <a:endParaRPr lang="en-US"/>
           </a:p>
@@ -3465,7 +3465,7 @@
             <a:fld id="{1D8BD707-D9CF-40AE-B4C6-C98DA3205C09}" type="datetimeFigureOut">
               <a:rPr lang="en-US" smtClean="0"/>
               <a:pPr/>
-              <a:t>9/19/2018</a:t>
+              <a:t>1/31/2017</a:t>
             </a:fld>
             <a:endParaRPr lang="en-US"/>
           </a:p>
@@ -3773,7 +3773,7 @@
         <p:grpSpPr>
           <a:xfrm>
             <a:off x="1504438" y="5075237"/>
-            <a:ext cx="7941631" cy="2209800"/>
+            <a:ext cx="4281095" cy="2209800"/>
             <a:chOff x="-6244711" y="1678727"/>
             <a:chExt cx="7387711" cy="2677315"/>
           </a:xfrm>
@@ -3789,8 +3789,8 @@
           </p:nvSpPr>
           <p:spPr>
             <a:xfrm>
-              <a:off x="-6244711" y="1945511"/>
-              <a:ext cx="7387711" cy="2410531"/>
+              <a:off x="-6244711" y="1853192"/>
+              <a:ext cx="7387711" cy="2502850"/>
             </a:xfrm>
             <a:prstGeom prst="rect">
               <a:avLst/>
@@ -3863,8 +3863,8 @@
           </p:nvSpPr>
           <p:spPr>
             <a:xfrm>
-              <a:off x="-84704" y="1678727"/>
-              <a:ext cx="1227704" cy="252114"/>
+              <a:off x="-754876" y="1678727"/>
+              <a:ext cx="1897875" cy="174465"/>
             </a:xfrm>
             <a:prstGeom prst="rect">
               <a:avLst/>
@@ -4122,6 +4122,308 @@
               <a:avLst/>
             </a:prstGeom>
             <a:grpFill/>
+            <a:ln>
+              <a:solidFill>
+                <a:schemeClr val="accent1">
+                  <a:lumMod val="75000"/>
+                </a:schemeClr>
+              </a:solidFill>
+            </a:ln>
+          </p:spPr>
+          <p:style>
+            <a:lnRef idx="2">
+              <a:schemeClr val="accent1">
+                <a:shade val="50000"/>
+              </a:schemeClr>
+            </a:lnRef>
+            <a:fillRef idx="1">
+              <a:schemeClr val="accent1"/>
+            </a:fillRef>
+            <a:effectRef idx="0">
+              <a:schemeClr val="accent1"/>
+            </a:effectRef>
+            <a:fontRef idx="minor">
+              <a:schemeClr val="lt1"/>
+            </a:fontRef>
+          </p:style>
+          <p:txBody>
+            <a:bodyPr rtlCol="0" anchor="t" anchorCtr="0"/>
+            <a:lstStyle/>
+            <a:p>
+              <a:endParaRPr lang="en-SG" sz="1400" b="1">
+                <a:solidFill>
+                  <a:schemeClr val="accent1">
+                    <a:lumMod val="75000"/>
+                  </a:schemeClr>
+                </a:solidFill>
+              </a:endParaRPr>
+            </a:p>
+          </p:txBody>
+        </p:sp>
+      </p:grpSp>
+      <p:grpSp>
+        <p:nvGrpSpPr>
+          <p:cNvPr id="2" name="Group 1"/>
+          <p:cNvGrpSpPr/>
+          <p:nvPr userDrawn="1"/>
+        </p:nvGrpSpPr>
+        <p:grpSpPr>
+          <a:xfrm>
+            <a:off x="5928704" y="5075237"/>
+            <a:ext cx="3544192" cy="1066800"/>
+            <a:chOff x="5576821" y="5075237"/>
+            <a:chExt cx="3480396" cy="1066800"/>
+          </a:xfrm>
+        </p:grpSpPr>
+        <p:sp>
+          <p:nvSpPr>
+            <p:cNvPr id="22" name="Rectangle 21"/>
+            <p:cNvSpPr/>
+            <p:nvPr/>
+          </p:nvSpPr>
+          <p:spPr>
+            <a:xfrm>
+              <a:off x="5576821" y="5075237"/>
+              <a:ext cx="3316931" cy="1066800"/>
+            </a:xfrm>
+            <a:prstGeom prst="rect">
+              <a:avLst/>
+            </a:prstGeom>
+            <a:solidFill>
+              <a:schemeClr val="bg1"/>
+            </a:solidFill>
+            <a:ln>
+              <a:solidFill>
+                <a:schemeClr val="accent1">
+                  <a:lumMod val="75000"/>
+                </a:schemeClr>
+              </a:solidFill>
+            </a:ln>
+          </p:spPr>
+          <p:style>
+            <a:lnRef idx="2">
+              <a:schemeClr val="accent1">
+                <a:shade val="50000"/>
+              </a:schemeClr>
+            </a:lnRef>
+            <a:fillRef idx="1">
+              <a:schemeClr val="accent1"/>
+            </a:fillRef>
+            <a:effectRef idx="0">
+              <a:schemeClr val="accent1"/>
+            </a:effectRef>
+            <a:fontRef idx="minor">
+              <a:schemeClr val="lt1"/>
+            </a:fontRef>
+          </p:style>
+          <p:txBody>
+            <a:bodyPr rtlCol="0" anchor="t" anchorCtr="0"/>
+            <a:lstStyle/>
+            <a:p>
+              <a:pPr algn="r"/>
+              <a:r>
+                <a:rPr lang="en-US" sz="1400" b="1" dirty="0" err="1" smtClean="0">
+                  <a:solidFill>
+                    <a:schemeClr val="accent1">
+                      <a:lumMod val="75000"/>
+                    </a:schemeClr>
+                  </a:solidFill>
+                </a:rPr>
+                <a:t>ui</a:t>
+              </a:r>
+              <a:r>
+                <a:rPr lang="en-US" sz="1400" b="1" dirty="0" smtClean="0">
+                  <a:solidFill>
+                    <a:schemeClr val="accent1">
+                      <a:lumMod val="75000"/>
+                    </a:schemeClr>
+                  </a:solidFill>
+                </a:rPr>
+                <a:t>::</a:t>
+              </a:r>
+              <a:r>
+                <a:rPr lang="en-US" sz="1400" b="1" dirty="0" err="1" smtClean="0">
+                  <a:solidFill>
+                    <a:schemeClr val="accent1">
+                      <a:lumMod val="75000"/>
+                    </a:schemeClr>
+                  </a:solidFill>
+                </a:rPr>
+                <a:t>pagedata</a:t>
+              </a:r>
+              <a:endParaRPr lang="en-SG" sz="1400" b="1" dirty="0">
+                <a:solidFill>
+                  <a:schemeClr val="accent1">
+                    <a:lumMod val="75000"/>
+                  </a:schemeClr>
+                </a:solidFill>
+              </a:endParaRPr>
+            </a:p>
+          </p:txBody>
+        </p:sp>
+        <p:sp>
+          <p:nvSpPr>
+            <p:cNvPr id="25" name="Rectangle 24"/>
+            <p:cNvSpPr/>
+            <p:nvPr userDrawn="1"/>
+          </p:nvSpPr>
+          <p:spPr>
+            <a:xfrm>
+              <a:off x="8902345" y="5075237"/>
+              <a:ext cx="154872" cy="792000"/>
+            </a:xfrm>
+            <a:prstGeom prst="rect">
+              <a:avLst/>
+            </a:prstGeom>
+            <a:solidFill>
+              <a:schemeClr val="bg1"/>
+            </a:solidFill>
+            <a:ln>
+              <a:solidFill>
+                <a:schemeClr val="accent1">
+                  <a:lumMod val="75000"/>
+                </a:schemeClr>
+              </a:solidFill>
+            </a:ln>
+          </p:spPr>
+          <p:style>
+            <a:lnRef idx="2">
+              <a:schemeClr val="accent1">
+                <a:shade val="50000"/>
+              </a:schemeClr>
+            </a:lnRef>
+            <a:fillRef idx="1">
+              <a:schemeClr val="accent1"/>
+            </a:fillRef>
+            <a:effectRef idx="0">
+              <a:schemeClr val="accent1"/>
+            </a:effectRef>
+            <a:fontRef idx="minor">
+              <a:schemeClr val="lt1"/>
+            </a:fontRef>
+          </p:style>
+          <p:txBody>
+            <a:bodyPr rtlCol="0" anchor="t" anchorCtr="0"/>
+            <a:lstStyle/>
+            <a:p>
+              <a:endParaRPr lang="en-SG" sz="1400" b="1">
+                <a:solidFill>
+                  <a:schemeClr val="accent1">
+                    <a:lumMod val="75000"/>
+                  </a:schemeClr>
+                </a:solidFill>
+              </a:endParaRPr>
+            </a:p>
+          </p:txBody>
+        </p:sp>
+      </p:grpSp>
+      <p:grpSp>
+        <p:nvGrpSpPr>
+          <p:cNvPr id="3" name="Group 2"/>
+          <p:cNvGrpSpPr/>
+          <p:nvPr userDrawn="1"/>
+        </p:nvGrpSpPr>
+        <p:grpSpPr>
+          <a:xfrm>
+            <a:off x="5928843" y="6238070"/>
+            <a:ext cx="3542435" cy="1066800"/>
+            <a:chOff x="5667105" y="6238070"/>
+            <a:chExt cx="3478669" cy="1066800"/>
+          </a:xfrm>
+        </p:grpSpPr>
+        <p:sp>
+          <p:nvSpPr>
+            <p:cNvPr id="24" name="Rectangle 23"/>
+            <p:cNvSpPr/>
+            <p:nvPr userDrawn="1"/>
+          </p:nvSpPr>
+          <p:spPr>
+            <a:xfrm>
+              <a:off x="5667105" y="6238070"/>
+              <a:ext cx="3316931" cy="1066800"/>
+            </a:xfrm>
+            <a:prstGeom prst="rect">
+              <a:avLst/>
+            </a:prstGeom>
+            <a:solidFill>
+              <a:schemeClr val="bg1"/>
+            </a:solidFill>
+            <a:ln>
+              <a:solidFill>
+                <a:schemeClr val="accent1">
+                  <a:lumMod val="75000"/>
+                </a:schemeClr>
+              </a:solidFill>
+            </a:ln>
+          </p:spPr>
+          <p:style>
+            <a:lnRef idx="2">
+              <a:schemeClr val="accent1">
+                <a:shade val="50000"/>
+              </a:schemeClr>
+            </a:lnRef>
+            <a:fillRef idx="1">
+              <a:schemeClr val="accent1"/>
+            </a:fillRef>
+            <a:effectRef idx="0">
+              <a:schemeClr val="accent1"/>
+            </a:effectRef>
+            <a:fontRef idx="minor">
+              <a:schemeClr val="lt1"/>
+            </a:fontRef>
+          </p:style>
+          <p:txBody>
+            <a:bodyPr rtlCol="0" anchor="t" anchorCtr="0"/>
+            <a:lstStyle/>
+            <a:p>
+              <a:pPr algn="r"/>
+              <a:r>
+                <a:rPr lang="en-US" sz="1400" b="1" dirty="0" err="1" smtClean="0">
+                  <a:solidFill>
+                    <a:schemeClr val="accent1">
+                      <a:lumMod val="75000"/>
+                    </a:schemeClr>
+                  </a:solidFill>
+                </a:rPr>
+                <a:t>ui</a:t>
+              </a:r>
+              <a:r>
+                <a:rPr lang="en-US" sz="1400" b="1" dirty="0" smtClean="0">
+                  <a:solidFill>
+                    <a:schemeClr val="accent1">
+                      <a:lumMod val="75000"/>
+                    </a:schemeClr>
+                  </a:solidFill>
+                </a:rPr>
+                <a:t>::template</a:t>
+              </a:r>
+              <a:endParaRPr lang="en-SG" sz="1400" b="1" dirty="0">
+                <a:solidFill>
+                  <a:schemeClr val="accent1">
+                    <a:lumMod val="75000"/>
+                  </a:schemeClr>
+                </a:solidFill>
+              </a:endParaRPr>
+            </a:p>
+          </p:txBody>
+        </p:sp>
+        <p:sp>
+          <p:nvSpPr>
+            <p:cNvPr id="26" name="Rectangle 25"/>
+            <p:cNvSpPr/>
+            <p:nvPr userDrawn="1"/>
+          </p:nvSpPr>
+          <p:spPr>
+            <a:xfrm>
+              <a:off x="8990902" y="6238070"/>
+              <a:ext cx="154872" cy="792000"/>
+            </a:xfrm>
+            <a:prstGeom prst="rect">
+              <a:avLst/>
+            </a:prstGeom>
+            <a:solidFill>
+              <a:schemeClr val="bg1"/>
+            </a:solidFill>
             <a:ln>
               <a:solidFill>
                 <a:schemeClr val="accent1">
@@ -5095,13 +5397,152 @@
           <a:p>
             <a:pPr algn="ctr"/>
             <a:r>
-              <a:rPr lang="en-US" sz="1600" b="1" dirty="0" err="1" smtClean="0"/>
-              <a:t>WebApiServlet</a:t>
+              <a:rPr lang="en-US" sz="1600" b="1" dirty="0" err="1"/>
+              <a:t>ControllerServlet</a:t>
             </a:r>
             <a:endParaRPr lang="en-SG" sz="1600" b="1" dirty="0"/>
           </a:p>
         </p:txBody>
       </p:sp>
+      <p:grpSp>
+        <p:nvGrpSpPr>
+          <p:cNvPr id="99" name="Group 98"/>
+          <p:cNvGrpSpPr/>
+          <p:nvPr/>
+        </p:nvGrpSpPr>
+        <p:grpSpPr>
+          <a:xfrm>
+            <a:off x="1763399" y="3627437"/>
+            <a:ext cx="1551301" cy="531646"/>
+            <a:chOff x="1535112" y="3948357"/>
+            <a:chExt cx="1551301" cy="531646"/>
+          </a:xfrm>
+        </p:grpSpPr>
+        <p:sp>
+          <p:nvSpPr>
+            <p:cNvPr id="100" name="Rectangle 99"/>
+            <p:cNvSpPr/>
+            <p:nvPr/>
+          </p:nvSpPr>
+          <p:spPr>
+            <a:xfrm>
+              <a:off x="1535112" y="3948357"/>
+              <a:ext cx="1398903" cy="377438"/>
+            </a:xfrm>
+            <a:prstGeom prst="rect">
+              <a:avLst/>
+            </a:prstGeom>
+          </p:spPr>
+          <p:style>
+            <a:lnRef idx="2">
+              <a:schemeClr val="accent1">
+                <a:shade val="50000"/>
+              </a:schemeClr>
+            </a:lnRef>
+            <a:fillRef idx="1">
+              <a:schemeClr val="accent1"/>
+            </a:fillRef>
+            <a:effectRef idx="0">
+              <a:schemeClr val="accent1"/>
+            </a:effectRef>
+            <a:fontRef idx="minor">
+              <a:schemeClr val="lt1"/>
+            </a:fontRef>
+          </p:style>
+          <p:txBody>
+            <a:bodyPr rtlCol="0" anchor="ctr"/>
+            <a:lstStyle/>
+            <a:p>
+              <a:pPr algn="ctr"/>
+              <a:endParaRPr lang="en-SG" sz="1600" b="1" dirty="0"/>
+            </a:p>
+          </p:txBody>
+        </p:sp>
+        <p:sp>
+          <p:nvSpPr>
+            <p:cNvPr id="101" name="Rectangle 100"/>
+            <p:cNvSpPr/>
+            <p:nvPr/>
+          </p:nvSpPr>
+          <p:spPr>
+            <a:xfrm>
+              <a:off x="1611311" y="4020049"/>
+              <a:ext cx="1398903" cy="377438"/>
+            </a:xfrm>
+            <a:prstGeom prst="rect">
+              <a:avLst/>
+            </a:prstGeom>
+          </p:spPr>
+          <p:style>
+            <a:lnRef idx="2">
+              <a:schemeClr val="accent1">
+                <a:shade val="50000"/>
+              </a:schemeClr>
+            </a:lnRef>
+            <a:fillRef idx="1">
+              <a:schemeClr val="accent1"/>
+            </a:fillRef>
+            <a:effectRef idx="0">
+              <a:schemeClr val="accent1"/>
+            </a:effectRef>
+            <a:fontRef idx="minor">
+              <a:schemeClr val="lt1"/>
+            </a:fontRef>
+          </p:style>
+          <p:txBody>
+            <a:bodyPr rtlCol="0" anchor="ctr"/>
+            <a:lstStyle/>
+            <a:p>
+              <a:pPr algn="ctr"/>
+              <a:endParaRPr lang="en-SG" sz="1600" b="1" dirty="0"/>
+            </a:p>
+          </p:txBody>
+        </p:sp>
+        <p:sp>
+          <p:nvSpPr>
+            <p:cNvPr id="102" name="Rectangle 101"/>
+            <p:cNvSpPr/>
+            <p:nvPr/>
+          </p:nvSpPr>
+          <p:spPr>
+            <a:xfrm>
+              <a:off x="1687510" y="4102565"/>
+              <a:ext cx="1398903" cy="377438"/>
+            </a:xfrm>
+            <a:prstGeom prst="rect">
+              <a:avLst/>
+            </a:prstGeom>
+          </p:spPr>
+          <p:style>
+            <a:lnRef idx="2">
+              <a:schemeClr val="accent1">
+                <a:shade val="50000"/>
+              </a:schemeClr>
+            </a:lnRef>
+            <a:fillRef idx="1">
+              <a:schemeClr val="accent1"/>
+            </a:fillRef>
+            <a:effectRef idx="0">
+              <a:schemeClr val="accent1"/>
+            </a:effectRef>
+            <a:fontRef idx="minor">
+              <a:schemeClr val="lt1"/>
+            </a:fontRef>
+          </p:style>
+          <p:txBody>
+            <a:bodyPr rtlCol="0" anchor="ctr"/>
+            <a:lstStyle/>
+            <a:p>
+              <a:pPr algn="ctr"/>
+              <a:r>
+                <a:rPr lang="en-US" sz="1600" b="1" dirty="0"/>
+                <a:t>*Servlet</a:t>
+              </a:r>
+              <a:endParaRPr lang="en-SG" sz="1600" b="1" dirty="0"/>
+            </a:p>
+          </p:txBody>
+        </p:sp>
+      </p:grpSp>
       <p:cxnSp>
         <p:nvCxnSpPr>
           <p:cNvPr id="103" name="Elbow Connector 102"/>
@@ -5154,113 +5595,18 @@
         </p:nvSpPr>
         <p:spPr>
           <a:xfrm>
-            <a:off x="5295900" y="3079573"/>
+            <a:off x="5303929" y="3079573"/>
             <a:ext cx="2163078" cy="360000"/>
           </a:xfrm>
           <a:prstGeom prst="rect">
             <a:avLst/>
           </a:prstGeom>
-          <a:ln/>
-        </p:spPr>
-        <p:style>
-          <a:lnRef idx="2">
-            <a:schemeClr val="accent3">
-              <a:shade val="50000"/>
-            </a:schemeClr>
-          </a:lnRef>
-          <a:fillRef idx="1">
-            <a:schemeClr val="accent3"/>
-          </a:fillRef>
-          <a:effectRef idx="0">
-            <a:schemeClr val="accent3"/>
-          </a:effectRef>
-          <a:fontRef idx="minor">
-            <a:schemeClr val="lt1"/>
-          </a:fontRef>
-        </p:style>
-        <p:txBody>
-          <a:bodyPr rtlCol="0" anchor="ctr"/>
-          <a:lstStyle/>
-          <a:p>
-            <a:pPr algn="ctr"/>
-            <a:r>
-              <a:rPr lang="en-US" sz="1600" b="1" dirty="0" err="1"/>
-              <a:t>ActionResult</a:t>
-            </a:r>
-            <a:endParaRPr lang="en-SG" sz="1600" b="1" dirty="0"/>
-          </a:p>
-        </p:txBody>
-      </p:sp>
-      <p:sp>
-        <p:nvSpPr>
-          <p:cNvPr id="105" name="Rectangle 104"/>
-          <p:cNvSpPr/>
-          <p:nvPr/>
-        </p:nvSpPr>
-        <p:spPr>
-          <a:xfrm>
-            <a:off x="6914877" y="4316211"/>
-            <a:ext cx="1980000" cy="360000"/>
-          </a:xfrm>
-          <a:prstGeom prst="rect">
-            <a:avLst/>
-          </a:prstGeom>
-          <a:ln/>
-        </p:spPr>
-        <p:style>
-          <a:lnRef idx="2">
-            <a:schemeClr val="accent3">
-              <a:shade val="50000"/>
-            </a:schemeClr>
-          </a:lnRef>
-          <a:fillRef idx="1">
-            <a:schemeClr val="accent3"/>
-          </a:fillRef>
-          <a:effectRef idx="0">
-            <a:schemeClr val="accent3"/>
-          </a:effectRef>
-          <a:fontRef idx="minor">
-            <a:schemeClr val="lt1"/>
-          </a:fontRef>
-        </p:style>
-        <p:txBody>
-          <a:bodyPr rtlCol="0" anchor="ctr"/>
-          <a:lstStyle/>
-          <a:p>
-            <a:pPr algn="ctr"/>
-            <a:r>
-              <a:rPr lang="en-US" sz="1600" b="1" dirty="0" err="1" smtClean="0"/>
-              <a:t>FileDownloadResult</a:t>
-            </a:r>
-            <a:endParaRPr lang="en-SG" sz="1600" b="1" dirty="0"/>
-          </a:p>
-        </p:txBody>
-      </p:sp>
-      <p:sp>
-        <p:nvSpPr>
-          <p:cNvPr id="106" name="Isosceles Triangle 105"/>
-          <p:cNvSpPr/>
-          <p:nvPr/>
-        </p:nvSpPr>
-        <p:spPr>
-          <a:xfrm>
-            <a:off x="6273526" y="3449267"/>
-            <a:ext cx="216000" cy="216000"/>
-          </a:xfrm>
-          <a:prstGeom prst="triangle">
-            <a:avLst/>
-          </a:prstGeom>
           <a:solidFill>
-            <a:schemeClr val="accent3">
-              <a:lumMod val="60000"/>
-              <a:lumOff val="40000"/>
-            </a:schemeClr>
+            <a:srgbClr val="92D050"/>
           </a:solidFill>
           <a:ln>
             <a:solidFill>
-              <a:schemeClr val="accent3">
-                <a:lumMod val="75000"/>
-              </a:schemeClr>
+              <a:srgbClr val="00B050"/>
             </a:solidFill>
           </a:ln>
         </p:spPr>
@@ -5285,6 +5631,110 @@
           <a:lstStyle/>
           <a:p>
             <a:pPr algn="ctr"/>
+            <a:r>
+              <a:rPr lang="en-US" sz="1600" b="1" dirty="0" err="1"/>
+              <a:t>ActionResult</a:t>
+            </a:r>
+            <a:endParaRPr lang="en-SG" sz="1600" b="1" dirty="0"/>
+          </a:p>
+        </p:txBody>
+      </p:sp>
+      <p:sp>
+        <p:nvSpPr>
+          <p:cNvPr id="105" name="Rectangle 104"/>
+          <p:cNvSpPr/>
+          <p:nvPr/>
+        </p:nvSpPr>
+        <p:spPr>
+          <a:xfrm>
+            <a:off x="7238407" y="4316211"/>
+            <a:ext cx="1980000" cy="360000"/>
+          </a:xfrm>
+          <a:prstGeom prst="rect">
+            <a:avLst/>
+          </a:prstGeom>
+          <a:solidFill>
+            <a:srgbClr val="92D050"/>
+          </a:solidFill>
+          <a:ln>
+            <a:solidFill>
+              <a:srgbClr val="00B050"/>
+            </a:solidFill>
+          </a:ln>
+        </p:spPr>
+        <p:style>
+          <a:lnRef idx="2">
+            <a:schemeClr val="accent6">
+              <a:shade val="50000"/>
+            </a:schemeClr>
+          </a:lnRef>
+          <a:fillRef idx="1">
+            <a:schemeClr val="accent6"/>
+          </a:fillRef>
+          <a:effectRef idx="0">
+            <a:schemeClr val="accent6"/>
+          </a:effectRef>
+          <a:fontRef idx="minor">
+            <a:schemeClr val="lt1"/>
+          </a:fontRef>
+        </p:style>
+        <p:txBody>
+          <a:bodyPr rtlCol="0" anchor="ctr"/>
+          <a:lstStyle/>
+          <a:p>
+            <a:pPr algn="ctr"/>
+            <a:r>
+              <a:rPr lang="en-US" sz="1600" b="1" dirty="0" err="1"/>
+              <a:t>ShowPageResult</a:t>
+            </a:r>
+            <a:endParaRPr lang="en-SG" sz="1600" b="1" dirty="0"/>
+          </a:p>
+        </p:txBody>
+      </p:sp>
+      <p:sp>
+        <p:nvSpPr>
+          <p:cNvPr id="106" name="Isosceles Triangle 105"/>
+          <p:cNvSpPr/>
+          <p:nvPr/>
+        </p:nvSpPr>
+        <p:spPr>
+          <a:xfrm>
+            <a:off x="6412807" y="3449397"/>
+            <a:ext cx="216000" cy="216000"/>
+          </a:xfrm>
+          <a:prstGeom prst="triangle">
+            <a:avLst/>
+          </a:prstGeom>
+          <a:solidFill>
+            <a:srgbClr val="92D050"/>
+          </a:solidFill>
+          <a:ln>
+            <a:solidFill>
+              <a:srgbClr val="00B050"/>
+            </a:solidFill>
+          </a:ln>
+        </p:spPr>
+        <p:style>
+          <a:lnRef idx="2">
+            <a:schemeClr val="accent6">
+              <a:shade val="50000"/>
+            </a:schemeClr>
+          </a:lnRef>
+          <a:fillRef idx="1">
+            <a:schemeClr val="accent6"/>
+          </a:fillRef>
+          <a:effectRef idx="0">
+            <a:schemeClr val="accent6"/>
+          </a:effectRef>
+          <a:fontRef idx="minor">
+            <a:schemeClr val="lt1"/>
+          </a:fontRef>
+        </p:style>
+        <p:txBody>
+          <a:bodyPr rtlCol="0" anchor="ctr"/>
+          <a:lstStyle/>
+          <a:p>
+            <a:pPr algn="ctr"/>
             <a:endParaRPr lang="en-SG" sz="1600" b="1"/>
           </a:p>
         </p:txBody>
@@ -5300,8 +5750,8 @@
         </p:nvCxnSpPr>
         <p:spPr>
           <a:xfrm rot="16200000" flipH="1">
-            <a:off x="6232729" y="3814063"/>
-            <a:ext cx="830944" cy="533351"/>
+            <a:off x="6464200" y="3722004"/>
+            <a:ext cx="830814" cy="717600"/>
           </a:xfrm>
           <a:prstGeom prst="bentConnector2">
             <a:avLst/>
@@ -5311,9 +5761,7 @@
           </a:solidFill>
           <a:ln>
             <a:solidFill>
-              <a:schemeClr val="accent3">
-                <a:lumMod val="75000"/>
-              </a:schemeClr>
+              <a:srgbClr val="00B050"/>
             </a:solidFill>
           </a:ln>
         </p:spPr>
@@ -5342,25 +5790,32 @@
         </p:nvSpPr>
         <p:spPr>
           <a:xfrm>
-            <a:off x="6907207" y="3773119"/>
+            <a:off x="7230737" y="3773119"/>
             <a:ext cx="1980000" cy="360000"/>
           </a:xfrm>
           <a:prstGeom prst="rect">
             <a:avLst/>
           </a:prstGeom>
-          <a:ln/>
+          <a:solidFill>
+            <a:srgbClr val="92D050"/>
+          </a:solidFill>
+          <a:ln>
+            <a:solidFill>
+              <a:srgbClr val="00B050"/>
+            </a:solidFill>
+          </a:ln>
         </p:spPr>
         <p:style>
           <a:lnRef idx="2">
-            <a:schemeClr val="accent3">
+            <a:schemeClr val="accent6">
               <a:shade val="50000"/>
             </a:schemeClr>
           </a:lnRef>
           <a:fillRef idx="1">
-            <a:schemeClr val="accent3"/>
+            <a:schemeClr val="accent6"/>
           </a:fillRef>
           <a:effectRef idx="0">
-            <a:schemeClr val="accent3"/>
+            <a:schemeClr val="accent6"/>
           </a:effectRef>
           <a:fontRef idx="minor">
             <a:schemeClr val="lt1"/>
@@ -5390,8 +5845,8 @@
         </p:nvCxnSpPr>
         <p:spPr>
           <a:xfrm rot="16200000" flipH="1">
-            <a:off x="6500440" y="3546352"/>
-            <a:ext cx="287852" cy="525681"/>
+            <a:off x="6731911" y="3454293"/>
+            <a:ext cx="287722" cy="709930"/>
           </a:xfrm>
           <a:prstGeom prst="bentConnector2">
             <a:avLst/>
@@ -5401,9 +5856,7 @@
           </a:solidFill>
           <a:ln>
             <a:solidFill>
-              <a:schemeClr val="accent3">
-                <a:lumMod val="75000"/>
-              </a:schemeClr>
+              <a:srgbClr val="00B050"/>
             </a:solidFill>
           </a:ln>
         </p:spPr>
@@ -5850,8 +6303,8 @@
         </p:nvCxnSpPr>
         <p:spPr>
           <a:xfrm rot="16200000" flipH="1">
-            <a:off x="3836880" y="1800553"/>
-            <a:ext cx="412162" cy="2505877"/>
+            <a:off x="3840895" y="1796539"/>
+            <a:ext cx="412162" cy="2513906"/>
           </a:xfrm>
           <a:prstGeom prst="bentConnector2">
             <a:avLst/>
@@ -5935,8 +6388,8 @@
         </p:nvCxnSpPr>
         <p:spPr>
           <a:xfrm rot="5400000">
-            <a:off x="7514589" y="2786955"/>
-            <a:ext cx="417008" cy="528229"/>
+            <a:off x="7518603" y="2790969"/>
+            <a:ext cx="417008" cy="520200"/>
           </a:xfrm>
           <a:prstGeom prst="bentConnector2">
             <a:avLst/>
@@ -6100,25 +6553,32 @@
         </p:nvSpPr>
         <p:spPr>
           <a:xfrm>
-            <a:off x="4312970" y="4317601"/>
-            <a:ext cx="1517851" cy="358610"/>
+            <a:off x="3746839" y="4317601"/>
+            <a:ext cx="1980000" cy="360000"/>
           </a:xfrm>
           <a:prstGeom prst="rect">
             <a:avLst/>
           </a:prstGeom>
-          <a:ln/>
+          <a:solidFill>
+            <a:srgbClr val="92D050"/>
+          </a:solidFill>
+          <a:ln>
+            <a:solidFill>
+              <a:srgbClr val="00B050"/>
+            </a:solidFill>
+          </a:ln>
         </p:spPr>
         <p:style>
           <a:lnRef idx="2">
-            <a:schemeClr val="accent3">
+            <a:schemeClr val="accent6">
               <a:shade val="50000"/>
             </a:schemeClr>
           </a:lnRef>
           <a:fillRef idx="1">
-            <a:schemeClr val="accent3"/>
+            <a:schemeClr val="accent6"/>
           </a:fillRef>
           <a:effectRef idx="0">
-            <a:schemeClr val="accent3"/>
+            <a:schemeClr val="accent6"/>
           </a:effectRef>
           <a:fontRef idx="minor">
             <a:schemeClr val="lt1"/>
@@ -6130,8 +6590,8 @@
           <a:p>
             <a:pPr algn="ctr"/>
             <a:r>
-              <a:rPr lang="en-US" sz="1600" b="1" dirty="0" err="1" smtClean="0"/>
-              <a:t>ImageResult</a:t>
+              <a:rPr lang="en-US" sz="1600" b="1" dirty="0" err="1"/>
+              <a:t>AjaxResult</a:t>
             </a:r>
             <a:endParaRPr lang="en-SG" sz="1600" b="1" dirty="0"/>
           </a:p>
@@ -6145,25 +6605,32 @@
         </p:nvSpPr>
         <p:spPr>
           <a:xfrm>
-            <a:off x="4305300" y="3774509"/>
-            <a:ext cx="1517851" cy="358610"/>
+            <a:off x="3739169" y="3774509"/>
+            <a:ext cx="1980000" cy="360000"/>
           </a:xfrm>
           <a:prstGeom prst="rect">
             <a:avLst/>
           </a:prstGeom>
-          <a:ln/>
+          <a:solidFill>
+            <a:srgbClr val="92D050"/>
+          </a:solidFill>
+          <a:ln>
+            <a:solidFill>
+              <a:srgbClr val="00B050"/>
+            </a:solidFill>
+          </a:ln>
         </p:spPr>
         <p:style>
           <a:lnRef idx="2">
-            <a:schemeClr val="accent3">
+            <a:schemeClr val="accent6">
               <a:shade val="50000"/>
             </a:schemeClr>
           </a:lnRef>
           <a:fillRef idx="1">
-            <a:schemeClr val="accent3"/>
+            <a:schemeClr val="accent6"/>
           </a:fillRef>
           <a:effectRef idx="0">
-            <a:schemeClr val="accent3"/>
+            <a:schemeClr val="accent6"/>
           </a:effectRef>
           <a:fontRef idx="minor">
             <a:schemeClr val="lt1"/>
@@ -6175,8 +6642,8 @@
           <a:p>
             <a:pPr algn="ctr"/>
             <a:r>
-              <a:rPr lang="en-US" sz="1600" b="1" dirty="0" err="1" smtClean="0"/>
-              <a:t>JsonResult</a:t>
+              <a:rPr lang="en-US" sz="1600" b="1" dirty="0" err="1"/>
+              <a:t>RedirectResult</a:t>
             </a:r>
             <a:endParaRPr lang="en-SG" sz="1600" b="1" dirty="0"/>
           </a:p>
@@ -6193,8 +6660,8 @@
         </p:nvCxnSpPr>
         <p:spPr>
           <a:xfrm rot="5400000">
-            <a:off x="5958066" y="3530353"/>
-            <a:ext cx="288547" cy="558375"/>
+            <a:off x="5975432" y="3409134"/>
+            <a:ext cx="289112" cy="801638"/>
           </a:xfrm>
           <a:prstGeom prst="bentConnector2">
             <a:avLst/>
@@ -6204,9 +6671,7 @@
           </a:solidFill>
           <a:ln>
             <a:solidFill>
-              <a:schemeClr val="accent3">
-                <a:lumMod val="75000"/>
-              </a:schemeClr>
+              <a:srgbClr val="00B050"/>
             </a:solidFill>
           </a:ln>
         </p:spPr>
@@ -6238,8 +6703,8 @@
         </p:nvCxnSpPr>
         <p:spPr>
           <a:xfrm rot="5400000">
-            <a:off x="5690355" y="3805734"/>
-            <a:ext cx="831639" cy="550705"/>
+            <a:off x="5707721" y="3684515"/>
+            <a:ext cx="832204" cy="793968"/>
           </a:xfrm>
           <a:prstGeom prst="bentConnector2">
             <a:avLst/>
@@ -6249,9 +6714,7 @@
           </a:solidFill>
           <a:ln>
             <a:solidFill>
-              <a:schemeClr val="accent3">
-                <a:lumMod val="75000"/>
-              </a:schemeClr>
+              <a:srgbClr val="00B050"/>
             </a:solidFill>
           </a:ln>
         </p:spPr>
@@ -6274,6 +6737,718 @@
       </p:cxnSp>
       <p:sp>
         <p:nvSpPr>
+          <p:cNvPr id="130" name="Diamond 129"/>
+          <p:cNvSpPr/>
+          <p:nvPr/>
+        </p:nvSpPr>
+        <p:spPr>
+          <a:xfrm>
+            <a:off x="8013007" y="4694812"/>
+            <a:ext cx="216000" cy="216000"/>
+          </a:xfrm>
+          <a:prstGeom prst="diamond">
+            <a:avLst/>
+          </a:prstGeom>
+          <a:solidFill>
+            <a:srgbClr val="92D050"/>
+          </a:solidFill>
+          <a:ln>
+            <a:solidFill>
+              <a:srgbClr val="00B050"/>
+            </a:solidFill>
+          </a:ln>
+        </p:spPr>
+        <p:style>
+          <a:lnRef idx="2">
+            <a:schemeClr val="accent6">
+              <a:shade val="50000"/>
+            </a:schemeClr>
+          </a:lnRef>
+          <a:fillRef idx="1">
+            <a:schemeClr val="accent6"/>
+          </a:fillRef>
+          <a:effectRef idx="0">
+            <a:schemeClr val="accent6"/>
+          </a:effectRef>
+          <a:fontRef idx="minor">
+            <a:schemeClr val="lt1"/>
+          </a:fontRef>
+        </p:style>
+        <p:txBody>
+          <a:bodyPr rtlCol="0" anchor="ctr"/>
+          <a:lstStyle/>
+          <a:p>
+            <a:pPr algn="ctr"/>
+            <a:endParaRPr lang="en-SG" sz="1600" b="1"/>
+          </a:p>
+        </p:txBody>
+      </p:sp>
+      <p:sp>
+        <p:nvSpPr>
+          <p:cNvPr id="131" name="Rectangle 130"/>
+          <p:cNvSpPr/>
+          <p:nvPr/>
+        </p:nvSpPr>
+        <p:spPr>
+          <a:xfrm>
+            <a:off x="6628807" y="5456237"/>
+            <a:ext cx="1980000" cy="360000"/>
+          </a:xfrm>
+          <a:prstGeom prst="rect">
+            <a:avLst/>
+          </a:prstGeom>
+          <a:ln/>
+        </p:spPr>
+        <p:style>
+          <a:lnRef idx="2">
+            <a:schemeClr val="accent4">
+              <a:shade val="50000"/>
+            </a:schemeClr>
+          </a:lnRef>
+          <a:fillRef idx="1">
+            <a:schemeClr val="accent4"/>
+          </a:fillRef>
+          <a:effectRef idx="0">
+            <a:schemeClr val="accent4"/>
+          </a:effectRef>
+          <a:fontRef idx="minor">
+            <a:schemeClr val="lt1"/>
+          </a:fontRef>
+        </p:style>
+        <p:txBody>
+          <a:bodyPr rtlCol="0" anchor="ctr"/>
+          <a:lstStyle/>
+          <a:p>
+            <a:pPr algn="ctr"/>
+            <a:r>
+              <a:rPr lang="en-US" sz="1600" b="1" dirty="0" err="1"/>
+              <a:t>PageData</a:t>
+            </a:r>
+            <a:endParaRPr lang="en-SG" sz="1600" b="1" dirty="0"/>
+          </a:p>
+        </p:txBody>
+      </p:sp>
+      <p:sp>
+        <p:nvSpPr>
+          <p:cNvPr id="132" name="Rectangle 131"/>
+          <p:cNvSpPr/>
+          <p:nvPr/>
+        </p:nvSpPr>
+        <p:spPr>
+          <a:xfrm>
+            <a:off x="6053406" y="6605015"/>
+            <a:ext cx="3140307" cy="603822"/>
+          </a:xfrm>
+          <a:prstGeom prst="rect">
+            <a:avLst/>
+          </a:prstGeom>
+          <a:ln/>
+        </p:spPr>
+        <p:style>
+          <a:lnRef idx="2">
+            <a:schemeClr val="accent4">
+              <a:shade val="50000"/>
+            </a:schemeClr>
+          </a:lnRef>
+          <a:fillRef idx="1">
+            <a:schemeClr val="accent4"/>
+          </a:fillRef>
+          <a:effectRef idx="0">
+            <a:schemeClr val="accent4"/>
+          </a:effectRef>
+          <a:fontRef idx="minor">
+            <a:schemeClr val="lt1"/>
+          </a:fontRef>
+        </p:style>
+        <p:txBody>
+          <a:bodyPr rtlCol="0" anchor="ctr"/>
+          <a:lstStyle/>
+          <a:p>
+            <a:pPr algn="ctr"/>
+            <a:r>
+              <a:rPr lang="en-US" sz="1600" b="1" dirty="0" smtClean="0"/>
+              <a:t>Page objects (panels, tables, rows, forms, etc.)</a:t>
+            </a:r>
+            <a:endParaRPr lang="en-SG" sz="1600" b="1" dirty="0"/>
+          </a:p>
+        </p:txBody>
+      </p:sp>
+      <p:cxnSp>
+        <p:nvCxnSpPr>
+          <p:cNvPr id="133" name="Elbow Connector 132"/>
+          <p:cNvCxnSpPr>
+            <a:stCxn id="130" idx="1"/>
+          </p:cNvCxnSpPr>
+          <p:nvPr/>
+        </p:nvCxnSpPr>
+        <p:spPr>
+          <a:xfrm rot="10800000" flipV="1">
+            <a:off x="7618809" y="4802811"/>
+            <a:ext cx="394199" cy="653425"/>
+          </a:xfrm>
+          <a:prstGeom prst="bentConnector2">
+            <a:avLst/>
+          </a:prstGeom>
+          <a:solidFill>
+            <a:srgbClr val="92D050"/>
+          </a:solidFill>
+          <a:ln>
+            <a:solidFill>
+              <a:srgbClr val="00B050"/>
+            </a:solidFill>
+          </a:ln>
+        </p:spPr>
+        <p:style>
+          <a:lnRef idx="2">
+            <a:schemeClr val="accent6">
+              <a:shade val="50000"/>
+            </a:schemeClr>
+          </a:lnRef>
+          <a:fillRef idx="1">
+            <a:schemeClr val="accent6"/>
+          </a:fillRef>
+          <a:effectRef idx="0">
+            <a:schemeClr val="accent6"/>
+          </a:effectRef>
+          <a:fontRef idx="minor">
+            <a:schemeClr val="lt1"/>
+          </a:fontRef>
+        </p:style>
+      </p:cxnSp>
+      <p:cxnSp>
+        <p:nvCxnSpPr>
+          <p:cNvPr id="134" name="Elbow Connector 133"/>
+          <p:cNvCxnSpPr>
+            <a:stCxn id="135" idx="2"/>
+            <a:endCxn id="132" idx="0"/>
+          </p:cNvCxnSpPr>
+          <p:nvPr/>
+        </p:nvCxnSpPr>
+        <p:spPr>
+          <a:xfrm rot="16200000" flipH="1">
+            <a:off x="7336082" y="6321989"/>
+            <a:ext cx="566050" cy="0"/>
+          </a:xfrm>
+          <a:prstGeom prst="bentConnector3">
+            <a:avLst>
+              <a:gd name="adj1" fmla="val 50000"/>
+            </a:avLst>
+          </a:prstGeom>
+          <a:ln>
+            <a:solidFill>
+              <a:schemeClr val="accent4">
+                <a:lumMod val="50000"/>
+              </a:schemeClr>
+            </a:solidFill>
+          </a:ln>
+        </p:spPr>
+        <p:style>
+          <a:lnRef idx="2">
+            <a:schemeClr val="accent6">
+              <a:shade val="50000"/>
+            </a:schemeClr>
+          </a:lnRef>
+          <a:fillRef idx="1">
+            <a:schemeClr val="accent6"/>
+          </a:fillRef>
+          <a:effectRef idx="0">
+            <a:schemeClr val="accent6"/>
+          </a:effectRef>
+          <a:fontRef idx="minor">
+            <a:schemeClr val="lt1"/>
+          </a:fontRef>
+        </p:style>
+      </p:cxnSp>
+      <p:sp>
+        <p:nvSpPr>
+          <p:cNvPr id="135" name="Diamond 134"/>
+          <p:cNvSpPr/>
+          <p:nvPr/>
+        </p:nvSpPr>
+        <p:spPr>
+          <a:xfrm>
+            <a:off x="7511107" y="5822965"/>
+            <a:ext cx="216000" cy="216000"/>
+          </a:xfrm>
+          <a:prstGeom prst="diamond">
+            <a:avLst/>
+          </a:prstGeom>
+          <a:ln/>
+        </p:spPr>
+        <p:style>
+          <a:lnRef idx="2">
+            <a:schemeClr val="accent4">
+              <a:shade val="50000"/>
+            </a:schemeClr>
+          </a:lnRef>
+          <a:fillRef idx="1">
+            <a:schemeClr val="accent4"/>
+          </a:fillRef>
+          <a:effectRef idx="0">
+            <a:schemeClr val="accent4"/>
+          </a:effectRef>
+          <a:fontRef idx="minor">
+            <a:schemeClr val="lt1"/>
+          </a:fontRef>
+        </p:style>
+        <p:txBody>
+          <a:bodyPr rtlCol="0" anchor="ctr"/>
+          <a:lstStyle/>
+          <a:p>
+            <a:pPr algn="ctr"/>
+            <a:endParaRPr lang="en-SG" sz="1600" b="1"/>
+          </a:p>
+        </p:txBody>
+      </p:sp>
+      <p:grpSp>
+        <p:nvGrpSpPr>
+          <p:cNvPr id="141" name="Group 140"/>
+          <p:cNvGrpSpPr/>
+          <p:nvPr/>
+        </p:nvGrpSpPr>
+        <p:grpSpPr>
+          <a:xfrm>
+            <a:off x="4346405" y="5523972"/>
+            <a:ext cx="1291797" cy="560547"/>
+            <a:chOff x="3174200" y="5727314"/>
+            <a:chExt cx="1663512" cy="560547"/>
+          </a:xfrm>
+        </p:grpSpPr>
+        <p:sp>
+          <p:nvSpPr>
+            <p:cNvPr id="143" name="Folded Corner 142"/>
+            <p:cNvSpPr/>
+            <p:nvPr/>
+          </p:nvSpPr>
+          <p:spPr>
+            <a:xfrm>
+              <a:off x="3174200" y="5727314"/>
+              <a:ext cx="1466850" cy="406993"/>
+            </a:xfrm>
+            <a:prstGeom prst="foldedCorner">
+              <a:avLst/>
+            </a:prstGeom>
+          </p:spPr>
+          <p:style>
+            <a:lnRef idx="2">
+              <a:schemeClr val="accent4">
+                <a:shade val="50000"/>
+              </a:schemeClr>
+            </a:lnRef>
+            <a:fillRef idx="1">
+              <a:schemeClr val="accent4"/>
+            </a:fillRef>
+            <a:effectRef idx="0">
+              <a:schemeClr val="accent4"/>
+            </a:effectRef>
+            <a:fontRef idx="minor">
+              <a:schemeClr val="lt1"/>
+            </a:fontRef>
+          </p:style>
+          <p:txBody>
+            <a:bodyPr rtlCol="0" anchor="ctr"/>
+            <a:lstStyle/>
+            <a:p>
+              <a:pPr algn="ctr"/>
+              <a:endParaRPr lang="en-SG" sz="1600" b="1" dirty="0"/>
+            </a:p>
+          </p:txBody>
+        </p:sp>
+        <p:sp>
+          <p:nvSpPr>
+            <p:cNvPr id="145" name="Folded Corner 144"/>
+            <p:cNvSpPr/>
+            <p:nvPr/>
+          </p:nvSpPr>
+          <p:spPr>
+            <a:xfrm>
+              <a:off x="3266878" y="5802782"/>
+              <a:ext cx="1466849" cy="406993"/>
+            </a:xfrm>
+            <a:prstGeom prst="foldedCorner">
+              <a:avLst/>
+            </a:prstGeom>
+          </p:spPr>
+          <p:style>
+            <a:lnRef idx="2">
+              <a:schemeClr val="accent4">
+                <a:shade val="50000"/>
+              </a:schemeClr>
+            </a:lnRef>
+            <a:fillRef idx="1">
+              <a:schemeClr val="accent4"/>
+            </a:fillRef>
+            <a:effectRef idx="0">
+              <a:schemeClr val="accent4"/>
+            </a:effectRef>
+            <a:fontRef idx="minor">
+              <a:schemeClr val="lt1"/>
+            </a:fontRef>
+          </p:style>
+          <p:txBody>
+            <a:bodyPr rtlCol="0" anchor="ctr"/>
+            <a:lstStyle/>
+            <a:p>
+              <a:pPr algn="ctr"/>
+              <a:endParaRPr lang="en-SG" sz="1600" b="1" dirty="0"/>
+            </a:p>
+          </p:txBody>
+        </p:sp>
+        <p:sp>
+          <p:nvSpPr>
+            <p:cNvPr id="148" name="Folded Corner 147"/>
+            <p:cNvSpPr/>
+            <p:nvPr/>
+          </p:nvSpPr>
+          <p:spPr>
+            <a:xfrm>
+              <a:off x="3370863" y="5880868"/>
+              <a:ext cx="1466849" cy="406993"/>
+            </a:xfrm>
+            <a:prstGeom prst="foldedCorner">
+              <a:avLst/>
+            </a:prstGeom>
+          </p:spPr>
+          <p:style>
+            <a:lnRef idx="2">
+              <a:schemeClr val="accent4">
+                <a:shade val="50000"/>
+              </a:schemeClr>
+            </a:lnRef>
+            <a:fillRef idx="1">
+              <a:schemeClr val="accent4"/>
+            </a:fillRef>
+            <a:effectRef idx="0">
+              <a:schemeClr val="accent4"/>
+            </a:effectRef>
+            <a:fontRef idx="minor">
+              <a:schemeClr val="lt1"/>
+            </a:fontRef>
+          </p:style>
+          <p:txBody>
+            <a:bodyPr rtlCol="0" anchor="ctr"/>
+            <a:lstStyle/>
+            <a:p>
+              <a:pPr algn="ctr"/>
+              <a:r>
+                <a:rPr lang="en-US" sz="1600" b="1" dirty="0"/>
+                <a:t>*.</a:t>
+              </a:r>
+              <a:r>
+                <a:rPr lang="en-US" sz="1600" b="1" dirty="0" err="1"/>
+                <a:t>jsp</a:t>
+              </a:r>
+              <a:endParaRPr lang="en-SG" sz="1600" b="1" dirty="0"/>
+            </a:p>
+          </p:txBody>
+        </p:sp>
+      </p:grpSp>
+      <p:cxnSp>
+        <p:nvCxnSpPr>
+          <p:cNvPr id="150" name="Elbow Connector 149"/>
+          <p:cNvCxnSpPr>
+            <a:stCxn id="148" idx="3"/>
+            <a:endCxn id="131" idx="1"/>
+          </p:cNvCxnSpPr>
+          <p:nvPr/>
+        </p:nvCxnSpPr>
+        <p:spPr>
+          <a:xfrm flipV="1">
+            <a:off x="5638202" y="5636237"/>
+            <a:ext cx="990605" cy="244786"/>
+          </a:xfrm>
+          <a:prstGeom prst="bentConnector3">
+            <a:avLst>
+              <a:gd name="adj1" fmla="val 50000"/>
+            </a:avLst>
+          </a:prstGeom>
+          <a:ln w="38100">
+            <a:prstDash val="sysDot"/>
+            <a:tailEnd type="arrow"/>
+          </a:ln>
+        </p:spPr>
+        <p:style>
+          <a:lnRef idx="2">
+            <a:schemeClr val="accent4">
+              <a:shade val="50000"/>
+            </a:schemeClr>
+          </a:lnRef>
+          <a:fillRef idx="1">
+            <a:schemeClr val="accent4"/>
+          </a:fillRef>
+          <a:effectRef idx="0">
+            <a:schemeClr val="accent4"/>
+          </a:effectRef>
+          <a:fontRef idx="minor">
+            <a:schemeClr val="lt1"/>
+          </a:fontRef>
+        </p:style>
+      </p:cxnSp>
+      <p:cxnSp>
+        <p:nvCxnSpPr>
+          <p:cNvPr id="151" name="Elbow Connector 150"/>
+          <p:cNvCxnSpPr>
+            <a:stCxn id="160" idx="3"/>
+            <a:endCxn id="132" idx="1"/>
+          </p:cNvCxnSpPr>
+          <p:nvPr/>
+        </p:nvCxnSpPr>
+        <p:spPr>
+          <a:xfrm>
+            <a:off x="5104805" y="6742303"/>
+            <a:ext cx="948601" cy="164623"/>
+          </a:xfrm>
+          <a:prstGeom prst="bentConnector3">
+            <a:avLst>
+              <a:gd name="adj1" fmla="val 50000"/>
+            </a:avLst>
+          </a:prstGeom>
+          <a:ln w="38100">
+            <a:prstDash val="sysDot"/>
+            <a:tailEnd type="arrow"/>
+          </a:ln>
+        </p:spPr>
+        <p:style>
+          <a:lnRef idx="2">
+            <a:schemeClr val="accent4">
+              <a:shade val="50000"/>
+            </a:schemeClr>
+          </a:lnRef>
+          <a:fillRef idx="1">
+            <a:schemeClr val="accent4"/>
+          </a:fillRef>
+          <a:effectRef idx="0">
+            <a:schemeClr val="accent4"/>
+          </a:effectRef>
+          <a:fontRef idx="minor">
+            <a:schemeClr val="lt1"/>
+          </a:fontRef>
+        </p:style>
+      </p:cxnSp>
+      <p:sp>
+        <p:nvSpPr>
+          <p:cNvPr id="152" name="Diamond 151"/>
+          <p:cNvSpPr/>
+          <p:nvPr/>
+        </p:nvSpPr>
+        <p:spPr>
+          <a:xfrm>
+            <a:off x="5201810" y="6114433"/>
+            <a:ext cx="216000" cy="216000"/>
+          </a:xfrm>
+          <a:prstGeom prst="diamond">
+            <a:avLst/>
+          </a:prstGeom>
+          <a:ln/>
+        </p:spPr>
+        <p:style>
+          <a:lnRef idx="2">
+            <a:schemeClr val="accent4">
+              <a:shade val="50000"/>
+            </a:schemeClr>
+          </a:lnRef>
+          <a:fillRef idx="1">
+            <a:schemeClr val="accent4"/>
+          </a:fillRef>
+          <a:effectRef idx="0">
+            <a:schemeClr val="accent4"/>
+          </a:effectRef>
+          <a:fontRef idx="minor">
+            <a:schemeClr val="lt1"/>
+          </a:fontRef>
+        </p:style>
+        <p:txBody>
+          <a:bodyPr rtlCol="0" anchor="ctr"/>
+          <a:lstStyle/>
+          <a:p>
+            <a:pPr algn="ctr"/>
+            <a:endParaRPr lang="en-SG" sz="1600" b="1"/>
+          </a:p>
+        </p:txBody>
+      </p:sp>
+      <p:cxnSp>
+        <p:nvCxnSpPr>
+          <p:cNvPr id="153" name="Elbow Connector 152"/>
+          <p:cNvCxnSpPr>
+            <a:stCxn id="152" idx="2"/>
+            <a:endCxn id="159" idx="3"/>
+          </p:cNvCxnSpPr>
+          <p:nvPr/>
+        </p:nvCxnSpPr>
+        <p:spPr>
+          <a:xfrm rot="5400000">
+            <a:off x="5002896" y="6356143"/>
+            <a:ext cx="332624" cy="281205"/>
+          </a:xfrm>
+          <a:prstGeom prst="bentConnector2">
+            <a:avLst/>
+          </a:prstGeom>
+          <a:ln>
+            <a:solidFill>
+              <a:schemeClr val="accent4">
+                <a:lumMod val="50000"/>
+              </a:schemeClr>
+            </a:solidFill>
+          </a:ln>
+        </p:spPr>
+        <p:style>
+          <a:lnRef idx="2">
+            <a:schemeClr val="accent6">
+              <a:shade val="50000"/>
+            </a:schemeClr>
+          </a:lnRef>
+          <a:fillRef idx="1">
+            <a:schemeClr val="accent6"/>
+          </a:fillRef>
+          <a:effectRef idx="0">
+            <a:schemeClr val="accent6"/>
+          </a:effectRef>
+          <a:fontRef idx="minor">
+            <a:schemeClr val="lt1"/>
+          </a:fontRef>
+        </p:style>
+      </p:cxnSp>
+      <p:grpSp>
+        <p:nvGrpSpPr>
+          <p:cNvPr id="154" name="Group 153"/>
+          <p:cNvGrpSpPr/>
+          <p:nvPr/>
+        </p:nvGrpSpPr>
+        <p:grpSpPr>
+          <a:xfrm>
+            <a:off x="3813327" y="6370637"/>
+            <a:ext cx="1291478" cy="575162"/>
+            <a:chOff x="3179250" y="6547958"/>
+            <a:chExt cx="1663102" cy="575162"/>
+          </a:xfrm>
+        </p:grpSpPr>
+        <p:sp>
+          <p:nvSpPr>
+            <p:cNvPr id="155" name="Folded Corner 154"/>
+            <p:cNvSpPr/>
+            <p:nvPr/>
+          </p:nvSpPr>
+          <p:spPr>
+            <a:xfrm>
+              <a:off x="3179250" y="6547958"/>
+              <a:ext cx="1466849" cy="406993"/>
+            </a:xfrm>
+            <a:prstGeom prst="foldedCorner">
+              <a:avLst/>
+            </a:prstGeom>
+          </p:spPr>
+          <p:style>
+            <a:lnRef idx="2">
+              <a:schemeClr val="accent4">
+                <a:shade val="50000"/>
+              </a:schemeClr>
+            </a:lnRef>
+            <a:fillRef idx="1">
+              <a:schemeClr val="accent4"/>
+            </a:fillRef>
+            <a:effectRef idx="0">
+              <a:schemeClr val="accent4"/>
+            </a:effectRef>
+            <a:fontRef idx="minor">
+              <a:schemeClr val="lt1"/>
+            </a:fontRef>
+          </p:style>
+          <p:txBody>
+            <a:bodyPr rtlCol="0" anchor="ctr"/>
+            <a:lstStyle/>
+            <a:p>
+              <a:pPr algn="ctr"/>
+              <a:endParaRPr lang="en-SG" sz="1600" b="1" dirty="0"/>
+            </a:p>
+          </p:txBody>
+        </p:sp>
+        <p:sp>
+          <p:nvSpPr>
+            <p:cNvPr id="159" name="Folded Corner 158"/>
+            <p:cNvSpPr/>
+            <p:nvPr/>
+          </p:nvSpPr>
+          <p:spPr>
+            <a:xfrm>
+              <a:off x="3277376" y="6636881"/>
+              <a:ext cx="1466849" cy="406993"/>
+            </a:xfrm>
+            <a:prstGeom prst="foldedCorner">
+              <a:avLst/>
+            </a:prstGeom>
+          </p:spPr>
+          <p:style>
+            <a:lnRef idx="2">
+              <a:schemeClr val="accent4">
+                <a:shade val="50000"/>
+              </a:schemeClr>
+            </a:lnRef>
+            <a:fillRef idx="1">
+              <a:schemeClr val="accent4"/>
+            </a:fillRef>
+            <a:effectRef idx="0">
+              <a:schemeClr val="accent4"/>
+            </a:effectRef>
+            <a:fontRef idx="minor">
+              <a:schemeClr val="lt1"/>
+            </a:fontRef>
+          </p:style>
+          <p:txBody>
+            <a:bodyPr rtlCol="0" anchor="ctr"/>
+            <a:lstStyle/>
+            <a:p>
+              <a:pPr algn="ctr"/>
+              <a:endParaRPr lang="en-SG" sz="1600" b="1" dirty="0"/>
+            </a:p>
+          </p:txBody>
+        </p:sp>
+        <p:sp>
+          <p:nvSpPr>
+            <p:cNvPr id="160" name="Folded Corner 159"/>
+            <p:cNvSpPr/>
+            <p:nvPr/>
+          </p:nvSpPr>
+          <p:spPr>
+            <a:xfrm>
+              <a:off x="3375503" y="6716127"/>
+              <a:ext cx="1466849" cy="406993"/>
+            </a:xfrm>
+            <a:prstGeom prst="foldedCorner">
+              <a:avLst/>
+            </a:prstGeom>
+          </p:spPr>
+          <p:style>
+            <a:lnRef idx="2">
+              <a:schemeClr val="accent4">
+                <a:shade val="50000"/>
+              </a:schemeClr>
+            </a:lnRef>
+            <a:fillRef idx="1">
+              <a:schemeClr val="accent4"/>
+            </a:fillRef>
+            <a:effectRef idx="0">
+              <a:schemeClr val="accent4"/>
+            </a:effectRef>
+            <a:fontRef idx="minor">
+              <a:schemeClr val="lt1"/>
+            </a:fontRef>
+          </p:style>
+          <p:txBody>
+            <a:bodyPr rtlCol="0" anchor="ctr"/>
+            <a:lstStyle/>
+            <a:p>
+              <a:pPr algn="ctr"/>
+              <a:r>
+                <a:rPr lang="en-US" sz="1600" b="1" dirty="0" smtClean="0"/>
+                <a:t>*.tag</a:t>
+              </a:r>
+              <a:endParaRPr lang="en-SG" sz="1600" b="1" dirty="0"/>
+            </a:p>
+          </p:txBody>
+        </p:sp>
+      </p:grpSp>
+      <p:sp>
+        <p:nvSpPr>
           <p:cNvPr id="162" name="Rectangle 161"/>
           <p:cNvSpPr/>
           <p:nvPr/>
@@ -6507,6 +7682,165 @@
           </a:p>
         </p:txBody>
       </p:sp>
+      <p:cxnSp>
+        <p:nvCxnSpPr>
+          <p:cNvPr id="165" name="Elbow Connector 164"/>
+          <p:cNvCxnSpPr>
+            <a:stCxn id="143" idx="1"/>
+          </p:cNvCxnSpPr>
+          <p:nvPr/>
+        </p:nvCxnSpPr>
+        <p:spPr>
+          <a:xfrm rot="10800000">
+            <a:off x="1181101" y="5727469"/>
+            <a:ext cx="3165305" cy="0"/>
+          </a:xfrm>
+          <a:prstGeom prst="bentConnector3">
+            <a:avLst>
+              <a:gd name="adj1" fmla="val 50000"/>
+            </a:avLst>
+          </a:prstGeom>
+          <a:ln w="38100">
+            <a:prstDash val="sysDot"/>
+            <a:tailEnd type="arrow"/>
+          </a:ln>
+        </p:spPr>
+        <p:style>
+          <a:lnRef idx="2">
+            <a:schemeClr val="accent4">
+              <a:shade val="50000"/>
+            </a:schemeClr>
+          </a:lnRef>
+          <a:fillRef idx="1">
+            <a:schemeClr val="accent4"/>
+          </a:fillRef>
+          <a:effectRef idx="0">
+            <a:schemeClr val="accent4"/>
+          </a:effectRef>
+          <a:fontRef idx="minor">
+            <a:schemeClr val="lt1"/>
+          </a:fontRef>
+        </p:style>
+      </p:cxnSp>
+      <p:sp>
+        <p:nvSpPr>
+          <p:cNvPr id="166" name="TextBox 165"/>
+          <p:cNvSpPr txBox="1"/>
+          <p:nvPr/>
+        </p:nvSpPr>
+        <p:spPr>
+          <a:xfrm>
+            <a:off x="3047407" y="5380037"/>
+            <a:ext cx="1146280" cy="361773"/>
+          </a:xfrm>
+          <a:prstGeom prst="rect">
+            <a:avLst/>
+          </a:prstGeom>
+          <a:grpFill/>
+          <a:ln>
+            <a:noFill/>
+          </a:ln>
+        </p:spPr>
+        <p:style>
+          <a:lnRef idx="2">
+            <a:schemeClr val="accent1">
+              <a:shade val="50000"/>
+            </a:schemeClr>
+          </a:lnRef>
+          <a:fillRef idx="1">
+            <a:schemeClr val="accent1"/>
+          </a:fillRef>
+          <a:effectRef idx="0">
+            <a:schemeClr val="accent1"/>
+          </a:effectRef>
+          <a:fontRef idx="minor">
+            <a:schemeClr val="lt1"/>
+          </a:fontRef>
+        </p:style>
+        <p:txBody>
+          <a:bodyPr rtlCol="0" anchor="t" anchorCtr="0"/>
+          <a:lstStyle>
+            <a:defPPr>
+              <a:defRPr lang="en-US"/>
+            </a:defPPr>
+            <a:lvl1pPr>
+              <a:defRPr sz="1400" b="1">
+                <a:solidFill>
+                  <a:srgbClr val="7030A0"/>
+                </a:solidFill>
+              </a:defRPr>
+            </a:lvl1pPr>
+            <a:lvl2pPr>
+              <a:defRPr>
+                <a:solidFill>
+                  <a:schemeClr val="lt1"/>
+                </a:solidFill>
+              </a:defRPr>
+            </a:lvl2pPr>
+            <a:lvl3pPr>
+              <a:defRPr>
+                <a:solidFill>
+                  <a:schemeClr val="lt1"/>
+                </a:solidFill>
+              </a:defRPr>
+            </a:lvl3pPr>
+            <a:lvl4pPr>
+              <a:defRPr>
+                <a:solidFill>
+                  <a:schemeClr val="lt1"/>
+                </a:solidFill>
+              </a:defRPr>
+            </a:lvl4pPr>
+            <a:lvl5pPr>
+              <a:defRPr>
+                <a:solidFill>
+                  <a:schemeClr val="lt1"/>
+                </a:solidFill>
+              </a:defRPr>
+            </a:lvl5pPr>
+            <a:lvl6pPr>
+              <a:defRPr>
+                <a:solidFill>
+                  <a:schemeClr val="lt1"/>
+                </a:solidFill>
+              </a:defRPr>
+            </a:lvl6pPr>
+            <a:lvl7pPr>
+              <a:defRPr>
+                <a:solidFill>
+                  <a:schemeClr val="lt1"/>
+                </a:solidFill>
+              </a:defRPr>
+            </a:lvl7pPr>
+            <a:lvl8pPr>
+              <a:defRPr>
+                <a:solidFill>
+                  <a:schemeClr val="lt1"/>
+                </a:solidFill>
+              </a:defRPr>
+            </a:lvl8pPr>
+            <a:lvl9pPr>
+              <a:defRPr>
+                <a:solidFill>
+                  <a:schemeClr val="lt1"/>
+                </a:solidFill>
+              </a:defRPr>
+            </a:lvl9pPr>
+          </a:lstStyle>
+          <a:p>
+            <a:pPr algn="r"/>
+            <a:r>
+              <a:rPr lang="en-US" dirty="0"/>
+              <a:t>&lt;&lt;</a:t>
+            </a:r>
+            <a:r>
+              <a:rPr lang="en-US" dirty="0" smtClean="0"/>
+              <a:t>creates&gt;&gt;</a:t>
+            </a:r>
+            <a:endParaRPr lang="en-SG" dirty="0"/>
+          </a:p>
+        </p:txBody>
+      </p:sp>
       <p:grpSp>
         <p:nvGrpSpPr>
           <p:cNvPr id="167" name="Group 166"/>
@@ -6515,7 +7849,7 @@
         </p:nvGrpSpPr>
         <p:grpSpPr>
           <a:xfrm>
-            <a:off x="3467100" y="5761037"/>
+            <a:off x="2198234" y="5872425"/>
             <a:ext cx="1291478" cy="575162"/>
             <a:chOff x="3179250" y="6547958"/>
             <a:chExt cx="1663102" cy="575162"/>
@@ -6658,7 +7992,7 @@
         </p:nvGrpSpPr>
         <p:grpSpPr>
           <a:xfrm>
-            <a:off x="2933700" y="6446837"/>
+            <a:off x="2226252" y="6599237"/>
             <a:ext cx="1291478" cy="575162"/>
             <a:chOff x="3179250" y="6547958"/>
             <a:chExt cx="1663102" cy="575162"/>
@@ -6797,18 +8131,19 @@
         <p:nvCxnSpPr>
           <p:cNvPr id="182" name="Elbow Connector 181"/>
           <p:cNvCxnSpPr>
-            <a:stCxn id="118" idx="2"/>
-            <a:endCxn id="169" idx="1"/>
+            <a:endCxn id="171" idx="1"/>
           </p:cNvCxnSpPr>
           <p:nvPr/>
         </p:nvCxnSpPr>
         <p:spPr>
-          <a:xfrm rot="16200000" flipH="1">
-            <a:off x="2962953" y="5473110"/>
-            <a:ext cx="126502" cy="1034192"/>
-          </a:xfrm>
-          <a:prstGeom prst="bentConnector2">
-            <a:avLst/>
+          <a:xfrm flipV="1">
+            <a:off x="1104900" y="6244091"/>
+            <a:ext cx="1245734" cy="253648"/>
+          </a:xfrm>
+          <a:prstGeom prst="bentConnector3">
+            <a:avLst>
+              <a:gd name="adj1" fmla="val 50000"/>
+            </a:avLst>
           </a:prstGeom>
           <a:ln w="38100">
             <a:solidFill>
@@ -6837,18 +8172,19 @@
         <p:nvCxnSpPr>
           <p:cNvPr id="183" name="Elbow Connector 182"/>
           <p:cNvCxnSpPr>
-            <a:stCxn id="118" idx="2"/>
-            <a:endCxn id="177" idx="1"/>
+            <a:endCxn id="179" idx="1"/>
           </p:cNvCxnSpPr>
           <p:nvPr/>
         </p:nvCxnSpPr>
         <p:spPr>
-          <a:xfrm rot="16200000" flipH="1">
-            <a:off x="2353353" y="6082710"/>
-            <a:ext cx="812302" cy="500792"/>
-          </a:xfrm>
-          <a:prstGeom prst="bentConnector2">
-            <a:avLst/>
+          <a:xfrm>
+            <a:off x="1104900" y="6497737"/>
+            <a:ext cx="1273752" cy="473166"/>
+          </a:xfrm>
+          <a:prstGeom prst="bentConnector3">
+            <a:avLst>
+              <a:gd name="adj1" fmla="val 50000"/>
+            </a:avLst>
           </a:prstGeom>
           <a:ln w="38100">
             <a:solidFill>
@@ -6949,8 +8285,8 @@
           </a:prstGeom>
           <a:ln w="38100">
             <a:solidFill>
-              <a:schemeClr val="accent2">
-                <a:lumMod val="75000"/>
+              <a:schemeClr val="accent1">
+                <a:lumMod val="50000"/>
               </a:schemeClr>
             </a:solidFill>
             <a:prstDash val="sysDot"/>
@@ -6984,7 +8320,7 @@
         <p:spPr>
           <a:xfrm>
             <a:off x="1217031" y="2658955"/>
-            <a:ext cx="492992" cy="0"/>
+            <a:ext cx="492992" cy="8456"/>
           </a:xfrm>
           <a:prstGeom prst="bentConnector3">
             <a:avLst>
@@ -6993,8 +8329,8 @@
           </a:prstGeom>
           <a:ln w="38100">
             <a:solidFill>
-              <a:schemeClr val="accent2">
-                <a:lumMod val="75000"/>
+              <a:schemeClr val="accent1">
+                <a:lumMod val="50000"/>
               </a:schemeClr>
             </a:solidFill>
             <a:prstDash val="sysDot"/>
@@ -7020,24 +8356,22 @@
         <p:nvCxnSpPr>
           <p:cNvPr id="189" name="Elbow Connector 188"/>
           <p:cNvCxnSpPr>
-            <a:endCxn id="108" idx="1"/>
+            <a:endCxn id="100" idx="1"/>
           </p:cNvCxnSpPr>
           <p:nvPr/>
         </p:nvCxnSpPr>
         <p:spPr>
-          <a:xfrm>
-            <a:off x="1028699" y="3094693"/>
-            <a:ext cx="834894" cy="608860"/>
-          </a:xfrm>
-          <a:prstGeom prst="bentConnector3">
-            <a:avLst>
-              <a:gd name="adj1" fmla="val 903"/>
-            </a:avLst>
+          <a:xfrm rot="16200000" flipH="1">
+            <a:off x="1099084" y="3151841"/>
+            <a:ext cx="691714" cy="636915"/>
+          </a:xfrm>
+          <a:prstGeom prst="bentConnector2">
+            <a:avLst/>
           </a:prstGeom>
           <a:ln w="38100">
             <a:solidFill>
-              <a:schemeClr val="accent2">
-                <a:lumMod val="75000"/>
+              <a:schemeClr val="accent1">
+                <a:lumMod val="50000"/>
               </a:schemeClr>
             </a:solidFill>
             <a:prstDash val="sysDot"/>
@@ -7215,6 +8549,327 @@
           </a:p>
         </p:txBody>
       </p:sp>
+      <p:sp>
+        <p:nvSpPr>
+          <p:cNvPr id="193" name="TextBox 192"/>
+          <p:cNvSpPr txBox="1"/>
+          <p:nvPr/>
+        </p:nvSpPr>
+        <p:spPr>
+          <a:xfrm>
+            <a:off x="5714407" y="5860895"/>
+            <a:ext cx="1146280" cy="361773"/>
+          </a:xfrm>
+          <a:prstGeom prst="rect">
+            <a:avLst/>
+          </a:prstGeom>
+          <a:grpFill/>
+          <a:ln>
+            <a:noFill/>
+          </a:ln>
+        </p:spPr>
+        <p:style>
+          <a:lnRef idx="2">
+            <a:schemeClr val="accent1">
+              <a:shade val="50000"/>
+            </a:schemeClr>
+          </a:lnRef>
+          <a:fillRef idx="1">
+            <a:schemeClr val="accent1"/>
+          </a:fillRef>
+          <a:effectRef idx="0">
+            <a:schemeClr val="accent1"/>
+          </a:effectRef>
+          <a:fontRef idx="minor">
+            <a:schemeClr val="lt1"/>
+          </a:fontRef>
+        </p:style>
+        <p:txBody>
+          <a:bodyPr rtlCol="0" anchor="t" anchorCtr="0"/>
+          <a:lstStyle>
+            <a:defPPr>
+              <a:defRPr lang="en-US"/>
+            </a:defPPr>
+            <a:lvl1pPr>
+              <a:defRPr sz="1400" b="1">
+                <a:solidFill>
+                  <a:srgbClr val="7030A0"/>
+                </a:solidFill>
+              </a:defRPr>
+            </a:lvl1pPr>
+            <a:lvl2pPr>
+              <a:defRPr>
+                <a:solidFill>
+                  <a:schemeClr val="lt1"/>
+                </a:solidFill>
+              </a:defRPr>
+            </a:lvl2pPr>
+            <a:lvl3pPr>
+              <a:defRPr>
+                <a:solidFill>
+                  <a:schemeClr val="lt1"/>
+                </a:solidFill>
+              </a:defRPr>
+            </a:lvl3pPr>
+            <a:lvl4pPr>
+              <a:defRPr>
+                <a:solidFill>
+                  <a:schemeClr val="lt1"/>
+                </a:solidFill>
+              </a:defRPr>
+            </a:lvl4pPr>
+            <a:lvl5pPr>
+              <a:defRPr>
+                <a:solidFill>
+                  <a:schemeClr val="lt1"/>
+                </a:solidFill>
+              </a:defRPr>
+            </a:lvl5pPr>
+            <a:lvl6pPr>
+              <a:defRPr>
+                <a:solidFill>
+                  <a:schemeClr val="lt1"/>
+                </a:solidFill>
+              </a:defRPr>
+            </a:lvl6pPr>
+            <a:lvl7pPr>
+              <a:defRPr>
+                <a:solidFill>
+                  <a:schemeClr val="lt1"/>
+                </a:solidFill>
+              </a:defRPr>
+            </a:lvl7pPr>
+            <a:lvl8pPr>
+              <a:defRPr>
+                <a:solidFill>
+                  <a:schemeClr val="lt1"/>
+                </a:solidFill>
+              </a:defRPr>
+            </a:lvl8pPr>
+            <a:lvl9pPr>
+              <a:defRPr>
+                <a:solidFill>
+                  <a:schemeClr val="lt1"/>
+                </a:solidFill>
+              </a:defRPr>
+            </a:lvl9pPr>
+          </a:lstStyle>
+          <a:p>
+            <a:pPr algn="r"/>
+            <a:r>
+              <a:rPr lang="en-US" dirty="0" smtClean="0"/>
+              <a:t>&lt;&lt;uses&gt;&gt;</a:t>
+            </a:r>
+            <a:endParaRPr lang="en-SG" dirty="0"/>
+          </a:p>
+        </p:txBody>
+      </p:sp>
+      <p:sp>
+        <p:nvSpPr>
+          <p:cNvPr id="194" name="TextBox 193"/>
+          <p:cNvSpPr txBox="1"/>
+          <p:nvPr/>
+        </p:nvSpPr>
+        <p:spPr>
+          <a:xfrm>
+            <a:off x="4636463" y="6927332"/>
+            <a:ext cx="1146280" cy="361773"/>
+          </a:xfrm>
+          <a:prstGeom prst="rect">
+            <a:avLst/>
+          </a:prstGeom>
+          <a:grpFill/>
+          <a:ln>
+            <a:noFill/>
+          </a:ln>
+        </p:spPr>
+        <p:style>
+          <a:lnRef idx="2">
+            <a:schemeClr val="accent1">
+              <a:shade val="50000"/>
+            </a:schemeClr>
+          </a:lnRef>
+          <a:fillRef idx="1">
+            <a:schemeClr val="accent1"/>
+          </a:fillRef>
+          <a:effectRef idx="0">
+            <a:schemeClr val="accent1"/>
+          </a:effectRef>
+          <a:fontRef idx="minor">
+            <a:schemeClr val="lt1"/>
+          </a:fontRef>
+        </p:style>
+        <p:txBody>
+          <a:bodyPr rtlCol="0" anchor="t" anchorCtr="0"/>
+          <a:lstStyle>
+            <a:defPPr>
+              <a:defRPr lang="en-US"/>
+            </a:defPPr>
+            <a:lvl1pPr>
+              <a:defRPr sz="1400" b="1">
+                <a:solidFill>
+                  <a:srgbClr val="7030A0"/>
+                </a:solidFill>
+              </a:defRPr>
+            </a:lvl1pPr>
+            <a:lvl2pPr>
+              <a:defRPr>
+                <a:solidFill>
+                  <a:schemeClr val="lt1"/>
+                </a:solidFill>
+              </a:defRPr>
+            </a:lvl2pPr>
+            <a:lvl3pPr>
+              <a:defRPr>
+                <a:solidFill>
+                  <a:schemeClr val="lt1"/>
+                </a:solidFill>
+              </a:defRPr>
+            </a:lvl3pPr>
+            <a:lvl4pPr>
+              <a:defRPr>
+                <a:solidFill>
+                  <a:schemeClr val="lt1"/>
+                </a:solidFill>
+              </a:defRPr>
+            </a:lvl4pPr>
+            <a:lvl5pPr>
+              <a:defRPr>
+                <a:solidFill>
+                  <a:schemeClr val="lt1"/>
+                </a:solidFill>
+              </a:defRPr>
+            </a:lvl5pPr>
+            <a:lvl6pPr>
+              <a:defRPr>
+                <a:solidFill>
+                  <a:schemeClr val="lt1"/>
+                </a:solidFill>
+              </a:defRPr>
+            </a:lvl6pPr>
+            <a:lvl7pPr>
+              <a:defRPr>
+                <a:solidFill>
+                  <a:schemeClr val="lt1"/>
+                </a:solidFill>
+              </a:defRPr>
+            </a:lvl7pPr>
+            <a:lvl8pPr>
+              <a:defRPr>
+                <a:solidFill>
+                  <a:schemeClr val="lt1"/>
+                </a:solidFill>
+              </a:defRPr>
+            </a:lvl8pPr>
+            <a:lvl9pPr>
+              <a:defRPr>
+                <a:solidFill>
+                  <a:schemeClr val="lt1"/>
+                </a:solidFill>
+              </a:defRPr>
+            </a:lvl9pPr>
+          </a:lstStyle>
+          <a:p>
+            <a:pPr algn="r"/>
+            <a:r>
+              <a:rPr lang="en-US" dirty="0" smtClean="0"/>
+              <a:t>&lt;&lt;uses&gt;&gt;</a:t>
+            </a:r>
+            <a:endParaRPr lang="en-SG" dirty="0"/>
+          </a:p>
+        </p:txBody>
+      </p:sp>
+      <p:sp>
+        <p:nvSpPr>
+          <p:cNvPr id="195" name="Diamond 194"/>
+          <p:cNvSpPr/>
+          <p:nvPr/>
+        </p:nvSpPr>
+        <p:spPr>
+          <a:xfrm>
+            <a:off x="4736839" y="4692558"/>
+            <a:ext cx="216000" cy="216000"/>
+          </a:xfrm>
+          <a:prstGeom prst="diamond">
+            <a:avLst/>
+          </a:prstGeom>
+          <a:solidFill>
+            <a:srgbClr val="92D050"/>
+          </a:solidFill>
+          <a:ln>
+            <a:solidFill>
+              <a:srgbClr val="00B050"/>
+            </a:solidFill>
+          </a:ln>
+        </p:spPr>
+        <p:style>
+          <a:lnRef idx="2">
+            <a:schemeClr val="accent6">
+              <a:shade val="50000"/>
+            </a:schemeClr>
+          </a:lnRef>
+          <a:fillRef idx="1">
+            <a:schemeClr val="accent6"/>
+          </a:fillRef>
+          <a:effectRef idx="0">
+            <a:schemeClr val="accent6"/>
+          </a:effectRef>
+          <a:fontRef idx="minor">
+            <a:schemeClr val="lt1"/>
+          </a:fontRef>
+        </p:style>
+        <p:txBody>
+          <a:bodyPr rtlCol="0" anchor="ctr"/>
+          <a:lstStyle/>
+          <a:p>
+            <a:pPr algn="ctr"/>
+            <a:endParaRPr lang="en-SG" sz="1600" b="1"/>
+          </a:p>
+        </p:txBody>
+      </p:sp>
+      <p:cxnSp>
+        <p:nvCxnSpPr>
+          <p:cNvPr id="196" name="Elbow Connector 195"/>
+          <p:cNvCxnSpPr>
+            <a:stCxn id="195" idx="3"/>
+            <a:endCxn id="131" idx="0"/>
+          </p:cNvCxnSpPr>
+          <p:nvPr/>
+        </p:nvCxnSpPr>
+        <p:spPr>
+          <a:xfrm>
+            <a:off x="4952839" y="4800558"/>
+            <a:ext cx="2665968" cy="655679"/>
+          </a:xfrm>
+          <a:prstGeom prst="bentConnector2">
+            <a:avLst/>
+          </a:prstGeom>
+          <a:solidFill>
+            <a:srgbClr val="92D050"/>
+          </a:solidFill>
+          <a:ln>
+            <a:solidFill>
+              <a:srgbClr val="00B050"/>
+            </a:solidFill>
+          </a:ln>
+        </p:spPr>
+        <p:style>
+          <a:lnRef idx="2">
+            <a:schemeClr val="accent6">
+              <a:shade val="50000"/>
+            </a:schemeClr>
+          </a:lnRef>
+          <a:fillRef idx="1">
+            <a:schemeClr val="accent6"/>
+          </a:fillRef>
+          <a:effectRef idx="0">
+            <a:schemeClr val="accent6"/>
+          </a:effectRef>
+          <a:fontRef idx="minor">
+            <a:schemeClr val="lt1"/>
+          </a:fontRef>
+        </p:style>
+      </p:cxnSp>
       <p:grpSp>
         <p:nvGrpSpPr>
           <p:cNvPr id="197" name="Group 196"/>
@@ -7223,14 +8878,11 @@
         </p:nvGrpSpPr>
         <p:grpSpPr>
           <a:xfrm>
-            <a:off x="2160302" y="4133119"/>
-            <a:ext cx="1566582" cy="528376"/>
+            <a:off x="1790700" y="4303659"/>
+            <a:ext cx="1551301" cy="531646"/>
             <a:chOff x="1535112" y="3948357"/>
-            <a:chExt cx="1566582" cy="528376"/>
-          </a:xfrm>
-          <a:solidFill>
-            <a:schemeClr val="accent6"/>
-          </a:solidFill>
+            <a:chExt cx="1551301" cy="531646"/>
+          </a:xfrm>
         </p:grpSpPr>
         <p:sp>
           <p:nvSpPr>
@@ -7246,7 +8898,6 @@
             <a:prstGeom prst="rect">
               <a:avLst/>
             </a:prstGeom>
-            <a:ln/>
           </p:spPr>
           <p:style>
             <a:lnRef idx="2">
@@ -7287,7 +8938,6 @@
             <a:prstGeom prst="rect">
               <a:avLst/>
             </a:prstGeom>
-            <a:ln/>
           </p:spPr>
           <p:style>
             <a:lnRef idx="2">
@@ -7322,13 +8972,12 @@
           </p:nvSpPr>
           <p:spPr>
             <a:xfrm>
-              <a:off x="1702791" y="4099295"/>
+              <a:off x="1687510" y="4102565"/>
               <a:ext cx="1398903" cy="377438"/>
             </a:xfrm>
             <a:prstGeom prst="rect">
               <a:avLst/>
             </a:prstGeom>
-            <a:ln/>
           </p:spPr>
           <p:style>
             <a:lnRef idx="2">
@@ -7577,729 +9226,6 @@
           <a:p>
             <a:pPr algn="ctr"/>
             <a:endParaRPr lang="en-SG"/>
-          </a:p>
-        </p:txBody>
-      </p:sp>
-      <p:sp>
-        <p:nvSpPr>
-          <p:cNvPr id="108" name="Rectangle 107"/>
-          <p:cNvSpPr/>
-          <p:nvPr/>
-        </p:nvSpPr>
-        <p:spPr>
-          <a:xfrm>
-            <a:off x="1863593" y="3523553"/>
-            <a:ext cx="2160000" cy="360000"/>
-          </a:xfrm>
-          <a:prstGeom prst="rect">
-            <a:avLst/>
-          </a:prstGeom>
-          <a:ln/>
-        </p:spPr>
-        <p:style>
-          <a:lnRef idx="2">
-            <a:schemeClr val="accent1">
-              <a:shade val="50000"/>
-            </a:schemeClr>
-          </a:lnRef>
-          <a:fillRef idx="1">
-            <a:schemeClr val="accent1"/>
-          </a:fillRef>
-          <a:effectRef idx="0">
-            <a:schemeClr val="accent1"/>
-          </a:effectRef>
-          <a:fontRef idx="minor">
-            <a:schemeClr val="lt1"/>
-          </a:fontRef>
-        </p:style>
-        <p:txBody>
-          <a:bodyPr rtlCol="0" anchor="ctr"/>
-          <a:lstStyle/>
-          <a:p>
-            <a:pPr algn="ctr"/>
-            <a:r>
-              <a:rPr lang="en-US" sz="1600" b="1" dirty="0" err="1" smtClean="0"/>
-              <a:t>WebPageServlet</a:t>
-            </a:r>
-            <a:endParaRPr lang="en-SG" sz="1600" b="1" dirty="0"/>
-          </a:p>
-        </p:txBody>
-      </p:sp>
-      <p:sp>
-        <p:nvSpPr>
-          <p:cNvPr id="118" name="Folded Corner 117"/>
-          <p:cNvSpPr/>
-          <p:nvPr/>
-        </p:nvSpPr>
-        <p:spPr>
-          <a:xfrm>
-            <a:off x="1797526" y="5519962"/>
-            <a:ext cx="1423164" cy="406993"/>
-          </a:xfrm>
-          <a:prstGeom prst="foldedCorner">
-            <a:avLst/>
-          </a:prstGeom>
-        </p:spPr>
-        <p:style>
-          <a:lnRef idx="2">
-            <a:schemeClr val="accent5">
-              <a:shade val="50000"/>
-            </a:schemeClr>
-          </a:lnRef>
-          <a:fillRef idx="1">
-            <a:schemeClr val="accent5"/>
-          </a:fillRef>
-          <a:effectRef idx="0">
-            <a:schemeClr val="accent5"/>
-          </a:effectRef>
-          <a:fontRef idx="minor">
-            <a:schemeClr val="lt1"/>
-          </a:fontRef>
-        </p:style>
-        <p:txBody>
-          <a:bodyPr rtlCol="0" anchor="ctr"/>
-          <a:lstStyle/>
-          <a:p>
-            <a:pPr algn="ctr"/>
-            <a:r>
-              <a:rPr lang="en-US" sz="1600" b="1" dirty="0" smtClean="0"/>
-              <a:t>index.html</a:t>
-            </a:r>
-            <a:endParaRPr lang="en-SG" sz="1600" b="1" dirty="0"/>
-          </a:p>
-        </p:txBody>
-      </p:sp>
-      <p:cxnSp>
-        <p:nvCxnSpPr>
-          <p:cNvPr id="119" name="Elbow Connector 118"/>
-          <p:cNvCxnSpPr>
-            <a:stCxn id="162" idx="3"/>
-            <a:endCxn id="118" idx="1"/>
-          </p:cNvCxnSpPr>
-          <p:nvPr/>
-        </p:nvCxnSpPr>
-        <p:spPr>
-          <a:xfrm flipV="1">
-            <a:off x="1218607" y="5723459"/>
-            <a:ext cx="578919" cy="445962"/>
-          </a:xfrm>
-          <a:prstGeom prst="bentConnector3">
-            <a:avLst>
-              <a:gd name="adj1" fmla="val 36384"/>
-            </a:avLst>
-          </a:prstGeom>
-          <a:ln w="38100">
-            <a:solidFill>
-              <a:schemeClr val="tx1"/>
-            </a:solidFill>
-            <a:prstDash val="sysDash"/>
-            <a:tailEnd type="arrow"/>
-          </a:ln>
-        </p:spPr>
-        <p:style>
-          <a:lnRef idx="1">
-            <a:schemeClr val="accent1"/>
-          </a:lnRef>
-          <a:fillRef idx="0">
-            <a:schemeClr val="accent1"/>
-          </a:fillRef>
-          <a:effectRef idx="0">
-            <a:schemeClr val="accent1"/>
-          </a:effectRef>
-          <a:fontRef idx="minor">
-            <a:schemeClr val="tx1"/>
-          </a:fontRef>
-        </p:style>
-      </p:cxnSp>
-      <p:grpSp>
-        <p:nvGrpSpPr>
-          <p:cNvPr id="120" name="Group 119"/>
-          <p:cNvGrpSpPr/>
-          <p:nvPr/>
-        </p:nvGrpSpPr>
-        <p:grpSpPr>
-          <a:xfrm>
-            <a:off x="7814935" y="5795475"/>
-            <a:ext cx="1291478" cy="575162"/>
-            <a:chOff x="3179250" y="6547958"/>
-            <a:chExt cx="1663102" cy="575162"/>
-          </a:xfrm>
-        </p:grpSpPr>
-        <p:sp>
-          <p:nvSpPr>
-            <p:cNvPr id="122" name="Folded Corner 121"/>
-            <p:cNvSpPr/>
-            <p:nvPr/>
-          </p:nvSpPr>
-          <p:spPr>
-            <a:xfrm>
-              <a:off x="3179250" y="6547958"/>
-              <a:ext cx="1466849" cy="406993"/>
-            </a:xfrm>
-            <a:prstGeom prst="foldedCorner">
-              <a:avLst/>
-            </a:prstGeom>
-          </p:spPr>
-          <p:style>
-            <a:lnRef idx="2">
-              <a:schemeClr val="accent5">
-                <a:shade val="50000"/>
-              </a:schemeClr>
-            </a:lnRef>
-            <a:fillRef idx="1">
-              <a:schemeClr val="accent5"/>
-            </a:fillRef>
-            <a:effectRef idx="0">
-              <a:schemeClr val="accent5"/>
-            </a:effectRef>
-            <a:fontRef idx="minor">
-              <a:schemeClr val="lt1"/>
-            </a:fontRef>
-          </p:style>
-          <p:txBody>
-            <a:bodyPr rtlCol="0" anchor="ctr"/>
-            <a:lstStyle/>
-            <a:p>
-              <a:pPr algn="ctr"/>
-              <a:endParaRPr lang="en-SG" sz="1600" b="1" dirty="0"/>
-            </a:p>
-          </p:txBody>
-        </p:sp>
-        <p:sp>
-          <p:nvSpPr>
-            <p:cNvPr id="123" name="Folded Corner 122"/>
-            <p:cNvSpPr/>
-            <p:nvPr/>
-          </p:nvSpPr>
-          <p:spPr>
-            <a:xfrm>
-              <a:off x="3277376" y="6636881"/>
-              <a:ext cx="1466849" cy="406993"/>
-            </a:xfrm>
-            <a:prstGeom prst="foldedCorner">
-              <a:avLst/>
-            </a:prstGeom>
-          </p:spPr>
-          <p:style>
-            <a:lnRef idx="2">
-              <a:schemeClr val="accent5">
-                <a:shade val="50000"/>
-              </a:schemeClr>
-            </a:lnRef>
-            <a:fillRef idx="1">
-              <a:schemeClr val="accent5"/>
-            </a:fillRef>
-            <a:effectRef idx="0">
-              <a:schemeClr val="accent5"/>
-            </a:effectRef>
-            <a:fontRef idx="minor">
-              <a:schemeClr val="lt1"/>
-            </a:fontRef>
-          </p:style>
-          <p:txBody>
-            <a:bodyPr rtlCol="0" anchor="ctr"/>
-            <a:lstStyle/>
-            <a:p>
-              <a:pPr algn="ctr"/>
-              <a:endParaRPr lang="en-SG" sz="1600" b="1" dirty="0"/>
-            </a:p>
-          </p:txBody>
-        </p:sp>
-        <p:sp>
-          <p:nvSpPr>
-            <p:cNvPr id="124" name="Folded Corner 123"/>
-            <p:cNvSpPr/>
-            <p:nvPr/>
-          </p:nvSpPr>
-          <p:spPr>
-            <a:xfrm>
-              <a:off x="3375503" y="6716127"/>
-              <a:ext cx="1466849" cy="406993"/>
-            </a:xfrm>
-            <a:prstGeom prst="foldedCorner">
-              <a:avLst/>
-            </a:prstGeom>
-          </p:spPr>
-          <p:style>
-            <a:lnRef idx="2">
-              <a:schemeClr val="accent5">
-                <a:shade val="50000"/>
-              </a:schemeClr>
-            </a:lnRef>
-            <a:fillRef idx="1">
-              <a:schemeClr val="accent5"/>
-            </a:fillRef>
-            <a:effectRef idx="0">
-              <a:schemeClr val="accent5"/>
-            </a:effectRef>
-            <a:fontRef idx="minor">
-              <a:schemeClr val="lt1"/>
-            </a:fontRef>
-          </p:style>
-          <p:txBody>
-            <a:bodyPr rtlCol="0" anchor="ctr"/>
-            <a:lstStyle/>
-            <a:p>
-              <a:pPr algn="ctr"/>
-              <a:r>
-                <a:rPr lang="en-US" sz="1600" b="1" dirty="0" smtClean="0"/>
-                <a:t>*.</a:t>
-              </a:r>
-              <a:r>
-                <a:rPr lang="en-US" sz="1600" b="1" dirty="0" err="1" smtClean="0"/>
-                <a:t>scss</a:t>
-              </a:r>
-              <a:endParaRPr lang="en-SG" sz="1600" b="1" dirty="0"/>
-            </a:p>
-          </p:txBody>
-        </p:sp>
-      </p:grpSp>
-      <p:grpSp>
-        <p:nvGrpSpPr>
-          <p:cNvPr id="136" name="Group 135"/>
-          <p:cNvGrpSpPr/>
-          <p:nvPr/>
-        </p:nvGrpSpPr>
-        <p:grpSpPr>
-          <a:xfrm>
-            <a:off x="6975363" y="6481275"/>
-            <a:ext cx="1291478" cy="575162"/>
-            <a:chOff x="3179250" y="6547958"/>
-            <a:chExt cx="1663102" cy="575162"/>
-          </a:xfrm>
-        </p:grpSpPr>
-        <p:sp>
-          <p:nvSpPr>
-            <p:cNvPr id="137" name="Folded Corner 136"/>
-            <p:cNvSpPr/>
-            <p:nvPr/>
-          </p:nvSpPr>
-          <p:spPr>
-            <a:xfrm>
-              <a:off x="3179250" y="6547958"/>
-              <a:ext cx="1466849" cy="406993"/>
-            </a:xfrm>
-            <a:prstGeom prst="foldedCorner">
-              <a:avLst/>
-            </a:prstGeom>
-          </p:spPr>
-          <p:style>
-            <a:lnRef idx="2">
-              <a:schemeClr val="accent5">
-                <a:shade val="50000"/>
-              </a:schemeClr>
-            </a:lnRef>
-            <a:fillRef idx="1">
-              <a:schemeClr val="accent5"/>
-            </a:fillRef>
-            <a:effectRef idx="0">
-              <a:schemeClr val="accent5"/>
-            </a:effectRef>
-            <a:fontRef idx="minor">
-              <a:schemeClr val="lt1"/>
-            </a:fontRef>
-          </p:style>
-          <p:txBody>
-            <a:bodyPr rtlCol="0" anchor="ctr"/>
-            <a:lstStyle/>
-            <a:p>
-              <a:pPr algn="ctr"/>
-              <a:endParaRPr lang="en-SG" sz="1600" b="1" dirty="0"/>
-            </a:p>
-          </p:txBody>
-        </p:sp>
-        <p:sp>
-          <p:nvSpPr>
-            <p:cNvPr id="138" name="Folded Corner 137"/>
-            <p:cNvSpPr/>
-            <p:nvPr/>
-          </p:nvSpPr>
-          <p:spPr>
-            <a:xfrm>
-              <a:off x="3277376" y="6636881"/>
-              <a:ext cx="1466849" cy="406993"/>
-            </a:xfrm>
-            <a:prstGeom prst="foldedCorner">
-              <a:avLst/>
-            </a:prstGeom>
-          </p:spPr>
-          <p:style>
-            <a:lnRef idx="2">
-              <a:schemeClr val="accent5">
-                <a:shade val="50000"/>
-              </a:schemeClr>
-            </a:lnRef>
-            <a:fillRef idx="1">
-              <a:schemeClr val="accent5"/>
-            </a:fillRef>
-            <a:effectRef idx="0">
-              <a:schemeClr val="accent5"/>
-            </a:effectRef>
-            <a:fontRef idx="minor">
-              <a:schemeClr val="lt1"/>
-            </a:fontRef>
-          </p:style>
-          <p:txBody>
-            <a:bodyPr rtlCol="0" anchor="ctr"/>
-            <a:lstStyle/>
-            <a:p>
-              <a:pPr algn="ctr"/>
-              <a:endParaRPr lang="en-SG" sz="1600" b="1" dirty="0"/>
-            </a:p>
-          </p:txBody>
-        </p:sp>
-        <p:sp>
-          <p:nvSpPr>
-            <p:cNvPr id="139" name="Folded Corner 138"/>
-            <p:cNvSpPr/>
-            <p:nvPr/>
-          </p:nvSpPr>
-          <p:spPr>
-            <a:xfrm>
-              <a:off x="3375503" y="6716127"/>
-              <a:ext cx="1466849" cy="406993"/>
-            </a:xfrm>
-            <a:prstGeom prst="foldedCorner">
-              <a:avLst/>
-            </a:prstGeom>
-          </p:spPr>
-          <p:style>
-            <a:lnRef idx="2">
-              <a:schemeClr val="accent5">
-                <a:shade val="50000"/>
-              </a:schemeClr>
-            </a:lnRef>
-            <a:fillRef idx="1">
-              <a:schemeClr val="accent5"/>
-            </a:fillRef>
-            <a:effectRef idx="0">
-              <a:schemeClr val="accent5"/>
-            </a:effectRef>
-            <a:fontRef idx="minor">
-              <a:schemeClr val="lt1"/>
-            </a:fontRef>
-          </p:style>
-          <p:txBody>
-            <a:bodyPr rtlCol="0" anchor="ctr"/>
-            <a:lstStyle/>
-            <a:p>
-              <a:pPr algn="ctr"/>
-              <a:r>
-                <a:rPr lang="en-US" sz="1600" b="1" dirty="0" smtClean="0"/>
-                <a:t>*.</a:t>
-              </a:r>
-              <a:r>
-                <a:rPr lang="en-US" sz="1600" b="1" dirty="0" err="1"/>
-                <a:t>t</a:t>
-              </a:r>
-              <a:r>
-                <a:rPr lang="en-US" sz="1600" b="1" dirty="0" err="1" smtClean="0"/>
-                <a:t>s</a:t>
-              </a:r>
-              <a:endParaRPr lang="en-SG" sz="1600" b="1" dirty="0"/>
-            </a:p>
-          </p:txBody>
-        </p:sp>
-      </p:grpSp>
-      <p:grpSp>
-        <p:nvGrpSpPr>
-          <p:cNvPr id="140" name="Group 139"/>
-          <p:cNvGrpSpPr/>
-          <p:nvPr/>
-        </p:nvGrpSpPr>
-        <p:grpSpPr>
-          <a:xfrm>
-            <a:off x="6214222" y="5795475"/>
-            <a:ext cx="1291478" cy="575162"/>
-            <a:chOff x="3179250" y="6547958"/>
-            <a:chExt cx="1663102" cy="575162"/>
-          </a:xfrm>
-        </p:grpSpPr>
-        <p:sp>
-          <p:nvSpPr>
-            <p:cNvPr id="142" name="Folded Corner 141"/>
-            <p:cNvSpPr/>
-            <p:nvPr/>
-          </p:nvSpPr>
-          <p:spPr>
-            <a:xfrm>
-              <a:off x="3179250" y="6547958"/>
-              <a:ext cx="1466849" cy="406993"/>
-            </a:xfrm>
-            <a:prstGeom prst="foldedCorner">
-              <a:avLst/>
-            </a:prstGeom>
-          </p:spPr>
-          <p:style>
-            <a:lnRef idx="2">
-              <a:schemeClr val="accent5">
-                <a:shade val="50000"/>
-              </a:schemeClr>
-            </a:lnRef>
-            <a:fillRef idx="1">
-              <a:schemeClr val="accent5"/>
-            </a:fillRef>
-            <a:effectRef idx="0">
-              <a:schemeClr val="accent5"/>
-            </a:effectRef>
-            <a:fontRef idx="minor">
-              <a:schemeClr val="lt1"/>
-            </a:fontRef>
-          </p:style>
-          <p:txBody>
-            <a:bodyPr rtlCol="0" anchor="ctr"/>
-            <a:lstStyle/>
-            <a:p>
-              <a:pPr algn="ctr"/>
-              <a:endParaRPr lang="en-SG" sz="1600" b="1" dirty="0"/>
-            </a:p>
-          </p:txBody>
-        </p:sp>
-        <p:sp>
-          <p:nvSpPr>
-            <p:cNvPr id="144" name="Folded Corner 143"/>
-            <p:cNvSpPr/>
-            <p:nvPr/>
-          </p:nvSpPr>
-          <p:spPr>
-            <a:xfrm>
-              <a:off x="3277376" y="6636881"/>
-              <a:ext cx="1466849" cy="406993"/>
-            </a:xfrm>
-            <a:prstGeom prst="foldedCorner">
-              <a:avLst/>
-            </a:prstGeom>
-          </p:spPr>
-          <p:style>
-            <a:lnRef idx="2">
-              <a:schemeClr val="accent5">
-                <a:shade val="50000"/>
-              </a:schemeClr>
-            </a:lnRef>
-            <a:fillRef idx="1">
-              <a:schemeClr val="accent5"/>
-            </a:fillRef>
-            <a:effectRef idx="0">
-              <a:schemeClr val="accent5"/>
-            </a:effectRef>
-            <a:fontRef idx="minor">
-              <a:schemeClr val="lt1"/>
-            </a:fontRef>
-          </p:style>
-          <p:txBody>
-            <a:bodyPr rtlCol="0" anchor="ctr"/>
-            <a:lstStyle/>
-            <a:p>
-              <a:pPr algn="ctr"/>
-              <a:endParaRPr lang="en-SG" sz="1600" b="1" dirty="0"/>
-            </a:p>
-          </p:txBody>
-        </p:sp>
-        <p:sp>
-          <p:nvSpPr>
-            <p:cNvPr id="146" name="Folded Corner 145"/>
-            <p:cNvSpPr/>
-            <p:nvPr/>
-          </p:nvSpPr>
-          <p:spPr>
-            <a:xfrm>
-              <a:off x="3375503" y="6716127"/>
-              <a:ext cx="1466849" cy="406993"/>
-            </a:xfrm>
-            <a:prstGeom prst="foldedCorner">
-              <a:avLst/>
-            </a:prstGeom>
-          </p:spPr>
-          <p:style>
-            <a:lnRef idx="2">
-              <a:schemeClr val="accent5">
-                <a:shade val="50000"/>
-              </a:schemeClr>
-            </a:lnRef>
-            <a:fillRef idx="1">
-              <a:schemeClr val="accent5"/>
-            </a:fillRef>
-            <a:effectRef idx="0">
-              <a:schemeClr val="accent5"/>
-            </a:effectRef>
-            <a:fontRef idx="minor">
-              <a:schemeClr val="lt1"/>
-            </a:fontRef>
-          </p:style>
-          <p:txBody>
-            <a:bodyPr rtlCol="0" anchor="ctr"/>
-            <a:lstStyle/>
-            <a:p>
-              <a:pPr algn="ctr"/>
-              <a:r>
-                <a:rPr lang="en-US" sz="1600" b="1" dirty="0" smtClean="0"/>
-                <a:t>*.html</a:t>
-              </a:r>
-              <a:endParaRPr lang="en-SG" sz="1600" b="1" dirty="0"/>
-            </a:p>
-          </p:txBody>
-        </p:sp>
-      </p:grpSp>
-      <p:sp>
-        <p:nvSpPr>
-          <p:cNvPr id="14" name="Rectangle 13"/>
-          <p:cNvSpPr/>
-          <p:nvPr/>
-        </p:nvSpPr>
-        <p:spPr>
-          <a:xfrm>
-            <a:off x="1605962" y="5402473"/>
-            <a:ext cx="3336240" cy="1725429"/>
-          </a:xfrm>
-          <a:prstGeom prst="rect">
-            <a:avLst/>
-          </a:prstGeom>
-          <a:noFill/>
-          <a:ln>
-            <a:solidFill>
-              <a:schemeClr val="tx1"/>
-            </a:solidFill>
-            <a:prstDash val="sysDot"/>
-          </a:ln>
-        </p:spPr>
-        <p:style>
-          <a:lnRef idx="2">
-            <a:schemeClr val="accent1">
-              <a:shade val="50000"/>
-            </a:schemeClr>
-          </a:lnRef>
-          <a:fillRef idx="1">
-            <a:schemeClr val="accent1"/>
-          </a:fillRef>
-          <a:effectRef idx="0">
-            <a:schemeClr val="accent1"/>
-          </a:effectRef>
-          <a:fontRef idx="minor">
-            <a:schemeClr val="lt1"/>
-          </a:fontRef>
-        </p:style>
-        <p:txBody>
-          <a:bodyPr rtlCol="0" anchor="ctr"/>
-          <a:lstStyle/>
-          <a:p>
-            <a:pPr algn="ctr"/>
-            <a:endParaRPr lang="en-AU"/>
-          </a:p>
-        </p:txBody>
-      </p:sp>
-      <p:sp>
-        <p:nvSpPr>
-          <p:cNvPr id="147" name="Rectangle 146"/>
-          <p:cNvSpPr/>
-          <p:nvPr/>
-        </p:nvSpPr>
-        <p:spPr>
-          <a:xfrm>
-            <a:off x="6095919" y="5677781"/>
-            <a:ext cx="3162381" cy="1509624"/>
-          </a:xfrm>
-          <a:prstGeom prst="rect">
-            <a:avLst/>
-          </a:prstGeom>
-          <a:noFill/>
-          <a:ln>
-            <a:solidFill>
-              <a:schemeClr val="tx1"/>
-            </a:solidFill>
-            <a:prstDash val="sysDot"/>
-          </a:ln>
-        </p:spPr>
-        <p:style>
-          <a:lnRef idx="2">
-            <a:schemeClr val="accent1">
-              <a:shade val="50000"/>
-            </a:schemeClr>
-          </a:lnRef>
-          <a:fillRef idx="1">
-            <a:schemeClr val="accent1"/>
-          </a:fillRef>
-          <a:effectRef idx="0">
-            <a:schemeClr val="accent1"/>
-          </a:effectRef>
-          <a:fontRef idx="minor">
-            <a:schemeClr val="lt1"/>
-          </a:fontRef>
-        </p:style>
-        <p:txBody>
-          <a:bodyPr rtlCol="0" anchor="ctr"/>
-          <a:lstStyle/>
-          <a:p>
-            <a:pPr algn="ctr"/>
-            <a:endParaRPr lang="en-AU"/>
-          </a:p>
-        </p:txBody>
-      </p:sp>
-      <p:sp>
-        <p:nvSpPr>
-          <p:cNvPr id="149" name="TextBox 148"/>
-          <p:cNvSpPr txBox="1"/>
-          <p:nvPr/>
-        </p:nvSpPr>
-        <p:spPr>
-          <a:xfrm>
-            <a:off x="4942202" y="6111298"/>
-            <a:ext cx="1153718" cy="259339"/>
-          </a:xfrm>
-          <a:prstGeom prst="rect">
-            <a:avLst/>
-          </a:prstGeom>
-          <a:grpFill/>
-          <a:ln>
-            <a:noFill/>
-          </a:ln>
-        </p:spPr>
-        <p:style>
-          <a:lnRef idx="2">
-            <a:schemeClr val="accent1">
-              <a:shade val="50000"/>
-            </a:schemeClr>
-          </a:lnRef>
-          <a:fillRef idx="1">
-            <a:schemeClr val="accent1"/>
-          </a:fillRef>
-          <a:effectRef idx="0">
-            <a:schemeClr val="accent1"/>
-          </a:effectRef>
-          <a:fontRef idx="minor">
-            <a:schemeClr val="lt1"/>
-          </a:fontRef>
-        </p:style>
-        <p:txBody>
-          <a:bodyPr rtlCol="0" anchor="t" anchorCtr="0"/>
-          <a:lstStyle>
-            <a:defPPr>
-              <a:defRPr lang="en-US"/>
-            </a:defPPr>
-            <a:lvl1pPr algn="r">
-              <a:defRPr sz="1400" b="1">
-                <a:solidFill>
-                  <a:schemeClr val="accent2">
-                    <a:lumMod val="75000"/>
-                  </a:schemeClr>
-                </a:solidFill>
-              </a:defRPr>
-            </a:lvl1pPr>
-          </a:lstStyle>
-          <a:p>
-            <a:pPr algn="ctr"/>
-            <a:r>
-              <a:rPr lang="en-US" dirty="0" smtClean="0">
-                <a:solidFill>
-                  <a:schemeClr val="tx1"/>
-                </a:solidFill>
-              </a:rPr>
-              <a:t>built from</a:t>
-            </a:r>
-            <a:endParaRPr lang="en-SG" dirty="0">
-              <a:solidFill>
-                <a:schemeClr val="tx1"/>
-              </a:solidFill>
-            </a:endParaRPr>
           </a:p>
         </p:txBody>
       </p:sp>

--- a/docs/images/UiComponent.pptx
+++ b/docs/images/UiComponent.pptx
@@ -214,7 +214,7 @@
           <a:p>
             <a:fld id="{DAE90588-295F-46D9-AA84-06B159A30412}" type="datetimeFigureOut">
               <a:rPr lang="en-AU" smtClean="0"/>
-              <a:t>19/09/2018</a:t>
+              <a:t>14/08/2020</a:t>
             </a:fld>
             <a:endParaRPr lang="en-AU"/>
           </a:p>
@@ -379,7 +379,7 @@
           <a:p>
             <a:fld id="{DC50A2AC-D691-437C-A69B-81ECFE08AD4B}" type="datetimeFigureOut">
               <a:rPr lang="en-SG" smtClean="0"/>
-              <a:t>19/9/2018</a:t>
+              <a:t>14/8/2020</a:t>
             </a:fld>
             <a:endParaRPr lang="en-SG"/>
           </a:p>
@@ -932,7 +932,7 @@
             <a:fld id="{1D8BD707-D9CF-40AE-B4C6-C98DA3205C09}" type="datetimeFigureOut">
               <a:rPr lang="en-US" smtClean="0"/>
               <a:pPr/>
-              <a:t>9/19/2018</a:t>
+              <a:t>8/14/2020</a:t>
             </a:fld>
             <a:endParaRPr lang="en-US"/>
           </a:p>
@@ -1139,7 +1139,7 @@
             <a:fld id="{1D8BD707-D9CF-40AE-B4C6-C98DA3205C09}" type="datetimeFigureOut">
               <a:rPr lang="en-US" smtClean="0"/>
               <a:pPr/>
-              <a:t>9/19/2018</a:t>
+              <a:t>8/14/2020</a:t>
             </a:fld>
             <a:endParaRPr lang="en-US"/>
           </a:p>
@@ -1346,7 +1346,7 @@
             <a:fld id="{1D8BD707-D9CF-40AE-B4C6-C98DA3205C09}" type="datetimeFigureOut">
               <a:rPr lang="en-US" smtClean="0"/>
               <a:pPr/>
-              <a:t>9/19/2018</a:t>
+              <a:t>8/14/2020</a:t>
             </a:fld>
             <a:endParaRPr lang="en-US"/>
           </a:p>
@@ -1553,7 +1553,7 @@
             <a:fld id="{1D8BD707-D9CF-40AE-B4C6-C98DA3205C09}" type="datetimeFigureOut">
               <a:rPr lang="en-US" smtClean="0"/>
               <a:pPr/>
-              <a:t>9/19/2018</a:t>
+              <a:t>8/14/2020</a:t>
             </a:fld>
             <a:endParaRPr lang="en-US"/>
           </a:p>
@@ -1826,7 +1826,7 @@
             <a:fld id="{1D8BD707-D9CF-40AE-B4C6-C98DA3205C09}" type="datetimeFigureOut">
               <a:rPr lang="en-US" smtClean="0"/>
               <a:pPr/>
-              <a:t>9/19/2018</a:t>
+              <a:t>8/14/2020</a:t>
             </a:fld>
             <a:endParaRPr lang="en-US"/>
           </a:p>
@@ -2149,7 +2149,7 @@
             <a:fld id="{1D8BD707-D9CF-40AE-B4C6-C98DA3205C09}" type="datetimeFigureOut">
               <a:rPr lang="en-US" smtClean="0"/>
               <a:pPr/>
-              <a:t>9/19/2018</a:t>
+              <a:t>8/14/2020</a:t>
             </a:fld>
             <a:endParaRPr lang="en-US"/>
           </a:p>
@@ -2612,7 +2612,7 @@
             <a:fld id="{1D8BD707-D9CF-40AE-B4C6-C98DA3205C09}" type="datetimeFigureOut">
               <a:rPr lang="en-US" smtClean="0"/>
               <a:pPr/>
-              <a:t>9/19/2018</a:t>
+              <a:t>8/14/2020</a:t>
             </a:fld>
             <a:endParaRPr lang="en-US"/>
           </a:p>
@@ -2759,7 +2759,7 @@
             <a:fld id="{1D8BD707-D9CF-40AE-B4C6-C98DA3205C09}" type="datetimeFigureOut">
               <a:rPr lang="en-US" smtClean="0"/>
               <a:pPr/>
-              <a:t>9/19/2018</a:t>
+              <a:t>8/14/2020</a:t>
             </a:fld>
             <a:endParaRPr lang="en-US"/>
           </a:p>
@@ -2875,7 +2875,7 @@
             <a:fld id="{1D8BD707-D9CF-40AE-B4C6-C98DA3205C09}" type="datetimeFigureOut">
               <a:rPr lang="en-US" smtClean="0"/>
               <a:pPr/>
-              <a:t>9/19/2018</a:t>
+              <a:t>8/14/2020</a:t>
             </a:fld>
             <a:endParaRPr lang="en-US"/>
           </a:p>
@@ -3182,7 +3182,7 @@
             <a:fld id="{1D8BD707-D9CF-40AE-B4C6-C98DA3205C09}" type="datetimeFigureOut">
               <a:rPr lang="en-US" smtClean="0"/>
               <a:pPr/>
-              <a:t>9/19/2018</a:t>
+              <a:t>8/14/2020</a:t>
             </a:fld>
             <a:endParaRPr lang="en-US"/>
           </a:p>
@@ -3465,7 +3465,7 @@
             <a:fld id="{1D8BD707-D9CF-40AE-B4C6-C98DA3205C09}" type="datetimeFigureOut">
               <a:rPr lang="en-US" smtClean="0"/>
               <a:pPr/>
-              <a:t>9/19/2018</a:t>
+              <a:t>8/14/2020</a:t>
             </a:fld>
             <a:endParaRPr lang="en-US"/>
           </a:p>
@@ -4095,7 +4095,17 @@
                     </a:schemeClr>
                   </a:solidFill>
                 </a:rPr>
-                <a:t>::controller</a:t>
+                <a:t>::</a:t>
+              </a:r>
+              <a:r>
+                <a:rPr lang="en-SG" sz="1400" b="1" dirty="0" err="1" smtClean="0">
+                  <a:solidFill>
+                    <a:schemeClr val="accent1">
+                      <a:lumMod val="75000"/>
+                    </a:schemeClr>
+                  </a:solidFill>
+                </a:rPr>
+                <a:t>webapi</a:t>
               </a:r>
               <a:endParaRPr lang="en-SG" sz="1400" b="1" dirty="0">
                 <a:solidFill>
@@ -5193,13 +5203,66 @@
       </p:sp>
       <p:sp>
         <p:nvSpPr>
-          <p:cNvPr id="105" name="Rectangle 104"/>
+          <p:cNvPr id="106" name="Isosceles Triangle 105"/>
           <p:cNvSpPr/>
           <p:nvPr/>
         </p:nvSpPr>
         <p:spPr>
           <a:xfrm>
-            <a:off x="6914877" y="4316211"/>
+            <a:off x="6273526" y="3449267"/>
+            <a:ext cx="216000" cy="216000"/>
+          </a:xfrm>
+          <a:prstGeom prst="triangle">
+            <a:avLst/>
+          </a:prstGeom>
+          <a:solidFill>
+            <a:schemeClr val="accent3">
+              <a:lumMod val="60000"/>
+              <a:lumOff val="40000"/>
+            </a:schemeClr>
+          </a:solidFill>
+          <a:ln>
+            <a:solidFill>
+              <a:schemeClr val="accent3">
+                <a:lumMod val="75000"/>
+              </a:schemeClr>
+            </a:solidFill>
+          </a:ln>
+        </p:spPr>
+        <p:style>
+          <a:lnRef idx="2">
+            <a:schemeClr val="accent6">
+              <a:shade val="50000"/>
+            </a:schemeClr>
+          </a:lnRef>
+          <a:fillRef idx="1">
+            <a:schemeClr val="accent6"/>
+          </a:fillRef>
+          <a:effectRef idx="0">
+            <a:schemeClr val="accent6"/>
+          </a:effectRef>
+          <a:fontRef idx="minor">
+            <a:schemeClr val="lt1"/>
+          </a:fontRef>
+        </p:style>
+        <p:txBody>
+          <a:bodyPr rtlCol="0" anchor="ctr"/>
+          <a:lstStyle/>
+          <a:p>
+            <a:pPr algn="ctr"/>
+            <a:endParaRPr lang="en-SG" sz="1600" b="1"/>
+          </a:p>
+        </p:txBody>
+      </p:sp>
+      <p:sp>
+        <p:nvSpPr>
+          <p:cNvPr id="109" name="Rectangle 108"/>
+          <p:cNvSpPr/>
+          <p:nvPr/>
+        </p:nvSpPr>
+        <p:spPr>
+          <a:xfrm>
+            <a:off x="6907207" y="3773119"/>
             <a:ext cx="1980000" cy="360000"/>
           </a:xfrm>
           <a:prstGeom prst="rect">
@@ -5230,78 +5293,25 @@
             <a:pPr algn="ctr"/>
             <a:r>
               <a:rPr lang="en-US" sz="1600" b="1" dirty="0" err="1" smtClean="0"/>
-              <a:t>FileDownloadResult</a:t>
+              <a:t>JsonResult</a:t>
             </a:r>
             <a:endParaRPr lang="en-SG" sz="1600" b="1" dirty="0"/>
-          </a:p>
-        </p:txBody>
-      </p:sp>
-      <p:sp>
-        <p:nvSpPr>
-          <p:cNvPr id="106" name="Isosceles Triangle 105"/>
-          <p:cNvSpPr/>
-          <p:nvPr/>
-        </p:nvSpPr>
-        <p:spPr>
-          <a:xfrm>
-            <a:off x="6273526" y="3449267"/>
-            <a:ext cx="216000" cy="216000"/>
-          </a:xfrm>
-          <a:prstGeom prst="triangle">
-            <a:avLst/>
-          </a:prstGeom>
-          <a:solidFill>
-            <a:schemeClr val="accent3">
-              <a:lumMod val="60000"/>
-              <a:lumOff val="40000"/>
-            </a:schemeClr>
-          </a:solidFill>
-          <a:ln>
-            <a:solidFill>
-              <a:schemeClr val="accent3">
-                <a:lumMod val="75000"/>
-              </a:schemeClr>
-            </a:solidFill>
-          </a:ln>
-        </p:spPr>
-        <p:style>
-          <a:lnRef idx="2">
-            <a:schemeClr val="accent6">
-              <a:shade val="50000"/>
-            </a:schemeClr>
-          </a:lnRef>
-          <a:fillRef idx="1">
-            <a:schemeClr val="accent6"/>
-          </a:fillRef>
-          <a:effectRef idx="0">
-            <a:schemeClr val="accent6"/>
-          </a:effectRef>
-          <a:fontRef idx="minor">
-            <a:schemeClr val="lt1"/>
-          </a:fontRef>
-        </p:style>
-        <p:txBody>
-          <a:bodyPr rtlCol="0" anchor="ctr"/>
-          <a:lstStyle/>
-          <a:p>
-            <a:pPr algn="ctr"/>
-            <a:endParaRPr lang="en-SG" sz="1600" b="1"/>
           </a:p>
         </p:txBody>
       </p:sp>
       <p:cxnSp>
         <p:nvCxnSpPr>
-          <p:cNvPr id="107" name="Elbow Connector 106"/>
+          <p:cNvPr id="110" name="Elbow Connector 109"/>
           <p:cNvCxnSpPr>
             <a:stCxn id="106" idx="3"/>
-            <a:endCxn id="105" idx="1"/>
+            <a:endCxn id="109" idx="1"/>
           </p:cNvCxnSpPr>
           <p:nvPr/>
         </p:nvCxnSpPr>
         <p:spPr>
           <a:xfrm rot="16200000" flipH="1">
-            <a:off x="6232729" y="3814063"/>
-            <a:ext cx="830944" cy="533351"/>
+            <a:off x="6500440" y="3546352"/>
+            <a:ext cx="287852" cy="525681"/>
           </a:xfrm>
           <a:prstGeom prst="bentConnector2">
             <a:avLst/>
@@ -5336,14 +5346,682 @@
       </p:cxnSp>
       <p:sp>
         <p:nvSpPr>
-          <p:cNvPr id="109" name="Rectangle 108"/>
+          <p:cNvPr id="111" name="TextBox 110"/>
+          <p:cNvSpPr txBox="1"/>
+          <p:nvPr/>
+        </p:nvSpPr>
+        <p:spPr>
+          <a:xfrm>
+            <a:off x="2765923" y="2917067"/>
+            <a:ext cx="1066800" cy="307777"/>
+          </a:xfrm>
+          <a:prstGeom prst="rect">
+            <a:avLst/>
+          </a:prstGeom>
+          <a:grpFill/>
+          <a:ln>
+            <a:noFill/>
+          </a:ln>
+        </p:spPr>
+        <p:style>
+          <a:lnRef idx="2">
+            <a:schemeClr val="accent1">
+              <a:shade val="50000"/>
+            </a:schemeClr>
+          </a:lnRef>
+          <a:fillRef idx="1">
+            <a:schemeClr val="accent1"/>
+          </a:fillRef>
+          <a:effectRef idx="0">
+            <a:schemeClr val="accent1"/>
+          </a:effectRef>
+          <a:fontRef idx="minor">
+            <a:schemeClr val="lt1"/>
+          </a:fontRef>
+        </p:style>
+        <p:txBody>
+          <a:bodyPr rtlCol="0" anchor="t" anchorCtr="0"/>
+          <a:lstStyle>
+            <a:defPPr>
+              <a:defRPr lang="en-US"/>
+            </a:defPPr>
+            <a:lvl1pPr algn="r">
+              <a:defRPr sz="1400" b="1">
+                <a:solidFill>
+                  <a:schemeClr val="accent2">
+                    <a:lumMod val="75000"/>
+                  </a:schemeClr>
+                </a:solidFill>
+              </a:defRPr>
+            </a:lvl1pPr>
+          </a:lstStyle>
+          <a:p>
+            <a:r>
+              <a:rPr lang="en-US" dirty="0">
+                <a:solidFill>
+                  <a:schemeClr val="accent1">
+                    <a:lumMod val="50000"/>
+                  </a:schemeClr>
+                </a:solidFill>
+              </a:rPr>
+              <a:t>sends back</a:t>
+            </a:r>
+            <a:endParaRPr lang="en-SG" dirty="0">
+              <a:solidFill>
+                <a:schemeClr val="accent1">
+                  <a:lumMod val="50000"/>
+                </a:schemeClr>
+              </a:solidFill>
+            </a:endParaRPr>
+          </a:p>
+        </p:txBody>
+      </p:sp>
+      <p:sp>
+        <p:nvSpPr>
+          <p:cNvPr id="112" name="Flowchart: Extract 111"/>
           <p:cNvSpPr/>
           <p:nvPr/>
         </p:nvSpPr>
         <p:spPr>
-          <a:xfrm>
-            <a:off x="6907207" y="3773119"/>
-            <a:ext cx="1980000" cy="360000"/>
+          <a:xfrm rot="5400000" flipH="1">
+            <a:off x="3750728" y="3033398"/>
+            <a:ext cx="155075" cy="122330"/>
+          </a:xfrm>
+          <a:prstGeom prst="flowChartExtract">
+            <a:avLst/>
+          </a:prstGeom>
+          <a:solidFill>
+            <a:schemeClr val="accent1">
+              <a:lumMod val="50000"/>
+            </a:schemeClr>
+          </a:solidFill>
+          <a:ln>
+            <a:noFill/>
+          </a:ln>
+        </p:spPr>
+        <p:style>
+          <a:lnRef idx="2">
+            <a:schemeClr val="accent1">
+              <a:shade val="50000"/>
+            </a:schemeClr>
+          </a:lnRef>
+          <a:fillRef idx="1">
+            <a:schemeClr val="accent1"/>
+          </a:fillRef>
+          <a:effectRef idx="0">
+            <a:schemeClr val="accent1"/>
+          </a:effectRef>
+          <a:fontRef idx="minor">
+            <a:schemeClr val="lt1"/>
+          </a:fontRef>
+        </p:style>
+        <p:txBody>
+          <a:bodyPr rtlCol="0" anchor="ctr"/>
+          <a:lstStyle/>
+          <a:p>
+            <a:pPr algn="ctr"/>
+            <a:endParaRPr lang="en-SG"/>
+          </a:p>
+        </p:txBody>
+      </p:sp>
+      <p:cxnSp>
+        <p:nvCxnSpPr>
+          <p:cNvPr id="113" name="Straight Arrow Connector 112"/>
+          <p:cNvCxnSpPr>
+            <a:stCxn id="98" idx="3"/>
+            <a:endCxn id="97" idx="1"/>
+          </p:cNvCxnSpPr>
+          <p:nvPr/>
+        </p:nvCxnSpPr>
+        <p:spPr>
+          <a:xfrm>
+            <a:off x="3870023" y="2667411"/>
+            <a:ext cx="438592" cy="0"/>
+          </a:xfrm>
+          <a:prstGeom prst="straightConnector1">
+            <a:avLst/>
+          </a:prstGeom>
+          <a:ln w="38100">
+            <a:solidFill>
+              <a:schemeClr val="tx2">
+                <a:lumMod val="75000"/>
+              </a:schemeClr>
+            </a:solidFill>
+            <a:prstDash val="sysDot"/>
+            <a:tailEnd type="arrow"/>
+          </a:ln>
+        </p:spPr>
+        <p:style>
+          <a:lnRef idx="1">
+            <a:schemeClr val="accent1"/>
+          </a:lnRef>
+          <a:fillRef idx="0">
+            <a:schemeClr val="accent1"/>
+          </a:fillRef>
+          <a:effectRef idx="0">
+            <a:schemeClr val="accent1"/>
+          </a:effectRef>
+          <a:fontRef idx="minor">
+            <a:schemeClr val="tx1"/>
+          </a:fontRef>
+        </p:style>
+      </p:cxnSp>
+      <p:sp>
+        <p:nvSpPr>
+          <p:cNvPr id="114" name="TextBox 113"/>
+          <p:cNvSpPr txBox="1"/>
+          <p:nvPr/>
+        </p:nvSpPr>
+        <p:spPr>
+          <a:xfrm>
+            <a:off x="3632119" y="2186459"/>
+            <a:ext cx="914400" cy="252187"/>
+          </a:xfrm>
+          <a:prstGeom prst="rect">
+            <a:avLst/>
+          </a:prstGeom>
+          <a:grpFill/>
+          <a:ln>
+            <a:noFill/>
+          </a:ln>
+        </p:spPr>
+        <p:style>
+          <a:lnRef idx="2">
+            <a:schemeClr val="accent1">
+              <a:shade val="50000"/>
+            </a:schemeClr>
+          </a:lnRef>
+          <a:fillRef idx="1">
+            <a:schemeClr val="accent1"/>
+          </a:fillRef>
+          <a:effectRef idx="0">
+            <a:schemeClr val="accent1"/>
+          </a:effectRef>
+          <a:fontRef idx="minor">
+            <a:schemeClr val="lt1"/>
+          </a:fontRef>
+        </p:style>
+        <p:txBody>
+          <a:bodyPr rtlCol="0" anchor="t" anchorCtr="0"/>
+          <a:lstStyle>
+            <a:defPPr>
+              <a:defRPr lang="en-US"/>
+            </a:defPPr>
+            <a:lvl1pPr>
+              <a:defRPr sz="1400" b="1">
+                <a:solidFill>
+                  <a:srgbClr val="7030A0"/>
+                </a:solidFill>
+              </a:defRPr>
+            </a:lvl1pPr>
+            <a:lvl2pPr>
+              <a:defRPr>
+                <a:solidFill>
+                  <a:schemeClr val="lt1"/>
+                </a:solidFill>
+              </a:defRPr>
+            </a:lvl2pPr>
+            <a:lvl3pPr>
+              <a:defRPr>
+                <a:solidFill>
+                  <a:schemeClr val="lt1"/>
+                </a:solidFill>
+              </a:defRPr>
+            </a:lvl3pPr>
+            <a:lvl4pPr>
+              <a:defRPr>
+                <a:solidFill>
+                  <a:schemeClr val="lt1"/>
+                </a:solidFill>
+              </a:defRPr>
+            </a:lvl4pPr>
+            <a:lvl5pPr>
+              <a:defRPr>
+                <a:solidFill>
+                  <a:schemeClr val="lt1"/>
+                </a:solidFill>
+              </a:defRPr>
+            </a:lvl5pPr>
+            <a:lvl6pPr>
+              <a:defRPr>
+                <a:solidFill>
+                  <a:schemeClr val="lt1"/>
+                </a:solidFill>
+              </a:defRPr>
+            </a:lvl6pPr>
+            <a:lvl7pPr>
+              <a:defRPr>
+                <a:solidFill>
+                  <a:schemeClr val="lt1"/>
+                </a:solidFill>
+              </a:defRPr>
+            </a:lvl7pPr>
+            <a:lvl8pPr>
+              <a:defRPr>
+                <a:solidFill>
+                  <a:schemeClr val="lt1"/>
+                </a:solidFill>
+              </a:defRPr>
+            </a:lvl8pPr>
+            <a:lvl9pPr>
+              <a:defRPr>
+                <a:solidFill>
+                  <a:schemeClr val="lt1"/>
+                </a:solidFill>
+              </a:defRPr>
+            </a:lvl9pPr>
+          </a:lstStyle>
+          <a:p>
+            <a:r>
+              <a:rPr lang="en-US" dirty="0">
+                <a:solidFill>
+                  <a:schemeClr val="accent1">
+                    <a:lumMod val="50000"/>
+                  </a:schemeClr>
+                </a:solidFill>
+              </a:rPr>
+              <a:t>&lt;&lt;uses&gt;&gt;</a:t>
+            </a:r>
+            <a:endParaRPr lang="en-SG" dirty="0">
+              <a:solidFill>
+                <a:schemeClr val="accent1">
+                  <a:lumMod val="50000"/>
+                </a:schemeClr>
+              </a:solidFill>
+            </a:endParaRPr>
+          </a:p>
+        </p:txBody>
+      </p:sp>
+      <p:sp>
+        <p:nvSpPr>
+          <p:cNvPr id="115" name="TextBox 114"/>
+          <p:cNvSpPr txBox="1"/>
+          <p:nvPr/>
+        </p:nvSpPr>
+        <p:spPr>
+          <a:xfrm>
+            <a:off x="6019211" y="2179637"/>
+            <a:ext cx="1162965" cy="350553"/>
+          </a:xfrm>
+          <a:prstGeom prst="rect">
+            <a:avLst/>
+          </a:prstGeom>
+          <a:grpFill/>
+          <a:ln>
+            <a:noFill/>
+          </a:ln>
+        </p:spPr>
+        <p:style>
+          <a:lnRef idx="2">
+            <a:schemeClr val="accent1">
+              <a:shade val="50000"/>
+            </a:schemeClr>
+          </a:lnRef>
+          <a:fillRef idx="1">
+            <a:schemeClr val="accent1"/>
+          </a:fillRef>
+          <a:effectRef idx="0">
+            <a:schemeClr val="accent1"/>
+          </a:effectRef>
+          <a:fontRef idx="minor">
+            <a:schemeClr val="lt1"/>
+          </a:fontRef>
+        </p:style>
+        <p:txBody>
+          <a:bodyPr rtlCol="0" anchor="t" anchorCtr="0"/>
+          <a:lstStyle>
+            <a:defPPr>
+              <a:defRPr lang="en-US"/>
+            </a:defPPr>
+            <a:lvl1pPr>
+              <a:defRPr sz="1400" b="1">
+                <a:solidFill>
+                  <a:srgbClr val="7030A0"/>
+                </a:solidFill>
+              </a:defRPr>
+            </a:lvl1pPr>
+            <a:lvl2pPr>
+              <a:defRPr>
+                <a:solidFill>
+                  <a:schemeClr val="lt1"/>
+                </a:solidFill>
+              </a:defRPr>
+            </a:lvl2pPr>
+            <a:lvl3pPr>
+              <a:defRPr>
+                <a:solidFill>
+                  <a:schemeClr val="lt1"/>
+                </a:solidFill>
+              </a:defRPr>
+            </a:lvl3pPr>
+            <a:lvl4pPr>
+              <a:defRPr>
+                <a:solidFill>
+                  <a:schemeClr val="lt1"/>
+                </a:solidFill>
+              </a:defRPr>
+            </a:lvl4pPr>
+            <a:lvl5pPr>
+              <a:defRPr>
+                <a:solidFill>
+                  <a:schemeClr val="lt1"/>
+                </a:solidFill>
+              </a:defRPr>
+            </a:lvl5pPr>
+            <a:lvl6pPr>
+              <a:defRPr>
+                <a:solidFill>
+                  <a:schemeClr val="lt1"/>
+                </a:solidFill>
+              </a:defRPr>
+            </a:lvl6pPr>
+            <a:lvl7pPr>
+              <a:defRPr>
+                <a:solidFill>
+                  <a:schemeClr val="lt1"/>
+                </a:solidFill>
+              </a:defRPr>
+            </a:lvl7pPr>
+            <a:lvl8pPr>
+              <a:defRPr>
+                <a:solidFill>
+                  <a:schemeClr val="lt1"/>
+                </a:solidFill>
+              </a:defRPr>
+            </a:lvl8pPr>
+            <a:lvl9pPr>
+              <a:defRPr>
+                <a:solidFill>
+                  <a:schemeClr val="lt1"/>
+                </a:solidFill>
+              </a:defRPr>
+            </a:lvl9pPr>
+          </a:lstStyle>
+          <a:p>
+            <a:pPr algn="r"/>
+            <a:r>
+              <a:rPr lang="en-US" dirty="0">
+                <a:solidFill>
+                  <a:schemeClr val="accent2">
+                    <a:lumMod val="75000"/>
+                  </a:schemeClr>
+                </a:solidFill>
+              </a:rPr>
+              <a:t>&lt;&lt;creates&gt;&gt;</a:t>
+            </a:r>
+            <a:endParaRPr lang="en-SG" dirty="0">
+              <a:solidFill>
+                <a:schemeClr val="accent2">
+                  <a:lumMod val="75000"/>
+                </a:schemeClr>
+              </a:solidFill>
+            </a:endParaRPr>
+          </a:p>
+        </p:txBody>
+      </p:sp>
+      <p:cxnSp>
+        <p:nvCxnSpPr>
+          <p:cNvPr id="116" name="Elbow Connector 115"/>
+          <p:cNvCxnSpPr>
+            <a:stCxn id="98" idx="2"/>
+            <a:endCxn id="104" idx="1"/>
+          </p:cNvCxnSpPr>
+          <p:nvPr/>
+        </p:nvCxnSpPr>
+        <p:spPr>
+          <a:xfrm rot="16200000" flipH="1">
+            <a:off x="3836880" y="1800553"/>
+            <a:ext cx="412162" cy="2505877"/>
+          </a:xfrm>
+          <a:prstGeom prst="bentConnector2">
+            <a:avLst/>
+          </a:prstGeom>
+          <a:ln w="38100">
+            <a:solidFill>
+              <a:schemeClr val="accent1">
+                <a:lumMod val="50000"/>
+              </a:schemeClr>
+            </a:solidFill>
+            <a:prstDash val="sysDot"/>
+            <a:tailEnd type="arrow"/>
+          </a:ln>
+        </p:spPr>
+        <p:style>
+          <a:lnRef idx="1">
+            <a:schemeClr val="accent1"/>
+          </a:lnRef>
+          <a:fillRef idx="0">
+            <a:schemeClr val="accent1"/>
+          </a:fillRef>
+          <a:effectRef idx="0">
+            <a:schemeClr val="accent1"/>
+          </a:effectRef>
+          <a:fontRef idx="minor">
+            <a:schemeClr val="tx1"/>
+          </a:fontRef>
+        </p:style>
+      </p:cxnSp>
+      <p:cxnSp>
+        <p:nvCxnSpPr>
+          <p:cNvPr id="117" name="Elbow Connector 116"/>
+          <p:cNvCxnSpPr>
+            <a:stCxn id="96" idx="3"/>
+          </p:cNvCxnSpPr>
+          <p:nvPr/>
+        </p:nvCxnSpPr>
+        <p:spPr>
+          <a:xfrm>
+            <a:off x="9067208" y="2662565"/>
+            <a:ext cx="792000" cy="0"/>
+          </a:xfrm>
+          <a:prstGeom prst="bentConnector3">
+            <a:avLst>
+              <a:gd name="adj1" fmla="val 50000"/>
+            </a:avLst>
+          </a:prstGeom>
+          <a:ln w="38100">
+            <a:solidFill>
+              <a:schemeClr val="accent2">
+                <a:lumMod val="75000"/>
+              </a:schemeClr>
+            </a:solidFill>
+            <a:prstDash val="sysDot"/>
+            <a:tailEnd type="arrow"/>
+          </a:ln>
+        </p:spPr>
+        <p:style>
+          <a:lnRef idx="1">
+            <a:schemeClr val="accent1"/>
+          </a:lnRef>
+          <a:fillRef idx="0">
+            <a:schemeClr val="accent1"/>
+          </a:fillRef>
+          <a:effectRef idx="0">
+            <a:schemeClr val="accent1"/>
+          </a:effectRef>
+          <a:fontRef idx="minor">
+            <a:schemeClr val="tx1"/>
+          </a:fontRef>
+        </p:style>
+      </p:cxnSp>
+      <p:cxnSp>
+        <p:nvCxnSpPr>
+          <p:cNvPr id="121" name="Elbow Connector 120"/>
+          <p:cNvCxnSpPr>
+            <a:stCxn id="96" idx="2"/>
+            <a:endCxn id="104" idx="3"/>
+          </p:cNvCxnSpPr>
+          <p:nvPr/>
+        </p:nvCxnSpPr>
+        <p:spPr>
+          <a:xfrm rot="5400000">
+            <a:off x="7514589" y="2786955"/>
+            <a:ext cx="417008" cy="528229"/>
+          </a:xfrm>
+          <a:prstGeom prst="bentConnector2">
+            <a:avLst/>
+          </a:prstGeom>
+          <a:ln w="38100">
+            <a:solidFill>
+              <a:schemeClr val="accent2">
+                <a:lumMod val="75000"/>
+              </a:schemeClr>
+            </a:solidFill>
+            <a:prstDash val="sysDot"/>
+            <a:tailEnd type="arrow"/>
+          </a:ln>
+        </p:spPr>
+        <p:style>
+          <a:lnRef idx="1">
+            <a:schemeClr val="accent1"/>
+          </a:lnRef>
+          <a:fillRef idx="0">
+            <a:schemeClr val="accent1"/>
+          </a:fillRef>
+          <a:effectRef idx="0">
+            <a:schemeClr val="accent1"/>
+          </a:effectRef>
+          <a:fontRef idx="minor">
+            <a:schemeClr val="tx1"/>
+          </a:fontRef>
+        </p:style>
+      </p:cxnSp>
+      <p:sp>
+        <p:nvSpPr>
+          <p:cNvPr id="125" name="TextBox 124"/>
+          <p:cNvSpPr txBox="1"/>
+          <p:nvPr/>
+        </p:nvSpPr>
+        <p:spPr>
+          <a:xfrm>
+            <a:off x="8000411" y="2966654"/>
+            <a:ext cx="1193303" cy="269076"/>
+          </a:xfrm>
+          <a:prstGeom prst="rect">
+            <a:avLst/>
+          </a:prstGeom>
+          <a:grpFill/>
+          <a:ln>
+            <a:noFill/>
+          </a:ln>
+        </p:spPr>
+        <p:style>
+          <a:lnRef idx="2">
+            <a:schemeClr val="accent1">
+              <a:shade val="50000"/>
+            </a:schemeClr>
+          </a:lnRef>
+          <a:fillRef idx="1">
+            <a:schemeClr val="accent1"/>
+          </a:fillRef>
+          <a:effectRef idx="0">
+            <a:schemeClr val="accent1"/>
+          </a:effectRef>
+          <a:fontRef idx="minor">
+            <a:schemeClr val="lt1"/>
+          </a:fontRef>
+        </p:style>
+        <p:txBody>
+          <a:bodyPr rtlCol="0" anchor="t" anchorCtr="0"/>
+          <a:lstStyle>
+            <a:defPPr>
+              <a:defRPr lang="en-US"/>
+            </a:defPPr>
+            <a:lvl1pPr>
+              <a:defRPr sz="1400" b="1">
+                <a:solidFill>
+                  <a:srgbClr val="7030A0"/>
+                </a:solidFill>
+              </a:defRPr>
+            </a:lvl1pPr>
+            <a:lvl2pPr>
+              <a:defRPr>
+                <a:solidFill>
+                  <a:schemeClr val="lt1"/>
+                </a:solidFill>
+              </a:defRPr>
+            </a:lvl2pPr>
+            <a:lvl3pPr>
+              <a:defRPr>
+                <a:solidFill>
+                  <a:schemeClr val="lt1"/>
+                </a:solidFill>
+              </a:defRPr>
+            </a:lvl3pPr>
+            <a:lvl4pPr>
+              <a:defRPr>
+                <a:solidFill>
+                  <a:schemeClr val="lt1"/>
+                </a:solidFill>
+              </a:defRPr>
+            </a:lvl4pPr>
+            <a:lvl5pPr>
+              <a:defRPr>
+                <a:solidFill>
+                  <a:schemeClr val="lt1"/>
+                </a:solidFill>
+              </a:defRPr>
+            </a:lvl5pPr>
+            <a:lvl6pPr>
+              <a:defRPr>
+                <a:solidFill>
+                  <a:schemeClr val="lt1"/>
+                </a:solidFill>
+              </a:defRPr>
+            </a:lvl6pPr>
+            <a:lvl7pPr>
+              <a:defRPr>
+                <a:solidFill>
+                  <a:schemeClr val="lt1"/>
+                </a:solidFill>
+              </a:defRPr>
+            </a:lvl7pPr>
+            <a:lvl8pPr>
+              <a:defRPr>
+                <a:solidFill>
+                  <a:schemeClr val="lt1"/>
+                </a:solidFill>
+              </a:defRPr>
+            </a:lvl8pPr>
+            <a:lvl9pPr>
+              <a:defRPr>
+                <a:solidFill>
+                  <a:schemeClr val="lt1"/>
+                </a:solidFill>
+              </a:defRPr>
+            </a:lvl9pPr>
+          </a:lstStyle>
+          <a:p>
+            <a:r>
+              <a:rPr lang="en-US" dirty="0">
+                <a:solidFill>
+                  <a:schemeClr val="accent2">
+                    <a:lumMod val="75000"/>
+                  </a:schemeClr>
+                </a:solidFill>
+              </a:rPr>
+              <a:t>&lt;&lt;creates&gt;&gt;</a:t>
+            </a:r>
+            <a:endParaRPr lang="en-SG" dirty="0">
+              <a:solidFill>
+                <a:schemeClr val="accent2">
+                  <a:lumMod val="75000"/>
+                </a:schemeClr>
+              </a:solidFill>
+            </a:endParaRPr>
+          </a:p>
+        </p:txBody>
+      </p:sp>
+      <p:sp>
+        <p:nvSpPr>
+          <p:cNvPr id="126" name="Rectangle 125"/>
+          <p:cNvSpPr/>
+          <p:nvPr/>
+        </p:nvSpPr>
+        <p:spPr>
+          <a:xfrm>
+            <a:off x="4312970" y="4317601"/>
+            <a:ext cx="1517851" cy="358610"/>
           </a:xfrm>
           <a:prstGeom prst="rect">
             <a:avLst/>
@@ -5372,735 +6050,22 @@
           <a:p>
             <a:pPr algn="ctr"/>
             <a:r>
-              <a:rPr lang="en-US" sz="1600" b="1" dirty="0"/>
+              <a:rPr lang="en-US" sz="1600" b="1" dirty="0" smtClean="0"/>
               <a:t>*Result</a:t>
             </a:r>
             <a:endParaRPr lang="en-SG" sz="1600" b="1" dirty="0"/>
           </a:p>
         </p:txBody>
       </p:sp>
-      <p:cxnSp>
-        <p:nvCxnSpPr>
-          <p:cNvPr id="110" name="Elbow Connector 109"/>
-          <p:cNvCxnSpPr>
-            <a:stCxn id="106" idx="3"/>
-            <a:endCxn id="109" idx="1"/>
-          </p:cNvCxnSpPr>
-          <p:nvPr/>
-        </p:nvCxnSpPr>
-        <p:spPr>
-          <a:xfrm rot="16200000" flipH="1">
-            <a:off x="6500440" y="3546352"/>
-            <a:ext cx="287852" cy="525681"/>
-          </a:xfrm>
-          <a:prstGeom prst="bentConnector2">
-            <a:avLst/>
-          </a:prstGeom>
-          <a:solidFill>
-            <a:srgbClr val="92D050"/>
-          </a:solidFill>
-          <a:ln>
-            <a:solidFill>
-              <a:schemeClr val="accent3">
-                <a:lumMod val="75000"/>
-              </a:schemeClr>
-            </a:solidFill>
-          </a:ln>
-        </p:spPr>
-        <p:style>
-          <a:lnRef idx="2">
-            <a:schemeClr val="accent6">
-              <a:shade val="50000"/>
-            </a:schemeClr>
-          </a:lnRef>
-          <a:fillRef idx="1">
-            <a:schemeClr val="accent6"/>
-          </a:fillRef>
-          <a:effectRef idx="0">
-            <a:schemeClr val="accent6"/>
-          </a:effectRef>
-          <a:fontRef idx="minor">
-            <a:schemeClr val="lt1"/>
-          </a:fontRef>
-        </p:style>
-      </p:cxnSp>
-      <p:sp>
-        <p:nvSpPr>
-          <p:cNvPr id="111" name="TextBox 110"/>
-          <p:cNvSpPr txBox="1"/>
-          <p:nvPr/>
-        </p:nvSpPr>
-        <p:spPr>
-          <a:xfrm>
-            <a:off x="2765923" y="2917067"/>
-            <a:ext cx="1066800" cy="307777"/>
-          </a:xfrm>
-          <a:prstGeom prst="rect">
-            <a:avLst/>
-          </a:prstGeom>
-          <a:grpFill/>
-          <a:ln>
-            <a:noFill/>
-          </a:ln>
-        </p:spPr>
-        <p:style>
-          <a:lnRef idx="2">
-            <a:schemeClr val="accent1">
-              <a:shade val="50000"/>
-            </a:schemeClr>
-          </a:lnRef>
-          <a:fillRef idx="1">
-            <a:schemeClr val="accent1"/>
-          </a:fillRef>
-          <a:effectRef idx="0">
-            <a:schemeClr val="accent1"/>
-          </a:effectRef>
-          <a:fontRef idx="minor">
-            <a:schemeClr val="lt1"/>
-          </a:fontRef>
-        </p:style>
-        <p:txBody>
-          <a:bodyPr rtlCol="0" anchor="t" anchorCtr="0"/>
-          <a:lstStyle>
-            <a:defPPr>
-              <a:defRPr lang="en-US"/>
-            </a:defPPr>
-            <a:lvl1pPr algn="r">
-              <a:defRPr sz="1400" b="1">
-                <a:solidFill>
-                  <a:schemeClr val="accent2">
-                    <a:lumMod val="75000"/>
-                  </a:schemeClr>
-                </a:solidFill>
-              </a:defRPr>
-            </a:lvl1pPr>
-          </a:lstStyle>
-          <a:p>
-            <a:r>
-              <a:rPr lang="en-US" dirty="0">
-                <a:solidFill>
-                  <a:schemeClr val="accent1">
-                    <a:lumMod val="50000"/>
-                  </a:schemeClr>
-                </a:solidFill>
-              </a:rPr>
-              <a:t>sends back</a:t>
-            </a:r>
-            <a:endParaRPr lang="en-SG" dirty="0">
-              <a:solidFill>
-                <a:schemeClr val="accent1">
-                  <a:lumMod val="50000"/>
-                </a:schemeClr>
-              </a:solidFill>
-            </a:endParaRPr>
-          </a:p>
-        </p:txBody>
-      </p:sp>
-      <p:sp>
-        <p:nvSpPr>
-          <p:cNvPr id="112" name="Flowchart: Extract 111"/>
+      <p:sp>
+        <p:nvSpPr>
+          <p:cNvPr id="127" name="Rectangle 126"/>
           <p:cNvSpPr/>
           <p:nvPr/>
         </p:nvSpPr>
         <p:spPr>
-          <a:xfrm rot="5400000" flipH="1">
-            <a:off x="3750728" y="3033398"/>
-            <a:ext cx="155075" cy="122330"/>
-          </a:xfrm>
-          <a:prstGeom prst="flowChartExtract">
-            <a:avLst/>
-          </a:prstGeom>
-          <a:solidFill>
-            <a:schemeClr val="accent1">
-              <a:lumMod val="50000"/>
-            </a:schemeClr>
-          </a:solidFill>
-          <a:ln>
-            <a:noFill/>
-          </a:ln>
-        </p:spPr>
-        <p:style>
-          <a:lnRef idx="2">
-            <a:schemeClr val="accent1">
-              <a:shade val="50000"/>
-            </a:schemeClr>
-          </a:lnRef>
-          <a:fillRef idx="1">
-            <a:schemeClr val="accent1"/>
-          </a:fillRef>
-          <a:effectRef idx="0">
-            <a:schemeClr val="accent1"/>
-          </a:effectRef>
-          <a:fontRef idx="minor">
-            <a:schemeClr val="lt1"/>
-          </a:fontRef>
-        </p:style>
-        <p:txBody>
-          <a:bodyPr rtlCol="0" anchor="ctr"/>
-          <a:lstStyle/>
-          <a:p>
-            <a:pPr algn="ctr"/>
-            <a:endParaRPr lang="en-SG"/>
-          </a:p>
-        </p:txBody>
-      </p:sp>
-      <p:cxnSp>
-        <p:nvCxnSpPr>
-          <p:cNvPr id="113" name="Straight Arrow Connector 112"/>
-          <p:cNvCxnSpPr>
-            <a:stCxn id="98" idx="3"/>
-            <a:endCxn id="97" idx="1"/>
-          </p:cNvCxnSpPr>
-          <p:nvPr/>
-        </p:nvCxnSpPr>
-        <p:spPr>
-          <a:xfrm>
-            <a:off x="3870023" y="2667411"/>
-            <a:ext cx="438592" cy="0"/>
-          </a:xfrm>
-          <a:prstGeom prst="straightConnector1">
-            <a:avLst/>
-          </a:prstGeom>
-          <a:ln w="38100">
-            <a:solidFill>
-              <a:schemeClr val="tx2">
-                <a:lumMod val="75000"/>
-              </a:schemeClr>
-            </a:solidFill>
-            <a:prstDash val="sysDot"/>
-            <a:tailEnd type="arrow"/>
-          </a:ln>
-        </p:spPr>
-        <p:style>
-          <a:lnRef idx="1">
-            <a:schemeClr val="accent1"/>
-          </a:lnRef>
-          <a:fillRef idx="0">
-            <a:schemeClr val="accent1"/>
-          </a:fillRef>
-          <a:effectRef idx="0">
-            <a:schemeClr val="accent1"/>
-          </a:effectRef>
-          <a:fontRef idx="minor">
-            <a:schemeClr val="tx1"/>
-          </a:fontRef>
-        </p:style>
-      </p:cxnSp>
-      <p:sp>
-        <p:nvSpPr>
-          <p:cNvPr id="114" name="TextBox 113"/>
-          <p:cNvSpPr txBox="1"/>
-          <p:nvPr/>
-        </p:nvSpPr>
-        <p:spPr>
-          <a:xfrm>
-            <a:off x="3632119" y="2186459"/>
-            <a:ext cx="914400" cy="252187"/>
-          </a:xfrm>
-          <a:prstGeom prst="rect">
-            <a:avLst/>
-          </a:prstGeom>
-          <a:grpFill/>
-          <a:ln>
-            <a:noFill/>
-          </a:ln>
-        </p:spPr>
-        <p:style>
-          <a:lnRef idx="2">
-            <a:schemeClr val="accent1">
-              <a:shade val="50000"/>
-            </a:schemeClr>
-          </a:lnRef>
-          <a:fillRef idx="1">
-            <a:schemeClr val="accent1"/>
-          </a:fillRef>
-          <a:effectRef idx="0">
-            <a:schemeClr val="accent1"/>
-          </a:effectRef>
-          <a:fontRef idx="minor">
-            <a:schemeClr val="lt1"/>
-          </a:fontRef>
-        </p:style>
-        <p:txBody>
-          <a:bodyPr rtlCol="0" anchor="t" anchorCtr="0"/>
-          <a:lstStyle>
-            <a:defPPr>
-              <a:defRPr lang="en-US"/>
-            </a:defPPr>
-            <a:lvl1pPr>
-              <a:defRPr sz="1400" b="1">
-                <a:solidFill>
-                  <a:srgbClr val="7030A0"/>
-                </a:solidFill>
-              </a:defRPr>
-            </a:lvl1pPr>
-            <a:lvl2pPr>
-              <a:defRPr>
-                <a:solidFill>
-                  <a:schemeClr val="lt1"/>
-                </a:solidFill>
-              </a:defRPr>
-            </a:lvl2pPr>
-            <a:lvl3pPr>
-              <a:defRPr>
-                <a:solidFill>
-                  <a:schemeClr val="lt1"/>
-                </a:solidFill>
-              </a:defRPr>
-            </a:lvl3pPr>
-            <a:lvl4pPr>
-              <a:defRPr>
-                <a:solidFill>
-                  <a:schemeClr val="lt1"/>
-                </a:solidFill>
-              </a:defRPr>
-            </a:lvl4pPr>
-            <a:lvl5pPr>
-              <a:defRPr>
-                <a:solidFill>
-                  <a:schemeClr val="lt1"/>
-                </a:solidFill>
-              </a:defRPr>
-            </a:lvl5pPr>
-            <a:lvl6pPr>
-              <a:defRPr>
-                <a:solidFill>
-                  <a:schemeClr val="lt1"/>
-                </a:solidFill>
-              </a:defRPr>
-            </a:lvl6pPr>
-            <a:lvl7pPr>
-              <a:defRPr>
-                <a:solidFill>
-                  <a:schemeClr val="lt1"/>
-                </a:solidFill>
-              </a:defRPr>
-            </a:lvl7pPr>
-            <a:lvl8pPr>
-              <a:defRPr>
-                <a:solidFill>
-                  <a:schemeClr val="lt1"/>
-                </a:solidFill>
-              </a:defRPr>
-            </a:lvl8pPr>
-            <a:lvl9pPr>
-              <a:defRPr>
-                <a:solidFill>
-                  <a:schemeClr val="lt1"/>
-                </a:solidFill>
-              </a:defRPr>
-            </a:lvl9pPr>
-          </a:lstStyle>
-          <a:p>
-            <a:r>
-              <a:rPr lang="en-US" dirty="0">
-                <a:solidFill>
-                  <a:schemeClr val="accent1">
-                    <a:lumMod val="50000"/>
-                  </a:schemeClr>
-                </a:solidFill>
-              </a:rPr>
-              <a:t>&lt;&lt;uses&gt;&gt;</a:t>
-            </a:r>
-            <a:endParaRPr lang="en-SG" dirty="0">
-              <a:solidFill>
-                <a:schemeClr val="accent1">
-                  <a:lumMod val="50000"/>
-                </a:schemeClr>
-              </a:solidFill>
-            </a:endParaRPr>
-          </a:p>
-        </p:txBody>
-      </p:sp>
-      <p:sp>
-        <p:nvSpPr>
-          <p:cNvPr id="115" name="TextBox 114"/>
-          <p:cNvSpPr txBox="1"/>
-          <p:nvPr/>
-        </p:nvSpPr>
-        <p:spPr>
-          <a:xfrm>
-            <a:off x="6019211" y="2179637"/>
-            <a:ext cx="1162965" cy="350553"/>
-          </a:xfrm>
-          <a:prstGeom prst="rect">
-            <a:avLst/>
-          </a:prstGeom>
-          <a:grpFill/>
-          <a:ln>
-            <a:noFill/>
-          </a:ln>
-        </p:spPr>
-        <p:style>
-          <a:lnRef idx="2">
-            <a:schemeClr val="accent1">
-              <a:shade val="50000"/>
-            </a:schemeClr>
-          </a:lnRef>
-          <a:fillRef idx="1">
-            <a:schemeClr val="accent1"/>
-          </a:fillRef>
-          <a:effectRef idx="0">
-            <a:schemeClr val="accent1"/>
-          </a:effectRef>
-          <a:fontRef idx="minor">
-            <a:schemeClr val="lt1"/>
-          </a:fontRef>
-        </p:style>
-        <p:txBody>
-          <a:bodyPr rtlCol="0" anchor="t" anchorCtr="0"/>
-          <a:lstStyle>
-            <a:defPPr>
-              <a:defRPr lang="en-US"/>
-            </a:defPPr>
-            <a:lvl1pPr>
-              <a:defRPr sz="1400" b="1">
-                <a:solidFill>
-                  <a:srgbClr val="7030A0"/>
-                </a:solidFill>
-              </a:defRPr>
-            </a:lvl1pPr>
-            <a:lvl2pPr>
-              <a:defRPr>
-                <a:solidFill>
-                  <a:schemeClr val="lt1"/>
-                </a:solidFill>
-              </a:defRPr>
-            </a:lvl2pPr>
-            <a:lvl3pPr>
-              <a:defRPr>
-                <a:solidFill>
-                  <a:schemeClr val="lt1"/>
-                </a:solidFill>
-              </a:defRPr>
-            </a:lvl3pPr>
-            <a:lvl4pPr>
-              <a:defRPr>
-                <a:solidFill>
-                  <a:schemeClr val="lt1"/>
-                </a:solidFill>
-              </a:defRPr>
-            </a:lvl4pPr>
-            <a:lvl5pPr>
-              <a:defRPr>
-                <a:solidFill>
-                  <a:schemeClr val="lt1"/>
-                </a:solidFill>
-              </a:defRPr>
-            </a:lvl5pPr>
-            <a:lvl6pPr>
-              <a:defRPr>
-                <a:solidFill>
-                  <a:schemeClr val="lt1"/>
-                </a:solidFill>
-              </a:defRPr>
-            </a:lvl6pPr>
-            <a:lvl7pPr>
-              <a:defRPr>
-                <a:solidFill>
-                  <a:schemeClr val="lt1"/>
-                </a:solidFill>
-              </a:defRPr>
-            </a:lvl7pPr>
-            <a:lvl8pPr>
-              <a:defRPr>
-                <a:solidFill>
-                  <a:schemeClr val="lt1"/>
-                </a:solidFill>
-              </a:defRPr>
-            </a:lvl8pPr>
-            <a:lvl9pPr>
-              <a:defRPr>
-                <a:solidFill>
-                  <a:schemeClr val="lt1"/>
-                </a:solidFill>
-              </a:defRPr>
-            </a:lvl9pPr>
-          </a:lstStyle>
-          <a:p>
-            <a:pPr algn="r"/>
-            <a:r>
-              <a:rPr lang="en-US" dirty="0">
-                <a:solidFill>
-                  <a:schemeClr val="accent2">
-                    <a:lumMod val="75000"/>
-                  </a:schemeClr>
-                </a:solidFill>
-              </a:rPr>
-              <a:t>&lt;&lt;creates&gt;&gt;</a:t>
-            </a:r>
-            <a:endParaRPr lang="en-SG" dirty="0">
-              <a:solidFill>
-                <a:schemeClr val="accent2">
-                  <a:lumMod val="75000"/>
-                </a:schemeClr>
-              </a:solidFill>
-            </a:endParaRPr>
-          </a:p>
-        </p:txBody>
-      </p:sp>
-      <p:cxnSp>
-        <p:nvCxnSpPr>
-          <p:cNvPr id="116" name="Elbow Connector 115"/>
-          <p:cNvCxnSpPr>
-            <a:stCxn id="98" idx="2"/>
-            <a:endCxn id="104" idx="1"/>
-          </p:cNvCxnSpPr>
-          <p:nvPr/>
-        </p:nvCxnSpPr>
-        <p:spPr>
-          <a:xfrm rot="16200000" flipH="1">
-            <a:off x="3836880" y="1800553"/>
-            <a:ext cx="412162" cy="2505877"/>
-          </a:xfrm>
-          <a:prstGeom prst="bentConnector2">
-            <a:avLst/>
-          </a:prstGeom>
-          <a:ln w="38100">
-            <a:solidFill>
-              <a:schemeClr val="accent1">
-                <a:lumMod val="50000"/>
-              </a:schemeClr>
-            </a:solidFill>
-            <a:prstDash val="sysDot"/>
-            <a:tailEnd type="arrow"/>
-          </a:ln>
-        </p:spPr>
-        <p:style>
-          <a:lnRef idx="1">
-            <a:schemeClr val="accent1"/>
-          </a:lnRef>
-          <a:fillRef idx="0">
-            <a:schemeClr val="accent1"/>
-          </a:fillRef>
-          <a:effectRef idx="0">
-            <a:schemeClr val="accent1"/>
-          </a:effectRef>
-          <a:fontRef idx="minor">
-            <a:schemeClr val="tx1"/>
-          </a:fontRef>
-        </p:style>
-      </p:cxnSp>
-      <p:cxnSp>
-        <p:nvCxnSpPr>
-          <p:cNvPr id="117" name="Elbow Connector 116"/>
-          <p:cNvCxnSpPr>
-            <a:stCxn id="96" idx="3"/>
-          </p:cNvCxnSpPr>
-          <p:nvPr/>
-        </p:nvCxnSpPr>
-        <p:spPr>
-          <a:xfrm>
-            <a:off x="9067208" y="2662565"/>
-            <a:ext cx="792000" cy="0"/>
-          </a:xfrm>
-          <a:prstGeom prst="bentConnector3">
-            <a:avLst>
-              <a:gd name="adj1" fmla="val 50000"/>
-            </a:avLst>
-          </a:prstGeom>
-          <a:ln w="38100">
-            <a:solidFill>
-              <a:schemeClr val="accent2">
-                <a:lumMod val="75000"/>
-              </a:schemeClr>
-            </a:solidFill>
-            <a:prstDash val="sysDot"/>
-            <a:tailEnd type="arrow"/>
-          </a:ln>
-        </p:spPr>
-        <p:style>
-          <a:lnRef idx="1">
-            <a:schemeClr val="accent1"/>
-          </a:lnRef>
-          <a:fillRef idx="0">
-            <a:schemeClr val="accent1"/>
-          </a:fillRef>
-          <a:effectRef idx="0">
-            <a:schemeClr val="accent1"/>
-          </a:effectRef>
-          <a:fontRef idx="minor">
-            <a:schemeClr val="tx1"/>
-          </a:fontRef>
-        </p:style>
-      </p:cxnSp>
-      <p:cxnSp>
-        <p:nvCxnSpPr>
-          <p:cNvPr id="121" name="Elbow Connector 120"/>
-          <p:cNvCxnSpPr>
-            <a:stCxn id="96" idx="2"/>
-            <a:endCxn id="104" idx="3"/>
-          </p:cNvCxnSpPr>
-          <p:nvPr/>
-        </p:nvCxnSpPr>
-        <p:spPr>
-          <a:xfrm rot="5400000">
-            <a:off x="7514589" y="2786955"/>
-            <a:ext cx="417008" cy="528229"/>
-          </a:xfrm>
-          <a:prstGeom prst="bentConnector2">
-            <a:avLst/>
-          </a:prstGeom>
-          <a:ln w="38100">
-            <a:solidFill>
-              <a:schemeClr val="accent2">
-                <a:lumMod val="75000"/>
-              </a:schemeClr>
-            </a:solidFill>
-            <a:prstDash val="sysDot"/>
-            <a:tailEnd type="arrow"/>
-          </a:ln>
-        </p:spPr>
-        <p:style>
-          <a:lnRef idx="1">
-            <a:schemeClr val="accent1"/>
-          </a:lnRef>
-          <a:fillRef idx="0">
-            <a:schemeClr val="accent1"/>
-          </a:fillRef>
-          <a:effectRef idx="0">
-            <a:schemeClr val="accent1"/>
-          </a:effectRef>
-          <a:fontRef idx="minor">
-            <a:schemeClr val="tx1"/>
-          </a:fontRef>
-        </p:style>
-      </p:cxnSp>
-      <p:sp>
-        <p:nvSpPr>
-          <p:cNvPr id="125" name="TextBox 124"/>
-          <p:cNvSpPr txBox="1"/>
-          <p:nvPr/>
-        </p:nvSpPr>
-        <p:spPr>
-          <a:xfrm>
-            <a:off x="8000411" y="2966654"/>
-            <a:ext cx="1193303" cy="269076"/>
-          </a:xfrm>
-          <a:prstGeom prst="rect">
-            <a:avLst/>
-          </a:prstGeom>
-          <a:grpFill/>
-          <a:ln>
-            <a:noFill/>
-          </a:ln>
-        </p:spPr>
-        <p:style>
-          <a:lnRef idx="2">
-            <a:schemeClr val="accent1">
-              <a:shade val="50000"/>
-            </a:schemeClr>
-          </a:lnRef>
-          <a:fillRef idx="1">
-            <a:schemeClr val="accent1"/>
-          </a:fillRef>
-          <a:effectRef idx="0">
-            <a:schemeClr val="accent1"/>
-          </a:effectRef>
-          <a:fontRef idx="minor">
-            <a:schemeClr val="lt1"/>
-          </a:fontRef>
-        </p:style>
-        <p:txBody>
-          <a:bodyPr rtlCol="0" anchor="t" anchorCtr="0"/>
-          <a:lstStyle>
-            <a:defPPr>
-              <a:defRPr lang="en-US"/>
-            </a:defPPr>
-            <a:lvl1pPr>
-              <a:defRPr sz="1400" b="1">
-                <a:solidFill>
-                  <a:srgbClr val="7030A0"/>
-                </a:solidFill>
-              </a:defRPr>
-            </a:lvl1pPr>
-            <a:lvl2pPr>
-              <a:defRPr>
-                <a:solidFill>
-                  <a:schemeClr val="lt1"/>
-                </a:solidFill>
-              </a:defRPr>
-            </a:lvl2pPr>
-            <a:lvl3pPr>
-              <a:defRPr>
-                <a:solidFill>
-                  <a:schemeClr val="lt1"/>
-                </a:solidFill>
-              </a:defRPr>
-            </a:lvl3pPr>
-            <a:lvl4pPr>
-              <a:defRPr>
-                <a:solidFill>
-                  <a:schemeClr val="lt1"/>
-                </a:solidFill>
-              </a:defRPr>
-            </a:lvl4pPr>
-            <a:lvl5pPr>
-              <a:defRPr>
-                <a:solidFill>
-                  <a:schemeClr val="lt1"/>
-                </a:solidFill>
-              </a:defRPr>
-            </a:lvl5pPr>
-            <a:lvl6pPr>
-              <a:defRPr>
-                <a:solidFill>
-                  <a:schemeClr val="lt1"/>
-                </a:solidFill>
-              </a:defRPr>
-            </a:lvl6pPr>
-            <a:lvl7pPr>
-              <a:defRPr>
-                <a:solidFill>
-                  <a:schemeClr val="lt1"/>
-                </a:solidFill>
-              </a:defRPr>
-            </a:lvl7pPr>
-            <a:lvl8pPr>
-              <a:defRPr>
-                <a:solidFill>
-                  <a:schemeClr val="lt1"/>
-                </a:solidFill>
-              </a:defRPr>
-            </a:lvl8pPr>
-            <a:lvl9pPr>
-              <a:defRPr>
-                <a:solidFill>
-                  <a:schemeClr val="lt1"/>
-                </a:solidFill>
-              </a:defRPr>
-            </a:lvl9pPr>
-          </a:lstStyle>
-          <a:p>
-            <a:r>
-              <a:rPr lang="en-US" dirty="0">
-                <a:solidFill>
-                  <a:schemeClr val="accent2">
-                    <a:lumMod val="75000"/>
-                  </a:schemeClr>
-                </a:solidFill>
-              </a:rPr>
-              <a:t>&lt;&lt;creates&gt;&gt;</a:t>
-            </a:r>
-            <a:endParaRPr lang="en-SG" dirty="0">
-              <a:solidFill>
-                <a:schemeClr val="accent2">
-                  <a:lumMod val="75000"/>
-                </a:schemeClr>
-              </a:solidFill>
-            </a:endParaRPr>
-          </a:p>
-        </p:txBody>
-      </p:sp>
-      <p:sp>
-        <p:nvSpPr>
-          <p:cNvPr id="126" name="Rectangle 125"/>
-          <p:cNvSpPr/>
-          <p:nvPr/>
-        </p:nvSpPr>
-        <p:spPr>
-          <a:xfrm>
-            <a:off x="4312970" y="4317601"/>
+          <a:xfrm>
+            <a:off x="4305300" y="3774509"/>
             <a:ext cx="1517851" cy="358610"/>
           </a:xfrm>
           <a:prstGeom prst="rect">
@@ -6132,51 +6097,6 @@
             <a:r>
               <a:rPr lang="en-US" sz="1600" b="1" dirty="0" err="1" smtClean="0"/>
               <a:t>ImageResult</a:t>
-            </a:r>
-            <a:endParaRPr lang="en-SG" sz="1600" b="1" dirty="0"/>
-          </a:p>
-        </p:txBody>
-      </p:sp>
-      <p:sp>
-        <p:nvSpPr>
-          <p:cNvPr id="127" name="Rectangle 126"/>
-          <p:cNvSpPr/>
-          <p:nvPr/>
-        </p:nvSpPr>
-        <p:spPr>
-          <a:xfrm>
-            <a:off x="4305300" y="3774509"/>
-            <a:ext cx="1517851" cy="358610"/>
-          </a:xfrm>
-          <a:prstGeom prst="rect">
-            <a:avLst/>
-          </a:prstGeom>
-          <a:ln/>
-        </p:spPr>
-        <p:style>
-          <a:lnRef idx="2">
-            <a:schemeClr val="accent3">
-              <a:shade val="50000"/>
-            </a:schemeClr>
-          </a:lnRef>
-          <a:fillRef idx="1">
-            <a:schemeClr val="accent3"/>
-          </a:fillRef>
-          <a:effectRef idx="0">
-            <a:schemeClr val="accent3"/>
-          </a:effectRef>
-          <a:fontRef idx="minor">
-            <a:schemeClr val="lt1"/>
-          </a:fontRef>
-        </p:style>
-        <p:txBody>
-          <a:bodyPr rtlCol="0" anchor="ctr"/>
-          <a:lstStyle/>
-          <a:p>
-            <a:pPr algn="ctr"/>
-            <a:r>
-              <a:rPr lang="en-US" sz="1600" b="1" dirty="0" err="1" smtClean="0"/>
-              <a:t>JsonResult</a:t>
             </a:r>
             <a:endParaRPr lang="en-SG" sz="1600" b="1" dirty="0"/>
           </a:p>

--- a/docs/images/UiComponent.pptx
+++ b/docs/images/UiComponent.pptx
@@ -13,13 +13,13 @@
   <p:sldIdLst>
     <p:sldId id="256" r:id="rId2"/>
   </p:sldIdLst>
-  <p:sldSz cx="10439400" cy="7559675"/>
+  <p:sldSz cx="10439400" cy="6480175"/>
   <p:notesSz cx="6858000" cy="9144000"/>
   <p:defaultTextStyle>
     <a:defPPr>
       <a:defRPr lang="en-US"/>
     </a:defPPr>
-    <a:lvl1pPr marL="0" algn="l" defTabSz="843443" rtl="0" eaLnBrk="1" latinLnBrk="0" hangingPunct="1">
+    <a:lvl1pPr marL="0" algn="l" defTabSz="843310" rtl="0" eaLnBrk="1" latinLnBrk="0" hangingPunct="1">
       <a:defRPr sz="1700" kern="1200">
         <a:solidFill>
           <a:schemeClr val="tx1"/>
@@ -29,7 +29,7 @@
         <a:cs typeface="+mn-cs"/>
       </a:defRPr>
     </a:lvl1pPr>
-    <a:lvl2pPr marL="421721" algn="l" defTabSz="843443" rtl="0" eaLnBrk="1" latinLnBrk="0" hangingPunct="1">
+    <a:lvl2pPr marL="421654" algn="l" defTabSz="843310" rtl="0" eaLnBrk="1" latinLnBrk="0" hangingPunct="1">
       <a:defRPr sz="1700" kern="1200">
         <a:solidFill>
           <a:schemeClr val="tx1"/>
@@ -39,7 +39,7 @@
         <a:cs typeface="+mn-cs"/>
       </a:defRPr>
     </a:lvl2pPr>
-    <a:lvl3pPr marL="843443" algn="l" defTabSz="843443" rtl="0" eaLnBrk="1" latinLnBrk="0" hangingPunct="1">
+    <a:lvl3pPr marL="843310" algn="l" defTabSz="843310" rtl="0" eaLnBrk="1" latinLnBrk="0" hangingPunct="1">
       <a:defRPr sz="1700" kern="1200">
         <a:solidFill>
           <a:schemeClr val="tx1"/>
@@ -49,7 +49,7 @@
         <a:cs typeface="+mn-cs"/>
       </a:defRPr>
     </a:lvl3pPr>
-    <a:lvl4pPr marL="1265164" algn="l" defTabSz="843443" rtl="0" eaLnBrk="1" latinLnBrk="0" hangingPunct="1">
+    <a:lvl4pPr marL="1264964" algn="l" defTabSz="843310" rtl="0" eaLnBrk="1" latinLnBrk="0" hangingPunct="1">
       <a:defRPr sz="1700" kern="1200">
         <a:solidFill>
           <a:schemeClr val="tx1"/>
@@ -59,7 +59,7 @@
         <a:cs typeface="+mn-cs"/>
       </a:defRPr>
     </a:lvl4pPr>
-    <a:lvl5pPr marL="1686885" algn="l" defTabSz="843443" rtl="0" eaLnBrk="1" latinLnBrk="0" hangingPunct="1">
+    <a:lvl5pPr marL="1686618" algn="l" defTabSz="843310" rtl="0" eaLnBrk="1" latinLnBrk="0" hangingPunct="1">
       <a:defRPr sz="1700" kern="1200">
         <a:solidFill>
           <a:schemeClr val="tx1"/>
@@ -69,7 +69,7 @@
         <a:cs typeface="+mn-cs"/>
       </a:defRPr>
     </a:lvl5pPr>
-    <a:lvl6pPr marL="2108606" algn="l" defTabSz="843443" rtl="0" eaLnBrk="1" latinLnBrk="0" hangingPunct="1">
+    <a:lvl6pPr marL="2108272" algn="l" defTabSz="843310" rtl="0" eaLnBrk="1" latinLnBrk="0" hangingPunct="1">
       <a:defRPr sz="1700" kern="1200">
         <a:solidFill>
           <a:schemeClr val="tx1"/>
@@ -79,7 +79,7 @@
         <a:cs typeface="+mn-cs"/>
       </a:defRPr>
     </a:lvl6pPr>
-    <a:lvl7pPr marL="2530328" algn="l" defTabSz="843443" rtl="0" eaLnBrk="1" latinLnBrk="0" hangingPunct="1">
+    <a:lvl7pPr marL="2529928" algn="l" defTabSz="843310" rtl="0" eaLnBrk="1" latinLnBrk="0" hangingPunct="1">
       <a:defRPr sz="1700" kern="1200">
         <a:solidFill>
           <a:schemeClr val="tx1"/>
@@ -89,7 +89,7 @@
         <a:cs typeface="+mn-cs"/>
       </a:defRPr>
     </a:lvl7pPr>
-    <a:lvl8pPr marL="2952049" algn="l" defTabSz="843443" rtl="0" eaLnBrk="1" latinLnBrk="0" hangingPunct="1">
+    <a:lvl8pPr marL="2951582" algn="l" defTabSz="843310" rtl="0" eaLnBrk="1" latinLnBrk="0" hangingPunct="1">
       <a:defRPr sz="1700" kern="1200">
         <a:solidFill>
           <a:schemeClr val="tx1"/>
@@ -99,7 +99,7 @@
         <a:cs typeface="+mn-cs"/>
       </a:defRPr>
     </a:lvl8pPr>
-    <a:lvl9pPr marL="3373770" algn="l" defTabSz="843443" rtl="0" eaLnBrk="1" latinLnBrk="0" hangingPunct="1">
+    <a:lvl9pPr marL="3373236" algn="l" defTabSz="843310" rtl="0" eaLnBrk="1" latinLnBrk="0" hangingPunct="1">
       <a:defRPr sz="1700" kern="1200">
         <a:solidFill>
           <a:schemeClr val="tx1"/>
@@ -113,7 +113,7 @@
   <p:extLst>
     <p:ext uri="{EFAFB233-063F-42B5-8137-9DF3F51BA10A}">
       <p15:sldGuideLst xmlns:p15="http://schemas.microsoft.com/office/powerpoint/2012/main">
-        <p15:guide id="1" orient="horz" pos="2382" userDrawn="1">
+        <p15:guide id="1" orient="horz" pos="2042" userDrawn="1">
           <p15:clr>
             <a:srgbClr val="A4A3A4"/>
           </p15:clr>
@@ -214,7 +214,7 @@
           <a:p>
             <a:fld id="{DAE90588-295F-46D9-AA84-06B159A30412}" type="datetimeFigureOut">
               <a:rPr lang="en-AU" smtClean="0"/>
-              <a:t>14/08/2020</a:t>
+              <a:t>17/09/2020</a:t>
             </a:fld>
             <a:endParaRPr lang="en-AU"/>
           </a:p>
@@ -379,7 +379,7 @@
           <a:p>
             <a:fld id="{DC50A2AC-D691-437C-A69B-81ECFE08AD4B}" type="datetimeFigureOut">
               <a:rPr lang="en-SG" smtClean="0"/>
-              <a:t>14/8/2020</a:t>
+              <a:t>17/9/2020</a:t>
             </a:fld>
             <a:endParaRPr lang="en-SG"/>
           </a:p>
@@ -397,8 +397,8 @@
         </p:nvSpPr>
         <p:spPr>
           <a:xfrm>
-            <a:off x="1062038" y="685800"/>
-            <a:ext cx="4733925" cy="3429000"/>
+            <a:off x="668338" y="685800"/>
+            <a:ext cx="5521325" cy="3429000"/>
           </a:xfrm>
           <a:prstGeom prst="rect">
             <a:avLst/>
@@ -553,8 +553,8 @@
   </p:cSld>
   <p:clrMap bg1="lt1" tx1="dk1" bg2="lt2" tx2="dk2" accent1="accent1" accent2="accent2" accent3="accent3" accent4="accent4" accent5="accent5" accent6="accent6" hlink="hlink" folHlink="folHlink"/>
   <p:notesStyle>
-    <a:lvl1pPr marL="0" algn="l" defTabSz="843443" rtl="0" eaLnBrk="1" latinLnBrk="0" hangingPunct="1">
-      <a:defRPr sz="1100" kern="1200">
+    <a:lvl1pPr marL="0" algn="l" defTabSz="843310" rtl="0" eaLnBrk="1" latinLnBrk="0" hangingPunct="1">
+      <a:defRPr sz="1099" kern="1200">
         <a:solidFill>
           <a:schemeClr val="tx1"/>
         </a:solidFill>
@@ -563,8 +563,8 @@
         <a:cs typeface="+mn-cs"/>
       </a:defRPr>
     </a:lvl1pPr>
-    <a:lvl2pPr marL="421721" algn="l" defTabSz="843443" rtl="0" eaLnBrk="1" latinLnBrk="0" hangingPunct="1">
-      <a:defRPr sz="1100" kern="1200">
+    <a:lvl2pPr marL="421654" algn="l" defTabSz="843310" rtl="0" eaLnBrk="1" latinLnBrk="0" hangingPunct="1">
+      <a:defRPr sz="1099" kern="1200">
         <a:solidFill>
           <a:schemeClr val="tx1"/>
         </a:solidFill>
@@ -573,8 +573,8 @@
         <a:cs typeface="+mn-cs"/>
       </a:defRPr>
     </a:lvl2pPr>
-    <a:lvl3pPr marL="843443" algn="l" defTabSz="843443" rtl="0" eaLnBrk="1" latinLnBrk="0" hangingPunct="1">
-      <a:defRPr sz="1100" kern="1200">
+    <a:lvl3pPr marL="843310" algn="l" defTabSz="843310" rtl="0" eaLnBrk="1" latinLnBrk="0" hangingPunct="1">
+      <a:defRPr sz="1099" kern="1200">
         <a:solidFill>
           <a:schemeClr val="tx1"/>
         </a:solidFill>
@@ -583,8 +583,8 @@
         <a:cs typeface="+mn-cs"/>
       </a:defRPr>
     </a:lvl3pPr>
-    <a:lvl4pPr marL="1265164" algn="l" defTabSz="843443" rtl="0" eaLnBrk="1" latinLnBrk="0" hangingPunct="1">
-      <a:defRPr sz="1100" kern="1200">
+    <a:lvl4pPr marL="1264964" algn="l" defTabSz="843310" rtl="0" eaLnBrk="1" latinLnBrk="0" hangingPunct="1">
+      <a:defRPr sz="1099" kern="1200">
         <a:solidFill>
           <a:schemeClr val="tx1"/>
         </a:solidFill>
@@ -593,8 +593,8 @@
         <a:cs typeface="+mn-cs"/>
       </a:defRPr>
     </a:lvl4pPr>
-    <a:lvl5pPr marL="1686885" algn="l" defTabSz="843443" rtl="0" eaLnBrk="1" latinLnBrk="0" hangingPunct="1">
-      <a:defRPr sz="1100" kern="1200">
+    <a:lvl5pPr marL="1686618" algn="l" defTabSz="843310" rtl="0" eaLnBrk="1" latinLnBrk="0" hangingPunct="1">
+      <a:defRPr sz="1099" kern="1200">
         <a:solidFill>
           <a:schemeClr val="tx1"/>
         </a:solidFill>
@@ -603,8 +603,8 @@
         <a:cs typeface="+mn-cs"/>
       </a:defRPr>
     </a:lvl5pPr>
-    <a:lvl6pPr marL="2108606" algn="l" defTabSz="843443" rtl="0" eaLnBrk="1" latinLnBrk="0" hangingPunct="1">
-      <a:defRPr sz="1100" kern="1200">
+    <a:lvl6pPr marL="2108272" algn="l" defTabSz="843310" rtl="0" eaLnBrk="1" latinLnBrk="0" hangingPunct="1">
+      <a:defRPr sz="1099" kern="1200">
         <a:solidFill>
           <a:schemeClr val="tx1"/>
         </a:solidFill>
@@ -613,8 +613,8 @@
         <a:cs typeface="+mn-cs"/>
       </a:defRPr>
     </a:lvl6pPr>
-    <a:lvl7pPr marL="2530328" algn="l" defTabSz="843443" rtl="0" eaLnBrk="1" latinLnBrk="0" hangingPunct="1">
-      <a:defRPr sz="1100" kern="1200">
+    <a:lvl7pPr marL="2529928" algn="l" defTabSz="843310" rtl="0" eaLnBrk="1" latinLnBrk="0" hangingPunct="1">
+      <a:defRPr sz="1099" kern="1200">
         <a:solidFill>
           <a:schemeClr val="tx1"/>
         </a:solidFill>
@@ -623,8 +623,8 @@
         <a:cs typeface="+mn-cs"/>
       </a:defRPr>
     </a:lvl7pPr>
-    <a:lvl8pPr marL="2952049" algn="l" defTabSz="843443" rtl="0" eaLnBrk="1" latinLnBrk="0" hangingPunct="1">
-      <a:defRPr sz="1100" kern="1200">
+    <a:lvl8pPr marL="2951582" algn="l" defTabSz="843310" rtl="0" eaLnBrk="1" latinLnBrk="0" hangingPunct="1">
+      <a:defRPr sz="1099" kern="1200">
         <a:solidFill>
           <a:schemeClr val="tx1"/>
         </a:solidFill>
@@ -633,8 +633,8 @@
         <a:cs typeface="+mn-cs"/>
       </a:defRPr>
     </a:lvl8pPr>
-    <a:lvl9pPr marL="3373770" algn="l" defTabSz="843443" rtl="0" eaLnBrk="1" latinLnBrk="0" hangingPunct="1">
-      <a:defRPr sz="1100" kern="1200">
+    <a:lvl9pPr marL="3373236" algn="l" defTabSz="843310" rtl="0" eaLnBrk="1" latinLnBrk="0" hangingPunct="1">
+      <a:defRPr sz="1099" kern="1200">
         <a:solidFill>
           <a:schemeClr val="tx1"/>
         </a:solidFill>
@@ -676,8 +676,8 @@
         </p:nvSpPr>
         <p:spPr>
           <a:xfrm>
-            <a:off x="1062038" y="685800"/>
-            <a:ext cx="4733925" cy="3429000"/>
+            <a:off x="668338" y="685800"/>
+            <a:ext cx="5521325" cy="3429000"/>
           </a:xfrm>
         </p:spPr>
       </p:sp>
@@ -765,8 +765,8 @@
         </p:nvSpPr>
         <p:spPr>
           <a:xfrm>
-            <a:off x="782955" y="2348406"/>
-            <a:ext cx="8873491" cy="1620431"/>
+            <a:off x="782965" y="2013065"/>
+            <a:ext cx="8873491" cy="1389038"/>
           </a:xfrm>
           <a:prstGeom prst="rect">
             <a:avLst/>
@@ -796,8 +796,8 @@
         </p:nvSpPr>
         <p:spPr>
           <a:xfrm>
-            <a:off x="1565920" y="4283818"/>
-            <a:ext cx="7307579" cy="1931918"/>
+            <a:off x="1565930" y="3672102"/>
+            <a:ext cx="7307579" cy="1656046"/>
           </a:xfrm>
           <a:prstGeom prst="rect">
             <a:avLst/>
@@ -816,7 +816,7 @@
                 </a:solidFill>
               </a:defRPr>
             </a:lvl1pPr>
-            <a:lvl2pPr marL="421723" indent="0" algn="ctr">
+            <a:lvl2pPr marL="421745" indent="0" algn="ctr">
               <a:buNone/>
               <a:defRPr>
                 <a:solidFill>
@@ -826,7 +826,7 @@
                 </a:solidFill>
               </a:defRPr>
             </a:lvl2pPr>
-            <a:lvl3pPr marL="843447" indent="0" algn="ctr">
+            <a:lvl3pPr marL="843491" indent="0" algn="ctr">
               <a:buNone/>
               <a:defRPr>
                 <a:solidFill>
@@ -836,7 +836,7 @@
                 </a:solidFill>
               </a:defRPr>
             </a:lvl3pPr>
-            <a:lvl4pPr marL="1265171" indent="0" algn="ctr">
+            <a:lvl4pPr marL="1265236" indent="0" algn="ctr">
               <a:buNone/>
               <a:defRPr>
                 <a:solidFill>
@@ -846,7 +846,7 @@
                 </a:solidFill>
               </a:defRPr>
             </a:lvl4pPr>
-            <a:lvl5pPr marL="1686894" indent="0" algn="ctr">
+            <a:lvl5pPr marL="1686981" indent="0" algn="ctr">
               <a:buNone/>
               <a:defRPr>
                 <a:solidFill>
@@ -856,7 +856,7 @@
                 </a:solidFill>
               </a:defRPr>
             </a:lvl5pPr>
-            <a:lvl6pPr marL="2108616" indent="0" algn="ctr">
+            <a:lvl6pPr marL="2108723" indent="0" algn="ctr">
               <a:buNone/>
               <a:defRPr>
                 <a:solidFill>
@@ -866,7 +866,7 @@
                 </a:solidFill>
               </a:defRPr>
             </a:lvl6pPr>
-            <a:lvl7pPr marL="2530340" indent="0" algn="ctr">
+            <a:lvl7pPr marL="2530469" indent="0" algn="ctr">
               <a:buNone/>
               <a:defRPr>
                 <a:solidFill>
@@ -876,7 +876,7 @@
                 </a:solidFill>
               </a:defRPr>
             </a:lvl7pPr>
-            <a:lvl8pPr marL="2952063" indent="0" algn="ctr">
+            <a:lvl8pPr marL="2952213" indent="0" algn="ctr">
               <a:buNone/>
               <a:defRPr>
                 <a:solidFill>
@@ -886,7 +886,7 @@
                 </a:solidFill>
               </a:defRPr>
             </a:lvl8pPr>
-            <a:lvl9pPr marL="3373787" indent="0" algn="ctr">
+            <a:lvl9pPr marL="3373960" indent="0" algn="ctr">
               <a:buNone/>
               <a:defRPr>
                 <a:solidFill>
@@ -918,8 +918,8 @@
         </p:nvSpPr>
         <p:spPr>
           <a:xfrm>
-            <a:off x="521971" y="7006702"/>
-            <a:ext cx="2435860" cy="402482"/>
+            <a:off x="521971" y="6006167"/>
+            <a:ext cx="2435860" cy="345009"/>
           </a:xfrm>
           <a:prstGeom prst="rect">
             <a:avLst/>
@@ -932,7 +932,7 @@
             <a:fld id="{1D8BD707-D9CF-40AE-B4C6-C98DA3205C09}" type="datetimeFigureOut">
               <a:rPr lang="en-US" smtClean="0"/>
               <a:pPr/>
-              <a:t>8/14/2020</a:t>
+              <a:t>9/17/2020</a:t>
             </a:fld>
             <a:endParaRPr lang="en-US"/>
           </a:p>
@@ -950,8 +950,8 @@
         </p:nvSpPr>
         <p:spPr>
           <a:xfrm>
-            <a:off x="3566797" y="7006702"/>
-            <a:ext cx="3305810" cy="402482"/>
+            <a:off x="3566797" y="6006167"/>
+            <a:ext cx="3305810" cy="345009"/>
           </a:xfrm>
           <a:prstGeom prst="rect">
             <a:avLst/>
@@ -977,8 +977,8 @@
         </p:nvSpPr>
         <p:spPr>
           <a:xfrm>
-            <a:off x="7481571" y="7006702"/>
-            <a:ext cx="2435860" cy="402482"/>
+            <a:off x="7481571" y="6006167"/>
+            <a:ext cx="2435860" cy="345009"/>
           </a:xfrm>
           <a:prstGeom prst="rect">
             <a:avLst/>
@@ -1034,8 +1034,8 @@
         </p:nvSpPr>
         <p:spPr>
           <a:xfrm>
-            <a:off x="521979" y="302741"/>
-            <a:ext cx="9395461" cy="1259946"/>
+            <a:off x="521989" y="259512"/>
+            <a:ext cx="9395461" cy="1080029"/>
           </a:xfrm>
           <a:prstGeom prst="rect">
             <a:avLst/>
@@ -1065,8 +1065,8 @@
         </p:nvSpPr>
         <p:spPr>
           <a:xfrm>
-            <a:off x="521979" y="1763930"/>
-            <a:ext cx="9395461" cy="4989036"/>
+            <a:off x="521989" y="1512046"/>
+            <a:ext cx="9395461" cy="4276616"/>
           </a:xfrm>
           <a:prstGeom prst="rect">
             <a:avLst/>
@@ -1125,8 +1125,8 @@
         </p:nvSpPr>
         <p:spPr>
           <a:xfrm>
-            <a:off x="521971" y="7006702"/>
-            <a:ext cx="2435860" cy="402482"/>
+            <a:off x="521971" y="6006167"/>
+            <a:ext cx="2435860" cy="345009"/>
           </a:xfrm>
           <a:prstGeom prst="rect">
             <a:avLst/>
@@ -1139,7 +1139,7 @@
             <a:fld id="{1D8BD707-D9CF-40AE-B4C6-C98DA3205C09}" type="datetimeFigureOut">
               <a:rPr lang="en-US" smtClean="0"/>
               <a:pPr/>
-              <a:t>8/14/2020</a:t>
+              <a:t>9/17/2020</a:t>
             </a:fld>
             <a:endParaRPr lang="en-US"/>
           </a:p>
@@ -1157,8 +1157,8 @@
         </p:nvSpPr>
         <p:spPr>
           <a:xfrm>
-            <a:off x="3566797" y="7006702"/>
-            <a:ext cx="3305810" cy="402482"/>
+            <a:off x="3566797" y="6006167"/>
+            <a:ext cx="3305810" cy="345009"/>
           </a:xfrm>
           <a:prstGeom prst="rect">
             <a:avLst/>
@@ -1184,8 +1184,8 @@
         </p:nvSpPr>
         <p:spPr>
           <a:xfrm>
-            <a:off x="7481571" y="7006702"/>
-            <a:ext cx="2435860" cy="402482"/>
+            <a:off x="7481571" y="6006167"/>
+            <a:ext cx="2435860" cy="345009"/>
           </a:xfrm>
           <a:prstGeom prst="rect">
             <a:avLst/>
@@ -1241,8 +1241,8 @@
         </p:nvSpPr>
         <p:spPr>
           <a:xfrm>
-            <a:off x="7568571" y="302741"/>
-            <a:ext cx="2348865" cy="6450223"/>
+            <a:off x="7568581" y="259515"/>
+            <a:ext cx="2348865" cy="5529150"/>
           </a:xfrm>
           <a:prstGeom prst="rect">
             <a:avLst/>
@@ -1272,8 +1272,8 @@
         </p:nvSpPr>
         <p:spPr>
           <a:xfrm>
-            <a:off x="521974" y="302741"/>
-            <a:ext cx="6872605" cy="6450223"/>
+            <a:off x="521984" y="259515"/>
+            <a:ext cx="6872605" cy="5529150"/>
           </a:xfrm>
           <a:prstGeom prst="rect">
             <a:avLst/>
@@ -1332,8 +1332,8 @@
         </p:nvSpPr>
         <p:spPr>
           <a:xfrm>
-            <a:off x="521971" y="7006702"/>
-            <a:ext cx="2435860" cy="402482"/>
+            <a:off x="521971" y="6006167"/>
+            <a:ext cx="2435860" cy="345009"/>
           </a:xfrm>
           <a:prstGeom prst="rect">
             <a:avLst/>
@@ -1346,7 +1346,7 @@
             <a:fld id="{1D8BD707-D9CF-40AE-B4C6-C98DA3205C09}" type="datetimeFigureOut">
               <a:rPr lang="en-US" smtClean="0"/>
               <a:pPr/>
-              <a:t>8/14/2020</a:t>
+              <a:t>9/17/2020</a:t>
             </a:fld>
             <a:endParaRPr lang="en-US"/>
           </a:p>
@@ -1364,8 +1364,8 @@
         </p:nvSpPr>
         <p:spPr>
           <a:xfrm>
-            <a:off x="3566797" y="7006702"/>
-            <a:ext cx="3305810" cy="402482"/>
+            <a:off x="3566797" y="6006167"/>
+            <a:ext cx="3305810" cy="345009"/>
           </a:xfrm>
           <a:prstGeom prst="rect">
             <a:avLst/>
@@ -1391,8 +1391,8 @@
         </p:nvSpPr>
         <p:spPr>
           <a:xfrm>
-            <a:off x="7481571" y="7006702"/>
-            <a:ext cx="2435860" cy="402482"/>
+            <a:off x="7481571" y="6006167"/>
+            <a:ext cx="2435860" cy="345009"/>
           </a:xfrm>
           <a:prstGeom prst="rect">
             <a:avLst/>
@@ -1448,8 +1448,8 @@
         </p:nvSpPr>
         <p:spPr>
           <a:xfrm>
-            <a:off x="521979" y="302741"/>
-            <a:ext cx="9395461" cy="1259946"/>
+            <a:off x="521989" y="259512"/>
+            <a:ext cx="9395461" cy="1080029"/>
           </a:xfrm>
           <a:prstGeom prst="rect">
             <a:avLst/>
@@ -1479,8 +1479,8 @@
         </p:nvSpPr>
         <p:spPr>
           <a:xfrm>
-            <a:off x="521979" y="1763930"/>
-            <a:ext cx="9395461" cy="4989036"/>
+            <a:off x="521989" y="1512046"/>
+            <a:ext cx="9395461" cy="4276616"/>
           </a:xfrm>
           <a:prstGeom prst="rect">
             <a:avLst/>
@@ -1539,8 +1539,8 @@
         </p:nvSpPr>
         <p:spPr>
           <a:xfrm>
-            <a:off x="521971" y="7006702"/>
-            <a:ext cx="2435860" cy="402482"/>
+            <a:off x="521971" y="6006167"/>
+            <a:ext cx="2435860" cy="345009"/>
           </a:xfrm>
           <a:prstGeom prst="rect">
             <a:avLst/>
@@ -1553,7 +1553,7 @@
             <a:fld id="{1D8BD707-D9CF-40AE-B4C6-C98DA3205C09}" type="datetimeFigureOut">
               <a:rPr lang="en-US" smtClean="0"/>
               <a:pPr/>
-              <a:t>8/14/2020</a:t>
+              <a:t>9/17/2020</a:t>
             </a:fld>
             <a:endParaRPr lang="en-US"/>
           </a:p>
@@ -1571,8 +1571,8 @@
         </p:nvSpPr>
         <p:spPr>
           <a:xfrm>
-            <a:off x="3566797" y="7006702"/>
-            <a:ext cx="3305810" cy="402482"/>
+            <a:off x="3566797" y="6006167"/>
+            <a:ext cx="3305810" cy="345009"/>
           </a:xfrm>
           <a:prstGeom prst="rect">
             <a:avLst/>
@@ -1598,8 +1598,8 @@
         </p:nvSpPr>
         <p:spPr>
           <a:xfrm>
-            <a:off x="7481571" y="7006702"/>
-            <a:ext cx="2435860" cy="402482"/>
+            <a:off x="7481571" y="6006167"/>
+            <a:ext cx="2435860" cy="345009"/>
           </a:xfrm>
           <a:prstGeom prst="rect">
             <a:avLst/>
@@ -1655,8 +1655,8 @@
         </p:nvSpPr>
         <p:spPr>
           <a:xfrm>
-            <a:off x="824642" y="4857796"/>
-            <a:ext cx="8873491" cy="1501436"/>
+            <a:off x="824651" y="4164118"/>
+            <a:ext cx="8873491" cy="1287035"/>
           </a:xfrm>
           <a:prstGeom prst="rect">
             <a:avLst/>
@@ -1690,8 +1690,8 @@
         </p:nvSpPr>
         <p:spPr>
           <a:xfrm>
-            <a:off x="824642" y="3204118"/>
-            <a:ext cx="8873491" cy="1653679"/>
+            <a:off x="824651" y="2746581"/>
+            <a:ext cx="8873491" cy="1417538"/>
           </a:xfrm>
           <a:prstGeom prst="rect">
             <a:avLst/>
@@ -1710,9 +1710,9 @@
                 </a:solidFill>
               </a:defRPr>
             </a:lvl1pPr>
-            <a:lvl2pPr marL="421723" indent="0">
+            <a:lvl2pPr marL="421745" indent="0">
               <a:buNone/>
-              <a:defRPr sz="1700">
+              <a:defRPr sz="1701">
                 <a:solidFill>
                   <a:schemeClr val="tx1">
                     <a:tint val="75000"/>
@@ -1720,7 +1720,7 @@
                 </a:solidFill>
               </a:defRPr>
             </a:lvl2pPr>
-            <a:lvl3pPr marL="843447" indent="0">
+            <a:lvl3pPr marL="843491" indent="0">
               <a:buNone/>
               <a:defRPr sz="1500">
                 <a:solidFill>
@@ -1730,7 +1730,7 @@
                 </a:solidFill>
               </a:defRPr>
             </a:lvl3pPr>
-            <a:lvl4pPr marL="1265171" indent="0">
+            <a:lvl4pPr marL="1265236" indent="0">
               <a:buNone/>
               <a:defRPr sz="1300">
                 <a:solidFill>
@@ -1740,7 +1740,7 @@
                 </a:solidFill>
               </a:defRPr>
             </a:lvl4pPr>
-            <a:lvl5pPr marL="1686894" indent="0">
+            <a:lvl5pPr marL="1686981" indent="0">
               <a:buNone/>
               <a:defRPr sz="1300">
                 <a:solidFill>
@@ -1750,7 +1750,7 @@
                 </a:solidFill>
               </a:defRPr>
             </a:lvl5pPr>
-            <a:lvl6pPr marL="2108616" indent="0">
+            <a:lvl6pPr marL="2108723" indent="0">
               <a:buNone/>
               <a:defRPr sz="1300">
                 <a:solidFill>
@@ -1760,7 +1760,7 @@
                 </a:solidFill>
               </a:defRPr>
             </a:lvl6pPr>
-            <a:lvl7pPr marL="2530340" indent="0">
+            <a:lvl7pPr marL="2530469" indent="0">
               <a:buNone/>
               <a:defRPr sz="1300">
                 <a:solidFill>
@@ -1770,7 +1770,7 @@
                 </a:solidFill>
               </a:defRPr>
             </a:lvl7pPr>
-            <a:lvl8pPr marL="2952063" indent="0">
+            <a:lvl8pPr marL="2952213" indent="0">
               <a:buNone/>
               <a:defRPr sz="1300">
                 <a:solidFill>
@@ -1780,7 +1780,7 @@
                 </a:solidFill>
               </a:defRPr>
             </a:lvl8pPr>
-            <a:lvl9pPr marL="3373787" indent="0">
+            <a:lvl9pPr marL="3373960" indent="0">
               <a:buNone/>
               <a:defRPr sz="1300">
                 <a:solidFill>
@@ -1812,8 +1812,8 @@
         </p:nvSpPr>
         <p:spPr>
           <a:xfrm>
-            <a:off x="521971" y="7006702"/>
-            <a:ext cx="2435860" cy="402482"/>
+            <a:off x="521971" y="6006167"/>
+            <a:ext cx="2435860" cy="345009"/>
           </a:xfrm>
           <a:prstGeom prst="rect">
             <a:avLst/>
@@ -1826,7 +1826,7 @@
             <a:fld id="{1D8BD707-D9CF-40AE-B4C6-C98DA3205C09}" type="datetimeFigureOut">
               <a:rPr lang="en-US" smtClean="0"/>
               <a:pPr/>
-              <a:t>8/14/2020</a:t>
+              <a:t>9/17/2020</a:t>
             </a:fld>
             <a:endParaRPr lang="en-US"/>
           </a:p>
@@ -1844,8 +1844,8 @@
         </p:nvSpPr>
         <p:spPr>
           <a:xfrm>
-            <a:off x="3566797" y="7006702"/>
-            <a:ext cx="3305810" cy="402482"/>
+            <a:off x="3566797" y="6006167"/>
+            <a:ext cx="3305810" cy="345009"/>
           </a:xfrm>
           <a:prstGeom prst="rect">
             <a:avLst/>
@@ -1871,8 +1871,8 @@
         </p:nvSpPr>
         <p:spPr>
           <a:xfrm>
-            <a:off x="7481571" y="7006702"/>
-            <a:ext cx="2435860" cy="402482"/>
+            <a:off x="7481571" y="6006167"/>
+            <a:ext cx="2435860" cy="345009"/>
           </a:xfrm>
           <a:prstGeom prst="rect">
             <a:avLst/>
@@ -1928,8 +1928,8 @@
         </p:nvSpPr>
         <p:spPr>
           <a:xfrm>
-            <a:off x="521979" y="302741"/>
-            <a:ext cx="9395461" cy="1259946"/>
+            <a:off x="521989" y="259512"/>
+            <a:ext cx="9395461" cy="1080029"/>
           </a:xfrm>
           <a:prstGeom prst="rect">
             <a:avLst/>
@@ -1959,8 +1959,8 @@
         </p:nvSpPr>
         <p:spPr>
           <a:xfrm>
-            <a:off x="521972" y="1763930"/>
-            <a:ext cx="4610735" cy="4989036"/>
+            <a:off x="521982" y="1512046"/>
+            <a:ext cx="4610735" cy="4276616"/>
           </a:xfrm>
           <a:prstGeom prst="rect">
             <a:avLst/>
@@ -1973,28 +1973,28 @@
               <a:defRPr sz="2600"/>
             </a:lvl1pPr>
             <a:lvl2pPr>
-              <a:defRPr sz="2200"/>
+              <a:defRPr sz="2201"/>
             </a:lvl2pPr>
             <a:lvl3pPr>
               <a:defRPr sz="1800"/>
             </a:lvl3pPr>
             <a:lvl4pPr>
-              <a:defRPr sz="1700"/>
+              <a:defRPr sz="1701"/>
             </a:lvl4pPr>
             <a:lvl5pPr>
-              <a:defRPr sz="1700"/>
+              <a:defRPr sz="1701"/>
             </a:lvl5pPr>
             <a:lvl6pPr>
-              <a:defRPr sz="1700"/>
+              <a:defRPr sz="1701"/>
             </a:lvl6pPr>
             <a:lvl7pPr>
-              <a:defRPr sz="1700"/>
+              <a:defRPr sz="1701"/>
             </a:lvl7pPr>
             <a:lvl8pPr>
-              <a:defRPr sz="1700"/>
+              <a:defRPr sz="1701"/>
             </a:lvl8pPr>
             <a:lvl9pPr>
-              <a:defRPr sz="1700"/>
+              <a:defRPr sz="1701"/>
             </a:lvl9pPr>
           </a:lstStyle>
           <a:p>
@@ -2047,8 +2047,8 @@
         </p:nvSpPr>
         <p:spPr>
           <a:xfrm>
-            <a:off x="5306695" y="1763930"/>
-            <a:ext cx="4610735" cy="4989036"/>
+            <a:off x="5306704" y="1512046"/>
+            <a:ext cx="4610735" cy="4276616"/>
           </a:xfrm>
           <a:prstGeom prst="rect">
             <a:avLst/>
@@ -2061,28 +2061,28 @@
               <a:defRPr sz="2600"/>
             </a:lvl1pPr>
             <a:lvl2pPr>
-              <a:defRPr sz="2200"/>
+              <a:defRPr sz="2201"/>
             </a:lvl2pPr>
             <a:lvl3pPr>
               <a:defRPr sz="1800"/>
             </a:lvl3pPr>
             <a:lvl4pPr>
-              <a:defRPr sz="1700"/>
+              <a:defRPr sz="1701"/>
             </a:lvl4pPr>
             <a:lvl5pPr>
-              <a:defRPr sz="1700"/>
+              <a:defRPr sz="1701"/>
             </a:lvl5pPr>
             <a:lvl6pPr>
-              <a:defRPr sz="1700"/>
+              <a:defRPr sz="1701"/>
             </a:lvl6pPr>
             <a:lvl7pPr>
-              <a:defRPr sz="1700"/>
+              <a:defRPr sz="1701"/>
             </a:lvl7pPr>
             <a:lvl8pPr>
-              <a:defRPr sz="1700"/>
+              <a:defRPr sz="1701"/>
             </a:lvl8pPr>
             <a:lvl9pPr>
-              <a:defRPr sz="1700"/>
+              <a:defRPr sz="1701"/>
             </a:lvl9pPr>
           </a:lstStyle>
           <a:p>
@@ -2135,8 +2135,8 @@
         </p:nvSpPr>
         <p:spPr>
           <a:xfrm>
-            <a:off x="521971" y="7006702"/>
-            <a:ext cx="2435860" cy="402482"/>
+            <a:off x="521971" y="6006167"/>
+            <a:ext cx="2435860" cy="345009"/>
           </a:xfrm>
           <a:prstGeom prst="rect">
             <a:avLst/>
@@ -2149,7 +2149,7 @@
             <a:fld id="{1D8BD707-D9CF-40AE-B4C6-C98DA3205C09}" type="datetimeFigureOut">
               <a:rPr lang="en-US" smtClean="0"/>
               <a:pPr/>
-              <a:t>8/14/2020</a:t>
+              <a:t>9/17/2020</a:t>
             </a:fld>
             <a:endParaRPr lang="en-US"/>
           </a:p>
@@ -2167,8 +2167,8 @@
         </p:nvSpPr>
         <p:spPr>
           <a:xfrm>
-            <a:off x="3566797" y="7006702"/>
-            <a:ext cx="3305810" cy="402482"/>
+            <a:off x="3566797" y="6006167"/>
+            <a:ext cx="3305810" cy="345009"/>
           </a:xfrm>
           <a:prstGeom prst="rect">
             <a:avLst/>
@@ -2194,8 +2194,8 @@
         </p:nvSpPr>
         <p:spPr>
           <a:xfrm>
-            <a:off x="7481571" y="7006702"/>
-            <a:ext cx="2435860" cy="402482"/>
+            <a:off x="7481571" y="6006167"/>
+            <a:ext cx="2435860" cy="345009"/>
           </a:xfrm>
           <a:prstGeom prst="rect">
             <a:avLst/>
@@ -2251,8 +2251,8 @@
         </p:nvSpPr>
         <p:spPr>
           <a:xfrm>
-            <a:off x="521979" y="302741"/>
-            <a:ext cx="9395461" cy="1259946"/>
+            <a:off x="521989" y="259512"/>
+            <a:ext cx="9395461" cy="1080029"/>
           </a:xfrm>
           <a:prstGeom prst="rect">
             <a:avLst/>
@@ -2286,8 +2286,8 @@
         </p:nvSpPr>
         <p:spPr>
           <a:xfrm>
-            <a:off x="521979" y="1692181"/>
-            <a:ext cx="4612548" cy="705219"/>
+            <a:off x="521980" y="1450547"/>
+            <a:ext cx="4612548" cy="604516"/>
           </a:xfrm>
           <a:prstGeom prst="rect">
             <a:avLst/>
@@ -2298,37 +2298,37 @@
           <a:lstStyle>
             <a:lvl1pPr marL="0" indent="0">
               <a:buNone/>
-              <a:defRPr sz="2200" b="1"/>
+              <a:defRPr sz="2201" b="1"/>
             </a:lvl1pPr>
-            <a:lvl2pPr marL="421723" indent="0">
+            <a:lvl2pPr marL="421745" indent="0">
               <a:buNone/>
               <a:defRPr sz="1800" b="1"/>
             </a:lvl2pPr>
-            <a:lvl3pPr marL="843447" indent="0">
+            <a:lvl3pPr marL="843491" indent="0">
               <a:buNone/>
-              <a:defRPr sz="1700" b="1"/>
+              <a:defRPr sz="1701" b="1"/>
             </a:lvl3pPr>
-            <a:lvl4pPr marL="1265171" indent="0">
+            <a:lvl4pPr marL="1265236" indent="0">
               <a:buNone/>
               <a:defRPr sz="1500" b="1"/>
             </a:lvl4pPr>
-            <a:lvl5pPr marL="1686894" indent="0">
+            <a:lvl5pPr marL="1686981" indent="0">
               <a:buNone/>
               <a:defRPr sz="1500" b="1"/>
             </a:lvl5pPr>
-            <a:lvl6pPr marL="2108616" indent="0">
+            <a:lvl6pPr marL="2108723" indent="0">
               <a:buNone/>
               <a:defRPr sz="1500" b="1"/>
             </a:lvl6pPr>
-            <a:lvl7pPr marL="2530340" indent="0">
+            <a:lvl7pPr marL="2530469" indent="0">
               <a:buNone/>
               <a:defRPr sz="1500" b="1"/>
             </a:lvl7pPr>
-            <a:lvl8pPr marL="2952063" indent="0">
+            <a:lvl8pPr marL="2952213" indent="0">
               <a:buNone/>
               <a:defRPr sz="1500" b="1"/>
             </a:lvl8pPr>
-            <a:lvl9pPr marL="3373787" indent="0">
+            <a:lvl9pPr marL="3373960" indent="0">
               <a:buNone/>
               <a:defRPr sz="1500" b="1"/>
             </a:lvl9pPr>
@@ -2354,8 +2354,8 @@
         </p:nvSpPr>
         <p:spPr>
           <a:xfrm>
-            <a:off x="521979" y="2397404"/>
-            <a:ext cx="4612548" cy="4355563"/>
+            <a:off x="521980" y="2055065"/>
+            <a:ext cx="4612548" cy="3733601"/>
           </a:xfrm>
           <a:prstGeom prst="rect">
             <a:avLst/>
@@ -2365,13 +2365,13 @@
           <a:bodyPr/>
           <a:lstStyle>
             <a:lvl1pPr>
-              <a:defRPr sz="2200"/>
+              <a:defRPr sz="2201"/>
             </a:lvl1pPr>
             <a:lvl2pPr>
               <a:defRPr sz="1800"/>
             </a:lvl2pPr>
             <a:lvl3pPr>
-              <a:defRPr sz="1700"/>
+              <a:defRPr sz="1701"/>
             </a:lvl3pPr>
             <a:lvl4pPr>
               <a:defRPr sz="1500"/>
@@ -2442,8 +2442,8 @@
         </p:nvSpPr>
         <p:spPr>
           <a:xfrm>
-            <a:off x="5303073" y="1692181"/>
-            <a:ext cx="4614360" cy="705219"/>
+            <a:off x="5303074" y="1450547"/>
+            <a:ext cx="4614360" cy="604516"/>
           </a:xfrm>
           <a:prstGeom prst="rect">
             <a:avLst/>
@@ -2454,37 +2454,37 @@
           <a:lstStyle>
             <a:lvl1pPr marL="0" indent="0">
               <a:buNone/>
-              <a:defRPr sz="2200" b="1"/>
+              <a:defRPr sz="2201" b="1"/>
             </a:lvl1pPr>
-            <a:lvl2pPr marL="421723" indent="0">
+            <a:lvl2pPr marL="421745" indent="0">
               <a:buNone/>
               <a:defRPr sz="1800" b="1"/>
             </a:lvl2pPr>
-            <a:lvl3pPr marL="843447" indent="0">
+            <a:lvl3pPr marL="843491" indent="0">
               <a:buNone/>
-              <a:defRPr sz="1700" b="1"/>
+              <a:defRPr sz="1701" b="1"/>
             </a:lvl3pPr>
-            <a:lvl4pPr marL="1265171" indent="0">
+            <a:lvl4pPr marL="1265236" indent="0">
               <a:buNone/>
               <a:defRPr sz="1500" b="1"/>
             </a:lvl4pPr>
-            <a:lvl5pPr marL="1686894" indent="0">
+            <a:lvl5pPr marL="1686981" indent="0">
               <a:buNone/>
               <a:defRPr sz="1500" b="1"/>
             </a:lvl5pPr>
-            <a:lvl6pPr marL="2108616" indent="0">
+            <a:lvl6pPr marL="2108723" indent="0">
               <a:buNone/>
               <a:defRPr sz="1500" b="1"/>
             </a:lvl6pPr>
-            <a:lvl7pPr marL="2530340" indent="0">
+            <a:lvl7pPr marL="2530469" indent="0">
               <a:buNone/>
               <a:defRPr sz="1500" b="1"/>
             </a:lvl7pPr>
-            <a:lvl8pPr marL="2952063" indent="0">
+            <a:lvl8pPr marL="2952213" indent="0">
               <a:buNone/>
               <a:defRPr sz="1500" b="1"/>
             </a:lvl8pPr>
-            <a:lvl9pPr marL="3373787" indent="0">
+            <a:lvl9pPr marL="3373960" indent="0">
               <a:buNone/>
               <a:defRPr sz="1500" b="1"/>
             </a:lvl9pPr>
@@ -2510,8 +2510,8 @@
         </p:nvSpPr>
         <p:spPr>
           <a:xfrm>
-            <a:off x="5303073" y="2397404"/>
-            <a:ext cx="4614360" cy="4355563"/>
+            <a:off x="5303074" y="2055065"/>
+            <a:ext cx="4614360" cy="3733601"/>
           </a:xfrm>
           <a:prstGeom prst="rect">
             <a:avLst/>
@@ -2521,13 +2521,13 @@
           <a:bodyPr/>
           <a:lstStyle>
             <a:lvl1pPr>
-              <a:defRPr sz="2200"/>
+              <a:defRPr sz="2201"/>
             </a:lvl1pPr>
             <a:lvl2pPr>
               <a:defRPr sz="1800"/>
             </a:lvl2pPr>
             <a:lvl3pPr>
-              <a:defRPr sz="1700"/>
+              <a:defRPr sz="1701"/>
             </a:lvl3pPr>
             <a:lvl4pPr>
               <a:defRPr sz="1500"/>
@@ -2598,8 +2598,8 @@
         </p:nvSpPr>
         <p:spPr>
           <a:xfrm>
-            <a:off x="521971" y="7006702"/>
-            <a:ext cx="2435860" cy="402482"/>
+            <a:off x="521971" y="6006167"/>
+            <a:ext cx="2435860" cy="345009"/>
           </a:xfrm>
           <a:prstGeom prst="rect">
             <a:avLst/>
@@ -2612,7 +2612,7 @@
             <a:fld id="{1D8BD707-D9CF-40AE-B4C6-C98DA3205C09}" type="datetimeFigureOut">
               <a:rPr lang="en-US" smtClean="0"/>
               <a:pPr/>
-              <a:t>8/14/2020</a:t>
+              <a:t>9/17/2020</a:t>
             </a:fld>
             <a:endParaRPr lang="en-US"/>
           </a:p>
@@ -2630,8 +2630,8 @@
         </p:nvSpPr>
         <p:spPr>
           <a:xfrm>
-            <a:off x="3566797" y="7006702"/>
-            <a:ext cx="3305810" cy="402482"/>
+            <a:off x="3566797" y="6006167"/>
+            <a:ext cx="3305810" cy="345009"/>
           </a:xfrm>
           <a:prstGeom prst="rect">
             <a:avLst/>
@@ -2657,8 +2657,8 @@
         </p:nvSpPr>
         <p:spPr>
           <a:xfrm>
-            <a:off x="7481571" y="7006702"/>
-            <a:ext cx="2435860" cy="402482"/>
+            <a:off x="7481571" y="6006167"/>
+            <a:ext cx="2435860" cy="345009"/>
           </a:xfrm>
           <a:prstGeom prst="rect">
             <a:avLst/>
@@ -2714,8 +2714,8 @@
         </p:nvSpPr>
         <p:spPr>
           <a:xfrm>
-            <a:off x="521979" y="302741"/>
-            <a:ext cx="9395461" cy="1259946"/>
+            <a:off x="521989" y="259512"/>
+            <a:ext cx="9395461" cy="1080029"/>
           </a:xfrm>
           <a:prstGeom prst="rect">
             <a:avLst/>
@@ -2745,8 +2745,8 @@
         </p:nvSpPr>
         <p:spPr>
           <a:xfrm>
-            <a:off x="521971" y="7006702"/>
-            <a:ext cx="2435860" cy="402482"/>
+            <a:off x="521971" y="6006167"/>
+            <a:ext cx="2435860" cy="345009"/>
           </a:xfrm>
           <a:prstGeom prst="rect">
             <a:avLst/>
@@ -2759,7 +2759,7 @@
             <a:fld id="{1D8BD707-D9CF-40AE-B4C6-C98DA3205C09}" type="datetimeFigureOut">
               <a:rPr lang="en-US" smtClean="0"/>
               <a:pPr/>
-              <a:t>8/14/2020</a:t>
+              <a:t>9/17/2020</a:t>
             </a:fld>
             <a:endParaRPr lang="en-US"/>
           </a:p>
@@ -2777,8 +2777,8 @@
         </p:nvSpPr>
         <p:spPr>
           <a:xfrm>
-            <a:off x="3566797" y="7006702"/>
-            <a:ext cx="3305810" cy="402482"/>
+            <a:off x="3566797" y="6006167"/>
+            <a:ext cx="3305810" cy="345009"/>
           </a:xfrm>
           <a:prstGeom prst="rect">
             <a:avLst/>
@@ -2804,8 +2804,8 @@
         </p:nvSpPr>
         <p:spPr>
           <a:xfrm>
-            <a:off x="7481571" y="7006702"/>
-            <a:ext cx="2435860" cy="402482"/>
+            <a:off x="7481571" y="6006167"/>
+            <a:ext cx="2435860" cy="345009"/>
           </a:xfrm>
           <a:prstGeom prst="rect">
             <a:avLst/>
@@ -2861,8 +2861,8 @@
         </p:nvSpPr>
         <p:spPr>
           <a:xfrm>
-            <a:off x="521971" y="7006702"/>
-            <a:ext cx="2435860" cy="402482"/>
+            <a:off x="521971" y="6006167"/>
+            <a:ext cx="2435860" cy="345009"/>
           </a:xfrm>
           <a:prstGeom prst="rect">
             <a:avLst/>
@@ -2875,7 +2875,7 @@
             <a:fld id="{1D8BD707-D9CF-40AE-B4C6-C98DA3205C09}" type="datetimeFigureOut">
               <a:rPr lang="en-US" smtClean="0"/>
               <a:pPr/>
-              <a:t>8/14/2020</a:t>
+              <a:t>9/17/2020</a:t>
             </a:fld>
             <a:endParaRPr lang="en-US"/>
           </a:p>
@@ -2893,8 +2893,8 @@
         </p:nvSpPr>
         <p:spPr>
           <a:xfrm>
-            <a:off x="3566797" y="7006702"/>
-            <a:ext cx="3305810" cy="402482"/>
+            <a:off x="3566797" y="6006167"/>
+            <a:ext cx="3305810" cy="345009"/>
           </a:xfrm>
           <a:prstGeom prst="rect">
             <a:avLst/>
@@ -2920,8 +2920,8 @@
         </p:nvSpPr>
         <p:spPr>
           <a:xfrm>
-            <a:off x="7481571" y="7006702"/>
-            <a:ext cx="2435860" cy="402482"/>
+            <a:off x="7481571" y="6006167"/>
+            <a:ext cx="2435860" cy="345009"/>
           </a:xfrm>
           <a:prstGeom prst="rect">
             <a:avLst/>
@@ -2977,8 +2977,8 @@
         </p:nvSpPr>
         <p:spPr>
           <a:xfrm>
-            <a:off x="521976" y="300989"/>
-            <a:ext cx="3434492" cy="1280946"/>
+            <a:off x="521976" y="258011"/>
+            <a:ext cx="3434492" cy="1098031"/>
           </a:xfrm>
           <a:prstGeom prst="rect">
             <a:avLst/>
@@ -3012,8 +3012,8 @@
         </p:nvSpPr>
         <p:spPr>
           <a:xfrm>
-            <a:off x="4081516" y="300988"/>
-            <a:ext cx="5835915" cy="6451972"/>
+            <a:off x="4081525" y="258009"/>
+            <a:ext cx="5835915" cy="5530649"/>
           </a:xfrm>
           <a:prstGeom prst="rect">
             <a:avLst/>
@@ -3029,7 +3029,7 @@
               <a:defRPr sz="2600"/>
             </a:lvl2pPr>
             <a:lvl3pPr>
-              <a:defRPr sz="2200"/>
+              <a:defRPr sz="2201"/>
             </a:lvl3pPr>
             <a:lvl4pPr>
               <a:defRPr sz="1800"/>
@@ -3100,8 +3100,8 @@
         </p:nvSpPr>
         <p:spPr>
           <a:xfrm>
-            <a:off x="521976" y="1581932"/>
-            <a:ext cx="3434492" cy="5171028"/>
+            <a:off x="521976" y="1356037"/>
+            <a:ext cx="3434492" cy="4432620"/>
           </a:xfrm>
           <a:prstGeom prst="rect">
             <a:avLst/>
@@ -3114,35 +3114,35 @@
               <a:buNone/>
               <a:defRPr sz="1300"/>
             </a:lvl1pPr>
-            <a:lvl2pPr marL="421723" indent="0">
+            <a:lvl2pPr marL="421745" indent="0">
               <a:buNone/>
               <a:defRPr sz="1100"/>
             </a:lvl2pPr>
-            <a:lvl3pPr marL="843447" indent="0">
+            <a:lvl3pPr marL="843491" indent="0">
               <a:buNone/>
-              <a:defRPr sz="900"/>
+              <a:defRPr sz="899"/>
             </a:lvl3pPr>
-            <a:lvl4pPr marL="1265171" indent="0">
+            <a:lvl4pPr marL="1265236" indent="0">
               <a:buNone/>
               <a:defRPr sz="800"/>
             </a:lvl4pPr>
-            <a:lvl5pPr marL="1686894" indent="0">
+            <a:lvl5pPr marL="1686981" indent="0">
               <a:buNone/>
               <a:defRPr sz="800"/>
             </a:lvl5pPr>
-            <a:lvl6pPr marL="2108616" indent="0">
+            <a:lvl6pPr marL="2108723" indent="0">
               <a:buNone/>
               <a:defRPr sz="800"/>
             </a:lvl6pPr>
-            <a:lvl7pPr marL="2530340" indent="0">
+            <a:lvl7pPr marL="2530469" indent="0">
               <a:buNone/>
               <a:defRPr sz="800"/>
             </a:lvl7pPr>
-            <a:lvl8pPr marL="2952063" indent="0">
+            <a:lvl8pPr marL="2952213" indent="0">
               <a:buNone/>
               <a:defRPr sz="800"/>
             </a:lvl8pPr>
-            <a:lvl9pPr marL="3373787" indent="0">
+            <a:lvl9pPr marL="3373960" indent="0">
               <a:buNone/>
               <a:defRPr sz="800"/>
             </a:lvl9pPr>
@@ -3168,8 +3168,8 @@
         </p:nvSpPr>
         <p:spPr>
           <a:xfrm>
-            <a:off x="521971" y="7006702"/>
-            <a:ext cx="2435860" cy="402482"/>
+            <a:off x="521971" y="6006167"/>
+            <a:ext cx="2435860" cy="345009"/>
           </a:xfrm>
           <a:prstGeom prst="rect">
             <a:avLst/>
@@ -3182,7 +3182,7 @@
             <a:fld id="{1D8BD707-D9CF-40AE-B4C6-C98DA3205C09}" type="datetimeFigureOut">
               <a:rPr lang="en-US" smtClean="0"/>
               <a:pPr/>
-              <a:t>8/14/2020</a:t>
+              <a:t>9/17/2020</a:t>
             </a:fld>
             <a:endParaRPr lang="en-US"/>
           </a:p>
@@ -3200,8 +3200,8 @@
         </p:nvSpPr>
         <p:spPr>
           <a:xfrm>
-            <a:off x="3566797" y="7006702"/>
-            <a:ext cx="3305810" cy="402482"/>
+            <a:off x="3566797" y="6006167"/>
+            <a:ext cx="3305810" cy="345009"/>
           </a:xfrm>
           <a:prstGeom prst="rect">
             <a:avLst/>
@@ -3227,8 +3227,8 @@
         </p:nvSpPr>
         <p:spPr>
           <a:xfrm>
-            <a:off x="7481571" y="7006702"/>
-            <a:ext cx="2435860" cy="402482"/>
+            <a:off x="7481571" y="6006167"/>
+            <a:ext cx="2435860" cy="345009"/>
           </a:xfrm>
           <a:prstGeom prst="rect">
             <a:avLst/>
@@ -3284,8 +3284,8 @@
         </p:nvSpPr>
         <p:spPr>
           <a:xfrm>
-            <a:off x="2046205" y="5291774"/>
-            <a:ext cx="6263640" cy="624724"/>
+            <a:off x="2046206" y="4536125"/>
+            <a:ext cx="6263640" cy="535515"/>
           </a:xfrm>
           <a:prstGeom prst="rect">
             <a:avLst/>
@@ -3319,8 +3319,8 @@
         </p:nvSpPr>
         <p:spPr>
           <a:xfrm>
-            <a:off x="2046205" y="675476"/>
-            <a:ext cx="6263640" cy="4535805"/>
+            <a:off x="2046206" y="579025"/>
+            <a:ext cx="6263640" cy="3888105"/>
           </a:xfrm>
           <a:prstGeom prst="rect">
             <a:avLst/>
@@ -3333,35 +3333,35 @@
               <a:buNone/>
               <a:defRPr sz="3000"/>
             </a:lvl1pPr>
-            <a:lvl2pPr marL="421723" indent="0">
+            <a:lvl2pPr marL="421745" indent="0">
               <a:buNone/>
               <a:defRPr sz="2600"/>
             </a:lvl2pPr>
-            <a:lvl3pPr marL="843447" indent="0">
+            <a:lvl3pPr marL="843491" indent="0">
               <a:buNone/>
-              <a:defRPr sz="2200"/>
+              <a:defRPr sz="2201"/>
             </a:lvl3pPr>
-            <a:lvl4pPr marL="1265171" indent="0">
+            <a:lvl4pPr marL="1265236" indent="0">
               <a:buNone/>
               <a:defRPr sz="1800"/>
             </a:lvl4pPr>
-            <a:lvl5pPr marL="1686894" indent="0">
+            <a:lvl5pPr marL="1686981" indent="0">
               <a:buNone/>
               <a:defRPr sz="1800"/>
             </a:lvl5pPr>
-            <a:lvl6pPr marL="2108616" indent="0">
+            <a:lvl6pPr marL="2108723" indent="0">
               <a:buNone/>
               <a:defRPr sz="1800"/>
             </a:lvl6pPr>
-            <a:lvl7pPr marL="2530340" indent="0">
+            <a:lvl7pPr marL="2530469" indent="0">
               <a:buNone/>
               <a:defRPr sz="1800"/>
             </a:lvl7pPr>
-            <a:lvl8pPr marL="2952063" indent="0">
+            <a:lvl8pPr marL="2952213" indent="0">
               <a:buNone/>
               <a:defRPr sz="1800"/>
             </a:lvl8pPr>
-            <a:lvl9pPr marL="3373787" indent="0">
+            <a:lvl9pPr marL="3373960" indent="0">
               <a:buNone/>
               <a:defRPr sz="1800"/>
             </a:lvl9pPr>
@@ -3383,8 +3383,8 @@
         </p:nvSpPr>
         <p:spPr>
           <a:xfrm>
-            <a:off x="2046205" y="5916500"/>
-            <a:ext cx="6263640" cy="887212"/>
+            <a:off x="2046206" y="5071642"/>
+            <a:ext cx="6263640" cy="760521"/>
           </a:xfrm>
           <a:prstGeom prst="rect">
             <a:avLst/>
@@ -3397,35 +3397,35 @@
               <a:buNone/>
               <a:defRPr sz="1300"/>
             </a:lvl1pPr>
-            <a:lvl2pPr marL="421723" indent="0">
+            <a:lvl2pPr marL="421745" indent="0">
               <a:buNone/>
               <a:defRPr sz="1100"/>
             </a:lvl2pPr>
-            <a:lvl3pPr marL="843447" indent="0">
+            <a:lvl3pPr marL="843491" indent="0">
               <a:buNone/>
-              <a:defRPr sz="900"/>
+              <a:defRPr sz="899"/>
             </a:lvl3pPr>
-            <a:lvl4pPr marL="1265171" indent="0">
+            <a:lvl4pPr marL="1265236" indent="0">
               <a:buNone/>
               <a:defRPr sz="800"/>
             </a:lvl4pPr>
-            <a:lvl5pPr marL="1686894" indent="0">
+            <a:lvl5pPr marL="1686981" indent="0">
               <a:buNone/>
               <a:defRPr sz="800"/>
             </a:lvl5pPr>
-            <a:lvl6pPr marL="2108616" indent="0">
+            <a:lvl6pPr marL="2108723" indent="0">
               <a:buNone/>
               <a:defRPr sz="800"/>
             </a:lvl6pPr>
-            <a:lvl7pPr marL="2530340" indent="0">
+            <a:lvl7pPr marL="2530469" indent="0">
               <a:buNone/>
               <a:defRPr sz="800"/>
             </a:lvl7pPr>
-            <a:lvl8pPr marL="2952063" indent="0">
+            <a:lvl8pPr marL="2952213" indent="0">
               <a:buNone/>
               <a:defRPr sz="800"/>
             </a:lvl8pPr>
-            <a:lvl9pPr marL="3373787" indent="0">
+            <a:lvl9pPr marL="3373960" indent="0">
               <a:buNone/>
               <a:defRPr sz="800"/>
             </a:lvl9pPr>
@@ -3451,8 +3451,8 @@
         </p:nvSpPr>
         <p:spPr>
           <a:xfrm>
-            <a:off x="521971" y="7006702"/>
-            <a:ext cx="2435860" cy="402482"/>
+            <a:off x="521971" y="6006167"/>
+            <a:ext cx="2435860" cy="345009"/>
           </a:xfrm>
           <a:prstGeom prst="rect">
             <a:avLst/>
@@ -3465,7 +3465,7 @@
             <a:fld id="{1D8BD707-D9CF-40AE-B4C6-C98DA3205C09}" type="datetimeFigureOut">
               <a:rPr lang="en-US" smtClean="0"/>
               <a:pPr/>
-              <a:t>8/14/2020</a:t>
+              <a:t>9/17/2020</a:t>
             </a:fld>
             <a:endParaRPr lang="en-US"/>
           </a:p>
@@ -3483,8 +3483,8 @@
         </p:nvSpPr>
         <p:spPr>
           <a:xfrm>
-            <a:off x="3566797" y="7006702"/>
-            <a:ext cx="3305810" cy="402482"/>
+            <a:off x="3566797" y="6006167"/>
+            <a:ext cx="3305810" cy="345009"/>
           </a:xfrm>
           <a:prstGeom prst="rect">
             <a:avLst/>
@@ -3510,8 +3510,8 @@
         </p:nvSpPr>
         <p:spPr>
           <a:xfrm>
-            <a:off x="7481571" y="7006702"/>
-            <a:ext cx="2435860" cy="402482"/>
+            <a:off x="7481571" y="6006167"/>
+            <a:ext cx="2435860" cy="345009"/>
           </a:xfrm>
           <a:prstGeom prst="rect">
             <a:avLst/>
@@ -3568,8 +3568,8 @@
         </p:nvSpPr>
         <p:spPr>
           <a:xfrm>
-            <a:off x="1333501" y="158773"/>
-            <a:ext cx="8305270" cy="7242130"/>
+            <a:off x="1333503" y="268287"/>
+            <a:ext cx="8305269" cy="6075790"/>
           </a:xfrm>
           <a:prstGeom prst="roundRect">
             <a:avLst>
@@ -3612,158 +3612,13 @@
           <a:p>
             <a:pPr algn="ctr"/>
             <a:r>
-              <a:rPr lang="en-US" sz="1600" b="1" dirty="0" smtClean="0"/>
+              <a:rPr lang="en-US" sz="1601" b="1" dirty="0" smtClean="0"/>
               <a:t>UI</a:t>
             </a:r>
-            <a:endParaRPr lang="en-SG" sz="1600" b="1" dirty="0"/>
-          </a:p>
-        </p:txBody>
-      </p:sp>
-      <p:grpSp>
-        <p:nvGrpSpPr>
-          <p:cNvPr id="9" name="Group 8"/>
-          <p:cNvGrpSpPr/>
-          <p:nvPr userDrawn="1"/>
-        </p:nvGrpSpPr>
-        <p:grpSpPr>
-          <a:xfrm>
-            <a:off x="1490873" y="503237"/>
-            <a:ext cx="7955196" cy="1255734"/>
-            <a:chOff x="-4503450" y="1371600"/>
-            <a:chExt cx="5636997" cy="4166353"/>
-          </a:xfrm>
-          <a:solidFill>
-            <a:schemeClr val="bg1"/>
-          </a:solidFill>
-        </p:grpSpPr>
-        <p:sp>
-          <p:nvSpPr>
-            <p:cNvPr id="10" name="Rectangle 9"/>
-            <p:cNvSpPr/>
-            <p:nvPr/>
-          </p:nvSpPr>
-          <p:spPr>
-            <a:xfrm>
-              <a:off x="-4503450" y="1930401"/>
-              <a:ext cx="5636997" cy="3607552"/>
-            </a:xfrm>
-            <a:prstGeom prst="rect">
-              <a:avLst/>
-            </a:prstGeom>
-            <a:grpFill/>
-            <a:ln>
-              <a:solidFill>
-                <a:schemeClr val="accent1">
-                  <a:lumMod val="75000"/>
-                </a:schemeClr>
-              </a:solidFill>
-            </a:ln>
-          </p:spPr>
-          <p:style>
-            <a:lnRef idx="2">
-              <a:schemeClr val="accent1">
-                <a:shade val="50000"/>
-              </a:schemeClr>
-            </a:lnRef>
-            <a:fillRef idx="1">
-              <a:schemeClr val="accent1"/>
-            </a:fillRef>
-            <a:effectRef idx="0">
-              <a:schemeClr val="accent1"/>
-            </a:effectRef>
-            <a:fontRef idx="minor">
-              <a:schemeClr val="lt1"/>
-            </a:fontRef>
-          </p:style>
-          <p:txBody>
-            <a:bodyPr lIns="90000" rIns="90000" rtlCol="0" anchor="t" anchorCtr="0"/>
-            <a:lstStyle/>
-            <a:p>
-              <a:pPr algn="r"/>
-              <a:r>
-                <a:rPr lang="en-SG" sz="1400" b="1" dirty="0" err="1" smtClean="0">
-                  <a:solidFill>
-                    <a:schemeClr val="accent1">
-                      <a:lumMod val="75000"/>
-                    </a:schemeClr>
-                  </a:solidFill>
-                </a:rPr>
-                <a:t>ui</a:t>
-              </a:r>
-              <a:r>
-                <a:rPr lang="en-SG" sz="1400" b="1" dirty="0" smtClean="0">
-                  <a:solidFill>
-                    <a:schemeClr val="accent1">
-                      <a:lumMod val="75000"/>
-                    </a:schemeClr>
-                  </a:solidFill>
-                </a:rPr>
-                <a:t>::automated</a:t>
-              </a:r>
-              <a:endParaRPr lang="en-SG" sz="1400" b="1" dirty="0">
-                <a:solidFill>
-                  <a:schemeClr val="accent1">
-                    <a:lumMod val="75000"/>
-                  </a:schemeClr>
-                </a:solidFill>
-              </a:endParaRPr>
-            </a:p>
-          </p:txBody>
-        </p:sp>
-        <p:sp>
-          <p:nvSpPr>
-            <p:cNvPr id="11" name="Rectangle 10"/>
-            <p:cNvSpPr/>
-            <p:nvPr/>
-          </p:nvSpPr>
-          <p:spPr>
-            <a:xfrm>
-              <a:off x="198377" y="1371600"/>
-              <a:ext cx="935170" cy="558800"/>
-            </a:xfrm>
-            <a:prstGeom prst="rect">
-              <a:avLst/>
-            </a:prstGeom>
-            <a:grpFill/>
-            <a:ln>
-              <a:solidFill>
-                <a:schemeClr val="accent1">
-                  <a:lumMod val="75000"/>
-                </a:schemeClr>
-              </a:solidFill>
-            </a:ln>
-          </p:spPr>
-          <p:style>
-            <a:lnRef idx="2">
-              <a:schemeClr val="accent1">
-                <a:shade val="50000"/>
-              </a:schemeClr>
-            </a:lnRef>
-            <a:fillRef idx="1">
-              <a:schemeClr val="accent1"/>
-            </a:fillRef>
-            <a:effectRef idx="0">
-              <a:schemeClr val="accent1"/>
-            </a:effectRef>
-            <a:fontRef idx="minor">
-              <a:schemeClr val="lt1"/>
-            </a:fontRef>
-          </p:style>
-          <p:txBody>
-            <a:bodyPr rtlCol="0" anchor="t" anchorCtr="0"/>
-            <a:lstStyle/>
-            <a:p>
-              <a:endParaRPr lang="en-SG" sz="1400" b="1">
-                <a:solidFill>
-                  <a:schemeClr val="accent1">
-                    <a:lumMod val="75000"/>
-                  </a:schemeClr>
-                </a:solidFill>
-              </a:endParaRPr>
-            </a:p>
-          </p:txBody>
-        </p:sp>
-      </p:grpSp>
+            <a:endParaRPr lang="en-SG" sz="1601" b="1" dirty="0"/>
+          </a:p>
+        </p:txBody>
+      </p:sp>
       <p:grpSp>
         <p:nvGrpSpPr>
           <p:cNvPr id="12" name="Group 11"/>
@@ -3772,8 +3627,8 @@
         </p:nvGrpSpPr>
         <p:grpSpPr>
           <a:xfrm>
-            <a:off x="1504438" y="5075237"/>
-            <a:ext cx="7941631" cy="2209800"/>
+            <a:off x="1504444" y="3993739"/>
+            <a:ext cx="7941631" cy="2251015"/>
             <a:chOff x="-6244711" y="1678727"/>
             <a:chExt cx="7387711" cy="2677315"/>
           </a:xfrm>
@@ -3917,8 +3772,8 @@
         </p:nvSpPr>
         <p:spPr>
           <a:xfrm>
-            <a:off x="9868745" y="158773"/>
-            <a:ext cx="931162" cy="7284232"/>
+            <a:off x="9868746" y="262162"/>
+            <a:ext cx="931162" cy="6118005"/>
           </a:xfrm>
           <a:prstGeom prst="roundRect">
             <a:avLst>
@@ -3960,10 +3815,10 @@
           <a:p>
             <a:pPr algn="r"/>
             <a:r>
-              <a:rPr lang="en-US" sz="1600" b="1" dirty="0" smtClean="0"/>
+              <a:rPr lang="en-US" sz="1601" b="1" dirty="0" smtClean="0"/>
               <a:t>Logic</a:t>
             </a:r>
-            <a:endParaRPr lang="en-SG" sz="1600" b="1" dirty="0"/>
+            <a:endParaRPr lang="en-SG" sz="1601" b="1" dirty="0"/>
           </a:p>
         </p:txBody>
       </p:sp>
@@ -3975,8 +3830,8 @@
         </p:nvSpPr>
         <p:spPr>
           <a:xfrm>
-            <a:off x="10336957" y="-93860"/>
-            <a:ext cx="620774" cy="7747394"/>
+            <a:off x="10336958" y="115888"/>
+            <a:ext cx="620774" cy="6444744"/>
           </a:xfrm>
           <a:prstGeom prst="rect">
             <a:avLst/>
@@ -4012,7 +3867,7 @@
           <a:lstStyle/>
           <a:p>
             <a:pPr algn="ctr"/>
-            <a:endParaRPr lang="en-SG" sz="1700"/>
+            <a:endParaRPr lang="en-SG" sz="1701"/>
           </a:p>
         </p:txBody>
       </p:sp>
@@ -4024,8 +3879,8 @@
         </p:nvGrpSpPr>
         <p:grpSpPr>
           <a:xfrm>
-            <a:off x="1504438" y="1874838"/>
-            <a:ext cx="7955196" cy="3124201"/>
+            <a:off x="1504438" y="725487"/>
+            <a:ext cx="7955196" cy="3101078"/>
             <a:chOff x="-4503450" y="1371600"/>
             <a:chExt cx="5636997" cy="10365672"/>
           </a:xfrm>
@@ -4189,12 +4044,12 @@
   </p:sldLayoutIdLst>
   <p:txStyles>
     <p:titleStyle>
-      <a:lvl1pPr algn="ctr" defTabSz="843447" rtl="0" eaLnBrk="1" latinLnBrk="0" hangingPunct="1">
+      <a:lvl1pPr algn="ctr" defTabSz="843491" rtl="0" eaLnBrk="1" latinLnBrk="0" hangingPunct="1">
         <a:spcBef>
           <a:spcPct val="0"/>
         </a:spcBef>
         <a:buNone/>
-        <a:defRPr sz="4100" kern="1200">
+        <a:defRPr sz="4101" kern="1200">
           <a:solidFill>
             <a:schemeClr val="tx1"/>
           </a:solidFill>
@@ -4205,7 +4060,7 @@
       </a:lvl1pPr>
     </p:titleStyle>
     <p:bodyStyle>
-      <a:lvl1pPr marL="316292" indent="-316292" algn="l" defTabSz="843447" rtl="0" eaLnBrk="1" latinLnBrk="0" hangingPunct="1">
+      <a:lvl1pPr marL="316310" indent="-316310" algn="l" defTabSz="843491" rtl="0" eaLnBrk="1" latinLnBrk="0" hangingPunct="1">
         <a:spcBef>
           <a:spcPct val="20000"/>
         </a:spcBef>
@@ -4220,7 +4075,7 @@
           <a:cs typeface="+mn-cs"/>
         </a:defRPr>
       </a:lvl1pPr>
-      <a:lvl2pPr marL="685301" indent="-263577" algn="l" defTabSz="843447" rtl="0" eaLnBrk="1" latinLnBrk="0" hangingPunct="1">
+      <a:lvl2pPr marL="685336" indent="-263591" algn="l" defTabSz="843491" rtl="0" eaLnBrk="1" latinLnBrk="0" hangingPunct="1">
         <a:spcBef>
           <a:spcPct val="20000"/>
         </a:spcBef>
@@ -4235,13 +4090,13 @@
           <a:cs typeface="+mn-cs"/>
         </a:defRPr>
       </a:lvl2pPr>
-      <a:lvl3pPr marL="1054308" indent="-210862" algn="l" defTabSz="843447" rtl="0" eaLnBrk="1" latinLnBrk="0" hangingPunct="1">
+      <a:lvl3pPr marL="1054362" indent="-210874" algn="l" defTabSz="843491" rtl="0" eaLnBrk="1" latinLnBrk="0" hangingPunct="1">
         <a:spcBef>
           <a:spcPct val="20000"/>
         </a:spcBef>
         <a:buFont typeface="Arial" pitchFamily="34" charset="0"/>
         <a:buChar char="•"/>
-        <a:defRPr sz="2200" kern="1200">
+        <a:defRPr sz="2201" kern="1200">
           <a:solidFill>
             <a:schemeClr val="tx1"/>
           </a:solidFill>
@@ -4250,7 +4105,7 @@
           <a:cs typeface="+mn-cs"/>
         </a:defRPr>
       </a:lvl3pPr>
-      <a:lvl4pPr marL="1476031" indent="-210862" algn="l" defTabSz="843447" rtl="0" eaLnBrk="1" latinLnBrk="0" hangingPunct="1">
+      <a:lvl4pPr marL="1476106" indent="-210874" algn="l" defTabSz="843491" rtl="0" eaLnBrk="1" latinLnBrk="0" hangingPunct="1">
         <a:spcBef>
           <a:spcPct val="20000"/>
         </a:spcBef>
@@ -4265,7 +4120,7 @@
           <a:cs typeface="+mn-cs"/>
         </a:defRPr>
       </a:lvl4pPr>
-      <a:lvl5pPr marL="1897755" indent="-210862" algn="l" defTabSz="843447" rtl="0" eaLnBrk="1" latinLnBrk="0" hangingPunct="1">
+      <a:lvl5pPr marL="1897853" indent="-210874" algn="l" defTabSz="843491" rtl="0" eaLnBrk="1" latinLnBrk="0" hangingPunct="1">
         <a:spcBef>
           <a:spcPct val="20000"/>
         </a:spcBef>
@@ -4280,7 +4135,7 @@
           <a:cs typeface="+mn-cs"/>
         </a:defRPr>
       </a:lvl5pPr>
-      <a:lvl6pPr marL="2319479" indent="-210862" algn="l" defTabSz="843447" rtl="0" eaLnBrk="1" latinLnBrk="0" hangingPunct="1">
+      <a:lvl6pPr marL="2319597" indent="-210874" algn="l" defTabSz="843491" rtl="0" eaLnBrk="1" latinLnBrk="0" hangingPunct="1">
         <a:spcBef>
           <a:spcPct val="20000"/>
         </a:spcBef>
@@ -4295,7 +4150,7 @@
           <a:cs typeface="+mn-cs"/>
         </a:defRPr>
       </a:lvl6pPr>
-      <a:lvl7pPr marL="2741202" indent="-210862" algn="l" defTabSz="843447" rtl="0" eaLnBrk="1" latinLnBrk="0" hangingPunct="1">
+      <a:lvl7pPr marL="2741341" indent="-210874" algn="l" defTabSz="843491" rtl="0" eaLnBrk="1" latinLnBrk="0" hangingPunct="1">
         <a:spcBef>
           <a:spcPct val="20000"/>
         </a:spcBef>
@@ -4310,7 +4165,7 @@
           <a:cs typeface="+mn-cs"/>
         </a:defRPr>
       </a:lvl7pPr>
-      <a:lvl8pPr marL="3162926" indent="-210862" algn="l" defTabSz="843447" rtl="0" eaLnBrk="1" latinLnBrk="0" hangingPunct="1">
+      <a:lvl8pPr marL="3163087" indent="-210874" algn="l" defTabSz="843491" rtl="0" eaLnBrk="1" latinLnBrk="0" hangingPunct="1">
         <a:spcBef>
           <a:spcPct val="20000"/>
         </a:spcBef>
@@ -4325,7 +4180,7 @@
           <a:cs typeface="+mn-cs"/>
         </a:defRPr>
       </a:lvl8pPr>
-      <a:lvl9pPr marL="3584649" indent="-210862" algn="l" defTabSz="843447" rtl="0" eaLnBrk="1" latinLnBrk="0" hangingPunct="1">
+      <a:lvl9pPr marL="3584832" indent="-210874" algn="l" defTabSz="843491" rtl="0" eaLnBrk="1" latinLnBrk="0" hangingPunct="1">
         <a:spcBef>
           <a:spcPct val="20000"/>
         </a:spcBef>
@@ -4345,8 +4200,8 @@
       <a:defPPr>
         <a:defRPr lang="en-US"/>
       </a:defPPr>
-      <a:lvl1pPr marL="0" algn="l" defTabSz="843447" rtl="0" eaLnBrk="1" latinLnBrk="0" hangingPunct="1">
-        <a:defRPr sz="1700" kern="1200">
+      <a:lvl1pPr marL="0" algn="l" defTabSz="843491" rtl="0" eaLnBrk="1" latinLnBrk="0" hangingPunct="1">
+        <a:defRPr sz="1701" kern="1200">
           <a:solidFill>
             <a:schemeClr val="tx1"/>
           </a:solidFill>
@@ -4355,8 +4210,8 @@
           <a:cs typeface="+mn-cs"/>
         </a:defRPr>
       </a:lvl1pPr>
-      <a:lvl2pPr marL="421723" algn="l" defTabSz="843447" rtl="0" eaLnBrk="1" latinLnBrk="0" hangingPunct="1">
-        <a:defRPr sz="1700" kern="1200">
+      <a:lvl2pPr marL="421745" algn="l" defTabSz="843491" rtl="0" eaLnBrk="1" latinLnBrk="0" hangingPunct="1">
+        <a:defRPr sz="1701" kern="1200">
           <a:solidFill>
             <a:schemeClr val="tx1"/>
           </a:solidFill>
@@ -4365,8 +4220,8 @@
           <a:cs typeface="+mn-cs"/>
         </a:defRPr>
       </a:lvl2pPr>
-      <a:lvl3pPr marL="843447" algn="l" defTabSz="843447" rtl="0" eaLnBrk="1" latinLnBrk="0" hangingPunct="1">
-        <a:defRPr sz="1700" kern="1200">
+      <a:lvl3pPr marL="843491" algn="l" defTabSz="843491" rtl="0" eaLnBrk="1" latinLnBrk="0" hangingPunct="1">
+        <a:defRPr sz="1701" kern="1200">
           <a:solidFill>
             <a:schemeClr val="tx1"/>
           </a:solidFill>
@@ -4375,8 +4230,8 @@
           <a:cs typeface="+mn-cs"/>
         </a:defRPr>
       </a:lvl3pPr>
-      <a:lvl4pPr marL="1265171" algn="l" defTabSz="843447" rtl="0" eaLnBrk="1" latinLnBrk="0" hangingPunct="1">
-        <a:defRPr sz="1700" kern="1200">
+      <a:lvl4pPr marL="1265236" algn="l" defTabSz="843491" rtl="0" eaLnBrk="1" latinLnBrk="0" hangingPunct="1">
+        <a:defRPr sz="1701" kern="1200">
           <a:solidFill>
             <a:schemeClr val="tx1"/>
           </a:solidFill>
@@ -4385,8 +4240,8 @@
           <a:cs typeface="+mn-cs"/>
         </a:defRPr>
       </a:lvl4pPr>
-      <a:lvl5pPr marL="1686894" algn="l" defTabSz="843447" rtl="0" eaLnBrk="1" latinLnBrk="0" hangingPunct="1">
-        <a:defRPr sz="1700" kern="1200">
+      <a:lvl5pPr marL="1686981" algn="l" defTabSz="843491" rtl="0" eaLnBrk="1" latinLnBrk="0" hangingPunct="1">
+        <a:defRPr sz="1701" kern="1200">
           <a:solidFill>
             <a:schemeClr val="tx1"/>
           </a:solidFill>
@@ -4395,8 +4250,8 @@
           <a:cs typeface="+mn-cs"/>
         </a:defRPr>
       </a:lvl5pPr>
-      <a:lvl6pPr marL="2108616" algn="l" defTabSz="843447" rtl="0" eaLnBrk="1" latinLnBrk="0" hangingPunct="1">
-        <a:defRPr sz="1700" kern="1200">
+      <a:lvl6pPr marL="2108723" algn="l" defTabSz="843491" rtl="0" eaLnBrk="1" latinLnBrk="0" hangingPunct="1">
+        <a:defRPr sz="1701" kern="1200">
           <a:solidFill>
             <a:schemeClr val="tx1"/>
           </a:solidFill>
@@ -4405,8 +4260,8 @@
           <a:cs typeface="+mn-cs"/>
         </a:defRPr>
       </a:lvl6pPr>
-      <a:lvl7pPr marL="2530340" algn="l" defTabSz="843447" rtl="0" eaLnBrk="1" latinLnBrk="0" hangingPunct="1">
-        <a:defRPr sz="1700" kern="1200">
+      <a:lvl7pPr marL="2530469" algn="l" defTabSz="843491" rtl="0" eaLnBrk="1" latinLnBrk="0" hangingPunct="1">
+        <a:defRPr sz="1701" kern="1200">
           <a:solidFill>
             <a:schemeClr val="tx1"/>
           </a:solidFill>
@@ -4415,8 +4270,8 @@
           <a:cs typeface="+mn-cs"/>
         </a:defRPr>
       </a:lvl7pPr>
-      <a:lvl8pPr marL="2952063" algn="l" defTabSz="843447" rtl="0" eaLnBrk="1" latinLnBrk="0" hangingPunct="1">
-        <a:defRPr sz="1700" kern="1200">
+      <a:lvl8pPr marL="2952213" algn="l" defTabSz="843491" rtl="0" eaLnBrk="1" latinLnBrk="0" hangingPunct="1">
+        <a:defRPr sz="1701" kern="1200">
           <a:solidFill>
             <a:schemeClr val="tx1"/>
           </a:solidFill>
@@ -4425,8 +4280,8 @@
           <a:cs typeface="+mn-cs"/>
         </a:defRPr>
       </a:lvl8pPr>
-      <a:lvl9pPr marL="3373787" algn="l" defTabSz="843447" rtl="0" eaLnBrk="1" latinLnBrk="0" hangingPunct="1">
-        <a:defRPr sz="1700" kern="1200">
+      <a:lvl9pPr marL="3373960" algn="l" defTabSz="843491" rtl="0" eaLnBrk="1" latinLnBrk="0" hangingPunct="1">
+        <a:defRPr sz="1701" kern="1200">
           <a:solidFill>
             <a:schemeClr val="tx1"/>
           </a:solidFill>
@@ -4459,13 +4314,13 @@
       </p:grpSpPr>
       <p:sp>
         <p:nvSpPr>
-          <p:cNvPr id="88" name="Rectangle 87"/>
+          <p:cNvPr id="86" name="Rectangle 85"/>
           <p:cNvSpPr/>
           <p:nvPr/>
         </p:nvSpPr>
         <p:spPr>
           <a:xfrm>
-            <a:off x="6907207" y="1126069"/>
+            <a:off x="6907207" y="1485613"/>
             <a:ext cx="2160000" cy="360000"/>
           </a:xfrm>
           <a:prstGeom prst="rect">
@@ -4494,23 +4349,23 @@
           <a:p>
             <a:pPr algn="ctr"/>
             <a:r>
-              <a:rPr lang="en-US" sz="1600" b="1" dirty="0" err="1"/>
-              <a:t>AutomatedAction</a:t>
-            </a:r>
-            <a:endParaRPr lang="en-SG" sz="1600" b="1" dirty="0"/>
-          </a:p>
-        </p:txBody>
-      </p:sp>
-      <p:sp>
-        <p:nvSpPr>
-          <p:cNvPr id="89" name="Rectangle 88"/>
+              <a:rPr lang="en-US" sz="1601" b="1" dirty="0"/>
+              <a:t>Action</a:t>
+            </a:r>
+            <a:endParaRPr lang="en-SG" sz="1601" b="1" dirty="0"/>
+          </a:p>
+        </p:txBody>
+      </p:sp>
+      <p:sp>
+        <p:nvSpPr>
+          <p:cNvPr id="87" name="Rectangle 86"/>
           <p:cNvSpPr/>
           <p:nvPr/>
         </p:nvSpPr>
         <p:spPr>
           <a:xfrm>
-            <a:off x="4316407" y="1039613"/>
-            <a:ext cx="2160000" cy="522656"/>
+            <a:off x="4308616" y="1490460"/>
+            <a:ext cx="2160000" cy="360000"/>
           </a:xfrm>
           <a:prstGeom prst="rect">
             <a:avLst/>
@@ -4538,33 +4393,22 @@
           <a:p>
             <a:pPr algn="ctr"/>
             <a:r>
-              <a:rPr lang="en-US" sz="1600" b="1" dirty="0" err="1"/>
-              <a:t>AutomatedAction</a:t>
-            </a:r>
-            <a:r>
-              <a:rPr lang="en-US" sz="1600" b="1" dirty="0"/>
-              <a:t/>
-            </a:r>
-            <a:br>
-              <a:rPr lang="en-US" sz="1600" b="1" dirty="0"/>
-            </a:br>
-            <a:r>
-              <a:rPr lang="en-US" sz="1600" b="1" dirty="0"/>
-              <a:t>Factory</a:t>
-            </a:r>
-            <a:endParaRPr lang="en-SG" sz="1600" b="1" dirty="0"/>
-          </a:p>
-        </p:txBody>
-      </p:sp>
-      <p:sp>
-        <p:nvSpPr>
-          <p:cNvPr id="90" name="Rectangle 89"/>
+              <a:rPr lang="en-US" sz="1601" b="1" dirty="0" err="1"/>
+              <a:t>ActionFactory</a:t>
+            </a:r>
+            <a:endParaRPr lang="en-SG" sz="1601" b="1" dirty="0"/>
+          </a:p>
+        </p:txBody>
+      </p:sp>
+      <p:sp>
+        <p:nvSpPr>
+          <p:cNvPr id="99" name="Rectangle 98"/>
           <p:cNvSpPr/>
           <p:nvPr/>
         </p:nvSpPr>
         <p:spPr>
           <a:xfrm>
-            <a:off x="1725607" y="1120941"/>
+            <a:off x="1710023" y="1490460"/>
             <a:ext cx="2160000" cy="360000"/>
           </a:xfrm>
           <a:prstGeom prst="rect">
@@ -4593,26 +4437,26 @@
           <a:p>
             <a:pPr algn="ctr"/>
             <a:r>
-              <a:rPr lang="en-US" sz="1600" b="1" dirty="0" err="1"/>
-              <a:t>AutomatedServlet</a:t>
-            </a:r>
-            <a:endParaRPr lang="en-SG" sz="1600" b="1" dirty="0"/>
+              <a:rPr lang="en-US" sz="1601" b="1" dirty="0" err="1"/>
+              <a:t>WebApiServlet</a:t>
+            </a:r>
+            <a:endParaRPr lang="en-SG" sz="1601" b="1" dirty="0"/>
           </a:p>
         </p:txBody>
       </p:sp>
       <p:cxnSp>
         <p:nvCxnSpPr>
-          <p:cNvPr id="91" name="Elbow Connector 90"/>
+          <p:cNvPr id="100" name="Elbow Connector 99"/>
           <p:cNvCxnSpPr>
-            <a:stCxn id="89" idx="3"/>
-            <a:endCxn id="88" idx="1"/>
+            <a:stCxn id="87" idx="3"/>
+            <a:endCxn id="86" idx="1"/>
           </p:cNvCxnSpPr>
           <p:nvPr/>
         </p:nvCxnSpPr>
         <p:spPr>
-          <a:xfrm>
-            <a:off x="6476407" y="1300941"/>
-            <a:ext cx="430800" cy="0"/>
+          <a:xfrm flipV="1">
+            <a:off x="6468619" y="1665613"/>
+            <a:ext cx="438591" cy="0"/>
           </a:xfrm>
           <a:prstGeom prst="bentConnector3">
             <a:avLst>
@@ -4646,14 +4490,364 @@
       </p:cxnSp>
       <p:sp>
         <p:nvSpPr>
-          <p:cNvPr id="92" name="TextBox 91"/>
+          <p:cNvPr id="101" name="Rectangle 100"/>
+          <p:cNvSpPr/>
+          <p:nvPr/>
+        </p:nvSpPr>
+        <p:spPr>
+          <a:xfrm>
+            <a:off x="5295902" y="2082622"/>
+            <a:ext cx="2163078" cy="360000"/>
+          </a:xfrm>
+          <a:prstGeom prst="rect">
+            <a:avLst/>
+          </a:prstGeom>
+          <a:ln/>
+        </p:spPr>
+        <p:style>
+          <a:lnRef idx="2">
+            <a:schemeClr val="accent3">
+              <a:shade val="50000"/>
+            </a:schemeClr>
+          </a:lnRef>
+          <a:fillRef idx="1">
+            <a:schemeClr val="accent3"/>
+          </a:fillRef>
+          <a:effectRef idx="0">
+            <a:schemeClr val="accent3"/>
+          </a:effectRef>
+          <a:fontRef idx="minor">
+            <a:schemeClr val="lt1"/>
+          </a:fontRef>
+        </p:style>
+        <p:txBody>
+          <a:bodyPr rtlCol="0" anchor="ctr"/>
+          <a:lstStyle/>
+          <a:p>
+            <a:pPr algn="ctr"/>
+            <a:r>
+              <a:rPr lang="en-US" sz="1601" b="1" dirty="0" err="1"/>
+              <a:t>ActionResult</a:t>
+            </a:r>
+            <a:endParaRPr lang="en-SG" sz="1601" b="1" dirty="0"/>
+          </a:p>
+        </p:txBody>
+      </p:sp>
+      <p:sp>
+        <p:nvSpPr>
+          <p:cNvPr id="102" name="Isosceles Triangle 101"/>
+          <p:cNvSpPr/>
+          <p:nvPr/>
+        </p:nvSpPr>
+        <p:spPr>
+          <a:xfrm>
+            <a:off x="6273527" y="2452316"/>
+            <a:ext cx="216000" cy="216000"/>
+          </a:xfrm>
+          <a:prstGeom prst="triangle">
+            <a:avLst/>
+          </a:prstGeom>
+          <a:solidFill>
+            <a:schemeClr val="accent3">
+              <a:lumMod val="60000"/>
+              <a:lumOff val="40000"/>
+            </a:schemeClr>
+          </a:solidFill>
+          <a:ln>
+            <a:solidFill>
+              <a:schemeClr val="accent3">
+                <a:lumMod val="75000"/>
+              </a:schemeClr>
+            </a:solidFill>
+          </a:ln>
+        </p:spPr>
+        <p:style>
+          <a:lnRef idx="2">
+            <a:schemeClr val="accent6">
+              <a:shade val="50000"/>
+            </a:schemeClr>
+          </a:lnRef>
+          <a:fillRef idx="1">
+            <a:schemeClr val="accent6"/>
+          </a:fillRef>
+          <a:effectRef idx="0">
+            <a:schemeClr val="accent6"/>
+          </a:effectRef>
+          <a:fontRef idx="minor">
+            <a:schemeClr val="lt1"/>
+          </a:fontRef>
+        </p:style>
+        <p:txBody>
+          <a:bodyPr rtlCol="0" anchor="ctr"/>
+          <a:lstStyle/>
+          <a:p>
+            <a:pPr algn="ctr"/>
+            <a:endParaRPr lang="en-SG" sz="1601" b="1"/>
+          </a:p>
+        </p:txBody>
+      </p:sp>
+      <p:sp>
+        <p:nvSpPr>
+          <p:cNvPr id="105" name="Rectangle 104"/>
+          <p:cNvSpPr/>
+          <p:nvPr/>
+        </p:nvSpPr>
+        <p:spPr>
+          <a:xfrm>
+            <a:off x="6907207" y="2776167"/>
+            <a:ext cx="1980000" cy="360000"/>
+          </a:xfrm>
+          <a:prstGeom prst="rect">
+            <a:avLst/>
+          </a:prstGeom>
+          <a:ln/>
+        </p:spPr>
+        <p:style>
+          <a:lnRef idx="2">
+            <a:schemeClr val="accent3">
+              <a:shade val="50000"/>
+            </a:schemeClr>
+          </a:lnRef>
+          <a:fillRef idx="1">
+            <a:schemeClr val="accent3"/>
+          </a:fillRef>
+          <a:effectRef idx="0">
+            <a:schemeClr val="accent3"/>
+          </a:effectRef>
+          <a:fontRef idx="minor">
+            <a:schemeClr val="lt1"/>
+          </a:fontRef>
+        </p:style>
+        <p:txBody>
+          <a:bodyPr rtlCol="0" anchor="ctr"/>
+          <a:lstStyle/>
+          <a:p>
+            <a:pPr algn="ctr"/>
+            <a:r>
+              <a:rPr lang="en-US" sz="1601" b="1" dirty="0" err="1"/>
+              <a:t>JsonResult</a:t>
+            </a:r>
+            <a:endParaRPr lang="en-SG" sz="1601" b="1" dirty="0"/>
+          </a:p>
+        </p:txBody>
+      </p:sp>
+      <p:cxnSp>
+        <p:nvCxnSpPr>
+          <p:cNvPr id="107" name="Elbow Connector 106"/>
+          <p:cNvCxnSpPr>
+            <a:stCxn id="102" idx="3"/>
+            <a:endCxn id="105" idx="1"/>
+          </p:cNvCxnSpPr>
+          <p:nvPr/>
+        </p:nvCxnSpPr>
+        <p:spPr>
+          <a:xfrm rot="16200000" flipH="1">
+            <a:off x="6500443" y="2549406"/>
+            <a:ext cx="287853" cy="525681"/>
+          </a:xfrm>
+          <a:prstGeom prst="bentConnector2">
+            <a:avLst/>
+          </a:prstGeom>
+          <a:solidFill>
+            <a:srgbClr val="92D050"/>
+          </a:solidFill>
+          <a:ln>
+            <a:solidFill>
+              <a:schemeClr val="accent3">
+                <a:lumMod val="75000"/>
+              </a:schemeClr>
+            </a:solidFill>
+          </a:ln>
+        </p:spPr>
+        <p:style>
+          <a:lnRef idx="2">
+            <a:schemeClr val="accent6">
+              <a:shade val="50000"/>
+            </a:schemeClr>
+          </a:lnRef>
+          <a:fillRef idx="1">
+            <a:schemeClr val="accent6"/>
+          </a:fillRef>
+          <a:effectRef idx="0">
+            <a:schemeClr val="accent6"/>
+          </a:effectRef>
+          <a:fontRef idx="minor">
+            <a:schemeClr val="lt1"/>
+          </a:fontRef>
+        </p:style>
+      </p:cxnSp>
+      <p:sp>
+        <p:nvSpPr>
+          <p:cNvPr id="130" name="TextBox 129"/>
           <p:cNvSpPr txBox="1"/>
           <p:nvPr/>
         </p:nvSpPr>
         <p:spPr>
           <a:xfrm>
-            <a:off x="6019207" y="731837"/>
-            <a:ext cx="1169400" cy="267536"/>
+            <a:off x="2765925" y="1920118"/>
+            <a:ext cx="1066800" cy="307777"/>
+          </a:xfrm>
+          <a:prstGeom prst="rect">
+            <a:avLst/>
+          </a:prstGeom>
+          <a:grpFill/>
+          <a:ln>
+            <a:noFill/>
+          </a:ln>
+        </p:spPr>
+        <p:style>
+          <a:lnRef idx="2">
+            <a:schemeClr val="accent1">
+              <a:shade val="50000"/>
+            </a:schemeClr>
+          </a:lnRef>
+          <a:fillRef idx="1">
+            <a:schemeClr val="accent1"/>
+          </a:fillRef>
+          <a:effectRef idx="0">
+            <a:schemeClr val="accent1"/>
+          </a:effectRef>
+          <a:fontRef idx="minor">
+            <a:schemeClr val="lt1"/>
+          </a:fontRef>
+        </p:style>
+        <p:txBody>
+          <a:bodyPr rtlCol="0" anchor="t" anchorCtr="0"/>
+          <a:lstStyle>
+            <a:defPPr>
+              <a:defRPr lang="en-US"/>
+            </a:defPPr>
+            <a:lvl1pPr algn="r">
+              <a:defRPr sz="1400" b="1">
+                <a:solidFill>
+                  <a:schemeClr val="accent2">
+                    <a:lumMod val="75000"/>
+                  </a:schemeClr>
+                </a:solidFill>
+              </a:defRPr>
+            </a:lvl1pPr>
+          </a:lstStyle>
+          <a:p>
+            <a:r>
+              <a:rPr lang="en-US" sz="1401" dirty="0">
+                <a:solidFill>
+                  <a:schemeClr val="accent1">
+                    <a:lumMod val="50000"/>
+                  </a:schemeClr>
+                </a:solidFill>
+              </a:rPr>
+              <a:t>sends back</a:t>
+            </a:r>
+            <a:endParaRPr lang="en-SG" sz="1401" dirty="0">
+              <a:solidFill>
+                <a:schemeClr val="accent1">
+                  <a:lumMod val="50000"/>
+                </a:schemeClr>
+              </a:solidFill>
+            </a:endParaRPr>
+          </a:p>
+        </p:txBody>
+      </p:sp>
+      <p:sp>
+        <p:nvSpPr>
+          <p:cNvPr id="131" name="Flowchart: Extract 130"/>
+          <p:cNvSpPr/>
+          <p:nvPr/>
+        </p:nvSpPr>
+        <p:spPr>
+          <a:xfrm rot="5400000" flipH="1">
+            <a:off x="3750731" y="2036447"/>
+            <a:ext cx="155075" cy="122331"/>
+          </a:xfrm>
+          <a:prstGeom prst="flowChartExtract">
+            <a:avLst/>
+          </a:prstGeom>
+          <a:solidFill>
+            <a:schemeClr val="accent1">
+              <a:lumMod val="50000"/>
+            </a:schemeClr>
+          </a:solidFill>
+          <a:ln>
+            <a:noFill/>
+          </a:ln>
+        </p:spPr>
+        <p:style>
+          <a:lnRef idx="2">
+            <a:schemeClr val="accent1">
+              <a:shade val="50000"/>
+            </a:schemeClr>
+          </a:lnRef>
+          <a:fillRef idx="1">
+            <a:schemeClr val="accent1"/>
+          </a:fillRef>
+          <a:effectRef idx="0">
+            <a:schemeClr val="accent1"/>
+          </a:effectRef>
+          <a:fontRef idx="minor">
+            <a:schemeClr val="lt1"/>
+          </a:fontRef>
+        </p:style>
+        <p:txBody>
+          <a:bodyPr rtlCol="0" anchor="ctr"/>
+          <a:lstStyle/>
+          <a:p>
+            <a:pPr algn="ctr"/>
+            <a:endParaRPr lang="en-SG" sz="1540"/>
+          </a:p>
+        </p:txBody>
+      </p:sp>
+      <p:cxnSp>
+        <p:nvCxnSpPr>
+          <p:cNvPr id="132" name="Straight Arrow Connector 131"/>
+          <p:cNvCxnSpPr>
+            <a:stCxn id="99" idx="3"/>
+            <a:endCxn id="87" idx="1"/>
+          </p:cNvCxnSpPr>
+          <p:nvPr/>
+        </p:nvCxnSpPr>
+        <p:spPr>
+          <a:xfrm>
+            <a:off x="3870026" y="1670459"/>
+            <a:ext cx="438591" cy="0"/>
+          </a:xfrm>
+          <a:prstGeom prst="straightConnector1">
+            <a:avLst/>
+          </a:prstGeom>
+          <a:ln w="38100">
+            <a:solidFill>
+              <a:schemeClr val="tx2">
+                <a:lumMod val="75000"/>
+              </a:schemeClr>
+            </a:solidFill>
+            <a:prstDash val="sysDot"/>
+            <a:tailEnd type="arrow"/>
+          </a:ln>
+        </p:spPr>
+        <p:style>
+          <a:lnRef idx="1">
+            <a:schemeClr val="accent1"/>
+          </a:lnRef>
+          <a:fillRef idx="0">
+            <a:schemeClr val="accent1"/>
+          </a:fillRef>
+          <a:effectRef idx="0">
+            <a:schemeClr val="accent1"/>
+          </a:effectRef>
+          <a:fontRef idx="minor">
+            <a:schemeClr val="tx1"/>
+          </a:fontRef>
+        </p:style>
+      </p:cxnSp>
+      <p:sp>
+        <p:nvSpPr>
+          <p:cNvPr id="133" name="TextBox 132"/>
+          <p:cNvSpPr txBox="1"/>
+          <p:nvPr/>
+        </p:nvSpPr>
+        <p:spPr>
+          <a:xfrm>
+            <a:off x="3632121" y="1189510"/>
+            <a:ext cx="914400" cy="252187"/>
           </a:xfrm>
           <a:prstGeom prst="rect">
             <a:avLst/>
@@ -4750,79 +4944,36 @@
             </a:lvl9pPr>
           </a:lstStyle>
           <a:p>
-            <a:pPr algn="r"/>
-            <a:r>
-              <a:rPr lang="en-US" dirty="0">
+            <a:r>
+              <a:rPr lang="en-US" sz="1401" dirty="0">
                 <a:solidFill>
-                  <a:schemeClr val="accent2">
-                    <a:lumMod val="75000"/>
+                  <a:schemeClr val="accent1">
+                    <a:lumMod val="50000"/>
                   </a:schemeClr>
                 </a:solidFill>
               </a:rPr>
-              <a:t>&lt;&lt;creates&gt;&gt;</a:t>
-            </a:r>
-            <a:endParaRPr lang="en-SG" dirty="0">
+              <a:t>&lt;&lt;uses&gt;&gt;</a:t>
+            </a:r>
+            <a:endParaRPr lang="en-SG" sz="1401" dirty="0">
               <a:solidFill>
-                <a:schemeClr val="accent2">
-                  <a:lumMod val="75000"/>
+                <a:schemeClr val="accent1">
+                  <a:lumMod val="50000"/>
                 </a:schemeClr>
               </a:solidFill>
             </a:endParaRPr>
           </a:p>
         </p:txBody>
       </p:sp>
-      <p:cxnSp>
-        <p:nvCxnSpPr>
-          <p:cNvPr id="93" name="Straight Arrow Connector 92"/>
-          <p:cNvCxnSpPr>
-            <a:stCxn id="90" idx="3"/>
-            <a:endCxn id="89" idx="1"/>
-          </p:cNvCxnSpPr>
-          <p:nvPr/>
-        </p:nvCxnSpPr>
-        <p:spPr>
-          <a:xfrm>
-            <a:off x="3885608" y="1300941"/>
-            <a:ext cx="430800" cy="0"/>
-          </a:xfrm>
-          <a:prstGeom prst="straightConnector1">
-            <a:avLst/>
-          </a:prstGeom>
-          <a:ln w="38100">
-            <a:solidFill>
-              <a:schemeClr val="tx2">
-                <a:lumMod val="75000"/>
-              </a:schemeClr>
-            </a:solidFill>
-            <a:prstDash val="sysDot"/>
-            <a:tailEnd type="arrow"/>
-          </a:ln>
-        </p:spPr>
-        <p:style>
-          <a:lnRef idx="1">
-            <a:schemeClr val="accent1"/>
-          </a:lnRef>
-          <a:fillRef idx="0">
-            <a:schemeClr val="accent1"/>
-          </a:fillRef>
-          <a:effectRef idx="0">
-            <a:schemeClr val="accent1"/>
-          </a:effectRef>
-          <a:fontRef idx="minor">
-            <a:schemeClr val="tx1"/>
-          </a:fontRef>
-        </p:style>
-      </p:cxnSp>
-      <p:sp>
-        <p:nvSpPr>
-          <p:cNvPr id="94" name="TextBox 93"/>
+      <p:sp>
+        <p:nvSpPr>
+          <p:cNvPr id="134" name="TextBox 133"/>
           <p:cNvSpPr txBox="1"/>
           <p:nvPr/>
         </p:nvSpPr>
         <p:spPr>
           <a:xfrm>
-            <a:off x="3643807" y="731840"/>
-            <a:ext cx="914400" cy="252187"/>
+            <a:off x="6019217" y="1182690"/>
+            <a:ext cx="1162965" cy="350553"/>
           </a:xfrm>
           <a:prstGeom prst="rect">
             <a:avLst/>
@@ -4919,20 +5070,21 @@
             </a:lvl9pPr>
           </a:lstStyle>
           <a:p>
-            <a:r>
-              <a:rPr lang="en-US" dirty="0">
+            <a:pPr algn="r"/>
+            <a:r>
+              <a:rPr lang="en-US" sz="1401" dirty="0">
                 <a:solidFill>
-                  <a:schemeClr val="accent1">
-                    <a:lumMod val="50000"/>
+                  <a:schemeClr val="accent2">
+                    <a:lumMod val="75000"/>
                   </a:schemeClr>
                 </a:solidFill>
               </a:rPr>
-              <a:t>&lt;&lt;uses&gt;&gt;</a:t>
-            </a:r>
-            <a:endParaRPr lang="en-SG" dirty="0">
+              <a:t>&lt;&lt;creates&gt;&gt;</a:t>
+            </a:r>
+            <a:endParaRPr lang="en-SG" sz="1401" dirty="0">
               <a:solidFill>
-                <a:schemeClr val="accent1">
-                  <a:lumMod val="50000"/>
+                <a:schemeClr val="accent2">
+                  <a:lumMod val="75000"/>
                 </a:schemeClr>
               </a:solidFill>
             </a:endParaRPr>
@@ -4941,24 +5093,25 @@
       </p:sp>
       <p:cxnSp>
         <p:nvCxnSpPr>
-          <p:cNvPr id="95" name="Elbow Connector 94"/>
-          <p:cNvCxnSpPr/>
+          <p:cNvPr id="135" name="Elbow Connector 134"/>
+          <p:cNvCxnSpPr>
+            <a:stCxn id="99" idx="2"/>
+            <a:endCxn id="101" idx="1"/>
+          </p:cNvCxnSpPr>
           <p:nvPr/>
         </p:nvCxnSpPr>
         <p:spPr>
-          <a:xfrm>
-            <a:off x="9067208" y="1295814"/>
-            <a:ext cx="792000" cy="0"/>
-          </a:xfrm>
-          <a:prstGeom prst="bentConnector3">
-            <a:avLst>
-              <a:gd name="adj1" fmla="val 50000"/>
-            </a:avLst>
+          <a:xfrm rot="16200000" flipH="1">
+            <a:off x="3836887" y="803605"/>
+            <a:ext cx="412161" cy="2505876"/>
+          </a:xfrm>
+          <a:prstGeom prst="bentConnector2">
+            <a:avLst/>
           </a:prstGeom>
           <a:ln w="38100">
             <a:solidFill>
-              <a:schemeClr val="accent2">
-                <a:lumMod val="75000"/>
+              <a:schemeClr val="accent1">
+                <a:lumMod val="50000"/>
               </a:schemeClr>
             </a:solidFill>
             <a:prstDash val="sysDot"/>
@@ -4980,151 +5133,18 @@
           </a:fontRef>
         </p:style>
       </p:cxnSp>
-      <p:sp>
-        <p:nvSpPr>
-          <p:cNvPr id="96" name="Rectangle 95"/>
-          <p:cNvSpPr/>
-          <p:nvPr/>
-        </p:nvSpPr>
-        <p:spPr>
-          <a:xfrm>
-            <a:off x="6907207" y="2482565"/>
-            <a:ext cx="2160000" cy="360000"/>
-          </a:xfrm>
-          <a:prstGeom prst="rect">
-            <a:avLst/>
-          </a:prstGeom>
-        </p:spPr>
-        <p:style>
-          <a:lnRef idx="2">
-            <a:schemeClr val="accent2">
-              <a:shade val="50000"/>
-            </a:schemeClr>
-          </a:lnRef>
-          <a:fillRef idx="1">
-            <a:schemeClr val="accent2"/>
-          </a:fillRef>
-          <a:effectRef idx="0">
-            <a:schemeClr val="accent2"/>
-          </a:effectRef>
-          <a:fontRef idx="minor">
-            <a:schemeClr val="lt1"/>
-          </a:fontRef>
-        </p:style>
-        <p:txBody>
-          <a:bodyPr rtlCol="0" anchor="ctr"/>
-          <a:lstStyle/>
-          <a:p>
-            <a:pPr algn="ctr"/>
-            <a:r>
-              <a:rPr lang="en-US" sz="1600" b="1" dirty="0"/>
-              <a:t>Action</a:t>
-            </a:r>
-            <a:endParaRPr lang="en-SG" sz="1600" b="1" dirty="0"/>
-          </a:p>
-        </p:txBody>
-      </p:sp>
-      <p:sp>
-        <p:nvSpPr>
-          <p:cNvPr id="97" name="Rectangle 96"/>
-          <p:cNvSpPr/>
-          <p:nvPr/>
-        </p:nvSpPr>
-        <p:spPr>
-          <a:xfrm>
-            <a:off x="4308615" y="2487411"/>
-            <a:ext cx="2160000" cy="360000"/>
-          </a:xfrm>
-          <a:prstGeom prst="rect">
-            <a:avLst/>
-          </a:prstGeom>
-        </p:spPr>
-        <p:style>
-          <a:lnRef idx="2">
-            <a:schemeClr val="accent2">
-              <a:shade val="50000"/>
-            </a:schemeClr>
-          </a:lnRef>
-          <a:fillRef idx="1">
-            <a:schemeClr val="accent2"/>
-          </a:fillRef>
-          <a:effectRef idx="0">
-            <a:schemeClr val="accent2"/>
-          </a:effectRef>
-          <a:fontRef idx="minor">
-            <a:schemeClr val="lt1"/>
-          </a:fontRef>
-        </p:style>
-        <p:txBody>
-          <a:bodyPr rtlCol="0" anchor="ctr"/>
-          <a:lstStyle/>
-          <a:p>
-            <a:pPr algn="ctr"/>
-            <a:r>
-              <a:rPr lang="en-US" sz="1600" b="1" dirty="0" err="1"/>
-              <a:t>ActionFactory</a:t>
-            </a:r>
-            <a:endParaRPr lang="en-SG" sz="1600" b="1" dirty="0"/>
-          </a:p>
-        </p:txBody>
-      </p:sp>
-      <p:sp>
-        <p:nvSpPr>
-          <p:cNvPr id="98" name="Rectangle 97"/>
-          <p:cNvSpPr/>
-          <p:nvPr/>
-        </p:nvSpPr>
-        <p:spPr>
-          <a:xfrm>
-            <a:off x="1710023" y="2487411"/>
-            <a:ext cx="2160000" cy="360000"/>
-          </a:xfrm>
-          <a:prstGeom prst="rect">
-            <a:avLst/>
-          </a:prstGeom>
-        </p:spPr>
-        <p:style>
-          <a:lnRef idx="2">
-            <a:schemeClr val="accent1">
-              <a:shade val="50000"/>
-            </a:schemeClr>
-          </a:lnRef>
-          <a:fillRef idx="1">
-            <a:schemeClr val="accent1"/>
-          </a:fillRef>
-          <a:effectRef idx="0">
-            <a:schemeClr val="accent1"/>
-          </a:effectRef>
-          <a:fontRef idx="minor">
-            <a:schemeClr val="lt1"/>
-          </a:fontRef>
-        </p:style>
-        <p:txBody>
-          <a:bodyPr rtlCol="0" anchor="ctr"/>
-          <a:lstStyle/>
-          <a:p>
-            <a:pPr algn="ctr"/>
-            <a:r>
-              <a:rPr lang="en-US" sz="1600" b="1" dirty="0" err="1" smtClean="0"/>
-              <a:t>WebApiServlet</a:t>
-            </a:r>
-            <a:endParaRPr lang="en-SG" sz="1600" b="1" dirty="0"/>
-          </a:p>
-        </p:txBody>
-      </p:sp>
       <p:cxnSp>
         <p:nvCxnSpPr>
-          <p:cNvPr id="103" name="Elbow Connector 102"/>
+          <p:cNvPr id="141" name="Elbow Connector 140"/>
           <p:cNvCxnSpPr>
-            <a:stCxn id="97" idx="3"/>
-            <a:endCxn id="96" idx="1"/>
+            <a:stCxn id="86" idx="3"/>
           </p:cNvCxnSpPr>
           <p:nvPr/>
         </p:nvCxnSpPr>
         <p:spPr>
-          <a:xfrm flipV="1">
-            <a:off x="6468616" y="2662566"/>
-            <a:ext cx="438592" cy="0"/>
+          <a:xfrm>
+            <a:off x="9067209" y="1665613"/>
+            <a:ext cx="792000" cy="0"/>
           </a:xfrm>
           <a:prstGeom prst="bentConnector3">
             <a:avLst>
@@ -5156,334 +5176,26 @@
           </a:fontRef>
         </p:style>
       </p:cxnSp>
-      <p:sp>
-        <p:nvSpPr>
-          <p:cNvPr id="104" name="Rectangle 103"/>
-          <p:cNvSpPr/>
-          <p:nvPr/>
-        </p:nvSpPr>
-        <p:spPr>
-          <a:xfrm>
-            <a:off x="5295900" y="3079573"/>
-            <a:ext cx="2163078" cy="360000"/>
-          </a:xfrm>
-          <a:prstGeom prst="rect">
-            <a:avLst/>
-          </a:prstGeom>
-          <a:ln/>
-        </p:spPr>
-        <p:style>
-          <a:lnRef idx="2">
-            <a:schemeClr val="accent3">
-              <a:shade val="50000"/>
-            </a:schemeClr>
-          </a:lnRef>
-          <a:fillRef idx="1">
-            <a:schemeClr val="accent3"/>
-          </a:fillRef>
-          <a:effectRef idx="0">
-            <a:schemeClr val="accent3"/>
-          </a:effectRef>
-          <a:fontRef idx="minor">
-            <a:schemeClr val="lt1"/>
-          </a:fontRef>
-        </p:style>
-        <p:txBody>
-          <a:bodyPr rtlCol="0" anchor="ctr"/>
-          <a:lstStyle/>
-          <a:p>
-            <a:pPr algn="ctr"/>
-            <a:r>
-              <a:rPr lang="en-US" sz="1600" b="1" dirty="0" err="1"/>
-              <a:t>ActionResult</a:t>
-            </a:r>
-            <a:endParaRPr lang="en-SG" sz="1600" b="1" dirty="0"/>
-          </a:p>
-        </p:txBody>
-      </p:sp>
-      <p:sp>
-        <p:nvSpPr>
-          <p:cNvPr id="106" name="Isosceles Triangle 105"/>
-          <p:cNvSpPr/>
-          <p:nvPr/>
-        </p:nvSpPr>
-        <p:spPr>
-          <a:xfrm>
-            <a:off x="6273526" y="3449267"/>
-            <a:ext cx="216000" cy="216000"/>
-          </a:xfrm>
-          <a:prstGeom prst="triangle">
-            <a:avLst/>
-          </a:prstGeom>
-          <a:solidFill>
-            <a:schemeClr val="accent3">
-              <a:lumMod val="60000"/>
-              <a:lumOff val="40000"/>
-            </a:schemeClr>
-          </a:solidFill>
-          <a:ln>
-            <a:solidFill>
-              <a:schemeClr val="accent3">
-                <a:lumMod val="75000"/>
-              </a:schemeClr>
-            </a:solidFill>
-          </a:ln>
-        </p:spPr>
-        <p:style>
-          <a:lnRef idx="2">
-            <a:schemeClr val="accent6">
-              <a:shade val="50000"/>
-            </a:schemeClr>
-          </a:lnRef>
-          <a:fillRef idx="1">
-            <a:schemeClr val="accent6"/>
-          </a:fillRef>
-          <a:effectRef idx="0">
-            <a:schemeClr val="accent6"/>
-          </a:effectRef>
-          <a:fontRef idx="minor">
-            <a:schemeClr val="lt1"/>
-          </a:fontRef>
-        </p:style>
-        <p:txBody>
-          <a:bodyPr rtlCol="0" anchor="ctr"/>
-          <a:lstStyle/>
-          <a:p>
-            <a:pPr algn="ctr"/>
-            <a:endParaRPr lang="en-SG" sz="1600" b="1"/>
-          </a:p>
-        </p:txBody>
-      </p:sp>
-      <p:sp>
-        <p:nvSpPr>
-          <p:cNvPr id="109" name="Rectangle 108"/>
-          <p:cNvSpPr/>
-          <p:nvPr/>
-        </p:nvSpPr>
-        <p:spPr>
-          <a:xfrm>
-            <a:off x="6907207" y="3773119"/>
-            <a:ext cx="1980000" cy="360000"/>
-          </a:xfrm>
-          <a:prstGeom prst="rect">
-            <a:avLst/>
-          </a:prstGeom>
-          <a:ln/>
-        </p:spPr>
-        <p:style>
-          <a:lnRef idx="2">
-            <a:schemeClr val="accent3">
-              <a:shade val="50000"/>
-            </a:schemeClr>
-          </a:lnRef>
-          <a:fillRef idx="1">
-            <a:schemeClr val="accent3"/>
-          </a:fillRef>
-          <a:effectRef idx="0">
-            <a:schemeClr val="accent3"/>
-          </a:effectRef>
-          <a:fontRef idx="minor">
-            <a:schemeClr val="lt1"/>
-          </a:fontRef>
-        </p:style>
-        <p:txBody>
-          <a:bodyPr rtlCol="0" anchor="ctr"/>
-          <a:lstStyle/>
-          <a:p>
-            <a:pPr algn="ctr"/>
-            <a:r>
-              <a:rPr lang="en-US" sz="1600" b="1" dirty="0" err="1" smtClean="0"/>
-              <a:t>JsonResult</a:t>
-            </a:r>
-            <a:endParaRPr lang="en-SG" sz="1600" b="1" dirty="0"/>
-          </a:p>
-        </p:txBody>
-      </p:sp>
       <p:cxnSp>
         <p:nvCxnSpPr>
-          <p:cNvPr id="110" name="Elbow Connector 109"/>
+          <p:cNvPr id="143" name="Elbow Connector 142"/>
           <p:cNvCxnSpPr>
-            <a:stCxn id="106" idx="3"/>
-            <a:endCxn id="109" idx="1"/>
+            <a:stCxn id="86" idx="2"/>
+            <a:endCxn id="101" idx="3"/>
           </p:cNvCxnSpPr>
           <p:nvPr/>
         </p:nvCxnSpPr>
         <p:spPr>
-          <a:xfrm rot="16200000" flipH="1">
-            <a:off x="6500440" y="3546352"/>
-            <a:ext cx="287852" cy="525681"/>
+          <a:xfrm rot="5400000">
+            <a:off x="7514592" y="1790007"/>
+            <a:ext cx="417007" cy="528229"/>
           </a:xfrm>
           <a:prstGeom prst="bentConnector2">
-            <a:avLst/>
-          </a:prstGeom>
-          <a:solidFill>
-            <a:srgbClr val="92D050"/>
-          </a:solidFill>
-          <a:ln>
-            <a:solidFill>
-              <a:schemeClr val="accent3">
-                <a:lumMod val="75000"/>
-              </a:schemeClr>
-            </a:solidFill>
-          </a:ln>
-        </p:spPr>
-        <p:style>
-          <a:lnRef idx="2">
-            <a:schemeClr val="accent6">
-              <a:shade val="50000"/>
-            </a:schemeClr>
-          </a:lnRef>
-          <a:fillRef idx="1">
-            <a:schemeClr val="accent6"/>
-          </a:fillRef>
-          <a:effectRef idx="0">
-            <a:schemeClr val="accent6"/>
-          </a:effectRef>
-          <a:fontRef idx="minor">
-            <a:schemeClr val="lt1"/>
-          </a:fontRef>
-        </p:style>
-      </p:cxnSp>
-      <p:sp>
-        <p:nvSpPr>
-          <p:cNvPr id="111" name="TextBox 110"/>
-          <p:cNvSpPr txBox="1"/>
-          <p:nvPr/>
-        </p:nvSpPr>
-        <p:spPr>
-          <a:xfrm>
-            <a:off x="2765923" y="2917067"/>
-            <a:ext cx="1066800" cy="307777"/>
-          </a:xfrm>
-          <a:prstGeom prst="rect">
-            <a:avLst/>
-          </a:prstGeom>
-          <a:grpFill/>
-          <a:ln>
-            <a:noFill/>
-          </a:ln>
-        </p:spPr>
-        <p:style>
-          <a:lnRef idx="2">
-            <a:schemeClr val="accent1">
-              <a:shade val="50000"/>
-            </a:schemeClr>
-          </a:lnRef>
-          <a:fillRef idx="1">
-            <a:schemeClr val="accent1"/>
-          </a:fillRef>
-          <a:effectRef idx="0">
-            <a:schemeClr val="accent1"/>
-          </a:effectRef>
-          <a:fontRef idx="minor">
-            <a:schemeClr val="lt1"/>
-          </a:fontRef>
-        </p:style>
-        <p:txBody>
-          <a:bodyPr rtlCol="0" anchor="t" anchorCtr="0"/>
-          <a:lstStyle>
-            <a:defPPr>
-              <a:defRPr lang="en-US"/>
-            </a:defPPr>
-            <a:lvl1pPr algn="r">
-              <a:defRPr sz="1400" b="1">
-                <a:solidFill>
-                  <a:schemeClr val="accent2">
-                    <a:lumMod val="75000"/>
-                  </a:schemeClr>
-                </a:solidFill>
-              </a:defRPr>
-            </a:lvl1pPr>
-          </a:lstStyle>
-          <a:p>
-            <a:r>
-              <a:rPr lang="en-US" dirty="0">
-                <a:solidFill>
-                  <a:schemeClr val="accent1">
-                    <a:lumMod val="50000"/>
-                  </a:schemeClr>
-                </a:solidFill>
-              </a:rPr>
-              <a:t>sends back</a:t>
-            </a:r>
-            <a:endParaRPr lang="en-SG" dirty="0">
-              <a:solidFill>
-                <a:schemeClr val="accent1">
-                  <a:lumMod val="50000"/>
-                </a:schemeClr>
-              </a:solidFill>
-            </a:endParaRPr>
-          </a:p>
-        </p:txBody>
-      </p:sp>
-      <p:sp>
-        <p:nvSpPr>
-          <p:cNvPr id="112" name="Flowchart: Extract 111"/>
-          <p:cNvSpPr/>
-          <p:nvPr/>
-        </p:nvSpPr>
-        <p:spPr>
-          <a:xfrm rot="5400000" flipH="1">
-            <a:off x="3750728" y="3033398"/>
-            <a:ext cx="155075" cy="122330"/>
-          </a:xfrm>
-          <a:prstGeom prst="flowChartExtract">
-            <a:avLst/>
-          </a:prstGeom>
-          <a:solidFill>
-            <a:schemeClr val="accent1">
-              <a:lumMod val="50000"/>
-            </a:schemeClr>
-          </a:solidFill>
-          <a:ln>
-            <a:noFill/>
-          </a:ln>
-        </p:spPr>
-        <p:style>
-          <a:lnRef idx="2">
-            <a:schemeClr val="accent1">
-              <a:shade val="50000"/>
-            </a:schemeClr>
-          </a:lnRef>
-          <a:fillRef idx="1">
-            <a:schemeClr val="accent1"/>
-          </a:fillRef>
-          <a:effectRef idx="0">
-            <a:schemeClr val="accent1"/>
-          </a:effectRef>
-          <a:fontRef idx="minor">
-            <a:schemeClr val="lt1"/>
-          </a:fontRef>
-        </p:style>
-        <p:txBody>
-          <a:bodyPr rtlCol="0" anchor="ctr"/>
-          <a:lstStyle/>
-          <a:p>
-            <a:pPr algn="ctr"/>
-            <a:endParaRPr lang="en-SG"/>
-          </a:p>
-        </p:txBody>
-      </p:sp>
-      <p:cxnSp>
-        <p:nvCxnSpPr>
-          <p:cNvPr id="113" name="Straight Arrow Connector 112"/>
-          <p:cNvCxnSpPr>
-            <a:stCxn id="98" idx="3"/>
-            <a:endCxn id="97" idx="1"/>
-          </p:cNvCxnSpPr>
-          <p:nvPr/>
-        </p:nvCxnSpPr>
-        <p:spPr>
-          <a:xfrm>
-            <a:off x="3870023" y="2667411"/>
-            <a:ext cx="438592" cy="0"/>
-          </a:xfrm>
-          <a:prstGeom prst="straightConnector1">
             <a:avLst/>
           </a:prstGeom>
           <a:ln w="38100">
             <a:solidFill>
-              <a:schemeClr val="tx2">
+              <a:schemeClr val="accent2">
                 <a:lumMod val="75000"/>
               </a:schemeClr>
             </a:solidFill>
@@ -5508,14 +5220,14 @@
       </p:cxnSp>
       <p:sp>
         <p:nvSpPr>
-          <p:cNvPr id="114" name="TextBox 113"/>
+          <p:cNvPr id="145" name="TextBox 144"/>
           <p:cNvSpPr txBox="1"/>
           <p:nvPr/>
         </p:nvSpPr>
         <p:spPr>
           <a:xfrm>
-            <a:off x="3632119" y="2186459"/>
-            <a:ext cx="914400" cy="252187"/>
+            <a:off x="8000415" y="1969705"/>
+            <a:ext cx="1193303" cy="269075"/>
           </a:xfrm>
           <a:prstGeom prst="rect">
             <a:avLst/>
@@ -5613,19 +5325,19 @@
           </a:lstStyle>
           <a:p>
             <a:r>
-              <a:rPr lang="en-US" dirty="0">
+              <a:rPr lang="en-US" sz="1401" dirty="0">
                 <a:solidFill>
-                  <a:schemeClr val="accent1">
-                    <a:lumMod val="50000"/>
+                  <a:schemeClr val="accent2">
+                    <a:lumMod val="75000"/>
                   </a:schemeClr>
                 </a:solidFill>
               </a:rPr>
-              <a:t>&lt;&lt;uses&gt;&gt;</a:t>
-            </a:r>
-            <a:endParaRPr lang="en-SG" dirty="0">
+              <a:t>&lt;&lt;creates&gt;&gt;</a:t>
+            </a:r>
+            <a:endParaRPr lang="en-SG" sz="1401" dirty="0">
               <a:solidFill>
-                <a:schemeClr val="accent1">
-                  <a:lumMod val="50000"/>
+                <a:schemeClr val="accent2">
+                  <a:lumMod val="75000"/>
                 </a:schemeClr>
               </a:solidFill>
             </a:endParaRPr>
@@ -5634,14 +5346,246 @@
       </p:sp>
       <p:sp>
         <p:nvSpPr>
-          <p:cNvPr id="115" name="TextBox 114"/>
+          <p:cNvPr id="148" name="Rectangle 147"/>
+          <p:cNvSpPr/>
+          <p:nvPr/>
+        </p:nvSpPr>
+        <p:spPr>
+          <a:xfrm>
+            <a:off x="4312975" y="3320654"/>
+            <a:ext cx="1517851" cy="358611"/>
+          </a:xfrm>
+          <a:prstGeom prst="rect">
+            <a:avLst/>
+          </a:prstGeom>
+          <a:ln/>
+        </p:spPr>
+        <p:style>
+          <a:lnRef idx="2">
+            <a:schemeClr val="accent3">
+              <a:shade val="50000"/>
+            </a:schemeClr>
+          </a:lnRef>
+          <a:fillRef idx="1">
+            <a:schemeClr val="accent3"/>
+          </a:fillRef>
+          <a:effectRef idx="0">
+            <a:schemeClr val="accent3"/>
+          </a:effectRef>
+          <a:fontRef idx="minor">
+            <a:schemeClr val="lt1"/>
+          </a:fontRef>
+        </p:style>
+        <p:txBody>
+          <a:bodyPr rtlCol="0" anchor="ctr"/>
+          <a:lstStyle/>
+          <a:p>
+            <a:pPr algn="ctr"/>
+            <a:r>
+              <a:rPr lang="en-US" sz="1601" b="1" dirty="0"/>
+              <a:t>*Result</a:t>
+            </a:r>
+            <a:endParaRPr lang="en-SG" sz="1601" b="1" dirty="0"/>
+          </a:p>
+        </p:txBody>
+      </p:sp>
+      <p:sp>
+        <p:nvSpPr>
+          <p:cNvPr id="150" name="Rectangle 149"/>
+          <p:cNvSpPr/>
+          <p:nvPr/>
+        </p:nvSpPr>
+        <p:spPr>
+          <a:xfrm>
+            <a:off x="4305304" y="2777561"/>
+            <a:ext cx="1517851" cy="358611"/>
+          </a:xfrm>
+          <a:prstGeom prst="rect">
+            <a:avLst/>
+          </a:prstGeom>
+          <a:ln/>
+        </p:spPr>
+        <p:style>
+          <a:lnRef idx="2">
+            <a:schemeClr val="accent3">
+              <a:shade val="50000"/>
+            </a:schemeClr>
+          </a:lnRef>
+          <a:fillRef idx="1">
+            <a:schemeClr val="accent3"/>
+          </a:fillRef>
+          <a:effectRef idx="0">
+            <a:schemeClr val="accent3"/>
+          </a:effectRef>
+          <a:fontRef idx="minor">
+            <a:schemeClr val="lt1"/>
+          </a:fontRef>
+        </p:style>
+        <p:txBody>
+          <a:bodyPr rtlCol="0" anchor="ctr"/>
+          <a:lstStyle/>
+          <a:p>
+            <a:pPr algn="ctr"/>
+            <a:r>
+              <a:rPr lang="en-US" sz="1601" b="1" dirty="0" err="1"/>
+              <a:t>ImageResult</a:t>
+            </a:r>
+            <a:endParaRPr lang="en-SG" sz="1601" b="1" dirty="0"/>
+          </a:p>
+        </p:txBody>
+      </p:sp>
+      <p:cxnSp>
+        <p:nvCxnSpPr>
+          <p:cNvPr id="151" name="Elbow Connector 150"/>
+          <p:cNvCxnSpPr>
+            <a:stCxn id="102" idx="3"/>
+            <a:endCxn id="150" idx="3"/>
+          </p:cNvCxnSpPr>
+          <p:nvPr/>
+        </p:nvCxnSpPr>
+        <p:spPr>
+          <a:xfrm rot="5400000">
+            <a:off x="5958071" y="2533407"/>
+            <a:ext cx="288546" cy="558375"/>
+          </a:xfrm>
+          <a:prstGeom prst="bentConnector2">
+            <a:avLst/>
+          </a:prstGeom>
+          <a:solidFill>
+            <a:srgbClr val="92D050"/>
+          </a:solidFill>
+          <a:ln>
+            <a:solidFill>
+              <a:schemeClr val="accent3">
+                <a:lumMod val="75000"/>
+              </a:schemeClr>
+            </a:solidFill>
+          </a:ln>
+        </p:spPr>
+        <p:style>
+          <a:lnRef idx="2">
+            <a:schemeClr val="accent6">
+              <a:shade val="50000"/>
+            </a:schemeClr>
+          </a:lnRef>
+          <a:fillRef idx="1">
+            <a:schemeClr val="accent6"/>
+          </a:fillRef>
+          <a:effectRef idx="0">
+            <a:schemeClr val="accent6"/>
+          </a:effectRef>
+          <a:fontRef idx="minor">
+            <a:schemeClr val="lt1"/>
+          </a:fontRef>
+        </p:style>
+      </p:cxnSp>
+      <p:cxnSp>
+        <p:nvCxnSpPr>
+          <p:cNvPr id="152" name="Elbow Connector 151"/>
+          <p:cNvCxnSpPr>
+            <a:stCxn id="102" idx="3"/>
+            <a:endCxn id="148" idx="3"/>
+          </p:cNvCxnSpPr>
+          <p:nvPr/>
+        </p:nvCxnSpPr>
+        <p:spPr>
+          <a:xfrm rot="5400000">
+            <a:off x="5690358" y="2808786"/>
+            <a:ext cx="831640" cy="550705"/>
+          </a:xfrm>
+          <a:prstGeom prst="bentConnector2">
+            <a:avLst/>
+          </a:prstGeom>
+          <a:solidFill>
+            <a:srgbClr val="92D050"/>
+          </a:solidFill>
+          <a:ln>
+            <a:solidFill>
+              <a:schemeClr val="accent3">
+                <a:lumMod val="75000"/>
+              </a:schemeClr>
+            </a:solidFill>
+          </a:ln>
+        </p:spPr>
+        <p:style>
+          <a:lnRef idx="2">
+            <a:schemeClr val="accent6">
+              <a:shade val="50000"/>
+            </a:schemeClr>
+          </a:lnRef>
+          <a:fillRef idx="1">
+            <a:schemeClr val="accent6"/>
+          </a:fillRef>
+          <a:effectRef idx="0">
+            <a:schemeClr val="accent6"/>
+          </a:effectRef>
+          <a:fontRef idx="minor">
+            <a:schemeClr val="lt1"/>
+          </a:fontRef>
+        </p:style>
+      </p:cxnSp>
+      <p:sp>
+        <p:nvSpPr>
+          <p:cNvPr id="153" name="Rectangle 152"/>
+          <p:cNvSpPr/>
+          <p:nvPr/>
+        </p:nvSpPr>
+        <p:spPr>
+          <a:xfrm>
+            <a:off x="342900" y="4252118"/>
+            <a:ext cx="875709" cy="2035969"/>
+          </a:xfrm>
+          <a:prstGeom prst="rect">
+            <a:avLst/>
+          </a:prstGeom>
+          <a:solidFill>
+            <a:schemeClr val="bg1">
+              <a:lumMod val="85000"/>
+            </a:schemeClr>
+          </a:solidFill>
+          <a:ln>
+            <a:solidFill>
+              <a:schemeClr val="bg1">
+                <a:lumMod val="65000"/>
+              </a:schemeClr>
+            </a:solidFill>
+          </a:ln>
+        </p:spPr>
+        <p:style>
+          <a:lnRef idx="2">
+            <a:schemeClr val="accent1">
+              <a:shade val="50000"/>
+            </a:schemeClr>
+          </a:lnRef>
+          <a:fillRef idx="1">
+            <a:schemeClr val="accent1"/>
+          </a:fillRef>
+          <a:effectRef idx="0">
+            <a:schemeClr val="accent1"/>
+          </a:effectRef>
+          <a:fontRef idx="minor">
+            <a:schemeClr val="lt1"/>
+          </a:fontRef>
+        </p:style>
+        <p:txBody>
+          <a:bodyPr rtlCol="0" anchor="ctr"/>
+          <a:lstStyle/>
+          <a:p>
+            <a:pPr algn="ctr"/>
+            <a:endParaRPr lang="en-SG" sz="1540"/>
+          </a:p>
+        </p:txBody>
+      </p:sp>
+      <p:sp>
+        <p:nvSpPr>
+          <p:cNvPr id="154" name="TextBox 153"/>
           <p:cNvSpPr txBox="1"/>
           <p:nvPr/>
         </p:nvSpPr>
         <p:spPr>
           <a:xfrm>
-            <a:off x="6019211" y="2179637"/>
-            <a:ext cx="1162965" cy="350553"/>
+            <a:off x="266704" y="4286253"/>
+            <a:ext cx="937901" cy="307777"/>
           </a:xfrm>
           <a:prstGeom prst="rect">
             <a:avLst/>
@@ -5740,626 +5684,14 @@
           <a:p>
             <a:pPr algn="r"/>
             <a:r>
-              <a:rPr lang="en-US" dirty="0">
-                <a:solidFill>
-                  <a:schemeClr val="accent2">
-                    <a:lumMod val="75000"/>
-                  </a:schemeClr>
-                </a:solidFill>
-              </a:rPr>
-              <a:t>&lt;&lt;creates&gt;&gt;</a:t>
-            </a:r>
-            <a:endParaRPr lang="en-SG" dirty="0">
-              <a:solidFill>
-                <a:schemeClr val="accent2">
-                  <a:lumMod val="75000"/>
-                </a:schemeClr>
-              </a:solidFill>
-            </a:endParaRPr>
-          </a:p>
-        </p:txBody>
-      </p:sp>
-      <p:cxnSp>
-        <p:nvCxnSpPr>
-          <p:cNvPr id="116" name="Elbow Connector 115"/>
-          <p:cNvCxnSpPr>
-            <a:stCxn id="98" idx="2"/>
-            <a:endCxn id="104" idx="1"/>
-          </p:cNvCxnSpPr>
-          <p:nvPr/>
-        </p:nvCxnSpPr>
-        <p:spPr>
-          <a:xfrm rot="16200000" flipH="1">
-            <a:off x="3836880" y="1800553"/>
-            <a:ext cx="412162" cy="2505877"/>
-          </a:xfrm>
-          <a:prstGeom prst="bentConnector2">
-            <a:avLst/>
-          </a:prstGeom>
-          <a:ln w="38100">
-            <a:solidFill>
-              <a:schemeClr val="accent1">
-                <a:lumMod val="50000"/>
-              </a:schemeClr>
-            </a:solidFill>
-            <a:prstDash val="sysDot"/>
-            <a:tailEnd type="arrow"/>
-          </a:ln>
-        </p:spPr>
-        <p:style>
-          <a:lnRef idx="1">
-            <a:schemeClr val="accent1"/>
-          </a:lnRef>
-          <a:fillRef idx="0">
-            <a:schemeClr val="accent1"/>
-          </a:fillRef>
-          <a:effectRef idx="0">
-            <a:schemeClr val="accent1"/>
-          </a:effectRef>
-          <a:fontRef idx="minor">
-            <a:schemeClr val="tx1"/>
-          </a:fontRef>
-        </p:style>
-      </p:cxnSp>
-      <p:cxnSp>
-        <p:nvCxnSpPr>
-          <p:cNvPr id="117" name="Elbow Connector 116"/>
-          <p:cNvCxnSpPr>
-            <a:stCxn id="96" idx="3"/>
-          </p:cNvCxnSpPr>
-          <p:nvPr/>
-        </p:nvCxnSpPr>
-        <p:spPr>
-          <a:xfrm>
-            <a:off x="9067208" y="2662565"/>
-            <a:ext cx="792000" cy="0"/>
-          </a:xfrm>
-          <a:prstGeom prst="bentConnector3">
-            <a:avLst>
-              <a:gd name="adj1" fmla="val 50000"/>
-            </a:avLst>
-          </a:prstGeom>
-          <a:ln w="38100">
-            <a:solidFill>
-              <a:schemeClr val="accent2">
-                <a:lumMod val="75000"/>
-              </a:schemeClr>
-            </a:solidFill>
-            <a:prstDash val="sysDot"/>
-            <a:tailEnd type="arrow"/>
-          </a:ln>
-        </p:spPr>
-        <p:style>
-          <a:lnRef idx="1">
-            <a:schemeClr val="accent1"/>
-          </a:lnRef>
-          <a:fillRef idx="0">
-            <a:schemeClr val="accent1"/>
-          </a:fillRef>
-          <a:effectRef idx="0">
-            <a:schemeClr val="accent1"/>
-          </a:effectRef>
-          <a:fontRef idx="minor">
-            <a:schemeClr val="tx1"/>
-          </a:fontRef>
-        </p:style>
-      </p:cxnSp>
-      <p:cxnSp>
-        <p:nvCxnSpPr>
-          <p:cNvPr id="121" name="Elbow Connector 120"/>
-          <p:cNvCxnSpPr>
-            <a:stCxn id="96" idx="2"/>
-            <a:endCxn id="104" idx="3"/>
-          </p:cNvCxnSpPr>
-          <p:nvPr/>
-        </p:nvCxnSpPr>
-        <p:spPr>
-          <a:xfrm rot="5400000">
-            <a:off x="7514589" y="2786955"/>
-            <a:ext cx="417008" cy="528229"/>
-          </a:xfrm>
-          <a:prstGeom prst="bentConnector2">
-            <a:avLst/>
-          </a:prstGeom>
-          <a:ln w="38100">
-            <a:solidFill>
-              <a:schemeClr val="accent2">
-                <a:lumMod val="75000"/>
-              </a:schemeClr>
-            </a:solidFill>
-            <a:prstDash val="sysDot"/>
-            <a:tailEnd type="arrow"/>
-          </a:ln>
-        </p:spPr>
-        <p:style>
-          <a:lnRef idx="1">
-            <a:schemeClr val="accent1"/>
-          </a:lnRef>
-          <a:fillRef idx="0">
-            <a:schemeClr val="accent1"/>
-          </a:fillRef>
-          <a:effectRef idx="0">
-            <a:schemeClr val="accent1"/>
-          </a:effectRef>
-          <a:fontRef idx="minor">
-            <a:schemeClr val="tx1"/>
-          </a:fontRef>
-        </p:style>
-      </p:cxnSp>
-      <p:sp>
-        <p:nvSpPr>
-          <p:cNvPr id="125" name="TextBox 124"/>
-          <p:cNvSpPr txBox="1"/>
-          <p:nvPr/>
-        </p:nvSpPr>
-        <p:spPr>
-          <a:xfrm>
-            <a:off x="8000411" y="2966654"/>
-            <a:ext cx="1193303" cy="269076"/>
-          </a:xfrm>
-          <a:prstGeom prst="rect">
-            <a:avLst/>
-          </a:prstGeom>
-          <a:grpFill/>
-          <a:ln>
-            <a:noFill/>
-          </a:ln>
-        </p:spPr>
-        <p:style>
-          <a:lnRef idx="2">
-            <a:schemeClr val="accent1">
-              <a:shade val="50000"/>
-            </a:schemeClr>
-          </a:lnRef>
-          <a:fillRef idx="1">
-            <a:schemeClr val="accent1"/>
-          </a:fillRef>
-          <a:effectRef idx="0">
-            <a:schemeClr val="accent1"/>
-          </a:effectRef>
-          <a:fontRef idx="minor">
-            <a:schemeClr val="lt1"/>
-          </a:fontRef>
-        </p:style>
-        <p:txBody>
-          <a:bodyPr rtlCol="0" anchor="t" anchorCtr="0"/>
-          <a:lstStyle>
-            <a:defPPr>
-              <a:defRPr lang="en-US"/>
-            </a:defPPr>
-            <a:lvl1pPr>
-              <a:defRPr sz="1400" b="1">
-                <a:solidFill>
-                  <a:srgbClr val="7030A0"/>
-                </a:solidFill>
-              </a:defRPr>
-            </a:lvl1pPr>
-            <a:lvl2pPr>
-              <a:defRPr>
-                <a:solidFill>
-                  <a:schemeClr val="lt1"/>
-                </a:solidFill>
-              </a:defRPr>
-            </a:lvl2pPr>
-            <a:lvl3pPr>
-              <a:defRPr>
-                <a:solidFill>
-                  <a:schemeClr val="lt1"/>
-                </a:solidFill>
-              </a:defRPr>
-            </a:lvl3pPr>
-            <a:lvl4pPr>
-              <a:defRPr>
-                <a:solidFill>
-                  <a:schemeClr val="lt1"/>
-                </a:solidFill>
-              </a:defRPr>
-            </a:lvl4pPr>
-            <a:lvl5pPr>
-              <a:defRPr>
-                <a:solidFill>
-                  <a:schemeClr val="lt1"/>
-                </a:solidFill>
-              </a:defRPr>
-            </a:lvl5pPr>
-            <a:lvl6pPr>
-              <a:defRPr>
-                <a:solidFill>
-                  <a:schemeClr val="lt1"/>
-                </a:solidFill>
-              </a:defRPr>
-            </a:lvl6pPr>
-            <a:lvl7pPr>
-              <a:defRPr>
-                <a:solidFill>
-                  <a:schemeClr val="lt1"/>
-                </a:solidFill>
-              </a:defRPr>
-            </a:lvl7pPr>
-            <a:lvl8pPr>
-              <a:defRPr>
-                <a:solidFill>
-                  <a:schemeClr val="lt1"/>
-                </a:solidFill>
-              </a:defRPr>
-            </a:lvl8pPr>
-            <a:lvl9pPr>
-              <a:defRPr>
-                <a:solidFill>
-                  <a:schemeClr val="lt1"/>
-                </a:solidFill>
-              </a:defRPr>
-            </a:lvl9pPr>
-          </a:lstStyle>
-          <a:p>
-            <a:r>
-              <a:rPr lang="en-US" dirty="0">
-                <a:solidFill>
-                  <a:schemeClr val="accent2">
-                    <a:lumMod val="75000"/>
-                  </a:schemeClr>
-                </a:solidFill>
-              </a:rPr>
-              <a:t>&lt;&lt;creates&gt;&gt;</a:t>
-            </a:r>
-            <a:endParaRPr lang="en-SG" dirty="0">
-              <a:solidFill>
-                <a:schemeClr val="accent2">
-                  <a:lumMod val="75000"/>
-                </a:schemeClr>
-              </a:solidFill>
-            </a:endParaRPr>
-          </a:p>
-        </p:txBody>
-      </p:sp>
-      <p:sp>
-        <p:nvSpPr>
-          <p:cNvPr id="126" name="Rectangle 125"/>
-          <p:cNvSpPr/>
-          <p:nvPr/>
-        </p:nvSpPr>
-        <p:spPr>
-          <a:xfrm>
-            <a:off x="4312970" y="4317601"/>
-            <a:ext cx="1517851" cy="358610"/>
-          </a:xfrm>
-          <a:prstGeom prst="rect">
-            <a:avLst/>
-          </a:prstGeom>
-          <a:ln/>
-        </p:spPr>
-        <p:style>
-          <a:lnRef idx="2">
-            <a:schemeClr val="accent3">
-              <a:shade val="50000"/>
-            </a:schemeClr>
-          </a:lnRef>
-          <a:fillRef idx="1">
-            <a:schemeClr val="accent3"/>
-          </a:fillRef>
-          <a:effectRef idx="0">
-            <a:schemeClr val="accent3"/>
-          </a:effectRef>
-          <a:fontRef idx="minor">
-            <a:schemeClr val="lt1"/>
-          </a:fontRef>
-        </p:style>
-        <p:txBody>
-          <a:bodyPr rtlCol="0" anchor="ctr"/>
-          <a:lstStyle/>
-          <a:p>
-            <a:pPr algn="ctr"/>
-            <a:r>
-              <a:rPr lang="en-US" sz="1600" b="1" dirty="0" smtClean="0"/>
-              <a:t>*Result</a:t>
-            </a:r>
-            <a:endParaRPr lang="en-SG" sz="1600" b="1" dirty="0"/>
-          </a:p>
-        </p:txBody>
-      </p:sp>
-      <p:sp>
-        <p:nvSpPr>
-          <p:cNvPr id="127" name="Rectangle 126"/>
-          <p:cNvSpPr/>
-          <p:nvPr/>
-        </p:nvSpPr>
-        <p:spPr>
-          <a:xfrm>
-            <a:off x="4305300" y="3774509"/>
-            <a:ext cx="1517851" cy="358610"/>
-          </a:xfrm>
-          <a:prstGeom prst="rect">
-            <a:avLst/>
-          </a:prstGeom>
-          <a:ln/>
-        </p:spPr>
-        <p:style>
-          <a:lnRef idx="2">
-            <a:schemeClr val="accent3">
-              <a:shade val="50000"/>
-            </a:schemeClr>
-          </a:lnRef>
-          <a:fillRef idx="1">
-            <a:schemeClr val="accent3"/>
-          </a:fillRef>
-          <a:effectRef idx="0">
-            <a:schemeClr val="accent3"/>
-          </a:effectRef>
-          <a:fontRef idx="minor">
-            <a:schemeClr val="lt1"/>
-          </a:fontRef>
-        </p:style>
-        <p:txBody>
-          <a:bodyPr rtlCol="0" anchor="ctr"/>
-          <a:lstStyle/>
-          <a:p>
-            <a:pPr algn="ctr"/>
-            <a:r>
-              <a:rPr lang="en-US" sz="1600" b="1" dirty="0" err="1" smtClean="0"/>
-              <a:t>ImageResult</a:t>
-            </a:r>
-            <a:endParaRPr lang="en-SG" sz="1600" b="1" dirty="0"/>
-          </a:p>
-        </p:txBody>
-      </p:sp>
-      <p:cxnSp>
-        <p:nvCxnSpPr>
-          <p:cNvPr id="128" name="Elbow Connector 127"/>
-          <p:cNvCxnSpPr>
-            <a:stCxn id="106" idx="3"/>
-            <a:endCxn id="127" idx="3"/>
-          </p:cNvCxnSpPr>
-          <p:nvPr/>
-        </p:nvCxnSpPr>
-        <p:spPr>
-          <a:xfrm rot="5400000">
-            <a:off x="5958066" y="3530353"/>
-            <a:ext cx="288547" cy="558375"/>
-          </a:xfrm>
-          <a:prstGeom prst="bentConnector2">
-            <a:avLst/>
-          </a:prstGeom>
-          <a:solidFill>
-            <a:srgbClr val="92D050"/>
-          </a:solidFill>
-          <a:ln>
-            <a:solidFill>
-              <a:schemeClr val="accent3">
-                <a:lumMod val="75000"/>
-              </a:schemeClr>
-            </a:solidFill>
-          </a:ln>
-        </p:spPr>
-        <p:style>
-          <a:lnRef idx="2">
-            <a:schemeClr val="accent6">
-              <a:shade val="50000"/>
-            </a:schemeClr>
-          </a:lnRef>
-          <a:fillRef idx="1">
-            <a:schemeClr val="accent6"/>
-          </a:fillRef>
-          <a:effectRef idx="0">
-            <a:schemeClr val="accent6"/>
-          </a:effectRef>
-          <a:fontRef idx="minor">
-            <a:schemeClr val="lt1"/>
-          </a:fontRef>
-        </p:style>
-      </p:cxnSp>
-      <p:cxnSp>
-        <p:nvCxnSpPr>
-          <p:cNvPr id="129" name="Elbow Connector 128"/>
-          <p:cNvCxnSpPr>
-            <a:stCxn id="106" idx="3"/>
-            <a:endCxn id="126" idx="3"/>
-          </p:cNvCxnSpPr>
-          <p:nvPr/>
-        </p:nvCxnSpPr>
-        <p:spPr>
-          <a:xfrm rot="5400000">
-            <a:off x="5690355" y="3805734"/>
-            <a:ext cx="831639" cy="550705"/>
-          </a:xfrm>
-          <a:prstGeom prst="bentConnector2">
-            <a:avLst/>
-          </a:prstGeom>
-          <a:solidFill>
-            <a:srgbClr val="92D050"/>
-          </a:solidFill>
-          <a:ln>
-            <a:solidFill>
-              <a:schemeClr val="accent3">
-                <a:lumMod val="75000"/>
-              </a:schemeClr>
-            </a:solidFill>
-          </a:ln>
-        </p:spPr>
-        <p:style>
-          <a:lnRef idx="2">
-            <a:schemeClr val="accent6">
-              <a:shade val="50000"/>
-            </a:schemeClr>
-          </a:lnRef>
-          <a:fillRef idx="1">
-            <a:schemeClr val="accent6"/>
-          </a:fillRef>
-          <a:effectRef idx="0">
-            <a:schemeClr val="accent6"/>
-          </a:effectRef>
-          <a:fontRef idx="minor">
-            <a:schemeClr val="lt1"/>
-          </a:fontRef>
-        </p:style>
-      </p:cxnSp>
-      <p:sp>
-        <p:nvSpPr>
-          <p:cNvPr id="162" name="Rectangle 161"/>
-          <p:cNvSpPr/>
-          <p:nvPr/>
-        </p:nvSpPr>
-        <p:spPr>
-          <a:xfrm>
-            <a:off x="342897" y="5151437"/>
-            <a:ext cx="875710" cy="2035968"/>
-          </a:xfrm>
-          <a:prstGeom prst="rect">
-            <a:avLst/>
-          </a:prstGeom>
-          <a:solidFill>
-            <a:schemeClr val="bg1">
-              <a:lumMod val="85000"/>
-            </a:schemeClr>
-          </a:solidFill>
-          <a:ln>
-            <a:solidFill>
-              <a:schemeClr val="bg1">
-                <a:lumMod val="65000"/>
-              </a:schemeClr>
-            </a:solidFill>
-          </a:ln>
-        </p:spPr>
-        <p:style>
-          <a:lnRef idx="2">
-            <a:schemeClr val="accent1">
-              <a:shade val="50000"/>
-            </a:schemeClr>
-          </a:lnRef>
-          <a:fillRef idx="1">
-            <a:schemeClr val="accent1"/>
-          </a:fillRef>
-          <a:effectRef idx="0">
-            <a:schemeClr val="accent1"/>
-          </a:effectRef>
-          <a:fontRef idx="minor">
-            <a:schemeClr val="lt1"/>
-          </a:fontRef>
-        </p:style>
-        <p:txBody>
-          <a:bodyPr rtlCol="0" anchor="ctr"/>
-          <a:lstStyle/>
-          <a:p>
-            <a:pPr algn="ctr"/>
-            <a:endParaRPr lang="en-SG"/>
-          </a:p>
-        </p:txBody>
-      </p:sp>
-      <p:sp>
-        <p:nvSpPr>
-          <p:cNvPr id="163" name="TextBox 162"/>
-          <p:cNvSpPr txBox="1"/>
-          <p:nvPr/>
-        </p:nvSpPr>
-        <p:spPr>
-          <a:xfrm>
-            <a:off x="266700" y="5185570"/>
-            <a:ext cx="937901" cy="307777"/>
-          </a:xfrm>
-          <a:prstGeom prst="rect">
-            <a:avLst/>
-          </a:prstGeom>
-          <a:grpFill/>
-          <a:ln>
-            <a:noFill/>
-          </a:ln>
-        </p:spPr>
-        <p:style>
-          <a:lnRef idx="2">
-            <a:schemeClr val="accent1">
-              <a:shade val="50000"/>
-            </a:schemeClr>
-          </a:lnRef>
-          <a:fillRef idx="1">
-            <a:schemeClr val="accent1"/>
-          </a:fillRef>
-          <a:effectRef idx="0">
-            <a:schemeClr val="accent1"/>
-          </a:effectRef>
-          <a:fontRef idx="minor">
-            <a:schemeClr val="lt1"/>
-          </a:fontRef>
-        </p:style>
-        <p:txBody>
-          <a:bodyPr rtlCol="0" anchor="t" anchorCtr="0"/>
-          <a:lstStyle>
-            <a:defPPr>
-              <a:defRPr lang="en-US"/>
-            </a:defPPr>
-            <a:lvl1pPr>
-              <a:defRPr sz="1400" b="1">
-                <a:solidFill>
-                  <a:srgbClr val="7030A0"/>
-                </a:solidFill>
-              </a:defRPr>
-            </a:lvl1pPr>
-            <a:lvl2pPr>
-              <a:defRPr>
-                <a:solidFill>
-                  <a:schemeClr val="lt1"/>
-                </a:solidFill>
-              </a:defRPr>
-            </a:lvl2pPr>
-            <a:lvl3pPr>
-              <a:defRPr>
-                <a:solidFill>
-                  <a:schemeClr val="lt1"/>
-                </a:solidFill>
-              </a:defRPr>
-            </a:lvl3pPr>
-            <a:lvl4pPr>
-              <a:defRPr>
-                <a:solidFill>
-                  <a:schemeClr val="lt1"/>
-                </a:solidFill>
-              </a:defRPr>
-            </a:lvl4pPr>
-            <a:lvl5pPr>
-              <a:defRPr>
-                <a:solidFill>
-                  <a:schemeClr val="lt1"/>
-                </a:solidFill>
-              </a:defRPr>
-            </a:lvl5pPr>
-            <a:lvl6pPr>
-              <a:defRPr>
-                <a:solidFill>
-                  <a:schemeClr val="lt1"/>
-                </a:solidFill>
-              </a:defRPr>
-            </a:lvl6pPr>
-            <a:lvl7pPr>
-              <a:defRPr>
-                <a:solidFill>
-                  <a:schemeClr val="lt1"/>
-                </a:solidFill>
-              </a:defRPr>
-            </a:lvl7pPr>
-            <a:lvl8pPr>
-              <a:defRPr>
-                <a:solidFill>
-                  <a:schemeClr val="lt1"/>
-                </a:solidFill>
-              </a:defRPr>
-            </a:lvl8pPr>
-            <a:lvl9pPr>
-              <a:defRPr>
-                <a:solidFill>
-                  <a:schemeClr val="lt1"/>
-                </a:solidFill>
-              </a:defRPr>
-            </a:lvl9pPr>
-          </a:lstStyle>
-          <a:p>
-            <a:pPr algn="r"/>
-            <a:r>
-              <a:rPr lang="en-US" dirty="0">
+              <a:rPr lang="en-US" sz="1401" dirty="0">
                 <a:solidFill>
                   <a:schemeClr val="tx1"/>
                 </a:solidFill>
               </a:rPr>
               <a:t>Browser</a:t>
             </a:r>
-            <a:endParaRPr lang="en-SG" dirty="0">
+            <a:endParaRPr lang="en-SG" sz="1401" dirty="0">
               <a:solidFill>
                 <a:schemeClr val="tx1"/>
               </a:solidFill>
@@ -6369,14 +5701,14 @@
       </p:sp>
       <p:sp>
         <p:nvSpPr>
-          <p:cNvPr id="164" name="Folded Corner 163"/>
+          <p:cNvPr id="155" name="Folded Corner 154"/>
           <p:cNvSpPr/>
           <p:nvPr/>
         </p:nvSpPr>
         <p:spPr>
           <a:xfrm>
-            <a:off x="455017" y="5549821"/>
-            <a:ext cx="649883" cy="1408984"/>
+            <a:off x="455018" y="4650502"/>
+            <a:ext cx="649884" cy="1408984"/>
           </a:xfrm>
           <a:prstGeom prst="foldedCorner">
             <a:avLst/>
@@ -6412,14 +5744,14 @@
           <a:p>
             <a:pPr algn="ctr"/>
             <a:r>
-              <a:rPr lang="en-US" sz="1600" b="1" dirty="0">
+              <a:rPr lang="en-US" sz="1601" b="1" dirty="0">
                 <a:solidFill>
                   <a:schemeClr val="tx1"/>
                 </a:solidFill>
               </a:rPr>
               <a:t>Web page</a:t>
             </a:r>
-            <a:endParaRPr lang="en-SG" sz="1600" b="1" dirty="0">
+            <a:endParaRPr lang="en-SG" sz="1601" b="1" dirty="0">
               <a:solidFill>
                 <a:schemeClr val="tx1"/>
               </a:solidFill>
@@ -6429,21 +5761,21 @@
       </p:sp>
       <p:grpSp>
         <p:nvGrpSpPr>
-          <p:cNvPr id="167" name="Group 166"/>
+          <p:cNvPr id="156" name="Group 155"/>
           <p:cNvGrpSpPr/>
           <p:nvPr/>
         </p:nvGrpSpPr>
         <p:grpSpPr>
           <a:xfrm>
-            <a:off x="3467100" y="5761037"/>
-            <a:ext cx="1291478" cy="575162"/>
+            <a:off x="3467102" y="4764089"/>
+            <a:ext cx="1291478" cy="575163"/>
             <a:chOff x="3179250" y="6547958"/>
             <a:chExt cx="1663102" cy="575162"/>
           </a:xfrm>
         </p:grpSpPr>
         <p:sp>
           <p:nvSpPr>
-            <p:cNvPr id="168" name="Folded Corner 167"/>
+            <p:cNvPr id="157" name="Folded Corner 156"/>
             <p:cNvSpPr/>
             <p:nvPr/>
           </p:nvSpPr>
@@ -6477,13 +5809,13 @@
             <a:lstStyle/>
             <a:p>
               <a:pPr algn="ctr"/>
-              <a:endParaRPr lang="en-SG" sz="1600" b="1" dirty="0"/>
+              <a:endParaRPr lang="en-SG" sz="1601" b="1" dirty="0"/>
             </a:p>
           </p:txBody>
         </p:sp>
         <p:sp>
           <p:nvSpPr>
-            <p:cNvPr id="169" name="Folded Corner 168"/>
+            <p:cNvPr id="158" name="Folded Corner 157"/>
             <p:cNvSpPr/>
             <p:nvPr/>
           </p:nvSpPr>
@@ -6517,13 +5849,13 @@
             <a:lstStyle/>
             <a:p>
               <a:pPr algn="ctr"/>
-              <a:endParaRPr lang="en-SG" sz="1600" b="1" dirty="0"/>
+              <a:endParaRPr lang="en-SG" sz="1601" b="1" dirty="0"/>
             </a:p>
           </p:txBody>
         </p:sp>
         <p:sp>
           <p:nvSpPr>
-            <p:cNvPr id="171" name="Folded Corner 170"/>
+            <p:cNvPr id="159" name="Folded Corner 158"/>
             <p:cNvSpPr/>
             <p:nvPr/>
           </p:nvSpPr>
@@ -6558,35 +5890,35 @@
             <a:p>
               <a:pPr algn="ctr"/>
               <a:r>
-                <a:rPr lang="en-US" sz="1600" b="1" dirty="0" smtClean="0"/>
+                <a:rPr lang="en-US" sz="1601" b="1" dirty="0"/>
                 <a:t>*.</a:t>
               </a:r>
               <a:r>
-                <a:rPr lang="en-US" sz="1600" b="1" dirty="0" err="1" smtClean="0"/>
+                <a:rPr lang="en-US" sz="1601" b="1" dirty="0" err="1"/>
                 <a:t>css</a:t>
               </a:r>
-              <a:endParaRPr lang="en-SG" sz="1600" b="1" dirty="0"/>
+              <a:endParaRPr lang="en-SG" sz="1601" b="1" dirty="0"/>
             </a:p>
           </p:txBody>
         </p:sp>
       </p:grpSp>
       <p:grpSp>
         <p:nvGrpSpPr>
-          <p:cNvPr id="172" name="Group 171"/>
+          <p:cNvPr id="160" name="Group 159"/>
           <p:cNvGrpSpPr/>
           <p:nvPr/>
         </p:nvGrpSpPr>
         <p:grpSpPr>
           <a:xfrm>
-            <a:off x="2933700" y="6446837"/>
-            <a:ext cx="1291478" cy="575162"/>
+            <a:off x="2933701" y="5449889"/>
+            <a:ext cx="1291478" cy="575163"/>
             <a:chOff x="3179250" y="6547958"/>
             <a:chExt cx="1663102" cy="575162"/>
           </a:xfrm>
         </p:grpSpPr>
         <p:sp>
           <p:nvSpPr>
-            <p:cNvPr id="176" name="Folded Corner 175"/>
+            <p:cNvPr id="161" name="Folded Corner 160"/>
             <p:cNvSpPr/>
             <p:nvPr/>
           </p:nvSpPr>
@@ -6620,13 +5952,13 @@
             <a:lstStyle/>
             <a:p>
               <a:pPr algn="ctr"/>
-              <a:endParaRPr lang="en-SG" sz="1600" b="1" dirty="0"/>
+              <a:endParaRPr lang="en-SG" sz="1601" b="1" dirty="0"/>
             </a:p>
           </p:txBody>
         </p:sp>
         <p:sp>
           <p:nvSpPr>
-            <p:cNvPr id="177" name="Folded Corner 176"/>
+            <p:cNvPr id="165" name="Folded Corner 164"/>
             <p:cNvSpPr/>
             <p:nvPr/>
           </p:nvSpPr>
@@ -6660,13 +5992,13 @@
             <a:lstStyle/>
             <a:p>
               <a:pPr algn="ctr"/>
-              <a:endParaRPr lang="en-SG" sz="1600" b="1" dirty="0"/>
+              <a:endParaRPr lang="en-SG" sz="1601" b="1" dirty="0"/>
             </a:p>
           </p:txBody>
         </p:sp>
         <p:sp>
           <p:nvSpPr>
-            <p:cNvPr id="179" name="Folded Corner 178"/>
+            <p:cNvPr id="166" name="Folded Corner 165"/>
             <p:cNvSpPr/>
             <p:nvPr/>
           </p:nvSpPr>
@@ -6701,31 +6033,31 @@
             <a:p>
               <a:pPr algn="ctr"/>
               <a:r>
-                <a:rPr lang="en-US" sz="1600" b="1" dirty="0" smtClean="0"/>
+                <a:rPr lang="en-US" sz="1601" b="1" dirty="0"/>
                 <a:t>*.</a:t>
               </a:r>
               <a:r>
-                <a:rPr lang="en-US" sz="1600" b="1" dirty="0" err="1" smtClean="0"/>
+                <a:rPr lang="en-US" sz="1601" b="1" dirty="0" err="1"/>
                 <a:t>js</a:t>
               </a:r>
-              <a:endParaRPr lang="en-SG" sz="1600" b="1" dirty="0"/>
+              <a:endParaRPr lang="en-SG" sz="1601" b="1" dirty="0"/>
             </a:p>
           </p:txBody>
         </p:sp>
       </p:grpSp>
       <p:cxnSp>
         <p:nvCxnSpPr>
-          <p:cNvPr id="182" name="Elbow Connector 181"/>
+          <p:cNvPr id="170" name="Elbow Connector 169"/>
           <p:cNvCxnSpPr>
-            <a:stCxn id="118" idx="2"/>
-            <a:endCxn id="169" idx="1"/>
+            <a:stCxn id="209" idx="2"/>
+            <a:endCxn id="158" idx="1"/>
           </p:cNvCxnSpPr>
           <p:nvPr/>
         </p:nvCxnSpPr>
         <p:spPr>
           <a:xfrm rot="16200000" flipH="1">
-            <a:off x="2962953" y="5473110"/>
-            <a:ext cx="126502" cy="1034192"/>
+            <a:off x="2962955" y="4476158"/>
+            <a:ext cx="126503" cy="1034192"/>
           </a:xfrm>
           <a:prstGeom prst="bentConnector2">
             <a:avLst/>
@@ -6755,16 +6087,16 @@
       </p:cxnSp>
       <p:cxnSp>
         <p:nvCxnSpPr>
-          <p:cNvPr id="183" name="Elbow Connector 182"/>
+          <p:cNvPr id="173" name="Elbow Connector 172"/>
           <p:cNvCxnSpPr>
-            <a:stCxn id="118" idx="2"/>
-            <a:endCxn id="177" idx="1"/>
+            <a:stCxn id="209" idx="2"/>
+            <a:endCxn id="165" idx="1"/>
           </p:cNvCxnSpPr>
           <p:nvPr/>
         </p:nvCxnSpPr>
         <p:spPr>
           <a:xfrm rot="16200000" flipH="1">
-            <a:off x="2353353" y="6082710"/>
+            <a:off x="2353355" y="5085758"/>
             <a:ext cx="812302" cy="500792"/>
           </a:xfrm>
           <a:prstGeom prst="bentConnector2">
@@ -6795,13 +6127,13 @@
       </p:cxnSp>
       <p:sp>
         <p:nvSpPr>
-          <p:cNvPr id="184" name="Rectangle 183"/>
+          <p:cNvPr id="174" name="Rectangle 173"/>
           <p:cNvSpPr/>
           <p:nvPr/>
         </p:nvSpPr>
         <p:spPr>
           <a:xfrm>
-            <a:off x="350807" y="2227599"/>
+            <a:off x="350807" y="2097088"/>
             <a:ext cx="866224" cy="862711"/>
           </a:xfrm>
           <a:prstGeom prst="rect">
@@ -6830,42 +6162,45 @@
           <a:p>
             <a:pPr algn="ctr"/>
             <a:r>
-              <a:rPr lang="en-US" sz="1600" b="1" dirty="0" smtClean="0"/>
+              <a:rPr lang="en-US" sz="1601" b="1" dirty="0"/>
               <a:t>Http</a:t>
             </a:r>
             <a:br>
-              <a:rPr lang="en-US" sz="1600" b="1" dirty="0" smtClean="0"/>
+              <a:rPr lang="en-US" sz="1601" b="1" dirty="0"/>
             </a:br>
             <a:r>
-              <a:rPr lang="en-US" sz="1600" b="1" dirty="0" smtClean="0"/>
+              <a:rPr lang="en-US" sz="1601" b="1" dirty="0"/>
               <a:t>Servlet</a:t>
             </a:r>
             <a:br>
-              <a:rPr lang="en-US" sz="1600" b="1" dirty="0" smtClean="0"/>
+              <a:rPr lang="en-US" sz="1601" b="1" dirty="0"/>
             </a:br>
             <a:r>
-              <a:rPr lang="en-US" sz="1600" b="1" dirty="0" smtClean="0"/>
+              <a:rPr lang="en-US" sz="1601" b="1" dirty="0"/>
               <a:t>Request</a:t>
             </a:r>
-            <a:endParaRPr lang="en-SG" sz="1600" b="1" dirty="0"/>
+            <a:endParaRPr lang="en-SG" sz="1601" b="1" dirty="0"/>
           </a:p>
         </p:txBody>
       </p:sp>
       <p:cxnSp>
         <p:nvCxnSpPr>
-          <p:cNvPr id="185" name="Elbow Connector 184"/>
+          <p:cNvPr id="175" name="Elbow Connector 174"/>
           <p:cNvCxnSpPr>
-            <a:endCxn id="90" idx="1"/>
+            <a:stCxn id="174" idx="3"/>
+            <a:endCxn id="99" idx="1"/>
           </p:cNvCxnSpPr>
           <p:nvPr/>
         </p:nvCxnSpPr>
         <p:spPr>
-          <a:xfrm rot="5400000" flipH="1" flipV="1">
-            <a:off x="934394" y="1395247"/>
-            <a:ext cx="885518" cy="696907"/>
-          </a:xfrm>
-          <a:prstGeom prst="bentConnector2">
-            <a:avLst/>
+          <a:xfrm flipV="1">
+            <a:off x="1217032" y="1670460"/>
+            <a:ext cx="492992" cy="857982"/>
+          </a:xfrm>
+          <a:prstGeom prst="bentConnector3">
+            <a:avLst>
+              <a:gd name="adj1" fmla="val 40406"/>
+            </a:avLst>
           </a:prstGeom>
           <a:ln w="38100">
             <a:solidFill>
@@ -6894,21 +6229,21 @@
       </p:cxnSp>
       <p:cxnSp>
         <p:nvCxnSpPr>
-          <p:cNvPr id="188" name="Elbow Connector 187"/>
+          <p:cNvPr id="178" name="Elbow Connector 177"/>
           <p:cNvCxnSpPr>
-            <a:stCxn id="184" idx="3"/>
-            <a:endCxn id="98" idx="1"/>
+            <a:stCxn id="174" idx="3"/>
+            <a:endCxn id="208" idx="1"/>
           </p:cNvCxnSpPr>
           <p:nvPr/>
         </p:nvCxnSpPr>
         <p:spPr>
           <a:xfrm>
-            <a:off x="1217031" y="2658955"/>
-            <a:ext cx="492992" cy="0"/>
+            <a:off x="1217032" y="2528443"/>
+            <a:ext cx="646562" cy="178160"/>
           </a:xfrm>
           <a:prstGeom prst="bentConnector3">
             <a:avLst>
-              <a:gd name="adj1" fmla="val 50000"/>
+              <a:gd name="adj1" fmla="val 30493"/>
             </a:avLst>
           </a:prstGeom>
           <a:ln w="38100">
@@ -6938,29 +6273,28 @@
       </p:cxnSp>
       <p:cxnSp>
         <p:nvCxnSpPr>
-          <p:cNvPr id="189" name="Elbow Connector 188"/>
+          <p:cNvPr id="180" name="Elbow Connector 179"/>
           <p:cNvCxnSpPr>
-            <a:endCxn id="108" idx="1"/>
+            <a:stCxn id="153" idx="0"/>
+            <a:endCxn id="174" idx="2"/>
           </p:cNvCxnSpPr>
           <p:nvPr/>
         </p:nvCxnSpPr>
         <p:spPr>
-          <a:xfrm>
-            <a:off x="1028699" y="3094693"/>
-            <a:ext cx="834894" cy="608860"/>
+          <a:xfrm rot="5400000" flipH="1" flipV="1">
+            <a:off x="136179" y="3604378"/>
+            <a:ext cx="1292321" cy="3167"/>
           </a:xfrm>
           <a:prstGeom prst="bentConnector3">
             <a:avLst>
-              <a:gd name="adj1" fmla="val 903"/>
+              <a:gd name="adj1" fmla="val 50000"/>
             </a:avLst>
           </a:prstGeom>
           <a:ln w="38100">
             <a:solidFill>
-              <a:schemeClr val="accent2">
-                <a:lumMod val="75000"/>
-              </a:schemeClr>
+              <a:schemeClr val="tx1"/>
             </a:solidFill>
-            <a:prstDash val="sysDot"/>
+            <a:prstDash val="sysDash"/>
             <a:tailEnd type="arrow"/>
           </a:ln>
         </p:spPr>
@@ -6979,57 +6313,15 @@
           </a:fontRef>
         </p:style>
       </p:cxnSp>
-      <p:cxnSp>
-        <p:nvCxnSpPr>
-          <p:cNvPr id="190" name="Elbow Connector 189"/>
-          <p:cNvCxnSpPr>
-            <a:stCxn id="162" idx="0"/>
-            <a:endCxn id="184" idx="2"/>
-          </p:cNvCxnSpPr>
-          <p:nvPr/>
-        </p:nvCxnSpPr>
-        <p:spPr>
-          <a:xfrm rot="5400000" flipH="1" flipV="1">
-            <a:off x="-246645" y="4120874"/>
-            <a:ext cx="2061127" cy="0"/>
-          </a:xfrm>
-          <a:prstGeom prst="bentConnector3">
-            <a:avLst>
-              <a:gd name="adj1" fmla="val 50000"/>
-            </a:avLst>
-          </a:prstGeom>
-          <a:ln w="38100">
-            <a:solidFill>
-              <a:schemeClr val="tx1"/>
-            </a:solidFill>
-            <a:prstDash val="sysDash"/>
-            <a:tailEnd type="arrow"/>
-          </a:ln>
-        </p:spPr>
-        <p:style>
-          <a:lnRef idx="1">
-            <a:schemeClr val="accent1"/>
-          </a:lnRef>
-          <a:fillRef idx="0">
-            <a:schemeClr val="accent1"/>
-          </a:fillRef>
-          <a:effectRef idx="0">
-            <a:schemeClr val="accent1"/>
-          </a:effectRef>
-          <a:fontRef idx="minor">
-            <a:schemeClr val="tx1"/>
-          </a:fontRef>
-        </p:style>
-      </p:cxnSp>
-      <p:sp>
-        <p:nvSpPr>
-          <p:cNvPr id="191" name="TextBox 190"/>
+      <p:sp>
+        <p:nvSpPr>
+          <p:cNvPr id="181" name="TextBox 180"/>
           <p:cNvSpPr txBox="1"/>
           <p:nvPr/>
         </p:nvSpPr>
         <p:spPr>
           <a:xfrm rot="16200000">
-            <a:off x="315923" y="4060030"/>
+            <a:off x="315927" y="3444082"/>
             <a:ext cx="655837" cy="307777"/>
           </a:xfrm>
           <a:prstGeom prst="rect">
@@ -7074,14 +6366,14 @@
           </a:lstStyle>
           <a:p>
             <a:r>
-              <a:rPr lang="en-US" dirty="0">
+              <a:rPr lang="en-US" sz="1401" dirty="0">
                 <a:solidFill>
                   <a:schemeClr val="tx1"/>
                 </a:solidFill>
               </a:rPr>
               <a:t>sends</a:t>
             </a:r>
-            <a:endParaRPr lang="en-SG" dirty="0">
+            <a:endParaRPr lang="en-SG" sz="1401" dirty="0">
               <a:solidFill>
                 <a:schemeClr val="tx1"/>
               </a:solidFill>
@@ -7091,14 +6383,14 @@
       </p:sp>
       <p:sp>
         <p:nvSpPr>
-          <p:cNvPr id="192" name="Flowchart: Extract 191"/>
+          <p:cNvPr id="186" name="Flowchart: Extract 185"/>
           <p:cNvSpPr/>
           <p:nvPr/>
         </p:nvSpPr>
         <p:spPr>
           <a:xfrm rot="10800000" flipV="1">
-            <a:off x="589587" y="3815882"/>
-            <a:ext cx="155075" cy="122330"/>
+            <a:off x="589590" y="3199931"/>
+            <a:ext cx="155075" cy="122331"/>
           </a:xfrm>
           <a:prstGeom prst="flowChartExtract">
             <a:avLst/>
@@ -7131,20 +6423,20 @@
           <a:lstStyle/>
           <a:p>
             <a:pPr algn="ctr"/>
-            <a:endParaRPr lang="en-SG"/>
+            <a:endParaRPr lang="en-SG" sz="1540"/>
           </a:p>
         </p:txBody>
       </p:sp>
       <p:grpSp>
         <p:nvGrpSpPr>
-          <p:cNvPr id="197" name="Group 196"/>
+          <p:cNvPr id="187" name="Group 186"/>
           <p:cNvGrpSpPr/>
           <p:nvPr/>
         </p:nvGrpSpPr>
         <p:grpSpPr>
           <a:xfrm>
-            <a:off x="2160302" y="4133119"/>
-            <a:ext cx="1566582" cy="528376"/>
+            <a:off x="2160305" y="3136167"/>
+            <a:ext cx="1566583" cy="528376"/>
             <a:chOff x="1535112" y="3948357"/>
             <a:chExt cx="1566582" cy="528376"/>
           </a:xfrm>
@@ -7154,7 +6446,7 @@
         </p:grpSpPr>
         <p:sp>
           <p:nvSpPr>
-            <p:cNvPr id="198" name="Rectangle 197"/>
+            <p:cNvPr id="193" name="Rectangle 192"/>
             <p:cNvSpPr/>
             <p:nvPr/>
           </p:nvSpPr>
@@ -7189,13 +6481,13 @@
             <a:lstStyle/>
             <a:p>
               <a:pPr algn="ctr"/>
-              <a:endParaRPr lang="en-SG" sz="1600" b="1" dirty="0"/>
+              <a:endParaRPr lang="en-SG" sz="1601" b="1" dirty="0"/>
             </a:p>
           </p:txBody>
         </p:sp>
         <p:sp>
           <p:nvSpPr>
-            <p:cNvPr id="199" name="Rectangle 198"/>
+            <p:cNvPr id="194" name="Rectangle 193"/>
             <p:cNvSpPr/>
             <p:nvPr/>
           </p:nvSpPr>
@@ -7230,13 +6522,13 @@
             <a:lstStyle/>
             <a:p>
               <a:pPr algn="ctr"/>
-              <a:endParaRPr lang="en-SG" sz="1600" b="1" dirty="0"/>
+              <a:endParaRPr lang="en-SG" sz="1601" b="1" dirty="0"/>
             </a:p>
           </p:txBody>
         </p:sp>
         <p:sp>
           <p:nvSpPr>
-            <p:cNvPr id="200" name="Rectangle 199"/>
+            <p:cNvPr id="195" name="Rectangle 194"/>
             <p:cNvSpPr/>
             <p:nvPr/>
           </p:nvSpPr>
@@ -7272,24 +6564,24 @@
             <a:p>
               <a:pPr algn="ctr"/>
               <a:r>
-                <a:rPr lang="en-US" sz="1600" b="1" dirty="0" smtClean="0"/>
+                <a:rPr lang="en-US" sz="1601" b="1" dirty="0"/>
                 <a:t>*Filter</a:t>
               </a:r>
-              <a:endParaRPr lang="en-SG" sz="1600" b="1" dirty="0"/>
+              <a:endParaRPr lang="en-SG" sz="1601" b="1" dirty="0"/>
             </a:p>
           </p:txBody>
         </p:sp>
       </p:grpSp>
       <p:sp>
         <p:nvSpPr>
-          <p:cNvPr id="201" name="Rectangle 200"/>
+          <p:cNvPr id="196" name="Rectangle 195"/>
           <p:cNvSpPr/>
           <p:nvPr/>
         </p:nvSpPr>
         <p:spPr>
           <a:xfrm>
-            <a:off x="193984" y="198437"/>
-            <a:ext cx="910916" cy="543555"/>
+            <a:off x="193985" y="355764"/>
+            <a:ext cx="910916" cy="543556"/>
           </a:xfrm>
           <a:prstGeom prst="rect">
             <a:avLst/>
@@ -7329,14 +6621,14 @@
           <a:p>
             <a:pPr algn="ctr"/>
             <a:r>
-              <a:rPr lang="en-SG" sz="1400" b="1" dirty="0" smtClean="0">
+              <a:rPr lang="en-SG" sz="1401" b="1" dirty="0">
                 <a:solidFill>
                   <a:schemeClr val="tx1"/>
                 </a:solidFill>
               </a:rPr>
               <a:t>GAE Server</a:t>
             </a:r>
-            <a:endParaRPr lang="en-SG" sz="1400" b="1" dirty="0">
+            <a:endParaRPr lang="en-SG" sz="1401" b="1" dirty="0">
               <a:solidFill>
                 <a:schemeClr val="tx1"/>
               </a:solidFill>
@@ -7346,17 +6638,17 @@
       </p:sp>
       <p:cxnSp>
         <p:nvCxnSpPr>
-          <p:cNvPr id="202" name="Elbow Connector 201"/>
+          <p:cNvPr id="205" name="Elbow Connector 204"/>
           <p:cNvCxnSpPr>
-            <a:stCxn id="201" idx="2"/>
-            <a:endCxn id="184" idx="0"/>
+            <a:stCxn id="196" idx="2"/>
+            <a:endCxn id="174" idx="0"/>
           </p:cNvCxnSpPr>
           <p:nvPr/>
         </p:nvCxnSpPr>
         <p:spPr>
           <a:xfrm rot="16200000" flipH="1">
-            <a:off x="-26123" y="1417556"/>
-            <a:ext cx="1485607" cy="134477"/>
+            <a:off x="117798" y="1430965"/>
+            <a:ext cx="1197768" cy="134477"/>
           </a:xfrm>
           <a:prstGeom prst="bentConnector3">
             <a:avLst>
@@ -7388,13 +6680,13 @@
       </p:cxnSp>
       <p:sp>
         <p:nvSpPr>
-          <p:cNvPr id="203" name="TextBox 202"/>
+          <p:cNvPr id="206" name="TextBox 205"/>
           <p:cNvSpPr txBox="1"/>
           <p:nvPr/>
         </p:nvSpPr>
         <p:spPr>
           <a:xfrm rot="5400000" flipV="1">
-            <a:off x="165893" y="1053000"/>
+            <a:off x="165897" y="1068084"/>
             <a:ext cx="655837" cy="307777"/>
           </a:xfrm>
           <a:prstGeom prst="rect">
@@ -7439,14 +6731,14 @@
           </a:lstStyle>
           <a:p>
             <a:r>
-              <a:rPr lang="en-US" dirty="0">
+              <a:rPr lang="en-US" sz="1401" dirty="0">
                 <a:solidFill>
                   <a:schemeClr val="tx1"/>
                 </a:solidFill>
               </a:rPr>
               <a:t>sends</a:t>
             </a:r>
-            <a:endParaRPr lang="en-SG" dirty="0">
+            <a:endParaRPr lang="en-SG" sz="1401" dirty="0">
               <a:solidFill>
                 <a:schemeClr val="tx1"/>
               </a:solidFill>
@@ -7456,14 +6748,14 @@
       </p:sp>
       <p:sp>
         <p:nvSpPr>
-          <p:cNvPr id="204" name="Flowchart: Extract 203"/>
+          <p:cNvPr id="207" name="Flowchart: Extract 206"/>
           <p:cNvSpPr/>
           <p:nvPr/>
         </p:nvSpPr>
         <p:spPr>
           <a:xfrm rot="10800000">
-            <a:off x="439557" y="1447707"/>
-            <a:ext cx="155075" cy="122330"/>
+            <a:off x="439559" y="1462788"/>
+            <a:ext cx="155075" cy="122331"/>
           </a:xfrm>
           <a:prstGeom prst="flowChartExtract">
             <a:avLst/>
@@ -7496,19 +6788,19 @@
           <a:lstStyle/>
           <a:p>
             <a:pPr algn="ctr"/>
-            <a:endParaRPr lang="en-SG"/>
-          </a:p>
-        </p:txBody>
-      </p:sp>
-      <p:sp>
-        <p:nvSpPr>
-          <p:cNvPr id="108" name="Rectangle 107"/>
+            <a:endParaRPr lang="en-SG" sz="1540"/>
+          </a:p>
+        </p:txBody>
+      </p:sp>
+      <p:sp>
+        <p:nvSpPr>
+          <p:cNvPr id="208" name="Rectangle 207"/>
           <p:cNvSpPr/>
           <p:nvPr/>
         </p:nvSpPr>
         <p:spPr>
           <a:xfrm>
-            <a:off x="1863593" y="3523553"/>
+            <a:off x="1863593" y="2526603"/>
             <a:ext cx="2160000" cy="360000"/>
           </a:xfrm>
           <a:prstGeom prst="rect">
@@ -7538,23 +6830,23 @@
           <a:p>
             <a:pPr algn="ctr"/>
             <a:r>
-              <a:rPr lang="en-US" sz="1600" b="1" dirty="0" err="1" smtClean="0"/>
+              <a:rPr lang="en-US" sz="1601" b="1" dirty="0" err="1"/>
               <a:t>WebPageServlet</a:t>
             </a:r>
-            <a:endParaRPr lang="en-SG" sz="1600" b="1" dirty="0"/>
-          </a:p>
-        </p:txBody>
-      </p:sp>
-      <p:sp>
-        <p:nvSpPr>
-          <p:cNvPr id="118" name="Folded Corner 117"/>
+            <a:endParaRPr lang="en-SG" sz="1601" b="1" dirty="0"/>
+          </a:p>
+        </p:txBody>
+      </p:sp>
+      <p:sp>
+        <p:nvSpPr>
+          <p:cNvPr id="209" name="Folded Corner 208"/>
           <p:cNvSpPr/>
           <p:nvPr/>
         </p:nvSpPr>
         <p:spPr>
           <a:xfrm>
-            <a:off x="1797526" y="5519962"/>
-            <a:ext cx="1423164" cy="406993"/>
+            <a:off x="1797527" y="4523011"/>
+            <a:ext cx="1423164" cy="406994"/>
           </a:xfrm>
           <a:prstGeom prst="foldedCorner">
             <a:avLst/>
@@ -7582,26 +6874,26 @@
           <a:p>
             <a:pPr algn="ctr"/>
             <a:r>
-              <a:rPr lang="en-US" sz="1600" b="1" dirty="0" smtClean="0"/>
+              <a:rPr lang="en-US" sz="1601" b="1" dirty="0"/>
               <a:t>index.html</a:t>
             </a:r>
-            <a:endParaRPr lang="en-SG" sz="1600" b="1" dirty="0"/>
+            <a:endParaRPr lang="en-SG" sz="1601" b="1" dirty="0"/>
           </a:p>
         </p:txBody>
       </p:sp>
       <p:cxnSp>
         <p:nvCxnSpPr>
-          <p:cNvPr id="119" name="Elbow Connector 118"/>
+          <p:cNvPr id="210" name="Elbow Connector 209"/>
           <p:cNvCxnSpPr>
-            <a:stCxn id="162" idx="3"/>
-            <a:endCxn id="118" idx="1"/>
+            <a:stCxn id="153" idx="3"/>
+            <a:endCxn id="209" idx="1"/>
           </p:cNvCxnSpPr>
           <p:nvPr/>
         </p:nvCxnSpPr>
         <p:spPr>
           <a:xfrm flipV="1">
-            <a:off x="1218607" y="5723459"/>
-            <a:ext cx="578919" cy="445962"/>
+            <a:off x="1218611" y="4726507"/>
+            <a:ext cx="578919" cy="543594"/>
           </a:xfrm>
           <a:prstGeom prst="bentConnector3">
             <a:avLst>
@@ -7633,21 +6925,21 @@
       </p:cxnSp>
       <p:grpSp>
         <p:nvGrpSpPr>
-          <p:cNvPr id="120" name="Group 119"/>
+          <p:cNvPr id="211" name="Group 210"/>
           <p:cNvGrpSpPr/>
           <p:nvPr/>
         </p:nvGrpSpPr>
         <p:grpSpPr>
           <a:xfrm>
-            <a:off x="7814935" y="5795475"/>
-            <a:ext cx="1291478" cy="575162"/>
+            <a:off x="7814936" y="4667559"/>
+            <a:ext cx="1291478" cy="575163"/>
             <a:chOff x="3179250" y="6547958"/>
             <a:chExt cx="1663102" cy="575162"/>
           </a:xfrm>
         </p:grpSpPr>
         <p:sp>
           <p:nvSpPr>
-            <p:cNvPr id="122" name="Folded Corner 121"/>
+            <p:cNvPr id="212" name="Folded Corner 211"/>
             <p:cNvSpPr/>
             <p:nvPr/>
           </p:nvSpPr>
@@ -7681,13 +6973,13 @@
             <a:lstStyle/>
             <a:p>
               <a:pPr algn="ctr"/>
-              <a:endParaRPr lang="en-SG" sz="1600" b="1" dirty="0"/>
+              <a:endParaRPr lang="en-SG" sz="1601" b="1" dirty="0"/>
             </a:p>
           </p:txBody>
         </p:sp>
         <p:sp>
           <p:nvSpPr>
-            <p:cNvPr id="123" name="Folded Corner 122"/>
+            <p:cNvPr id="213" name="Folded Corner 212"/>
             <p:cNvSpPr/>
             <p:nvPr/>
           </p:nvSpPr>
@@ -7721,13 +7013,13 @@
             <a:lstStyle/>
             <a:p>
               <a:pPr algn="ctr"/>
-              <a:endParaRPr lang="en-SG" sz="1600" b="1" dirty="0"/>
+              <a:endParaRPr lang="en-SG" sz="1601" b="1" dirty="0"/>
             </a:p>
           </p:txBody>
         </p:sp>
         <p:sp>
           <p:nvSpPr>
-            <p:cNvPr id="124" name="Folded Corner 123"/>
+            <p:cNvPr id="214" name="Folded Corner 213"/>
             <p:cNvSpPr/>
             <p:nvPr/>
           </p:nvSpPr>
@@ -7762,35 +7054,35 @@
             <a:p>
               <a:pPr algn="ctr"/>
               <a:r>
-                <a:rPr lang="en-US" sz="1600" b="1" dirty="0" smtClean="0"/>
+                <a:rPr lang="en-US" sz="1601" b="1" dirty="0"/>
                 <a:t>*.</a:t>
               </a:r>
               <a:r>
-                <a:rPr lang="en-US" sz="1600" b="1" dirty="0" err="1" smtClean="0"/>
+                <a:rPr lang="en-US" sz="1601" b="1" dirty="0" err="1"/>
                 <a:t>scss</a:t>
               </a:r>
-              <a:endParaRPr lang="en-SG" sz="1600" b="1" dirty="0"/>
+              <a:endParaRPr lang="en-SG" sz="1601" b="1" dirty="0"/>
             </a:p>
           </p:txBody>
         </p:sp>
       </p:grpSp>
       <p:grpSp>
         <p:nvGrpSpPr>
-          <p:cNvPr id="136" name="Group 135"/>
+          <p:cNvPr id="215" name="Group 214"/>
           <p:cNvGrpSpPr/>
           <p:nvPr/>
         </p:nvGrpSpPr>
         <p:grpSpPr>
           <a:xfrm>
-            <a:off x="6975363" y="6481275"/>
-            <a:ext cx="1291478" cy="575162"/>
+            <a:off x="6975363" y="5353359"/>
+            <a:ext cx="1291478" cy="575163"/>
             <a:chOff x="3179250" y="6547958"/>
             <a:chExt cx="1663102" cy="575162"/>
           </a:xfrm>
         </p:grpSpPr>
         <p:sp>
           <p:nvSpPr>
-            <p:cNvPr id="137" name="Folded Corner 136"/>
+            <p:cNvPr id="216" name="Folded Corner 215"/>
             <p:cNvSpPr/>
             <p:nvPr/>
           </p:nvSpPr>
@@ -7824,13 +7116,13 @@
             <a:lstStyle/>
             <a:p>
               <a:pPr algn="ctr"/>
-              <a:endParaRPr lang="en-SG" sz="1600" b="1" dirty="0"/>
+              <a:endParaRPr lang="en-SG" sz="1601" b="1" dirty="0"/>
             </a:p>
           </p:txBody>
         </p:sp>
         <p:sp>
           <p:nvSpPr>
-            <p:cNvPr id="138" name="Folded Corner 137"/>
+            <p:cNvPr id="217" name="Folded Corner 216"/>
             <p:cNvSpPr/>
             <p:nvPr/>
           </p:nvSpPr>
@@ -7864,13 +7156,13 @@
             <a:lstStyle/>
             <a:p>
               <a:pPr algn="ctr"/>
-              <a:endParaRPr lang="en-SG" sz="1600" b="1" dirty="0"/>
+              <a:endParaRPr lang="en-SG" sz="1601" b="1" dirty="0"/>
             </a:p>
           </p:txBody>
         </p:sp>
         <p:sp>
           <p:nvSpPr>
-            <p:cNvPr id="139" name="Folded Corner 138"/>
+            <p:cNvPr id="218" name="Folded Corner 217"/>
             <p:cNvSpPr/>
             <p:nvPr/>
           </p:nvSpPr>
@@ -7905,39 +7197,39 @@
             <a:p>
               <a:pPr algn="ctr"/>
               <a:r>
-                <a:rPr lang="en-US" sz="1600" b="1" dirty="0" smtClean="0"/>
+                <a:rPr lang="en-US" sz="1601" b="1" dirty="0"/>
                 <a:t>*.</a:t>
               </a:r>
               <a:r>
-                <a:rPr lang="en-US" sz="1600" b="1" dirty="0" err="1"/>
+                <a:rPr lang="en-US" sz="1601" b="1" dirty="0" err="1"/>
                 <a:t>t</a:t>
               </a:r>
               <a:r>
-                <a:rPr lang="en-US" sz="1600" b="1" dirty="0" err="1" smtClean="0"/>
+                <a:rPr lang="en-US" sz="1601" b="1" dirty="0" err="1"/>
                 <a:t>s</a:t>
               </a:r>
-              <a:endParaRPr lang="en-SG" sz="1600" b="1" dirty="0"/>
+              <a:endParaRPr lang="en-SG" sz="1601" b="1" dirty="0"/>
             </a:p>
           </p:txBody>
         </p:sp>
       </p:grpSp>
       <p:grpSp>
         <p:nvGrpSpPr>
-          <p:cNvPr id="140" name="Group 139"/>
+          <p:cNvPr id="219" name="Group 218"/>
           <p:cNvGrpSpPr/>
           <p:nvPr/>
         </p:nvGrpSpPr>
         <p:grpSpPr>
           <a:xfrm>
-            <a:off x="6214222" y="5795475"/>
-            <a:ext cx="1291478" cy="575162"/>
+            <a:off x="6214224" y="4667559"/>
+            <a:ext cx="1291478" cy="575163"/>
             <a:chOff x="3179250" y="6547958"/>
             <a:chExt cx="1663102" cy="575162"/>
           </a:xfrm>
         </p:grpSpPr>
         <p:sp>
           <p:nvSpPr>
-            <p:cNvPr id="142" name="Folded Corner 141"/>
+            <p:cNvPr id="220" name="Folded Corner 219"/>
             <p:cNvSpPr/>
             <p:nvPr/>
           </p:nvSpPr>
@@ -7971,13 +7263,13 @@
             <a:lstStyle/>
             <a:p>
               <a:pPr algn="ctr"/>
-              <a:endParaRPr lang="en-SG" sz="1600" b="1" dirty="0"/>
+              <a:endParaRPr lang="en-SG" sz="1601" b="1" dirty="0"/>
             </a:p>
           </p:txBody>
         </p:sp>
         <p:sp>
           <p:nvSpPr>
-            <p:cNvPr id="144" name="Folded Corner 143"/>
+            <p:cNvPr id="221" name="Folded Corner 220"/>
             <p:cNvSpPr/>
             <p:nvPr/>
           </p:nvSpPr>
@@ -8011,13 +7303,13 @@
             <a:lstStyle/>
             <a:p>
               <a:pPr algn="ctr"/>
-              <a:endParaRPr lang="en-SG" sz="1600" b="1" dirty="0"/>
+              <a:endParaRPr lang="en-SG" sz="1601" b="1" dirty="0"/>
             </a:p>
           </p:txBody>
         </p:sp>
         <p:sp>
           <p:nvSpPr>
-            <p:cNvPr id="146" name="Folded Corner 145"/>
+            <p:cNvPr id="222" name="Folded Corner 221"/>
             <p:cNvSpPr/>
             <p:nvPr/>
           </p:nvSpPr>
@@ -8052,24 +7344,24 @@
             <a:p>
               <a:pPr algn="ctr"/>
               <a:r>
-                <a:rPr lang="en-US" sz="1600" b="1" dirty="0" smtClean="0"/>
+                <a:rPr lang="en-US" sz="1601" b="1" dirty="0"/>
                 <a:t>*.html</a:t>
               </a:r>
-              <a:endParaRPr lang="en-SG" sz="1600" b="1" dirty="0"/>
+              <a:endParaRPr lang="en-SG" sz="1601" b="1" dirty="0"/>
             </a:p>
           </p:txBody>
         </p:sp>
       </p:grpSp>
       <p:sp>
         <p:nvSpPr>
-          <p:cNvPr id="14" name="Rectangle 13"/>
+          <p:cNvPr id="223" name="Rectangle 222"/>
           <p:cNvSpPr/>
           <p:nvPr/>
         </p:nvSpPr>
         <p:spPr>
           <a:xfrm>
-            <a:off x="1605962" y="5402473"/>
-            <a:ext cx="3336240" cy="1725429"/>
+            <a:off x="1605966" y="4405526"/>
+            <a:ext cx="3336239" cy="1725429"/>
           </a:xfrm>
           <a:prstGeom prst="rect">
             <a:avLst/>
@@ -8103,19 +7395,19 @@
           <a:lstStyle/>
           <a:p>
             <a:pPr algn="ctr"/>
-            <a:endParaRPr lang="en-AU"/>
-          </a:p>
-        </p:txBody>
-      </p:sp>
-      <p:sp>
-        <p:nvSpPr>
-          <p:cNvPr id="147" name="Rectangle 146"/>
+            <a:endParaRPr lang="en-AU" sz="1540"/>
+          </a:p>
+        </p:txBody>
+      </p:sp>
+      <p:sp>
+        <p:nvSpPr>
+          <p:cNvPr id="224" name="Rectangle 223"/>
           <p:cNvSpPr/>
           <p:nvPr/>
         </p:nvSpPr>
         <p:spPr>
           <a:xfrm>
-            <a:off x="6095919" y="5677781"/>
+            <a:off x="6095925" y="4549863"/>
             <a:ext cx="3162381" cy="1509624"/>
           </a:xfrm>
           <a:prstGeom prst="rect">
@@ -8150,20 +7442,20 @@
           <a:lstStyle/>
           <a:p>
             <a:pPr algn="ctr"/>
-            <a:endParaRPr lang="en-AU"/>
-          </a:p>
-        </p:txBody>
-      </p:sp>
-      <p:sp>
-        <p:nvSpPr>
-          <p:cNvPr id="149" name="TextBox 148"/>
+            <a:endParaRPr lang="en-AU" sz="1540"/>
+          </a:p>
+        </p:txBody>
+      </p:sp>
+      <p:sp>
+        <p:nvSpPr>
+          <p:cNvPr id="225" name="TextBox 224"/>
           <p:cNvSpPr txBox="1"/>
           <p:nvPr/>
         </p:nvSpPr>
         <p:spPr>
           <a:xfrm>
-            <a:off x="4942202" y="6111298"/>
-            <a:ext cx="1153718" cy="259339"/>
+            <a:off x="4942204" y="5114351"/>
+            <a:ext cx="1153719" cy="259338"/>
           </a:xfrm>
           <a:prstGeom prst="rect">
             <a:avLst/>
@@ -8208,14 +7500,14 @@
           <a:p>
             <a:pPr algn="ctr"/>
             <a:r>
-              <a:rPr lang="en-US" dirty="0" smtClean="0">
+              <a:rPr lang="en-US" sz="1401" dirty="0">
                 <a:solidFill>
                   <a:schemeClr val="tx1"/>
                 </a:solidFill>
               </a:rPr>
               <a:t>built from</a:t>
             </a:r>
-            <a:endParaRPr lang="en-SG" dirty="0">
+            <a:endParaRPr lang="en-SG" sz="1401" dirty="0">
               <a:solidFill>
                 <a:schemeClr val="tx1"/>
               </a:solidFill>
